--- a/Scala_metaprogramming.pptx
+++ b/Scala_metaprogramming.pptx
@@ -5,14 +5,25 @@
     <p:sldMasterId id="2147483648" r:id="rId1"/>
   </p:sldMasterIdLst>
   <p:notesMasterIdLst>
-    <p:notesMasterId r:id="rId7"/>
+    <p:notesMasterId r:id="rId18"/>
   </p:notesMasterIdLst>
   <p:sldIdLst>
     <p:sldId id="351" r:id="rId2"/>
     <p:sldId id="446" r:id="rId3"/>
     <p:sldId id="452" r:id="rId4"/>
-    <p:sldId id="457" r:id="rId5"/>
-    <p:sldId id="445" r:id="rId6"/>
+    <p:sldId id="458" r:id="rId5"/>
+    <p:sldId id="459" r:id="rId6"/>
+    <p:sldId id="460" r:id="rId7"/>
+    <p:sldId id="457" r:id="rId8"/>
+    <p:sldId id="461" r:id="rId9"/>
+    <p:sldId id="462" r:id="rId10"/>
+    <p:sldId id="463" r:id="rId11"/>
+    <p:sldId id="464" r:id="rId12"/>
+    <p:sldId id="465" r:id="rId13"/>
+    <p:sldId id="466" r:id="rId14"/>
+    <p:sldId id="468" r:id="rId15"/>
+    <p:sldId id="467" r:id="rId16"/>
+    <p:sldId id="445" r:id="rId17"/>
   </p:sldIdLst>
   <p:sldSz cx="9144000" cy="6858000" type="screen4x3"/>
   <p:notesSz cx="6858000" cy="9144000"/>
@@ -212,7 +223,7 @@
           <a:p>
             <a:fld id="{067803CE-B60F-43EB-9075-5B30E94D311F}" type="datetimeFigureOut">
               <a:rPr lang="en-US" smtClean="0"/>
-              <a:t>5/8/2016</a:t>
+              <a:t>5/9/2016</a:t>
             </a:fld>
             <a:endParaRPr lang="en-US"/>
           </a:p>
@@ -661,7 +672,7 @@
           <a:p>
             <a:fld id="{9B6A8A6C-B969-4849-A48A-2FD437CE6A36}" type="datetimeFigureOut">
               <a:rPr lang="en-US" smtClean="0"/>
-              <a:t>5/8/2016</a:t>
+              <a:t>5/9/2016</a:t>
             </a:fld>
             <a:endParaRPr lang="en-US"/>
           </a:p>
@@ -826,7 +837,7 @@
           <a:p>
             <a:fld id="{9B6A8A6C-B969-4849-A48A-2FD437CE6A36}" type="datetimeFigureOut">
               <a:rPr lang="en-US" smtClean="0"/>
-              <a:t>5/8/2016</a:t>
+              <a:t>5/9/2016</a:t>
             </a:fld>
             <a:endParaRPr lang="en-US"/>
           </a:p>
@@ -1001,7 +1012,7 @@
           <a:p>
             <a:fld id="{9B6A8A6C-B969-4849-A48A-2FD437CE6A36}" type="datetimeFigureOut">
               <a:rPr lang="en-US" smtClean="0"/>
-              <a:t>5/8/2016</a:t>
+              <a:t>5/9/2016</a:t>
             </a:fld>
             <a:endParaRPr lang="en-US"/>
           </a:p>
@@ -1166,7 +1177,7 @@
           <a:p>
             <a:fld id="{9B6A8A6C-B969-4849-A48A-2FD437CE6A36}" type="datetimeFigureOut">
               <a:rPr lang="en-US" smtClean="0"/>
-              <a:t>5/8/2016</a:t>
+              <a:t>5/9/2016</a:t>
             </a:fld>
             <a:endParaRPr lang="en-US"/>
           </a:p>
@@ -1407,7 +1418,7 @@
           <a:p>
             <a:fld id="{9B6A8A6C-B969-4849-A48A-2FD437CE6A36}" type="datetimeFigureOut">
               <a:rPr lang="en-US" smtClean="0"/>
-              <a:t>5/8/2016</a:t>
+              <a:t>5/9/2016</a:t>
             </a:fld>
             <a:endParaRPr lang="en-US"/>
           </a:p>
@@ -1690,7 +1701,7 @@
           <a:p>
             <a:fld id="{9B6A8A6C-B969-4849-A48A-2FD437CE6A36}" type="datetimeFigureOut">
               <a:rPr lang="en-US" smtClean="0"/>
-              <a:t>5/8/2016</a:t>
+              <a:t>5/9/2016</a:t>
             </a:fld>
             <a:endParaRPr lang="en-US"/>
           </a:p>
@@ -2107,7 +2118,7 @@
           <a:p>
             <a:fld id="{9B6A8A6C-B969-4849-A48A-2FD437CE6A36}" type="datetimeFigureOut">
               <a:rPr lang="en-US" smtClean="0"/>
-              <a:t>5/8/2016</a:t>
+              <a:t>5/9/2016</a:t>
             </a:fld>
             <a:endParaRPr lang="en-US"/>
           </a:p>
@@ -2220,7 +2231,7 @@
           <a:p>
             <a:fld id="{9B6A8A6C-B969-4849-A48A-2FD437CE6A36}" type="datetimeFigureOut">
               <a:rPr lang="en-US" smtClean="0"/>
-              <a:t>5/8/2016</a:t>
+              <a:t>5/9/2016</a:t>
             </a:fld>
             <a:endParaRPr lang="en-US"/>
           </a:p>
@@ -2310,7 +2321,7 @@
           <a:p>
             <a:fld id="{9B6A8A6C-B969-4849-A48A-2FD437CE6A36}" type="datetimeFigureOut">
               <a:rPr lang="en-US" smtClean="0"/>
-              <a:t>5/8/2016</a:t>
+              <a:t>5/9/2016</a:t>
             </a:fld>
             <a:endParaRPr lang="en-US"/>
           </a:p>
@@ -2582,7 +2593,7 @@
           <a:p>
             <a:fld id="{9B6A8A6C-B969-4849-A48A-2FD437CE6A36}" type="datetimeFigureOut">
               <a:rPr lang="en-US" smtClean="0"/>
-              <a:t>5/8/2016</a:t>
+              <a:t>5/9/2016</a:t>
             </a:fld>
             <a:endParaRPr lang="en-US"/>
           </a:p>
@@ -2830,7 +2841,7 @@
           <a:p>
             <a:fld id="{9B6A8A6C-B969-4849-A48A-2FD437CE6A36}" type="datetimeFigureOut">
               <a:rPr lang="en-US" smtClean="0"/>
-              <a:t>5/8/2016</a:t>
+              <a:t>5/9/2016</a:t>
             </a:fld>
             <a:endParaRPr lang="en-US"/>
           </a:p>
@@ -3038,7 +3049,7 @@
           <a:p>
             <a:fld id="{9B6A8A6C-B969-4849-A48A-2FD437CE6A36}" type="datetimeFigureOut">
               <a:rPr lang="en-US" smtClean="0"/>
-              <a:t>5/8/2016</a:t>
+              <a:t>5/9/2016</a:t>
             </a:fld>
             <a:endParaRPr lang="en-US"/>
           </a:p>
@@ -3529,6 +3540,965 @@
 </p:sld>
 </file>
 
+<file path=ppt/slides/slide10.xml><?xml version="1.0" encoding="utf-8"?>
+<p:sld xmlns:a="http://schemas.openxmlformats.org/drawingml/2006/main" xmlns:r="http://schemas.openxmlformats.org/officeDocument/2006/relationships" xmlns:p="http://schemas.openxmlformats.org/presentationml/2006/main">
+  <p:cSld>
+    <p:spTree>
+      <p:nvGrpSpPr>
+        <p:cNvPr id="1" name=""/>
+        <p:cNvGrpSpPr/>
+        <p:nvPr/>
+      </p:nvGrpSpPr>
+      <p:grpSpPr>
+        <a:xfrm>
+          <a:off x="0" y="0"/>
+          <a:ext cx="0" cy="0"/>
+          <a:chOff x="0" y="0"/>
+          <a:chExt cx="0" cy="0"/>
+        </a:xfrm>
+      </p:grpSpPr>
+      <p:sp>
+        <p:nvSpPr>
+          <p:cNvPr id="13" name="Title 1"/>
+          <p:cNvSpPr>
+            <a:spLocks noGrp="1"/>
+          </p:cNvSpPr>
+          <p:nvPr>
+            <p:ph type="title"/>
+          </p:nvPr>
+        </p:nvSpPr>
+        <p:spPr>
+          <a:xfrm>
+            <a:off x="457200" y="274638"/>
+            <a:ext cx="8229600" cy="1143000"/>
+          </a:xfrm>
+        </p:spPr>
+        <p:txBody>
+          <a:bodyPr>
+            <a:normAutofit/>
+          </a:bodyPr>
+          <a:lstStyle/>
+          <a:p>
+            <a:pPr algn="l"/>
+            <a:r>
+              <a:rPr lang="en-US" dirty="0" smtClean="0">
+                <a:solidFill>
+                  <a:schemeClr val="bg1">
+                    <a:lumMod val="50000"/>
+                  </a:schemeClr>
+                </a:solidFill>
+                <a:latin typeface="Comic Sans MS"/>
+              </a:rPr>
+              <a:t>Macro paradise</a:t>
+            </a:r>
+            <a:endParaRPr lang="en-US" dirty="0"/>
+          </a:p>
+        </p:txBody>
+      </p:sp>
+      <p:sp>
+        <p:nvSpPr>
+          <p:cNvPr id="4" name="TextBox 3"/>
+          <p:cNvSpPr txBox="1"/>
+          <p:nvPr/>
+        </p:nvSpPr>
+        <p:spPr>
+          <a:xfrm>
+            <a:off x="563672" y="1691014"/>
+            <a:ext cx="7818328" cy="369332"/>
+          </a:xfrm>
+          <a:prstGeom prst="rect">
+            <a:avLst/>
+          </a:prstGeom>
+          <a:noFill/>
+        </p:spPr>
+        <p:txBody>
+          <a:bodyPr wrap="square" rtlCol="0">
+            <a:spAutoFit/>
+          </a:bodyPr>
+          <a:lstStyle/>
+          <a:p>
+            <a:pPr marL="285750" indent="-285750">
+              <a:buFont typeface="Arial" panose="020B0604020202020204" pitchFamily="34" charset="0"/>
+              <a:buChar char="•"/>
+            </a:pPr>
+            <a:r>
+              <a:rPr lang="lv-LV" dirty="0" smtClean="0">
+                <a:latin typeface="Comic Sans MS" panose="030F0702030302020204" pitchFamily="66" charset="0"/>
+                <a:cs typeface="Consolas" panose="020B0609020204030204" pitchFamily="49" charset="0"/>
+              </a:rPr>
+              <a:t>TODO</a:t>
+            </a:r>
+            <a:endParaRPr lang="en-GB" dirty="0">
+              <a:latin typeface="Comic Sans MS" panose="030F0702030302020204" pitchFamily="66" charset="0"/>
+              <a:cs typeface="Consolas" panose="020B0609020204030204" pitchFamily="49" charset="0"/>
+            </a:endParaRPr>
+          </a:p>
+        </p:txBody>
+      </p:sp>
+    </p:spTree>
+    <p:extLst>
+      <p:ext uri="{BB962C8B-B14F-4D97-AF65-F5344CB8AC3E}">
+        <p14:creationId xmlns:p14="http://schemas.microsoft.com/office/powerpoint/2010/main" val="200280266"/>
+      </p:ext>
+    </p:extLst>
+  </p:cSld>
+  <p:clrMapOvr>
+    <a:masterClrMapping/>
+  </p:clrMapOvr>
+  <p:timing>
+    <p:tnLst>
+      <p:par>
+        <p:cTn id="1" dur="indefinite" restart="never" nodeType="tmRoot"/>
+      </p:par>
+    </p:tnLst>
+  </p:timing>
+</p:sld>
+</file>
+
+<file path=ppt/slides/slide11.xml><?xml version="1.0" encoding="utf-8"?>
+<p:sld xmlns:a="http://schemas.openxmlformats.org/drawingml/2006/main" xmlns:r="http://schemas.openxmlformats.org/officeDocument/2006/relationships" xmlns:p="http://schemas.openxmlformats.org/presentationml/2006/main">
+  <p:cSld>
+    <p:spTree>
+      <p:nvGrpSpPr>
+        <p:cNvPr id="1" name=""/>
+        <p:cNvGrpSpPr/>
+        <p:nvPr/>
+      </p:nvGrpSpPr>
+      <p:grpSpPr>
+        <a:xfrm>
+          <a:off x="0" y="0"/>
+          <a:ext cx="0" cy="0"/>
+          <a:chOff x="0" y="0"/>
+          <a:chExt cx="0" cy="0"/>
+        </a:xfrm>
+      </p:grpSpPr>
+      <p:sp>
+        <p:nvSpPr>
+          <p:cNvPr id="13" name="Title 1"/>
+          <p:cNvSpPr>
+            <a:spLocks noGrp="1"/>
+          </p:cNvSpPr>
+          <p:nvPr>
+            <p:ph type="title"/>
+          </p:nvPr>
+        </p:nvSpPr>
+        <p:spPr>
+          <a:xfrm>
+            <a:off x="457200" y="274638"/>
+            <a:ext cx="8229600" cy="1143000"/>
+          </a:xfrm>
+        </p:spPr>
+        <p:txBody>
+          <a:bodyPr>
+            <a:normAutofit fontScale="90000"/>
+          </a:bodyPr>
+          <a:lstStyle/>
+          <a:p>
+            <a:pPr algn="l"/>
+            <a:r>
+              <a:rPr lang="en-US" dirty="0" smtClean="0">
+                <a:solidFill>
+                  <a:schemeClr val="bg1">
+                    <a:lumMod val="50000"/>
+                  </a:schemeClr>
+                </a:solidFill>
+                <a:latin typeface="Comic Sans MS"/>
+              </a:rPr>
+              <a:t>Metaprogramming beyond macros</a:t>
+            </a:r>
+            <a:endParaRPr lang="en-US" dirty="0"/>
+          </a:p>
+        </p:txBody>
+      </p:sp>
+      <p:sp>
+        <p:nvSpPr>
+          <p:cNvPr id="4" name="TextBox 3"/>
+          <p:cNvSpPr txBox="1"/>
+          <p:nvPr/>
+        </p:nvSpPr>
+        <p:spPr>
+          <a:xfrm>
+            <a:off x="563672" y="1691014"/>
+            <a:ext cx="7818328" cy="3170099"/>
+          </a:xfrm>
+          <a:prstGeom prst="rect">
+            <a:avLst/>
+          </a:prstGeom>
+          <a:noFill/>
+        </p:spPr>
+        <p:txBody>
+          <a:bodyPr wrap="square" rtlCol="0">
+            <a:spAutoFit/>
+          </a:bodyPr>
+          <a:lstStyle/>
+          <a:p>
+            <a:pPr marL="285750" indent="-285750">
+              <a:buFont typeface="Arial" panose="020B0604020202020204" pitchFamily="34" charset="0"/>
+              <a:buChar char="•"/>
+            </a:pPr>
+            <a:r>
+              <a:rPr lang="en-US" sz="4000" dirty="0" smtClean="0">
+                <a:latin typeface="Comic Sans MS" panose="030F0702030302020204" pitchFamily="66" charset="0"/>
+                <a:cs typeface="Consolas" panose="020B0609020204030204" pitchFamily="49" charset="0"/>
+              </a:rPr>
+              <a:t>Reflection</a:t>
+            </a:r>
+          </a:p>
+          <a:p>
+            <a:pPr marL="285750" indent="-285750">
+              <a:buFont typeface="Arial" panose="020B0604020202020204" pitchFamily="34" charset="0"/>
+              <a:buChar char="•"/>
+            </a:pPr>
+            <a:r>
+              <a:rPr lang="en-US" sz="4000" dirty="0" smtClean="0">
+                <a:latin typeface="Comic Sans MS" panose="030F0702030302020204" pitchFamily="66" charset="0"/>
+                <a:cs typeface="Consolas" panose="020B0609020204030204" pitchFamily="49" charset="0"/>
+              </a:rPr>
+              <a:t>Compiler plugins</a:t>
+            </a:r>
+          </a:p>
+          <a:p>
+            <a:pPr marL="285750" indent="-285750">
+              <a:buFont typeface="Arial" panose="020B0604020202020204" pitchFamily="34" charset="0"/>
+              <a:buChar char="•"/>
+            </a:pPr>
+            <a:r>
+              <a:rPr lang="en-US" sz="4000" dirty="0" smtClean="0">
+                <a:latin typeface="Comic Sans MS" panose="030F0702030302020204" pitchFamily="66" charset="0"/>
+                <a:cs typeface="Consolas" panose="020B0609020204030204" pitchFamily="49" charset="0"/>
+              </a:rPr>
+              <a:t>Fork the Scala compiler</a:t>
+            </a:r>
+          </a:p>
+          <a:p>
+            <a:pPr marL="285750" indent="-285750">
+              <a:buFont typeface="Arial" panose="020B0604020202020204" pitchFamily="34" charset="0"/>
+              <a:buChar char="•"/>
+            </a:pPr>
+            <a:endParaRPr lang="en-US" sz="4000" dirty="0" smtClean="0">
+              <a:latin typeface="Comic Sans MS" panose="030F0702030302020204" pitchFamily="66" charset="0"/>
+              <a:cs typeface="Consolas" panose="020B0609020204030204" pitchFamily="49" charset="0"/>
+            </a:endParaRPr>
+          </a:p>
+          <a:p>
+            <a:pPr marL="285750" indent="-285750">
+              <a:buFont typeface="Arial" panose="020B0604020202020204" pitchFamily="34" charset="0"/>
+              <a:buChar char="•"/>
+            </a:pPr>
+            <a:r>
+              <a:rPr lang="en-US" sz="4000" dirty="0">
+                <a:latin typeface="Comic Sans MS" panose="030F0702030302020204" pitchFamily="66" charset="0"/>
+                <a:cs typeface="Consolas" panose="020B0609020204030204" pitchFamily="49" charset="0"/>
+              </a:rPr>
+              <a:t>SBT plugins … sort </a:t>
+            </a:r>
+            <a:r>
+              <a:rPr lang="en-US" sz="4000" dirty="0" smtClean="0">
+                <a:latin typeface="Comic Sans MS" panose="030F0702030302020204" pitchFamily="66" charset="0"/>
+                <a:cs typeface="Consolas" panose="020B0609020204030204" pitchFamily="49" charset="0"/>
+              </a:rPr>
+              <a:t>of</a:t>
+            </a:r>
+            <a:endParaRPr lang="en-US" sz="4000" dirty="0">
+              <a:latin typeface="Comic Sans MS" panose="030F0702030302020204" pitchFamily="66" charset="0"/>
+              <a:cs typeface="Consolas" panose="020B0609020204030204" pitchFamily="49" charset="0"/>
+            </a:endParaRPr>
+          </a:p>
+        </p:txBody>
+      </p:sp>
+    </p:spTree>
+    <p:extLst>
+      <p:ext uri="{BB962C8B-B14F-4D97-AF65-F5344CB8AC3E}">
+        <p14:creationId xmlns:p14="http://schemas.microsoft.com/office/powerpoint/2010/main" val="538566248"/>
+      </p:ext>
+    </p:extLst>
+  </p:cSld>
+  <p:clrMapOvr>
+    <a:masterClrMapping/>
+  </p:clrMapOvr>
+  <p:timing>
+    <p:tnLst>
+      <p:par>
+        <p:cTn id="1" dur="indefinite" restart="never" nodeType="tmRoot"/>
+      </p:par>
+    </p:tnLst>
+  </p:timing>
+</p:sld>
+</file>
+
+<file path=ppt/slides/slide12.xml><?xml version="1.0" encoding="utf-8"?>
+<p:sld xmlns:a="http://schemas.openxmlformats.org/drawingml/2006/main" xmlns:r="http://schemas.openxmlformats.org/officeDocument/2006/relationships" xmlns:p="http://schemas.openxmlformats.org/presentationml/2006/main">
+  <p:cSld>
+    <p:spTree>
+      <p:nvGrpSpPr>
+        <p:cNvPr id="1" name=""/>
+        <p:cNvGrpSpPr/>
+        <p:nvPr/>
+      </p:nvGrpSpPr>
+      <p:grpSpPr>
+        <a:xfrm>
+          <a:off x="0" y="0"/>
+          <a:ext cx="0" cy="0"/>
+          <a:chOff x="0" y="0"/>
+          <a:chExt cx="0" cy="0"/>
+        </a:xfrm>
+      </p:grpSpPr>
+      <p:sp>
+        <p:nvSpPr>
+          <p:cNvPr id="13" name="Title 1"/>
+          <p:cNvSpPr>
+            <a:spLocks noGrp="1"/>
+          </p:cNvSpPr>
+          <p:nvPr>
+            <p:ph type="title"/>
+          </p:nvPr>
+        </p:nvSpPr>
+        <p:spPr>
+          <a:xfrm>
+            <a:off x="457200" y="274638"/>
+            <a:ext cx="8229600" cy="1143000"/>
+          </a:xfrm>
+        </p:spPr>
+        <p:txBody>
+          <a:bodyPr>
+            <a:normAutofit/>
+          </a:bodyPr>
+          <a:lstStyle/>
+          <a:p>
+            <a:pPr algn="l"/>
+            <a:r>
+              <a:rPr lang="en-US" dirty="0" smtClean="0">
+                <a:solidFill>
+                  <a:schemeClr val="bg1">
+                    <a:lumMod val="50000"/>
+                  </a:schemeClr>
+                </a:solidFill>
+                <a:latin typeface="Comic Sans MS"/>
+              </a:rPr>
+              <a:t>Reflection in Scala</a:t>
+            </a:r>
+            <a:endParaRPr lang="en-US" dirty="0">
+              <a:solidFill>
+                <a:schemeClr val="bg1">
+                  <a:lumMod val="50000"/>
+                </a:schemeClr>
+              </a:solidFill>
+              <a:latin typeface="Comic Sans MS"/>
+            </a:endParaRPr>
+          </a:p>
+        </p:txBody>
+      </p:sp>
+      <p:sp>
+        <p:nvSpPr>
+          <p:cNvPr id="4" name="TextBox 3"/>
+          <p:cNvSpPr txBox="1"/>
+          <p:nvPr/>
+        </p:nvSpPr>
+        <p:spPr>
+          <a:xfrm>
+            <a:off x="563672" y="1691014"/>
+            <a:ext cx="7818328" cy="369332"/>
+          </a:xfrm>
+          <a:prstGeom prst="rect">
+            <a:avLst/>
+          </a:prstGeom>
+          <a:noFill/>
+        </p:spPr>
+        <p:txBody>
+          <a:bodyPr wrap="square" rtlCol="0">
+            <a:spAutoFit/>
+          </a:bodyPr>
+          <a:lstStyle/>
+          <a:p>
+            <a:pPr marL="285750" indent="-285750">
+              <a:buFont typeface="Arial" panose="020B0604020202020204" pitchFamily="34" charset="0"/>
+              <a:buChar char="•"/>
+            </a:pPr>
+            <a:r>
+              <a:rPr lang="lv-LV" dirty="0" smtClean="0">
+                <a:latin typeface="Comic Sans MS" panose="030F0702030302020204" pitchFamily="66" charset="0"/>
+                <a:cs typeface="Consolas" panose="020B0609020204030204" pitchFamily="49" charset="0"/>
+              </a:rPr>
+              <a:t>TODO</a:t>
+            </a:r>
+            <a:endParaRPr lang="en-GB" dirty="0">
+              <a:latin typeface="Comic Sans MS" panose="030F0702030302020204" pitchFamily="66" charset="0"/>
+              <a:cs typeface="Consolas" panose="020B0609020204030204" pitchFamily="49" charset="0"/>
+            </a:endParaRPr>
+          </a:p>
+        </p:txBody>
+      </p:sp>
+    </p:spTree>
+    <p:extLst>
+      <p:ext uri="{BB962C8B-B14F-4D97-AF65-F5344CB8AC3E}">
+        <p14:creationId xmlns:p14="http://schemas.microsoft.com/office/powerpoint/2010/main" val="224215076"/>
+      </p:ext>
+    </p:extLst>
+  </p:cSld>
+  <p:clrMapOvr>
+    <a:masterClrMapping/>
+  </p:clrMapOvr>
+  <p:timing>
+    <p:tnLst>
+      <p:par>
+        <p:cTn id="1" dur="indefinite" restart="never" nodeType="tmRoot"/>
+      </p:par>
+    </p:tnLst>
+  </p:timing>
+</p:sld>
+</file>
+
+<file path=ppt/slides/slide13.xml><?xml version="1.0" encoding="utf-8"?>
+<p:sld xmlns:a="http://schemas.openxmlformats.org/drawingml/2006/main" xmlns:r="http://schemas.openxmlformats.org/officeDocument/2006/relationships" xmlns:p="http://schemas.openxmlformats.org/presentationml/2006/main">
+  <p:cSld>
+    <p:spTree>
+      <p:nvGrpSpPr>
+        <p:cNvPr id="1" name=""/>
+        <p:cNvGrpSpPr/>
+        <p:nvPr/>
+      </p:nvGrpSpPr>
+      <p:grpSpPr>
+        <a:xfrm>
+          <a:off x="0" y="0"/>
+          <a:ext cx="0" cy="0"/>
+          <a:chOff x="0" y="0"/>
+          <a:chExt cx="0" cy="0"/>
+        </a:xfrm>
+      </p:grpSpPr>
+      <p:sp>
+        <p:nvSpPr>
+          <p:cNvPr id="13" name="Title 1"/>
+          <p:cNvSpPr>
+            <a:spLocks noGrp="1"/>
+          </p:cNvSpPr>
+          <p:nvPr>
+            <p:ph type="title"/>
+          </p:nvPr>
+        </p:nvSpPr>
+        <p:spPr>
+          <a:xfrm>
+            <a:off x="457200" y="274638"/>
+            <a:ext cx="8229600" cy="1143000"/>
+          </a:xfrm>
+        </p:spPr>
+        <p:txBody>
+          <a:bodyPr>
+            <a:normAutofit/>
+          </a:bodyPr>
+          <a:lstStyle/>
+          <a:p>
+            <a:pPr algn="l"/>
+            <a:r>
+              <a:rPr lang="en-US" dirty="0" smtClean="0">
+                <a:solidFill>
+                  <a:schemeClr val="bg1">
+                    <a:lumMod val="50000"/>
+                  </a:schemeClr>
+                </a:solidFill>
+                <a:latin typeface="Comic Sans MS"/>
+              </a:rPr>
+              <a:t>Compiler plugins</a:t>
+            </a:r>
+            <a:endParaRPr lang="en-US" dirty="0">
+              <a:solidFill>
+                <a:schemeClr val="bg1">
+                  <a:lumMod val="50000"/>
+                </a:schemeClr>
+              </a:solidFill>
+              <a:latin typeface="Comic Sans MS"/>
+            </a:endParaRPr>
+          </a:p>
+        </p:txBody>
+      </p:sp>
+      <p:sp>
+        <p:nvSpPr>
+          <p:cNvPr id="4" name="TextBox 3"/>
+          <p:cNvSpPr txBox="1"/>
+          <p:nvPr/>
+        </p:nvSpPr>
+        <p:spPr>
+          <a:xfrm>
+            <a:off x="563672" y="1691014"/>
+            <a:ext cx="7818328" cy="369332"/>
+          </a:xfrm>
+          <a:prstGeom prst="rect">
+            <a:avLst/>
+          </a:prstGeom>
+          <a:noFill/>
+        </p:spPr>
+        <p:txBody>
+          <a:bodyPr wrap="square" rtlCol="0">
+            <a:spAutoFit/>
+          </a:bodyPr>
+          <a:lstStyle/>
+          <a:p>
+            <a:pPr marL="285750" indent="-285750">
+              <a:buFont typeface="Arial" panose="020B0604020202020204" pitchFamily="34" charset="0"/>
+              <a:buChar char="•"/>
+            </a:pPr>
+            <a:r>
+              <a:rPr lang="lv-LV" dirty="0" smtClean="0">
+                <a:latin typeface="Comic Sans MS" panose="030F0702030302020204" pitchFamily="66" charset="0"/>
+                <a:cs typeface="Consolas" panose="020B0609020204030204" pitchFamily="49" charset="0"/>
+              </a:rPr>
+              <a:t>TODO</a:t>
+            </a:r>
+            <a:endParaRPr lang="en-GB" dirty="0">
+              <a:latin typeface="Comic Sans MS" panose="030F0702030302020204" pitchFamily="66" charset="0"/>
+              <a:cs typeface="Consolas" panose="020B0609020204030204" pitchFamily="49" charset="0"/>
+            </a:endParaRPr>
+          </a:p>
+        </p:txBody>
+      </p:sp>
+    </p:spTree>
+    <p:extLst>
+      <p:ext uri="{BB962C8B-B14F-4D97-AF65-F5344CB8AC3E}">
+        <p14:creationId xmlns:p14="http://schemas.microsoft.com/office/powerpoint/2010/main" val="3385901564"/>
+      </p:ext>
+    </p:extLst>
+  </p:cSld>
+  <p:clrMapOvr>
+    <a:masterClrMapping/>
+  </p:clrMapOvr>
+  <p:timing>
+    <p:tnLst>
+      <p:par>
+        <p:cTn id="1" dur="indefinite" restart="never" nodeType="tmRoot"/>
+      </p:par>
+    </p:tnLst>
+  </p:timing>
+</p:sld>
+</file>
+
+<file path=ppt/slides/slide14.xml><?xml version="1.0" encoding="utf-8"?>
+<p:sld xmlns:a="http://schemas.openxmlformats.org/drawingml/2006/main" xmlns:r="http://schemas.openxmlformats.org/officeDocument/2006/relationships" xmlns:p="http://schemas.openxmlformats.org/presentationml/2006/main">
+  <p:cSld>
+    <p:spTree>
+      <p:nvGrpSpPr>
+        <p:cNvPr id="1" name=""/>
+        <p:cNvGrpSpPr/>
+        <p:nvPr/>
+      </p:nvGrpSpPr>
+      <p:grpSpPr>
+        <a:xfrm>
+          <a:off x="0" y="0"/>
+          <a:ext cx="0" cy="0"/>
+          <a:chOff x="0" y="0"/>
+          <a:chExt cx="0" cy="0"/>
+        </a:xfrm>
+      </p:grpSpPr>
+      <p:sp>
+        <p:nvSpPr>
+          <p:cNvPr id="13" name="Title 1"/>
+          <p:cNvSpPr>
+            <a:spLocks noGrp="1"/>
+          </p:cNvSpPr>
+          <p:nvPr>
+            <p:ph type="title"/>
+          </p:nvPr>
+        </p:nvSpPr>
+        <p:spPr>
+          <a:xfrm>
+            <a:off x="457200" y="274638"/>
+            <a:ext cx="8229600" cy="1143000"/>
+          </a:xfrm>
+        </p:spPr>
+        <p:txBody>
+          <a:bodyPr>
+            <a:normAutofit/>
+          </a:bodyPr>
+          <a:lstStyle/>
+          <a:p>
+            <a:pPr algn="l"/>
+            <a:r>
+              <a:rPr lang="en-US" dirty="0" smtClean="0">
+                <a:solidFill>
+                  <a:schemeClr val="bg1">
+                    <a:lumMod val="50000"/>
+                  </a:schemeClr>
+                </a:solidFill>
+                <a:latin typeface="Comic Sans MS"/>
+              </a:rPr>
+              <a:t>Fork the Scala compiler</a:t>
+            </a:r>
+            <a:endParaRPr lang="en-US" dirty="0">
+              <a:solidFill>
+                <a:schemeClr val="bg1">
+                  <a:lumMod val="50000"/>
+                </a:schemeClr>
+              </a:solidFill>
+              <a:latin typeface="Comic Sans MS"/>
+            </a:endParaRPr>
+          </a:p>
+        </p:txBody>
+      </p:sp>
+      <p:sp>
+        <p:nvSpPr>
+          <p:cNvPr id="4" name="TextBox 3"/>
+          <p:cNvSpPr txBox="1"/>
+          <p:nvPr/>
+        </p:nvSpPr>
+        <p:spPr>
+          <a:xfrm>
+            <a:off x="563672" y="1691014"/>
+            <a:ext cx="7818328" cy="369332"/>
+          </a:xfrm>
+          <a:prstGeom prst="rect">
+            <a:avLst/>
+          </a:prstGeom>
+          <a:noFill/>
+        </p:spPr>
+        <p:txBody>
+          <a:bodyPr wrap="square" rtlCol="0">
+            <a:spAutoFit/>
+          </a:bodyPr>
+          <a:lstStyle/>
+          <a:p>
+            <a:pPr marL="285750" indent="-285750">
+              <a:buFont typeface="Arial" panose="020B0604020202020204" pitchFamily="34" charset="0"/>
+              <a:buChar char="•"/>
+            </a:pPr>
+            <a:r>
+              <a:rPr lang="lv-LV" dirty="0" smtClean="0">
+                <a:latin typeface="Comic Sans MS" panose="030F0702030302020204" pitchFamily="66" charset="0"/>
+                <a:cs typeface="Consolas" panose="020B0609020204030204" pitchFamily="49" charset="0"/>
+              </a:rPr>
+              <a:t>TODO</a:t>
+            </a:r>
+            <a:endParaRPr lang="en-GB" dirty="0">
+              <a:latin typeface="Comic Sans MS" panose="030F0702030302020204" pitchFamily="66" charset="0"/>
+              <a:cs typeface="Consolas" panose="020B0609020204030204" pitchFamily="49" charset="0"/>
+            </a:endParaRPr>
+          </a:p>
+        </p:txBody>
+      </p:sp>
+    </p:spTree>
+    <p:extLst>
+      <p:ext uri="{BB962C8B-B14F-4D97-AF65-F5344CB8AC3E}">
+        <p14:creationId xmlns:p14="http://schemas.microsoft.com/office/powerpoint/2010/main" val="3257364419"/>
+      </p:ext>
+    </p:extLst>
+  </p:cSld>
+  <p:clrMapOvr>
+    <a:masterClrMapping/>
+  </p:clrMapOvr>
+  <p:timing>
+    <p:tnLst>
+      <p:par>
+        <p:cTn id="1" dur="indefinite" restart="never" nodeType="tmRoot"/>
+      </p:par>
+    </p:tnLst>
+  </p:timing>
+</p:sld>
+</file>
+
+<file path=ppt/slides/slide15.xml><?xml version="1.0" encoding="utf-8"?>
+<p:sld xmlns:a="http://schemas.openxmlformats.org/drawingml/2006/main" xmlns:r="http://schemas.openxmlformats.org/officeDocument/2006/relationships" xmlns:p="http://schemas.openxmlformats.org/presentationml/2006/main">
+  <p:cSld>
+    <p:spTree>
+      <p:nvGrpSpPr>
+        <p:cNvPr id="1" name=""/>
+        <p:cNvGrpSpPr/>
+        <p:nvPr/>
+      </p:nvGrpSpPr>
+      <p:grpSpPr>
+        <a:xfrm>
+          <a:off x="0" y="0"/>
+          <a:ext cx="0" cy="0"/>
+          <a:chOff x="0" y="0"/>
+          <a:chExt cx="0" cy="0"/>
+        </a:xfrm>
+      </p:grpSpPr>
+      <p:sp>
+        <p:nvSpPr>
+          <p:cNvPr id="13" name="Title 1"/>
+          <p:cNvSpPr>
+            <a:spLocks noGrp="1"/>
+          </p:cNvSpPr>
+          <p:nvPr>
+            <p:ph type="title"/>
+          </p:nvPr>
+        </p:nvSpPr>
+        <p:spPr>
+          <a:xfrm>
+            <a:off x="457200" y="274638"/>
+            <a:ext cx="8229600" cy="1143000"/>
+          </a:xfrm>
+        </p:spPr>
+        <p:txBody>
+          <a:bodyPr>
+            <a:normAutofit/>
+          </a:bodyPr>
+          <a:lstStyle/>
+          <a:p>
+            <a:pPr algn="l"/>
+            <a:r>
+              <a:rPr lang="en-US" dirty="0" smtClean="0">
+                <a:solidFill>
+                  <a:schemeClr val="bg1">
+                    <a:lumMod val="50000"/>
+                  </a:schemeClr>
+                </a:solidFill>
+                <a:latin typeface="Comic Sans MS"/>
+              </a:rPr>
+              <a:t>Build tool plugins</a:t>
+            </a:r>
+            <a:endParaRPr lang="en-US" dirty="0">
+              <a:solidFill>
+                <a:schemeClr val="bg1">
+                  <a:lumMod val="50000"/>
+                </a:schemeClr>
+              </a:solidFill>
+              <a:latin typeface="Comic Sans MS"/>
+            </a:endParaRPr>
+          </a:p>
+        </p:txBody>
+      </p:sp>
+      <p:sp>
+        <p:nvSpPr>
+          <p:cNvPr id="4" name="TextBox 3"/>
+          <p:cNvSpPr txBox="1"/>
+          <p:nvPr/>
+        </p:nvSpPr>
+        <p:spPr>
+          <a:xfrm>
+            <a:off x="563672" y="1691014"/>
+            <a:ext cx="7818328" cy="369332"/>
+          </a:xfrm>
+          <a:prstGeom prst="rect">
+            <a:avLst/>
+          </a:prstGeom>
+          <a:noFill/>
+        </p:spPr>
+        <p:txBody>
+          <a:bodyPr wrap="square" rtlCol="0">
+            <a:spAutoFit/>
+          </a:bodyPr>
+          <a:lstStyle/>
+          <a:p>
+            <a:pPr marL="285750" indent="-285750">
+              <a:buFont typeface="Arial" panose="020B0604020202020204" pitchFamily="34" charset="0"/>
+              <a:buChar char="•"/>
+            </a:pPr>
+            <a:r>
+              <a:rPr lang="lv-LV" dirty="0" smtClean="0">
+                <a:latin typeface="Comic Sans MS" panose="030F0702030302020204" pitchFamily="66" charset="0"/>
+                <a:cs typeface="Consolas" panose="020B0609020204030204" pitchFamily="49" charset="0"/>
+              </a:rPr>
+              <a:t>TODO</a:t>
+            </a:r>
+            <a:endParaRPr lang="en-GB" dirty="0">
+              <a:latin typeface="Comic Sans MS" panose="030F0702030302020204" pitchFamily="66" charset="0"/>
+              <a:cs typeface="Consolas" panose="020B0609020204030204" pitchFamily="49" charset="0"/>
+            </a:endParaRPr>
+          </a:p>
+        </p:txBody>
+      </p:sp>
+    </p:spTree>
+    <p:extLst>
+      <p:ext uri="{BB962C8B-B14F-4D97-AF65-F5344CB8AC3E}">
+        <p14:creationId xmlns:p14="http://schemas.microsoft.com/office/powerpoint/2010/main" val="2025539413"/>
+      </p:ext>
+    </p:extLst>
+  </p:cSld>
+  <p:clrMapOvr>
+    <a:masterClrMapping/>
+  </p:clrMapOvr>
+  <p:timing>
+    <p:tnLst>
+      <p:par>
+        <p:cTn id="1" dur="indefinite" restart="never" nodeType="tmRoot"/>
+      </p:par>
+    </p:tnLst>
+  </p:timing>
+</p:sld>
+</file>
+
+<file path=ppt/slides/slide16.xml><?xml version="1.0" encoding="utf-8"?>
+<p:sld xmlns:a="http://schemas.openxmlformats.org/drawingml/2006/main" xmlns:r="http://schemas.openxmlformats.org/officeDocument/2006/relationships" xmlns:p="http://schemas.openxmlformats.org/presentationml/2006/main">
+  <p:cSld>
+    <p:spTree>
+      <p:nvGrpSpPr>
+        <p:cNvPr id="1" name=""/>
+        <p:cNvGrpSpPr/>
+        <p:nvPr/>
+      </p:nvGrpSpPr>
+      <p:grpSpPr>
+        <a:xfrm>
+          <a:off x="0" y="0"/>
+          <a:ext cx="0" cy="0"/>
+          <a:chOff x="0" y="0"/>
+          <a:chExt cx="0" cy="0"/>
+        </a:xfrm>
+      </p:grpSpPr>
+      <p:sp>
+        <p:nvSpPr>
+          <p:cNvPr id="4" name="TextBox 3"/>
+          <p:cNvSpPr txBox="1"/>
+          <p:nvPr/>
+        </p:nvSpPr>
+        <p:spPr>
+          <a:xfrm>
+            <a:off x="683568" y="2780928"/>
+            <a:ext cx="8280920" cy="707886"/>
+          </a:xfrm>
+          <a:prstGeom prst="rect">
+            <a:avLst/>
+          </a:prstGeom>
+          <a:noFill/>
+        </p:spPr>
+        <p:txBody>
+          <a:bodyPr wrap="square" rtlCol="0">
+            <a:spAutoFit/>
+          </a:bodyPr>
+          <a:lstStyle/>
+          <a:p>
+            <a:pPr algn="ctr"/>
+            <a:r>
+              <a:rPr lang="en-US" sz="4000" dirty="0">
+                <a:solidFill>
+                  <a:schemeClr val="bg1">
+                    <a:lumMod val="50000"/>
+                  </a:schemeClr>
+                </a:solidFill>
+                <a:latin typeface="Comic Sans MS" panose="030F0702030302020204" pitchFamily="66" charset="0"/>
+              </a:rPr>
+              <a:t>Thanks for your </a:t>
+            </a:r>
+            <a:r>
+              <a:rPr lang="en-US" sz="4000" dirty="0" smtClean="0">
+                <a:solidFill>
+                  <a:schemeClr val="bg1">
+                    <a:lumMod val="50000"/>
+                  </a:schemeClr>
+                </a:solidFill>
+                <a:latin typeface="Comic Sans MS" panose="030F0702030302020204" pitchFamily="66" charset="0"/>
+              </a:rPr>
+              <a:t>attention.</a:t>
+            </a:r>
+            <a:endParaRPr lang="sk-SK" sz="4000" dirty="0">
+              <a:solidFill>
+                <a:schemeClr val="bg1">
+                  <a:lumMod val="50000"/>
+                </a:schemeClr>
+              </a:solidFill>
+              <a:latin typeface="Comic Sans MS" panose="030F0702030302020204" pitchFamily="66" charset="0"/>
+            </a:endParaRPr>
+          </a:p>
+        </p:txBody>
+      </p:sp>
+      <p:sp>
+        <p:nvSpPr>
+          <p:cNvPr id="2" name="TextBox 1"/>
+          <p:cNvSpPr txBox="1"/>
+          <p:nvPr/>
+        </p:nvSpPr>
+        <p:spPr>
+          <a:xfrm>
+            <a:off x="1761066" y="5215467"/>
+            <a:ext cx="5488682" cy="646331"/>
+          </a:xfrm>
+          <a:prstGeom prst="rect">
+            <a:avLst/>
+          </a:prstGeom>
+          <a:noFill/>
+        </p:spPr>
+        <p:txBody>
+          <a:bodyPr wrap="none" rtlCol="0">
+            <a:spAutoFit/>
+          </a:bodyPr>
+          <a:lstStyle/>
+          <a:p>
+            <a:r>
+              <a:rPr lang="en-GB" dirty="0" smtClean="0"/>
+              <a:t>Presentation and examples available on </a:t>
+            </a:r>
+          </a:p>
+          <a:p>
+            <a:r>
+              <a:rPr lang="en-GB" dirty="0">
+                <a:hlinkClick r:id="rId2"/>
+              </a:rPr>
+              <a:t>https://</a:t>
+            </a:r>
+            <a:r>
+              <a:rPr lang="en-GB" dirty="0" smtClean="0">
+                <a:hlinkClick r:id="rId2"/>
+              </a:rPr>
+              <a:t>github.com/valdisxp1/scala-metaprograming-fun</a:t>
+            </a:r>
+            <a:r>
+              <a:rPr lang="en-GB" dirty="0" smtClean="0"/>
+              <a:t> </a:t>
+            </a:r>
+          </a:p>
+        </p:txBody>
+      </p:sp>
+      <p:sp>
+        <p:nvSpPr>
+          <p:cNvPr id="5" name="TextBox 4"/>
+          <p:cNvSpPr txBox="1"/>
+          <p:nvPr/>
+        </p:nvSpPr>
+        <p:spPr>
+          <a:xfrm>
+            <a:off x="683568" y="3797657"/>
+            <a:ext cx="8280920" cy="707886"/>
+          </a:xfrm>
+          <a:prstGeom prst="rect">
+            <a:avLst/>
+          </a:prstGeom>
+          <a:noFill/>
+        </p:spPr>
+        <p:txBody>
+          <a:bodyPr wrap="square" rtlCol="0">
+            <a:spAutoFit/>
+          </a:bodyPr>
+          <a:lstStyle/>
+          <a:p>
+            <a:pPr algn="ctr"/>
+            <a:r>
+              <a:rPr lang="en-US" sz="4000" dirty="0" smtClean="0">
+                <a:solidFill>
+                  <a:schemeClr val="bg1">
+                    <a:lumMod val="50000"/>
+                  </a:schemeClr>
+                </a:solidFill>
+                <a:latin typeface="Comic Sans MS" panose="030F0702030302020204" pitchFamily="66" charset="0"/>
+              </a:rPr>
+              <a:t>Any other questions?</a:t>
+            </a:r>
+            <a:endParaRPr lang="sk-SK" sz="4000" dirty="0">
+              <a:solidFill>
+                <a:schemeClr val="bg1">
+                  <a:lumMod val="50000"/>
+                </a:schemeClr>
+              </a:solidFill>
+              <a:latin typeface="Comic Sans MS" panose="030F0702030302020204" pitchFamily="66" charset="0"/>
+            </a:endParaRPr>
+          </a:p>
+        </p:txBody>
+      </p:sp>
+    </p:spTree>
+    <p:extLst>
+      <p:ext uri="{BB962C8B-B14F-4D97-AF65-F5344CB8AC3E}">
+        <p14:creationId xmlns:p14="http://schemas.microsoft.com/office/powerpoint/2010/main" val="2927479122"/>
+      </p:ext>
+    </p:extLst>
+  </p:cSld>
+  <p:clrMapOvr>
+    <a:masterClrMapping/>
+  </p:clrMapOvr>
+  <p:timing>
+    <p:tnLst>
+      <p:par>
+        <p:cTn id="1" dur="indefinite" restart="never" nodeType="tmRoot"/>
+      </p:par>
+    </p:tnLst>
+  </p:timing>
+</p:sld>
+</file>
+
 <file path=ppt/slides/slide2.xml><?xml version="1.0" encoding="utf-8"?>
 <p:sld xmlns:a="http://schemas.openxmlformats.org/drawingml/2006/main" xmlns:r="http://schemas.openxmlformats.org/officeDocument/2006/relationships" xmlns:p="http://schemas.openxmlformats.org/presentationml/2006/main">
   <p:cSld>
@@ -3949,10 +4919,6 @@
               </a:rPr>
               <a:t>, etc.)</a:t>
             </a:r>
-            <a:endParaRPr lang="en-US" dirty="0" smtClean="0">
-              <a:latin typeface="Comic Sans MS" panose="030F0702030302020204" pitchFamily="66" charset="0"/>
-              <a:cs typeface="Consolas" panose="020B0609020204030204" pitchFamily="49" charset="0"/>
-            </a:endParaRPr>
           </a:p>
           <a:p>
             <a:pPr marL="742950" lvl="1" indent="-285750">
@@ -4027,40 +4993,26 @@
           <a:p>
             <a:pPr algn="l"/>
             <a:r>
-              <a:rPr lang="en-GB" dirty="0" smtClean="0">
+              <a:rPr lang="en-US" dirty="0" err="1" smtClean="0">
                 <a:solidFill>
                   <a:schemeClr val="bg1">
                     <a:lumMod val="50000"/>
                   </a:schemeClr>
                 </a:solidFill>
                 <a:latin typeface="Comic Sans MS"/>
-                <a:cs typeface="Comic Sans MS"/>
               </a:rPr>
-              <a:t>A </a:t>
-            </a:r>
-            <a:r>
-              <a:rPr lang="en-GB" dirty="0" smtClean="0">
+              <a:t>Blackbox</a:t>
+            </a:r>
+            <a:r>
+              <a:rPr lang="en-US" dirty="0" smtClean="0">
                 <a:solidFill>
                   <a:schemeClr val="bg1">
                     <a:lumMod val="50000"/>
                   </a:schemeClr>
                 </a:solidFill>
                 <a:latin typeface="Comic Sans MS"/>
-                <a:cs typeface="Comic Sans MS"/>
               </a:rPr>
-              <a:t>simple macro </a:t>
-            </a:r>
-            <a:r>
-              <a:rPr lang="en-GB" dirty="0" smtClean="0">
-                <a:solidFill>
-                  <a:schemeClr val="bg1">
-                    <a:lumMod val="50000"/>
-                  </a:schemeClr>
-                </a:solidFill>
-                <a:latin typeface="Comic Sans MS"/>
-                <a:cs typeface="Comic Sans MS"/>
-              </a:rPr>
-              <a:t>example</a:t>
+              <a:t> macros</a:t>
             </a:r>
             <a:endParaRPr lang="en-US" dirty="0"/>
           </a:p>
@@ -4068,91 +5020,40 @@
       </p:sp>
       <p:sp>
         <p:nvSpPr>
-          <p:cNvPr id="7" name="Rectangle 6"/>
-          <p:cNvSpPr/>
+          <p:cNvPr id="4" name="TextBox 3"/>
+          <p:cNvSpPr txBox="1"/>
           <p:nvPr/>
         </p:nvSpPr>
         <p:spPr>
           <a:xfrm>
-            <a:off x="457199" y="1417638"/>
-            <a:ext cx="3823687" cy="360040"/>
+            <a:off x="563672" y="1691014"/>
+            <a:ext cx="7818328" cy="369332"/>
           </a:xfrm>
           <a:prstGeom prst="rect">
             <a:avLst/>
           </a:prstGeom>
-        </p:spPr>
-        <p:style>
-          <a:lnRef idx="2">
-            <a:schemeClr val="accent1"/>
-          </a:lnRef>
-          <a:fillRef idx="1">
-            <a:schemeClr val="lt1"/>
-          </a:fillRef>
-          <a:effectRef idx="0">
-            <a:schemeClr val="accent1"/>
-          </a:effectRef>
-          <a:fontRef idx="minor">
-            <a:schemeClr val="dk1"/>
-          </a:fontRef>
-        </p:style>
-        <p:txBody>
-          <a:bodyPr rtlCol="0" anchor="ctr"/>
-          <a:lstStyle/>
-          <a:p>
-            <a:pPr algn="ctr"/>
-            <a:r>
-              <a:rPr lang="en-GB" dirty="0" smtClean="0"/>
-              <a:t>.</a:t>
-            </a:r>
-            <a:r>
-              <a:rPr lang="en-GB" dirty="0" err="1" smtClean="0"/>
-              <a:t>scala</a:t>
-            </a:r>
-            <a:endParaRPr lang="en-US" dirty="0"/>
-          </a:p>
-        </p:txBody>
-      </p:sp>
-      <p:sp>
-        <p:nvSpPr>
-          <p:cNvPr id="8" name="Rectangle 7"/>
-          <p:cNvSpPr/>
-          <p:nvPr/>
-        </p:nvSpPr>
-        <p:spPr>
-          <a:xfrm>
-            <a:off x="457200" y="1751582"/>
-            <a:ext cx="5088468" cy="338554"/>
-          </a:xfrm>
-          <a:prstGeom prst="rect">
-            <a:avLst/>
-          </a:prstGeom>
-        </p:spPr>
-        <p:style>
-          <a:lnRef idx="3">
-            <a:schemeClr val="lt1"/>
-          </a:lnRef>
-          <a:fillRef idx="1">
-            <a:schemeClr val="dk1"/>
-          </a:fillRef>
-          <a:effectRef idx="1">
-            <a:schemeClr val="dk1"/>
-          </a:effectRef>
-          <a:fontRef idx="minor">
-            <a:schemeClr val="lt1"/>
-          </a:fontRef>
-        </p:style>
-        <p:txBody>
-          <a:bodyPr wrap="square" rtlCol="0" anchor="t">
+          <a:noFill/>
+        </p:spPr>
+        <p:txBody>
+          <a:bodyPr wrap="square" rtlCol="0">
             <a:spAutoFit/>
           </a:bodyPr>
           <a:lstStyle/>
           <a:p>
-            <a:endParaRPr lang="en-US" sz="1600" dirty="0">
-              <a:solidFill>
-                <a:srgbClr val="92D050"/>
-              </a:solidFill>
-              <a:latin typeface="Courier New" panose="02070309020205020404" pitchFamily="49" charset="0"/>
-              <a:cs typeface="Courier New" panose="02070309020205020404" pitchFamily="49" charset="0"/>
+            <a:pPr marL="285750" indent="-285750">
+              <a:buFont typeface="Arial" panose="020B0604020202020204" pitchFamily="34" charset="0"/>
+              <a:buChar char="•"/>
+            </a:pPr>
+            <a:r>
+              <a:rPr lang="lv-LV" dirty="0" smtClean="0">
+                <a:latin typeface="Comic Sans MS" panose="030F0702030302020204" pitchFamily="66" charset="0"/>
+                <a:cs typeface="Consolas" panose="020B0609020204030204" pitchFamily="49" charset="0"/>
+              </a:rPr>
+              <a:t>TODO</a:t>
+            </a:r>
+            <a:endParaRPr lang="en-GB" dirty="0">
+              <a:latin typeface="Comic Sans MS" panose="030F0702030302020204" pitchFamily="66" charset="0"/>
+              <a:cs typeface="Consolas" panose="020B0609020204030204" pitchFamily="49" charset="0"/>
             </a:endParaRPr>
           </a:p>
         </p:txBody>
@@ -4160,7 +5061,7 @@
     </p:spTree>
     <p:extLst>
       <p:ext uri="{BB962C8B-B14F-4D97-AF65-F5344CB8AC3E}">
-        <p14:creationId xmlns:p14="http://schemas.microsoft.com/office/powerpoint/2010/main" val="3300286505"/>
+        <p14:creationId xmlns:p14="http://schemas.microsoft.com/office/powerpoint/2010/main" val="793254760"/>
       </p:ext>
     </p:extLst>
   </p:cSld>
@@ -4196,154 +5097,204 @@
       </p:grpSpPr>
       <p:sp>
         <p:nvSpPr>
-          <p:cNvPr id="4" name="TextBox 3"/>
-          <p:cNvSpPr txBox="1"/>
-          <p:nvPr/>
-        </p:nvSpPr>
-        <p:spPr>
-          <a:xfrm>
-            <a:off x="683568" y="2780928"/>
-            <a:ext cx="8280920" cy="707886"/>
-          </a:xfrm>
-          <a:prstGeom prst="rect">
-            <a:avLst/>
-          </a:prstGeom>
-          <a:noFill/>
-        </p:spPr>
-        <p:txBody>
-          <a:bodyPr wrap="square" rtlCol="0">
-            <a:spAutoFit/>
+          <p:cNvPr id="13" name="Title 1"/>
+          <p:cNvSpPr>
+            <a:spLocks noGrp="1"/>
+          </p:cNvSpPr>
+          <p:nvPr>
+            <p:ph type="title"/>
+          </p:nvPr>
+        </p:nvSpPr>
+        <p:spPr>
+          <a:xfrm>
+            <a:off x="457200" y="274638"/>
+            <a:ext cx="8229600" cy="1143000"/>
+          </a:xfrm>
+        </p:spPr>
+        <p:txBody>
+          <a:bodyPr>
+            <a:normAutofit/>
           </a:bodyPr>
           <a:lstStyle/>
           <a:p>
-            <a:pPr algn="ctr"/>
-            <a:r>
-              <a:rPr lang="en-US" sz="4000" dirty="0">
+            <a:pPr algn="l"/>
+            <a:r>
+              <a:rPr lang="en-US" dirty="0" smtClean="0">
                 <a:solidFill>
                   <a:schemeClr val="bg1">
                     <a:lumMod val="50000"/>
                   </a:schemeClr>
                 </a:solidFill>
+                <a:latin typeface="Comic Sans MS"/>
+              </a:rPr>
+              <a:t>Abstract syntax tree (AST)</a:t>
+            </a:r>
+            <a:endParaRPr lang="en-US" dirty="0"/>
+          </a:p>
+        </p:txBody>
+      </p:sp>
+      <p:sp>
+        <p:nvSpPr>
+          <p:cNvPr id="4" name="TextBox 3"/>
+          <p:cNvSpPr txBox="1"/>
+          <p:nvPr/>
+        </p:nvSpPr>
+        <p:spPr>
+          <a:xfrm>
+            <a:off x="563672" y="1691014"/>
+            <a:ext cx="7818328" cy="369332"/>
+          </a:xfrm>
+          <a:prstGeom prst="rect">
+            <a:avLst/>
+          </a:prstGeom>
+          <a:noFill/>
+        </p:spPr>
+        <p:txBody>
+          <a:bodyPr wrap="square" rtlCol="0">
+            <a:spAutoFit/>
+          </a:bodyPr>
+          <a:lstStyle/>
+          <a:p>
+            <a:pPr marL="285750" indent="-285750">
+              <a:buFont typeface="Arial" panose="020B0604020202020204" pitchFamily="34" charset="0"/>
+              <a:buChar char="•"/>
+            </a:pPr>
+            <a:r>
+              <a:rPr lang="lv-LV" dirty="0" smtClean="0">
                 <a:latin typeface="Comic Sans MS" panose="030F0702030302020204" pitchFamily="66" charset="0"/>
+                <a:cs typeface="Consolas" panose="020B0609020204030204" pitchFamily="49" charset="0"/>
               </a:rPr>
-              <a:t>Thanks for your </a:t>
-            </a:r>
-            <a:r>
-              <a:rPr lang="en-US" sz="4000" dirty="0" smtClean="0">
+              <a:t>TODO</a:t>
+            </a:r>
+            <a:endParaRPr lang="en-GB" dirty="0">
+              <a:latin typeface="Comic Sans MS" panose="030F0702030302020204" pitchFamily="66" charset="0"/>
+              <a:cs typeface="Consolas" panose="020B0609020204030204" pitchFamily="49" charset="0"/>
+            </a:endParaRPr>
+          </a:p>
+        </p:txBody>
+      </p:sp>
+    </p:spTree>
+    <p:extLst>
+      <p:ext uri="{BB962C8B-B14F-4D97-AF65-F5344CB8AC3E}">
+        <p14:creationId xmlns:p14="http://schemas.microsoft.com/office/powerpoint/2010/main" val="2229550114"/>
+      </p:ext>
+    </p:extLst>
+  </p:cSld>
+  <p:clrMapOvr>
+    <a:masterClrMapping/>
+  </p:clrMapOvr>
+  <p:timing>
+    <p:tnLst>
+      <p:par>
+        <p:cTn id="1" dur="indefinite" restart="never" nodeType="tmRoot"/>
+      </p:par>
+    </p:tnLst>
+  </p:timing>
+</p:sld>
+</file>
+
+<file path=ppt/slides/slide6.xml><?xml version="1.0" encoding="utf-8"?>
+<p:sld xmlns:a="http://schemas.openxmlformats.org/drawingml/2006/main" xmlns:r="http://schemas.openxmlformats.org/officeDocument/2006/relationships" xmlns:p="http://schemas.openxmlformats.org/presentationml/2006/main">
+  <p:cSld>
+    <p:spTree>
+      <p:nvGrpSpPr>
+        <p:cNvPr id="1" name=""/>
+        <p:cNvGrpSpPr/>
+        <p:nvPr/>
+      </p:nvGrpSpPr>
+      <p:grpSpPr>
+        <a:xfrm>
+          <a:off x="0" y="0"/>
+          <a:ext cx="0" cy="0"/>
+          <a:chOff x="0" y="0"/>
+          <a:chExt cx="0" cy="0"/>
+        </a:xfrm>
+      </p:grpSpPr>
+      <p:sp>
+        <p:nvSpPr>
+          <p:cNvPr id="13" name="Title 1"/>
+          <p:cNvSpPr>
+            <a:spLocks noGrp="1"/>
+          </p:cNvSpPr>
+          <p:nvPr>
+            <p:ph type="title"/>
+          </p:nvPr>
+        </p:nvSpPr>
+        <p:spPr>
+          <a:xfrm>
+            <a:off x="457200" y="274638"/>
+            <a:ext cx="8229600" cy="1143000"/>
+          </a:xfrm>
+        </p:spPr>
+        <p:txBody>
+          <a:bodyPr>
+            <a:normAutofit/>
+          </a:bodyPr>
+          <a:lstStyle/>
+          <a:p>
+            <a:pPr algn="l"/>
+            <a:r>
+              <a:rPr lang="en-US" dirty="0" smtClean="0">
                 <a:solidFill>
                   <a:schemeClr val="bg1">
                     <a:lumMod val="50000"/>
                   </a:schemeClr>
                 </a:solidFill>
-                <a:latin typeface="Comic Sans MS" panose="030F0702030302020204" pitchFamily="66" charset="0"/>
+                <a:latin typeface="Comic Sans MS"/>
               </a:rPr>
-              <a:t>attention.</a:t>
-            </a:r>
-            <a:endParaRPr lang="sk-SK" sz="4000" dirty="0">
-              <a:solidFill>
-                <a:schemeClr val="bg1">
-                  <a:lumMod val="50000"/>
-                </a:schemeClr>
-              </a:solidFill>
-              <a:latin typeface="Comic Sans MS" panose="030F0702030302020204" pitchFamily="66" charset="0"/>
-            </a:endParaRPr>
-          </a:p>
-        </p:txBody>
-      </p:sp>
-      <p:sp>
-        <p:nvSpPr>
-          <p:cNvPr id="2" name="TextBox 1"/>
-          <p:cNvSpPr txBox="1"/>
-          <p:nvPr/>
-        </p:nvSpPr>
-        <p:spPr>
-          <a:xfrm>
-            <a:off x="1761066" y="5215467"/>
-            <a:ext cx="5488682" cy="646331"/>
-          </a:xfrm>
-          <a:prstGeom prst="rect">
-            <a:avLst/>
-          </a:prstGeom>
-          <a:noFill/>
-        </p:spPr>
-        <p:txBody>
-          <a:bodyPr wrap="none" rtlCol="0">
-            <a:spAutoFit/>
-          </a:bodyPr>
-          <a:lstStyle/>
-          <a:p>
-            <a:r>
-              <a:rPr lang="en-GB" dirty="0" smtClean="0"/>
-              <a:t>Presentation and examples </a:t>
-            </a:r>
-            <a:r>
-              <a:rPr lang="en-GB" dirty="0" smtClean="0"/>
-              <a:t>available on </a:t>
-            </a:r>
-            <a:endParaRPr lang="en-GB" dirty="0" smtClean="0"/>
-          </a:p>
-          <a:p>
-            <a:r>
-              <a:rPr lang="en-GB" dirty="0">
-                <a:hlinkClick r:id="rId2"/>
-              </a:rPr>
-              <a:t>https://</a:t>
-            </a:r>
-            <a:r>
-              <a:rPr lang="en-GB" dirty="0" smtClean="0">
-                <a:hlinkClick r:id="rId2"/>
-              </a:rPr>
-              <a:t>github.com/valdisxp1/scala-metaprograming-fun</a:t>
-            </a:r>
-            <a:r>
-              <a:rPr lang="en-GB" dirty="0" smtClean="0"/>
-              <a:t> </a:t>
-            </a:r>
-            <a:endParaRPr lang="en-GB" dirty="0" smtClean="0"/>
-          </a:p>
-        </p:txBody>
-      </p:sp>
-      <p:sp>
-        <p:nvSpPr>
-          <p:cNvPr id="5" name="TextBox 4"/>
-          <p:cNvSpPr txBox="1"/>
-          <p:nvPr/>
-        </p:nvSpPr>
-        <p:spPr>
-          <a:xfrm>
-            <a:off x="683568" y="3797657"/>
-            <a:ext cx="8280920" cy="707886"/>
-          </a:xfrm>
-          <a:prstGeom prst="rect">
-            <a:avLst/>
-          </a:prstGeom>
-          <a:noFill/>
-        </p:spPr>
-        <p:txBody>
-          <a:bodyPr wrap="square" rtlCol="0">
-            <a:spAutoFit/>
-          </a:bodyPr>
-          <a:lstStyle/>
-          <a:p>
-            <a:pPr algn="ctr"/>
-            <a:r>
-              <a:rPr lang="en-US" sz="4000" dirty="0" smtClean="0">
+              <a:t>Using AST</a:t>
+            </a:r>
+            <a:r>
+              <a:rPr lang="en-US" dirty="0">
                 <a:solidFill>
                   <a:schemeClr val="bg1">
                     <a:lumMod val="50000"/>
                   </a:schemeClr>
                 </a:solidFill>
+                <a:latin typeface="Comic Sans MS"/>
+              </a:rPr>
+              <a:t>s</a:t>
+            </a:r>
+            <a:endParaRPr lang="en-US" dirty="0"/>
+          </a:p>
+        </p:txBody>
+      </p:sp>
+      <p:sp>
+        <p:nvSpPr>
+          <p:cNvPr id="4" name="TextBox 3"/>
+          <p:cNvSpPr txBox="1"/>
+          <p:nvPr/>
+        </p:nvSpPr>
+        <p:spPr>
+          <a:xfrm>
+            <a:off x="563672" y="1691014"/>
+            <a:ext cx="7818328" cy="369332"/>
+          </a:xfrm>
+          <a:prstGeom prst="rect">
+            <a:avLst/>
+          </a:prstGeom>
+          <a:noFill/>
+        </p:spPr>
+        <p:txBody>
+          <a:bodyPr wrap="square" rtlCol="0">
+            <a:spAutoFit/>
+          </a:bodyPr>
+          <a:lstStyle/>
+          <a:p>
+            <a:pPr marL="285750" indent="-285750">
+              <a:buFont typeface="Arial" panose="020B0604020202020204" pitchFamily="34" charset="0"/>
+              <a:buChar char="•"/>
+            </a:pPr>
+            <a:r>
+              <a:rPr lang="lv-LV" dirty="0" smtClean="0">
                 <a:latin typeface="Comic Sans MS" panose="030F0702030302020204" pitchFamily="66" charset="0"/>
+                <a:cs typeface="Consolas" panose="020B0609020204030204" pitchFamily="49" charset="0"/>
               </a:rPr>
-              <a:t>Any other questions?</a:t>
-            </a:r>
-            <a:endParaRPr lang="sk-SK" sz="4000" dirty="0">
-              <a:solidFill>
-                <a:schemeClr val="bg1">
-                  <a:lumMod val="50000"/>
-                </a:schemeClr>
-              </a:solidFill>
+              <a:t>TODO</a:t>
+            </a:r>
+            <a:endParaRPr lang="en-GB" dirty="0">
               <a:latin typeface="Comic Sans MS" panose="030F0702030302020204" pitchFamily="66" charset="0"/>
+              <a:cs typeface="Consolas" panose="020B0609020204030204" pitchFamily="49" charset="0"/>
             </a:endParaRPr>
           </a:p>
         </p:txBody>
@@ -4351,7 +5302,467 @@
     </p:spTree>
     <p:extLst>
       <p:ext uri="{BB962C8B-B14F-4D97-AF65-F5344CB8AC3E}">
-        <p14:creationId xmlns:p14="http://schemas.microsoft.com/office/powerpoint/2010/main" val="2927479122"/>
+        <p14:creationId xmlns:p14="http://schemas.microsoft.com/office/powerpoint/2010/main" val="3466749316"/>
+      </p:ext>
+    </p:extLst>
+  </p:cSld>
+  <p:clrMapOvr>
+    <a:masterClrMapping/>
+  </p:clrMapOvr>
+  <p:timing>
+    <p:tnLst>
+      <p:par>
+        <p:cTn id="1" dur="indefinite" restart="never" nodeType="tmRoot"/>
+      </p:par>
+    </p:tnLst>
+  </p:timing>
+</p:sld>
+</file>
+
+<file path=ppt/slides/slide7.xml><?xml version="1.0" encoding="utf-8"?>
+<p:sld xmlns:a="http://schemas.openxmlformats.org/drawingml/2006/main" xmlns:r="http://schemas.openxmlformats.org/officeDocument/2006/relationships" xmlns:p="http://schemas.openxmlformats.org/presentationml/2006/main">
+  <p:cSld>
+    <p:spTree>
+      <p:nvGrpSpPr>
+        <p:cNvPr id="1" name=""/>
+        <p:cNvGrpSpPr/>
+        <p:nvPr/>
+      </p:nvGrpSpPr>
+      <p:grpSpPr>
+        <a:xfrm>
+          <a:off x="0" y="0"/>
+          <a:ext cx="0" cy="0"/>
+          <a:chOff x="0" y="0"/>
+          <a:chExt cx="0" cy="0"/>
+        </a:xfrm>
+      </p:grpSpPr>
+      <p:sp>
+        <p:nvSpPr>
+          <p:cNvPr id="13" name="Title 1"/>
+          <p:cNvSpPr>
+            <a:spLocks noGrp="1"/>
+          </p:cNvSpPr>
+          <p:nvPr>
+            <p:ph type="title"/>
+          </p:nvPr>
+        </p:nvSpPr>
+        <p:spPr>
+          <a:xfrm>
+            <a:off x="457200" y="274638"/>
+            <a:ext cx="8229600" cy="1143000"/>
+          </a:xfrm>
+        </p:spPr>
+        <p:txBody>
+          <a:bodyPr>
+            <a:normAutofit/>
+          </a:bodyPr>
+          <a:lstStyle/>
+          <a:p>
+            <a:pPr algn="l"/>
+            <a:r>
+              <a:rPr lang="en-GB" dirty="0" smtClean="0">
+                <a:solidFill>
+                  <a:schemeClr val="bg1">
+                    <a:lumMod val="50000"/>
+                  </a:schemeClr>
+                </a:solidFill>
+                <a:latin typeface="Comic Sans MS"/>
+                <a:cs typeface="Comic Sans MS"/>
+              </a:rPr>
+              <a:t>A simple macro example</a:t>
+            </a:r>
+            <a:endParaRPr lang="en-US" dirty="0"/>
+          </a:p>
+        </p:txBody>
+      </p:sp>
+      <p:sp>
+        <p:nvSpPr>
+          <p:cNvPr id="7" name="Rectangle 6"/>
+          <p:cNvSpPr/>
+          <p:nvPr/>
+        </p:nvSpPr>
+        <p:spPr>
+          <a:xfrm>
+            <a:off x="457199" y="1417638"/>
+            <a:ext cx="3823687" cy="360040"/>
+          </a:xfrm>
+          <a:prstGeom prst="rect">
+            <a:avLst/>
+          </a:prstGeom>
+        </p:spPr>
+        <p:style>
+          <a:lnRef idx="2">
+            <a:schemeClr val="accent1"/>
+          </a:lnRef>
+          <a:fillRef idx="1">
+            <a:schemeClr val="lt1"/>
+          </a:fillRef>
+          <a:effectRef idx="0">
+            <a:schemeClr val="accent1"/>
+          </a:effectRef>
+          <a:fontRef idx="minor">
+            <a:schemeClr val="dk1"/>
+          </a:fontRef>
+        </p:style>
+        <p:txBody>
+          <a:bodyPr rtlCol="0" anchor="ctr"/>
+          <a:lstStyle/>
+          <a:p>
+            <a:pPr algn="ctr"/>
+            <a:r>
+              <a:rPr lang="en-GB" dirty="0" smtClean="0"/>
+              <a:t>.</a:t>
+            </a:r>
+            <a:r>
+              <a:rPr lang="en-GB" dirty="0" err="1" smtClean="0"/>
+              <a:t>scala</a:t>
+            </a:r>
+            <a:endParaRPr lang="en-US" dirty="0"/>
+          </a:p>
+        </p:txBody>
+      </p:sp>
+      <p:sp>
+        <p:nvSpPr>
+          <p:cNvPr id="8" name="Rectangle 7"/>
+          <p:cNvSpPr/>
+          <p:nvPr/>
+        </p:nvSpPr>
+        <p:spPr>
+          <a:xfrm>
+            <a:off x="457200" y="1751582"/>
+            <a:ext cx="5088468" cy="338554"/>
+          </a:xfrm>
+          <a:prstGeom prst="rect">
+            <a:avLst/>
+          </a:prstGeom>
+        </p:spPr>
+        <p:style>
+          <a:lnRef idx="3">
+            <a:schemeClr val="lt1"/>
+          </a:lnRef>
+          <a:fillRef idx="1">
+            <a:schemeClr val="dk1"/>
+          </a:fillRef>
+          <a:effectRef idx="1">
+            <a:schemeClr val="dk1"/>
+          </a:effectRef>
+          <a:fontRef idx="minor">
+            <a:schemeClr val="lt1"/>
+          </a:fontRef>
+        </p:style>
+        <p:txBody>
+          <a:bodyPr wrap="square" rtlCol="0" anchor="t">
+            <a:spAutoFit/>
+          </a:bodyPr>
+          <a:lstStyle/>
+          <a:p>
+            <a:endParaRPr lang="en-US" sz="1600" dirty="0">
+              <a:solidFill>
+                <a:srgbClr val="92D050"/>
+              </a:solidFill>
+              <a:latin typeface="Courier New" panose="02070309020205020404" pitchFamily="49" charset="0"/>
+              <a:cs typeface="Courier New" panose="02070309020205020404" pitchFamily="49" charset="0"/>
+            </a:endParaRPr>
+          </a:p>
+        </p:txBody>
+      </p:sp>
+    </p:spTree>
+    <p:extLst>
+      <p:ext uri="{BB962C8B-B14F-4D97-AF65-F5344CB8AC3E}">
+        <p14:creationId xmlns:p14="http://schemas.microsoft.com/office/powerpoint/2010/main" val="3300286505"/>
+      </p:ext>
+    </p:extLst>
+  </p:cSld>
+  <p:clrMapOvr>
+    <a:masterClrMapping/>
+  </p:clrMapOvr>
+  <p:timing>
+    <p:tnLst>
+      <p:par>
+        <p:cTn id="1" dur="indefinite" restart="never" nodeType="tmRoot"/>
+      </p:par>
+    </p:tnLst>
+  </p:timing>
+</p:sld>
+</file>
+
+<file path=ppt/slides/slide8.xml><?xml version="1.0" encoding="utf-8"?>
+<p:sld xmlns:a="http://schemas.openxmlformats.org/drawingml/2006/main" xmlns:r="http://schemas.openxmlformats.org/officeDocument/2006/relationships" xmlns:p="http://schemas.openxmlformats.org/presentationml/2006/main">
+  <p:cSld>
+    <p:spTree>
+      <p:nvGrpSpPr>
+        <p:cNvPr id="1" name=""/>
+        <p:cNvGrpSpPr/>
+        <p:nvPr/>
+      </p:nvGrpSpPr>
+      <p:grpSpPr>
+        <a:xfrm>
+          <a:off x="0" y="0"/>
+          <a:ext cx="0" cy="0"/>
+          <a:chOff x="0" y="0"/>
+          <a:chExt cx="0" cy="0"/>
+        </a:xfrm>
+      </p:grpSpPr>
+      <p:sp>
+        <p:nvSpPr>
+          <p:cNvPr id="13" name="Title 1"/>
+          <p:cNvSpPr>
+            <a:spLocks noGrp="1"/>
+          </p:cNvSpPr>
+          <p:nvPr>
+            <p:ph type="title"/>
+          </p:nvPr>
+        </p:nvSpPr>
+        <p:spPr>
+          <a:xfrm>
+            <a:off x="457200" y="274638"/>
+            <a:ext cx="8229600" cy="1143000"/>
+          </a:xfrm>
+        </p:spPr>
+        <p:txBody>
+          <a:bodyPr>
+            <a:normAutofit/>
+          </a:bodyPr>
+          <a:lstStyle/>
+          <a:p>
+            <a:pPr algn="l"/>
+            <a:r>
+              <a:rPr lang="en-US" dirty="0" err="1" smtClean="0">
+                <a:solidFill>
+                  <a:schemeClr val="bg1">
+                    <a:lumMod val="50000"/>
+                  </a:schemeClr>
+                </a:solidFill>
+                <a:latin typeface="Comic Sans MS"/>
+              </a:rPr>
+              <a:t>Quasiquotes</a:t>
+            </a:r>
+            <a:endParaRPr lang="en-US" dirty="0"/>
+          </a:p>
+        </p:txBody>
+      </p:sp>
+      <p:sp>
+        <p:nvSpPr>
+          <p:cNvPr id="4" name="TextBox 3"/>
+          <p:cNvSpPr txBox="1"/>
+          <p:nvPr/>
+        </p:nvSpPr>
+        <p:spPr>
+          <a:xfrm>
+            <a:off x="563672" y="1691014"/>
+            <a:ext cx="7818328" cy="369332"/>
+          </a:xfrm>
+          <a:prstGeom prst="rect">
+            <a:avLst/>
+          </a:prstGeom>
+          <a:noFill/>
+        </p:spPr>
+        <p:txBody>
+          <a:bodyPr wrap="square" rtlCol="0">
+            <a:spAutoFit/>
+          </a:bodyPr>
+          <a:lstStyle/>
+          <a:p>
+            <a:pPr marL="285750" indent="-285750">
+              <a:buFont typeface="Arial" panose="020B0604020202020204" pitchFamily="34" charset="0"/>
+              <a:buChar char="•"/>
+            </a:pPr>
+            <a:r>
+              <a:rPr lang="lv-LV" dirty="0" smtClean="0">
+                <a:latin typeface="Comic Sans MS" panose="030F0702030302020204" pitchFamily="66" charset="0"/>
+                <a:cs typeface="Consolas" panose="020B0609020204030204" pitchFamily="49" charset="0"/>
+              </a:rPr>
+              <a:t>TODO</a:t>
+            </a:r>
+            <a:endParaRPr lang="en-GB" dirty="0">
+              <a:latin typeface="Comic Sans MS" panose="030F0702030302020204" pitchFamily="66" charset="0"/>
+              <a:cs typeface="Consolas" panose="020B0609020204030204" pitchFamily="49" charset="0"/>
+            </a:endParaRPr>
+          </a:p>
+        </p:txBody>
+      </p:sp>
+    </p:spTree>
+    <p:extLst>
+      <p:ext uri="{BB962C8B-B14F-4D97-AF65-F5344CB8AC3E}">
+        <p14:creationId xmlns:p14="http://schemas.microsoft.com/office/powerpoint/2010/main" val="3567224513"/>
+      </p:ext>
+    </p:extLst>
+  </p:cSld>
+  <p:clrMapOvr>
+    <a:masterClrMapping/>
+  </p:clrMapOvr>
+  <p:timing>
+    <p:tnLst>
+      <p:par>
+        <p:cTn id="1" dur="indefinite" restart="never" nodeType="tmRoot"/>
+      </p:par>
+    </p:tnLst>
+  </p:timing>
+</p:sld>
+</file>
+
+<file path=ppt/slides/slide9.xml><?xml version="1.0" encoding="utf-8"?>
+<p:sld xmlns:a="http://schemas.openxmlformats.org/drawingml/2006/main" xmlns:r="http://schemas.openxmlformats.org/officeDocument/2006/relationships" xmlns:p="http://schemas.openxmlformats.org/presentationml/2006/main">
+  <p:cSld>
+    <p:spTree>
+      <p:nvGrpSpPr>
+        <p:cNvPr id="1" name=""/>
+        <p:cNvGrpSpPr/>
+        <p:nvPr/>
+      </p:nvGrpSpPr>
+      <p:grpSpPr>
+        <a:xfrm>
+          <a:off x="0" y="0"/>
+          <a:ext cx="0" cy="0"/>
+          <a:chOff x="0" y="0"/>
+          <a:chExt cx="0" cy="0"/>
+        </a:xfrm>
+      </p:grpSpPr>
+      <p:sp>
+        <p:nvSpPr>
+          <p:cNvPr id="13" name="Title 1"/>
+          <p:cNvSpPr>
+            <a:spLocks noGrp="1"/>
+          </p:cNvSpPr>
+          <p:nvPr>
+            <p:ph type="title"/>
+          </p:nvPr>
+        </p:nvSpPr>
+        <p:spPr>
+          <a:xfrm>
+            <a:off x="457200" y="274638"/>
+            <a:ext cx="8229600" cy="1143000"/>
+          </a:xfrm>
+        </p:spPr>
+        <p:txBody>
+          <a:bodyPr>
+            <a:normAutofit fontScale="90000"/>
+          </a:bodyPr>
+          <a:lstStyle/>
+          <a:p>
+            <a:pPr algn="l"/>
+            <a:r>
+              <a:rPr lang="en-GB" dirty="0" smtClean="0">
+                <a:solidFill>
+                  <a:schemeClr val="bg1">
+                    <a:lumMod val="50000"/>
+                  </a:schemeClr>
+                </a:solidFill>
+                <a:latin typeface="Comic Sans MS"/>
+                <a:cs typeface="Comic Sans MS"/>
+              </a:rPr>
+              <a:t>Macro example with </a:t>
+            </a:r>
+            <a:r>
+              <a:rPr lang="en-US" dirty="0" err="1" smtClean="0">
+                <a:solidFill>
+                  <a:schemeClr val="bg1">
+                    <a:lumMod val="50000"/>
+                  </a:schemeClr>
+                </a:solidFill>
+                <a:latin typeface="Comic Sans MS"/>
+              </a:rPr>
+              <a:t>Quasiquotes</a:t>
+            </a:r>
+            <a:endParaRPr lang="en-US" dirty="0"/>
+          </a:p>
+        </p:txBody>
+      </p:sp>
+      <p:sp>
+        <p:nvSpPr>
+          <p:cNvPr id="7" name="Rectangle 6"/>
+          <p:cNvSpPr/>
+          <p:nvPr/>
+        </p:nvSpPr>
+        <p:spPr>
+          <a:xfrm>
+            <a:off x="457199" y="1417638"/>
+            <a:ext cx="3823687" cy="360040"/>
+          </a:xfrm>
+          <a:prstGeom prst="rect">
+            <a:avLst/>
+          </a:prstGeom>
+        </p:spPr>
+        <p:style>
+          <a:lnRef idx="2">
+            <a:schemeClr val="accent1"/>
+          </a:lnRef>
+          <a:fillRef idx="1">
+            <a:schemeClr val="lt1"/>
+          </a:fillRef>
+          <a:effectRef idx="0">
+            <a:schemeClr val="accent1"/>
+          </a:effectRef>
+          <a:fontRef idx="minor">
+            <a:schemeClr val="dk1"/>
+          </a:fontRef>
+        </p:style>
+        <p:txBody>
+          <a:bodyPr rtlCol="0" anchor="ctr"/>
+          <a:lstStyle/>
+          <a:p>
+            <a:pPr algn="ctr"/>
+            <a:r>
+              <a:rPr lang="en-GB" dirty="0" smtClean="0"/>
+              <a:t>.</a:t>
+            </a:r>
+            <a:r>
+              <a:rPr lang="en-GB" dirty="0" err="1" smtClean="0"/>
+              <a:t>scala</a:t>
+            </a:r>
+            <a:endParaRPr lang="en-US" dirty="0"/>
+          </a:p>
+        </p:txBody>
+      </p:sp>
+      <p:sp>
+        <p:nvSpPr>
+          <p:cNvPr id="8" name="Rectangle 7"/>
+          <p:cNvSpPr/>
+          <p:nvPr/>
+        </p:nvSpPr>
+        <p:spPr>
+          <a:xfrm>
+            <a:off x="457200" y="1751582"/>
+            <a:ext cx="5088468" cy="338554"/>
+          </a:xfrm>
+          <a:prstGeom prst="rect">
+            <a:avLst/>
+          </a:prstGeom>
+        </p:spPr>
+        <p:style>
+          <a:lnRef idx="3">
+            <a:schemeClr val="lt1"/>
+          </a:lnRef>
+          <a:fillRef idx="1">
+            <a:schemeClr val="dk1"/>
+          </a:fillRef>
+          <a:effectRef idx="1">
+            <a:schemeClr val="dk1"/>
+          </a:effectRef>
+          <a:fontRef idx="minor">
+            <a:schemeClr val="lt1"/>
+          </a:fontRef>
+        </p:style>
+        <p:txBody>
+          <a:bodyPr wrap="square" rtlCol="0" anchor="t">
+            <a:spAutoFit/>
+          </a:bodyPr>
+          <a:lstStyle/>
+          <a:p>
+            <a:endParaRPr lang="en-US" sz="1600" dirty="0">
+              <a:solidFill>
+                <a:srgbClr val="92D050"/>
+              </a:solidFill>
+              <a:latin typeface="Courier New" panose="02070309020205020404" pitchFamily="49" charset="0"/>
+              <a:cs typeface="Courier New" panose="02070309020205020404" pitchFamily="49" charset="0"/>
+            </a:endParaRPr>
+          </a:p>
+        </p:txBody>
+      </p:sp>
+    </p:spTree>
+    <p:extLst>
+      <p:ext uri="{BB962C8B-B14F-4D97-AF65-F5344CB8AC3E}">
+        <p14:creationId xmlns:p14="http://schemas.microsoft.com/office/powerpoint/2010/main" val="3383019330"/>
       </p:ext>
     </p:extLst>
   </p:cSld>

--- a/Scala_metaprogramming.pptx
+++ b/Scala_metaprogramming.pptx
@@ -5,7 +5,7 @@
     <p:sldMasterId id="2147483648" r:id="rId1"/>
   </p:sldMasterIdLst>
   <p:notesMasterIdLst>
-    <p:notesMasterId r:id="rId18"/>
+    <p:notesMasterId r:id="rId19"/>
   </p:notesMasterIdLst>
   <p:sldIdLst>
     <p:sldId id="351" r:id="rId2"/>
@@ -18,12 +18,13 @@
     <p:sldId id="461" r:id="rId9"/>
     <p:sldId id="462" r:id="rId10"/>
     <p:sldId id="463" r:id="rId11"/>
-    <p:sldId id="464" r:id="rId12"/>
-    <p:sldId id="465" r:id="rId13"/>
-    <p:sldId id="466" r:id="rId14"/>
-    <p:sldId id="468" r:id="rId15"/>
-    <p:sldId id="467" r:id="rId16"/>
-    <p:sldId id="445" r:id="rId17"/>
+    <p:sldId id="469" r:id="rId12"/>
+    <p:sldId id="464" r:id="rId13"/>
+    <p:sldId id="465" r:id="rId14"/>
+    <p:sldId id="466" r:id="rId15"/>
+    <p:sldId id="468" r:id="rId16"/>
+    <p:sldId id="467" r:id="rId17"/>
+    <p:sldId id="445" r:id="rId18"/>
   </p:sldIdLst>
   <p:sldSz cx="9144000" cy="6858000" type="screen4x3"/>
   <p:notesSz cx="6858000" cy="9144000"/>
@@ -3690,7 +3691,7 @@
         </p:spPr>
         <p:txBody>
           <a:bodyPr>
-            <a:normAutofit fontScale="90000"/>
+            <a:normAutofit/>
           </a:bodyPr>
           <a:lstStyle/>
           <a:p>
@@ -3704,7 +3705,7 @@
                 </a:solidFill>
                 <a:latin typeface="Comic Sans MS"/>
               </a:rPr>
-              <a:t>Metaprogramming beyond macros</a:t>
+              <a:t>What macros can actually do?</a:t>
             </a:r>
             <a:endParaRPr lang="en-US" dirty="0"/>
           </a:p>
@@ -3719,7 +3720,7 @@
         <p:spPr>
           <a:xfrm>
             <a:off x="563672" y="1691014"/>
-            <a:ext cx="7818328" cy="3170099"/>
+            <a:ext cx="7818328" cy="646331"/>
           </a:xfrm>
           <a:prstGeom prst="rect">
             <a:avLst/>
@@ -3737,11 +3738,11 @@
               <a:buChar char="•"/>
             </a:pPr>
             <a:r>
-              <a:rPr lang="en-US" sz="4000" dirty="0" smtClean="0">
+              <a:rPr lang="en-US" dirty="0" smtClean="0">
                 <a:latin typeface="Comic Sans MS" panose="030F0702030302020204" pitchFamily="66" charset="0"/>
                 <a:cs typeface="Consolas" panose="020B0609020204030204" pitchFamily="49" charset="0"/>
               </a:rPr>
-              <a:t>Reflection</a:t>
+              <a:t>When macro is used, Scala code is ran</a:t>
             </a:r>
           </a:p>
           <a:p>
@@ -3750,66 +3751,30 @@
               <a:buChar char="•"/>
             </a:pPr>
             <a:r>
-              <a:rPr lang="en-US" sz="4000" dirty="0" smtClean="0">
+              <a:rPr lang="en-US" dirty="0" smtClean="0">
                 <a:latin typeface="Comic Sans MS" panose="030F0702030302020204" pitchFamily="66" charset="0"/>
                 <a:cs typeface="Consolas" panose="020B0609020204030204" pitchFamily="49" charset="0"/>
               </a:rPr>
-              <a:t>Compiler plugins</a:t>
-            </a:r>
-          </a:p>
-          <a:p>
-            <a:pPr marL="285750" indent="-285750">
-              <a:buFont typeface="Arial" panose="020B0604020202020204" pitchFamily="34" charset="0"/>
-              <a:buChar char="•"/>
-            </a:pPr>
-            <a:r>
-              <a:rPr lang="en-US" sz="4000" dirty="0" smtClean="0">
+              <a:t>TODO a </a:t>
+            </a:r>
+            <a:r>
+              <a:rPr lang="en-US" smtClean="0">
                 <a:latin typeface="Comic Sans MS" panose="030F0702030302020204" pitchFamily="66" charset="0"/>
                 <a:cs typeface="Consolas" panose="020B0609020204030204" pitchFamily="49" charset="0"/>
               </a:rPr>
-              <a:t>Fork the Scala compiler</a:t>
-            </a:r>
-          </a:p>
-          <a:p>
-            <a:pPr marL="285750" indent="-285750">
-              <a:buFont typeface="Arial" panose="020B0604020202020204" pitchFamily="34" charset="0"/>
-              <a:buChar char="•"/>
-            </a:pPr>
-            <a:endParaRPr lang="en-US" sz="4000" dirty="0" smtClean="0">
+              <a:t>good picture</a:t>
+            </a:r>
+            <a:endParaRPr lang="en-GB" dirty="0">
               <a:latin typeface="Comic Sans MS" panose="030F0702030302020204" pitchFamily="66" charset="0"/>
               <a:cs typeface="Consolas" panose="020B0609020204030204" pitchFamily="49" charset="0"/>
             </a:endParaRPr>
           </a:p>
-          <a:p>
-            <a:pPr marL="285750" indent="-285750">
-              <a:buFont typeface="Arial" panose="020B0604020202020204" pitchFamily="34" charset="0"/>
-              <a:buChar char="•"/>
-            </a:pPr>
-            <a:r>
-              <a:rPr lang="en-US" sz="4000" dirty="0">
-                <a:latin typeface="Comic Sans MS" panose="030F0702030302020204" pitchFamily="66" charset="0"/>
-                <a:cs typeface="Consolas" panose="020B0609020204030204" pitchFamily="49" charset="0"/>
-              </a:rPr>
-              <a:t>SBT plugins … sort </a:t>
-            </a:r>
-            <a:r>
-              <a:rPr lang="en-US" sz="4000" dirty="0" smtClean="0">
-                <a:latin typeface="Comic Sans MS" panose="030F0702030302020204" pitchFamily="66" charset="0"/>
-                <a:cs typeface="Consolas" panose="020B0609020204030204" pitchFamily="49" charset="0"/>
-              </a:rPr>
-              <a:t>of</a:t>
-            </a:r>
-            <a:endParaRPr lang="en-US" sz="4000" dirty="0">
-              <a:latin typeface="Comic Sans MS" panose="030F0702030302020204" pitchFamily="66" charset="0"/>
-              <a:cs typeface="Consolas" panose="020B0609020204030204" pitchFamily="49" charset="0"/>
-            </a:endParaRPr>
-          </a:p>
         </p:txBody>
       </p:sp>
     </p:spTree>
     <p:extLst>
       <p:ext uri="{BB962C8B-B14F-4D97-AF65-F5344CB8AC3E}">
-        <p14:creationId xmlns:p14="http://schemas.microsoft.com/office/powerpoint/2010/main" val="538566248"/>
+        <p14:creationId xmlns:p14="http://schemas.microsoft.com/office/powerpoint/2010/main" val="4167151408"/>
       </p:ext>
     </p:extLst>
   </p:cSld>
@@ -3861,7 +3826,7 @@
         </p:spPr>
         <p:txBody>
           <a:bodyPr>
-            <a:normAutofit/>
+            <a:normAutofit fontScale="90000"/>
           </a:bodyPr>
           <a:lstStyle/>
           <a:p>
@@ -3875,16 +3840,9 @@
                 </a:solidFill>
                 <a:latin typeface="Comic Sans MS"/>
               </a:rPr>
-              <a:t>Reflection in Scala</a:t>
-            </a:r>
-            <a:endParaRPr lang="en-US" dirty="0">
-              <a:solidFill>
-                <a:schemeClr val="bg1">
-                  <a:lumMod val="50000"/>
-                </a:schemeClr>
-              </a:solidFill>
-              <a:latin typeface="Comic Sans MS"/>
-            </a:endParaRPr>
+              <a:t>Metaprogramming beyond macros</a:t>
+            </a:r>
+            <a:endParaRPr lang="en-US" dirty="0"/>
           </a:p>
         </p:txBody>
       </p:sp>
@@ -3897,7 +3855,7 @@
         <p:spPr>
           <a:xfrm>
             <a:off x="563672" y="1691014"/>
-            <a:ext cx="7818328" cy="369332"/>
+            <a:ext cx="7818328" cy="3170099"/>
           </a:xfrm>
           <a:prstGeom prst="rect">
             <a:avLst/>
@@ -3915,23 +3873,79 @@
               <a:buChar char="•"/>
             </a:pPr>
             <a:r>
-              <a:rPr lang="lv-LV" dirty="0" smtClean="0">
+              <a:rPr lang="en-US" sz="4000" dirty="0" smtClean="0">
                 <a:latin typeface="Comic Sans MS" panose="030F0702030302020204" pitchFamily="66" charset="0"/>
                 <a:cs typeface="Consolas" panose="020B0609020204030204" pitchFamily="49" charset="0"/>
               </a:rPr>
-              <a:t>TODO</a:t>
-            </a:r>
-            <a:endParaRPr lang="en-GB" dirty="0">
+              <a:t>Reflection</a:t>
+            </a:r>
+          </a:p>
+          <a:p>
+            <a:pPr marL="285750" indent="-285750">
+              <a:buFont typeface="Arial" panose="020B0604020202020204" pitchFamily="34" charset="0"/>
+              <a:buChar char="•"/>
+            </a:pPr>
+            <a:r>
+              <a:rPr lang="en-US" sz="4000" dirty="0" smtClean="0">
+                <a:latin typeface="Comic Sans MS" panose="030F0702030302020204" pitchFamily="66" charset="0"/>
+                <a:cs typeface="Consolas" panose="020B0609020204030204" pitchFamily="49" charset="0"/>
+              </a:rPr>
+              <a:t>Compiler plugins</a:t>
+            </a:r>
+          </a:p>
+          <a:p>
+            <a:pPr marL="285750" indent="-285750">
+              <a:buFont typeface="Arial" panose="020B0604020202020204" pitchFamily="34" charset="0"/>
+              <a:buChar char="•"/>
+            </a:pPr>
+            <a:r>
+              <a:rPr lang="en-US" sz="4000" dirty="0" smtClean="0">
+                <a:latin typeface="Comic Sans MS" panose="030F0702030302020204" pitchFamily="66" charset="0"/>
+                <a:cs typeface="Consolas" panose="020B0609020204030204" pitchFamily="49" charset="0"/>
+              </a:rPr>
+              <a:t>Fork the Scala compiler</a:t>
+            </a:r>
+          </a:p>
+          <a:p>
+            <a:pPr marL="285750" indent="-285750">
+              <a:buFont typeface="Arial" panose="020B0604020202020204" pitchFamily="34" charset="0"/>
+              <a:buChar char="•"/>
+            </a:pPr>
+            <a:endParaRPr lang="en-US" sz="4000" dirty="0" smtClean="0">
               <a:latin typeface="Comic Sans MS" panose="030F0702030302020204" pitchFamily="66" charset="0"/>
               <a:cs typeface="Consolas" panose="020B0609020204030204" pitchFamily="49" charset="0"/>
             </a:endParaRPr>
           </a:p>
+          <a:p>
+            <a:pPr marL="285750" indent="-285750">
+              <a:buFont typeface="Arial" panose="020B0604020202020204" pitchFamily="34" charset="0"/>
+              <a:buChar char="•"/>
+            </a:pPr>
+            <a:r>
+              <a:rPr lang="en-US" sz="4000" dirty="0">
+                <a:latin typeface="Comic Sans MS" panose="030F0702030302020204" pitchFamily="66" charset="0"/>
+                <a:cs typeface="Consolas" panose="020B0609020204030204" pitchFamily="49" charset="0"/>
+              </a:rPr>
+              <a:t>SBT plugins … sort </a:t>
+            </a:r>
+            <a:r>
+              <a:rPr lang="en-US" sz="4000" dirty="0" smtClean="0">
+                <a:latin typeface="Comic Sans MS" panose="030F0702030302020204" pitchFamily="66" charset="0"/>
+                <a:cs typeface="Consolas" panose="020B0609020204030204" pitchFamily="49" charset="0"/>
+              </a:rPr>
+              <a:t>of</a:t>
+            </a:r>
+            <a:endParaRPr lang="en-US" sz="4000" dirty="0">
+              <a:latin typeface="Comic Sans MS" panose="030F0702030302020204" pitchFamily="66" charset="0"/>
+              <a:cs typeface="Consolas" panose="020B0609020204030204" pitchFamily="49" charset="0"/>
+            </a:endParaRPr>
+          </a:p>
         </p:txBody>
       </p:sp>
     </p:spTree>
     <p:extLst>
       <p:ext uri="{BB962C8B-B14F-4D97-AF65-F5344CB8AC3E}">
-        <p14:creationId xmlns:p14="http://schemas.microsoft.com/office/powerpoint/2010/main" val="224215076"/>
+        <p14:creationId xmlns:p14="http://schemas.microsoft.com/office/powerpoint/2010/main" val="538566248"/>
       </p:ext>
     </p:extLst>
   </p:cSld>
@@ -3997,7 +4011,7 @@
                 </a:solidFill>
                 <a:latin typeface="Comic Sans MS"/>
               </a:rPr>
-              <a:t>Compiler plugins</a:t>
+              <a:t>Reflection in Scala</a:t>
             </a:r>
             <a:endParaRPr lang="en-US" dirty="0">
               <a:solidFill>
@@ -4053,7 +4067,7 @@
     </p:spTree>
     <p:extLst>
       <p:ext uri="{BB962C8B-B14F-4D97-AF65-F5344CB8AC3E}">
-        <p14:creationId xmlns:p14="http://schemas.microsoft.com/office/powerpoint/2010/main" val="3385901564"/>
+        <p14:creationId xmlns:p14="http://schemas.microsoft.com/office/powerpoint/2010/main" val="224215076"/>
       </p:ext>
     </p:extLst>
   </p:cSld>
@@ -4119,7 +4133,7 @@
                 </a:solidFill>
                 <a:latin typeface="Comic Sans MS"/>
               </a:rPr>
-              <a:t>Fork the Scala compiler</a:t>
+              <a:t>Compiler plugins</a:t>
             </a:r>
             <a:endParaRPr lang="en-US" dirty="0">
               <a:solidFill>
@@ -4175,7 +4189,7 @@
     </p:spTree>
     <p:extLst>
       <p:ext uri="{BB962C8B-B14F-4D97-AF65-F5344CB8AC3E}">
-        <p14:creationId xmlns:p14="http://schemas.microsoft.com/office/powerpoint/2010/main" val="3257364419"/>
+        <p14:creationId xmlns:p14="http://schemas.microsoft.com/office/powerpoint/2010/main" val="3385901564"/>
       </p:ext>
     </p:extLst>
   </p:cSld>
@@ -4241,6 +4255,128 @@
                 </a:solidFill>
                 <a:latin typeface="Comic Sans MS"/>
               </a:rPr>
+              <a:t>Fork the Scala compiler</a:t>
+            </a:r>
+            <a:endParaRPr lang="en-US" dirty="0">
+              <a:solidFill>
+                <a:schemeClr val="bg1">
+                  <a:lumMod val="50000"/>
+                </a:schemeClr>
+              </a:solidFill>
+              <a:latin typeface="Comic Sans MS"/>
+            </a:endParaRPr>
+          </a:p>
+        </p:txBody>
+      </p:sp>
+      <p:sp>
+        <p:nvSpPr>
+          <p:cNvPr id="4" name="TextBox 3"/>
+          <p:cNvSpPr txBox="1"/>
+          <p:nvPr/>
+        </p:nvSpPr>
+        <p:spPr>
+          <a:xfrm>
+            <a:off x="563672" y="1691014"/>
+            <a:ext cx="7818328" cy="369332"/>
+          </a:xfrm>
+          <a:prstGeom prst="rect">
+            <a:avLst/>
+          </a:prstGeom>
+          <a:noFill/>
+        </p:spPr>
+        <p:txBody>
+          <a:bodyPr wrap="square" rtlCol="0">
+            <a:spAutoFit/>
+          </a:bodyPr>
+          <a:lstStyle/>
+          <a:p>
+            <a:pPr marL="285750" indent="-285750">
+              <a:buFont typeface="Arial" panose="020B0604020202020204" pitchFamily="34" charset="0"/>
+              <a:buChar char="•"/>
+            </a:pPr>
+            <a:r>
+              <a:rPr lang="lv-LV" dirty="0" smtClean="0">
+                <a:latin typeface="Comic Sans MS" panose="030F0702030302020204" pitchFamily="66" charset="0"/>
+                <a:cs typeface="Consolas" panose="020B0609020204030204" pitchFamily="49" charset="0"/>
+              </a:rPr>
+              <a:t>TODO</a:t>
+            </a:r>
+            <a:endParaRPr lang="en-GB" dirty="0">
+              <a:latin typeface="Comic Sans MS" panose="030F0702030302020204" pitchFamily="66" charset="0"/>
+              <a:cs typeface="Consolas" panose="020B0609020204030204" pitchFamily="49" charset="0"/>
+            </a:endParaRPr>
+          </a:p>
+        </p:txBody>
+      </p:sp>
+    </p:spTree>
+    <p:extLst>
+      <p:ext uri="{BB962C8B-B14F-4D97-AF65-F5344CB8AC3E}">
+        <p14:creationId xmlns:p14="http://schemas.microsoft.com/office/powerpoint/2010/main" val="3257364419"/>
+      </p:ext>
+    </p:extLst>
+  </p:cSld>
+  <p:clrMapOvr>
+    <a:masterClrMapping/>
+  </p:clrMapOvr>
+  <p:timing>
+    <p:tnLst>
+      <p:par>
+        <p:cTn id="1" dur="indefinite" restart="never" nodeType="tmRoot"/>
+      </p:par>
+    </p:tnLst>
+  </p:timing>
+</p:sld>
+</file>
+
+<file path=ppt/slides/slide16.xml><?xml version="1.0" encoding="utf-8"?>
+<p:sld xmlns:a="http://schemas.openxmlformats.org/drawingml/2006/main" xmlns:r="http://schemas.openxmlformats.org/officeDocument/2006/relationships" xmlns:p="http://schemas.openxmlformats.org/presentationml/2006/main">
+  <p:cSld>
+    <p:spTree>
+      <p:nvGrpSpPr>
+        <p:cNvPr id="1" name=""/>
+        <p:cNvGrpSpPr/>
+        <p:nvPr/>
+      </p:nvGrpSpPr>
+      <p:grpSpPr>
+        <a:xfrm>
+          <a:off x="0" y="0"/>
+          <a:ext cx="0" cy="0"/>
+          <a:chOff x="0" y="0"/>
+          <a:chExt cx="0" cy="0"/>
+        </a:xfrm>
+      </p:grpSpPr>
+      <p:sp>
+        <p:nvSpPr>
+          <p:cNvPr id="13" name="Title 1"/>
+          <p:cNvSpPr>
+            <a:spLocks noGrp="1"/>
+          </p:cNvSpPr>
+          <p:nvPr>
+            <p:ph type="title"/>
+          </p:nvPr>
+        </p:nvSpPr>
+        <p:spPr>
+          <a:xfrm>
+            <a:off x="457200" y="274638"/>
+            <a:ext cx="8229600" cy="1143000"/>
+          </a:xfrm>
+        </p:spPr>
+        <p:txBody>
+          <a:bodyPr>
+            <a:normAutofit/>
+          </a:bodyPr>
+          <a:lstStyle/>
+          <a:p>
+            <a:pPr algn="l"/>
+            <a:r>
+              <a:rPr lang="en-US" dirty="0" smtClean="0">
+                <a:solidFill>
+                  <a:schemeClr val="bg1">
+                    <a:lumMod val="50000"/>
+                  </a:schemeClr>
+                </a:solidFill>
+                <a:latin typeface="Comic Sans MS"/>
+              </a:rPr>
               <a:t>Build tool plugins</a:t>
             </a:r>
             <a:endParaRPr lang="en-US" dirty="0">
@@ -4314,7 +4450,7 @@
 </p:sld>
 </file>
 
-<file path=ppt/slides/slide16.xml><?xml version="1.0" encoding="utf-8"?>
+<file path=ppt/slides/slide17.xml><?xml version="1.0" encoding="utf-8"?>
 <p:sld xmlns:a="http://schemas.openxmlformats.org/drawingml/2006/main" xmlns:r="http://schemas.openxmlformats.org/officeDocument/2006/relationships" xmlns:p="http://schemas.openxmlformats.org/presentationml/2006/main">
   <p:cSld>
     <p:spTree>

--- a/Scala_metaprogramming.pptx
+++ b/Scala_metaprogramming.pptx
@@ -224,7 +224,7 @@
           <a:p>
             <a:fld id="{067803CE-B60F-43EB-9075-5B30E94D311F}" type="datetimeFigureOut">
               <a:rPr lang="en-US" smtClean="0"/>
-              <a:t>5/9/2016</a:t>
+              <a:t>5/14/2016</a:t>
             </a:fld>
             <a:endParaRPr lang="en-US"/>
           </a:p>
@@ -673,7 +673,7 @@
           <a:p>
             <a:fld id="{9B6A8A6C-B969-4849-A48A-2FD437CE6A36}" type="datetimeFigureOut">
               <a:rPr lang="en-US" smtClean="0"/>
-              <a:t>5/9/2016</a:t>
+              <a:t>5/14/2016</a:t>
             </a:fld>
             <a:endParaRPr lang="en-US"/>
           </a:p>
@@ -838,7 +838,7 @@
           <a:p>
             <a:fld id="{9B6A8A6C-B969-4849-A48A-2FD437CE6A36}" type="datetimeFigureOut">
               <a:rPr lang="en-US" smtClean="0"/>
-              <a:t>5/9/2016</a:t>
+              <a:t>5/14/2016</a:t>
             </a:fld>
             <a:endParaRPr lang="en-US"/>
           </a:p>
@@ -1013,7 +1013,7 @@
           <a:p>
             <a:fld id="{9B6A8A6C-B969-4849-A48A-2FD437CE6A36}" type="datetimeFigureOut">
               <a:rPr lang="en-US" smtClean="0"/>
-              <a:t>5/9/2016</a:t>
+              <a:t>5/14/2016</a:t>
             </a:fld>
             <a:endParaRPr lang="en-US"/>
           </a:p>
@@ -1178,7 +1178,7 @@
           <a:p>
             <a:fld id="{9B6A8A6C-B969-4849-A48A-2FD437CE6A36}" type="datetimeFigureOut">
               <a:rPr lang="en-US" smtClean="0"/>
-              <a:t>5/9/2016</a:t>
+              <a:t>5/14/2016</a:t>
             </a:fld>
             <a:endParaRPr lang="en-US"/>
           </a:p>
@@ -1419,7 +1419,7 @@
           <a:p>
             <a:fld id="{9B6A8A6C-B969-4849-A48A-2FD437CE6A36}" type="datetimeFigureOut">
               <a:rPr lang="en-US" smtClean="0"/>
-              <a:t>5/9/2016</a:t>
+              <a:t>5/14/2016</a:t>
             </a:fld>
             <a:endParaRPr lang="en-US"/>
           </a:p>
@@ -1702,7 +1702,7 @@
           <a:p>
             <a:fld id="{9B6A8A6C-B969-4849-A48A-2FD437CE6A36}" type="datetimeFigureOut">
               <a:rPr lang="en-US" smtClean="0"/>
-              <a:t>5/9/2016</a:t>
+              <a:t>5/14/2016</a:t>
             </a:fld>
             <a:endParaRPr lang="en-US"/>
           </a:p>
@@ -2119,7 +2119,7 @@
           <a:p>
             <a:fld id="{9B6A8A6C-B969-4849-A48A-2FD437CE6A36}" type="datetimeFigureOut">
               <a:rPr lang="en-US" smtClean="0"/>
-              <a:t>5/9/2016</a:t>
+              <a:t>5/14/2016</a:t>
             </a:fld>
             <a:endParaRPr lang="en-US"/>
           </a:p>
@@ -2232,7 +2232,7 @@
           <a:p>
             <a:fld id="{9B6A8A6C-B969-4849-A48A-2FD437CE6A36}" type="datetimeFigureOut">
               <a:rPr lang="en-US" smtClean="0"/>
-              <a:t>5/9/2016</a:t>
+              <a:t>5/14/2016</a:t>
             </a:fld>
             <a:endParaRPr lang="en-US"/>
           </a:p>
@@ -2322,7 +2322,7 @@
           <a:p>
             <a:fld id="{9B6A8A6C-B969-4849-A48A-2FD437CE6A36}" type="datetimeFigureOut">
               <a:rPr lang="en-US" smtClean="0"/>
-              <a:t>5/9/2016</a:t>
+              <a:t>5/14/2016</a:t>
             </a:fld>
             <a:endParaRPr lang="en-US"/>
           </a:p>
@@ -2594,7 +2594,7 @@
           <a:p>
             <a:fld id="{9B6A8A6C-B969-4849-A48A-2FD437CE6A36}" type="datetimeFigureOut">
               <a:rPr lang="en-US" smtClean="0"/>
-              <a:t>5/9/2016</a:t>
+              <a:t>5/14/2016</a:t>
             </a:fld>
             <a:endParaRPr lang="en-US"/>
           </a:p>
@@ -2842,7 +2842,7 @@
           <a:p>
             <a:fld id="{9B6A8A6C-B969-4849-A48A-2FD437CE6A36}" type="datetimeFigureOut">
               <a:rPr lang="en-US" smtClean="0"/>
-              <a:t>5/9/2016</a:t>
+              <a:t>5/14/2016</a:t>
             </a:fld>
             <a:endParaRPr lang="en-US"/>
           </a:p>
@@ -3050,7 +3050,7 @@
           <a:p>
             <a:fld id="{9B6A8A6C-B969-4849-A48A-2FD437CE6A36}" type="datetimeFigureOut">
               <a:rPr lang="en-US" smtClean="0"/>
-              <a:t>5/9/2016</a:t>
+              <a:t>5/14/2016</a:t>
             </a:fld>
             <a:endParaRPr lang="en-US"/>
           </a:p>
@@ -4784,136 +4784,7 @@
   <p:timing>
     <p:tnLst>
       <p:par>
-        <p:cTn id="1" dur="indefinite" restart="never" nodeType="tmRoot">
-          <p:childTnLst>
-            <p:seq concurrent="1" nextAc="seek">
-              <p:cTn id="2" dur="indefinite" nodeType="mainSeq">
-                <p:childTnLst>
-                  <p:par>
-                    <p:cTn id="3" fill="hold">
-                      <p:stCondLst>
-                        <p:cond delay="indefinite"/>
-                        <p:cond evt="onBegin" delay="0">
-                          <p:tn val="2"/>
-                        </p:cond>
-                      </p:stCondLst>
-                      <p:childTnLst>
-                        <p:par>
-                          <p:cTn id="4" fill="hold">
-                            <p:stCondLst>
-                              <p:cond delay="0"/>
-                            </p:stCondLst>
-                            <p:childTnLst>
-                              <p:par>
-                                <p:cTn id="5" presetID="2" presetClass="entr" presetSubtype="4" fill="hold" nodeType="withEffect">
-                                  <p:stCondLst>
-                                    <p:cond delay="0"/>
-                                  </p:stCondLst>
-                                  <p:childTnLst>
-                                    <p:set>
-                                      <p:cBhvr>
-                                        <p:cTn id="6" dur="1" fill="hold">
-                                          <p:stCondLst>
-                                            <p:cond delay="0"/>
-                                          </p:stCondLst>
-                                        </p:cTn>
-                                        <p:tgtEl>
-                                          <p:spTgt spid="4">
-                                            <p:txEl>
-                                              <p:pRg st="0" end="0"/>
-                                            </p:txEl>
-                                          </p:spTgt>
-                                        </p:tgtEl>
-                                        <p:attrNameLst>
-                                          <p:attrName>style.visibility</p:attrName>
-                                        </p:attrNameLst>
-                                      </p:cBhvr>
-                                      <p:to>
-                                        <p:strVal val="visible"/>
-                                      </p:to>
-                                    </p:set>
-                                    <p:anim calcmode="lin" valueType="num">
-                                      <p:cBhvr additive="base">
-                                        <p:cTn id="7" dur="500" fill="hold"/>
-                                        <p:tgtEl>
-                                          <p:spTgt spid="4">
-                                            <p:txEl>
-                                              <p:pRg st="0" end="0"/>
-                                            </p:txEl>
-                                          </p:spTgt>
-                                        </p:tgtEl>
-                                        <p:attrNameLst>
-                                          <p:attrName>ppt_x</p:attrName>
-                                        </p:attrNameLst>
-                                      </p:cBhvr>
-                                      <p:tavLst>
-                                        <p:tav tm="0">
-                                          <p:val>
-                                            <p:strVal val="#ppt_x"/>
-                                          </p:val>
-                                        </p:tav>
-                                        <p:tav tm="100000">
-                                          <p:val>
-                                            <p:strVal val="#ppt_x"/>
-                                          </p:val>
-                                        </p:tav>
-                                      </p:tavLst>
-                                    </p:anim>
-                                    <p:anim calcmode="lin" valueType="num">
-                                      <p:cBhvr additive="base">
-                                        <p:cTn id="8" dur="500" fill="hold"/>
-                                        <p:tgtEl>
-                                          <p:spTgt spid="4">
-                                            <p:txEl>
-                                              <p:pRg st="0" end="0"/>
-                                            </p:txEl>
-                                          </p:spTgt>
-                                        </p:tgtEl>
-                                        <p:attrNameLst>
-                                          <p:attrName>ppt_y</p:attrName>
-                                        </p:attrNameLst>
-                                      </p:cBhvr>
-                                      <p:tavLst>
-                                        <p:tav tm="0">
-                                          <p:val>
-                                            <p:strVal val="1+#ppt_h/2"/>
-                                          </p:val>
-                                        </p:tav>
-                                        <p:tav tm="100000">
-                                          <p:val>
-                                            <p:strVal val="#ppt_y"/>
-                                          </p:val>
-                                        </p:tav>
-                                      </p:tavLst>
-                                    </p:anim>
-                                  </p:childTnLst>
-                                </p:cTn>
-                              </p:par>
-                            </p:childTnLst>
-                          </p:cTn>
-                        </p:par>
-                      </p:childTnLst>
-                    </p:cTn>
-                  </p:par>
-                </p:childTnLst>
-              </p:cTn>
-              <p:prevCondLst>
-                <p:cond evt="onPrev" delay="0">
-                  <p:tgtEl>
-                    <p:sldTgt/>
-                  </p:tgtEl>
-                </p:cond>
-              </p:prevCondLst>
-              <p:nextCondLst>
-                <p:cond evt="onNext" delay="0">
-                  <p:tgtEl>
-                    <p:sldTgt/>
-                  </p:tgtEl>
-                </p:cond>
-              </p:nextCondLst>
-            </p:seq>
-          </p:childTnLst>
-        </p:cTn>
+        <p:cTn id="1" dur="indefinite" restart="never" nodeType="tmRoot"/>
       </p:par>
     </p:tnLst>
   </p:timing>
@@ -5546,12 +5417,8 @@
           <a:p>
             <a:pPr algn="ctr"/>
             <a:r>
-              <a:rPr lang="en-GB" dirty="0" smtClean="0"/>
-              <a:t>.</a:t>
-            </a:r>
-            <a:r>
-              <a:rPr lang="en-GB" dirty="0" err="1" smtClean="0"/>
-              <a:t>scala</a:t>
+              <a:rPr lang="en-GB" dirty="0" err="1"/>
+              <a:t>LoadProperties.scala</a:t>
             </a:r>
             <a:endParaRPr lang="en-US" dirty="0"/>
           </a:p>
@@ -5566,7 +5433,7 @@
         <p:spPr>
           <a:xfrm>
             <a:off x="457200" y="1751582"/>
-            <a:ext cx="5088468" cy="338554"/>
+            <a:ext cx="6482444" cy="5047536"/>
           </a:xfrm>
           <a:prstGeom prst="rect">
             <a:avLst/>
@@ -5592,7 +5459,1615 @@
           </a:bodyPr>
           <a:lstStyle/>
           <a:p>
-            <a:endParaRPr lang="en-US" sz="1600" dirty="0">
+            <a:r>
+              <a:rPr lang="en-US" sz="700" dirty="0">
+                <a:solidFill>
+                  <a:srgbClr val="92D050"/>
+                </a:solidFill>
+                <a:latin typeface="Courier New" panose="02070309020205020404" pitchFamily="49" charset="0"/>
+                <a:cs typeface="Courier New" panose="02070309020205020404" pitchFamily="49" charset="0"/>
+              </a:rPr>
+              <a:t> </a:t>
+            </a:r>
+            <a:r>
+              <a:rPr lang="en-US" sz="700" dirty="0" err="1">
+                <a:solidFill>
+                  <a:srgbClr val="92D050"/>
+                </a:solidFill>
+                <a:latin typeface="Courier New" panose="02070309020205020404" pitchFamily="49" charset="0"/>
+                <a:cs typeface="Courier New" panose="02070309020205020404" pitchFamily="49" charset="0"/>
+              </a:rPr>
+              <a:t>def</a:t>
+            </a:r>
+            <a:r>
+              <a:rPr lang="en-US" sz="700" dirty="0">
+                <a:solidFill>
+                  <a:srgbClr val="92D050"/>
+                </a:solidFill>
+                <a:latin typeface="Courier New" panose="02070309020205020404" pitchFamily="49" charset="0"/>
+                <a:cs typeface="Courier New" panose="02070309020205020404" pitchFamily="49" charset="0"/>
+              </a:rPr>
+              <a:t> </a:t>
+            </a:r>
+            <a:r>
+              <a:rPr lang="en-US" sz="700" dirty="0" err="1">
+                <a:solidFill>
+                  <a:srgbClr val="92D050"/>
+                </a:solidFill>
+                <a:latin typeface="Courier New" panose="02070309020205020404" pitchFamily="49" charset="0"/>
+                <a:cs typeface="Courier New" panose="02070309020205020404" pitchFamily="49" charset="0"/>
+              </a:rPr>
+              <a:t>loadPropertiesWithoutQ</a:t>
+            </a:r>
+            <a:r>
+              <a:rPr lang="en-US" sz="700" dirty="0">
+                <a:solidFill>
+                  <a:srgbClr val="92D050"/>
+                </a:solidFill>
+                <a:latin typeface="Courier New" panose="02070309020205020404" pitchFamily="49" charset="0"/>
+                <a:cs typeface="Courier New" panose="02070309020205020404" pitchFamily="49" charset="0"/>
+              </a:rPr>
+              <a:t>(file: String): Map[String, String] = macro </a:t>
+            </a:r>
+            <a:r>
+              <a:rPr lang="en-US" sz="700" dirty="0" err="1">
+                <a:solidFill>
+                  <a:srgbClr val="92D050"/>
+                </a:solidFill>
+                <a:latin typeface="Courier New" panose="02070309020205020404" pitchFamily="49" charset="0"/>
+                <a:cs typeface="Courier New" panose="02070309020205020404" pitchFamily="49" charset="0"/>
+              </a:rPr>
+              <a:t>loadPropertiesWithoutQImpl</a:t>
+            </a:r>
+            <a:endParaRPr lang="en-US" sz="700" dirty="0">
+              <a:solidFill>
+                <a:srgbClr val="92D050"/>
+              </a:solidFill>
+              <a:latin typeface="Courier New" panose="02070309020205020404" pitchFamily="49" charset="0"/>
+              <a:cs typeface="Courier New" panose="02070309020205020404" pitchFamily="49" charset="0"/>
+            </a:endParaRPr>
+          </a:p>
+          <a:p>
+            <a:endParaRPr lang="en-US" sz="700" dirty="0">
+              <a:solidFill>
+                <a:srgbClr val="92D050"/>
+              </a:solidFill>
+              <a:latin typeface="Courier New" panose="02070309020205020404" pitchFamily="49" charset="0"/>
+              <a:cs typeface="Courier New" panose="02070309020205020404" pitchFamily="49" charset="0"/>
+            </a:endParaRPr>
+          </a:p>
+          <a:p>
+            <a:r>
+              <a:rPr lang="en-US" sz="700" dirty="0">
+                <a:solidFill>
+                  <a:srgbClr val="92D050"/>
+                </a:solidFill>
+                <a:latin typeface="Courier New" panose="02070309020205020404" pitchFamily="49" charset="0"/>
+                <a:cs typeface="Courier New" panose="02070309020205020404" pitchFamily="49" charset="0"/>
+              </a:rPr>
+              <a:t>  </a:t>
+            </a:r>
+            <a:r>
+              <a:rPr lang="en-US" sz="700" dirty="0" err="1">
+                <a:solidFill>
+                  <a:srgbClr val="92D050"/>
+                </a:solidFill>
+                <a:latin typeface="Courier New" panose="02070309020205020404" pitchFamily="49" charset="0"/>
+                <a:cs typeface="Courier New" panose="02070309020205020404" pitchFamily="49" charset="0"/>
+              </a:rPr>
+              <a:t>def</a:t>
+            </a:r>
+            <a:r>
+              <a:rPr lang="en-US" sz="700" dirty="0">
+                <a:solidFill>
+                  <a:srgbClr val="92D050"/>
+                </a:solidFill>
+                <a:latin typeface="Courier New" panose="02070309020205020404" pitchFamily="49" charset="0"/>
+                <a:cs typeface="Courier New" panose="02070309020205020404" pitchFamily="49" charset="0"/>
+              </a:rPr>
+              <a:t> </a:t>
+            </a:r>
+            <a:r>
+              <a:rPr lang="en-US" sz="700" dirty="0" err="1">
+                <a:solidFill>
+                  <a:srgbClr val="92D050"/>
+                </a:solidFill>
+                <a:latin typeface="Courier New" panose="02070309020205020404" pitchFamily="49" charset="0"/>
+                <a:cs typeface="Courier New" panose="02070309020205020404" pitchFamily="49" charset="0"/>
+              </a:rPr>
+              <a:t>loadPropertiesWithoutQImpl</a:t>
+            </a:r>
+            <a:r>
+              <a:rPr lang="en-US" sz="700" dirty="0">
+                <a:solidFill>
+                  <a:srgbClr val="92D050"/>
+                </a:solidFill>
+                <a:latin typeface="Courier New" panose="02070309020205020404" pitchFamily="49" charset="0"/>
+                <a:cs typeface="Courier New" panose="02070309020205020404" pitchFamily="49" charset="0"/>
+              </a:rPr>
+              <a:t>(c: Context)(file: </a:t>
+            </a:r>
+            <a:r>
+              <a:rPr lang="en-US" sz="700" dirty="0" err="1">
+                <a:solidFill>
+                  <a:srgbClr val="92D050"/>
+                </a:solidFill>
+                <a:latin typeface="Courier New" panose="02070309020205020404" pitchFamily="49" charset="0"/>
+                <a:cs typeface="Courier New" panose="02070309020205020404" pitchFamily="49" charset="0"/>
+              </a:rPr>
+              <a:t>c.Expr</a:t>
+            </a:r>
+            <a:r>
+              <a:rPr lang="en-US" sz="700" dirty="0">
+                <a:solidFill>
+                  <a:srgbClr val="92D050"/>
+                </a:solidFill>
+                <a:latin typeface="Courier New" panose="02070309020205020404" pitchFamily="49" charset="0"/>
+                <a:cs typeface="Courier New" panose="02070309020205020404" pitchFamily="49" charset="0"/>
+              </a:rPr>
+              <a:t>[String]) = {</a:t>
+            </a:r>
+          </a:p>
+          <a:p>
+            <a:r>
+              <a:rPr lang="en-US" sz="700" dirty="0">
+                <a:solidFill>
+                  <a:srgbClr val="92D050"/>
+                </a:solidFill>
+                <a:latin typeface="Courier New" panose="02070309020205020404" pitchFamily="49" charset="0"/>
+                <a:cs typeface="Courier New" panose="02070309020205020404" pitchFamily="49" charset="0"/>
+              </a:rPr>
+              <a:t>    import </a:t>
+            </a:r>
+            <a:r>
+              <a:rPr lang="en-US" sz="700" dirty="0" err="1">
+                <a:solidFill>
+                  <a:srgbClr val="92D050"/>
+                </a:solidFill>
+                <a:latin typeface="Courier New" panose="02070309020205020404" pitchFamily="49" charset="0"/>
+                <a:cs typeface="Courier New" panose="02070309020205020404" pitchFamily="49" charset="0"/>
+              </a:rPr>
+              <a:t>c.universe</a:t>
+            </a:r>
+            <a:r>
+              <a:rPr lang="en-US" sz="700" dirty="0">
+                <a:solidFill>
+                  <a:srgbClr val="92D050"/>
+                </a:solidFill>
+                <a:latin typeface="Courier New" panose="02070309020205020404" pitchFamily="49" charset="0"/>
+                <a:cs typeface="Courier New" panose="02070309020205020404" pitchFamily="49" charset="0"/>
+              </a:rPr>
+              <a:t>._</a:t>
+            </a:r>
+          </a:p>
+          <a:p>
+            <a:r>
+              <a:rPr lang="en-US" sz="700" dirty="0">
+                <a:solidFill>
+                  <a:srgbClr val="92D050"/>
+                </a:solidFill>
+                <a:latin typeface="Courier New" panose="02070309020205020404" pitchFamily="49" charset="0"/>
+                <a:cs typeface="Courier New" panose="02070309020205020404" pitchFamily="49" charset="0"/>
+              </a:rPr>
+              <a:t>    import </a:t>
+            </a:r>
+            <a:r>
+              <a:rPr lang="en-US" sz="700" dirty="0" err="1">
+                <a:solidFill>
+                  <a:srgbClr val="92D050"/>
+                </a:solidFill>
+                <a:latin typeface="Courier New" panose="02070309020205020404" pitchFamily="49" charset="0"/>
+                <a:cs typeface="Courier New" panose="02070309020205020404" pitchFamily="49" charset="0"/>
+              </a:rPr>
+              <a:t>scala.collection.mutable</a:t>
+            </a:r>
+            <a:endParaRPr lang="en-US" sz="700" dirty="0">
+              <a:solidFill>
+                <a:srgbClr val="92D050"/>
+              </a:solidFill>
+              <a:latin typeface="Courier New" panose="02070309020205020404" pitchFamily="49" charset="0"/>
+              <a:cs typeface="Courier New" panose="02070309020205020404" pitchFamily="49" charset="0"/>
+            </a:endParaRPr>
+          </a:p>
+          <a:p>
+            <a:endParaRPr lang="en-US" sz="700" dirty="0">
+              <a:solidFill>
+                <a:srgbClr val="92D050"/>
+              </a:solidFill>
+              <a:latin typeface="Courier New" panose="02070309020205020404" pitchFamily="49" charset="0"/>
+              <a:cs typeface="Courier New" panose="02070309020205020404" pitchFamily="49" charset="0"/>
+            </a:endParaRPr>
+          </a:p>
+          <a:p>
+            <a:r>
+              <a:rPr lang="en-US" sz="700" dirty="0">
+                <a:solidFill>
+                  <a:srgbClr val="92D050"/>
+                </a:solidFill>
+                <a:latin typeface="Courier New" panose="02070309020205020404" pitchFamily="49" charset="0"/>
+                <a:cs typeface="Courier New" panose="02070309020205020404" pitchFamily="49" charset="0"/>
+              </a:rPr>
+              <a:t>    // 1. assume the expression is a string constant and pattern match it</a:t>
+            </a:r>
+          </a:p>
+          <a:p>
+            <a:r>
+              <a:rPr lang="en-US" sz="700" dirty="0">
+                <a:solidFill>
+                  <a:srgbClr val="92D050"/>
+                </a:solidFill>
+                <a:latin typeface="Courier New" panose="02070309020205020404" pitchFamily="49" charset="0"/>
+                <a:cs typeface="Courier New" panose="02070309020205020404" pitchFamily="49" charset="0"/>
+              </a:rPr>
+              <a:t>    </a:t>
+            </a:r>
+            <a:r>
+              <a:rPr lang="en-US" sz="700" dirty="0" err="1">
+                <a:solidFill>
+                  <a:srgbClr val="92D050"/>
+                </a:solidFill>
+                <a:latin typeface="Courier New" panose="02070309020205020404" pitchFamily="49" charset="0"/>
+                <a:cs typeface="Courier New" panose="02070309020205020404" pitchFamily="49" charset="0"/>
+              </a:rPr>
+              <a:t>val</a:t>
+            </a:r>
+            <a:r>
+              <a:rPr lang="en-US" sz="700" dirty="0">
+                <a:solidFill>
+                  <a:srgbClr val="92D050"/>
+                </a:solidFill>
+                <a:latin typeface="Courier New" panose="02070309020205020404" pitchFamily="49" charset="0"/>
+                <a:cs typeface="Courier New" panose="02070309020205020404" pitchFamily="49" charset="0"/>
+              </a:rPr>
+              <a:t> Literal(Constant(</a:t>
+            </a:r>
+            <a:r>
+              <a:rPr lang="en-US" sz="700" dirty="0" err="1">
+                <a:solidFill>
+                  <a:srgbClr val="92D050"/>
+                </a:solidFill>
+                <a:latin typeface="Courier New" panose="02070309020205020404" pitchFamily="49" charset="0"/>
+                <a:cs typeface="Courier New" panose="02070309020205020404" pitchFamily="49" charset="0"/>
+              </a:rPr>
+              <a:t>fileName</a:t>
+            </a:r>
+            <a:r>
+              <a:rPr lang="en-US" sz="700" dirty="0">
+                <a:solidFill>
+                  <a:srgbClr val="92D050"/>
+                </a:solidFill>
+                <a:latin typeface="Courier New" panose="02070309020205020404" pitchFamily="49" charset="0"/>
+                <a:cs typeface="Courier New" panose="02070309020205020404" pitchFamily="49" charset="0"/>
+              </a:rPr>
+              <a:t>: String)) = </a:t>
+            </a:r>
+            <a:r>
+              <a:rPr lang="en-US" sz="700" dirty="0" err="1">
+                <a:solidFill>
+                  <a:srgbClr val="92D050"/>
+                </a:solidFill>
+                <a:latin typeface="Courier New" panose="02070309020205020404" pitchFamily="49" charset="0"/>
+                <a:cs typeface="Courier New" panose="02070309020205020404" pitchFamily="49" charset="0"/>
+              </a:rPr>
+              <a:t>file.tree</a:t>
+            </a:r>
+            <a:endParaRPr lang="en-US" sz="700" dirty="0">
+              <a:solidFill>
+                <a:srgbClr val="92D050"/>
+              </a:solidFill>
+              <a:latin typeface="Courier New" panose="02070309020205020404" pitchFamily="49" charset="0"/>
+              <a:cs typeface="Courier New" panose="02070309020205020404" pitchFamily="49" charset="0"/>
+            </a:endParaRPr>
+          </a:p>
+          <a:p>
+            <a:endParaRPr lang="en-US" sz="700" dirty="0">
+              <a:solidFill>
+                <a:srgbClr val="92D050"/>
+              </a:solidFill>
+              <a:latin typeface="Courier New" panose="02070309020205020404" pitchFamily="49" charset="0"/>
+              <a:cs typeface="Courier New" panose="02070309020205020404" pitchFamily="49" charset="0"/>
+            </a:endParaRPr>
+          </a:p>
+          <a:p>
+            <a:r>
+              <a:rPr lang="en-US" sz="700" dirty="0">
+                <a:solidFill>
+                  <a:srgbClr val="92D050"/>
+                </a:solidFill>
+                <a:latin typeface="Courier New" panose="02070309020205020404" pitchFamily="49" charset="0"/>
+                <a:cs typeface="Courier New" panose="02070309020205020404" pitchFamily="49" charset="0"/>
+              </a:rPr>
+              <a:t>    // 2. do the actual work</a:t>
+            </a:r>
+          </a:p>
+          <a:p>
+            <a:r>
+              <a:rPr lang="en-US" sz="700" dirty="0">
+                <a:solidFill>
+                  <a:srgbClr val="92D050"/>
+                </a:solidFill>
+                <a:latin typeface="Courier New" panose="02070309020205020404" pitchFamily="49" charset="0"/>
+                <a:cs typeface="Courier New" panose="02070309020205020404" pitchFamily="49" charset="0"/>
+              </a:rPr>
+              <a:t>    </a:t>
+            </a:r>
+            <a:r>
+              <a:rPr lang="en-US" sz="700" dirty="0" err="1">
+                <a:solidFill>
+                  <a:srgbClr val="92D050"/>
+                </a:solidFill>
+                <a:latin typeface="Courier New" panose="02070309020205020404" pitchFamily="49" charset="0"/>
+                <a:cs typeface="Courier New" panose="02070309020205020404" pitchFamily="49" charset="0"/>
+              </a:rPr>
+              <a:t>val</a:t>
+            </a:r>
+            <a:r>
+              <a:rPr lang="en-US" sz="700" dirty="0">
+                <a:solidFill>
+                  <a:srgbClr val="92D050"/>
+                </a:solidFill>
+                <a:latin typeface="Courier New" panose="02070309020205020404" pitchFamily="49" charset="0"/>
+                <a:cs typeface="Courier New" panose="02070309020205020404" pitchFamily="49" charset="0"/>
+              </a:rPr>
+              <a:t> </a:t>
+            </a:r>
+            <a:r>
+              <a:rPr lang="en-US" sz="700" dirty="0" err="1">
+                <a:solidFill>
+                  <a:srgbClr val="92D050"/>
+                </a:solidFill>
+                <a:latin typeface="Courier New" panose="02070309020205020404" pitchFamily="49" charset="0"/>
+                <a:cs typeface="Courier New" panose="02070309020205020404" pitchFamily="49" charset="0"/>
+              </a:rPr>
+              <a:t>fis</a:t>
+            </a:r>
+            <a:r>
+              <a:rPr lang="en-US" sz="700" dirty="0">
+                <a:solidFill>
+                  <a:srgbClr val="92D050"/>
+                </a:solidFill>
+                <a:latin typeface="Courier New" panose="02070309020205020404" pitchFamily="49" charset="0"/>
+                <a:cs typeface="Courier New" panose="02070309020205020404" pitchFamily="49" charset="0"/>
+              </a:rPr>
+              <a:t> = new </a:t>
+            </a:r>
+            <a:r>
+              <a:rPr lang="en-US" sz="700" dirty="0" err="1">
+                <a:solidFill>
+                  <a:srgbClr val="92D050"/>
+                </a:solidFill>
+                <a:latin typeface="Courier New" panose="02070309020205020404" pitchFamily="49" charset="0"/>
+                <a:cs typeface="Courier New" panose="02070309020205020404" pitchFamily="49" charset="0"/>
+              </a:rPr>
+              <a:t>FileInputStream</a:t>
+            </a:r>
+            <a:r>
+              <a:rPr lang="en-US" sz="700" dirty="0">
+                <a:solidFill>
+                  <a:srgbClr val="92D050"/>
+                </a:solidFill>
+                <a:latin typeface="Courier New" panose="02070309020205020404" pitchFamily="49" charset="0"/>
+                <a:cs typeface="Courier New" panose="02070309020205020404" pitchFamily="49" charset="0"/>
+              </a:rPr>
+              <a:t>(</a:t>
+            </a:r>
+            <a:r>
+              <a:rPr lang="en-US" sz="700" dirty="0" err="1">
+                <a:solidFill>
+                  <a:srgbClr val="92D050"/>
+                </a:solidFill>
+                <a:latin typeface="Courier New" panose="02070309020205020404" pitchFamily="49" charset="0"/>
+                <a:cs typeface="Courier New" panose="02070309020205020404" pitchFamily="49" charset="0"/>
+              </a:rPr>
+              <a:t>fileName</a:t>
+            </a:r>
+            <a:r>
+              <a:rPr lang="en-US" sz="700" dirty="0">
+                <a:solidFill>
+                  <a:srgbClr val="92D050"/>
+                </a:solidFill>
+                <a:latin typeface="Courier New" panose="02070309020205020404" pitchFamily="49" charset="0"/>
+                <a:cs typeface="Courier New" panose="02070309020205020404" pitchFamily="49" charset="0"/>
+              </a:rPr>
+              <a:t>)</a:t>
+            </a:r>
+          </a:p>
+          <a:p>
+            <a:r>
+              <a:rPr lang="en-US" sz="700" dirty="0">
+                <a:solidFill>
+                  <a:srgbClr val="92D050"/>
+                </a:solidFill>
+                <a:latin typeface="Courier New" panose="02070309020205020404" pitchFamily="49" charset="0"/>
+                <a:cs typeface="Courier New" panose="02070309020205020404" pitchFamily="49" charset="0"/>
+              </a:rPr>
+              <a:t>    </a:t>
+            </a:r>
+            <a:r>
+              <a:rPr lang="en-US" sz="700" dirty="0" err="1">
+                <a:solidFill>
+                  <a:srgbClr val="92D050"/>
+                </a:solidFill>
+                <a:latin typeface="Courier New" panose="02070309020205020404" pitchFamily="49" charset="0"/>
+                <a:cs typeface="Courier New" panose="02070309020205020404" pitchFamily="49" charset="0"/>
+              </a:rPr>
+              <a:t>val</a:t>
+            </a:r>
+            <a:r>
+              <a:rPr lang="en-US" sz="700" dirty="0">
+                <a:solidFill>
+                  <a:srgbClr val="92D050"/>
+                </a:solidFill>
+                <a:latin typeface="Courier New" panose="02070309020205020404" pitchFamily="49" charset="0"/>
+                <a:cs typeface="Courier New" panose="02070309020205020404" pitchFamily="49" charset="0"/>
+              </a:rPr>
+              <a:t> properties = new Properties</a:t>
+            </a:r>
+          </a:p>
+          <a:p>
+            <a:r>
+              <a:rPr lang="en-US" sz="700" dirty="0">
+                <a:solidFill>
+                  <a:srgbClr val="92D050"/>
+                </a:solidFill>
+                <a:latin typeface="Courier New" panose="02070309020205020404" pitchFamily="49" charset="0"/>
+                <a:cs typeface="Courier New" panose="02070309020205020404" pitchFamily="49" charset="0"/>
+              </a:rPr>
+              <a:t>    </a:t>
+            </a:r>
+            <a:r>
+              <a:rPr lang="en-US" sz="700" dirty="0" err="1">
+                <a:solidFill>
+                  <a:srgbClr val="92D050"/>
+                </a:solidFill>
+                <a:latin typeface="Courier New" panose="02070309020205020404" pitchFamily="49" charset="0"/>
+                <a:cs typeface="Courier New" panose="02070309020205020404" pitchFamily="49" charset="0"/>
+              </a:rPr>
+              <a:t>properties.load</a:t>
+            </a:r>
+            <a:r>
+              <a:rPr lang="en-US" sz="700" dirty="0">
+                <a:solidFill>
+                  <a:srgbClr val="92D050"/>
+                </a:solidFill>
+                <a:latin typeface="Courier New" panose="02070309020205020404" pitchFamily="49" charset="0"/>
+                <a:cs typeface="Courier New" panose="02070309020205020404" pitchFamily="49" charset="0"/>
+              </a:rPr>
+              <a:t>(</a:t>
+            </a:r>
+            <a:r>
+              <a:rPr lang="en-US" sz="700" dirty="0" err="1">
+                <a:solidFill>
+                  <a:srgbClr val="92D050"/>
+                </a:solidFill>
+                <a:latin typeface="Courier New" panose="02070309020205020404" pitchFamily="49" charset="0"/>
+                <a:cs typeface="Courier New" panose="02070309020205020404" pitchFamily="49" charset="0"/>
+              </a:rPr>
+              <a:t>fis</a:t>
+            </a:r>
+            <a:r>
+              <a:rPr lang="en-US" sz="700" dirty="0">
+                <a:solidFill>
+                  <a:srgbClr val="92D050"/>
+                </a:solidFill>
+                <a:latin typeface="Courier New" panose="02070309020205020404" pitchFamily="49" charset="0"/>
+                <a:cs typeface="Courier New" panose="02070309020205020404" pitchFamily="49" charset="0"/>
+              </a:rPr>
+              <a:t>)</a:t>
+            </a:r>
+          </a:p>
+          <a:p>
+            <a:r>
+              <a:rPr lang="en-US" sz="700" dirty="0">
+                <a:solidFill>
+                  <a:srgbClr val="92D050"/>
+                </a:solidFill>
+                <a:latin typeface="Courier New" panose="02070309020205020404" pitchFamily="49" charset="0"/>
+                <a:cs typeface="Courier New" panose="02070309020205020404" pitchFamily="49" charset="0"/>
+              </a:rPr>
+              <a:t>    </a:t>
+            </a:r>
+            <a:r>
+              <a:rPr lang="en-US" sz="700" dirty="0" err="1">
+                <a:solidFill>
+                  <a:srgbClr val="92D050"/>
+                </a:solidFill>
+                <a:latin typeface="Courier New" panose="02070309020205020404" pitchFamily="49" charset="0"/>
+                <a:cs typeface="Courier New" panose="02070309020205020404" pitchFamily="49" charset="0"/>
+              </a:rPr>
+              <a:t>fis.close</a:t>
+            </a:r>
+            <a:r>
+              <a:rPr lang="en-US" sz="700" dirty="0">
+                <a:solidFill>
+                  <a:srgbClr val="92D050"/>
+                </a:solidFill>
+                <a:latin typeface="Courier New" panose="02070309020205020404" pitchFamily="49" charset="0"/>
+                <a:cs typeface="Courier New" panose="02070309020205020404" pitchFamily="49" charset="0"/>
+              </a:rPr>
+              <a:t>()</a:t>
+            </a:r>
+          </a:p>
+          <a:p>
+            <a:r>
+              <a:rPr lang="en-US" sz="700" dirty="0">
+                <a:solidFill>
+                  <a:srgbClr val="92D050"/>
+                </a:solidFill>
+                <a:latin typeface="Courier New" panose="02070309020205020404" pitchFamily="49" charset="0"/>
+                <a:cs typeface="Courier New" panose="02070309020205020404" pitchFamily="49" charset="0"/>
+              </a:rPr>
+              <a:t>    </a:t>
+            </a:r>
+            <a:r>
+              <a:rPr lang="en-US" sz="700" dirty="0" err="1">
+                <a:solidFill>
+                  <a:srgbClr val="92D050"/>
+                </a:solidFill>
+                <a:latin typeface="Courier New" panose="02070309020205020404" pitchFamily="49" charset="0"/>
+                <a:cs typeface="Courier New" panose="02070309020205020404" pitchFamily="49" charset="0"/>
+              </a:rPr>
+              <a:t>val</a:t>
+            </a:r>
+            <a:r>
+              <a:rPr lang="en-US" sz="700" dirty="0">
+                <a:solidFill>
+                  <a:srgbClr val="92D050"/>
+                </a:solidFill>
+                <a:latin typeface="Courier New" panose="02070309020205020404" pitchFamily="49" charset="0"/>
+                <a:cs typeface="Courier New" panose="02070309020205020404" pitchFamily="49" charset="0"/>
+              </a:rPr>
+              <a:t> </a:t>
+            </a:r>
+            <a:r>
+              <a:rPr lang="en-US" sz="700" dirty="0" err="1">
+                <a:solidFill>
+                  <a:srgbClr val="92D050"/>
+                </a:solidFill>
+                <a:latin typeface="Courier New" panose="02070309020205020404" pitchFamily="49" charset="0"/>
+                <a:cs typeface="Courier New" panose="02070309020205020404" pitchFamily="49" charset="0"/>
+              </a:rPr>
+              <a:t>propertiesMap</a:t>
+            </a:r>
+            <a:r>
+              <a:rPr lang="en-US" sz="700" dirty="0">
+                <a:solidFill>
+                  <a:srgbClr val="92D050"/>
+                </a:solidFill>
+                <a:latin typeface="Courier New" panose="02070309020205020404" pitchFamily="49" charset="0"/>
+                <a:cs typeface="Courier New" panose="02070309020205020404" pitchFamily="49" charset="0"/>
+              </a:rPr>
+              <a:t> = </a:t>
+            </a:r>
+            <a:r>
+              <a:rPr lang="en-US" sz="700" dirty="0" err="1">
+                <a:solidFill>
+                  <a:srgbClr val="92D050"/>
+                </a:solidFill>
+                <a:latin typeface="Courier New" panose="02070309020205020404" pitchFamily="49" charset="0"/>
+                <a:cs typeface="Courier New" panose="02070309020205020404" pitchFamily="49" charset="0"/>
+              </a:rPr>
+              <a:t>properties.asScala.toMap</a:t>
+            </a:r>
+            <a:endParaRPr lang="en-US" sz="700" dirty="0">
+              <a:solidFill>
+                <a:srgbClr val="92D050"/>
+              </a:solidFill>
+              <a:latin typeface="Courier New" panose="02070309020205020404" pitchFamily="49" charset="0"/>
+              <a:cs typeface="Courier New" panose="02070309020205020404" pitchFamily="49" charset="0"/>
+            </a:endParaRPr>
+          </a:p>
+          <a:p>
+            <a:endParaRPr lang="en-US" sz="700" dirty="0">
+              <a:solidFill>
+                <a:srgbClr val="92D050"/>
+              </a:solidFill>
+              <a:latin typeface="Courier New" panose="02070309020205020404" pitchFamily="49" charset="0"/>
+              <a:cs typeface="Courier New" panose="02070309020205020404" pitchFamily="49" charset="0"/>
+            </a:endParaRPr>
+          </a:p>
+          <a:p>
+            <a:r>
+              <a:rPr lang="en-US" sz="700" dirty="0">
+                <a:solidFill>
+                  <a:srgbClr val="92D050"/>
+                </a:solidFill>
+                <a:latin typeface="Courier New" panose="02070309020205020404" pitchFamily="49" charset="0"/>
+                <a:cs typeface="Courier New" panose="02070309020205020404" pitchFamily="49" charset="0"/>
+              </a:rPr>
+              <a:t>    // 3.1. define the value called builder for the </a:t>
+            </a:r>
+            <a:r>
+              <a:rPr lang="en-US" sz="700" dirty="0" err="1">
+                <a:solidFill>
+                  <a:srgbClr val="92D050"/>
+                </a:solidFill>
+                <a:latin typeface="Courier New" panose="02070309020205020404" pitchFamily="49" charset="0"/>
+                <a:cs typeface="Courier New" panose="02070309020205020404" pitchFamily="49" charset="0"/>
+              </a:rPr>
+              <a:t>mapBuilder</a:t>
+            </a:r>
+            <a:r>
+              <a:rPr lang="en-US" sz="700" dirty="0">
+                <a:solidFill>
+                  <a:srgbClr val="92D050"/>
+                </a:solidFill>
+                <a:latin typeface="Courier New" panose="02070309020205020404" pitchFamily="49" charset="0"/>
+                <a:cs typeface="Courier New" panose="02070309020205020404" pitchFamily="49" charset="0"/>
+              </a:rPr>
+              <a:t>, i.e. </a:t>
+            </a:r>
+            <a:r>
+              <a:rPr lang="en-US" sz="700" dirty="0" err="1">
+                <a:solidFill>
+                  <a:srgbClr val="92D050"/>
+                </a:solidFill>
+                <a:latin typeface="Courier New" panose="02070309020205020404" pitchFamily="49" charset="0"/>
+                <a:cs typeface="Courier New" panose="02070309020205020404" pitchFamily="49" charset="0"/>
+              </a:rPr>
+              <a:t>val</a:t>
+            </a:r>
+            <a:r>
+              <a:rPr lang="en-US" sz="700" dirty="0">
+                <a:solidFill>
+                  <a:srgbClr val="92D050"/>
+                </a:solidFill>
+                <a:latin typeface="Courier New" panose="02070309020205020404" pitchFamily="49" charset="0"/>
+                <a:cs typeface="Courier New" panose="02070309020205020404" pitchFamily="49" charset="0"/>
+              </a:rPr>
+              <a:t> builder = </a:t>
+            </a:r>
+            <a:r>
+              <a:rPr lang="en-US" sz="700" dirty="0" err="1">
+                <a:solidFill>
+                  <a:srgbClr val="92D050"/>
+                </a:solidFill>
+                <a:latin typeface="Courier New" panose="02070309020205020404" pitchFamily="49" charset="0"/>
+                <a:cs typeface="Courier New" panose="02070309020205020404" pitchFamily="49" charset="0"/>
+              </a:rPr>
+              <a:t>Map.newBuilder</a:t>
+            </a:r>
+            <a:r>
+              <a:rPr lang="en-US" sz="700" dirty="0">
+                <a:solidFill>
+                  <a:srgbClr val="92D050"/>
+                </a:solidFill>
+                <a:latin typeface="Courier New" panose="02070309020205020404" pitchFamily="49" charset="0"/>
+                <a:cs typeface="Courier New" panose="02070309020205020404" pitchFamily="49" charset="0"/>
+              </a:rPr>
+              <a:t>[String, String]</a:t>
+            </a:r>
+          </a:p>
+          <a:p>
+            <a:r>
+              <a:rPr lang="en-US" sz="700" dirty="0">
+                <a:solidFill>
+                  <a:srgbClr val="92D050"/>
+                </a:solidFill>
+                <a:latin typeface="Courier New" panose="02070309020205020404" pitchFamily="49" charset="0"/>
+                <a:cs typeface="Courier New" panose="02070309020205020404" pitchFamily="49" charset="0"/>
+              </a:rPr>
+              <a:t>    </a:t>
+            </a:r>
+            <a:r>
+              <a:rPr lang="en-US" sz="700" dirty="0" err="1">
+                <a:solidFill>
+                  <a:srgbClr val="92D050"/>
+                </a:solidFill>
+                <a:latin typeface="Courier New" panose="02070309020205020404" pitchFamily="49" charset="0"/>
+                <a:cs typeface="Courier New" panose="02070309020205020404" pitchFamily="49" charset="0"/>
+              </a:rPr>
+              <a:t>val</a:t>
+            </a:r>
+            <a:r>
+              <a:rPr lang="en-US" sz="700" dirty="0">
+                <a:solidFill>
+                  <a:srgbClr val="92D050"/>
+                </a:solidFill>
+                <a:latin typeface="Courier New" panose="02070309020205020404" pitchFamily="49" charset="0"/>
+                <a:cs typeface="Courier New" panose="02070309020205020404" pitchFamily="49" charset="0"/>
+              </a:rPr>
+              <a:t> </a:t>
+            </a:r>
+            <a:r>
+              <a:rPr lang="en-US" sz="700" dirty="0" err="1">
+                <a:solidFill>
+                  <a:srgbClr val="92D050"/>
+                </a:solidFill>
+                <a:latin typeface="Courier New" panose="02070309020205020404" pitchFamily="49" charset="0"/>
+                <a:cs typeface="Courier New" panose="02070309020205020404" pitchFamily="49" charset="0"/>
+              </a:rPr>
+              <a:t>builderVariable</a:t>
+            </a:r>
+            <a:r>
+              <a:rPr lang="en-US" sz="700" dirty="0">
+                <a:solidFill>
+                  <a:srgbClr val="92D050"/>
+                </a:solidFill>
+                <a:latin typeface="Courier New" panose="02070309020205020404" pitchFamily="49" charset="0"/>
+                <a:cs typeface="Courier New" panose="02070309020205020404" pitchFamily="49" charset="0"/>
+              </a:rPr>
+              <a:t> = </a:t>
+            </a:r>
+            <a:r>
+              <a:rPr lang="en-US" sz="700" dirty="0" err="1">
+                <a:solidFill>
+                  <a:srgbClr val="92D050"/>
+                </a:solidFill>
+                <a:latin typeface="Courier New" panose="02070309020205020404" pitchFamily="49" charset="0"/>
+                <a:cs typeface="Courier New" panose="02070309020205020404" pitchFamily="49" charset="0"/>
+              </a:rPr>
+              <a:t>TermName</a:t>
+            </a:r>
+            <a:r>
+              <a:rPr lang="en-US" sz="700" dirty="0">
+                <a:solidFill>
+                  <a:srgbClr val="92D050"/>
+                </a:solidFill>
+                <a:latin typeface="Courier New" panose="02070309020205020404" pitchFamily="49" charset="0"/>
+                <a:cs typeface="Courier New" panose="02070309020205020404" pitchFamily="49" charset="0"/>
+              </a:rPr>
+              <a:t>("builder")</a:t>
+            </a:r>
+          </a:p>
+          <a:p>
+            <a:r>
+              <a:rPr lang="en-US" sz="700" dirty="0">
+                <a:solidFill>
+                  <a:srgbClr val="92D050"/>
+                </a:solidFill>
+                <a:latin typeface="Courier New" panose="02070309020205020404" pitchFamily="49" charset="0"/>
+                <a:cs typeface="Courier New" panose="02070309020205020404" pitchFamily="49" charset="0"/>
+              </a:rPr>
+              <a:t>    </a:t>
+            </a:r>
+            <a:r>
+              <a:rPr lang="en-US" sz="700" dirty="0" err="1">
+                <a:solidFill>
+                  <a:srgbClr val="92D050"/>
+                </a:solidFill>
+                <a:latin typeface="Courier New" panose="02070309020205020404" pitchFamily="49" charset="0"/>
+                <a:cs typeface="Courier New" panose="02070309020205020404" pitchFamily="49" charset="0"/>
+              </a:rPr>
+              <a:t>val</a:t>
+            </a:r>
+            <a:r>
+              <a:rPr lang="en-US" sz="700" dirty="0">
+                <a:solidFill>
+                  <a:srgbClr val="92D050"/>
+                </a:solidFill>
+                <a:latin typeface="Courier New" panose="02070309020205020404" pitchFamily="49" charset="0"/>
+                <a:cs typeface="Courier New" panose="02070309020205020404" pitchFamily="49" charset="0"/>
+              </a:rPr>
+              <a:t> </a:t>
+            </a:r>
+            <a:r>
+              <a:rPr lang="en-US" sz="700" dirty="0" err="1">
+                <a:solidFill>
+                  <a:srgbClr val="92D050"/>
+                </a:solidFill>
+                <a:latin typeface="Courier New" panose="02070309020205020404" pitchFamily="49" charset="0"/>
+                <a:cs typeface="Courier New" panose="02070309020205020404" pitchFamily="49" charset="0"/>
+              </a:rPr>
+              <a:t>typeTag</a:t>
+            </a:r>
+            <a:r>
+              <a:rPr lang="en-US" sz="700" dirty="0">
+                <a:solidFill>
+                  <a:srgbClr val="92D050"/>
+                </a:solidFill>
+                <a:latin typeface="Courier New" panose="02070309020205020404" pitchFamily="49" charset="0"/>
+                <a:cs typeface="Courier New" panose="02070309020205020404" pitchFamily="49" charset="0"/>
+              </a:rPr>
+              <a:t> = </a:t>
+            </a:r>
+            <a:r>
+              <a:rPr lang="en-US" sz="700" dirty="0" err="1">
+                <a:solidFill>
+                  <a:srgbClr val="92D050"/>
+                </a:solidFill>
+                <a:latin typeface="Courier New" panose="02070309020205020404" pitchFamily="49" charset="0"/>
+                <a:cs typeface="Courier New" panose="02070309020205020404" pitchFamily="49" charset="0"/>
+              </a:rPr>
+              <a:t>typeOf</a:t>
+            </a:r>
+            <a:r>
+              <a:rPr lang="en-US" sz="700" dirty="0">
+                <a:solidFill>
+                  <a:srgbClr val="92D050"/>
+                </a:solidFill>
+                <a:latin typeface="Courier New" panose="02070309020205020404" pitchFamily="49" charset="0"/>
+                <a:cs typeface="Courier New" panose="02070309020205020404" pitchFamily="49" charset="0"/>
+              </a:rPr>
+              <a:t>[</a:t>
+            </a:r>
+            <a:r>
+              <a:rPr lang="en-US" sz="700" dirty="0" err="1">
+                <a:solidFill>
+                  <a:srgbClr val="92D050"/>
+                </a:solidFill>
+                <a:latin typeface="Courier New" panose="02070309020205020404" pitchFamily="49" charset="0"/>
+                <a:cs typeface="Courier New" panose="02070309020205020404" pitchFamily="49" charset="0"/>
+              </a:rPr>
+              <a:t>mutable.Builder</a:t>
+            </a:r>
+            <a:r>
+              <a:rPr lang="en-US" sz="700" dirty="0">
+                <a:solidFill>
+                  <a:srgbClr val="92D050"/>
+                </a:solidFill>
+                <a:latin typeface="Courier New" panose="02070309020205020404" pitchFamily="49" charset="0"/>
+                <a:cs typeface="Courier New" panose="02070309020205020404" pitchFamily="49" charset="0"/>
+              </a:rPr>
+              <a:t>[(String, String), Map[String, String]]]</a:t>
+            </a:r>
+          </a:p>
+          <a:p>
+            <a:r>
+              <a:rPr lang="en-US" sz="700" dirty="0">
+                <a:solidFill>
+                  <a:srgbClr val="92D050"/>
+                </a:solidFill>
+                <a:latin typeface="Courier New" panose="02070309020205020404" pitchFamily="49" charset="0"/>
+                <a:cs typeface="Courier New" panose="02070309020205020404" pitchFamily="49" charset="0"/>
+              </a:rPr>
+              <a:t>    </a:t>
+            </a:r>
+            <a:r>
+              <a:rPr lang="en-US" sz="700" dirty="0" err="1">
+                <a:solidFill>
+                  <a:srgbClr val="92D050"/>
+                </a:solidFill>
+                <a:latin typeface="Courier New" panose="02070309020205020404" pitchFamily="49" charset="0"/>
+                <a:cs typeface="Courier New" panose="02070309020205020404" pitchFamily="49" charset="0"/>
+              </a:rPr>
+              <a:t>val</a:t>
+            </a:r>
+            <a:r>
+              <a:rPr lang="en-US" sz="700" dirty="0">
+                <a:solidFill>
+                  <a:srgbClr val="92D050"/>
+                </a:solidFill>
+                <a:latin typeface="Courier New" panose="02070309020205020404" pitchFamily="49" charset="0"/>
+                <a:cs typeface="Courier New" panose="02070309020205020404" pitchFamily="49" charset="0"/>
+              </a:rPr>
+              <a:t> define = </a:t>
+            </a:r>
+            <a:r>
+              <a:rPr lang="en-US" sz="700" dirty="0" err="1">
+                <a:solidFill>
+                  <a:srgbClr val="92D050"/>
+                </a:solidFill>
+                <a:latin typeface="Courier New" panose="02070309020205020404" pitchFamily="49" charset="0"/>
+                <a:cs typeface="Courier New" panose="02070309020205020404" pitchFamily="49" charset="0"/>
+              </a:rPr>
+              <a:t>ValDef</a:t>
+            </a:r>
+            <a:r>
+              <a:rPr lang="en-US" sz="700" dirty="0">
+                <a:solidFill>
+                  <a:srgbClr val="92D050"/>
+                </a:solidFill>
+                <a:latin typeface="Courier New" panose="02070309020205020404" pitchFamily="49" charset="0"/>
+                <a:cs typeface="Courier New" panose="02070309020205020404" pitchFamily="49" charset="0"/>
+              </a:rPr>
+              <a:t>(Modifiers(), </a:t>
+            </a:r>
+            <a:r>
+              <a:rPr lang="en-US" sz="700" dirty="0" err="1">
+                <a:solidFill>
+                  <a:srgbClr val="92D050"/>
+                </a:solidFill>
+                <a:latin typeface="Courier New" panose="02070309020205020404" pitchFamily="49" charset="0"/>
+                <a:cs typeface="Courier New" panose="02070309020205020404" pitchFamily="49" charset="0"/>
+              </a:rPr>
+              <a:t>builderVariable</a:t>
+            </a:r>
+            <a:r>
+              <a:rPr lang="en-US" sz="700" dirty="0">
+                <a:solidFill>
+                  <a:srgbClr val="92D050"/>
+                </a:solidFill>
+                <a:latin typeface="Courier New" panose="02070309020205020404" pitchFamily="49" charset="0"/>
+                <a:cs typeface="Courier New" panose="02070309020205020404" pitchFamily="49" charset="0"/>
+              </a:rPr>
+              <a:t>, </a:t>
+            </a:r>
+            <a:r>
+              <a:rPr lang="en-US" sz="700" dirty="0" err="1">
+                <a:solidFill>
+                  <a:srgbClr val="92D050"/>
+                </a:solidFill>
+                <a:latin typeface="Courier New" panose="02070309020205020404" pitchFamily="49" charset="0"/>
+                <a:cs typeface="Courier New" panose="02070309020205020404" pitchFamily="49" charset="0"/>
+              </a:rPr>
+              <a:t>TypeTree</a:t>
+            </a:r>
+            <a:r>
+              <a:rPr lang="en-US" sz="700" dirty="0">
+                <a:solidFill>
+                  <a:srgbClr val="92D050"/>
+                </a:solidFill>
+                <a:latin typeface="Courier New" panose="02070309020205020404" pitchFamily="49" charset="0"/>
+                <a:cs typeface="Courier New" panose="02070309020205020404" pitchFamily="49" charset="0"/>
+              </a:rPr>
+              <a:t>(</a:t>
+            </a:r>
+            <a:r>
+              <a:rPr lang="en-US" sz="700" dirty="0" err="1">
+                <a:solidFill>
+                  <a:srgbClr val="92D050"/>
+                </a:solidFill>
+                <a:latin typeface="Courier New" panose="02070309020205020404" pitchFamily="49" charset="0"/>
+                <a:cs typeface="Courier New" panose="02070309020205020404" pitchFamily="49" charset="0"/>
+              </a:rPr>
+              <a:t>typeTag</a:t>
+            </a:r>
+            <a:r>
+              <a:rPr lang="en-US" sz="700" dirty="0">
+                <a:solidFill>
+                  <a:srgbClr val="92D050"/>
+                </a:solidFill>
+                <a:latin typeface="Courier New" panose="02070309020205020404" pitchFamily="49" charset="0"/>
+                <a:cs typeface="Courier New" panose="02070309020205020404" pitchFamily="49" charset="0"/>
+              </a:rPr>
+              <a:t>), reify(</a:t>
+            </a:r>
+            <a:r>
+              <a:rPr lang="en-US" sz="700" dirty="0" err="1">
+                <a:solidFill>
+                  <a:srgbClr val="92D050"/>
+                </a:solidFill>
+                <a:latin typeface="Courier New" panose="02070309020205020404" pitchFamily="49" charset="0"/>
+                <a:cs typeface="Courier New" panose="02070309020205020404" pitchFamily="49" charset="0"/>
+              </a:rPr>
+              <a:t>Map.newBuilder</a:t>
+            </a:r>
+            <a:r>
+              <a:rPr lang="en-US" sz="700" dirty="0">
+                <a:solidFill>
+                  <a:srgbClr val="92D050"/>
+                </a:solidFill>
+                <a:latin typeface="Courier New" panose="02070309020205020404" pitchFamily="49" charset="0"/>
+                <a:cs typeface="Courier New" panose="02070309020205020404" pitchFamily="49" charset="0"/>
+              </a:rPr>
+              <a:t>[String, String]).tree)</a:t>
+            </a:r>
+          </a:p>
+          <a:p>
+            <a:endParaRPr lang="en-US" sz="700" dirty="0">
+              <a:solidFill>
+                <a:srgbClr val="92D050"/>
+              </a:solidFill>
+              <a:latin typeface="Courier New" panose="02070309020205020404" pitchFamily="49" charset="0"/>
+              <a:cs typeface="Courier New" panose="02070309020205020404" pitchFamily="49" charset="0"/>
+            </a:endParaRPr>
+          </a:p>
+          <a:p>
+            <a:r>
+              <a:rPr lang="en-US" sz="700" dirty="0">
+                <a:solidFill>
+                  <a:srgbClr val="92D050"/>
+                </a:solidFill>
+                <a:latin typeface="Courier New" panose="02070309020205020404" pitchFamily="49" charset="0"/>
+                <a:cs typeface="Courier New" panose="02070309020205020404" pitchFamily="49" charset="0"/>
+              </a:rPr>
+              <a:t>    // 3.2. add all the values with += a.k.a. $</a:t>
+            </a:r>
+            <a:r>
+              <a:rPr lang="en-US" sz="700" dirty="0" err="1">
+                <a:solidFill>
+                  <a:srgbClr val="92D050"/>
+                </a:solidFill>
+                <a:latin typeface="Courier New" panose="02070309020205020404" pitchFamily="49" charset="0"/>
+                <a:cs typeface="Courier New" panose="02070309020205020404" pitchFamily="49" charset="0"/>
+              </a:rPr>
+              <a:t>plus$eq</a:t>
+            </a:r>
+            <a:endParaRPr lang="en-US" sz="700" dirty="0">
+              <a:solidFill>
+                <a:srgbClr val="92D050"/>
+              </a:solidFill>
+              <a:latin typeface="Courier New" panose="02070309020205020404" pitchFamily="49" charset="0"/>
+              <a:cs typeface="Courier New" panose="02070309020205020404" pitchFamily="49" charset="0"/>
+            </a:endParaRPr>
+          </a:p>
+          <a:p>
+            <a:r>
+              <a:rPr lang="en-US" sz="700" dirty="0">
+                <a:solidFill>
+                  <a:srgbClr val="92D050"/>
+                </a:solidFill>
+                <a:latin typeface="Courier New" panose="02070309020205020404" pitchFamily="49" charset="0"/>
+                <a:cs typeface="Courier New" panose="02070309020205020404" pitchFamily="49" charset="0"/>
+              </a:rPr>
+              <a:t>    </a:t>
+            </a:r>
+            <a:r>
+              <a:rPr lang="en-US" sz="700" dirty="0" err="1">
+                <a:solidFill>
+                  <a:srgbClr val="92D050"/>
+                </a:solidFill>
+                <a:latin typeface="Courier New" panose="02070309020205020404" pitchFamily="49" charset="0"/>
+                <a:cs typeface="Courier New" panose="02070309020205020404" pitchFamily="49" charset="0"/>
+              </a:rPr>
+              <a:t>def</a:t>
+            </a:r>
+            <a:r>
+              <a:rPr lang="en-US" sz="700" dirty="0">
+                <a:solidFill>
+                  <a:srgbClr val="92D050"/>
+                </a:solidFill>
+                <a:latin typeface="Courier New" panose="02070309020205020404" pitchFamily="49" charset="0"/>
+                <a:cs typeface="Courier New" panose="02070309020205020404" pitchFamily="49" charset="0"/>
+              </a:rPr>
+              <a:t> constant(s: String) = </a:t>
+            </a:r>
+            <a:r>
+              <a:rPr lang="en-US" sz="700" dirty="0" err="1">
+                <a:solidFill>
+                  <a:srgbClr val="92D050"/>
+                </a:solidFill>
+                <a:latin typeface="Courier New" panose="02070309020205020404" pitchFamily="49" charset="0"/>
+                <a:cs typeface="Courier New" panose="02070309020205020404" pitchFamily="49" charset="0"/>
+              </a:rPr>
+              <a:t>c.Expr</a:t>
+            </a:r>
+            <a:r>
+              <a:rPr lang="en-US" sz="700" dirty="0">
+                <a:solidFill>
+                  <a:srgbClr val="92D050"/>
+                </a:solidFill>
+                <a:latin typeface="Courier New" panose="02070309020205020404" pitchFamily="49" charset="0"/>
+                <a:cs typeface="Courier New" panose="02070309020205020404" pitchFamily="49" charset="0"/>
+              </a:rPr>
+              <a:t>[String](Literal(Constant(s)))</a:t>
+            </a:r>
+          </a:p>
+          <a:p>
+            <a:r>
+              <a:rPr lang="en-US" sz="700" dirty="0">
+                <a:solidFill>
+                  <a:srgbClr val="92D050"/>
+                </a:solidFill>
+                <a:latin typeface="Courier New" panose="02070309020205020404" pitchFamily="49" charset="0"/>
+                <a:cs typeface="Courier New" panose="02070309020205020404" pitchFamily="49" charset="0"/>
+              </a:rPr>
+              <a:t>    </a:t>
+            </a:r>
+            <a:r>
+              <a:rPr lang="en-US" sz="700" dirty="0" err="1">
+                <a:solidFill>
+                  <a:srgbClr val="92D050"/>
+                </a:solidFill>
+                <a:latin typeface="Courier New" panose="02070309020205020404" pitchFamily="49" charset="0"/>
+                <a:cs typeface="Courier New" panose="02070309020205020404" pitchFamily="49" charset="0"/>
+              </a:rPr>
+              <a:t>val</a:t>
+            </a:r>
+            <a:r>
+              <a:rPr lang="en-US" sz="700" dirty="0">
+                <a:solidFill>
+                  <a:srgbClr val="92D050"/>
+                </a:solidFill>
+                <a:latin typeface="Courier New" panose="02070309020205020404" pitchFamily="49" charset="0"/>
+                <a:cs typeface="Courier New" panose="02070309020205020404" pitchFamily="49" charset="0"/>
+              </a:rPr>
+              <a:t> pairs = </a:t>
+            </a:r>
+            <a:r>
+              <a:rPr lang="en-US" sz="700" dirty="0" err="1">
+                <a:solidFill>
+                  <a:srgbClr val="92D050"/>
+                </a:solidFill>
+                <a:latin typeface="Courier New" panose="02070309020205020404" pitchFamily="49" charset="0"/>
+                <a:cs typeface="Courier New" panose="02070309020205020404" pitchFamily="49" charset="0"/>
+              </a:rPr>
+              <a:t>propertiesMap.map</a:t>
+            </a:r>
+            <a:r>
+              <a:rPr lang="en-US" sz="700" dirty="0">
+                <a:solidFill>
+                  <a:srgbClr val="92D050"/>
+                </a:solidFill>
+                <a:latin typeface="Courier New" panose="02070309020205020404" pitchFamily="49" charset="0"/>
+                <a:cs typeface="Courier New" panose="02070309020205020404" pitchFamily="49" charset="0"/>
+              </a:rPr>
+              <a:t> {</a:t>
+            </a:r>
+          </a:p>
+          <a:p>
+            <a:r>
+              <a:rPr lang="en-US" sz="700" dirty="0">
+                <a:solidFill>
+                  <a:srgbClr val="92D050"/>
+                </a:solidFill>
+                <a:latin typeface="Courier New" panose="02070309020205020404" pitchFamily="49" charset="0"/>
+                <a:cs typeface="Courier New" panose="02070309020205020404" pitchFamily="49" charset="0"/>
+              </a:rPr>
+              <a:t>      case (key, value) =&gt;</a:t>
+            </a:r>
+          </a:p>
+          <a:p>
+            <a:r>
+              <a:rPr lang="en-US" sz="700" dirty="0">
+                <a:solidFill>
+                  <a:srgbClr val="92D050"/>
+                </a:solidFill>
+                <a:latin typeface="Courier New" panose="02070309020205020404" pitchFamily="49" charset="0"/>
+                <a:cs typeface="Courier New" panose="02070309020205020404" pitchFamily="49" charset="0"/>
+              </a:rPr>
+              <a:t>        // create a pair of string constants ("</a:t>
+            </a:r>
+            <a:r>
+              <a:rPr lang="en-US" sz="700" dirty="0" err="1">
+                <a:solidFill>
+                  <a:srgbClr val="92D050"/>
+                </a:solidFill>
+                <a:latin typeface="Courier New" panose="02070309020205020404" pitchFamily="49" charset="0"/>
+                <a:cs typeface="Courier New" panose="02070309020205020404" pitchFamily="49" charset="0"/>
+              </a:rPr>
+              <a:t>THEkey</a:t>
+            </a:r>
+            <a:r>
+              <a:rPr lang="en-US" sz="700" dirty="0">
+                <a:solidFill>
+                  <a:srgbClr val="92D050"/>
+                </a:solidFill>
+                <a:latin typeface="Courier New" panose="02070309020205020404" pitchFamily="49" charset="0"/>
+                <a:cs typeface="Courier New" panose="02070309020205020404" pitchFamily="49" charset="0"/>
+              </a:rPr>
+              <a:t>","</a:t>
+            </a:r>
+            <a:r>
+              <a:rPr lang="en-US" sz="700" dirty="0" err="1">
+                <a:solidFill>
+                  <a:srgbClr val="92D050"/>
+                </a:solidFill>
+                <a:latin typeface="Courier New" panose="02070309020205020404" pitchFamily="49" charset="0"/>
+                <a:cs typeface="Courier New" panose="02070309020205020404" pitchFamily="49" charset="0"/>
+              </a:rPr>
+              <a:t>valueIShere</a:t>
+            </a:r>
+            <a:r>
+              <a:rPr lang="en-US" sz="700" dirty="0">
+                <a:solidFill>
+                  <a:srgbClr val="92D050"/>
+                </a:solidFill>
+                <a:latin typeface="Courier New" panose="02070309020205020404" pitchFamily="49" charset="0"/>
+                <a:cs typeface="Courier New" panose="02070309020205020404" pitchFamily="49" charset="0"/>
+              </a:rPr>
+              <a:t>")</a:t>
+            </a:r>
+          </a:p>
+          <a:p>
+            <a:r>
+              <a:rPr lang="en-US" sz="700" dirty="0">
+                <a:solidFill>
+                  <a:srgbClr val="92D050"/>
+                </a:solidFill>
+                <a:latin typeface="Courier New" panose="02070309020205020404" pitchFamily="49" charset="0"/>
+                <a:cs typeface="Courier New" panose="02070309020205020404" pitchFamily="49" charset="0"/>
+              </a:rPr>
+              <a:t>        reify((constant(key).splice, constant(value).splice)).tree</a:t>
+            </a:r>
+          </a:p>
+          <a:p>
+            <a:r>
+              <a:rPr lang="en-US" sz="700" dirty="0">
+                <a:solidFill>
+                  <a:srgbClr val="92D050"/>
+                </a:solidFill>
+                <a:latin typeface="Courier New" panose="02070309020205020404" pitchFamily="49" charset="0"/>
+                <a:cs typeface="Courier New" panose="02070309020205020404" pitchFamily="49" charset="0"/>
+              </a:rPr>
+              <a:t>    }</a:t>
+            </a:r>
+          </a:p>
+          <a:p>
+            <a:r>
+              <a:rPr lang="en-US" sz="700" dirty="0">
+                <a:solidFill>
+                  <a:srgbClr val="92D050"/>
+                </a:solidFill>
+                <a:latin typeface="Courier New" panose="02070309020205020404" pitchFamily="49" charset="0"/>
+                <a:cs typeface="Courier New" panose="02070309020205020404" pitchFamily="49" charset="0"/>
+              </a:rPr>
+              <a:t>    </a:t>
+            </a:r>
+            <a:r>
+              <a:rPr lang="en-US" sz="700" dirty="0" err="1">
+                <a:solidFill>
+                  <a:srgbClr val="92D050"/>
+                </a:solidFill>
+                <a:latin typeface="Courier New" panose="02070309020205020404" pitchFamily="49" charset="0"/>
+                <a:cs typeface="Courier New" panose="02070309020205020404" pitchFamily="49" charset="0"/>
+              </a:rPr>
+              <a:t>val</a:t>
+            </a:r>
+            <a:r>
+              <a:rPr lang="en-US" sz="700" dirty="0">
+                <a:solidFill>
+                  <a:srgbClr val="92D050"/>
+                </a:solidFill>
+                <a:latin typeface="Courier New" panose="02070309020205020404" pitchFamily="49" charset="0"/>
+                <a:cs typeface="Courier New" panose="02070309020205020404" pitchFamily="49" charset="0"/>
+              </a:rPr>
+              <a:t> adds = </a:t>
+            </a:r>
+            <a:r>
+              <a:rPr lang="en-US" sz="700" dirty="0" err="1">
+                <a:solidFill>
+                  <a:srgbClr val="92D050"/>
+                </a:solidFill>
+                <a:latin typeface="Courier New" panose="02070309020205020404" pitchFamily="49" charset="0"/>
+                <a:cs typeface="Courier New" panose="02070309020205020404" pitchFamily="49" charset="0"/>
+              </a:rPr>
+              <a:t>pairs.map</a:t>
+            </a:r>
+            <a:r>
+              <a:rPr lang="en-US" sz="700" dirty="0">
+                <a:solidFill>
+                  <a:srgbClr val="92D050"/>
+                </a:solidFill>
+                <a:latin typeface="Courier New" panose="02070309020205020404" pitchFamily="49" charset="0"/>
+                <a:cs typeface="Courier New" panose="02070309020205020404" pitchFamily="49" charset="0"/>
+              </a:rPr>
+              <a:t> {</a:t>
+            </a:r>
+          </a:p>
+          <a:p>
+            <a:r>
+              <a:rPr lang="en-US" sz="700" dirty="0">
+                <a:solidFill>
+                  <a:srgbClr val="92D050"/>
+                </a:solidFill>
+                <a:latin typeface="Courier New" panose="02070309020205020404" pitchFamily="49" charset="0"/>
+                <a:cs typeface="Courier New" panose="02070309020205020404" pitchFamily="49" charset="0"/>
+              </a:rPr>
+              <a:t>      tree =&gt;</a:t>
+            </a:r>
+          </a:p>
+          <a:p>
+            <a:r>
+              <a:rPr lang="en-US" sz="700" dirty="0">
+                <a:solidFill>
+                  <a:srgbClr val="92D050"/>
+                </a:solidFill>
+                <a:latin typeface="Courier New" panose="02070309020205020404" pitchFamily="49" charset="0"/>
+                <a:cs typeface="Courier New" panose="02070309020205020404" pitchFamily="49" charset="0"/>
+              </a:rPr>
+              <a:t>        // create the function call for +=</a:t>
+            </a:r>
+          </a:p>
+          <a:p>
+            <a:r>
+              <a:rPr lang="en-US" sz="700" dirty="0">
+                <a:solidFill>
+                  <a:srgbClr val="92D050"/>
+                </a:solidFill>
+                <a:latin typeface="Courier New" panose="02070309020205020404" pitchFamily="49" charset="0"/>
+                <a:cs typeface="Courier New" panose="02070309020205020404" pitchFamily="49" charset="0"/>
+              </a:rPr>
+              <a:t>        Apply(Select(Ident(</a:t>
+            </a:r>
+            <a:r>
+              <a:rPr lang="en-US" sz="700" dirty="0" err="1">
+                <a:solidFill>
+                  <a:srgbClr val="92D050"/>
+                </a:solidFill>
+                <a:latin typeface="Courier New" panose="02070309020205020404" pitchFamily="49" charset="0"/>
+                <a:cs typeface="Courier New" panose="02070309020205020404" pitchFamily="49" charset="0"/>
+              </a:rPr>
+              <a:t>builderVariable</a:t>
+            </a:r>
+            <a:r>
+              <a:rPr lang="en-US" sz="700" dirty="0">
+                <a:solidFill>
+                  <a:srgbClr val="92D050"/>
+                </a:solidFill>
+                <a:latin typeface="Courier New" panose="02070309020205020404" pitchFamily="49" charset="0"/>
+                <a:cs typeface="Courier New" panose="02070309020205020404" pitchFamily="49" charset="0"/>
+              </a:rPr>
+              <a:t>), </a:t>
+            </a:r>
+            <a:r>
+              <a:rPr lang="en-US" sz="700" dirty="0" err="1">
+                <a:solidFill>
+                  <a:srgbClr val="92D050"/>
+                </a:solidFill>
+                <a:latin typeface="Courier New" panose="02070309020205020404" pitchFamily="49" charset="0"/>
+                <a:cs typeface="Courier New" panose="02070309020205020404" pitchFamily="49" charset="0"/>
+              </a:rPr>
+              <a:t>TermName</a:t>
+            </a:r>
+            <a:r>
+              <a:rPr lang="en-US" sz="700" dirty="0">
+                <a:solidFill>
+                  <a:srgbClr val="92D050"/>
+                </a:solidFill>
+                <a:latin typeface="Courier New" panose="02070309020205020404" pitchFamily="49" charset="0"/>
+                <a:cs typeface="Courier New" panose="02070309020205020404" pitchFamily="49" charset="0"/>
+              </a:rPr>
+              <a:t>("$</a:t>
+            </a:r>
+            <a:r>
+              <a:rPr lang="en-US" sz="700" dirty="0" err="1">
+                <a:solidFill>
+                  <a:srgbClr val="92D050"/>
+                </a:solidFill>
+                <a:latin typeface="Courier New" panose="02070309020205020404" pitchFamily="49" charset="0"/>
+                <a:cs typeface="Courier New" panose="02070309020205020404" pitchFamily="49" charset="0"/>
+              </a:rPr>
+              <a:t>plus$eq</a:t>
+            </a:r>
+            <a:r>
+              <a:rPr lang="en-US" sz="700" dirty="0">
+                <a:solidFill>
+                  <a:srgbClr val="92D050"/>
+                </a:solidFill>
+                <a:latin typeface="Courier New" panose="02070309020205020404" pitchFamily="49" charset="0"/>
+                <a:cs typeface="Courier New" panose="02070309020205020404" pitchFamily="49" charset="0"/>
+              </a:rPr>
+              <a:t>")), List(tree))</a:t>
+            </a:r>
+          </a:p>
+          <a:p>
+            <a:r>
+              <a:rPr lang="en-US" sz="700" dirty="0">
+                <a:solidFill>
+                  <a:srgbClr val="92D050"/>
+                </a:solidFill>
+                <a:latin typeface="Courier New" panose="02070309020205020404" pitchFamily="49" charset="0"/>
+                <a:cs typeface="Courier New" panose="02070309020205020404" pitchFamily="49" charset="0"/>
+              </a:rPr>
+              <a:t>    }.</a:t>
+            </a:r>
+            <a:r>
+              <a:rPr lang="en-US" sz="700" dirty="0" err="1">
+                <a:solidFill>
+                  <a:srgbClr val="92D050"/>
+                </a:solidFill>
+                <a:latin typeface="Courier New" panose="02070309020205020404" pitchFamily="49" charset="0"/>
+                <a:cs typeface="Courier New" panose="02070309020205020404" pitchFamily="49" charset="0"/>
+              </a:rPr>
+              <a:t>toList</a:t>
+            </a:r>
+            <a:endParaRPr lang="en-US" sz="700" dirty="0">
+              <a:solidFill>
+                <a:srgbClr val="92D050"/>
+              </a:solidFill>
+              <a:latin typeface="Courier New" panose="02070309020205020404" pitchFamily="49" charset="0"/>
+              <a:cs typeface="Courier New" panose="02070309020205020404" pitchFamily="49" charset="0"/>
+            </a:endParaRPr>
+          </a:p>
+          <a:p>
+            <a:endParaRPr lang="en-US" sz="700" dirty="0">
+              <a:solidFill>
+                <a:srgbClr val="92D050"/>
+              </a:solidFill>
+              <a:latin typeface="Courier New" panose="02070309020205020404" pitchFamily="49" charset="0"/>
+              <a:cs typeface="Courier New" panose="02070309020205020404" pitchFamily="49" charset="0"/>
+            </a:endParaRPr>
+          </a:p>
+          <a:p>
+            <a:endParaRPr lang="en-US" sz="700" dirty="0">
+              <a:solidFill>
+                <a:srgbClr val="92D050"/>
+              </a:solidFill>
+              <a:latin typeface="Courier New" panose="02070309020205020404" pitchFamily="49" charset="0"/>
+              <a:cs typeface="Courier New" panose="02070309020205020404" pitchFamily="49" charset="0"/>
+            </a:endParaRPr>
+          </a:p>
+          <a:p>
+            <a:r>
+              <a:rPr lang="en-US" sz="700" dirty="0">
+                <a:solidFill>
+                  <a:srgbClr val="92D050"/>
+                </a:solidFill>
+                <a:latin typeface="Courier New" panose="02070309020205020404" pitchFamily="49" charset="0"/>
+                <a:cs typeface="Courier New" panose="02070309020205020404" pitchFamily="49" charset="0"/>
+              </a:rPr>
+              <a:t>    // 3.3 collect the resulting immutable Map by calling result on the builder</a:t>
+            </a:r>
+          </a:p>
+          <a:p>
+            <a:r>
+              <a:rPr lang="en-US" sz="700" dirty="0">
+                <a:solidFill>
+                  <a:srgbClr val="92D050"/>
+                </a:solidFill>
+                <a:latin typeface="Courier New" panose="02070309020205020404" pitchFamily="49" charset="0"/>
+                <a:cs typeface="Courier New" panose="02070309020205020404" pitchFamily="49" charset="0"/>
+              </a:rPr>
+              <a:t>    </a:t>
+            </a:r>
+            <a:r>
+              <a:rPr lang="en-US" sz="700" dirty="0" err="1">
+                <a:solidFill>
+                  <a:srgbClr val="92D050"/>
+                </a:solidFill>
+                <a:latin typeface="Courier New" panose="02070309020205020404" pitchFamily="49" charset="0"/>
+                <a:cs typeface="Courier New" panose="02070309020205020404" pitchFamily="49" charset="0"/>
+              </a:rPr>
+              <a:t>val</a:t>
+            </a:r>
+            <a:r>
+              <a:rPr lang="en-US" sz="700" dirty="0">
+                <a:solidFill>
+                  <a:srgbClr val="92D050"/>
+                </a:solidFill>
+                <a:latin typeface="Courier New" panose="02070309020205020404" pitchFamily="49" charset="0"/>
+                <a:cs typeface="Courier New" panose="02070309020205020404" pitchFamily="49" charset="0"/>
+              </a:rPr>
+              <a:t> result = Apply(Select(Ident(</a:t>
+            </a:r>
+            <a:r>
+              <a:rPr lang="en-US" sz="700" dirty="0" err="1">
+                <a:solidFill>
+                  <a:srgbClr val="92D050"/>
+                </a:solidFill>
+                <a:latin typeface="Courier New" panose="02070309020205020404" pitchFamily="49" charset="0"/>
+                <a:cs typeface="Courier New" panose="02070309020205020404" pitchFamily="49" charset="0"/>
+              </a:rPr>
+              <a:t>builderVariable</a:t>
+            </a:r>
+            <a:r>
+              <a:rPr lang="en-US" sz="700" dirty="0">
+                <a:solidFill>
+                  <a:srgbClr val="92D050"/>
+                </a:solidFill>
+                <a:latin typeface="Courier New" panose="02070309020205020404" pitchFamily="49" charset="0"/>
+                <a:cs typeface="Courier New" panose="02070309020205020404" pitchFamily="49" charset="0"/>
+              </a:rPr>
+              <a:t>), </a:t>
+            </a:r>
+            <a:r>
+              <a:rPr lang="en-US" sz="700" dirty="0" err="1">
+                <a:solidFill>
+                  <a:srgbClr val="92D050"/>
+                </a:solidFill>
+                <a:latin typeface="Courier New" panose="02070309020205020404" pitchFamily="49" charset="0"/>
+                <a:cs typeface="Courier New" panose="02070309020205020404" pitchFamily="49" charset="0"/>
+              </a:rPr>
+              <a:t>TermName</a:t>
+            </a:r>
+            <a:r>
+              <a:rPr lang="en-US" sz="700" dirty="0">
+                <a:solidFill>
+                  <a:srgbClr val="92D050"/>
+                </a:solidFill>
+                <a:latin typeface="Courier New" panose="02070309020205020404" pitchFamily="49" charset="0"/>
+                <a:cs typeface="Courier New" panose="02070309020205020404" pitchFamily="49" charset="0"/>
+              </a:rPr>
+              <a:t>("result")), List())</a:t>
+            </a:r>
+          </a:p>
+          <a:p>
+            <a:endParaRPr lang="en-US" sz="700" dirty="0">
+              <a:solidFill>
+                <a:srgbClr val="92D050"/>
+              </a:solidFill>
+              <a:latin typeface="Courier New" panose="02070309020205020404" pitchFamily="49" charset="0"/>
+              <a:cs typeface="Courier New" panose="02070309020205020404" pitchFamily="49" charset="0"/>
+            </a:endParaRPr>
+          </a:p>
+          <a:p>
+            <a:r>
+              <a:rPr lang="en-US" sz="700" dirty="0">
+                <a:solidFill>
+                  <a:srgbClr val="92D050"/>
+                </a:solidFill>
+                <a:latin typeface="Courier New" panose="02070309020205020404" pitchFamily="49" charset="0"/>
+                <a:cs typeface="Courier New" panose="02070309020205020404" pitchFamily="49" charset="0"/>
+              </a:rPr>
+              <a:t>    // 3.4. the complete code</a:t>
+            </a:r>
+          </a:p>
+          <a:p>
+            <a:r>
+              <a:rPr lang="en-US" sz="700" dirty="0">
+                <a:solidFill>
+                  <a:srgbClr val="92D050"/>
+                </a:solidFill>
+                <a:latin typeface="Courier New" panose="02070309020205020404" pitchFamily="49" charset="0"/>
+                <a:cs typeface="Courier New" panose="02070309020205020404" pitchFamily="49" charset="0"/>
+              </a:rPr>
+              <a:t>    // first do the define followed by all the += calls</a:t>
+            </a:r>
+          </a:p>
+          <a:p>
+            <a:r>
+              <a:rPr lang="en-US" sz="700" dirty="0">
+                <a:solidFill>
+                  <a:srgbClr val="92D050"/>
+                </a:solidFill>
+                <a:latin typeface="Courier New" panose="02070309020205020404" pitchFamily="49" charset="0"/>
+                <a:cs typeface="Courier New" panose="02070309020205020404" pitchFamily="49" charset="0"/>
+              </a:rPr>
+              <a:t>    // then collect resulting immutable map</a:t>
+            </a:r>
+          </a:p>
+          <a:p>
+            <a:r>
+              <a:rPr lang="en-US" sz="700" dirty="0">
+                <a:solidFill>
+                  <a:srgbClr val="92D050"/>
+                </a:solidFill>
+                <a:latin typeface="Courier New" panose="02070309020205020404" pitchFamily="49" charset="0"/>
+                <a:cs typeface="Courier New" panose="02070309020205020404" pitchFamily="49" charset="0"/>
+              </a:rPr>
+              <a:t>    // this last statement is what will give the block of code its value</a:t>
+            </a:r>
+          </a:p>
+          <a:p>
+            <a:r>
+              <a:rPr lang="en-US" sz="700" dirty="0">
+                <a:solidFill>
+                  <a:srgbClr val="92D050"/>
+                </a:solidFill>
+                <a:latin typeface="Courier New" panose="02070309020205020404" pitchFamily="49" charset="0"/>
+                <a:cs typeface="Courier New" panose="02070309020205020404" pitchFamily="49" charset="0"/>
+              </a:rPr>
+              <a:t>    </a:t>
+            </a:r>
+            <a:r>
+              <a:rPr lang="en-US" sz="700" dirty="0" err="1">
+                <a:solidFill>
+                  <a:srgbClr val="92D050"/>
+                </a:solidFill>
+                <a:latin typeface="Courier New" panose="02070309020205020404" pitchFamily="49" charset="0"/>
+                <a:cs typeface="Courier New" panose="02070309020205020404" pitchFamily="49" charset="0"/>
+              </a:rPr>
+              <a:t>c.Expr</a:t>
+            </a:r>
+            <a:r>
+              <a:rPr lang="en-US" sz="700" dirty="0">
+                <a:solidFill>
+                  <a:srgbClr val="92D050"/>
+                </a:solidFill>
+                <a:latin typeface="Courier New" panose="02070309020205020404" pitchFamily="49" charset="0"/>
+                <a:cs typeface="Courier New" panose="02070309020205020404" pitchFamily="49" charset="0"/>
+              </a:rPr>
+              <a:t>[Map[String, String]](Block(</a:t>
+            </a:r>
+          </a:p>
+          <a:p>
+            <a:r>
+              <a:rPr lang="en-US" sz="700" dirty="0">
+                <a:solidFill>
+                  <a:srgbClr val="92D050"/>
+                </a:solidFill>
+                <a:latin typeface="Courier New" panose="02070309020205020404" pitchFamily="49" charset="0"/>
+                <a:cs typeface="Courier New" panose="02070309020205020404" pitchFamily="49" charset="0"/>
+              </a:rPr>
+              <a:t>      define :: adds, result</a:t>
+            </a:r>
+          </a:p>
+          <a:p>
+            <a:r>
+              <a:rPr lang="en-US" sz="700" dirty="0">
+                <a:solidFill>
+                  <a:srgbClr val="92D050"/>
+                </a:solidFill>
+                <a:latin typeface="Courier New" panose="02070309020205020404" pitchFamily="49" charset="0"/>
+                <a:cs typeface="Courier New" panose="02070309020205020404" pitchFamily="49" charset="0"/>
+              </a:rPr>
+              <a:t>    ))</a:t>
+            </a:r>
+          </a:p>
+          <a:p>
+            <a:r>
+              <a:rPr lang="en-US" sz="700" dirty="0">
+                <a:solidFill>
+                  <a:srgbClr val="92D050"/>
+                </a:solidFill>
+                <a:latin typeface="Courier New" panose="02070309020205020404" pitchFamily="49" charset="0"/>
+                <a:cs typeface="Courier New" panose="02070309020205020404" pitchFamily="49" charset="0"/>
+              </a:rPr>
+              <a:t>  }</a:t>
+            </a:r>
+            <a:endParaRPr lang="en-US" sz="700" dirty="0">
               <a:solidFill>
                 <a:srgbClr val="92D050"/>
               </a:solidFill>
@@ -5858,8 +7333,8 @@
         </p:nvSpPr>
         <p:spPr>
           <a:xfrm>
-            <a:off x="457200" y="1751582"/>
-            <a:ext cx="5088468" cy="338554"/>
+            <a:off x="457199" y="1751582"/>
+            <a:ext cx="7870371" cy="4616648"/>
           </a:xfrm>
           <a:prstGeom prst="rect">
             <a:avLst/>
@@ -5885,7 +7360,209 @@
           </a:bodyPr>
           <a:lstStyle/>
           <a:p>
-            <a:endParaRPr lang="en-US" sz="1600" dirty="0">
+            <a:r>
+              <a:rPr lang="en-US" sz="1400">
+                <a:solidFill>
+                  <a:srgbClr val="92D050"/>
+                </a:solidFill>
+                <a:latin typeface="Courier New" panose="02070309020205020404" pitchFamily="49" charset="0"/>
+                <a:cs typeface="Courier New" panose="02070309020205020404" pitchFamily="49" charset="0"/>
+              </a:rPr>
+              <a:t> def loadProperties(file: String): Map[String, String] = macro loadPropertiesImpl</a:t>
+            </a:r>
+          </a:p>
+          <a:p>
+            <a:endParaRPr lang="en-US" sz="1400">
+              <a:solidFill>
+                <a:srgbClr val="92D050"/>
+              </a:solidFill>
+              <a:latin typeface="Courier New" panose="02070309020205020404" pitchFamily="49" charset="0"/>
+              <a:cs typeface="Courier New" panose="02070309020205020404" pitchFamily="49" charset="0"/>
+            </a:endParaRPr>
+          </a:p>
+          <a:p>
+            <a:r>
+              <a:rPr lang="en-US" sz="1400">
+                <a:solidFill>
+                  <a:srgbClr val="92D050"/>
+                </a:solidFill>
+                <a:latin typeface="Courier New" panose="02070309020205020404" pitchFamily="49" charset="0"/>
+                <a:cs typeface="Courier New" panose="02070309020205020404" pitchFamily="49" charset="0"/>
+              </a:rPr>
+              <a:t>  def loadPropertiesImpl(c: Context)(file: c.Expr[String]) = {</a:t>
+            </a:r>
+          </a:p>
+          <a:p>
+            <a:r>
+              <a:rPr lang="en-US" sz="1400">
+                <a:solidFill>
+                  <a:srgbClr val="92D050"/>
+                </a:solidFill>
+                <a:latin typeface="Courier New" panose="02070309020205020404" pitchFamily="49" charset="0"/>
+                <a:cs typeface="Courier New" panose="02070309020205020404" pitchFamily="49" charset="0"/>
+              </a:rPr>
+              <a:t>    import c.universe._</a:t>
+            </a:r>
+          </a:p>
+          <a:p>
+            <a:endParaRPr lang="en-US" sz="1400">
+              <a:solidFill>
+                <a:srgbClr val="92D050"/>
+              </a:solidFill>
+              <a:latin typeface="Courier New" panose="02070309020205020404" pitchFamily="49" charset="0"/>
+              <a:cs typeface="Courier New" panose="02070309020205020404" pitchFamily="49" charset="0"/>
+            </a:endParaRPr>
+          </a:p>
+          <a:p>
+            <a:r>
+              <a:rPr lang="en-US" sz="1400">
+                <a:solidFill>
+                  <a:srgbClr val="92D050"/>
+                </a:solidFill>
+                <a:latin typeface="Courier New" panose="02070309020205020404" pitchFamily="49" charset="0"/>
+                <a:cs typeface="Courier New" panose="02070309020205020404" pitchFamily="49" charset="0"/>
+              </a:rPr>
+              <a:t>    // 1. (unlift) assume the expression is a string constant and just extract the value</a:t>
+            </a:r>
+          </a:p>
+          <a:p>
+            <a:r>
+              <a:rPr lang="en-US" sz="1400">
+                <a:solidFill>
+                  <a:srgbClr val="92D050"/>
+                </a:solidFill>
+                <a:latin typeface="Courier New" panose="02070309020205020404" pitchFamily="49" charset="0"/>
+                <a:cs typeface="Courier New" panose="02070309020205020404" pitchFamily="49" charset="0"/>
+              </a:rPr>
+              <a:t>    val q"${fileName: String}" = file.tree</a:t>
+            </a:r>
+          </a:p>
+          <a:p>
+            <a:endParaRPr lang="en-US" sz="1400">
+              <a:solidFill>
+                <a:srgbClr val="92D050"/>
+              </a:solidFill>
+              <a:latin typeface="Courier New" panose="02070309020205020404" pitchFamily="49" charset="0"/>
+              <a:cs typeface="Courier New" panose="02070309020205020404" pitchFamily="49" charset="0"/>
+            </a:endParaRPr>
+          </a:p>
+          <a:p>
+            <a:r>
+              <a:rPr lang="en-US" sz="1400">
+                <a:solidFill>
+                  <a:srgbClr val="92D050"/>
+                </a:solidFill>
+                <a:latin typeface="Courier New" panose="02070309020205020404" pitchFamily="49" charset="0"/>
+                <a:cs typeface="Courier New" panose="02070309020205020404" pitchFamily="49" charset="0"/>
+              </a:rPr>
+              <a:t>    // 2. do the actual work</a:t>
+            </a:r>
+          </a:p>
+          <a:p>
+            <a:r>
+              <a:rPr lang="en-US" sz="1400">
+                <a:solidFill>
+                  <a:srgbClr val="92D050"/>
+                </a:solidFill>
+                <a:latin typeface="Courier New" panose="02070309020205020404" pitchFamily="49" charset="0"/>
+                <a:cs typeface="Courier New" panose="02070309020205020404" pitchFamily="49" charset="0"/>
+              </a:rPr>
+              <a:t>    val fis = new FileInputStream(fileName)</a:t>
+            </a:r>
+          </a:p>
+          <a:p>
+            <a:r>
+              <a:rPr lang="en-US" sz="1400">
+                <a:solidFill>
+                  <a:srgbClr val="92D050"/>
+                </a:solidFill>
+                <a:latin typeface="Courier New" panose="02070309020205020404" pitchFamily="49" charset="0"/>
+                <a:cs typeface="Courier New" panose="02070309020205020404" pitchFamily="49" charset="0"/>
+              </a:rPr>
+              <a:t>    val properties = new Properties</a:t>
+            </a:r>
+          </a:p>
+          <a:p>
+            <a:r>
+              <a:rPr lang="en-US" sz="1400">
+                <a:solidFill>
+                  <a:srgbClr val="92D050"/>
+                </a:solidFill>
+                <a:latin typeface="Courier New" panose="02070309020205020404" pitchFamily="49" charset="0"/>
+                <a:cs typeface="Courier New" panose="02070309020205020404" pitchFamily="49" charset="0"/>
+              </a:rPr>
+              <a:t>    properties.load(fis)</a:t>
+            </a:r>
+          </a:p>
+          <a:p>
+            <a:r>
+              <a:rPr lang="en-US" sz="1400">
+                <a:solidFill>
+                  <a:srgbClr val="92D050"/>
+                </a:solidFill>
+                <a:latin typeface="Courier New" panose="02070309020205020404" pitchFamily="49" charset="0"/>
+                <a:cs typeface="Courier New" panose="02070309020205020404" pitchFamily="49" charset="0"/>
+              </a:rPr>
+              <a:t>    fis.close()</a:t>
+            </a:r>
+          </a:p>
+          <a:p>
+            <a:r>
+              <a:rPr lang="en-US" sz="1400">
+                <a:solidFill>
+                  <a:srgbClr val="92D050"/>
+                </a:solidFill>
+                <a:latin typeface="Courier New" panose="02070309020205020404" pitchFamily="49" charset="0"/>
+                <a:cs typeface="Courier New" panose="02070309020205020404" pitchFamily="49" charset="0"/>
+              </a:rPr>
+              <a:t>    val propertiesMap = properties.asScala.toMap</a:t>
+            </a:r>
+          </a:p>
+          <a:p>
+            <a:endParaRPr lang="en-US" sz="1400">
+              <a:solidFill>
+                <a:srgbClr val="92D050"/>
+              </a:solidFill>
+              <a:latin typeface="Courier New" panose="02070309020205020404" pitchFamily="49" charset="0"/>
+              <a:cs typeface="Courier New" panose="02070309020205020404" pitchFamily="49" charset="0"/>
+            </a:endParaRPr>
+          </a:p>
+          <a:p>
+            <a:r>
+              <a:rPr lang="en-US" sz="1400">
+                <a:solidFill>
+                  <a:srgbClr val="92D050"/>
+                </a:solidFill>
+                <a:latin typeface="Courier New" panose="02070309020205020404" pitchFamily="49" charset="0"/>
+                <a:cs typeface="Courier New" panose="02070309020205020404" pitchFamily="49" charset="0"/>
+              </a:rPr>
+              <a:t>    // 3. (lift) quasiquotes generates the code for creating a map with the values of propertiesMap</a:t>
+            </a:r>
+          </a:p>
+          <a:p>
+            <a:r>
+              <a:rPr lang="en-US" sz="1400">
+                <a:solidFill>
+                  <a:srgbClr val="92D050"/>
+                </a:solidFill>
+                <a:latin typeface="Courier New" panose="02070309020205020404" pitchFamily="49" charset="0"/>
+                <a:cs typeface="Courier New" panose="02070309020205020404" pitchFamily="49" charset="0"/>
+              </a:rPr>
+              <a:t>    q"$propertiesMap"</a:t>
+            </a:r>
+          </a:p>
+          <a:p>
+            <a:r>
+              <a:rPr lang="en-US" sz="1400">
+                <a:solidFill>
+                  <a:srgbClr val="92D050"/>
+                </a:solidFill>
+                <a:latin typeface="Courier New" panose="02070309020205020404" pitchFamily="49" charset="0"/>
+                <a:cs typeface="Courier New" panose="02070309020205020404" pitchFamily="49" charset="0"/>
+              </a:rPr>
+              <a:t>  }</a:t>
+            </a:r>
+            <a:endParaRPr lang="en-US" sz="1400" dirty="0">
               <a:solidFill>
                 <a:srgbClr val="92D050"/>
               </a:solidFill>

--- a/Scala_metaprogramming.pptx
+++ b/Scala_metaprogramming.pptx
@@ -4855,7 +4855,7 @@
         <p:spPr>
           <a:xfrm>
             <a:off x="563672" y="1691014"/>
-            <a:ext cx="7818328" cy="1200329"/>
+            <a:ext cx="7818328" cy="4524315"/>
           </a:xfrm>
           <a:prstGeom prst="rect">
             <a:avLst/>
@@ -4873,7 +4873,7 @@
               <a:buChar char="•"/>
             </a:pPr>
             <a:r>
-              <a:rPr lang="en-GB" dirty="0" smtClean="0">
+              <a:rPr lang="en-GB" sz="3600" dirty="0" smtClean="0">
                 <a:latin typeface="Comic Sans MS" panose="030F0702030302020204" pitchFamily="66" charset="0"/>
                 <a:cs typeface="Consolas" panose="020B0609020204030204" pitchFamily="49" charset="0"/>
               </a:rPr>
@@ -4886,18 +4886,11 @@
               <a:buChar char="•"/>
             </a:pPr>
             <a:r>
-              <a:rPr lang="en-US" dirty="0">
+              <a:rPr lang="en-US" sz="3600" dirty="0" smtClean="0">
                 <a:latin typeface="Comic Sans MS" panose="030F0702030302020204" pitchFamily="66" charset="0"/>
                 <a:cs typeface="Consolas" panose="020B0609020204030204" pitchFamily="49" charset="0"/>
               </a:rPr>
-              <a:t>Let’s make our own </a:t>
-            </a:r>
-            <a:r>
-              <a:rPr lang="en-US" dirty="0" smtClean="0">
-                <a:latin typeface="Comic Sans MS" panose="030F0702030302020204" pitchFamily="66" charset="0"/>
-                <a:cs typeface="Consolas" panose="020B0609020204030204" pitchFamily="49" charset="0"/>
-              </a:rPr>
-              <a:t>language/DSL</a:t>
+              <a:t>Generating boilerplate code</a:t>
             </a:r>
           </a:p>
           <a:p>
@@ -4906,33 +4899,84 @@
               <a:buChar char="•"/>
             </a:pPr>
             <a:r>
-              <a:rPr lang="en-US" dirty="0" smtClean="0">
+              <a:rPr lang="en-US" sz="3600" dirty="0" smtClean="0">
                 <a:latin typeface="Comic Sans MS" panose="030F0702030302020204" pitchFamily="66" charset="0"/>
                 <a:cs typeface="Consolas" panose="020B0609020204030204" pitchFamily="49" charset="0"/>
               </a:rPr>
-              <a:t>Let’s integrate external components (native code, </a:t>
-            </a:r>
-            <a:r>
-              <a:rPr lang="en-US" dirty="0" err="1" smtClean="0">
+              <a:t>Let’s </a:t>
+            </a:r>
+            <a:r>
+              <a:rPr lang="en-US" sz="3600" dirty="0">
                 <a:latin typeface="Comic Sans MS" panose="030F0702030302020204" pitchFamily="66" charset="0"/>
                 <a:cs typeface="Consolas" panose="020B0609020204030204" pitchFamily="49" charset="0"/>
               </a:rPr>
-              <a:t>javascript</a:t>
-            </a:r>
-            <a:r>
-              <a:rPr lang="en-US" dirty="0" smtClean="0">
+              <a:t>make our own </a:t>
+            </a:r>
+            <a:r>
+              <a:rPr lang="en-US" sz="3600" dirty="0" smtClean="0">
                 <a:latin typeface="Comic Sans MS" panose="030F0702030302020204" pitchFamily="66" charset="0"/>
                 <a:cs typeface="Consolas" panose="020B0609020204030204" pitchFamily="49" charset="0"/>
               </a:rPr>
-              <a:t>, etc.)</a:t>
-            </a:r>
+              <a:t>language/DSL</a:t>
+            </a:r>
+          </a:p>
+          <a:p>
+            <a:pPr marL="285750" indent="-285750">
+              <a:buFont typeface="Arial" panose="020B0604020202020204" pitchFamily="34" charset="0"/>
+              <a:buChar char="•"/>
+            </a:pPr>
+            <a:r>
+              <a:rPr lang="en-US" sz="3600" dirty="0" smtClean="0">
+                <a:latin typeface="Comic Sans MS" panose="030F0702030302020204" pitchFamily="66" charset="0"/>
+                <a:cs typeface="Consolas" panose="020B0609020204030204" pitchFamily="49" charset="0"/>
+              </a:rPr>
+              <a:t>Let’s integrate external components (native code, </a:t>
+            </a:r>
+            <a:r>
+              <a:rPr lang="en-US" sz="3600" dirty="0" err="1" smtClean="0">
+                <a:latin typeface="Comic Sans MS" panose="030F0702030302020204" pitchFamily="66" charset="0"/>
+                <a:cs typeface="Consolas" panose="020B0609020204030204" pitchFamily="49" charset="0"/>
+              </a:rPr>
+              <a:t>javascript</a:t>
+            </a:r>
+            <a:r>
+              <a:rPr lang="en-US" sz="3600" dirty="0" smtClean="0">
+                <a:latin typeface="Comic Sans MS" panose="030F0702030302020204" pitchFamily="66" charset="0"/>
+                <a:cs typeface="Consolas" panose="020B0609020204030204" pitchFamily="49" charset="0"/>
+              </a:rPr>
+              <a:t>, etc</a:t>
+            </a:r>
+            <a:r>
+              <a:rPr lang="en-US" sz="3600" dirty="0" smtClean="0">
+                <a:latin typeface="Comic Sans MS" panose="030F0702030302020204" pitchFamily="66" charset="0"/>
+                <a:cs typeface="Consolas" panose="020B0609020204030204" pitchFamily="49" charset="0"/>
+              </a:rPr>
+              <a:t>.)</a:t>
+            </a:r>
+          </a:p>
+          <a:p>
+            <a:pPr marL="285750" indent="-285750">
+              <a:buFont typeface="Arial" panose="020B0604020202020204" pitchFamily="34" charset="0"/>
+              <a:buChar char="•"/>
+            </a:pPr>
+            <a:r>
+              <a:rPr lang="en-US" sz="3600" dirty="0" smtClean="0">
+                <a:latin typeface="Comic Sans MS" panose="030F0702030302020204" pitchFamily="66" charset="0"/>
+                <a:cs typeface="Consolas" panose="020B0609020204030204" pitchFamily="49" charset="0"/>
+              </a:rPr>
+              <a:t>Let’s do something more crazy</a:t>
+            </a:r>
+            <a:endParaRPr lang="en-US" sz="3600" dirty="0" smtClean="0">
+              <a:latin typeface="Comic Sans MS" panose="030F0702030302020204" pitchFamily="66" charset="0"/>
+              <a:cs typeface="Consolas" panose="020B0609020204030204" pitchFamily="49" charset="0"/>
+            </a:endParaRPr>
           </a:p>
           <a:p>
             <a:pPr marL="742950" lvl="1" indent="-285750">
               <a:buFont typeface="Arial" panose="020B0604020202020204" pitchFamily="34" charset="0"/>
               <a:buChar char="•"/>
             </a:pPr>
-            <a:endParaRPr lang="en-GB" dirty="0">
+            <a:endParaRPr lang="en-GB" sz="3600" dirty="0">
               <a:latin typeface="Comic Sans MS" panose="030F0702030302020204" pitchFamily="66" charset="0"/>
               <a:cs typeface="Consolas" panose="020B0609020204030204" pitchFamily="49" charset="0"/>
             </a:endParaRPr>
@@ -5000,7 +5044,7 @@
           <a:p>
             <a:pPr algn="l"/>
             <a:r>
-              <a:rPr lang="en-US" dirty="0" err="1" smtClean="0">
+              <a:rPr lang="en-US" dirty="0" smtClean="0">
                 <a:solidFill>
                   <a:schemeClr val="bg1">
                     <a:lumMod val="50000"/>
@@ -5008,10 +5052,10 @@
                 </a:solidFill>
                 <a:latin typeface="Comic Sans MS"/>
               </a:rPr>
-              <a:t>Blackbox</a:t>
-            </a:r>
-            <a:r>
-              <a:rPr lang="en-US" dirty="0" smtClean="0">
+              <a:t>Scala </a:t>
+            </a:r>
+            <a:r>
+              <a:rPr lang="en-US" dirty="0" err="1">
                 <a:solidFill>
                   <a:schemeClr val="bg1">
                     <a:lumMod val="50000"/>
@@ -5019,7 +5063,40 @@
                 </a:solidFill>
                 <a:latin typeface="Comic Sans MS"/>
               </a:rPr>
-              <a:t> macros</a:t>
+              <a:t>b</a:t>
+            </a:r>
+            <a:r>
+              <a:rPr lang="en-US" dirty="0" err="1" smtClean="0">
+                <a:solidFill>
+                  <a:schemeClr val="bg1">
+                    <a:lumMod val="50000"/>
+                  </a:schemeClr>
+                </a:solidFill>
+                <a:latin typeface="Comic Sans MS"/>
+              </a:rPr>
+              <a:t>lackbox</a:t>
+            </a:r>
+            <a:r>
+              <a:rPr lang="en-US" dirty="0" smtClean="0">
+                <a:solidFill>
+                  <a:schemeClr val="bg1">
+                    <a:lumMod val="50000"/>
+                  </a:schemeClr>
+                </a:solidFill>
+                <a:latin typeface="Comic Sans MS"/>
+              </a:rPr>
+              <a:t> </a:t>
+            </a:r>
+            <a:r>
+              <a:rPr lang="en-US" dirty="0" smtClean="0">
+                <a:solidFill>
+                  <a:schemeClr val="bg1">
+                    <a:lumMod val="50000"/>
+                  </a:schemeClr>
+                </a:solidFill>
+                <a:latin typeface="Comic Sans MS"/>
+              </a:rPr>
+              <a:t>macros</a:t>
             </a:r>
             <a:endParaRPr lang="en-US" dirty="0"/>
           </a:p>
@@ -5433,7 +5510,7 @@
         <p:spPr>
           <a:xfrm>
             <a:off x="457200" y="1751582"/>
-            <a:ext cx="6482444" cy="5047536"/>
+            <a:ext cx="8229600" cy="4801314"/>
           </a:xfrm>
           <a:prstGeom prst="rect">
             <a:avLst/>
@@ -5460,7 +5537,17 @@
           <a:lstStyle/>
           <a:p>
             <a:r>
-              <a:rPr lang="en-US" sz="700" dirty="0">
+              <a:rPr lang="en-US" sz="900" dirty="0" err="1" smtClean="0">
+                <a:solidFill>
+                  <a:srgbClr val="92D050"/>
+                </a:solidFill>
+                <a:latin typeface="Courier New" panose="02070309020205020404" pitchFamily="49" charset="0"/>
+                <a:cs typeface="Courier New" panose="02070309020205020404" pitchFamily="49" charset="0"/>
+              </a:rPr>
+              <a:t>def</a:t>
+            </a:r>
+            <a:r>
+              <a:rPr lang="en-US" sz="900" dirty="0" smtClean="0">
                 <a:solidFill>
                   <a:srgbClr val="92D050"/>
                 </a:solidFill>
@@ -5470,27 +5557,7 @@
               <a:t> </a:t>
             </a:r>
             <a:r>
-              <a:rPr lang="en-US" sz="700" dirty="0" err="1">
-                <a:solidFill>
-                  <a:srgbClr val="92D050"/>
-                </a:solidFill>
-                <a:latin typeface="Courier New" panose="02070309020205020404" pitchFamily="49" charset="0"/>
-                <a:cs typeface="Courier New" panose="02070309020205020404" pitchFamily="49" charset="0"/>
-              </a:rPr>
-              <a:t>def</a:t>
-            </a:r>
-            <a:r>
-              <a:rPr lang="en-US" sz="700" dirty="0">
-                <a:solidFill>
-                  <a:srgbClr val="92D050"/>
-                </a:solidFill>
-                <a:latin typeface="Courier New" panose="02070309020205020404" pitchFamily="49" charset="0"/>
-                <a:cs typeface="Courier New" panose="02070309020205020404" pitchFamily="49" charset="0"/>
-              </a:rPr>
-              <a:t> </a:t>
-            </a:r>
-            <a:r>
-              <a:rPr lang="en-US" sz="700" dirty="0" err="1">
+              <a:rPr lang="en-US" sz="900" dirty="0" err="1">
                 <a:solidFill>
                   <a:srgbClr val="92D050"/>
                 </a:solidFill>
@@ -5500,7 +5567,7 @@
               <a:t>loadPropertiesWithoutQ</a:t>
             </a:r>
             <a:r>
-              <a:rPr lang="en-US" sz="700" dirty="0">
+              <a:rPr lang="en-US" sz="900" dirty="0">
                 <a:solidFill>
                   <a:srgbClr val="92D050"/>
                 </a:solidFill>
@@ -5510,7 +5577,7 @@
               <a:t>(file: String): Map[String, String] = macro </a:t>
             </a:r>
             <a:r>
-              <a:rPr lang="en-US" sz="700" dirty="0" err="1">
+              <a:rPr lang="en-US" sz="900" dirty="0" err="1">
                 <a:solidFill>
                   <a:srgbClr val="92D050"/>
                 </a:solidFill>
@@ -5519,7 +5586,7 @@
               </a:rPr>
               <a:t>loadPropertiesWithoutQImpl</a:t>
             </a:r>
-            <a:endParaRPr lang="en-US" sz="700" dirty="0">
+            <a:endParaRPr lang="en-US" sz="900" dirty="0">
               <a:solidFill>
                 <a:srgbClr val="92D050"/>
               </a:solidFill>
@@ -5528,7 +5595,7 @@
             </a:endParaRPr>
           </a:p>
           <a:p>
-            <a:endParaRPr lang="en-US" sz="700" dirty="0">
+            <a:endParaRPr lang="en-US" sz="900" dirty="0">
               <a:solidFill>
                 <a:srgbClr val="92D050"/>
               </a:solidFill>
@@ -5538,17 +5605,7 @@
           </a:p>
           <a:p>
             <a:r>
-              <a:rPr lang="en-US" sz="700" dirty="0">
-                <a:solidFill>
-                  <a:srgbClr val="92D050"/>
-                </a:solidFill>
-                <a:latin typeface="Courier New" panose="02070309020205020404" pitchFamily="49" charset="0"/>
-                <a:cs typeface="Courier New" panose="02070309020205020404" pitchFamily="49" charset="0"/>
-              </a:rPr>
-              <a:t>  </a:t>
-            </a:r>
-            <a:r>
-              <a:rPr lang="en-US" sz="700" dirty="0" err="1">
+              <a:rPr lang="en-US" sz="900" dirty="0" err="1" smtClean="0">
                 <a:solidFill>
                   <a:srgbClr val="92D050"/>
                 </a:solidFill>
@@ -5558,7 +5615,7 @@
               <a:t>def</a:t>
             </a:r>
             <a:r>
-              <a:rPr lang="en-US" sz="700" dirty="0">
+              <a:rPr lang="en-US" sz="900" dirty="0" smtClean="0">
                 <a:solidFill>
                   <a:srgbClr val="92D050"/>
                 </a:solidFill>
@@ -5568,7 +5625,7 @@
               <a:t> </a:t>
             </a:r>
             <a:r>
-              <a:rPr lang="en-US" sz="700" dirty="0" err="1">
+              <a:rPr lang="en-US" sz="900" dirty="0" err="1">
                 <a:solidFill>
                   <a:srgbClr val="92D050"/>
                 </a:solidFill>
@@ -5578,7 +5635,7 @@
               <a:t>loadPropertiesWithoutQImpl</a:t>
             </a:r>
             <a:r>
-              <a:rPr lang="en-US" sz="700" dirty="0">
+              <a:rPr lang="en-US" sz="900" dirty="0">
                 <a:solidFill>
                   <a:srgbClr val="92D050"/>
                 </a:solidFill>
@@ -5588,7 +5645,7 @@
               <a:t>(c: Context)(file: </a:t>
             </a:r>
             <a:r>
-              <a:rPr lang="en-US" sz="700" dirty="0" err="1">
+              <a:rPr lang="en-US" sz="900" dirty="0" err="1">
                 <a:solidFill>
                   <a:srgbClr val="92D050"/>
                 </a:solidFill>
@@ -5598,7 +5655,7 @@
               <a:t>c.Expr</a:t>
             </a:r>
             <a:r>
-              <a:rPr lang="en-US" sz="700" dirty="0">
+              <a:rPr lang="en-US" sz="900" dirty="0">
                 <a:solidFill>
                   <a:srgbClr val="92D050"/>
                 </a:solidFill>
@@ -5610,17 +5667,17 @@
           </a:p>
           <a:p>
             <a:r>
-              <a:rPr lang="en-US" sz="700" dirty="0">
-                <a:solidFill>
-                  <a:srgbClr val="92D050"/>
-                </a:solidFill>
-                <a:latin typeface="Courier New" panose="02070309020205020404" pitchFamily="49" charset="0"/>
-                <a:cs typeface="Courier New" panose="02070309020205020404" pitchFamily="49" charset="0"/>
-              </a:rPr>
-              <a:t>    import </a:t>
-            </a:r>
-            <a:r>
-              <a:rPr lang="en-US" sz="700" dirty="0" err="1">
+              <a:rPr lang="en-US" sz="900" dirty="0" smtClean="0">
+                <a:solidFill>
+                  <a:srgbClr val="92D050"/>
+                </a:solidFill>
+                <a:latin typeface="Courier New" panose="02070309020205020404" pitchFamily="49" charset="0"/>
+                <a:cs typeface="Courier New" panose="02070309020205020404" pitchFamily="49" charset="0"/>
+              </a:rPr>
+              <a:t>import </a:t>
+            </a:r>
+            <a:r>
+              <a:rPr lang="en-US" sz="900" dirty="0" err="1">
                 <a:solidFill>
                   <a:srgbClr val="92D050"/>
                 </a:solidFill>
@@ -5630,7 +5687,7 @@
               <a:t>c.universe</a:t>
             </a:r>
             <a:r>
-              <a:rPr lang="en-US" sz="700" dirty="0">
+              <a:rPr lang="en-US" sz="900" dirty="0">
                 <a:solidFill>
                   <a:srgbClr val="92D050"/>
                 </a:solidFill>
@@ -5642,17 +5699,17 @@
           </a:p>
           <a:p>
             <a:r>
-              <a:rPr lang="en-US" sz="700" dirty="0">
-                <a:solidFill>
-                  <a:srgbClr val="92D050"/>
-                </a:solidFill>
-                <a:latin typeface="Courier New" panose="02070309020205020404" pitchFamily="49" charset="0"/>
-                <a:cs typeface="Courier New" panose="02070309020205020404" pitchFamily="49" charset="0"/>
-              </a:rPr>
-              <a:t>    import </a:t>
-            </a:r>
-            <a:r>
-              <a:rPr lang="en-US" sz="700" dirty="0" err="1">
+              <a:rPr lang="en-US" sz="900" dirty="0" smtClean="0">
+                <a:solidFill>
+                  <a:srgbClr val="92D050"/>
+                </a:solidFill>
+                <a:latin typeface="Courier New" panose="02070309020205020404" pitchFamily="49" charset="0"/>
+                <a:cs typeface="Courier New" panose="02070309020205020404" pitchFamily="49" charset="0"/>
+              </a:rPr>
+              <a:t>import </a:t>
+            </a:r>
+            <a:r>
+              <a:rPr lang="en-US" sz="900" dirty="0" err="1" smtClean="0">
                 <a:solidFill>
                   <a:srgbClr val="92D050"/>
                 </a:solidFill>
@@ -5661,7 +5718,7 @@
               </a:rPr>
               <a:t>scala.collection.mutable</a:t>
             </a:r>
-            <a:endParaRPr lang="en-US" sz="700" dirty="0">
+            <a:endParaRPr lang="en-US" sz="900" dirty="0" smtClean="0">
               <a:solidFill>
                 <a:srgbClr val="92D050"/>
               </a:solidFill>
@@ -5670,7 +5727,7 @@
             </a:endParaRPr>
           </a:p>
           <a:p>
-            <a:endParaRPr lang="en-US" sz="700" dirty="0">
+            <a:endParaRPr lang="en-US" sz="900" dirty="0">
               <a:solidFill>
                 <a:srgbClr val="92D050"/>
               </a:solidFill>
@@ -5680,29 +5737,7 @@
           </a:p>
           <a:p>
             <a:r>
-              <a:rPr lang="en-US" sz="700" dirty="0">
-                <a:solidFill>
-                  <a:srgbClr val="92D050"/>
-                </a:solidFill>
-                <a:latin typeface="Courier New" panose="02070309020205020404" pitchFamily="49" charset="0"/>
-                <a:cs typeface="Courier New" panose="02070309020205020404" pitchFamily="49" charset="0"/>
-              </a:rPr>
-              <a:t>    // 1. assume the expression is a string constant and pattern match it</a:t>
-            </a:r>
-          </a:p>
-          <a:p>
-            <a:r>
-              <a:rPr lang="en-US" sz="700" dirty="0">
-                <a:solidFill>
-                  <a:srgbClr val="92D050"/>
-                </a:solidFill>
-                <a:latin typeface="Courier New" panose="02070309020205020404" pitchFamily="49" charset="0"/>
-                <a:cs typeface="Courier New" panose="02070309020205020404" pitchFamily="49" charset="0"/>
-              </a:rPr>
-              <a:t>    </a:t>
-            </a:r>
-            <a:r>
-              <a:rPr lang="en-US" sz="700" dirty="0" err="1">
+              <a:rPr lang="en-US" sz="900" dirty="0" err="1" smtClean="0">
                 <a:solidFill>
                   <a:srgbClr val="92D050"/>
                 </a:solidFill>
@@ -5712,17 +5747,27 @@
               <a:t>val</a:t>
             </a:r>
             <a:r>
-              <a:rPr lang="en-US" sz="700" dirty="0">
-                <a:solidFill>
-                  <a:srgbClr val="92D050"/>
-                </a:solidFill>
-                <a:latin typeface="Courier New" panose="02070309020205020404" pitchFamily="49" charset="0"/>
-                <a:cs typeface="Courier New" panose="02070309020205020404" pitchFamily="49" charset="0"/>
-              </a:rPr>
-              <a:t> Literal(Constant(</a:t>
-            </a:r>
-            <a:r>
-              <a:rPr lang="en-US" sz="700" dirty="0" err="1">
+              <a:rPr lang="en-US" sz="900" dirty="0" smtClean="0">
+                <a:solidFill>
+                  <a:srgbClr val="92D050"/>
+                </a:solidFill>
+                <a:latin typeface="Courier New" panose="02070309020205020404" pitchFamily="49" charset="0"/>
+                <a:cs typeface="Courier New" panose="02070309020205020404" pitchFamily="49" charset="0"/>
+              </a:rPr>
+              <a:t> </a:t>
+            </a:r>
+            <a:r>
+              <a:rPr lang="en-US" sz="900" dirty="0">
+                <a:solidFill>
+                  <a:srgbClr val="92D050"/>
+                </a:solidFill>
+                <a:latin typeface="Courier New" panose="02070309020205020404" pitchFamily="49" charset="0"/>
+                <a:cs typeface="Courier New" panose="02070309020205020404" pitchFamily="49" charset="0"/>
+              </a:rPr>
+              <a:t>Literal(Constant(</a:t>
+            </a:r>
+            <a:r>
+              <a:rPr lang="en-US" sz="900" dirty="0" err="1">
                 <a:solidFill>
                   <a:srgbClr val="92D050"/>
                 </a:solidFill>
@@ -5732,7 +5777,7 @@
               <a:t>fileName</a:t>
             </a:r>
             <a:r>
-              <a:rPr lang="en-US" sz="700" dirty="0">
+              <a:rPr lang="en-US" sz="900" dirty="0">
                 <a:solidFill>
                   <a:srgbClr val="92D050"/>
                 </a:solidFill>
@@ -5742,7 +5787,7 @@
               <a:t>: String)) = </a:t>
             </a:r>
             <a:r>
-              <a:rPr lang="en-US" sz="700" dirty="0" err="1">
+              <a:rPr lang="en-US" sz="900" dirty="0" err="1">
                 <a:solidFill>
                   <a:srgbClr val="92D050"/>
                 </a:solidFill>
@@ -5751,7 +5796,7 @@
               </a:rPr>
               <a:t>file.tree</a:t>
             </a:r>
-            <a:endParaRPr lang="en-US" sz="700" dirty="0">
+            <a:endParaRPr lang="en-US" sz="900" dirty="0">
               <a:solidFill>
                 <a:srgbClr val="92D050"/>
               </a:solidFill>
@@ -5760,7 +5805,7 @@
             </a:endParaRPr>
           </a:p>
           <a:p>
-            <a:endParaRPr lang="en-US" sz="700" dirty="0">
+            <a:endParaRPr lang="en-US" sz="900" dirty="0">
               <a:solidFill>
                 <a:srgbClr val="92D050"/>
               </a:solidFill>
@@ -5770,31 +5815,9 @@
           </a:p>
           <a:p>
             <a:r>
-              <a:rPr lang="en-US" sz="700" dirty="0">
-                <a:solidFill>
-                  <a:srgbClr val="92D050"/>
-                </a:solidFill>
-                <a:latin typeface="Courier New" panose="02070309020205020404" pitchFamily="49" charset="0"/>
-                <a:cs typeface="Courier New" panose="02070309020205020404" pitchFamily="49" charset="0"/>
-              </a:rPr>
-              <a:t>    // 2. do the actual work</a:t>
-            </a:r>
-          </a:p>
-          <a:p>
-            <a:r>
-              <a:rPr lang="en-US" sz="700" dirty="0">
-                <a:solidFill>
-                  <a:srgbClr val="92D050"/>
-                </a:solidFill>
-                <a:latin typeface="Courier New" panose="02070309020205020404" pitchFamily="49" charset="0"/>
-                <a:cs typeface="Courier New" panose="02070309020205020404" pitchFamily="49" charset="0"/>
-              </a:rPr>
-              <a:t>    </a:t>
-            </a:r>
-            <a:r>
-              <a:rPr lang="en-US" sz="700" dirty="0" err="1">
-                <a:solidFill>
-                  <a:srgbClr val="92D050"/>
+              <a:rPr lang="en-US" sz="900" dirty="0" err="1" smtClean="0">
+                <a:solidFill>
+                  <a:srgbClr val="0070C0"/>
                 </a:solidFill>
                 <a:latin typeface="Courier New" panose="02070309020205020404" pitchFamily="49" charset="0"/>
                 <a:cs typeface="Courier New" panose="02070309020205020404" pitchFamily="49" charset="0"/>
@@ -5802,9 +5825,9 @@
               <a:t>val</a:t>
             </a:r>
             <a:r>
-              <a:rPr lang="en-US" sz="700" dirty="0">
-                <a:solidFill>
-                  <a:srgbClr val="92D050"/>
+              <a:rPr lang="en-US" sz="900" dirty="0" smtClean="0">
+                <a:solidFill>
+                  <a:srgbClr val="0070C0"/>
                 </a:solidFill>
                 <a:latin typeface="Courier New" panose="02070309020205020404" pitchFamily="49" charset="0"/>
                 <a:cs typeface="Courier New" panose="02070309020205020404" pitchFamily="49" charset="0"/>
@@ -5812,9 +5835,9 @@
               <a:t> </a:t>
             </a:r>
             <a:r>
-              <a:rPr lang="en-US" sz="700" dirty="0" err="1">
-                <a:solidFill>
-                  <a:srgbClr val="92D050"/>
+              <a:rPr lang="en-US" sz="900" dirty="0" err="1">
+                <a:solidFill>
+                  <a:srgbClr val="0070C0"/>
                 </a:solidFill>
                 <a:latin typeface="Courier New" panose="02070309020205020404" pitchFamily="49" charset="0"/>
                 <a:cs typeface="Courier New" panose="02070309020205020404" pitchFamily="49" charset="0"/>
@@ -5822,9 +5845,9 @@
               <a:t>fis</a:t>
             </a:r>
             <a:r>
-              <a:rPr lang="en-US" sz="700" dirty="0">
-                <a:solidFill>
-                  <a:srgbClr val="92D050"/>
+              <a:rPr lang="en-US" sz="900" dirty="0">
+                <a:solidFill>
+                  <a:srgbClr val="0070C0"/>
                 </a:solidFill>
                 <a:latin typeface="Courier New" panose="02070309020205020404" pitchFamily="49" charset="0"/>
                 <a:cs typeface="Courier New" panose="02070309020205020404" pitchFamily="49" charset="0"/>
@@ -5832,9 +5855,9 @@
               <a:t> = new </a:t>
             </a:r>
             <a:r>
-              <a:rPr lang="en-US" sz="700" dirty="0" err="1">
-                <a:solidFill>
-                  <a:srgbClr val="92D050"/>
+              <a:rPr lang="en-US" sz="900" dirty="0" err="1">
+                <a:solidFill>
+                  <a:srgbClr val="0070C0"/>
                 </a:solidFill>
                 <a:latin typeface="Courier New" panose="02070309020205020404" pitchFamily="49" charset="0"/>
                 <a:cs typeface="Courier New" panose="02070309020205020404" pitchFamily="49" charset="0"/>
@@ -5842,9 +5865,9 @@
               <a:t>FileInputStream</a:t>
             </a:r>
             <a:r>
-              <a:rPr lang="en-US" sz="700" dirty="0">
-                <a:solidFill>
-                  <a:srgbClr val="92D050"/>
+              <a:rPr lang="en-US" sz="900" dirty="0">
+                <a:solidFill>
+                  <a:srgbClr val="0070C0"/>
                 </a:solidFill>
                 <a:latin typeface="Courier New" panose="02070309020205020404" pitchFamily="49" charset="0"/>
                 <a:cs typeface="Courier New" panose="02070309020205020404" pitchFamily="49" charset="0"/>
@@ -5852,9 +5875,9 @@
               <a:t>(</a:t>
             </a:r>
             <a:r>
-              <a:rPr lang="en-US" sz="700" dirty="0" err="1">
-                <a:solidFill>
-                  <a:srgbClr val="92D050"/>
+              <a:rPr lang="en-US" sz="900" dirty="0" err="1">
+                <a:solidFill>
+                  <a:srgbClr val="0070C0"/>
                 </a:solidFill>
                 <a:latin typeface="Courier New" panose="02070309020205020404" pitchFamily="49" charset="0"/>
                 <a:cs typeface="Courier New" panose="02070309020205020404" pitchFamily="49" charset="0"/>
@@ -5862,9 +5885,9 @@
               <a:t>fileName</a:t>
             </a:r>
             <a:r>
-              <a:rPr lang="en-US" sz="700" dirty="0">
-                <a:solidFill>
-                  <a:srgbClr val="92D050"/>
+              <a:rPr lang="en-US" sz="900" dirty="0">
+                <a:solidFill>
+                  <a:srgbClr val="0070C0"/>
                 </a:solidFill>
                 <a:latin typeface="Courier New" panose="02070309020205020404" pitchFamily="49" charset="0"/>
                 <a:cs typeface="Courier New" panose="02070309020205020404" pitchFamily="49" charset="0"/>
@@ -5874,19 +5897,9 @@
           </a:p>
           <a:p>
             <a:r>
-              <a:rPr lang="en-US" sz="700" dirty="0">
-                <a:solidFill>
-                  <a:srgbClr val="92D050"/>
-                </a:solidFill>
-                <a:latin typeface="Courier New" panose="02070309020205020404" pitchFamily="49" charset="0"/>
-                <a:cs typeface="Courier New" panose="02070309020205020404" pitchFamily="49" charset="0"/>
-              </a:rPr>
-              <a:t>    </a:t>
-            </a:r>
-            <a:r>
-              <a:rPr lang="en-US" sz="700" dirty="0" err="1">
-                <a:solidFill>
-                  <a:srgbClr val="92D050"/>
+              <a:rPr lang="en-US" sz="900" dirty="0" err="1" smtClean="0">
+                <a:solidFill>
+                  <a:srgbClr val="0070C0"/>
                 </a:solidFill>
                 <a:latin typeface="Courier New" panose="02070309020205020404" pitchFamily="49" charset="0"/>
                 <a:cs typeface="Courier New" panose="02070309020205020404" pitchFamily="49" charset="0"/>
@@ -5894,31 +5907,31 @@
               <a:t>val</a:t>
             </a:r>
             <a:r>
-              <a:rPr lang="en-US" sz="700" dirty="0">
-                <a:solidFill>
-                  <a:srgbClr val="92D050"/>
-                </a:solidFill>
-                <a:latin typeface="Courier New" panose="02070309020205020404" pitchFamily="49" charset="0"/>
-                <a:cs typeface="Courier New" panose="02070309020205020404" pitchFamily="49" charset="0"/>
-              </a:rPr>
-              <a:t> properties = new Properties</a:t>
-            </a:r>
-          </a:p>
-          <a:p>
-            <a:r>
-              <a:rPr lang="en-US" sz="700" dirty="0">
-                <a:solidFill>
-                  <a:srgbClr val="92D050"/>
-                </a:solidFill>
-                <a:latin typeface="Courier New" panose="02070309020205020404" pitchFamily="49" charset="0"/>
-                <a:cs typeface="Courier New" panose="02070309020205020404" pitchFamily="49" charset="0"/>
-              </a:rPr>
-              <a:t>    </a:t>
-            </a:r>
-            <a:r>
-              <a:rPr lang="en-US" sz="700" dirty="0" err="1">
-                <a:solidFill>
-                  <a:srgbClr val="92D050"/>
+              <a:rPr lang="en-US" sz="900" dirty="0" smtClean="0">
+                <a:solidFill>
+                  <a:srgbClr val="0070C0"/>
+                </a:solidFill>
+                <a:latin typeface="Courier New" panose="02070309020205020404" pitchFamily="49" charset="0"/>
+                <a:cs typeface="Courier New" panose="02070309020205020404" pitchFamily="49" charset="0"/>
+              </a:rPr>
+              <a:t> </a:t>
+            </a:r>
+            <a:r>
+              <a:rPr lang="en-US" sz="900" dirty="0">
+                <a:solidFill>
+                  <a:srgbClr val="0070C0"/>
+                </a:solidFill>
+                <a:latin typeface="Courier New" panose="02070309020205020404" pitchFamily="49" charset="0"/>
+                <a:cs typeface="Courier New" panose="02070309020205020404" pitchFamily="49" charset="0"/>
+              </a:rPr>
+              <a:t>properties = new Properties</a:t>
+            </a:r>
+          </a:p>
+          <a:p>
+            <a:r>
+              <a:rPr lang="en-US" sz="900" dirty="0" err="1" smtClean="0">
+                <a:solidFill>
+                  <a:srgbClr val="0070C0"/>
                 </a:solidFill>
                 <a:latin typeface="Courier New" panose="02070309020205020404" pitchFamily="49" charset="0"/>
                 <a:cs typeface="Courier New" panose="02070309020205020404" pitchFamily="49" charset="0"/>
@@ -5926,9 +5939,9 @@
               <a:t>properties.load</a:t>
             </a:r>
             <a:r>
-              <a:rPr lang="en-US" sz="700" dirty="0">
-                <a:solidFill>
-                  <a:srgbClr val="92D050"/>
+              <a:rPr lang="en-US" sz="900" dirty="0" smtClean="0">
+                <a:solidFill>
+                  <a:srgbClr val="0070C0"/>
                 </a:solidFill>
                 <a:latin typeface="Courier New" panose="02070309020205020404" pitchFamily="49" charset="0"/>
                 <a:cs typeface="Courier New" panose="02070309020205020404" pitchFamily="49" charset="0"/>
@@ -5936,9 +5949,9 @@
               <a:t>(</a:t>
             </a:r>
             <a:r>
-              <a:rPr lang="en-US" sz="700" dirty="0" err="1">
-                <a:solidFill>
-                  <a:srgbClr val="92D050"/>
+              <a:rPr lang="en-US" sz="900" dirty="0" err="1" smtClean="0">
+                <a:solidFill>
+                  <a:srgbClr val="0070C0"/>
                 </a:solidFill>
                 <a:latin typeface="Courier New" panose="02070309020205020404" pitchFamily="49" charset="0"/>
                 <a:cs typeface="Courier New" panose="02070309020205020404" pitchFamily="49" charset="0"/>
@@ -5946,9 +5959,9 @@
               <a:t>fis</a:t>
             </a:r>
             <a:r>
-              <a:rPr lang="en-US" sz="700" dirty="0">
-                <a:solidFill>
-                  <a:srgbClr val="92D050"/>
+              <a:rPr lang="en-US" sz="900" dirty="0">
+                <a:solidFill>
+                  <a:srgbClr val="0070C0"/>
                 </a:solidFill>
                 <a:latin typeface="Courier New" panose="02070309020205020404" pitchFamily="49" charset="0"/>
                 <a:cs typeface="Courier New" panose="02070309020205020404" pitchFamily="49" charset="0"/>
@@ -5958,19 +5971,9 @@
           </a:p>
           <a:p>
             <a:r>
-              <a:rPr lang="en-US" sz="700" dirty="0">
-                <a:solidFill>
-                  <a:srgbClr val="92D050"/>
-                </a:solidFill>
-                <a:latin typeface="Courier New" panose="02070309020205020404" pitchFamily="49" charset="0"/>
-                <a:cs typeface="Courier New" panose="02070309020205020404" pitchFamily="49" charset="0"/>
-              </a:rPr>
-              <a:t>    </a:t>
-            </a:r>
-            <a:r>
-              <a:rPr lang="en-US" sz="700" dirty="0" err="1">
-                <a:solidFill>
-                  <a:srgbClr val="92D050"/>
+              <a:rPr lang="en-US" sz="900" dirty="0" err="1" smtClean="0">
+                <a:solidFill>
+                  <a:srgbClr val="0070C0"/>
                 </a:solidFill>
                 <a:latin typeface="Courier New" panose="02070309020205020404" pitchFamily="49" charset="0"/>
                 <a:cs typeface="Courier New" panose="02070309020205020404" pitchFamily="49" charset="0"/>
@@ -5978,9 +5981,9 @@
               <a:t>fis.close</a:t>
             </a:r>
             <a:r>
-              <a:rPr lang="en-US" sz="700" dirty="0">
-                <a:solidFill>
-                  <a:srgbClr val="92D050"/>
+              <a:rPr lang="en-US" sz="900" dirty="0">
+                <a:solidFill>
+                  <a:srgbClr val="0070C0"/>
                 </a:solidFill>
                 <a:latin typeface="Courier New" panose="02070309020205020404" pitchFamily="49" charset="0"/>
                 <a:cs typeface="Courier New" panose="02070309020205020404" pitchFamily="49" charset="0"/>
@@ -5990,19 +5993,9 @@
           </a:p>
           <a:p>
             <a:r>
-              <a:rPr lang="en-US" sz="700" dirty="0">
-                <a:solidFill>
-                  <a:srgbClr val="92D050"/>
-                </a:solidFill>
-                <a:latin typeface="Courier New" panose="02070309020205020404" pitchFamily="49" charset="0"/>
-                <a:cs typeface="Courier New" panose="02070309020205020404" pitchFamily="49" charset="0"/>
-              </a:rPr>
-              <a:t>    </a:t>
-            </a:r>
-            <a:r>
-              <a:rPr lang="en-US" sz="700" dirty="0" err="1">
-                <a:solidFill>
-                  <a:srgbClr val="92D050"/>
+              <a:rPr lang="en-US" sz="900" dirty="0" err="1" smtClean="0">
+                <a:solidFill>
+                  <a:srgbClr val="0070C0"/>
                 </a:solidFill>
                 <a:latin typeface="Courier New" panose="02070309020205020404" pitchFamily="49" charset="0"/>
                 <a:cs typeface="Courier New" panose="02070309020205020404" pitchFamily="49" charset="0"/>
@@ -6010,9 +6003,9 @@
               <a:t>val</a:t>
             </a:r>
             <a:r>
-              <a:rPr lang="en-US" sz="700" dirty="0">
-                <a:solidFill>
-                  <a:srgbClr val="92D050"/>
+              <a:rPr lang="en-US" sz="900" dirty="0" smtClean="0">
+                <a:solidFill>
+                  <a:srgbClr val="0070C0"/>
                 </a:solidFill>
                 <a:latin typeface="Courier New" panose="02070309020205020404" pitchFamily="49" charset="0"/>
                 <a:cs typeface="Courier New" panose="02070309020205020404" pitchFamily="49" charset="0"/>
@@ -6020,9 +6013,9 @@
               <a:t> </a:t>
             </a:r>
             <a:r>
-              <a:rPr lang="en-US" sz="700" dirty="0" err="1">
-                <a:solidFill>
-                  <a:srgbClr val="92D050"/>
+              <a:rPr lang="en-US" sz="900" dirty="0" err="1">
+                <a:solidFill>
+                  <a:srgbClr val="0070C0"/>
                 </a:solidFill>
                 <a:latin typeface="Courier New" panose="02070309020205020404" pitchFamily="49" charset="0"/>
                 <a:cs typeface="Courier New" panose="02070309020205020404" pitchFamily="49" charset="0"/>
@@ -6030,9 +6023,9 @@
               <a:t>propertiesMap</a:t>
             </a:r>
             <a:r>
-              <a:rPr lang="en-US" sz="700" dirty="0">
-                <a:solidFill>
-                  <a:srgbClr val="92D050"/>
+              <a:rPr lang="en-US" sz="900" dirty="0">
+                <a:solidFill>
+                  <a:srgbClr val="0070C0"/>
                 </a:solidFill>
                 <a:latin typeface="Courier New" panose="02070309020205020404" pitchFamily="49" charset="0"/>
                 <a:cs typeface="Courier New" panose="02070309020205020404" pitchFamily="49" charset="0"/>
@@ -6040,16 +6033,25 @@
               <a:t> = </a:t>
             </a:r>
             <a:r>
-              <a:rPr lang="en-US" sz="700" dirty="0" err="1">
-                <a:solidFill>
-                  <a:srgbClr val="92D050"/>
+              <a:rPr lang="en-US" sz="900" dirty="0" err="1">
+                <a:solidFill>
+                  <a:srgbClr val="0070C0"/>
                 </a:solidFill>
                 <a:latin typeface="Courier New" panose="02070309020205020404" pitchFamily="49" charset="0"/>
                 <a:cs typeface="Courier New" panose="02070309020205020404" pitchFamily="49" charset="0"/>
               </a:rPr>
               <a:t>properties.asScala.toMap</a:t>
             </a:r>
-            <a:endParaRPr lang="en-US" sz="700" dirty="0">
+            <a:endParaRPr lang="en-US" sz="900" dirty="0">
+              <a:solidFill>
+                <a:srgbClr val="0070C0"/>
+              </a:solidFill>
+              <a:latin typeface="Courier New" panose="02070309020205020404" pitchFamily="49" charset="0"/>
+              <a:cs typeface="Courier New" panose="02070309020205020404" pitchFamily="49" charset="0"/>
+            </a:endParaRPr>
+          </a:p>
+          <a:p>
+            <a:endParaRPr lang="en-US" sz="900" dirty="0">
               <a:solidFill>
                 <a:srgbClr val="92D050"/>
               </a:solidFill>
@@ -6058,7 +6060,293 @@
             </a:endParaRPr>
           </a:p>
           <a:p>
-            <a:endParaRPr lang="en-US" sz="700" dirty="0">
+            <a:r>
+              <a:rPr lang="en-US" sz="900" dirty="0" err="1" smtClean="0">
+                <a:solidFill>
+                  <a:srgbClr val="92D050"/>
+                </a:solidFill>
+                <a:latin typeface="Courier New" panose="02070309020205020404" pitchFamily="49" charset="0"/>
+                <a:cs typeface="Courier New" panose="02070309020205020404" pitchFamily="49" charset="0"/>
+              </a:rPr>
+              <a:t>val</a:t>
+            </a:r>
+            <a:r>
+              <a:rPr lang="en-US" sz="900" dirty="0" smtClean="0">
+                <a:solidFill>
+                  <a:srgbClr val="92D050"/>
+                </a:solidFill>
+                <a:latin typeface="Courier New" panose="02070309020205020404" pitchFamily="49" charset="0"/>
+                <a:cs typeface="Courier New" panose="02070309020205020404" pitchFamily="49" charset="0"/>
+              </a:rPr>
+              <a:t> </a:t>
+            </a:r>
+            <a:r>
+              <a:rPr lang="en-US" sz="900" dirty="0" err="1">
+                <a:solidFill>
+                  <a:srgbClr val="92D050"/>
+                </a:solidFill>
+                <a:latin typeface="Courier New" panose="02070309020205020404" pitchFamily="49" charset="0"/>
+                <a:cs typeface="Courier New" panose="02070309020205020404" pitchFamily="49" charset="0"/>
+              </a:rPr>
+              <a:t>builderVariable</a:t>
+            </a:r>
+            <a:r>
+              <a:rPr lang="en-US" sz="900" dirty="0">
+                <a:solidFill>
+                  <a:srgbClr val="92D050"/>
+                </a:solidFill>
+                <a:latin typeface="Courier New" panose="02070309020205020404" pitchFamily="49" charset="0"/>
+                <a:cs typeface="Courier New" panose="02070309020205020404" pitchFamily="49" charset="0"/>
+              </a:rPr>
+              <a:t> = </a:t>
+            </a:r>
+            <a:r>
+              <a:rPr lang="en-US" sz="900" dirty="0" err="1">
+                <a:solidFill>
+                  <a:srgbClr val="92D050"/>
+                </a:solidFill>
+                <a:latin typeface="Courier New" panose="02070309020205020404" pitchFamily="49" charset="0"/>
+                <a:cs typeface="Courier New" panose="02070309020205020404" pitchFamily="49" charset="0"/>
+              </a:rPr>
+              <a:t>TermName</a:t>
+            </a:r>
+            <a:r>
+              <a:rPr lang="en-US" sz="900" dirty="0">
+                <a:solidFill>
+                  <a:srgbClr val="92D050"/>
+                </a:solidFill>
+                <a:latin typeface="Courier New" panose="02070309020205020404" pitchFamily="49" charset="0"/>
+                <a:cs typeface="Courier New" panose="02070309020205020404" pitchFamily="49" charset="0"/>
+              </a:rPr>
+              <a:t>("builder")</a:t>
+            </a:r>
+          </a:p>
+          <a:p>
+            <a:r>
+              <a:rPr lang="en-US" sz="900" dirty="0" err="1" smtClean="0">
+                <a:solidFill>
+                  <a:srgbClr val="92D050"/>
+                </a:solidFill>
+                <a:latin typeface="Courier New" panose="02070309020205020404" pitchFamily="49" charset="0"/>
+                <a:cs typeface="Courier New" panose="02070309020205020404" pitchFamily="49" charset="0"/>
+              </a:rPr>
+              <a:t>val</a:t>
+            </a:r>
+            <a:r>
+              <a:rPr lang="en-US" sz="900" dirty="0" smtClean="0">
+                <a:solidFill>
+                  <a:srgbClr val="92D050"/>
+                </a:solidFill>
+                <a:latin typeface="Courier New" panose="02070309020205020404" pitchFamily="49" charset="0"/>
+                <a:cs typeface="Courier New" panose="02070309020205020404" pitchFamily="49" charset="0"/>
+              </a:rPr>
+              <a:t> </a:t>
+            </a:r>
+            <a:r>
+              <a:rPr lang="en-US" sz="900" dirty="0" err="1">
+                <a:solidFill>
+                  <a:srgbClr val="92D050"/>
+                </a:solidFill>
+                <a:latin typeface="Courier New" panose="02070309020205020404" pitchFamily="49" charset="0"/>
+                <a:cs typeface="Courier New" panose="02070309020205020404" pitchFamily="49" charset="0"/>
+              </a:rPr>
+              <a:t>typeTag</a:t>
+            </a:r>
+            <a:r>
+              <a:rPr lang="en-US" sz="900" dirty="0">
+                <a:solidFill>
+                  <a:srgbClr val="92D050"/>
+                </a:solidFill>
+                <a:latin typeface="Courier New" panose="02070309020205020404" pitchFamily="49" charset="0"/>
+                <a:cs typeface="Courier New" panose="02070309020205020404" pitchFamily="49" charset="0"/>
+              </a:rPr>
+              <a:t> = </a:t>
+            </a:r>
+            <a:r>
+              <a:rPr lang="en-US" sz="900" dirty="0" err="1">
+                <a:solidFill>
+                  <a:srgbClr val="92D050"/>
+                </a:solidFill>
+                <a:latin typeface="Courier New" panose="02070309020205020404" pitchFamily="49" charset="0"/>
+                <a:cs typeface="Courier New" panose="02070309020205020404" pitchFamily="49" charset="0"/>
+              </a:rPr>
+              <a:t>typeOf</a:t>
+            </a:r>
+            <a:r>
+              <a:rPr lang="en-US" sz="900" dirty="0">
+                <a:solidFill>
+                  <a:srgbClr val="92D050"/>
+                </a:solidFill>
+                <a:latin typeface="Courier New" panose="02070309020205020404" pitchFamily="49" charset="0"/>
+                <a:cs typeface="Courier New" panose="02070309020205020404" pitchFamily="49" charset="0"/>
+              </a:rPr>
+              <a:t>[</a:t>
+            </a:r>
+            <a:r>
+              <a:rPr lang="en-US" sz="900" dirty="0" err="1">
+                <a:solidFill>
+                  <a:srgbClr val="92D050"/>
+                </a:solidFill>
+                <a:latin typeface="Courier New" panose="02070309020205020404" pitchFamily="49" charset="0"/>
+                <a:cs typeface="Courier New" panose="02070309020205020404" pitchFamily="49" charset="0"/>
+              </a:rPr>
+              <a:t>mutable.Builder</a:t>
+            </a:r>
+            <a:r>
+              <a:rPr lang="en-US" sz="900" dirty="0">
+                <a:solidFill>
+                  <a:srgbClr val="92D050"/>
+                </a:solidFill>
+                <a:latin typeface="Courier New" panose="02070309020205020404" pitchFamily="49" charset="0"/>
+                <a:cs typeface="Courier New" panose="02070309020205020404" pitchFamily="49" charset="0"/>
+              </a:rPr>
+              <a:t>[(String, String), Map[String, String]]]</a:t>
+            </a:r>
+          </a:p>
+          <a:p>
+            <a:r>
+              <a:rPr lang="en-US" sz="900" dirty="0" err="1" smtClean="0">
+                <a:solidFill>
+                  <a:srgbClr val="92D050"/>
+                </a:solidFill>
+                <a:latin typeface="Courier New" panose="02070309020205020404" pitchFamily="49" charset="0"/>
+                <a:cs typeface="Courier New" panose="02070309020205020404" pitchFamily="49" charset="0"/>
+              </a:rPr>
+              <a:t>val</a:t>
+            </a:r>
+            <a:r>
+              <a:rPr lang="en-US" sz="900" dirty="0" smtClean="0">
+                <a:solidFill>
+                  <a:srgbClr val="92D050"/>
+                </a:solidFill>
+                <a:latin typeface="Courier New" panose="02070309020205020404" pitchFamily="49" charset="0"/>
+                <a:cs typeface="Courier New" panose="02070309020205020404" pitchFamily="49" charset="0"/>
+              </a:rPr>
+              <a:t> </a:t>
+            </a:r>
+            <a:r>
+              <a:rPr lang="en-US" sz="900" dirty="0">
+                <a:solidFill>
+                  <a:srgbClr val="92D050"/>
+                </a:solidFill>
+                <a:latin typeface="Courier New" panose="02070309020205020404" pitchFamily="49" charset="0"/>
+                <a:cs typeface="Courier New" panose="02070309020205020404" pitchFamily="49" charset="0"/>
+              </a:rPr>
+              <a:t>define = </a:t>
+            </a:r>
+            <a:r>
+              <a:rPr lang="en-US" sz="900" dirty="0" err="1">
+                <a:solidFill>
+                  <a:srgbClr val="92D050"/>
+                </a:solidFill>
+                <a:latin typeface="Courier New" panose="02070309020205020404" pitchFamily="49" charset="0"/>
+                <a:cs typeface="Courier New" panose="02070309020205020404" pitchFamily="49" charset="0"/>
+              </a:rPr>
+              <a:t>ValDef</a:t>
+            </a:r>
+            <a:r>
+              <a:rPr lang="en-US" sz="900" dirty="0">
+                <a:solidFill>
+                  <a:srgbClr val="92D050"/>
+                </a:solidFill>
+                <a:latin typeface="Courier New" panose="02070309020205020404" pitchFamily="49" charset="0"/>
+                <a:cs typeface="Courier New" panose="02070309020205020404" pitchFamily="49" charset="0"/>
+              </a:rPr>
+              <a:t>(Modifiers(), </a:t>
+            </a:r>
+            <a:r>
+              <a:rPr lang="en-US" sz="900" dirty="0" err="1">
+                <a:solidFill>
+                  <a:srgbClr val="92D050"/>
+                </a:solidFill>
+                <a:latin typeface="Courier New" panose="02070309020205020404" pitchFamily="49" charset="0"/>
+                <a:cs typeface="Courier New" panose="02070309020205020404" pitchFamily="49" charset="0"/>
+              </a:rPr>
+              <a:t>builderVariable</a:t>
+            </a:r>
+            <a:r>
+              <a:rPr lang="en-US" sz="900" dirty="0">
+                <a:solidFill>
+                  <a:srgbClr val="92D050"/>
+                </a:solidFill>
+                <a:latin typeface="Courier New" panose="02070309020205020404" pitchFamily="49" charset="0"/>
+                <a:cs typeface="Courier New" panose="02070309020205020404" pitchFamily="49" charset="0"/>
+              </a:rPr>
+              <a:t>, </a:t>
+            </a:r>
+            <a:r>
+              <a:rPr lang="en-US" sz="900" dirty="0" err="1">
+                <a:solidFill>
+                  <a:srgbClr val="92D050"/>
+                </a:solidFill>
+                <a:latin typeface="Courier New" panose="02070309020205020404" pitchFamily="49" charset="0"/>
+                <a:cs typeface="Courier New" panose="02070309020205020404" pitchFamily="49" charset="0"/>
+              </a:rPr>
+              <a:t>TypeTree</a:t>
+            </a:r>
+            <a:r>
+              <a:rPr lang="en-US" sz="900" dirty="0">
+                <a:solidFill>
+                  <a:srgbClr val="92D050"/>
+                </a:solidFill>
+                <a:latin typeface="Courier New" panose="02070309020205020404" pitchFamily="49" charset="0"/>
+                <a:cs typeface="Courier New" panose="02070309020205020404" pitchFamily="49" charset="0"/>
+              </a:rPr>
+              <a:t>(</a:t>
+            </a:r>
+            <a:r>
+              <a:rPr lang="en-US" sz="900" dirty="0" err="1">
+                <a:solidFill>
+                  <a:srgbClr val="92D050"/>
+                </a:solidFill>
+                <a:latin typeface="Courier New" panose="02070309020205020404" pitchFamily="49" charset="0"/>
+                <a:cs typeface="Courier New" panose="02070309020205020404" pitchFamily="49" charset="0"/>
+              </a:rPr>
+              <a:t>typeTag</a:t>
+            </a:r>
+            <a:r>
+              <a:rPr lang="en-US" sz="900" dirty="0">
+                <a:solidFill>
+                  <a:srgbClr val="92D050"/>
+                </a:solidFill>
+                <a:latin typeface="Courier New" panose="02070309020205020404" pitchFamily="49" charset="0"/>
+                <a:cs typeface="Courier New" panose="02070309020205020404" pitchFamily="49" charset="0"/>
+              </a:rPr>
+              <a:t>), reify(</a:t>
+            </a:r>
+            <a:r>
+              <a:rPr lang="en-US" sz="900" dirty="0" err="1">
+                <a:solidFill>
+                  <a:srgbClr val="92D050"/>
+                </a:solidFill>
+                <a:latin typeface="Courier New" panose="02070309020205020404" pitchFamily="49" charset="0"/>
+                <a:cs typeface="Courier New" panose="02070309020205020404" pitchFamily="49" charset="0"/>
+              </a:rPr>
+              <a:t>Map.newBuilder</a:t>
+            </a:r>
+            <a:r>
+              <a:rPr lang="en-US" sz="900" dirty="0">
+                <a:solidFill>
+                  <a:srgbClr val="92D050"/>
+                </a:solidFill>
+                <a:latin typeface="Courier New" panose="02070309020205020404" pitchFamily="49" charset="0"/>
+                <a:cs typeface="Courier New" panose="02070309020205020404" pitchFamily="49" charset="0"/>
+              </a:rPr>
+              <a:t>[String, String]).tree</a:t>
+            </a:r>
+            <a:r>
+              <a:rPr lang="en-US" sz="900" dirty="0" smtClean="0">
+                <a:solidFill>
+                  <a:srgbClr val="92D050"/>
+                </a:solidFill>
+                <a:latin typeface="Courier New" panose="02070309020205020404" pitchFamily="49" charset="0"/>
+                <a:cs typeface="Courier New" panose="02070309020205020404" pitchFamily="49" charset="0"/>
+              </a:rPr>
+              <a:t>)</a:t>
+            </a:r>
+          </a:p>
+          <a:p>
+            <a:endParaRPr lang="en-US" sz="900" dirty="0">
               <a:solidFill>
                 <a:srgbClr val="92D050"/>
               </a:solidFill>
@@ -6068,37 +6356,59 @@
           </a:p>
           <a:p>
             <a:r>
-              <a:rPr lang="en-US" sz="700" dirty="0">
-                <a:solidFill>
-                  <a:srgbClr val="92D050"/>
-                </a:solidFill>
-                <a:latin typeface="Courier New" panose="02070309020205020404" pitchFamily="49" charset="0"/>
-                <a:cs typeface="Courier New" panose="02070309020205020404" pitchFamily="49" charset="0"/>
-              </a:rPr>
-              <a:t>    // 3.1. define the value called builder for the </a:t>
-            </a:r>
-            <a:r>
-              <a:rPr lang="en-US" sz="700" dirty="0" err="1">
-                <a:solidFill>
-                  <a:srgbClr val="92D050"/>
-                </a:solidFill>
-                <a:latin typeface="Courier New" panose="02070309020205020404" pitchFamily="49" charset="0"/>
-                <a:cs typeface="Courier New" panose="02070309020205020404" pitchFamily="49" charset="0"/>
-              </a:rPr>
-              <a:t>mapBuilder</a:t>
-            </a:r>
-            <a:r>
-              <a:rPr lang="en-US" sz="700" dirty="0">
-                <a:solidFill>
-                  <a:srgbClr val="92D050"/>
-                </a:solidFill>
-                <a:latin typeface="Courier New" panose="02070309020205020404" pitchFamily="49" charset="0"/>
-                <a:cs typeface="Courier New" panose="02070309020205020404" pitchFamily="49" charset="0"/>
-              </a:rPr>
-              <a:t>, i.e. </a:t>
-            </a:r>
-            <a:r>
-              <a:rPr lang="en-US" sz="700" dirty="0" err="1">
+              <a:rPr lang="en-US" sz="900" dirty="0" err="1" smtClean="0">
+                <a:solidFill>
+                  <a:srgbClr val="92D050"/>
+                </a:solidFill>
+                <a:latin typeface="Courier New" panose="02070309020205020404" pitchFamily="49" charset="0"/>
+                <a:cs typeface="Courier New" panose="02070309020205020404" pitchFamily="49" charset="0"/>
+              </a:rPr>
+              <a:t>def</a:t>
+            </a:r>
+            <a:r>
+              <a:rPr lang="en-US" sz="900" dirty="0" smtClean="0">
+                <a:solidFill>
+                  <a:srgbClr val="92D050"/>
+                </a:solidFill>
+                <a:latin typeface="Courier New" panose="02070309020205020404" pitchFamily="49" charset="0"/>
+                <a:cs typeface="Courier New" panose="02070309020205020404" pitchFamily="49" charset="0"/>
+              </a:rPr>
+              <a:t> </a:t>
+            </a:r>
+            <a:r>
+              <a:rPr lang="en-US" sz="900" dirty="0">
+                <a:solidFill>
+                  <a:srgbClr val="92D050"/>
+                </a:solidFill>
+                <a:latin typeface="Courier New" panose="02070309020205020404" pitchFamily="49" charset="0"/>
+                <a:cs typeface="Courier New" panose="02070309020205020404" pitchFamily="49" charset="0"/>
+              </a:rPr>
+              <a:t>constant(s: String) = </a:t>
+            </a:r>
+            <a:r>
+              <a:rPr lang="en-US" sz="900" dirty="0" err="1">
+                <a:solidFill>
+                  <a:srgbClr val="92D050"/>
+                </a:solidFill>
+                <a:latin typeface="Courier New" panose="02070309020205020404" pitchFamily="49" charset="0"/>
+                <a:cs typeface="Courier New" panose="02070309020205020404" pitchFamily="49" charset="0"/>
+              </a:rPr>
+              <a:t>c.Expr</a:t>
+            </a:r>
+            <a:r>
+              <a:rPr lang="en-US" sz="900" dirty="0">
+                <a:solidFill>
+                  <a:srgbClr val="92D050"/>
+                </a:solidFill>
+                <a:latin typeface="Courier New" panose="02070309020205020404" pitchFamily="49" charset="0"/>
+                <a:cs typeface="Courier New" panose="02070309020205020404" pitchFamily="49" charset="0"/>
+              </a:rPr>
+              <a:t>[String](Literal(Constant(s)))</a:t>
+            </a:r>
+          </a:p>
+          <a:p>
+            <a:r>
+              <a:rPr lang="en-US" sz="900" dirty="0" err="1" smtClean="0">
                 <a:solidFill>
                   <a:srgbClr val="92D050"/>
                 </a:solidFill>
@@ -6108,59 +6418,7 @@
               <a:t>val</a:t>
             </a:r>
             <a:r>
-              <a:rPr lang="en-US" sz="700" dirty="0">
-                <a:solidFill>
-                  <a:srgbClr val="92D050"/>
-                </a:solidFill>
-                <a:latin typeface="Courier New" panose="02070309020205020404" pitchFamily="49" charset="0"/>
-                <a:cs typeface="Courier New" panose="02070309020205020404" pitchFamily="49" charset="0"/>
-              </a:rPr>
-              <a:t> builder = </a:t>
-            </a:r>
-            <a:r>
-              <a:rPr lang="en-US" sz="700" dirty="0" err="1">
-                <a:solidFill>
-                  <a:srgbClr val="92D050"/>
-                </a:solidFill>
-                <a:latin typeface="Courier New" panose="02070309020205020404" pitchFamily="49" charset="0"/>
-                <a:cs typeface="Courier New" panose="02070309020205020404" pitchFamily="49" charset="0"/>
-              </a:rPr>
-              <a:t>Map.newBuilder</a:t>
-            </a:r>
-            <a:r>
-              <a:rPr lang="en-US" sz="700" dirty="0">
-                <a:solidFill>
-                  <a:srgbClr val="92D050"/>
-                </a:solidFill>
-                <a:latin typeface="Courier New" panose="02070309020205020404" pitchFamily="49" charset="0"/>
-                <a:cs typeface="Courier New" panose="02070309020205020404" pitchFamily="49" charset="0"/>
-              </a:rPr>
-              <a:t>[String, String]</a:t>
-            </a:r>
-          </a:p>
-          <a:p>
-            <a:r>
-              <a:rPr lang="en-US" sz="700" dirty="0">
-                <a:solidFill>
-                  <a:srgbClr val="92D050"/>
-                </a:solidFill>
-                <a:latin typeface="Courier New" panose="02070309020205020404" pitchFamily="49" charset="0"/>
-                <a:cs typeface="Courier New" panose="02070309020205020404" pitchFamily="49" charset="0"/>
-              </a:rPr>
-              <a:t>    </a:t>
-            </a:r>
-            <a:r>
-              <a:rPr lang="en-US" sz="700" dirty="0" err="1">
-                <a:solidFill>
-                  <a:srgbClr val="92D050"/>
-                </a:solidFill>
-                <a:latin typeface="Courier New" panose="02070309020205020404" pitchFamily="49" charset="0"/>
-                <a:cs typeface="Courier New" panose="02070309020205020404" pitchFamily="49" charset="0"/>
-              </a:rPr>
-              <a:t>val</a:t>
-            </a:r>
-            <a:r>
-              <a:rPr lang="en-US" sz="700" dirty="0">
+              <a:rPr lang="en-US" sz="900" dirty="0" smtClean="0">
                 <a:solidFill>
                   <a:srgbClr val="92D050"/>
                 </a:solidFill>
@@ -6170,272 +6428,92 @@
               <a:t> </a:t>
             </a:r>
             <a:r>
-              <a:rPr lang="en-US" sz="700" dirty="0" err="1">
-                <a:solidFill>
-                  <a:srgbClr val="92D050"/>
-                </a:solidFill>
-                <a:latin typeface="Courier New" panose="02070309020205020404" pitchFamily="49" charset="0"/>
-                <a:cs typeface="Courier New" panose="02070309020205020404" pitchFamily="49" charset="0"/>
-              </a:rPr>
-              <a:t>builderVariable</a:t>
-            </a:r>
-            <a:r>
-              <a:rPr lang="en-US" sz="700" dirty="0">
-                <a:solidFill>
-                  <a:srgbClr val="92D050"/>
-                </a:solidFill>
-                <a:latin typeface="Courier New" panose="02070309020205020404" pitchFamily="49" charset="0"/>
-                <a:cs typeface="Courier New" panose="02070309020205020404" pitchFamily="49" charset="0"/>
-              </a:rPr>
-              <a:t> = </a:t>
-            </a:r>
-            <a:r>
-              <a:rPr lang="en-US" sz="700" dirty="0" err="1">
-                <a:solidFill>
-                  <a:srgbClr val="92D050"/>
-                </a:solidFill>
-                <a:latin typeface="Courier New" panose="02070309020205020404" pitchFamily="49" charset="0"/>
-                <a:cs typeface="Courier New" panose="02070309020205020404" pitchFamily="49" charset="0"/>
-              </a:rPr>
-              <a:t>TermName</a:t>
-            </a:r>
-            <a:r>
-              <a:rPr lang="en-US" sz="700" dirty="0">
-                <a:solidFill>
-                  <a:srgbClr val="92D050"/>
-                </a:solidFill>
-                <a:latin typeface="Courier New" panose="02070309020205020404" pitchFamily="49" charset="0"/>
-                <a:cs typeface="Courier New" panose="02070309020205020404" pitchFamily="49" charset="0"/>
-              </a:rPr>
-              <a:t>("builder")</a:t>
-            </a:r>
-          </a:p>
-          <a:p>
-            <a:r>
-              <a:rPr lang="en-US" sz="700" dirty="0">
-                <a:solidFill>
-                  <a:srgbClr val="92D050"/>
-                </a:solidFill>
-                <a:latin typeface="Courier New" panose="02070309020205020404" pitchFamily="49" charset="0"/>
-                <a:cs typeface="Courier New" panose="02070309020205020404" pitchFamily="49" charset="0"/>
-              </a:rPr>
-              <a:t>    </a:t>
-            </a:r>
-            <a:r>
-              <a:rPr lang="en-US" sz="700" dirty="0" err="1">
-                <a:solidFill>
-                  <a:srgbClr val="92D050"/>
-                </a:solidFill>
-                <a:latin typeface="Courier New" panose="02070309020205020404" pitchFamily="49" charset="0"/>
-                <a:cs typeface="Courier New" panose="02070309020205020404" pitchFamily="49" charset="0"/>
-              </a:rPr>
-              <a:t>val</a:t>
-            </a:r>
-            <a:r>
-              <a:rPr lang="en-US" sz="700" dirty="0">
-                <a:solidFill>
-                  <a:srgbClr val="92D050"/>
-                </a:solidFill>
-                <a:latin typeface="Courier New" panose="02070309020205020404" pitchFamily="49" charset="0"/>
-                <a:cs typeface="Courier New" panose="02070309020205020404" pitchFamily="49" charset="0"/>
-              </a:rPr>
-              <a:t> </a:t>
-            </a:r>
-            <a:r>
-              <a:rPr lang="en-US" sz="700" dirty="0" err="1">
-                <a:solidFill>
-                  <a:srgbClr val="92D050"/>
-                </a:solidFill>
-                <a:latin typeface="Courier New" panose="02070309020205020404" pitchFamily="49" charset="0"/>
-                <a:cs typeface="Courier New" panose="02070309020205020404" pitchFamily="49" charset="0"/>
-              </a:rPr>
-              <a:t>typeTag</a:t>
-            </a:r>
-            <a:r>
-              <a:rPr lang="en-US" sz="700" dirty="0">
-                <a:solidFill>
-                  <a:srgbClr val="92D050"/>
-                </a:solidFill>
-                <a:latin typeface="Courier New" panose="02070309020205020404" pitchFamily="49" charset="0"/>
-                <a:cs typeface="Courier New" panose="02070309020205020404" pitchFamily="49" charset="0"/>
-              </a:rPr>
-              <a:t> = </a:t>
-            </a:r>
-            <a:r>
-              <a:rPr lang="en-US" sz="700" dirty="0" err="1">
-                <a:solidFill>
-                  <a:srgbClr val="92D050"/>
-                </a:solidFill>
-                <a:latin typeface="Courier New" panose="02070309020205020404" pitchFamily="49" charset="0"/>
-                <a:cs typeface="Courier New" panose="02070309020205020404" pitchFamily="49" charset="0"/>
-              </a:rPr>
-              <a:t>typeOf</a:t>
-            </a:r>
-            <a:r>
-              <a:rPr lang="en-US" sz="700" dirty="0">
-                <a:solidFill>
-                  <a:srgbClr val="92D050"/>
-                </a:solidFill>
-                <a:latin typeface="Courier New" panose="02070309020205020404" pitchFamily="49" charset="0"/>
-                <a:cs typeface="Courier New" panose="02070309020205020404" pitchFamily="49" charset="0"/>
-              </a:rPr>
-              <a:t>[</a:t>
-            </a:r>
-            <a:r>
-              <a:rPr lang="en-US" sz="700" dirty="0" err="1">
-                <a:solidFill>
-                  <a:srgbClr val="92D050"/>
-                </a:solidFill>
-                <a:latin typeface="Courier New" panose="02070309020205020404" pitchFamily="49" charset="0"/>
-                <a:cs typeface="Courier New" panose="02070309020205020404" pitchFamily="49" charset="0"/>
-              </a:rPr>
-              <a:t>mutable.Builder</a:t>
-            </a:r>
-            <a:r>
-              <a:rPr lang="en-US" sz="700" dirty="0">
-                <a:solidFill>
-                  <a:srgbClr val="92D050"/>
-                </a:solidFill>
-                <a:latin typeface="Courier New" panose="02070309020205020404" pitchFamily="49" charset="0"/>
-                <a:cs typeface="Courier New" panose="02070309020205020404" pitchFamily="49" charset="0"/>
-              </a:rPr>
-              <a:t>[(String, String), Map[String, String]]]</a:t>
-            </a:r>
-          </a:p>
-          <a:p>
-            <a:r>
-              <a:rPr lang="en-US" sz="700" dirty="0">
-                <a:solidFill>
-                  <a:srgbClr val="92D050"/>
-                </a:solidFill>
-                <a:latin typeface="Courier New" panose="02070309020205020404" pitchFamily="49" charset="0"/>
-                <a:cs typeface="Courier New" panose="02070309020205020404" pitchFamily="49" charset="0"/>
-              </a:rPr>
-              <a:t>    </a:t>
-            </a:r>
-            <a:r>
-              <a:rPr lang="en-US" sz="700" dirty="0" err="1">
-                <a:solidFill>
-                  <a:srgbClr val="92D050"/>
-                </a:solidFill>
-                <a:latin typeface="Courier New" panose="02070309020205020404" pitchFamily="49" charset="0"/>
-                <a:cs typeface="Courier New" panose="02070309020205020404" pitchFamily="49" charset="0"/>
-              </a:rPr>
-              <a:t>val</a:t>
-            </a:r>
-            <a:r>
-              <a:rPr lang="en-US" sz="700" dirty="0">
-                <a:solidFill>
-                  <a:srgbClr val="92D050"/>
-                </a:solidFill>
-                <a:latin typeface="Courier New" panose="02070309020205020404" pitchFamily="49" charset="0"/>
-                <a:cs typeface="Courier New" panose="02070309020205020404" pitchFamily="49" charset="0"/>
-              </a:rPr>
-              <a:t> define = </a:t>
-            </a:r>
-            <a:r>
-              <a:rPr lang="en-US" sz="700" dirty="0" err="1">
-                <a:solidFill>
-                  <a:srgbClr val="92D050"/>
-                </a:solidFill>
-                <a:latin typeface="Courier New" panose="02070309020205020404" pitchFamily="49" charset="0"/>
-                <a:cs typeface="Courier New" panose="02070309020205020404" pitchFamily="49" charset="0"/>
-              </a:rPr>
-              <a:t>ValDef</a:t>
-            </a:r>
-            <a:r>
-              <a:rPr lang="en-US" sz="700" dirty="0">
-                <a:solidFill>
-                  <a:srgbClr val="92D050"/>
-                </a:solidFill>
-                <a:latin typeface="Courier New" panose="02070309020205020404" pitchFamily="49" charset="0"/>
-                <a:cs typeface="Courier New" panose="02070309020205020404" pitchFamily="49" charset="0"/>
-              </a:rPr>
-              <a:t>(Modifiers(), </a:t>
-            </a:r>
-            <a:r>
-              <a:rPr lang="en-US" sz="700" dirty="0" err="1">
-                <a:solidFill>
-                  <a:srgbClr val="92D050"/>
-                </a:solidFill>
-                <a:latin typeface="Courier New" panose="02070309020205020404" pitchFamily="49" charset="0"/>
-                <a:cs typeface="Courier New" panose="02070309020205020404" pitchFamily="49" charset="0"/>
-              </a:rPr>
-              <a:t>builderVariable</a:t>
-            </a:r>
-            <a:r>
-              <a:rPr lang="en-US" sz="700" dirty="0">
-                <a:solidFill>
-                  <a:srgbClr val="92D050"/>
-                </a:solidFill>
-                <a:latin typeface="Courier New" panose="02070309020205020404" pitchFamily="49" charset="0"/>
-                <a:cs typeface="Courier New" panose="02070309020205020404" pitchFamily="49" charset="0"/>
-              </a:rPr>
-              <a:t>, </a:t>
-            </a:r>
-            <a:r>
-              <a:rPr lang="en-US" sz="700" dirty="0" err="1">
-                <a:solidFill>
-                  <a:srgbClr val="92D050"/>
-                </a:solidFill>
-                <a:latin typeface="Courier New" panose="02070309020205020404" pitchFamily="49" charset="0"/>
-                <a:cs typeface="Courier New" panose="02070309020205020404" pitchFamily="49" charset="0"/>
-              </a:rPr>
-              <a:t>TypeTree</a:t>
-            </a:r>
-            <a:r>
-              <a:rPr lang="en-US" sz="700" dirty="0">
-                <a:solidFill>
-                  <a:srgbClr val="92D050"/>
-                </a:solidFill>
-                <a:latin typeface="Courier New" panose="02070309020205020404" pitchFamily="49" charset="0"/>
-                <a:cs typeface="Courier New" panose="02070309020205020404" pitchFamily="49" charset="0"/>
-              </a:rPr>
-              <a:t>(</a:t>
-            </a:r>
-            <a:r>
-              <a:rPr lang="en-US" sz="700" dirty="0" err="1">
-                <a:solidFill>
-                  <a:srgbClr val="92D050"/>
-                </a:solidFill>
-                <a:latin typeface="Courier New" panose="02070309020205020404" pitchFamily="49" charset="0"/>
-                <a:cs typeface="Courier New" panose="02070309020205020404" pitchFamily="49" charset="0"/>
-              </a:rPr>
-              <a:t>typeTag</a:t>
-            </a:r>
-            <a:r>
-              <a:rPr lang="en-US" sz="700" dirty="0">
-                <a:solidFill>
-                  <a:srgbClr val="92D050"/>
-                </a:solidFill>
-                <a:latin typeface="Courier New" panose="02070309020205020404" pitchFamily="49" charset="0"/>
-                <a:cs typeface="Courier New" panose="02070309020205020404" pitchFamily="49" charset="0"/>
-              </a:rPr>
-              <a:t>), reify(</a:t>
-            </a:r>
-            <a:r>
-              <a:rPr lang="en-US" sz="700" dirty="0" err="1">
-                <a:solidFill>
-                  <a:srgbClr val="92D050"/>
-                </a:solidFill>
-                <a:latin typeface="Courier New" panose="02070309020205020404" pitchFamily="49" charset="0"/>
-                <a:cs typeface="Courier New" panose="02070309020205020404" pitchFamily="49" charset="0"/>
-              </a:rPr>
-              <a:t>Map.newBuilder</a:t>
-            </a:r>
-            <a:r>
-              <a:rPr lang="en-US" sz="700" dirty="0">
-                <a:solidFill>
-                  <a:srgbClr val="92D050"/>
-                </a:solidFill>
-                <a:latin typeface="Courier New" panose="02070309020205020404" pitchFamily="49" charset="0"/>
-                <a:cs typeface="Courier New" panose="02070309020205020404" pitchFamily="49" charset="0"/>
-              </a:rPr>
-              <a:t>[String, String]).tree)</a:t>
-            </a:r>
-          </a:p>
-          <a:p>
-            <a:endParaRPr lang="en-US" sz="700" dirty="0">
+              <a:rPr lang="en-US" sz="900" dirty="0">
+                <a:solidFill>
+                  <a:srgbClr val="92D050"/>
+                </a:solidFill>
+                <a:latin typeface="Courier New" panose="02070309020205020404" pitchFamily="49" charset="0"/>
+                <a:cs typeface="Courier New" panose="02070309020205020404" pitchFamily="49" charset="0"/>
+              </a:rPr>
+              <a:t>pairs = </a:t>
+            </a:r>
+            <a:r>
+              <a:rPr lang="en-US" sz="900" dirty="0" err="1">
+                <a:solidFill>
+                  <a:srgbClr val="92D050"/>
+                </a:solidFill>
+                <a:latin typeface="Courier New" panose="02070309020205020404" pitchFamily="49" charset="0"/>
+                <a:cs typeface="Courier New" panose="02070309020205020404" pitchFamily="49" charset="0"/>
+              </a:rPr>
+              <a:t>propertiesMap.map</a:t>
+            </a:r>
+            <a:r>
+              <a:rPr lang="en-US" sz="900" dirty="0">
+                <a:solidFill>
+                  <a:srgbClr val="92D050"/>
+                </a:solidFill>
+                <a:latin typeface="Courier New" panose="02070309020205020404" pitchFamily="49" charset="0"/>
+                <a:cs typeface="Courier New" panose="02070309020205020404" pitchFamily="49" charset="0"/>
+              </a:rPr>
+              <a:t> {</a:t>
+            </a:r>
+          </a:p>
+          <a:p>
+            <a:r>
+              <a:rPr lang="en-US" sz="900" dirty="0" smtClean="0">
+                <a:solidFill>
+                  <a:srgbClr val="92D050"/>
+                </a:solidFill>
+                <a:latin typeface="Courier New" panose="02070309020205020404" pitchFamily="49" charset="0"/>
+                <a:cs typeface="Courier New" panose="02070309020205020404" pitchFamily="49" charset="0"/>
+              </a:rPr>
+              <a:t> case </a:t>
+            </a:r>
+            <a:r>
+              <a:rPr lang="en-US" sz="900" dirty="0">
+                <a:solidFill>
+                  <a:srgbClr val="92D050"/>
+                </a:solidFill>
+                <a:latin typeface="Courier New" panose="02070309020205020404" pitchFamily="49" charset="0"/>
+                <a:cs typeface="Courier New" panose="02070309020205020404" pitchFamily="49" charset="0"/>
+              </a:rPr>
+              <a:t>(key, value) =&gt;</a:t>
+            </a:r>
+          </a:p>
+          <a:p>
+            <a:r>
+              <a:rPr lang="en-US" sz="900" dirty="0" smtClean="0">
+                <a:solidFill>
+                  <a:srgbClr val="92D050"/>
+                </a:solidFill>
+                <a:latin typeface="Courier New" panose="02070309020205020404" pitchFamily="49" charset="0"/>
+                <a:cs typeface="Courier New" panose="02070309020205020404" pitchFamily="49" charset="0"/>
+              </a:rPr>
+              <a:t>  reify</a:t>
+            </a:r>
+            <a:r>
+              <a:rPr lang="en-US" sz="900" dirty="0">
+                <a:solidFill>
+                  <a:srgbClr val="92D050"/>
+                </a:solidFill>
+                <a:latin typeface="Courier New" panose="02070309020205020404" pitchFamily="49" charset="0"/>
+                <a:cs typeface="Courier New" panose="02070309020205020404" pitchFamily="49" charset="0"/>
+              </a:rPr>
+              <a:t>((constant(key).splice, constant(value).splice)).tree</a:t>
+            </a:r>
+          </a:p>
+          <a:p>
+            <a:r>
+              <a:rPr lang="en-US" sz="900" dirty="0" smtClean="0">
+                <a:solidFill>
+                  <a:srgbClr val="92D050"/>
+                </a:solidFill>
+                <a:latin typeface="Courier New" panose="02070309020205020404" pitchFamily="49" charset="0"/>
+                <a:cs typeface="Courier New" panose="02070309020205020404" pitchFamily="49" charset="0"/>
+              </a:rPr>
+              <a:t>}</a:t>
+            </a:r>
+            <a:endParaRPr lang="en-US" sz="900" dirty="0">
               <a:solidFill>
                 <a:srgbClr val="92D050"/>
               </a:solidFill>
@@ -6445,17 +6523,131 @@
           </a:p>
           <a:p>
             <a:r>
-              <a:rPr lang="en-US" sz="700" dirty="0">
-                <a:solidFill>
-                  <a:srgbClr val="92D050"/>
-                </a:solidFill>
-                <a:latin typeface="Courier New" panose="02070309020205020404" pitchFamily="49" charset="0"/>
-                <a:cs typeface="Courier New" panose="02070309020205020404" pitchFamily="49" charset="0"/>
-              </a:rPr>
-              <a:t>    // 3.2. add all the values with += a.k.a. $</a:t>
-            </a:r>
-            <a:r>
-              <a:rPr lang="en-US" sz="700" dirty="0" err="1">
+              <a:rPr lang="en-US" sz="900" dirty="0" err="1" smtClean="0">
+                <a:solidFill>
+                  <a:srgbClr val="92D050"/>
+                </a:solidFill>
+                <a:latin typeface="Courier New" panose="02070309020205020404" pitchFamily="49" charset="0"/>
+                <a:cs typeface="Courier New" panose="02070309020205020404" pitchFamily="49" charset="0"/>
+              </a:rPr>
+              <a:t>val</a:t>
+            </a:r>
+            <a:r>
+              <a:rPr lang="en-US" sz="900" dirty="0" smtClean="0">
+                <a:solidFill>
+                  <a:srgbClr val="92D050"/>
+                </a:solidFill>
+                <a:latin typeface="Courier New" panose="02070309020205020404" pitchFamily="49" charset="0"/>
+                <a:cs typeface="Courier New" panose="02070309020205020404" pitchFamily="49" charset="0"/>
+              </a:rPr>
+              <a:t> </a:t>
+            </a:r>
+            <a:r>
+              <a:rPr lang="en-US" sz="900" dirty="0">
+                <a:solidFill>
+                  <a:srgbClr val="92D050"/>
+                </a:solidFill>
+                <a:latin typeface="Courier New" panose="02070309020205020404" pitchFamily="49" charset="0"/>
+                <a:cs typeface="Courier New" panose="02070309020205020404" pitchFamily="49" charset="0"/>
+              </a:rPr>
+              <a:t>adds = </a:t>
+            </a:r>
+            <a:r>
+              <a:rPr lang="en-US" sz="900" dirty="0" err="1">
+                <a:solidFill>
+                  <a:srgbClr val="92D050"/>
+                </a:solidFill>
+                <a:latin typeface="Courier New" panose="02070309020205020404" pitchFamily="49" charset="0"/>
+                <a:cs typeface="Courier New" panose="02070309020205020404" pitchFamily="49" charset="0"/>
+              </a:rPr>
+              <a:t>pairs.map</a:t>
+            </a:r>
+            <a:r>
+              <a:rPr lang="en-US" sz="900" dirty="0">
+                <a:solidFill>
+                  <a:srgbClr val="92D050"/>
+                </a:solidFill>
+                <a:latin typeface="Courier New" panose="02070309020205020404" pitchFamily="49" charset="0"/>
+                <a:cs typeface="Courier New" panose="02070309020205020404" pitchFamily="49" charset="0"/>
+              </a:rPr>
+              <a:t> {</a:t>
+            </a:r>
+          </a:p>
+          <a:p>
+            <a:r>
+              <a:rPr lang="en-US" sz="900" dirty="0" smtClean="0">
+                <a:solidFill>
+                  <a:srgbClr val="92D050"/>
+                </a:solidFill>
+                <a:latin typeface="Courier New" panose="02070309020205020404" pitchFamily="49" charset="0"/>
+                <a:cs typeface="Courier New" panose="02070309020205020404" pitchFamily="49" charset="0"/>
+              </a:rPr>
+              <a:t> tree </a:t>
+            </a:r>
+            <a:r>
+              <a:rPr lang="en-US" sz="900" dirty="0">
+                <a:solidFill>
+                  <a:srgbClr val="92D050"/>
+                </a:solidFill>
+                <a:latin typeface="Courier New" panose="02070309020205020404" pitchFamily="49" charset="0"/>
+                <a:cs typeface="Courier New" panose="02070309020205020404" pitchFamily="49" charset="0"/>
+              </a:rPr>
+              <a:t>=&gt;</a:t>
+            </a:r>
+          </a:p>
+          <a:p>
+            <a:r>
+              <a:rPr lang="en-US" sz="900" dirty="0" smtClean="0">
+                <a:solidFill>
+                  <a:srgbClr val="92D050"/>
+                </a:solidFill>
+                <a:latin typeface="Courier New" panose="02070309020205020404" pitchFamily="49" charset="0"/>
+                <a:cs typeface="Courier New" panose="02070309020205020404" pitchFamily="49" charset="0"/>
+              </a:rPr>
+              <a:t>  Apply(Select(Ident(</a:t>
+            </a:r>
+            <a:r>
+              <a:rPr lang="en-US" sz="900" dirty="0" err="1" smtClean="0">
+                <a:solidFill>
+                  <a:srgbClr val="92D050"/>
+                </a:solidFill>
+                <a:latin typeface="Courier New" panose="02070309020205020404" pitchFamily="49" charset="0"/>
+                <a:cs typeface="Courier New" panose="02070309020205020404" pitchFamily="49" charset="0"/>
+              </a:rPr>
+              <a:t>builderVariable</a:t>
+            </a:r>
+            <a:r>
+              <a:rPr lang="en-US" sz="900" dirty="0">
+                <a:solidFill>
+                  <a:srgbClr val="92D050"/>
+                </a:solidFill>
+                <a:latin typeface="Courier New" panose="02070309020205020404" pitchFamily="49" charset="0"/>
+                <a:cs typeface="Courier New" panose="02070309020205020404" pitchFamily="49" charset="0"/>
+              </a:rPr>
+              <a:t>), </a:t>
+            </a:r>
+            <a:r>
+              <a:rPr lang="en-US" sz="900" dirty="0" err="1">
+                <a:solidFill>
+                  <a:srgbClr val="92D050"/>
+                </a:solidFill>
+                <a:latin typeface="Courier New" panose="02070309020205020404" pitchFamily="49" charset="0"/>
+                <a:cs typeface="Courier New" panose="02070309020205020404" pitchFamily="49" charset="0"/>
+              </a:rPr>
+              <a:t>TermName</a:t>
+            </a:r>
+            <a:r>
+              <a:rPr lang="en-US" sz="900" dirty="0">
+                <a:solidFill>
+                  <a:srgbClr val="92D050"/>
+                </a:solidFill>
+                <a:latin typeface="Courier New" panose="02070309020205020404" pitchFamily="49" charset="0"/>
+                <a:cs typeface="Courier New" panose="02070309020205020404" pitchFamily="49" charset="0"/>
+              </a:rPr>
+              <a:t>("$</a:t>
+            </a:r>
+            <a:r>
+              <a:rPr lang="en-US" sz="900" dirty="0" err="1">
                 <a:solidFill>
                   <a:srgbClr val="92D050"/>
                 </a:solidFill>
@@ -6464,7 +6656,39 @@
               </a:rPr>
               <a:t>plus$eq</a:t>
             </a:r>
-            <a:endParaRPr lang="en-US" sz="700" dirty="0">
+            <a:r>
+              <a:rPr lang="en-US" sz="900" dirty="0">
+                <a:solidFill>
+                  <a:srgbClr val="92D050"/>
+                </a:solidFill>
+                <a:latin typeface="Courier New" panose="02070309020205020404" pitchFamily="49" charset="0"/>
+                <a:cs typeface="Courier New" panose="02070309020205020404" pitchFamily="49" charset="0"/>
+              </a:rPr>
+              <a:t>")), List(tree))</a:t>
+            </a:r>
+          </a:p>
+          <a:p>
+            <a:r>
+              <a:rPr lang="en-US" sz="900" dirty="0" smtClean="0">
+                <a:solidFill>
+                  <a:srgbClr val="92D050"/>
+                </a:solidFill>
+                <a:latin typeface="Courier New" panose="02070309020205020404" pitchFamily="49" charset="0"/>
+                <a:cs typeface="Courier New" panose="02070309020205020404" pitchFamily="49" charset="0"/>
+              </a:rPr>
+              <a:t>}.</a:t>
+            </a:r>
+            <a:r>
+              <a:rPr lang="en-US" sz="900" dirty="0" err="1">
+                <a:solidFill>
+                  <a:srgbClr val="92D050"/>
+                </a:solidFill>
+                <a:latin typeface="Courier New" panose="02070309020205020404" pitchFamily="49" charset="0"/>
+                <a:cs typeface="Courier New" panose="02070309020205020404" pitchFamily="49" charset="0"/>
+              </a:rPr>
+              <a:t>toList</a:t>
+            </a:r>
+            <a:endParaRPr lang="en-US" sz="900" dirty="0">
               <a:solidFill>
                 <a:srgbClr val="92D050"/>
               </a:solidFill>
@@ -6473,367 +6697,7 @@
             </a:endParaRPr>
           </a:p>
           <a:p>
-            <a:r>
-              <a:rPr lang="en-US" sz="700" dirty="0">
-                <a:solidFill>
-                  <a:srgbClr val="92D050"/>
-                </a:solidFill>
-                <a:latin typeface="Courier New" panose="02070309020205020404" pitchFamily="49" charset="0"/>
-                <a:cs typeface="Courier New" panose="02070309020205020404" pitchFamily="49" charset="0"/>
-              </a:rPr>
-              <a:t>    </a:t>
-            </a:r>
-            <a:r>
-              <a:rPr lang="en-US" sz="700" dirty="0" err="1">
-                <a:solidFill>
-                  <a:srgbClr val="92D050"/>
-                </a:solidFill>
-                <a:latin typeface="Courier New" panose="02070309020205020404" pitchFamily="49" charset="0"/>
-                <a:cs typeface="Courier New" panose="02070309020205020404" pitchFamily="49" charset="0"/>
-              </a:rPr>
-              <a:t>def</a:t>
-            </a:r>
-            <a:r>
-              <a:rPr lang="en-US" sz="700" dirty="0">
-                <a:solidFill>
-                  <a:srgbClr val="92D050"/>
-                </a:solidFill>
-                <a:latin typeface="Courier New" panose="02070309020205020404" pitchFamily="49" charset="0"/>
-                <a:cs typeface="Courier New" panose="02070309020205020404" pitchFamily="49" charset="0"/>
-              </a:rPr>
-              <a:t> constant(s: String) = </a:t>
-            </a:r>
-            <a:r>
-              <a:rPr lang="en-US" sz="700" dirty="0" err="1">
-                <a:solidFill>
-                  <a:srgbClr val="92D050"/>
-                </a:solidFill>
-                <a:latin typeface="Courier New" panose="02070309020205020404" pitchFamily="49" charset="0"/>
-                <a:cs typeface="Courier New" panose="02070309020205020404" pitchFamily="49" charset="0"/>
-              </a:rPr>
-              <a:t>c.Expr</a:t>
-            </a:r>
-            <a:r>
-              <a:rPr lang="en-US" sz="700" dirty="0">
-                <a:solidFill>
-                  <a:srgbClr val="92D050"/>
-                </a:solidFill>
-                <a:latin typeface="Courier New" panose="02070309020205020404" pitchFamily="49" charset="0"/>
-                <a:cs typeface="Courier New" panose="02070309020205020404" pitchFamily="49" charset="0"/>
-              </a:rPr>
-              <a:t>[String](Literal(Constant(s)))</a:t>
-            </a:r>
-          </a:p>
-          <a:p>
-            <a:r>
-              <a:rPr lang="en-US" sz="700" dirty="0">
-                <a:solidFill>
-                  <a:srgbClr val="92D050"/>
-                </a:solidFill>
-                <a:latin typeface="Courier New" panose="02070309020205020404" pitchFamily="49" charset="0"/>
-                <a:cs typeface="Courier New" panose="02070309020205020404" pitchFamily="49" charset="0"/>
-              </a:rPr>
-              <a:t>    </a:t>
-            </a:r>
-            <a:r>
-              <a:rPr lang="en-US" sz="700" dirty="0" err="1">
-                <a:solidFill>
-                  <a:srgbClr val="92D050"/>
-                </a:solidFill>
-                <a:latin typeface="Courier New" panose="02070309020205020404" pitchFamily="49" charset="0"/>
-                <a:cs typeface="Courier New" panose="02070309020205020404" pitchFamily="49" charset="0"/>
-              </a:rPr>
-              <a:t>val</a:t>
-            </a:r>
-            <a:r>
-              <a:rPr lang="en-US" sz="700" dirty="0">
-                <a:solidFill>
-                  <a:srgbClr val="92D050"/>
-                </a:solidFill>
-                <a:latin typeface="Courier New" panose="02070309020205020404" pitchFamily="49" charset="0"/>
-                <a:cs typeface="Courier New" panose="02070309020205020404" pitchFamily="49" charset="0"/>
-              </a:rPr>
-              <a:t> pairs = </a:t>
-            </a:r>
-            <a:r>
-              <a:rPr lang="en-US" sz="700" dirty="0" err="1">
-                <a:solidFill>
-                  <a:srgbClr val="92D050"/>
-                </a:solidFill>
-                <a:latin typeface="Courier New" panose="02070309020205020404" pitchFamily="49" charset="0"/>
-                <a:cs typeface="Courier New" panose="02070309020205020404" pitchFamily="49" charset="0"/>
-              </a:rPr>
-              <a:t>propertiesMap.map</a:t>
-            </a:r>
-            <a:r>
-              <a:rPr lang="en-US" sz="700" dirty="0">
-                <a:solidFill>
-                  <a:srgbClr val="92D050"/>
-                </a:solidFill>
-                <a:latin typeface="Courier New" panose="02070309020205020404" pitchFamily="49" charset="0"/>
-                <a:cs typeface="Courier New" panose="02070309020205020404" pitchFamily="49" charset="0"/>
-              </a:rPr>
-              <a:t> {</a:t>
-            </a:r>
-          </a:p>
-          <a:p>
-            <a:r>
-              <a:rPr lang="en-US" sz="700" dirty="0">
-                <a:solidFill>
-                  <a:srgbClr val="92D050"/>
-                </a:solidFill>
-                <a:latin typeface="Courier New" panose="02070309020205020404" pitchFamily="49" charset="0"/>
-                <a:cs typeface="Courier New" panose="02070309020205020404" pitchFamily="49" charset="0"/>
-              </a:rPr>
-              <a:t>      case (key, value) =&gt;</a:t>
-            </a:r>
-          </a:p>
-          <a:p>
-            <a:r>
-              <a:rPr lang="en-US" sz="700" dirty="0">
-                <a:solidFill>
-                  <a:srgbClr val="92D050"/>
-                </a:solidFill>
-                <a:latin typeface="Courier New" panose="02070309020205020404" pitchFamily="49" charset="0"/>
-                <a:cs typeface="Courier New" panose="02070309020205020404" pitchFamily="49" charset="0"/>
-              </a:rPr>
-              <a:t>        // create a pair of string constants ("</a:t>
-            </a:r>
-            <a:r>
-              <a:rPr lang="en-US" sz="700" dirty="0" err="1">
-                <a:solidFill>
-                  <a:srgbClr val="92D050"/>
-                </a:solidFill>
-                <a:latin typeface="Courier New" panose="02070309020205020404" pitchFamily="49" charset="0"/>
-                <a:cs typeface="Courier New" panose="02070309020205020404" pitchFamily="49" charset="0"/>
-              </a:rPr>
-              <a:t>THEkey</a:t>
-            </a:r>
-            <a:r>
-              <a:rPr lang="en-US" sz="700" dirty="0">
-                <a:solidFill>
-                  <a:srgbClr val="92D050"/>
-                </a:solidFill>
-                <a:latin typeface="Courier New" panose="02070309020205020404" pitchFamily="49" charset="0"/>
-                <a:cs typeface="Courier New" panose="02070309020205020404" pitchFamily="49" charset="0"/>
-              </a:rPr>
-              <a:t>","</a:t>
-            </a:r>
-            <a:r>
-              <a:rPr lang="en-US" sz="700" dirty="0" err="1">
-                <a:solidFill>
-                  <a:srgbClr val="92D050"/>
-                </a:solidFill>
-                <a:latin typeface="Courier New" panose="02070309020205020404" pitchFamily="49" charset="0"/>
-                <a:cs typeface="Courier New" panose="02070309020205020404" pitchFamily="49" charset="0"/>
-              </a:rPr>
-              <a:t>valueIShere</a:t>
-            </a:r>
-            <a:r>
-              <a:rPr lang="en-US" sz="700" dirty="0">
-                <a:solidFill>
-                  <a:srgbClr val="92D050"/>
-                </a:solidFill>
-                <a:latin typeface="Courier New" panose="02070309020205020404" pitchFamily="49" charset="0"/>
-                <a:cs typeface="Courier New" panose="02070309020205020404" pitchFamily="49" charset="0"/>
-              </a:rPr>
-              <a:t>")</a:t>
-            </a:r>
-          </a:p>
-          <a:p>
-            <a:r>
-              <a:rPr lang="en-US" sz="700" dirty="0">
-                <a:solidFill>
-                  <a:srgbClr val="92D050"/>
-                </a:solidFill>
-                <a:latin typeface="Courier New" panose="02070309020205020404" pitchFamily="49" charset="0"/>
-                <a:cs typeface="Courier New" panose="02070309020205020404" pitchFamily="49" charset="0"/>
-              </a:rPr>
-              <a:t>        reify((constant(key).splice, constant(value).splice)).tree</a:t>
-            </a:r>
-          </a:p>
-          <a:p>
-            <a:r>
-              <a:rPr lang="en-US" sz="700" dirty="0">
-                <a:solidFill>
-                  <a:srgbClr val="92D050"/>
-                </a:solidFill>
-                <a:latin typeface="Courier New" panose="02070309020205020404" pitchFamily="49" charset="0"/>
-                <a:cs typeface="Courier New" panose="02070309020205020404" pitchFamily="49" charset="0"/>
-              </a:rPr>
-              <a:t>    }</a:t>
-            </a:r>
-          </a:p>
-          <a:p>
-            <a:r>
-              <a:rPr lang="en-US" sz="700" dirty="0">
-                <a:solidFill>
-                  <a:srgbClr val="92D050"/>
-                </a:solidFill>
-                <a:latin typeface="Courier New" panose="02070309020205020404" pitchFamily="49" charset="0"/>
-                <a:cs typeface="Courier New" panose="02070309020205020404" pitchFamily="49" charset="0"/>
-              </a:rPr>
-              <a:t>    </a:t>
-            </a:r>
-            <a:r>
-              <a:rPr lang="en-US" sz="700" dirty="0" err="1">
-                <a:solidFill>
-                  <a:srgbClr val="92D050"/>
-                </a:solidFill>
-                <a:latin typeface="Courier New" panose="02070309020205020404" pitchFamily="49" charset="0"/>
-                <a:cs typeface="Courier New" panose="02070309020205020404" pitchFamily="49" charset="0"/>
-              </a:rPr>
-              <a:t>val</a:t>
-            </a:r>
-            <a:r>
-              <a:rPr lang="en-US" sz="700" dirty="0">
-                <a:solidFill>
-                  <a:srgbClr val="92D050"/>
-                </a:solidFill>
-                <a:latin typeface="Courier New" panose="02070309020205020404" pitchFamily="49" charset="0"/>
-                <a:cs typeface="Courier New" panose="02070309020205020404" pitchFamily="49" charset="0"/>
-              </a:rPr>
-              <a:t> adds = </a:t>
-            </a:r>
-            <a:r>
-              <a:rPr lang="en-US" sz="700" dirty="0" err="1">
-                <a:solidFill>
-                  <a:srgbClr val="92D050"/>
-                </a:solidFill>
-                <a:latin typeface="Courier New" panose="02070309020205020404" pitchFamily="49" charset="0"/>
-                <a:cs typeface="Courier New" panose="02070309020205020404" pitchFamily="49" charset="0"/>
-              </a:rPr>
-              <a:t>pairs.map</a:t>
-            </a:r>
-            <a:r>
-              <a:rPr lang="en-US" sz="700" dirty="0">
-                <a:solidFill>
-                  <a:srgbClr val="92D050"/>
-                </a:solidFill>
-                <a:latin typeface="Courier New" panose="02070309020205020404" pitchFamily="49" charset="0"/>
-                <a:cs typeface="Courier New" panose="02070309020205020404" pitchFamily="49" charset="0"/>
-              </a:rPr>
-              <a:t> {</a:t>
-            </a:r>
-          </a:p>
-          <a:p>
-            <a:r>
-              <a:rPr lang="en-US" sz="700" dirty="0">
-                <a:solidFill>
-                  <a:srgbClr val="92D050"/>
-                </a:solidFill>
-                <a:latin typeface="Courier New" panose="02070309020205020404" pitchFamily="49" charset="0"/>
-                <a:cs typeface="Courier New" panose="02070309020205020404" pitchFamily="49" charset="0"/>
-              </a:rPr>
-              <a:t>      tree =&gt;</a:t>
-            </a:r>
-          </a:p>
-          <a:p>
-            <a:r>
-              <a:rPr lang="en-US" sz="700" dirty="0">
-                <a:solidFill>
-                  <a:srgbClr val="92D050"/>
-                </a:solidFill>
-                <a:latin typeface="Courier New" panose="02070309020205020404" pitchFamily="49" charset="0"/>
-                <a:cs typeface="Courier New" panose="02070309020205020404" pitchFamily="49" charset="0"/>
-              </a:rPr>
-              <a:t>        // create the function call for +=</a:t>
-            </a:r>
-          </a:p>
-          <a:p>
-            <a:r>
-              <a:rPr lang="en-US" sz="700" dirty="0">
-                <a:solidFill>
-                  <a:srgbClr val="92D050"/>
-                </a:solidFill>
-                <a:latin typeface="Courier New" panose="02070309020205020404" pitchFamily="49" charset="0"/>
-                <a:cs typeface="Courier New" panose="02070309020205020404" pitchFamily="49" charset="0"/>
-              </a:rPr>
-              <a:t>        Apply(Select(Ident(</a:t>
-            </a:r>
-            <a:r>
-              <a:rPr lang="en-US" sz="700" dirty="0" err="1">
-                <a:solidFill>
-                  <a:srgbClr val="92D050"/>
-                </a:solidFill>
-                <a:latin typeface="Courier New" panose="02070309020205020404" pitchFamily="49" charset="0"/>
-                <a:cs typeface="Courier New" panose="02070309020205020404" pitchFamily="49" charset="0"/>
-              </a:rPr>
-              <a:t>builderVariable</a:t>
-            </a:r>
-            <a:r>
-              <a:rPr lang="en-US" sz="700" dirty="0">
-                <a:solidFill>
-                  <a:srgbClr val="92D050"/>
-                </a:solidFill>
-                <a:latin typeface="Courier New" panose="02070309020205020404" pitchFamily="49" charset="0"/>
-                <a:cs typeface="Courier New" panose="02070309020205020404" pitchFamily="49" charset="0"/>
-              </a:rPr>
-              <a:t>), </a:t>
-            </a:r>
-            <a:r>
-              <a:rPr lang="en-US" sz="700" dirty="0" err="1">
-                <a:solidFill>
-                  <a:srgbClr val="92D050"/>
-                </a:solidFill>
-                <a:latin typeface="Courier New" panose="02070309020205020404" pitchFamily="49" charset="0"/>
-                <a:cs typeface="Courier New" panose="02070309020205020404" pitchFamily="49" charset="0"/>
-              </a:rPr>
-              <a:t>TermName</a:t>
-            </a:r>
-            <a:r>
-              <a:rPr lang="en-US" sz="700" dirty="0">
-                <a:solidFill>
-                  <a:srgbClr val="92D050"/>
-                </a:solidFill>
-                <a:latin typeface="Courier New" panose="02070309020205020404" pitchFamily="49" charset="0"/>
-                <a:cs typeface="Courier New" panose="02070309020205020404" pitchFamily="49" charset="0"/>
-              </a:rPr>
-              <a:t>("$</a:t>
-            </a:r>
-            <a:r>
-              <a:rPr lang="en-US" sz="700" dirty="0" err="1">
-                <a:solidFill>
-                  <a:srgbClr val="92D050"/>
-                </a:solidFill>
-                <a:latin typeface="Courier New" panose="02070309020205020404" pitchFamily="49" charset="0"/>
-                <a:cs typeface="Courier New" panose="02070309020205020404" pitchFamily="49" charset="0"/>
-              </a:rPr>
-              <a:t>plus$eq</a:t>
-            </a:r>
-            <a:r>
-              <a:rPr lang="en-US" sz="700" dirty="0">
-                <a:solidFill>
-                  <a:srgbClr val="92D050"/>
-                </a:solidFill>
-                <a:latin typeface="Courier New" panose="02070309020205020404" pitchFamily="49" charset="0"/>
-                <a:cs typeface="Courier New" panose="02070309020205020404" pitchFamily="49" charset="0"/>
-              </a:rPr>
-              <a:t>")), List(tree))</a:t>
-            </a:r>
-          </a:p>
-          <a:p>
-            <a:r>
-              <a:rPr lang="en-US" sz="700" dirty="0">
-                <a:solidFill>
-                  <a:srgbClr val="92D050"/>
-                </a:solidFill>
-                <a:latin typeface="Courier New" panose="02070309020205020404" pitchFamily="49" charset="0"/>
-                <a:cs typeface="Courier New" panose="02070309020205020404" pitchFamily="49" charset="0"/>
-              </a:rPr>
-              <a:t>    }.</a:t>
-            </a:r>
-            <a:r>
-              <a:rPr lang="en-US" sz="700" dirty="0" err="1">
-                <a:solidFill>
-                  <a:srgbClr val="92D050"/>
-                </a:solidFill>
-                <a:latin typeface="Courier New" panose="02070309020205020404" pitchFamily="49" charset="0"/>
-                <a:cs typeface="Courier New" panose="02070309020205020404" pitchFamily="49" charset="0"/>
-              </a:rPr>
-              <a:t>toList</a:t>
-            </a:r>
-            <a:endParaRPr lang="en-US" sz="700" dirty="0">
+            <a:endParaRPr lang="en-US" sz="900" dirty="0">
               <a:solidFill>
                 <a:srgbClr val="92D050"/>
               </a:solidFill>
@@ -6842,7 +6706,79 @@
             </a:endParaRPr>
           </a:p>
           <a:p>
-            <a:endParaRPr lang="en-US" sz="700" dirty="0">
+            <a:r>
+              <a:rPr lang="en-US" sz="900" dirty="0" err="1" smtClean="0">
+                <a:solidFill>
+                  <a:srgbClr val="92D050"/>
+                </a:solidFill>
+                <a:latin typeface="Courier New" panose="02070309020205020404" pitchFamily="49" charset="0"/>
+                <a:cs typeface="Courier New" panose="02070309020205020404" pitchFamily="49" charset="0"/>
+              </a:rPr>
+              <a:t>val</a:t>
+            </a:r>
+            <a:r>
+              <a:rPr lang="en-US" sz="900" dirty="0" smtClean="0">
+                <a:solidFill>
+                  <a:srgbClr val="92D050"/>
+                </a:solidFill>
+                <a:latin typeface="Courier New" panose="02070309020205020404" pitchFamily="49" charset="0"/>
+                <a:cs typeface="Courier New" panose="02070309020205020404" pitchFamily="49" charset="0"/>
+              </a:rPr>
+              <a:t> </a:t>
+            </a:r>
+            <a:r>
+              <a:rPr lang="en-US" sz="900" dirty="0">
+                <a:solidFill>
+                  <a:srgbClr val="92D050"/>
+                </a:solidFill>
+                <a:latin typeface="Courier New" panose="02070309020205020404" pitchFamily="49" charset="0"/>
+                <a:cs typeface="Courier New" panose="02070309020205020404" pitchFamily="49" charset="0"/>
+              </a:rPr>
+              <a:t>result = Apply(Select(Ident(</a:t>
+            </a:r>
+            <a:r>
+              <a:rPr lang="en-US" sz="900" dirty="0" err="1">
+                <a:solidFill>
+                  <a:srgbClr val="92D050"/>
+                </a:solidFill>
+                <a:latin typeface="Courier New" panose="02070309020205020404" pitchFamily="49" charset="0"/>
+                <a:cs typeface="Courier New" panose="02070309020205020404" pitchFamily="49" charset="0"/>
+              </a:rPr>
+              <a:t>builderVariable</a:t>
+            </a:r>
+            <a:r>
+              <a:rPr lang="en-US" sz="900" dirty="0">
+                <a:solidFill>
+                  <a:srgbClr val="92D050"/>
+                </a:solidFill>
+                <a:latin typeface="Courier New" panose="02070309020205020404" pitchFamily="49" charset="0"/>
+                <a:cs typeface="Courier New" panose="02070309020205020404" pitchFamily="49" charset="0"/>
+              </a:rPr>
+              <a:t>), </a:t>
+            </a:r>
+            <a:r>
+              <a:rPr lang="en-US" sz="900" dirty="0" err="1">
+                <a:solidFill>
+                  <a:srgbClr val="92D050"/>
+                </a:solidFill>
+                <a:latin typeface="Courier New" panose="02070309020205020404" pitchFamily="49" charset="0"/>
+                <a:cs typeface="Courier New" panose="02070309020205020404" pitchFamily="49" charset="0"/>
+              </a:rPr>
+              <a:t>TermName</a:t>
+            </a:r>
+            <a:r>
+              <a:rPr lang="en-US" sz="900" dirty="0">
+                <a:solidFill>
+                  <a:srgbClr val="92D050"/>
+                </a:solidFill>
+                <a:latin typeface="Courier New" panose="02070309020205020404" pitchFamily="49" charset="0"/>
+                <a:cs typeface="Courier New" panose="02070309020205020404" pitchFamily="49" charset="0"/>
+              </a:rPr>
+              <a:t>("result")), List())</a:t>
+            </a:r>
+          </a:p>
+          <a:p>
+            <a:endParaRPr lang="en-US" sz="900" dirty="0">
               <a:solidFill>
                 <a:srgbClr val="92D050"/>
               </a:solidFill>
@@ -6851,168 +6787,8 @@
             </a:endParaRPr>
           </a:p>
           <a:p>
-            <a:endParaRPr lang="en-US" sz="700" dirty="0">
-              <a:solidFill>
-                <a:srgbClr val="92D050"/>
-              </a:solidFill>
-              <a:latin typeface="Courier New" panose="02070309020205020404" pitchFamily="49" charset="0"/>
-              <a:cs typeface="Courier New" panose="02070309020205020404" pitchFamily="49" charset="0"/>
-            </a:endParaRPr>
-          </a:p>
-          <a:p>
-            <a:r>
-              <a:rPr lang="en-US" sz="700" dirty="0">
-                <a:solidFill>
-                  <a:srgbClr val="92D050"/>
-                </a:solidFill>
-                <a:latin typeface="Courier New" panose="02070309020205020404" pitchFamily="49" charset="0"/>
-                <a:cs typeface="Courier New" panose="02070309020205020404" pitchFamily="49" charset="0"/>
-              </a:rPr>
-              <a:t>    // 3.3 collect the resulting immutable Map by calling result on the builder</a:t>
-            </a:r>
-          </a:p>
-          <a:p>
-            <a:r>
-              <a:rPr lang="en-US" sz="700" dirty="0">
-                <a:solidFill>
-                  <a:srgbClr val="92D050"/>
-                </a:solidFill>
-                <a:latin typeface="Courier New" panose="02070309020205020404" pitchFamily="49" charset="0"/>
-                <a:cs typeface="Courier New" panose="02070309020205020404" pitchFamily="49" charset="0"/>
-              </a:rPr>
-              <a:t>    </a:t>
-            </a:r>
-            <a:r>
-              <a:rPr lang="en-US" sz="700" dirty="0" err="1">
-                <a:solidFill>
-                  <a:srgbClr val="92D050"/>
-                </a:solidFill>
-                <a:latin typeface="Courier New" panose="02070309020205020404" pitchFamily="49" charset="0"/>
-                <a:cs typeface="Courier New" panose="02070309020205020404" pitchFamily="49" charset="0"/>
-              </a:rPr>
-              <a:t>val</a:t>
-            </a:r>
-            <a:r>
-              <a:rPr lang="en-US" sz="700" dirty="0">
-                <a:solidFill>
-                  <a:srgbClr val="92D050"/>
-                </a:solidFill>
-                <a:latin typeface="Courier New" panose="02070309020205020404" pitchFamily="49" charset="0"/>
-                <a:cs typeface="Courier New" panose="02070309020205020404" pitchFamily="49" charset="0"/>
-              </a:rPr>
-              <a:t> result = Apply(Select(Ident(</a:t>
-            </a:r>
-            <a:r>
-              <a:rPr lang="en-US" sz="700" dirty="0" err="1">
-                <a:solidFill>
-                  <a:srgbClr val="92D050"/>
-                </a:solidFill>
-                <a:latin typeface="Courier New" panose="02070309020205020404" pitchFamily="49" charset="0"/>
-                <a:cs typeface="Courier New" panose="02070309020205020404" pitchFamily="49" charset="0"/>
-              </a:rPr>
-              <a:t>builderVariable</a:t>
-            </a:r>
-            <a:r>
-              <a:rPr lang="en-US" sz="700" dirty="0">
-                <a:solidFill>
-                  <a:srgbClr val="92D050"/>
-                </a:solidFill>
-                <a:latin typeface="Courier New" panose="02070309020205020404" pitchFamily="49" charset="0"/>
-                <a:cs typeface="Courier New" panose="02070309020205020404" pitchFamily="49" charset="0"/>
-              </a:rPr>
-              <a:t>), </a:t>
-            </a:r>
-            <a:r>
-              <a:rPr lang="en-US" sz="700" dirty="0" err="1">
-                <a:solidFill>
-                  <a:srgbClr val="92D050"/>
-                </a:solidFill>
-                <a:latin typeface="Courier New" panose="02070309020205020404" pitchFamily="49" charset="0"/>
-                <a:cs typeface="Courier New" panose="02070309020205020404" pitchFamily="49" charset="0"/>
-              </a:rPr>
-              <a:t>TermName</a:t>
-            </a:r>
-            <a:r>
-              <a:rPr lang="en-US" sz="700" dirty="0">
-                <a:solidFill>
-                  <a:srgbClr val="92D050"/>
-                </a:solidFill>
-                <a:latin typeface="Courier New" panose="02070309020205020404" pitchFamily="49" charset="0"/>
-                <a:cs typeface="Courier New" panose="02070309020205020404" pitchFamily="49" charset="0"/>
-              </a:rPr>
-              <a:t>("result")), List())</a:t>
-            </a:r>
-          </a:p>
-          <a:p>
-            <a:endParaRPr lang="en-US" sz="700" dirty="0">
-              <a:solidFill>
-                <a:srgbClr val="92D050"/>
-              </a:solidFill>
-              <a:latin typeface="Courier New" panose="02070309020205020404" pitchFamily="49" charset="0"/>
-              <a:cs typeface="Courier New" panose="02070309020205020404" pitchFamily="49" charset="0"/>
-            </a:endParaRPr>
-          </a:p>
-          <a:p>
-            <a:r>
-              <a:rPr lang="en-US" sz="700" dirty="0">
-                <a:solidFill>
-                  <a:srgbClr val="92D050"/>
-                </a:solidFill>
-                <a:latin typeface="Courier New" panose="02070309020205020404" pitchFamily="49" charset="0"/>
-                <a:cs typeface="Courier New" panose="02070309020205020404" pitchFamily="49" charset="0"/>
-              </a:rPr>
-              <a:t>    // 3.4. the complete code</a:t>
-            </a:r>
-          </a:p>
-          <a:p>
-            <a:r>
-              <a:rPr lang="en-US" sz="700" dirty="0">
-                <a:solidFill>
-                  <a:srgbClr val="92D050"/>
-                </a:solidFill>
-                <a:latin typeface="Courier New" panose="02070309020205020404" pitchFamily="49" charset="0"/>
-                <a:cs typeface="Courier New" panose="02070309020205020404" pitchFamily="49" charset="0"/>
-              </a:rPr>
-              <a:t>    // first do the define followed by all the += calls</a:t>
-            </a:r>
-          </a:p>
-          <a:p>
-            <a:r>
-              <a:rPr lang="en-US" sz="700" dirty="0">
-                <a:solidFill>
-                  <a:srgbClr val="92D050"/>
-                </a:solidFill>
-                <a:latin typeface="Courier New" panose="02070309020205020404" pitchFamily="49" charset="0"/>
-                <a:cs typeface="Courier New" panose="02070309020205020404" pitchFamily="49" charset="0"/>
-              </a:rPr>
-              <a:t>    // then collect resulting immutable map</a:t>
-            </a:r>
-          </a:p>
-          <a:p>
-            <a:r>
-              <a:rPr lang="en-US" sz="700" dirty="0">
-                <a:solidFill>
-                  <a:srgbClr val="92D050"/>
-                </a:solidFill>
-                <a:latin typeface="Courier New" panose="02070309020205020404" pitchFamily="49" charset="0"/>
-                <a:cs typeface="Courier New" panose="02070309020205020404" pitchFamily="49" charset="0"/>
-              </a:rPr>
-              <a:t>    // this last statement is what will give the block of code its value</a:t>
-            </a:r>
-          </a:p>
-          <a:p>
-            <a:r>
-              <a:rPr lang="en-US" sz="700" dirty="0">
-                <a:solidFill>
-                  <a:srgbClr val="92D050"/>
-                </a:solidFill>
-                <a:latin typeface="Courier New" panose="02070309020205020404" pitchFamily="49" charset="0"/>
-                <a:cs typeface="Courier New" panose="02070309020205020404" pitchFamily="49" charset="0"/>
-              </a:rPr>
-              <a:t>    </a:t>
-            </a:r>
-            <a:r>
-              <a:rPr lang="en-US" sz="700" dirty="0" err="1">
+            <a:r>
+              <a:rPr lang="en-US" sz="900" dirty="0" err="1" smtClean="0">
                 <a:solidFill>
                   <a:srgbClr val="92D050"/>
                 </a:solidFill>
@@ -7022,52 +6798,82 @@
               <a:t>c.Expr</a:t>
             </a:r>
             <a:r>
-              <a:rPr lang="en-US" sz="700" dirty="0">
-                <a:solidFill>
-                  <a:srgbClr val="92D050"/>
-                </a:solidFill>
-                <a:latin typeface="Courier New" panose="02070309020205020404" pitchFamily="49" charset="0"/>
-                <a:cs typeface="Courier New" panose="02070309020205020404" pitchFamily="49" charset="0"/>
-              </a:rPr>
-              <a:t>[Map[String, String]](Block(</a:t>
-            </a:r>
-          </a:p>
-          <a:p>
-            <a:r>
-              <a:rPr lang="en-US" sz="700" dirty="0">
-                <a:solidFill>
-                  <a:srgbClr val="92D050"/>
-                </a:solidFill>
-                <a:latin typeface="Courier New" panose="02070309020205020404" pitchFamily="49" charset="0"/>
-                <a:cs typeface="Courier New" panose="02070309020205020404" pitchFamily="49" charset="0"/>
-              </a:rPr>
-              <a:t>      define :: adds, result</a:t>
-            </a:r>
-          </a:p>
-          <a:p>
-            <a:r>
-              <a:rPr lang="en-US" sz="700" dirty="0">
-                <a:solidFill>
-                  <a:srgbClr val="92D050"/>
-                </a:solidFill>
-                <a:latin typeface="Courier New" panose="02070309020205020404" pitchFamily="49" charset="0"/>
-                <a:cs typeface="Courier New" panose="02070309020205020404" pitchFamily="49" charset="0"/>
-              </a:rPr>
-              <a:t>    ))</a:t>
-            </a:r>
-          </a:p>
-          <a:p>
-            <a:r>
-              <a:rPr lang="en-US" sz="700" dirty="0">
-                <a:solidFill>
-                  <a:srgbClr val="92D050"/>
-                </a:solidFill>
-                <a:latin typeface="Courier New" panose="02070309020205020404" pitchFamily="49" charset="0"/>
-                <a:cs typeface="Courier New" panose="02070309020205020404" pitchFamily="49" charset="0"/>
-              </a:rPr>
-              <a:t>  }</a:t>
-            </a:r>
-            <a:endParaRPr lang="en-US" sz="700" dirty="0">
+              <a:rPr lang="en-US" sz="900" dirty="0" smtClean="0">
+                <a:solidFill>
+                  <a:srgbClr val="92D050"/>
+                </a:solidFill>
+                <a:latin typeface="Courier New" panose="02070309020205020404" pitchFamily="49" charset="0"/>
+                <a:cs typeface="Courier New" panose="02070309020205020404" pitchFamily="49" charset="0"/>
+              </a:rPr>
+              <a:t>[Map[String</a:t>
+            </a:r>
+            <a:r>
+              <a:rPr lang="en-US" sz="900" dirty="0">
+                <a:solidFill>
+                  <a:srgbClr val="92D050"/>
+                </a:solidFill>
+                <a:latin typeface="Courier New" panose="02070309020205020404" pitchFamily="49" charset="0"/>
+                <a:cs typeface="Courier New" panose="02070309020205020404" pitchFamily="49" charset="0"/>
+              </a:rPr>
+              <a:t>, String]](Block(</a:t>
+            </a:r>
+          </a:p>
+          <a:p>
+            <a:r>
+              <a:rPr lang="en-US" sz="900" dirty="0" smtClean="0">
+                <a:solidFill>
+                  <a:srgbClr val="92D050"/>
+                </a:solidFill>
+                <a:latin typeface="Courier New" panose="02070309020205020404" pitchFamily="49" charset="0"/>
+                <a:cs typeface="Courier New" panose="02070309020205020404" pitchFamily="49" charset="0"/>
+              </a:rPr>
+              <a:t>  define </a:t>
+            </a:r>
+            <a:r>
+              <a:rPr lang="en-US" sz="900" dirty="0">
+                <a:solidFill>
+                  <a:srgbClr val="92D050"/>
+                </a:solidFill>
+                <a:latin typeface="Courier New" panose="02070309020205020404" pitchFamily="49" charset="0"/>
+                <a:cs typeface="Courier New" panose="02070309020205020404" pitchFamily="49" charset="0"/>
+              </a:rPr>
+              <a:t>:: adds, </a:t>
+            </a:r>
+            <a:r>
+              <a:rPr lang="en-US" sz="900" dirty="0" smtClean="0">
+                <a:solidFill>
+                  <a:srgbClr val="92D050"/>
+                </a:solidFill>
+                <a:latin typeface="Courier New" panose="02070309020205020404" pitchFamily="49" charset="0"/>
+                <a:cs typeface="Courier New" panose="02070309020205020404" pitchFamily="49" charset="0"/>
+              </a:rPr>
+              <a:t>result</a:t>
+            </a:r>
+          </a:p>
+          <a:p>
+            <a:r>
+              <a:rPr lang="en-US" sz="900" dirty="0" smtClean="0">
+                <a:solidFill>
+                  <a:srgbClr val="92D050"/>
+                </a:solidFill>
+                <a:latin typeface="Courier New" panose="02070309020205020404" pitchFamily="49" charset="0"/>
+                <a:cs typeface="Courier New" panose="02070309020205020404" pitchFamily="49" charset="0"/>
+              </a:rPr>
+              <a:t> ))</a:t>
+            </a:r>
+          </a:p>
+          <a:p>
+            <a:r>
+              <a:rPr lang="en-US" sz="900" dirty="0" smtClean="0">
+                <a:solidFill>
+                  <a:srgbClr val="92D050"/>
+                </a:solidFill>
+                <a:latin typeface="Courier New" panose="02070309020205020404" pitchFamily="49" charset="0"/>
+                <a:cs typeface="Courier New" panose="02070309020205020404" pitchFamily="49" charset="0"/>
+              </a:rPr>
+              <a:t>}</a:t>
+            </a:r>
+            <a:endParaRPr lang="en-US" sz="900" dirty="0">
               <a:solidFill>
                 <a:srgbClr val="92D050"/>
               </a:solidFill>
@@ -7161,7 +6967,7 @@
         <p:spPr>
           <a:xfrm>
             <a:off x="563672" y="1691014"/>
-            <a:ext cx="7818328" cy="369332"/>
+            <a:ext cx="7818328" cy="923330"/>
           </a:xfrm>
           <a:prstGeom prst="rect">
             <a:avLst/>
@@ -7179,13 +6985,36 @@
               <a:buChar char="•"/>
             </a:pPr>
             <a:r>
-              <a:rPr lang="lv-LV" dirty="0" smtClean="0">
+              <a:rPr lang="en-US" dirty="0" smtClean="0">
                 <a:latin typeface="Comic Sans MS" panose="030F0702030302020204" pitchFamily="66" charset="0"/>
                 <a:cs typeface="Consolas" panose="020B0609020204030204" pitchFamily="49" charset="0"/>
               </a:rPr>
-              <a:t>TODO</a:t>
-            </a:r>
-            <a:endParaRPr lang="en-GB" dirty="0">
+              <a:t>Introduced in Scala </a:t>
+            </a:r>
+            <a:r>
+              <a:rPr lang="en-US" smtClean="0">
+                <a:latin typeface="Comic Sans MS" panose="030F0702030302020204" pitchFamily="66" charset="0"/>
+                <a:cs typeface="Consolas" panose="020B0609020204030204" pitchFamily="49" charset="0"/>
+              </a:rPr>
+              <a:t>2.11.</a:t>
+            </a:r>
+          </a:p>
+          <a:p>
+            <a:pPr marL="285750" indent="-285750">
+              <a:buFont typeface="Arial" panose="020B0604020202020204" pitchFamily="34" charset="0"/>
+              <a:buChar char="•"/>
+            </a:pPr>
+            <a:endParaRPr lang="en-US" dirty="0" smtClean="0">
+              <a:latin typeface="Comic Sans MS" panose="030F0702030302020204" pitchFamily="66" charset="0"/>
+              <a:cs typeface="Consolas" panose="020B0609020204030204" pitchFamily="49" charset="0"/>
+            </a:endParaRPr>
+          </a:p>
+          <a:p>
+            <a:pPr marL="285750" indent="-285750">
+              <a:buFont typeface="Arial" panose="020B0604020202020204" pitchFamily="34" charset="0"/>
+              <a:buChar char="•"/>
+            </a:pPr>
+            <a:endParaRPr lang="en-US" dirty="0">
               <a:latin typeface="Comic Sans MS" panose="030F0702030302020204" pitchFamily="66" charset="0"/>
               <a:cs typeface="Consolas" panose="020B0609020204030204" pitchFamily="49" charset="0"/>
             </a:endParaRPr>
@@ -7314,12 +7143,8 @@
           <a:p>
             <a:pPr algn="ctr"/>
             <a:r>
-              <a:rPr lang="en-GB" dirty="0" smtClean="0"/>
-              <a:t>.</a:t>
-            </a:r>
-            <a:r>
-              <a:rPr lang="en-GB" dirty="0" err="1" smtClean="0"/>
-              <a:t>scala</a:t>
+              <a:rPr lang="en-GB" dirty="0" err="1"/>
+              <a:t>LoadProperties.scala</a:t>
             </a:r>
             <a:endParaRPr lang="en-US" dirty="0"/>
           </a:p>
@@ -7334,7 +7159,7 @@
         <p:spPr>
           <a:xfrm>
             <a:off x="457199" y="1751582"/>
-            <a:ext cx="7870371" cy="4616648"/>
+            <a:ext cx="8392161" cy="4524315"/>
           </a:xfrm>
           <a:prstGeom prst="rect">
             <a:avLst/>
@@ -7361,18 +7186,56 @@
           <a:lstStyle/>
           <a:p>
             <a:r>
-              <a:rPr lang="en-US" sz="1400">
-                <a:solidFill>
-                  <a:srgbClr val="92D050"/>
-                </a:solidFill>
-                <a:latin typeface="Courier New" panose="02070309020205020404" pitchFamily="49" charset="0"/>
-                <a:cs typeface="Courier New" panose="02070309020205020404" pitchFamily="49" charset="0"/>
-              </a:rPr>
-              <a:t> def loadProperties(file: String): Map[String, String] = macro loadPropertiesImpl</a:t>
-            </a:r>
-          </a:p>
-          <a:p>
-            <a:endParaRPr lang="en-US" sz="1400">
+              <a:rPr lang="en-US" dirty="0" err="1" smtClean="0">
+                <a:solidFill>
+                  <a:srgbClr val="92D050"/>
+                </a:solidFill>
+                <a:latin typeface="Courier New" panose="02070309020205020404" pitchFamily="49" charset="0"/>
+                <a:cs typeface="Courier New" panose="02070309020205020404" pitchFamily="49" charset="0"/>
+              </a:rPr>
+              <a:t>def</a:t>
+            </a:r>
+            <a:r>
+              <a:rPr lang="en-US" dirty="0" smtClean="0">
+                <a:solidFill>
+                  <a:srgbClr val="92D050"/>
+                </a:solidFill>
+                <a:latin typeface="Courier New" panose="02070309020205020404" pitchFamily="49" charset="0"/>
+                <a:cs typeface="Courier New" panose="02070309020205020404" pitchFamily="49" charset="0"/>
+              </a:rPr>
+              <a:t> </a:t>
+            </a:r>
+            <a:r>
+              <a:rPr lang="en-US" dirty="0" err="1">
+                <a:solidFill>
+                  <a:srgbClr val="92D050"/>
+                </a:solidFill>
+                <a:latin typeface="Courier New" panose="02070309020205020404" pitchFamily="49" charset="0"/>
+                <a:cs typeface="Courier New" panose="02070309020205020404" pitchFamily="49" charset="0"/>
+              </a:rPr>
+              <a:t>loadProperties</a:t>
+            </a:r>
+            <a:r>
+              <a:rPr lang="en-US" dirty="0">
+                <a:solidFill>
+                  <a:srgbClr val="92D050"/>
+                </a:solidFill>
+                <a:latin typeface="Courier New" panose="02070309020205020404" pitchFamily="49" charset="0"/>
+                <a:cs typeface="Courier New" panose="02070309020205020404" pitchFamily="49" charset="0"/>
+              </a:rPr>
+              <a:t>(file: String): Map[String, String] = macro </a:t>
+            </a:r>
+            <a:r>
+              <a:rPr lang="en-US" dirty="0" err="1">
+                <a:solidFill>
+                  <a:srgbClr val="92D050"/>
+                </a:solidFill>
+                <a:latin typeface="Courier New" panose="02070309020205020404" pitchFamily="49" charset="0"/>
+                <a:cs typeface="Courier New" panose="02070309020205020404" pitchFamily="49" charset="0"/>
+              </a:rPr>
+              <a:t>loadPropertiesImpl</a:t>
+            </a:r>
+            <a:endParaRPr lang="en-US" dirty="0">
               <a:solidFill>
                 <a:srgbClr val="92D050"/>
               </a:solidFill>
@@ -7381,31 +7244,7 @@
             </a:endParaRPr>
           </a:p>
           <a:p>
-            <a:r>
-              <a:rPr lang="en-US" sz="1400">
-                <a:solidFill>
-                  <a:srgbClr val="92D050"/>
-                </a:solidFill>
-                <a:latin typeface="Courier New" panose="02070309020205020404" pitchFamily="49" charset="0"/>
-                <a:cs typeface="Courier New" panose="02070309020205020404" pitchFamily="49" charset="0"/>
-              </a:rPr>
-              <a:t>  def loadPropertiesImpl(c: Context)(file: c.Expr[String]) = {</a:t>
-            </a:r>
-          </a:p>
-          <a:p>
-            <a:r>
-              <a:rPr lang="en-US" sz="1400">
-                <a:solidFill>
-                  <a:srgbClr val="92D050"/>
-                </a:solidFill>
-                <a:latin typeface="Courier New" panose="02070309020205020404" pitchFamily="49" charset="0"/>
-                <a:cs typeface="Courier New" panose="02070309020205020404" pitchFamily="49" charset="0"/>
-              </a:rPr>
-              <a:t>    import c.universe._</a:t>
-            </a:r>
-          </a:p>
-          <a:p>
-            <a:endParaRPr lang="en-US" sz="1400">
+            <a:endParaRPr lang="en-US" dirty="0">
               <a:solidFill>
                 <a:srgbClr val="92D050"/>
               </a:solidFill>
@@ -7415,30 +7254,110 @@
           </a:p>
           <a:p>
             <a:r>
-              <a:rPr lang="en-US" sz="1400">
-                <a:solidFill>
-                  <a:srgbClr val="92D050"/>
-                </a:solidFill>
-                <a:latin typeface="Courier New" panose="02070309020205020404" pitchFamily="49" charset="0"/>
-                <a:cs typeface="Courier New" panose="02070309020205020404" pitchFamily="49" charset="0"/>
-              </a:rPr>
-              <a:t>    // 1. (unlift) assume the expression is a string constant and just extract the value</a:t>
-            </a:r>
-          </a:p>
-          <a:p>
-            <a:r>
-              <a:rPr lang="en-US" sz="1400">
-                <a:solidFill>
-                  <a:srgbClr val="92D050"/>
-                </a:solidFill>
-                <a:latin typeface="Courier New" panose="02070309020205020404" pitchFamily="49" charset="0"/>
-                <a:cs typeface="Courier New" panose="02070309020205020404" pitchFamily="49" charset="0"/>
-              </a:rPr>
-              <a:t>    val q"${fileName: String}" = file.tree</a:t>
-            </a:r>
-          </a:p>
-          <a:p>
-            <a:endParaRPr lang="en-US" sz="1400">
+              <a:rPr lang="en-US" dirty="0" err="1" smtClean="0">
+                <a:solidFill>
+                  <a:srgbClr val="92D050"/>
+                </a:solidFill>
+                <a:latin typeface="Courier New" panose="02070309020205020404" pitchFamily="49" charset="0"/>
+                <a:cs typeface="Courier New" panose="02070309020205020404" pitchFamily="49" charset="0"/>
+              </a:rPr>
+              <a:t>def</a:t>
+            </a:r>
+            <a:r>
+              <a:rPr lang="en-US" dirty="0" smtClean="0">
+                <a:solidFill>
+                  <a:srgbClr val="92D050"/>
+                </a:solidFill>
+                <a:latin typeface="Courier New" panose="02070309020205020404" pitchFamily="49" charset="0"/>
+                <a:cs typeface="Courier New" panose="02070309020205020404" pitchFamily="49" charset="0"/>
+              </a:rPr>
+              <a:t> </a:t>
+            </a:r>
+            <a:r>
+              <a:rPr lang="en-US" dirty="0" err="1">
+                <a:solidFill>
+                  <a:srgbClr val="92D050"/>
+                </a:solidFill>
+                <a:latin typeface="Courier New" panose="02070309020205020404" pitchFamily="49" charset="0"/>
+                <a:cs typeface="Courier New" panose="02070309020205020404" pitchFamily="49" charset="0"/>
+              </a:rPr>
+              <a:t>loadPropertiesImpl</a:t>
+            </a:r>
+            <a:r>
+              <a:rPr lang="en-US" dirty="0">
+                <a:solidFill>
+                  <a:srgbClr val="92D050"/>
+                </a:solidFill>
+                <a:latin typeface="Courier New" panose="02070309020205020404" pitchFamily="49" charset="0"/>
+                <a:cs typeface="Courier New" panose="02070309020205020404" pitchFamily="49" charset="0"/>
+              </a:rPr>
+              <a:t>(c: Context)(file: </a:t>
+            </a:r>
+            <a:r>
+              <a:rPr lang="en-US" dirty="0" err="1">
+                <a:solidFill>
+                  <a:srgbClr val="92D050"/>
+                </a:solidFill>
+                <a:latin typeface="Courier New" panose="02070309020205020404" pitchFamily="49" charset="0"/>
+                <a:cs typeface="Courier New" panose="02070309020205020404" pitchFamily="49" charset="0"/>
+              </a:rPr>
+              <a:t>c.Expr</a:t>
+            </a:r>
+            <a:r>
+              <a:rPr lang="en-US" dirty="0">
+                <a:solidFill>
+                  <a:srgbClr val="92D050"/>
+                </a:solidFill>
+                <a:latin typeface="Courier New" panose="02070309020205020404" pitchFamily="49" charset="0"/>
+                <a:cs typeface="Courier New" panose="02070309020205020404" pitchFamily="49" charset="0"/>
+              </a:rPr>
+              <a:t>[String]) = </a:t>
+            </a:r>
+            <a:r>
+              <a:rPr lang="en-US" dirty="0" smtClean="0">
+                <a:solidFill>
+                  <a:srgbClr val="92D050"/>
+                </a:solidFill>
+                <a:latin typeface="Courier New" panose="02070309020205020404" pitchFamily="49" charset="0"/>
+                <a:cs typeface="Courier New" panose="02070309020205020404" pitchFamily="49" charset="0"/>
+              </a:rPr>
+              <a:t>{</a:t>
+            </a:r>
+          </a:p>
+          <a:p>
+            <a:r>
+              <a:rPr lang="en-US" dirty="0" smtClean="0">
+                <a:solidFill>
+                  <a:srgbClr val="92D050"/>
+                </a:solidFill>
+                <a:latin typeface="Courier New" panose="02070309020205020404" pitchFamily="49" charset="0"/>
+                <a:cs typeface="Courier New" panose="02070309020205020404" pitchFamily="49" charset="0"/>
+              </a:rPr>
+              <a:t>import </a:t>
+            </a:r>
+            <a:r>
+              <a:rPr lang="en-US" dirty="0" err="1" smtClean="0">
+                <a:solidFill>
+                  <a:srgbClr val="92D050"/>
+                </a:solidFill>
+                <a:latin typeface="Courier New" panose="02070309020205020404" pitchFamily="49" charset="0"/>
+                <a:cs typeface="Courier New" panose="02070309020205020404" pitchFamily="49" charset="0"/>
+              </a:rPr>
+              <a:t>c.universe</a:t>
+            </a:r>
+            <a:r>
+              <a:rPr lang="en-US" dirty="0" smtClean="0">
+                <a:solidFill>
+                  <a:srgbClr val="92D050"/>
+                </a:solidFill>
+                <a:latin typeface="Courier New" panose="02070309020205020404" pitchFamily="49" charset="0"/>
+                <a:cs typeface="Courier New" panose="02070309020205020404" pitchFamily="49" charset="0"/>
+              </a:rPr>
+              <a:t>._</a:t>
+            </a:r>
+          </a:p>
+          <a:p>
+            <a:endParaRPr lang="en-US" dirty="0" smtClean="0">
               <a:solidFill>
                 <a:srgbClr val="92D050"/>
               </a:solidFill>
@@ -7448,78 +7367,75 @@
           </a:p>
           <a:p>
             <a:r>
-              <a:rPr lang="en-US" sz="1400">
-                <a:solidFill>
-                  <a:srgbClr val="92D050"/>
-                </a:solidFill>
-                <a:latin typeface="Courier New" panose="02070309020205020404" pitchFamily="49" charset="0"/>
-                <a:cs typeface="Courier New" panose="02070309020205020404" pitchFamily="49" charset="0"/>
-              </a:rPr>
-              <a:t>    // 2. do the actual work</a:t>
-            </a:r>
-          </a:p>
-          <a:p>
-            <a:r>
-              <a:rPr lang="en-US" sz="1400">
-                <a:solidFill>
-                  <a:srgbClr val="92D050"/>
-                </a:solidFill>
-                <a:latin typeface="Courier New" panose="02070309020205020404" pitchFamily="49" charset="0"/>
-                <a:cs typeface="Courier New" panose="02070309020205020404" pitchFamily="49" charset="0"/>
-              </a:rPr>
-              <a:t>    val fis = new FileInputStream(fileName)</a:t>
-            </a:r>
-          </a:p>
-          <a:p>
-            <a:r>
-              <a:rPr lang="en-US" sz="1400">
-                <a:solidFill>
-                  <a:srgbClr val="92D050"/>
-                </a:solidFill>
-                <a:latin typeface="Courier New" panose="02070309020205020404" pitchFamily="49" charset="0"/>
-                <a:cs typeface="Courier New" panose="02070309020205020404" pitchFamily="49" charset="0"/>
-              </a:rPr>
-              <a:t>    val properties = new Properties</a:t>
-            </a:r>
-          </a:p>
-          <a:p>
-            <a:r>
-              <a:rPr lang="en-US" sz="1400">
-                <a:solidFill>
-                  <a:srgbClr val="92D050"/>
-                </a:solidFill>
-                <a:latin typeface="Courier New" panose="02070309020205020404" pitchFamily="49" charset="0"/>
-                <a:cs typeface="Courier New" panose="02070309020205020404" pitchFamily="49" charset="0"/>
-              </a:rPr>
-              <a:t>    properties.load(fis)</a:t>
-            </a:r>
-          </a:p>
-          <a:p>
-            <a:r>
-              <a:rPr lang="en-US" sz="1400">
-                <a:solidFill>
-                  <a:srgbClr val="92D050"/>
-                </a:solidFill>
-                <a:latin typeface="Courier New" panose="02070309020205020404" pitchFamily="49" charset="0"/>
-                <a:cs typeface="Courier New" panose="02070309020205020404" pitchFamily="49" charset="0"/>
-              </a:rPr>
-              <a:t>    fis.close()</a:t>
-            </a:r>
-          </a:p>
-          <a:p>
-            <a:r>
-              <a:rPr lang="en-US" sz="1400">
-                <a:solidFill>
-                  <a:srgbClr val="92D050"/>
-                </a:solidFill>
-                <a:latin typeface="Courier New" panose="02070309020205020404" pitchFamily="49" charset="0"/>
-                <a:cs typeface="Courier New" panose="02070309020205020404" pitchFamily="49" charset="0"/>
-              </a:rPr>
-              <a:t>    val propertiesMap = properties.asScala.toMap</a:t>
-            </a:r>
-          </a:p>
-          <a:p>
-            <a:endParaRPr lang="en-US" sz="1400">
+              <a:rPr lang="en-US" dirty="0" err="1" smtClean="0">
+                <a:solidFill>
+                  <a:srgbClr val="0070C0"/>
+                </a:solidFill>
+                <a:latin typeface="Courier New" panose="02070309020205020404" pitchFamily="49" charset="0"/>
+                <a:cs typeface="Courier New" panose="02070309020205020404" pitchFamily="49" charset="0"/>
+              </a:rPr>
+              <a:t>val</a:t>
+            </a:r>
+            <a:r>
+              <a:rPr lang="en-US" dirty="0" smtClean="0">
+                <a:solidFill>
+                  <a:srgbClr val="0070C0"/>
+                </a:solidFill>
+                <a:latin typeface="Courier New" panose="02070309020205020404" pitchFamily="49" charset="0"/>
+                <a:cs typeface="Courier New" panose="02070309020205020404" pitchFamily="49" charset="0"/>
+              </a:rPr>
+              <a:t> </a:t>
+            </a:r>
+            <a:r>
+              <a:rPr lang="en-US" dirty="0">
+                <a:solidFill>
+                  <a:srgbClr val="0070C0"/>
+                </a:solidFill>
+                <a:latin typeface="Courier New" panose="02070309020205020404" pitchFamily="49" charset="0"/>
+                <a:cs typeface="Courier New" panose="02070309020205020404" pitchFamily="49" charset="0"/>
+              </a:rPr>
+              <a:t>q"${</a:t>
+            </a:r>
+            <a:r>
+              <a:rPr lang="en-US" dirty="0" err="1">
+                <a:solidFill>
+                  <a:srgbClr val="0070C0"/>
+                </a:solidFill>
+                <a:latin typeface="Courier New" panose="02070309020205020404" pitchFamily="49" charset="0"/>
+                <a:cs typeface="Courier New" panose="02070309020205020404" pitchFamily="49" charset="0"/>
+              </a:rPr>
+              <a:t>fileName</a:t>
+            </a:r>
+            <a:r>
+              <a:rPr lang="en-US" dirty="0">
+                <a:solidFill>
+                  <a:srgbClr val="0070C0"/>
+                </a:solidFill>
+                <a:latin typeface="Courier New" panose="02070309020205020404" pitchFamily="49" charset="0"/>
+                <a:cs typeface="Courier New" panose="02070309020205020404" pitchFamily="49" charset="0"/>
+              </a:rPr>
+              <a:t>: String}" = </a:t>
+            </a:r>
+            <a:r>
+              <a:rPr lang="en-US" dirty="0" err="1">
+                <a:solidFill>
+                  <a:srgbClr val="0070C0"/>
+                </a:solidFill>
+                <a:latin typeface="Courier New" panose="02070309020205020404" pitchFamily="49" charset="0"/>
+                <a:cs typeface="Courier New" panose="02070309020205020404" pitchFamily="49" charset="0"/>
+              </a:rPr>
+              <a:t>file.tree</a:t>
+            </a:r>
+            <a:endParaRPr lang="en-US" dirty="0">
+              <a:solidFill>
+                <a:srgbClr val="0070C0"/>
+              </a:solidFill>
+              <a:latin typeface="Courier New" panose="02070309020205020404" pitchFamily="49" charset="0"/>
+              <a:cs typeface="Courier New" panose="02070309020205020404" pitchFamily="49" charset="0"/>
+            </a:endParaRPr>
+          </a:p>
+          <a:p>
+            <a:endParaRPr lang="en-US" dirty="0">
               <a:solidFill>
                 <a:srgbClr val="92D050"/>
               </a:solidFill>
@@ -7529,40 +7445,304 @@
           </a:p>
           <a:p>
             <a:r>
-              <a:rPr lang="en-US" sz="1400">
-                <a:solidFill>
-                  <a:srgbClr val="92D050"/>
-                </a:solidFill>
-                <a:latin typeface="Courier New" panose="02070309020205020404" pitchFamily="49" charset="0"/>
-                <a:cs typeface="Courier New" panose="02070309020205020404" pitchFamily="49" charset="0"/>
-              </a:rPr>
-              <a:t>    // 3. (lift) quasiquotes generates the code for creating a map with the values of propertiesMap</a:t>
-            </a:r>
-          </a:p>
-          <a:p>
-            <a:r>
-              <a:rPr lang="en-US" sz="1400">
-                <a:solidFill>
-                  <a:srgbClr val="92D050"/>
-                </a:solidFill>
-                <a:latin typeface="Courier New" panose="02070309020205020404" pitchFamily="49" charset="0"/>
-                <a:cs typeface="Courier New" panose="02070309020205020404" pitchFamily="49" charset="0"/>
-              </a:rPr>
-              <a:t>    q"$propertiesMap"</a:t>
-            </a:r>
-          </a:p>
-          <a:p>
-            <a:r>
-              <a:rPr lang="en-US" sz="1400">
-                <a:solidFill>
-                  <a:srgbClr val="92D050"/>
-                </a:solidFill>
-                <a:latin typeface="Courier New" panose="02070309020205020404" pitchFamily="49" charset="0"/>
-                <a:cs typeface="Courier New" panose="02070309020205020404" pitchFamily="49" charset="0"/>
-              </a:rPr>
-              <a:t>  }</a:t>
-            </a:r>
-            <a:endParaRPr lang="en-US" sz="1400" dirty="0">
+              <a:rPr lang="en-US" dirty="0" err="1" smtClean="0">
+                <a:solidFill>
+                  <a:srgbClr val="92D050"/>
+                </a:solidFill>
+                <a:latin typeface="Courier New" panose="02070309020205020404" pitchFamily="49" charset="0"/>
+                <a:cs typeface="Courier New" panose="02070309020205020404" pitchFamily="49" charset="0"/>
+              </a:rPr>
+              <a:t>val</a:t>
+            </a:r>
+            <a:r>
+              <a:rPr lang="en-US" dirty="0" smtClean="0">
+                <a:solidFill>
+                  <a:srgbClr val="92D050"/>
+                </a:solidFill>
+                <a:latin typeface="Courier New" panose="02070309020205020404" pitchFamily="49" charset="0"/>
+                <a:cs typeface="Courier New" panose="02070309020205020404" pitchFamily="49" charset="0"/>
+              </a:rPr>
+              <a:t> </a:t>
+            </a:r>
+            <a:r>
+              <a:rPr lang="en-US" dirty="0" err="1">
+                <a:solidFill>
+                  <a:srgbClr val="92D050"/>
+                </a:solidFill>
+                <a:latin typeface="Courier New" panose="02070309020205020404" pitchFamily="49" charset="0"/>
+                <a:cs typeface="Courier New" panose="02070309020205020404" pitchFamily="49" charset="0"/>
+              </a:rPr>
+              <a:t>fis</a:t>
+            </a:r>
+            <a:r>
+              <a:rPr lang="en-US" dirty="0">
+                <a:solidFill>
+                  <a:srgbClr val="92D050"/>
+                </a:solidFill>
+                <a:latin typeface="Courier New" panose="02070309020205020404" pitchFamily="49" charset="0"/>
+                <a:cs typeface="Courier New" panose="02070309020205020404" pitchFamily="49" charset="0"/>
+              </a:rPr>
+              <a:t> = new </a:t>
+            </a:r>
+            <a:r>
+              <a:rPr lang="en-US" dirty="0" err="1">
+                <a:solidFill>
+                  <a:srgbClr val="92D050"/>
+                </a:solidFill>
+                <a:latin typeface="Courier New" panose="02070309020205020404" pitchFamily="49" charset="0"/>
+                <a:cs typeface="Courier New" panose="02070309020205020404" pitchFamily="49" charset="0"/>
+              </a:rPr>
+              <a:t>FileInputStream</a:t>
+            </a:r>
+            <a:r>
+              <a:rPr lang="en-US" dirty="0">
+                <a:solidFill>
+                  <a:srgbClr val="92D050"/>
+                </a:solidFill>
+                <a:latin typeface="Courier New" panose="02070309020205020404" pitchFamily="49" charset="0"/>
+                <a:cs typeface="Courier New" panose="02070309020205020404" pitchFamily="49" charset="0"/>
+              </a:rPr>
+              <a:t>(</a:t>
+            </a:r>
+            <a:r>
+              <a:rPr lang="en-US" dirty="0" err="1">
+                <a:solidFill>
+                  <a:srgbClr val="92D050"/>
+                </a:solidFill>
+                <a:latin typeface="Courier New" panose="02070309020205020404" pitchFamily="49" charset="0"/>
+                <a:cs typeface="Courier New" panose="02070309020205020404" pitchFamily="49" charset="0"/>
+              </a:rPr>
+              <a:t>fileName</a:t>
+            </a:r>
+            <a:r>
+              <a:rPr lang="en-US" dirty="0">
+                <a:solidFill>
+                  <a:srgbClr val="92D050"/>
+                </a:solidFill>
+                <a:latin typeface="Courier New" panose="02070309020205020404" pitchFamily="49" charset="0"/>
+                <a:cs typeface="Courier New" panose="02070309020205020404" pitchFamily="49" charset="0"/>
+              </a:rPr>
+              <a:t>)</a:t>
+            </a:r>
+          </a:p>
+          <a:p>
+            <a:r>
+              <a:rPr lang="en-US" dirty="0" err="1" smtClean="0">
+                <a:solidFill>
+                  <a:srgbClr val="92D050"/>
+                </a:solidFill>
+                <a:latin typeface="Courier New" panose="02070309020205020404" pitchFamily="49" charset="0"/>
+                <a:cs typeface="Courier New" panose="02070309020205020404" pitchFamily="49" charset="0"/>
+              </a:rPr>
+              <a:t>val</a:t>
+            </a:r>
+            <a:r>
+              <a:rPr lang="en-US" dirty="0" smtClean="0">
+                <a:solidFill>
+                  <a:srgbClr val="92D050"/>
+                </a:solidFill>
+                <a:latin typeface="Courier New" panose="02070309020205020404" pitchFamily="49" charset="0"/>
+                <a:cs typeface="Courier New" panose="02070309020205020404" pitchFamily="49" charset="0"/>
+              </a:rPr>
+              <a:t> </a:t>
+            </a:r>
+            <a:r>
+              <a:rPr lang="en-US" dirty="0">
+                <a:solidFill>
+                  <a:srgbClr val="92D050"/>
+                </a:solidFill>
+                <a:latin typeface="Courier New" panose="02070309020205020404" pitchFamily="49" charset="0"/>
+                <a:cs typeface="Courier New" panose="02070309020205020404" pitchFamily="49" charset="0"/>
+              </a:rPr>
+              <a:t>properties = new Properties</a:t>
+            </a:r>
+          </a:p>
+          <a:p>
+            <a:r>
+              <a:rPr lang="en-US" dirty="0" err="1" smtClean="0">
+                <a:solidFill>
+                  <a:srgbClr val="92D050"/>
+                </a:solidFill>
+                <a:latin typeface="Courier New" panose="02070309020205020404" pitchFamily="49" charset="0"/>
+                <a:cs typeface="Courier New" panose="02070309020205020404" pitchFamily="49" charset="0"/>
+              </a:rPr>
+              <a:t>properties.load</a:t>
+            </a:r>
+            <a:r>
+              <a:rPr lang="en-US" dirty="0" smtClean="0">
+                <a:solidFill>
+                  <a:srgbClr val="92D050"/>
+                </a:solidFill>
+                <a:latin typeface="Courier New" panose="02070309020205020404" pitchFamily="49" charset="0"/>
+                <a:cs typeface="Courier New" panose="02070309020205020404" pitchFamily="49" charset="0"/>
+              </a:rPr>
+              <a:t>(</a:t>
+            </a:r>
+            <a:r>
+              <a:rPr lang="en-US" dirty="0" err="1" smtClean="0">
+                <a:solidFill>
+                  <a:srgbClr val="92D050"/>
+                </a:solidFill>
+                <a:latin typeface="Courier New" panose="02070309020205020404" pitchFamily="49" charset="0"/>
+                <a:cs typeface="Courier New" panose="02070309020205020404" pitchFamily="49" charset="0"/>
+              </a:rPr>
+              <a:t>fis</a:t>
+            </a:r>
+            <a:r>
+              <a:rPr lang="en-US" dirty="0">
+                <a:solidFill>
+                  <a:srgbClr val="92D050"/>
+                </a:solidFill>
+                <a:latin typeface="Courier New" panose="02070309020205020404" pitchFamily="49" charset="0"/>
+                <a:cs typeface="Courier New" panose="02070309020205020404" pitchFamily="49" charset="0"/>
+              </a:rPr>
+              <a:t>)</a:t>
+            </a:r>
+          </a:p>
+          <a:p>
+            <a:r>
+              <a:rPr lang="en-US" dirty="0" err="1" smtClean="0">
+                <a:solidFill>
+                  <a:srgbClr val="92D050"/>
+                </a:solidFill>
+                <a:latin typeface="Courier New" panose="02070309020205020404" pitchFamily="49" charset="0"/>
+                <a:cs typeface="Courier New" panose="02070309020205020404" pitchFamily="49" charset="0"/>
+              </a:rPr>
+              <a:t>fis.close</a:t>
+            </a:r>
+            <a:r>
+              <a:rPr lang="en-US" dirty="0">
+                <a:solidFill>
+                  <a:srgbClr val="92D050"/>
+                </a:solidFill>
+                <a:latin typeface="Courier New" panose="02070309020205020404" pitchFamily="49" charset="0"/>
+                <a:cs typeface="Courier New" panose="02070309020205020404" pitchFamily="49" charset="0"/>
+              </a:rPr>
+              <a:t>()</a:t>
+            </a:r>
+          </a:p>
+          <a:p>
+            <a:r>
+              <a:rPr lang="en-US" dirty="0" err="1" smtClean="0">
+                <a:solidFill>
+                  <a:srgbClr val="92D050"/>
+                </a:solidFill>
+                <a:latin typeface="Courier New" panose="02070309020205020404" pitchFamily="49" charset="0"/>
+                <a:cs typeface="Courier New" panose="02070309020205020404" pitchFamily="49" charset="0"/>
+              </a:rPr>
+              <a:t>val</a:t>
+            </a:r>
+            <a:r>
+              <a:rPr lang="en-US" dirty="0" smtClean="0">
+                <a:solidFill>
+                  <a:srgbClr val="92D050"/>
+                </a:solidFill>
+                <a:latin typeface="Courier New" panose="02070309020205020404" pitchFamily="49" charset="0"/>
+                <a:cs typeface="Courier New" panose="02070309020205020404" pitchFamily="49" charset="0"/>
+              </a:rPr>
+              <a:t> </a:t>
+            </a:r>
+            <a:r>
+              <a:rPr lang="en-US" dirty="0" err="1">
+                <a:solidFill>
+                  <a:srgbClr val="92D050"/>
+                </a:solidFill>
+                <a:latin typeface="Courier New" panose="02070309020205020404" pitchFamily="49" charset="0"/>
+                <a:cs typeface="Courier New" panose="02070309020205020404" pitchFamily="49" charset="0"/>
+              </a:rPr>
+              <a:t>propertiesMap</a:t>
+            </a:r>
+            <a:r>
+              <a:rPr lang="en-US" dirty="0">
+                <a:solidFill>
+                  <a:srgbClr val="92D050"/>
+                </a:solidFill>
+                <a:latin typeface="Courier New" panose="02070309020205020404" pitchFamily="49" charset="0"/>
+                <a:cs typeface="Courier New" panose="02070309020205020404" pitchFamily="49" charset="0"/>
+              </a:rPr>
+              <a:t> = </a:t>
+            </a:r>
+            <a:r>
+              <a:rPr lang="en-US" dirty="0" err="1">
+                <a:solidFill>
+                  <a:srgbClr val="92D050"/>
+                </a:solidFill>
+                <a:latin typeface="Courier New" panose="02070309020205020404" pitchFamily="49" charset="0"/>
+                <a:cs typeface="Courier New" panose="02070309020205020404" pitchFamily="49" charset="0"/>
+              </a:rPr>
+              <a:t>properties.asScala.toMap</a:t>
+            </a:r>
+            <a:endParaRPr lang="en-US" dirty="0">
+              <a:solidFill>
+                <a:srgbClr val="92D050"/>
+              </a:solidFill>
+              <a:latin typeface="Courier New" panose="02070309020205020404" pitchFamily="49" charset="0"/>
+              <a:cs typeface="Courier New" panose="02070309020205020404" pitchFamily="49" charset="0"/>
+            </a:endParaRPr>
+          </a:p>
+          <a:p>
+            <a:endParaRPr lang="en-US" dirty="0">
+              <a:solidFill>
+                <a:srgbClr val="92D050"/>
+              </a:solidFill>
+              <a:latin typeface="Courier New" panose="02070309020205020404" pitchFamily="49" charset="0"/>
+              <a:cs typeface="Courier New" panose="02070309020205020404" pitchFamily="49" charset="0"/>
+            </a:endParaRPr>
+          </a:p>
+          <a:p>
+            <a:r>
+              <a:rPr lang="en-US" dirty="0" smtClean="0">
+                <a:solidFill>
+                  <a:srgbClr val="0070C0"/>
+                </a:solidFill>
+                <a:latin typeface="Courier New" panose="02070309020205020404" pitchFamily="49" charset="0"/>
+                <a:cs typeface="Courier New" panose="02070309020205020404" pitchFamily="49" charset="0"/>
+              </a:rPr>
+              <a:t>q</a:t>
+            </a:r>
+            <a:r>
+              <a:rPr lang="en-US" dirty="0">
+                <a:solidFill>
+                  <a:srgbClr val="0070C0"/>
+                </a:solidFill>
+                <a:latin typeface="Courier New" panose="02070309020205020404" pitchFamily="49" charset="0"/>
+                <a:cs typeface="Courier New" panose="02070309020205020404" pitchFamily="49" charset="0"/>
+              </a:rPr>
+              <a:t>"$</a:t>
+            </a:r>
+            <a:r>
+              <a:rPr lang="en-US" dirty="0" err="1">
+                <a:solidFill>
+                  <a:srgbClr val="0070C0"/>
+                </a:solidFill>
+                <a:latin typeface="Courier New" panose="02070309020205020404" pitchFamily="49" charset="0"/>
+                <a:cs typeface="Courier New" panose="02070309020205020404" pitchFamily="49" charset="0"/>
+              </a:rPr>
+              <a:t>propertiesMap</a:t>
+            </a:r>
+            <a:r>
+              <a:rPr lang="en-US" dirty="0">
+                <a:solidFill>
+                  <a:srgbClr val="0070C0"/>
+                </a:solidFill>
+                <a:latin typeface="Courier New" panose="02070309020205020404" pitchFamily="49" charset="0"/>
+                <a:cs typeface="Courier New" panose="02070309020205020404" pitchFamily="49" charset="0"/>
+              </a:rPr>
+              <a:t>"</a:t>
+            </a:r>
+          </a:p>
+          <a:p>
+            <a:r>
+              <a:rPr lang="en-US" dirty="0" smtClean="0">
+                <a:solidFill>
+                  <a:srgbClr val="92D050"/>
+                </a:solidFill>
+                <a:latin typeface="Courier New" panose="02070309020205020404" pitchFamily="49" charset="0"/>
+                <a:cs typeface="Courier New" panose="02070309020205020404" pitchFamily="49" charset="0"/>
+              </a:rPr>
+              <a:t>}</a:t>
+            </a:r>
+            <a:endParaRPr lang="en-US" dirty="0">
               <a:solidFill>
                 <a:srgbClr val="92D050"/>
               </a:solidFill>

--- a/Scala_metaprogramming.pptx
+++ b/Scala_metaprogramming.pptx
@@ -5111,7 +5111,7 @@
         <p:spPr>
           <a:xfrm>
             <a:off x="563672" y="1691014"/>
-            <a:ext cx="7818328" cy="369332"/>
+            <a:ext cx="7818328" cy="4801314"/>
           </a:xfrm>
           <a:prstGeom prst="rect">
             <a:avLst/>
@@ -5129,11 +5129,240 @@
               <a:buChar char="•"/>
             </a:pPr>
             <a:r>
-              <a:rPr lang="lv-LV" dirty="0" smtClean="0">
+              <a:rPr lang="en-US" dirty="0" smtClean="0">
                 <a:latin typeface="Comic Sans MS" panose="030F0702030302020204" pitchFamily="66" charset="0"/>
                 <a:cs typeface="Consolas" panose="020B0609020204030204" pitchFamily="49" charset="0"/>
               </a:rPr>
-              <a:t>TODO</a:t>
+              <a:t>Introduced in Scala 2.10.</a:t>
+            </a:r>
+          </a:p>
+          <a:p>
+            <a:pPr marL="285750" indent="-285750">
+              <a:buFont typeface="Arial" panose="020B0604020202020204" pitchFamily="34" charset="0"/>
+              <a:buChar char="•"/>
+            </a:pPr>
+            <a:r>
+              <a:rPr lang="en-US" dirty="0" smtClean="0">
+                <a:latin typeface="Comic Sans MS" panose="030F0702030302020204" pitchFamily="66" charset="0"/>
+                <a:cs typeface="Consolas" panose="020B0609020204030204" pitchFamily="49" charset="0"/>
+              </a:rPr>
+              <a:t>Main idea: replace special method call with arbitrary code at compile time</a:t>
+            </a:r>
+          </a:p>
+          <a:p>
+            <a:pPr marL="285750" indent="-285750">
+              <a:buFont typeface="Arial" panose="020B0604020202020204" pitchFamily="34" charset="0"/>
+              <a:buChar char="•"/>
+            </a:pPr>
+            <a:r>
+              <a:rPr lang="en-US" dirty="0">
+                <a:latin typeface="Comic Sans MS" panose="030F0702030302020204" pitchFamily="66" charset="0"/>
+                <a:cs typeface="Consolas" panose="020B0609020204030204" pitchFamily="49" charset="0"/>
+              </a:rPr>
+              <a:t>Is type safe – must specify the return </a:t>
+            </a:r>
+            <a:r>
+              <a:rPr lang="en-US" dirty="0" smtClean="0">
+                <a:latin typeface="Comic Sans MS" panose="030F0702030302020204" pitchFamily="66" charset="0"/>
+                <a:cs typeface="Consolas" panose="020B0609020204030204" pitchFamily="49" charset="0"/>
+              </a:rPr>
+              <a:t>type</a:t>
+            </a:r>
+            <a:endParaRPr lang="en-US" dirty="0" smtClean="0">
+              <a:latin typeface="Comic Sans MS" panose="030F0702030302020204" pitchFamily="66" charset="0"/>
+              <a:cs typeface="Consolas" panose="020B0609020204030204" pitchFamily="49" charset="0"/>
+            </a:endParaRPr>
+          </a:p>
+          <a:p>
+            <a:pPr marL="285750" indent="-285750">
+              <a:buFont typeface="Arial" panose="020B0604020202020204" pitchFamily="34" charset="0"/>
+              <a:buChar char="•"/>
+            </a:pPr>
+            <a:r>
+              <a:rPr lang="en-US" dirty="0" smtClean="0">
+                <a:latin typeface="Comic Sans MS" panose="030F0702030302020204" pitchFamily="66" charset="0"/>
+                <a:cs typeface="Consolas" panose="020B0609020204030204" pitchFamily="49" charset="0"/>
+              </a:rPr>
+              <a:t>Works with abstract syntax trees(AST), not text !!!</a:t>
+            </a:r>
+          </a:p>
+          <a:p>
+            <a:pPr marL="285750" indent="-285750">
+              <a:buFont typeface="Arial" panose="020B0604020202020204" pitchFamily="34" charset="0"/>
+              <a:buChar char="•"/>
+            </a:pPr>
+            <a:r>
+              <a:rPr lang="en-US" dirty="0" smtClean="0">
+                <a:latin typeface="Comic Sans MS" panose="030F0702030302020204" pitchFamily="66" charset="0"/>
+                <a:cs typeface="Consolas" panose="020B0609020204030204" pitchFamily="49" charset="0"/>
+              </a:rPr>
+              <a:t>You can run arbitrary Scala code in the macro</a:t>
+            </a:r>
+          </a:p>
+          <a:p>
+            <a:pPr marL="285750" indent="-285750">
+              <a:buFont typeface="Arial" panose="020B0604020202020204" pitchFamily="34" charset="0"/>
+              <a:buChar char="•"/>
+            </a:pPr>
+            <a:endParaRPr lang="en-US" dirty="0">
+              <a:latin typeface="Comic Sans MS" panose="030F0702030302020204" pitchFamily="66" charset="0"/>
+              <a:cs typeface="Consolas" panose="020B0609020204030204" pitchFamily="49" charset="0"/>
+            </a:endParaRPr>
+          </a:p>
+          <a:p>
+            <a:pPr marL="285750" indent="-285750">
+              <a:buFont typeface="Arial" panose="020B0604020202020204" pitchFamily="34" charset="0"/>
+              <a:buChar char="•"/>
+            </a:pPr>
+            <a:r>
+              <a:rPr lang="en-US" dirty="0" smtClean="0">
+                <a:latin typeface="Comic Sans MS" panose="030F0702030302020204" pitchFamily="66" charset="0"/>
+                <a:cs typeface="Consolas" panose="020B0609020204030204" pitchFamily="49" charset="0"/>
+              </a:rPr>
+              <a:t>Macros must be enabled by:</a:t>
+            </a:r>
+          </a:p>
+          <a:p>
+            <a:pPr marL="742950" lvl="1" indent="-285750">
+              <a:buFont typeface="Arial" panose="020B0604020202020204" pitchFamily="34" charset="0"/>
+              <a:buChar char="•"/>
+            </a:pPr>
+            <a:r>
+              <a:rPr lang="en-US" dirty="0">
+                <a:latin typeface="Comic Sans MS" panose="030F0702030302020204" pitchFamily="66" charset="0"/>
+                <a:cs typeface="Consolas" panose="020B0609020204030204" pitchFamily="49" charset="0"/>
+              </a:rPr>
+              <a:t>“import </a:t>
+            </a:r>
+            <a:r>
+              <a:rPr lang="en-US" dirty="0" err="1">
+                <a:latin typeface="Comic Sans MS" panose="030F0702030302020204" pitchFamily="66" charset="0"/>
+                <a:cs typeface="Consolas" panose="020B0609020204030204" pitchFamily="49" charset="0"/>
+              </a:rPr>
+              <a:t>scala.language.experimental.macros</a:t>
+            </a:r>
+            <a:r>
+              <a:rPr lang="en-US" dirty="0" smtClean="0">
+                <a:latin typeface="Comic Sans MS" panose="030F0702030302020204" pitchFamily="66" charset="0"/>
+                <a:cs typeface="Consolas" panose="020B0609020204030204" pitchFamily="49" charset="0"/>
+              </a:rPr>
+              <a:t>”</a:t>
+            </a:r>
+          </a:p>
+          <a:p>
+            <a:pPr marL="285750" indent="-285750">
+              <a:buFont typeface="Arial" panose="020B0604020202020204" pitchFamily="34" charset="0"/>
+              <a:buChar char="•"/>
+            </a:pPr>
+            <a:r>
+              <a:rPr lang="en-US" dirty="0" smtClean="0">
+                <a:latin typeface="Comic Sans MS" panose="030F0702030302020204" pitchFamily="66" charset="0"/>
+                <a:cs typeface="Consolas" panose="020B0609020204030204" pitchFamily="49" charset="0"/>
+              </a:rPr>
+              <a:t>The macro implementation must be compiled before using it</a:t>
+            </a:r>
+          </a:p>
+          <a:p>
+            <a:pPr marL="742950" lvl="1" indent="-285750">
+              <a:buFont typeface="Arial" panose="020B0604020202020204" pitchFamily="34" charset="0"/>
+              <a:buChar char="•"/>
+            </a:pPr>
+            <a:r>
+              <a:rPr lang="en-US" dirty="0" smtClean="0">
+                <a:latin typeface="Comic Sans MS" panose="030F0702030302020204" pitchFamily="66" charset="0"/>
+                <a:cs typeface="Consolas" panose="020B0609020204030204" pitchFamily="49" charset="0"/>
+              </a:rPr>
+              <a:t>Creating an </a:t>
+            </a:r>
+            <a:r>
+              <a:rPr lang="en-US" dirty="0" err="1" smtClean="0">
+                <a:latin typeface="Comic Sans MS" panose="030F0702030302020204" pitchFamily="66" charset="0"/>
+                <a:cs typeface="Consolas" panose="020B0609020204030204" pitchFamily="49" charset="0"/>
+              </a:rPr>
+              <a:t>sbt</a:t>
+            </a:r>
+            <a:r>
+              <a:rPr lang="en-US" dirty="0" smtClean="0">
+                <a:latin typeface="Comic Sans MS" panose="030F0702030302020204" pitchFamily="66" charset="0"/>
+                <a:cs typeface="Consolas" panose="020B0609020204030204" pitchFamily="49" charset="0"/>
+              </a:rPr>
+              <a:t> subproject works fine</a:t>
+            </a:r>
+          </a:p>
+          <a:p>
+            <a:pPr marL="285750" indent="-285750">
+              <a:buFont typeface="Arial" panose="020B0604020202020204" pitchFamily="34" charset="0"/>
+              <a:buChar char="•"/>
+            </a:pPr>
+            <a:endParaRPr lang="en-US" dirty="0">
+              <a:latin typeface="Comic Sans MS" panose="030F0702030302020204" pitchFamily="66" charset="0"/>
+              <a:cs typeface="Consolas" panose="020B0609020204030204" pitchFamily="49" charset="0"/>
+            </a:endParaRPr>
+          </a:p>
+          <a:p>
+            <a:pPr marL="285750" indent="-285750">
+              <a:buFont typeface="Arial" panose="020B0604020202020204" pitchFamily="34" charset="0"/>
+              <a:buChar char="•"/>
+            </a:pPr>
+            <a:endParaRPr lang="en-US" dirty="0" smtClean="0">
+              <a:latin typeface="Comic Sans MS" panose="030F0702030302020204" pitchFamily="66" charset="0"/>
+              <a:cs typeface="Consolas" panose="020B0609020204030204" pitchFamily="49" charset="0"/>
+            </a:endParaRPr>
+          </a:p>
+          <a:p>
+            <a:pPr marL="285750" indent="-285750">
+              <a:buFont typeface="Arial" panose="020B0604020202020204" pitchFamily="34" charset="0"/>
+              <a:buChar char="•"/>
+            </a:pPr>
+            <a:endParaRPr lang="en-US" dirty="0" smtClean="0">
+              <a:latin typeface="Comic Sans MS" panose="030F0702030302020204" pitchFamily="66" charset="0"/>
+              <a:cs typeface="Consolas" panose="020B0609020204030204" pitchFamily="49" charset="0"/>
+            </a:endParaRPr>
+          </a:p>
+          <a:p>
+            <a:pPr marL="285750" indent="-285750">
+              <a:buFont typeface="Arial" panose="020B0604020202020204" pitchFamily="34" charset="0"/>
+              <a:buChar char="•"/>
+            </a:pPr>
+            <a:r>
+              <a:rPr lang="en-GB" dirty="0" smtClean="0">
+                <a:latin typeface="Comic Sans MS" panose="030F0702030302020204" pitchFamily="66" charset="0"/>
+                <a:cs typeface="Consolas" panose="020B0609020204030204" pitchFamily="49" charset="0"/>
+              </a:rPr>
+              <a:t>Notable uses: </a:t>
+            </a:r>
+          </a:p>
+          <a:p>
+            <a:pPr marL="742950" lvl="1" indent="-285750">
+              <a:buFont typeface="Arial" panose="020B0604020202020204" pitchFamily="34" charset="0"/>
+              <a:buChar char="•"/>
+            </a:pPr>
+            <a:r>
+              <a:rPr lang="en-GB" dirty="0" err="1" smtClean="0">
+                <a:latin typeface="Comic Sans MS" panose="030F0702030302020204" pitchFamily="66" charset="0"/>
+                <a:cs typeface="Consolas" panose="020B0609020204030204" pitchFamily="49" charset="0"/>
+              </a:rPr>
+              <a:t>async</a:t>
+            </a:r>
+            <a:r>
+              <a:rPr lang="en-GB" dirty="0" smtClean="0">
+                <a:latin typeface="Comic Sans MS" panose="030F0702030302020204" pitchFamily="66" charset="0"/>
+                <a:cs typeface="Consolas" panose="020B0609020204030204" pitchFamily="49" charset="0"/>
+              </a:rPr>
+              <a:t> macro in Scala standard library</a:t>
+            </a:r>
+          </a:p>
+          <a:p>
+            <a:pPr marL="742950" lvl="1" indent="-285750">
+              <a:buFont typeface="Arial" panose="020B0604020202020204" pitchFamily="34" charset="0"/>
+              <a:buChar char="•"/>
+            </a:pPr>
+            <a:r>
+              <a:rPr lang="en-GB" dirty="0" smtClean="0">
+                <a:latin typeface="Comic Sans MS" panose="030F0702030302020204" pitchFamily="66" charset="0"/>
+                <a:cs typeface="Consolas" panose="020B0609020204030204" pitchFamily="49" charset="0"/>
+              </a:rPr>
+              <a:t>Play macros for generating JSON formatters</a:t>
             </a:r>
             <a:endParaRPr lang="en-GB" dirty="0">
               <a:latin typeface="Comic Sans MS" panose="030F0702030302020204" pitchFamily="66" charset="0"/>
@@ -6989,14 +7218,7 @@
                 <a:latin typeface="Comic Sans MS" panose="030F0702030302020204" pitchFamily="66" charset="0"/>
                 <a:cs typeface="Consolas" panose="020B0609020204030204" pitchFamily="49" charset="0"/>
               </a:rPr>
-              <a:t>Introduced in Scala </a:t>
-            </a:r>
-            <a:r>
-              <a:rPr lang="en-US" smtClean="0">
-                <a:latin typeface="Comic Sans MS" panose="030F0702030302020204" pitchFamily="66" charset="0"/>
-                <a:cs typeface="Consolas" panose="020B0609020204030204" pitchFamily="49" charset="0"/>
-              </a:rPr>
-              <a:t>2.11.</a:t>
+              <a:t>Introduced in Scala 2.11.</a:t>
             </a:r>
           </a:p>
           <a:p>

--- a/Scala_metaprogramming.pptx
+++ b/Scala_metaprogramming.pptx
@@ -5183,7 +5183,7 @@
                 <a:latin typeface="Comic Sans MS" panose="030F0702030302020204" pitchFamily="66" charset="0"/>
                 <a:cs typeface="Consolas" panose="020B0609020204030204" pitchFamily="49" charset="0"/>
               </a:rPr>
-              <a:t>Works with abstract syntax trees(AST), not text !!!</a:t>
+              <a:t>Works with abstract syntax trees(ASTs), not text !!!</a:t>
             </a:r>
           </a:p>
           <a:p>
@@ -5228,26 +5228,23 @@
               <a:buChar char="•"/>
             </a:pPr>
             <a:r>
-              <a:rPr lang="en-US" dirty="0">
-                <a:latin typeface="Comic Sans MS" panose="030F0702030302020204" pitchFamily="66" charset="0"/>
-                <a:cs typeface="Consolas" panose="020B0609020204030204" pitchFamily="49" charset="0"/>
-              </a:rPr>
-              <a:t>“import </a:t>
-            </a:r>
-            <a:r>
-              <a:rPr lang="en-US" dirty="0" err="1">
-                <a:latin typeface="Comic Sans MS" panose="030F0702030302020204" pitchFamily="66" charset="0"/>
-                <a:cs typeface="Consolas" panose="020B0609020204030204" pitchFamily="49" charset="0"/>
-              </a:rPr>
-              <a:t>scala.language.experimental.macros</a:t>
-            </a:r>
-            <a:r>
               <a:rPr lang="en-US" dirty="0" smtClean="0">
                 <a:latin typeface="Comic Sans MS" panose="030F0702030302020204" pitchFamily="66" charset="0"/>
                 <a:cs typeface="Consolas" panose="020B0609020204030204" pitchFamily="49" charset="0"/>
               </a:rPr>
-              <a:t>”</a:t>
-            </a:r>
+              <a:t>import </a:t>
+            </a:r>
+            <a:r>
+              <a:rPr lang="en-US" dirty="0" err="1" smtClean="0">
+                <a:latin typeface="Comic Sans MS" panose="030F0702030302020204" pitchFamily="66" charset="0"/>
+                <a:cs typeface="Consolas" panose="020B0609020204030204" pitchFamily="49" charset="0"/>
+              </a:rPr>
+              <a:t>scala.language.experimental.macros</a:t>
+            </a:r>
+            <a:endParaRPr lang="en-US" dirty="0" smtClean="0">
+              <a:latin typeface="Comic Sans MS" panose="030F0702030302020204" pitchFamily="66" charset="0"/>
+              <a:cs typeface="Consolas" panose="020B0609020204030204" pitchFamily="49" charset="0"/>
+            </a:endParaRPr>
           </a:p>
           <a:p>
             <a:pPr marL="285750" indent="-285750">
@@ -5455,7 +5452,7 @@
         <p:spPr>
           <a:xfrm>
             <a:off x="563672" y="1691014"/>
-            <a:ext cx="7818328" cy="369332"/>
+            <a:ext cx="7818328" cy="5047536"/>
           </a:xfrm>
           <a:prstGeom prst="rect">
             <a:avLst/>
@@ -5473,13 +5470,253 @@
               <a:buChar char="•"/>
             </a:pPr>
             <a:r>
-              <a:rPr lang="lv-LV" dirty="0" smtClean="0">
+              <a:rPr lang="en-US" dirty="0" smtClean="0">
                 <a:latin typeface="Comic Sans MS" panose="030F0702030302020204" pitchFamily="66" charset="0"/>
                 <a:cs typeface="Consolas" panose="020B0609020204030204" pitchFamily="49" charset="0"/>
               </a:rPr>
-              <a:t>TODO</a:t>
+              <a:t>Represents program structure</a:t>
+            </a:r>
+          </a:p>
+          <a:p>
+            <a:pPr marL="285750" indent="-285750">
+              <a:buFont typeface="Arial" panose="020B0604020202020204" pitchFamily="34" charset="0"/>
+              <a:buChar char="•"/>
+            </a:pPr>
+            <a:r>
+              <a:rPr lang="en-US" dirty="0" smtClean="0">
+                <a:latin typeface="Comic Sans MS" panose="030F0702030302020204" pitchFamily="66" charset="0"/>
+                <a:cs typeface="Consolas" panose="020B0609020204030204" pitchFamily="49" charset="0"/>
+              </a:rPr>
+              <a:t>Normally generated from program text</a:t>
+            </a:r>
+          </a:p>
+          <a:p>
+            <a:pPr marL="285750" indent="-285750">
+              <a:buFont typeface="Arial" panose="020B0604020202020204" pitchFamily="34" charset="0"/>
+              <a:buChar char="•"/>
+            </a:pPr>
+            <a:endParaRPr lang="en-US" dirty="0">
+              <a:latin typeface="Comic Sans MS" panose="030F0702030302020204" pitchFamily="66" charset="0"/>
+              <a:cs typeface="Consolas" panose="020B0609020204030204" pitchFamily="49" charset="0"/>
+            </a:endParaRPr>
+          </a:p>
+          <a:p>
+            <a:pPr marL="285750" indent="-285750">
+              <a:buFont typeface="Arial" panose="020B0604020202020204" pitchFamily="34" charset="0"/>
+              <a:buChar char="•"/>
+            </a:pPr>
+            <a:r>
+              <a:rPr lang="en-US" dirty="0" smtClean="0">
+                <a:latin typeface="Comic Sans MS" panose="030F0702030302020204" pitchFamily="66" charset="0"/>
+                <a:cs typeface="Consolas" panose="020B0609020204030204" pitchFamily="49" charset="0"/>
+              </a:rPr>
+              <a:t>Example:</a:t>
+            </a:r>
+          </a:p>
+          <a:p>
+            <a:pPr marL="285750" indent="-285750">
+              <a:buFont typeface="Arial" panose="020B0604020202020204" pitchFamily="34" charset="0"/>
+              <a:buChar char="•"/>
+            </a:pPr>
+            <a:r>
+              <a:rPr lang="en-US" dirty="0" smtClean="0">
+                <a:latin typeface="Comic Sans MS" panose="030F0702030302020204" pitchFamily="66" charset="0"/>
+                <a:cs typeface="Consolas" panose="020B0609020204030204" pitchFamily="49" charset="0"/>
+              </a:rPr>
+              <a:t>x</a:t>
+            </a:r>
+            <a:r>
+              <a:rPr lang="en-US" dirty="0" smtClean="0">
+                <a:latin typeface="Comic Sans MS" panose="030F0702030302020204" pitchFamily="66" charset="0"/>
+                <a:cs typeface="Consolas" panose="020B0609020204030204" pitchFamily="49" charset="0"/>
+              </a:rPr>
+              <a:t>*</a:t>
+            </a:r>
+            <a:r>
+              <a:rPr lang="en-US" dirty="0" err="1" smtClean="0">
+                <a:latin typeface="Comic Sans MS" panose="030F0702030302020204" pitchFamily="66" charset="0"/>
+                <a:cs typeface="Consolas" panose="020B0609020204030204" pitchFamily="49" charset="0"/>
+              </a:rPr>
+              <a:t>y+f</a:t>
+            </a:r>
+            <a:r>
+              <a:rPr lang="en-US" dirty="0" smtClean="0">
+                <a:latin typeface="Comic Sans MS" panose="030F0702030302020204" pitchFamily="66" charset="0"/>
+                <a:cs typeface="Consolas" panose="020B0609020204030204" pitchFamily="49" charset="0"/>
+              </a:rPr>
+              <a:t>(z)</a:t>
+            </a:r>
+          </a:p>
+          <a:p>
+            <a:pPr marL="285750" indent="-285750">
+              <a:buFont typeface="Arial" panose="020B0604020202020204" pitchFamily="34" charset="0"/>
+              <a:buChar char="•"/>
+            </a:pPr>
+            <a:endParaRPr lang="en-US" dirty="0">
+              <a:latin typeface="Comic Sans MS" panose="030F0702030302020204" pitchFamily="66" charset="0"/>
+              <a:cs typeface="Consolas" panose="020B0609020204030204" pitchFamily="49" charset="0"/>
+            </a:endParaRPr>
+          </a:p>
+          <a:p>
+            <a:pPr marL="285750" indent="-285750">
+              <a:buFont typeface="Arial" panose="020B0604020202020204" pitchFamily="34" charset="0"/>
+              <a:buChar char="•"/>
+            </a:pPr>
+            <a:endParaRPr lang="en-US" dirty="0" smtClean="0">
+              <a:latin typeface="Comic Sans MS" panose="030F0702030302020204" pitchFamily="66" charset="0"/>
+              <a:cs typeface="Consolas" panose="020B0609020204030204" pitchFamily="49" charset="0"/>
+            </a:endParaRPr>
+          </a:p>
+          <a:p>
+            <a:pPr marL="285750" indent="-285750">
+              <a:buFont typeface="Arial" panose="020B0604020202020204" pitchFamily="34" charset="0"/>
+              <a:buChar char="•"/>
+            </a:pPr>
+            <a:endParaRPr lang="en-US" dirty="0">
+              <a:latin typeface="Comic Sans MS" panose="030F0702030302020204" pitchFamily="66" charset="0"/>
+              <a:cs typeface="Consolas" panose="020B0609020204030204" pitchFamily="49" charset="0"/>
+            </a:endParaRPr>
+          </a:p>
+          <a:p>
+            <a:pPr marL="285750" indent="-285750">
+              <a:buFont typeface="Arial" panose="020B0604020202020204" pitchFamily="34" charset="0"/>
+              <a:buChar char="•"/>
+            </a:pPr>
+            <a:endParaRPr lang="en-US" dirty="0" smtClean="0">
+              <a:latin typeface="Comic Sans MS" panose="030F0702030302020204" pitchFamily="66" charset="0"/>
+              <a:cs typeface="Consolas" panose="020B0609020204030204" pitchFamily="49" charset="0"/>
+            </a:endParaRPr>
+          </a:p>
+          <a:p>
+            <a:pPr marL="285750" indent="-285750">
+              <a:buFont typeface="Arial" panose="020B0604020202020204" pitchFamily="34" charset="0"/>
+              <a:buChar char="•"/>
+            </a:pPr>
+            <a:endParaRPr lang="en-US" dirty="0">
+              <a:latin typeface="Comic Sans MS" panose="030F0702030302020204" pitchFamily="66" charset="0"/>
+              <a:cs typeface="Consolas" panose="020B0609020204030204" pitchFamily="49" charset="0"/>
+            </a:endParaRPr>
+          </a:p>
+          <a:p>
+            <a:pPr marL="285750" indent="-285750">
+              <a:buFont typeface="Arial" panose="020B0604020202020204" pitchFamily="34" charset="0"/>
+              <a:buChar char="•"/>
+            </a:pPr>
+            <a:endParaRPr lang="en-US" dirty="0" smtClean="0">
+              <a:latin typeface="Comic Sans MS" panose="030F0702030302020204" pitchFamily="66" charset="0"/>
+              <a:cs typeface="Consolas" panose="020B0609020204030204" pitchFamily="49" charset="0"/>
+            </a:endParaRPr>
+          </a:p>
+          <a:p>
+            <a:pPr marL="285750" indent="-285750">
+              <a:buFont typeface="Arial" panose="020B0604020202020204" pitchFamily="34" charset="0"/>
+              <a:buChar char="•"/>
+            </a:pPr>
+            <a:endParaRPr lang="en-US" dirty="0">
+              <a:latin typeface="Comic Sans MS" panose="030F0702030302020204" pitchFamily="66" charset="0"/>
+              <a:cs typeface="Consolas" panose="020B0609020204030204" pitchFamily="49" charset="0"/>
+            </a:endParaRPr>
+          </a:p>
+          <a:p>
+            <a:pPr marL="285750" indent="-285750">
+              <a:buFont typeface="Arial" panose="020B0604020202020204" pitchFamily="34" charset="0"/>
+              <a:buChar char="•"/>
+            </a:pPr>
+            <a:endParaRPr lang="en-US" dirty="0" smtClean="0">
+              <a:latin typeface="Comic Sans MS" panose="030F0702030302020204" pitchFamily="66" charset="0"/>
+              <a:cs typeface="Consolas" panose="020B0609020204030204" pitchFamily="49" charset="0"/>
+            </a:endParaRPr>
+          </a:p>
+          <a:p>
+            <a:pPr marL="285750" indent="-285750">
+              <a:buFont typeface="Arial" panose="020B0604020202020204" pitchFamily="34" charset="0"/>
+              <a:buChar char="•"/>
+            </a:pPr>
+            <a:endParaRPr lang="en-US" dirty="0">
+              <a:latin typeface="Comic Sans MS" panose="030F0702030302020204" pitchFamily="66" charset="0"/>
+              <a:cs typeface="Consolas" panose="020B0609020204030204" pitchFamily="49" charset="0"/>
+            </a:endParaRPr>
+          </a:p>
+          <a:p>
+            <a:pPr marL="285750" indent="-285750">
+              <a:buFont typeface="Arial" panose="020B0604020202020204" pitchFamily="34" charset="0"/>
+              <a:buChar char="•"/>
+            </a:pPr>
+            <a:endParaRPr lang="en-US" dirty="0" smtClean="0">
+              <a:latin typeface="Comic Sans MS" panose="030F0702030302020204" pitchFamily="66" charset="0"/>
+              <a:cs typeface="Consolas" panose="020B0609020204030204" pitchFamily="49" charset="0"/>
+            </a:endParaRPr>
+          </a:p>
+          <a:p>
+            <a:pPr marL="285750" indent="-285750">
+              <a:buFont typeface="Arial" panose="020B0604020202020204" pitchFamily="34" charset="0"/>
+              <a:buChar char="•"/>
+            </a:pPr>
+            <a:endParaRPr lang="en-US" dirty="0" smtClean="0">
+              <a:latin typeface="Comic Sans MS" panose="030F0702030302020204" pitchFamily="66" charset="0"/>
+              <a:cs typeface="Consolas" panose="020B0609020204030204" pitchFamily="49" charset="0"/>
+            </a:endParaRPr>
+          </a:p>
+          <a:p>
+            <a:pPr marL="285750" indent="-285750">
+              <a:buFont typeface="Arial" panose="020B0604020202020204" pitchFamily="34" charset="0"/>
+              <a:buChar char="•"/>
+            </a:pPr>
+            <a:r>
+              <a:rPr lang="en-US" sz="1600" dirty="0" smtClean="0">
+                <a:latin typeface="Comic Sans MS" panose="030F0702030302020204" pitchFamily="66" charset="0"/>
+                <a:cs typeface="Consolas" panose="020B0609020204030204" pitchFamily="49" charset="0"/>
+              </a:rPr>
+              <a:t>Plus(Multiply(Variable(“x”),Variable(“y”)),</a:t>
+            </a:r>
+            <a:r>
+              <a:rPr lang="en-US" sz="1600" dirty="0" err="1" smtClean="0">
+                <a:latin typeface="Comic Sans MS" panose="030F0702030302020204" pitchFamily="66" charset="0"/>
+                <a:cs typeface="Consolas" panose="020B0609020204030204" pitchFamily="49" charset="0"/>
+              </a:rPr>
+              <a:t>FunctionCall</a:t>
+            </a:r>
+            <a:r>
+              <a:rPr lang="en-US" sz="1600" dirty="0" smtClean="0">
+                <a:latin typeface="Comic Sans MS" panose="030F0702030302020204" pitchFamily="66" charset="0"/>
+                <a:cs typeface="Consolas" panose="020B0609020204030204" pitchFamily="49" charset="0"/>
+              </a:rPr>
+              <a:t>(“</a:t>
+            </a:r>
+            <a:r>
+              <a:rPr lang="en-US" sz="1600" dirty="0" err="1" smtClean="0">
+                <a:latin typeface="Comic Sans MS" panose="030F0702030302020204" pitchFamily="66" charset="0"/>
+                <a:cs typeface="Consolas" panose="020B0609020204030204" pitchFamily="49" charset="0"/>
+              </a:rPr>
+              <a:t>f”,Variable</a:t>
+            </a:r>
+            <a:r>
+              <a:rPr lang="en-US" sz="1600" dirty="0" smtClean="0">
+                <a:latin typeface="Comic Sans MS" panose="030F0702030302020204" pitchFamily="66" charset="0"/>
+                <a:cs typeface="Consolas" panose="020B0609020204030204" pitchFamily="49" charset="0"/>
+              </a:rPr>
+              <a:t>(“z”)))</a:t>
+            </a:r>
+          </a:p>
+          <a:p>
+            <a:pPr marL="285750" indent="-285750">
+              <a:buFont typeface="Arial" panose="020B0604020202020204" pitchFamily="34" charset="0"/>
+              <a:buChar char="•"/>
+            </a:pPr>
+            <a:r>
+              <a:rPr lang="en-US" dirty="0" smtClean="0">
+                <a:solidFill>
+                  <a:srgbClr val="FF0000"/>
+                </a:solidFill>
+                <a:latin typeface="Comic Sans MS" panose="030F0702030302020204" pitchFamily="66" charset="0"/>
+                <a:cs typeface="Consolas" panose="020B0609020204030204" pitchFamily="49" charset="0"/>
+              </a:rPr>
+              <a:t>* this is not Scala AST</a:t>
             </a:r>
             <a:endParaRPr lang="en-GB" dirty="0">
+              <a:solidFill>
+                <a:srgbClr val="FF0000"/>
+              </a:solidFill>
               <a:latin typeface="Comic Sans MS" panose="030F0702030302020204" pitchFamily="66" charset="0"/>
               <a:cs typeface="Consolas" panose="020B0609020204030204" pitchFamily="49" charset="0"/>
             </a:endParaRPr>
@@ -5581,7 +5818,7 @@
         <p:spPr>
           <a:xfrm>
             <a:off x="563672" y="1691014"/>
-            <a:ext cx="7818328" cy="369332"/>
+            <a:ext cx="7818328" cy="2308324"/>
           </a:xfrm>
           <a:prstGeom prst="rect">
             <a:avLst/>
@@ -5599,13 +5836,176 @@
               <a:buChar char="•"/>
             </a:pPr>
             <a:r>
-              <a:rPr lang="lv-LV" dirty="0" smtClean="0">
+              <a:rPr lang="en-US" dirty="0">
                 <a:latin typeface="Comic Sans MS" panose="030F0702030302020204" pitchFamily="66" charset="0"/>
                 <a:cs typeface="Consolas" panose="020B0609020204030204" pitchFamily="49" charset="0"/>
               </a:rPr>
-              <a:t>TODO</a:t>
+              <a:t>Can be pattern-matched like case classes</a:t>
             </a:r>
             <a:endParaRPr lang="en-GB" dirty="0">
+              <a:latin typeface="Comic Sans MS" panose="030F0702030302020204" pitchFamily="66" charset="0"/>
+              <a:cs typeface="Consolas" panose="020B0609020204030204" pitchFamily="49" charset="0"/>
+            </a:endParaRPr>
+          </a:p>
+          <a:p>
+            <a:pPr marL="742950" lvl="1" indent="-285750">
+              <a:buFont typeface="Arial" panose="020B0604020202020204" pitchFamily="34" charset="0"/>
+              <a:buChar char="•"/>
+            </a:pPr>
+            <a:r>
+              <a:rPr lang="en-US" dirty="0" smtClean="0">
+                <a:latin typeface="Comic Sans MS" panose="030F0702030302020204" pitchFamily="66" charset="0"/>
+                <a:cs typeface="Consolas" panose="020B0609020204030204" pitchFamily="49" charset="0"/>
+              </a:rPr>
+              <a:t>Example:</a:t>
+            </a:r>
+          </a:p>
+          <a:p>
+            <a:pPr lvl="1"/>
+            <a:r>
+              <a:rPr lang="en-US" dirty="0" smtClean="0">
+                <a:latin typeface="Comic Sans MS" panose="030F0702030302020204" pitchFamily="66" charset="0"/>
+                <a:cs typeface="Consolas" panose="020B0609020204030204" pitchFamily="49" charset="0"/>
+              </a:rPr>
+              <a:t>  </a:t>
+            </a:r>
+            <a:r>
+              <a:rPr lang="en-US" dirty="0" err="1" smtClean="0">
+                <a:latin typeface="Comic Sans MS" panose="030F0702030302020204" pitchFamily="66" charset="0"/>
+                <a:cs typeface="Consolas" panose="020B0609020204030204" pitchFamily="49" charset="0"/>
+              </a:rPr>
+              <a:t>val</a:t>
+            </a:r>
+            <a:r>
+              <a:rPr lang="en-US" dirty="0" smtClean="0">
+                <a:latin typeface="Comic Sans MS" panose="030F0702030302020204" pitchFamily="66" charset="0"/>
+                <a:cs typeface="Consolas" panose="020B0609020204030204" pitchFamily="49" charset="0"/>
+              </a:rPr>
+              <a:t> </a:t>
+            </a:r>
+            <a:r>
+              <a:rPr lang="en-US" dirty="0">
+                <a:latin typeface="Comic Sans MS" panose="030F0702030302020204" pitchFamily="66" charset="0"/>
+                <a:cs typeface="Consolas" panose="020B0609020204030204" pitchFamily="49" charset="0"/>
+              </a:rPr>
+              <a:t>Literal(Constant(</a:t>
+            </a:r>
+            <a:r>
+              <a:rPr lang="en-US" dirty="0" err="1">
+                <a:latin typeface="Comic Sans MS" panose="030F0702030302020204" pitchFamily="66" charset="0"/>
+                <a:cs typeface="Consolas" panose="020B0609020204030204" pitchFamily="49" charset="0"/>
+              </a:rPr>
+              <a:t>fileName</a:t>
+            </a:r>
+            <a:r>
+              <a:rPr lang="en-US" dirty="0">
+                <a:latin typeface="Comic Sans MS" panose="030F0702030302020204" pitchFamily="66" charset="0"/>
+                <a:cs typeface="Consolas" panose="020B0609020204030204" pitchFamily="49" charset="0"/>
+              </a:rPr>
+              <a:t>: String)) = </a:t>
+            </a:r>
+            <a:r>
+              <a:rPr lang="en-US" dirty="0" err="1">
+                <a:latin typeface="Comic Sans MS" panose="030F0702030302020204" pitchFamily="66" charset="0"/>
+                <a:cs typeface="Consolas" panose="020B0609020204030204" pitchFamily="49" charset="0"/>
+              </a:rPr>
+              <a:t>file.tree</a:t>
+            </a:r>
+            <a:endParaRPr lang="en-US" dirty="0">
+              <a:latin typeface="Comic Sans MS" panose="030F0702030302020204" pitchFamily="66" charset="0"/>
+              <a:cs typeface="Consolas" panose="020B0609020204030204" pitchFamily="49" charset="0"/>
+            </a:endParaRPr>
+          </a:p>
+          <a:p>
+            <a:pPr marL="285750" indent="-285750">
+              <a:buFont typeface="Arial" panose="020B0604020202020204" pitchFamily="34" charset="0"/>
+              <a:buChar char="•"/>
+            </a:pPr>
+            <a:r>
+              <a:rPr lang="en-US" dirty="0" smtClean="0">
+                <a:latin typeface="Comic Sans MS" panose="030F0702030302020204" pitchFamily="66" charset="0"/>
+                <a:cs typeface="Consolas" panose="020B0609020204030204" pitchFamily="49" charset="0"/>
+              </a:rPr>
+              <a:t>Can be created like case classes</a:t>
+            </a:r>
+          </a:p>
+          <a:p>
+            <a:pPr marL="742950" lvl="1" indent="-285750">
+              <a:buFont typeface="Arial" panose="020B0604020202020204" pitchFamily="34" charset="0"/>
+              <a:buChar char="•"/>
+            </a:pPr>
+            <a:r>
+              <a:rPr lang="en-US" dirty="0" smtClean="0">
+                <a:latin typeface="Comic Sans MS" panose="030F0702030302020204" pitchFamily="66" charset="0"/>
+                <a:cs typeface="Consolas" panose="020B0609020204030204" pitchFamily="49" charset="0"/>
+              </a:rPr>
+              <a:t>Example:</a:t>
+            </a:r>
+          </a:p>
+          <a:p>
+            <a:r>
+              <a:rPr lang="en-US" dirty="0" smtClean="0">
+                <a:latin typeface="Comic Sans MS" panose="030F0702030302020204" pitchFamily="66" charset="0"/>
+                <a:cs typeface="Consolas" panose="020B0609020204030204" pitchFamily="49" charset="0"/>
+              </a:rPr>
+              <a:t>  Apply(Select(Ident(</a:t>
+            </a:r>
+            <a:r>
+              <a:rPr lang="en-US" dirty="0" err="1" smtClean="0">
+                <a:latin typeface="Comic Sans MS" panose="030F0702030302020204" pitchFamily="66" charset="0"/>
+                <a:cs typeface="Consolas" panose="020B0609020204030204" pitchFamily="49" charset="0"/>
+              </a:rPr>
+              <a:t>builderVariable</a:t>
+            </a:r>
+            <a:r>
+              <a:rPr lang="en-US" dirty="0">
+                <a:latin typeface="Comic Sans MS" panose="030F0702030302020204" pitchFamily="66" charset="0"/>
+                <a:cs typeface="Consolas" panose="020B0609020204030204" pitchFamily="49" charset="0"/>
+              </a:rPr>
+              <a:t>), </a:t>
+            </a:r>
+            <a:r>
+              <a:rPr lang="en-US" dirty="0" err="1">
+                <a:latin typeface="Comic Sans MS" panose="030F0702030302020204" pitchFamily="66" charset="0"/>
+                <a:cs typeface="Consolas" panose="020B0609020204030204" pitchFamily="49" charset="0"/>
+              </a:rPr>
+              <a:t>TermName</a:t>
+            </a:r>
+            <a:r>
+              <a:rPr lang="en-US" dirty="0">
+                <a:latin typeface="Comic Sans MS" panose="030F0702030302020204" pitchFamily="66" charset="0"/>
+                <a:cs typeface="Consolas" panose="020B0609020204030204" pitchFamily="49" charset="0"/>
+              </a:rPr>
+              <a:t>("result")), List</a:t>
+            </a:r>
+            <a:r>
+              <a:rPr lang="en-US" dirty="0" smtClean="0">
+                <a:latin typeface="Comic Sans MS" panose="030F0702030302020204" pitchFamily="66" charset="0"/>
+                <a:cs typeface="Consolas" panose="020B0609020204030204" pitchFamily="49" charset="0"/>
+              </a:rPr>
+              <a:t>())</a:t>
+            </a:r>
+            <a:endParaRPr lang="en-US" dirty="0" smtClean="0">
+              <a:latin typeface="Comic Sans MS" panose="030F0702030302020204" pitchFamily="66" charset="0"/>
+              <a:cs typeface="Consolas" panose="020B0609020204030204" pitchFamily="49" charset="0"/>
+            </a:endParaRPr>
+          </a:p>
+          <a:p>
+            <a:pPr marL="285750" indent="-285750">
+              <a:buFont typeface="Arial" panose="020B0604020202020204" pitchFamily="34" charset="0"/>
+              <a:buChar char="•"/>
+            </a:pPr>
+            <a:endParaRPr lang="en-US" dirty="0" smtClean="0">
+              <a:latin typeface="Comic Sans MS" panose="030F0702030302020204" pitchFamily="66" charset="0"/>
+              <a:cs typeface="Consolas" panose="020B0609020204030204" pitchFamily="49" charset="0"/>
+            </a:endParaRPr>
+          </a:p>
+          <a:p>
+            <a:pPr marL="285750" indent="-285750">
+              <a:buFont typeface="Arial" panose="020B0604020202020204" pitchFamily="34" charset="0"/>
+              <a:buChar char="•"/>
+            </a:pPr>
+            <a:endParaRPr lang="en-US" dirty="0" smtClean="0">
               <a:latin typeface="Comic Sans MS" panose="030F0702030302020204" pitchFamily="66" charset="0"/>
               <a:cs typeface="Consolas" panose="020B0609020204030204" pitchFamily="49" charset="0"/>
             </a:endParaRPr>
@@ -5968,7 +6368,7 @@
             <a:r>
               <a:rPr lang="en-US" sz="900" dirty="0" err="1" smtClean="0">
                 <a:solidFill>
-                  <a:srgbClr val="92D050"/>
+                  <a:srgbClr val="0070C0"/>
                 </a:solidFill>
                 <a:latin typeface="Courier New" panose="02070309020205020404" pitchFamily="49" charset="0"/>
                 <a:cs typeface="Courier New" panose="02070309020205020404" pitchFamily="49" charset="0"/>
@@ -5978,7 +6378,7 @@
             <a:r>
               <a:rPr lang="en-US" sz="900" dirty="0" smtClean="0">
                 <a:solidFill>
-                  <a:srgbClr val="92D050"/>
+                  <a:srgbClr val="0070C0"/>
                 </a:solidFill>
                 <a:latin typeface="Courier New" panose="02070309020205020404" pitchFamily="49" charset="0"/>
                 <a:cs typeface="Courier New" panose="02070309020205020404" pitchFamily="49" charset="0"/>
@@ -5988,7 +6388,7 @@
             <a:r>
               <a:rPr lang="en-US" sz="900" dirty="0">
                 <a:solidFill>
-                  <a:srgbClr val="92D050"/>
+                  <a:srgbClr val="0070C0"/>
                 </a:solidFill>
                 <a:latin typeface="Courier New" panose="02070309020205020404" pitchFamily="49" charset="0"/>
                 <a:cs typeface="Courier New" panose="02070309020205020404" pitchFamily="49" charset="0"/>
@@ -5998,7 +6398,7 @@
             <a:r>
               <a:rPr lang="en-US" sz="900" dirty="0" err="1">
                 <a:solidFill>
-                  <a:srgbClr val="92D050"/>
+                  <a:srgbClr val="0070C0"/>
                 </a:solidFill>
                 <a:latin typeface="Courier New" panose="02070309020205020404" pitchFamily="49" charset="0"/>
                 <a:cs typeface="Courier New" panose="02070309020205020404" pitchFamily="49" charset="0"/>
@@ -6008,7 +6408,7 @@
             <a:r>
               <a:rPr lang="en-US" sz="900" dirty="0">
                 <a:solidFill>
-                  <a:srgbClr val="92D050"/>
+                  <a:srgbClr val="0070C0"/>
                 </a:solidFill>
                 <a:latin typeface="Courier New" panose="02070309020205020404" pitchFamily="49" charset="0"/>
                 <a:cs typeface="Courier New" panose="02070309020205020404" pitchFamily="49" charset="0"/>
@@ -6018,13 +6418,22 @@
             <a:r>
               <a:rPr lang="en-US" sz="900" dirty="0" err="1">
                 <a:solidFill>
-                  <a:srgbClr val="92D050"/>
+                  <a:srgbClr val="0070C0"/>
                 </a:solidFill>
                 <a:latin typeface="Courier New" panose="02070309020205020404" pitchFamily="49" charset="0"/>
                 <a:cs typeface="Courier New" panose="02070309020205020404" pitchFamily="49" charset="0"/>
               </a:rPr>
               <a:t>file.tree</a:t>
             </a:r>
+            <a:endParaRPr lang="en-US" sz="900" dirty="0">
+              <a:solidFill>
+                <a:srgbClr val="0070C0"/>
+              </a:solidFill>
+              <a:latin typeface="Courier New" panose="02070309020205020404" pitchFamily="49" charset="0"/>
+              <a:cs typeface="Courier New" panose="02070309020205020404" pitchFamily="49" charset="0"/>
+            </a:endParaRPr>
+          </a:p>
+          <a:p>
             <a:endParaRPr lang="en-US" sz="900" dirty="0">
               <a:solidFill>
                 <a:srgbClr val="92D050"/>
@@ -6034,6 +6443,234 @@
             </a:endParaRPr>
           </a:p>
           <a:p>
+            <a:r>
+              <a:rPr lang="en-US" sz="900" dirty="0" err="1">
+                <a:solidFill>
+                  <a:srgbClr val="92D050"/>
+                </a:solidFill>
+                <a:latin typeface="Courier New" panose="02070309020205020404" pitchFamily="49" charset="0"/>
+                <a:cs typeface="Courier New" panose="02070309020205020404" pitchFamily="49" charset="0"/>
+              </a:rPr>
+              <a:t>val</a:t>
+            </a:r>
+            <a:r>
+              <a:rPr lang="en-US" sz="900" dirty="0">
+                <a:solidFill>
+                  <a:srgbClr val="92D050"/>
+                </a:solidFill>
+                <a:latin typeface="Courier New" panose="02070309020205020404" pitchFamily="49" charset="0"/>
+                <a:cs typeface="Courier New" panose="02070309020205020404" pitchFamily="49" charset="0"/>
+              </a:rPr>
+              <a:t> </a:t>
+            </a:r>
+            <a:r>
+              <a:rPr lang="en-US" sz="900" dirty="0" err="1">
+                <a:solidFill>
+                  <a:srgbClr val="92D050"/>
+                </a:solidFill>
+                <a:latin typeface="Courier New" panose="02070309020205020404" pitchFamily="49" charset="0"/>
+                <a:cs typeface="Courier New" panose="02070309020205020404" pitchFamily="49" charset="0"/>
+              </a:rPr>
+              <a:t>fis</a:t>
+            </a:r>
+            <a:r>
+              <a:rPr lang="en-US" sz="900" dirty="0">
+                <a:solidFill>
+                  <a:srgbClr val="92D050"/>
+                </a:solidFill>
+                <a:latin typeface="Courier New" panose="02070309020205020404" pitchFamily="49" charset="0"/>
+                <a:cs typeface="Courier New" panose="02070309020205020404" pitchFamily="49" charset="0"/>
+              </a:rPr>
+              <a:t> = new </a:t>
+            </a:r>
+            <a:r>
+              <a:rPr lang="en-US" sz="900" dirty="0" err="1">
+                <a:solidFill>
+                  <a:srgbClr val="92D050"/>
+                </a:solidFill>
+                <a:latin typeface="Courier New" panose="02070309020205020404" pitchFamily="49" charset="0"/>
+                <a:cs typeface="Courier New" panose="02070309020205020404" pitchFamily="49" charset="0"/>
+              </a:rPr>
+              <a:t>FileInputStream</a:t>
+            </a:r>
+            <a:r>
+              <a:rPr lang="en-US" sz="900" dirty="0">
+                <a:solidFill>
+                  <a:srgbClr val="92D050"/>
+                </a:solidFill>
+                <a:latin typeface="Courier New" panose="02070309020205020404" pitchFamily="49" charset="0"/>
+                <a:cs typeface="Courier New" panose="02070309020205020404" pitchFamily="49" charset="0"/>
+              </a:rPr>
+              <a:t>(</a:t>
+            </a:r>
+            <a:r>
+              <a:rPr lang="en-US" sz="900" dirty="0" err="1">
+                <a:solidFill>
+                  <a:srgbClr val="92D050"/>
+                </a:solidFill>
+                <a:latin typeface="Courier New" panose="02070309020205020404" pitchFamily="49" charset="0"/>
+                <a:cs typeface="Courier New" panose="02070309020205020404" pitchFamily="49" charset="0"/>
+              </a:rPr>
+              <a:t>fileName</a:t>
+            </a:r>
+            <a:r>
+              <a:rPr lang="en-US" sz="900" dirty="0">
+                <a:solidFill>
+                  <a:srgbClr val="92D050"/>
+                </a:solidFill>
+                <a:latin typeface="Courier New" panose="02070309020205020404" pitchFamily="49" charset="0"/>
+                <a:cs typeface="Courier New" panose="02070309020205020404" pitchFamily="49" charset="0"/>
+              </a:rPr>
+              <a:t>)</a:t>
+            </a:r>
+          </a:p>
+          <a:p>
+            <a:r>
+              <a:rPr lang="en-US" sz="900" dirty="0" err="1">
+                <a:solidFill>
+                  <a:srgbClr val="92D050"/>
+                </a:solidFill>
+                <a:latin typeface="Courier New" panose="02070309020205020404" pitchFamily="49" charset="0"/>
+                <a:cs typeface="Courier New" panose="02070309020205020404" pitchFamily="49" charset="0"/>
+              </a:rPr>
+              <a:t>val</a:t>
+            </a:r>
+            <a:r>
+              <a:rPr lang="en-US" sz="900" dirty="0">
+                <a:solidFill>
+                  <a:srgbClr val="92D050"/>
+                </a:solidFill>
+                <a:latin typeface="Courier New" panose="02070309020205020404" pitchFamily="49" charset="0"/>
+                <a:cs typeface="Courier New" panose="02070309020205020404" pitchFamily="49" charset="0"/>
+              </a:rPr>
+              <a:t> </a:t>
+            </a:r>
+            <a:r>
+              <a:rPr lang="en-US" sz="900" dirty="0">
+                <a:solidFill>
+                  <a:srgbClr val="92D050"/>
+                </a:solidFill>
+                <a:latin typeface="Courier New" panose="02070309020205020404" pitchFamily="49" charset="0"/>
+                <a:cs typeface="Courier New" panose="02070309020205020404" pitchFamily="49" charset="0"/>
+              </a:rPr>
+              <a:t>properties = new Properties</a:t>
+            </a:r>
+          </a:p>
+          <a:p>
+            <a:r>
+              <a:rPr lang="en-US" sz="900" dirty="0" err="1">
+                <a:solidFill>
+                  <a:srgbClr val="92D050"/>
+                </a:solidFill>
+                <a:latin typeface="Courier New" panose="02070309020205020404" pitchFamily="49" charset="0"/>
+                <a:cs typeface="Courier New" panose="02070309020205020404" pitchFamily="49" charset="0"/>
+              </a:rPr>
+              <a:t>properties.load</a:t>
+            </a:r>
+            <a:r>
+              <a:rPr lang="en-US" sz="900" dirty="0">
+                <a:solidFill>
+                  <a:srgbClr val="92D050"/>
+                </a:solidFill>
+                <a:latin typeface="Courier New" panose="02070309020205020404" pitchFamily="49" charset="0"/>
+                <a:cs typeface="Courier New" panose="02070309020205020404" pitchFamily="49" charset="0"/>
+              </a:rPr>
+              <a:t>(</a:t>
+            </a:r>
+            <a:r>
+              <a:rPr lang="en-US" sz="900" dirty="0" err="1">
+                <a:solidFill>
+                  <a:srgbClr val="92D050"/>
+                </a:solidFill>
+                <a:latin typeface="Courier New" panose="02070309020205020404" pitchFamily="49" charset="0"/>
+                <a:cs typeface="Courier New" panose="02070309020205020404" pitchFamily="49" charset="0"/>
+              </a:rPr>
+              <a:t>fis</a:t>
+            </a:r>
+            <a:r>
+              <a:rPr lang="en-US" sz="900" dirty="0">
+                <a:solidFill>
+                  <a:srgbClr val="92D050"/>
+                </a:solidFill>
+                <a:latin typeface="Courier New" panose="02070309020205020404" pitchFamily="49" charset="0"/>
+                <a:cs typeface="Courier New" panose="02070309020205020404" pitchFamily="49" charset="0"/>
+              </a:rPr>
+              <a:t>)</a:t>
+            </a:r>
+          </a:p>
+          <a:p>
+            <a:r>
+              <a:rPr lang="en-US" sz="900" dirty="0" err="1">
+                <a:solidFill>
+                  <a:srgbClr val="92D050"/>
+                </a:solidFill>
+                <a:latin typeface="Courier New" panose="02070309020205020404" pitchFamily="49" charset="0"/>
+                <a:cs typeface="Courier New" panose="02070309020205020404" pitchFamily="49" charset="0"/>
+              </a:rPr>
+              <a:t>fis.close</a:t>
+            </a:r>
+            <a:r>
+              <a:rPr lang="en-US" sz="900" dirty="0">
+                <a:solidFill>
+                  <a:srgbClr val="92D050"/>
+                </a:solidFill>
+                <a:latin typeface="Courier New" panose="02070309020205020404" pitchFamily="49" charset="0"/>
+                <a:cs typeface="Courier New" panose="02070309020205020404" pitchFamily="49" charset="0"/>
+              </a:rPr>
+              <a:t>()</a:t>
+            </a:r>
+          </a:p>
+          <a:p>
+            <a:r>
+              <a:rPr lang="en-US" sz="900" dirty="0" err="1">
+                <a:solidFill>
+                  <a:srgbClr val="92D050"/>
+                </a:solidFill>
+                <a:latin typeface="Courier New" panose="02070309020205020404" pitchFamily="49" charset="0"/>
+                <a:cs typeface="Courier New" panose="02070309020205020404" pitchFamily="49" charset="0"/>
+              </a:rPr>
+              <a:t>val</a:t>
+            </a:r>
+            <a:r>
+              <a:rPr lang="en-US" sz="900" dirty="0">
+                <a:solidFill>
+                  <a:srgbClr val="92D050"/>
+                </a:solidFill>
+                <a:latin typeface="Courier New" panose="02070309020205020404" pitchFamily="49" charset="0"/>
+                <a:cs typeface="Courier New" panose="02070309020205020404" pitchFamily="49" charset="0"/>
+              </a:rPr>
+              <a:t> </a:t>
+            </a:r>
+            <a:r>
+              <a:rPr lang="en-US" sz="900" dirty="0" err="1">
+                <a:solidFill>
+                  <a:srgbClr val="92D050"/>
+                </a:solidFill>
+                <a:latin typeface="Courier New" panose="02070309020205020404" pitchFamily="49" charset="0"/>
+                <a:cs typeface="Courier New" panose="02070309020205020404" pitchFamily="49" charset="0"/>
+              </a:rPr>
+              <a:t>propertiesMap</a:t>
+            </a:r>
+            <a:r>
+              <a:rPr lang="en-US" sz="900" dirty="0">
+                <a:solidFill>
+                  <a:srgbClr val="92D050"/>
+                </a:solidFill>
+                <a:latin typeface="Courier New" panose="02070309020205020404" pitchFamily="49" charset="0"/>
+                <a:cs typeface="Courier New" panose="02070309020205020404" pitchFamily="49" charset="0"/>
+              </a:rPr>
+              <a:t> = </a:t>
+            </a:r>
+            <a:r>
+              <a:rPr lang="en-US" sz="900" dirty="0" err="1">
+                <a:solidFill>
+                  <a:srgbClr val="92D050"/>
+                </a:solidFill>
+                <a:latin typeface="Courier New" panose="02070309020205020404" pitchFamily="49" charset="0"/>
+                <a:cs typeface="Courier New" panose="02070309020205020404" pitchFamily="49" charset="0"/>
+              </a:rPr>
+              <a:t>properties.asScala.toMap</a:t>
+            </a:r>
             <a:endParaRPr lang="en-US" sz="900" dirty="0">
               <a:solidFill>
                 <a:srgbClr val="92D050"/>
@@ -6043,6 +6680,15 @@
             </a:endParaRPr>
           </a:p>
           <a:p>
+            <a:endParaRPr lang="en-US" sz="900" dirty="0">
+              <a:solidFill>
+                <a:srgbClr val="92D050"/>
+              </a:solidFill>
+              <a:latin typeface="Courier New" panose="02070309020205020404" pitchFamily="49" charset="0"/>
+              <a:cs typeface="Courier New" panose="02070309020205020404" pitchFamily="49" charset="0"/>
+            </a:endParaRPr>
+          </a:p>
+          <a:p>
             <a:r>
               <a:rPr lang="en-US" sz="900" dirty="0" err="1" smtClean="0">
                 <a:solidFill>
@@ -6071,7 +6717,7 @@
                 <a:latin typeface="Courier New" panose="02070309020205020404" pitchFamily="49" charset="0"/>
                 <a:cs typeface="Courier New" panose="02070309020205020404" pitchFamily="49" charset="0"/>
               </a:rPr>
-              <a:t>fis</a:t>
+              <a:t>builderVariable</a:t>
             </a:r>
             <a:r>
               <a:rPr lang="en-US" sz="900" dirty="0">
@@ -6081,7 +6727,7 @@
                 <a:latin typeface="Courier New" panose="02070309020205020404" pitchFamily="49" charset="0"/>
                 <a:cs typeface="Courier New" panose="02070309020205020404" pitchFamily="49" charset="0"/>
               </a:rPr>
-              <a:t> = new </a:t>
+              <a:t> = </a:t>
             </a:r>
             <a:r>
               <a:rPr lang="en-US" sz="900" dirty="0" err="1">
@@ -6091,7 +6737,7 @@
                 <a:latin typeface="Courier New" panose="02070309020205020404" pitchFamily="49" charset="0"/>
                 <a:cs typeface="Courier New" panose="02070309020205020404" pitchFamily="49" charset="0"/>
               </a:rPr>
-              <a:t>FileInputStream</a:t>
+              <a:t>TermName</a:t>
             </a:r>
             <a:r>
               <a:rPr lang="en-US" sz="900" dirty="0">
@@ -6101,6 +6747,180 @@
                 <a:latin typeface="Courier New" panose="02070309020205020404" pitchFamily="49" charset="0"/>
                 <a:cs typeface="Courier New" panose="02070309020205020404" pitchFamily="49" charset="0"/>
               </a:rPr>
+              <a:t>("builder")</a:t>
+            </a:r>
+          </a:p>
+          <a:p>
+            <a:r>
+              <a:rPr lang="en-US" sz="900" dirty="0" err="1" smtClean="0">
+                <a:solidFill>
+                  <a:srgbClr val="0070C0"/>
+                </a:solidFill>
+                <a:latin typeface="Courier New" panose="02070309020205020404" pitchFamily="49" charset="0"/>
+                <a:cs typeface="Courier New" panose="02070309020205020404" pitchFamily="49" charset="0"/>
+              </a:rPr>
+              <a:t>val</a:t>
+            </a:r>
+            <a:r>
+              <a:rPr lang="en-US" sz="900" dirty="0" smtClean="0">
+                <a:solidFill>
+                  <a:srgbClr val="0070C0"/>
+                </a:solidFill>
+                <a:latin typeface="Courier New" panose="02070309020205020404" pitchFamily="49" charset="0"/>
+                <a:cs typeface="Courier New" panose="02070309020205020404" pitchFamily="49" charset="0"/>
+              </a:rPr>
+              <a:t> </a:t>
+            </a:r>
+            <a:r>
+              <a:rPr lang="en-US" sz="900" dirty="0" err="1">
+                <a:solidFill>
+                  <a:srgbClr val="0070C0"/>
+                </a:solidFill>
+                <a:latin typeface="Courier New" panose="02070309020205020404" pitchFamily="49" charset="0"/>
+                <a:cs typeface="Courier New" panose="02070309020205020404" pitchFamily="49" charset="0"/>
+              </a:rPr>
+              <a:t>typeTag</a:t>
+            </a:r>
+            <a:r>
+              <a:rPr lang="en-US" sz="900" dirty="0">
+                <a:solidFill>
+                  <a:srgbClr val="0070C0"/>
+                </a:solidFill>
+                <a:latin typeface="Courier New" panose="02070309020205020404" pitchFamily="49" charset="0"/>
+                <a:cs typeface="Courier New" panose="02070309020205020404" pitchFamily="49" charset="0"/>
+              </a:rPr>
+              <a:t> = </a:t>
+            </a:r>
+            <a:r>
+              <a:rPr lang="en-US" sz="900" dirty="0" err="1">
+                <a:solidFill>
+                  <a:srgbClr val="0070C0"/>
+                </a:solidFill>
+                <a:latin typeface="Courier New" panose="02070309020205020404" pitchFamily="49" charset="0"/>
+                <a:cs typeface="Courier New" panose="02070309020205020404" pitchFamily="49" charset="0"/>
+              </a:rPr>
+              <a:t>typeOf</a:t>
+            </a:r>
+            <a:r>
+              <a:rPr lang="en-US" sz="900" dirty="0">
+                <a:solidFill>
+                  <a:srgbClr val="0070C0"/>
+                </a:solidFill>
+                <a:latin typeface="Courier New" panose="02070309020205020404" pitchFamily="49" charset="0"/>
+                <a:cs typeface="Courier New" panose="02070309020205020404" pitchFamily="49" charset="0"/>
+              </a:rPr>
+              <a:t>[</a:t>
+            </a:r>
+            <a:r>
+              <a:rPr lang="en-US" sz="900" dirty="0" err="1">
+                <a:solidFill>
+                  <a:srgbClr val="0070C0"/>
+                </a:solidFill>
+                <a:latin typeface="Courier New" panose="02070309020205020404" pitchFamily="49" charset="0"/>
+                <a:cs typeface="Courier New" panose="02070309020205020404" pitchFamily="49" charset="0"/>
+              </a:rPr>
+              <a:t>mutable.Builder</a:t>
+            </a:r>
+            <a:r>
+              <a:rPr lang="en-US" sz="900" dirty="0">
+                <a:solidFill>
+                  <a:srgbClr val="0070C0"/>
+                </a:solidFill>
+                <a:latin typeface="Courier New" panose="02070309020205020404" pitchFamily="49" charset="0"/>
+                <a:cs typeface="Courier New" panose="02070309020205020404" pitchFamily="49" charset="0"/>
+              </a:rPr>
+              <a:t>[(String, String), Map[String, String]]]</a:t>
+            </a:r>
+          </a:p>
+          <a:p>
+            <a:r>
+              <a:rPr lang="en-US" sz="900" dirty="0" err="1" smtClean="0">
+                <a:solidFill>
+                  <a:srgbClr val="0070C0"/>
+                </a:solidFill>
+                <a:latin typeface="Courier New" panose="02070309020205020404" pitchFamily="49" charset="0"/>
+                <a:cs typeface="Courier New" panose="02070309020205020404" pitchFamily="49" charset="0"/>
+              </a:rPr>
+              <a:t>val</a:t>
+            </a:r>
+            <a:r>
+              <a:rPr lang="en-US" sz="900" dirty="0" smtClean="0">
+                <a:solidFill>
+                  <a:srgbClr val="0070C0"/>
+                </a:solidFill>
+                <a:latin typeface="Courier New" panose="02070309020205020404" pitchFamily="49" charset="0"/>
+                <a:cs typeface="Courier New" panose="02070309020205020404" pitchFamily="49" charset="0"/>
+              </a:rPr>
+              <a:t> </a:t>
+            </a:r>
+            <a:r>
+              <a:rPr lang="en-US" sz="900" dirty="0">
+                <a:solidFill>
+                  <a:srgbClr val="0070C0"/>
+                </a:solidFill>
+                <a:latin typeface="Courier New" panose="02070309020205020404" pitchFamily="49" charset="0"/>
+                <a:cs typeface="Courier New" panose="02070309020205020404" pitchFamily="49" charset="0"/>
+              </a:rPr>
+              <a:t>define = </a:t>
+            </a:r>
+            <a:r>
+              <a:rPr lang="en-US" sz="900" dirty="0" err="1">
+                <a:solidFill>
+                  <a:srgbClr val="0070C0"/>
+                </a:solidFill>
+                <a:latin typeface="Courier New" panose="02070309020205020404" pitchFamily="49" charset="0"/>
+                <a:cs typeface="Courier New" panose="02070309020205020404" pitchFamily="49" charset="0"/>
+              </a:rPr>
+              <a:t>ValDef</a:t>
+            </a:r>
+            <a:r>
+              <a:rPr lang="en-US" sz="900" dirty="0">
+                <a:solidFill>
+                  <a:srgbClr val="0070C0"/>
+                </a:solidFill>
+                <a:latin typeface="Courier New" panose="02070309020205020404" pitchFamily="49" charset="0"/>
+                <a:cs typeface="Courier New" panose="02070309020205020404" pitchFamily="49" charset="0"/>
+              </a:rPr>
+              <a:t>(Modifiers(), </a:t>
+            </a:r>
+            <a:r>
+              <a:rPr lang="en-US" sz="900" dirty="0" err="1">
+                <a:solidFill>
+                  <a:srgbClr val="0070C0"/>
+                </a:solidFill>
+                <a:latin typeface="Courier New" panose="02070309020205020404" pitchFamily="49" charset="0"/>
+                <a:cs typeface="Courier New" panose="02070309020205020404" pitchFamily="49" charset="0"/>
+              </a:rPr>
+              <a:t>builderVariable</a:t>
+            </a:r>
+            <a:r>
+              <a:rPr lang="en-US" sz="900" dirty="0">
+                <a:solidFill>
+                  <a:srgbClr val="0070C0"/>
+                </a:solidFill>
+                <a:latin typeface="Courier New" panose="02070309020205020404" pitchFamily="49" charset="0"/>
+                <a:cs typeface="Courier New" panose="02070309020205020404" pitchFamily="49" charset="0"/>
+              </a:rPr>
+              <a:t>, </a:t>
+            </a:r>
+            <a:r>
+              <a:rPr lang="en-US" sz="900" dirty="0" err="1">
+                <a:solidFill>
+                  <a:srgbClr val="0070C0"/>
+                </a:solidFill>
+                <a:latin typeface="Courier New" panose="02070309020205020404" pitchFamily="49" charset="0"/>
+                <a:cs typeface="Courier New" panose="02070309020205020404" pitchFamily="49" charset="0"/>
+              </a:rPr>
+              <a:t>TypeTree</a:t>
+            </a:r>
+            <a:r>
+              <a:rPr lang="en-US" sz="900" dirty="0">
+                <a:solidFill>
+                  <a:srgbClr val="0070C0"/>
+                </a:solidFill>
+                <a:latin typeface="Courier New" panose="02070309020205020404" pitchFamily="49" charset="0"/>
+                <a:cs typeface="Courier New" panose="02070309020205020404" pitchFamily="49" charset="0"/>
+              </a:rPr>
               <a:t>(</a:t>
             </a:r>
             <a:r>
@@ -6111,7 +6931,7 @@
                 <a:latin typeface="Courier New" panose="02070309020205020404" pitchFamily="49" charset="0"/>
                 <a:cs typeface="Courier New" panose="02070309020205020404" pitchFamily="49" charset="0"/>
               </a:rPr>
-              <a:t>fileName</a:t>
+              <a:t>typeTag</a:t>
             </a:r>
             <a:r>
               <a:rPr lang="en-US" sz="900" dirty="0">
@@ -6121,156 +6941,40 @@
                 <a:latin typeface="Courier New" panose="02070309020205020404" pitchFamily="49" charset="0"/>
                 <a:cs typeface="Courier New" panose="02070309020205020404" pitchFamily="49" charset="0"/>
               </a:rPr>
+              <a:t>), reify(</a:t>
+            </a:r>
+            <a:r>
+              <a:rPr lang="en-US" sz="900" dirty="0" err="1">
+                <a:solidFill>
+                  <a:srgbClr val="0070C0"/>
+                </a:solidFill>
+                <a:latin typeface="Courier New" panose="02070309020205020404" pitchFamily="49" charset="0"/>
+                <a:cs typeface="Courier New" panose="02070309020205020404" pitchFamily="49" charset="0"/>
+              </a:rPr>
+              <a:t>Map.newBuilder</a:t>
+            </a:r>
+            <a:r>
+              <a:rPr lang="en-US" sz="900" dirty="0">
+                <a:solidFill>
+                  <a:srgbClr val="0070C0"/>
+                </a:solidFill>
+                <a:latin typeface="Courier New" panose="02070309020205020404" pitchFamily="49" charset="0"/>
+                <a:cs typeface="Courier New" panose="02070309020205020404" pitchFamily="49" charset="0"/>
+              </a:rPr>
+              <a:t>[String, String]).tree</a:t>
+            </a:r>
+            <a:r>
+              <a:rPr lang="en-US" sz="900" dirty="0" smtClean="0">
+                <a:solidFill>
+                  <a:srgbClr val="0070C0"/>
+                </a:solidFill>
+                <a:latin typeface="Courier New" panose="02070309020205020404" pitchFamily="49" charset="0"/>
+                <a:cs typeface="Courier New" panose="02070309020205020404" pitchFamily="49" charset="0"/>
+              </a:rPr>
               <a:t>)</a:t>
             </a:r>
           </a:p>
           <a:p>
-            <a:r>
-              <a:rPr lang="en-US" sz="900" dirty="0" err="1" smtClean="0">
-                <a:solidFill>
-                  <a:srgbClr val="0070C0"/>
-                </a:solidFill>
-                <a:latin typeface="Courier New" panose="02070309020205020404" pitchFamily="49" charset="0"/>
-                <a:cs typeface="Courier New" panose="02070309020205020404" pitchFamily="49" charset="0"/>
-              </a:rPr>
-              <a:t>val</a:t>
-            </a:r>
-            <a:r>
-              <a:rPr lang="en-US" sz="900" dirty="0" smtClean="0">
-                <a:solidFill>
-                  <a:srgbClr val="0070C0"/>
-                </a:solidFill>
-                <a:latin typeface="Courier New" panose="02070309020205020404" pitchFamily="49" charset="0"/>
-                <a:cs typeface="Courier New" panose="02070309020205020404" pitchFamily="49" charset="0"/>
-              </a:rPr>
-              <a:t> </a:t>
-            </a:r>
-            <a:r>
-              <a:rPr lang="en-US" sz="900" dirty="0">
-                <a:solidFill>
-                  <a:srgbClr val="0070C0"/>
-                </a:solidFill>
-                <a:latin typeface="Courier New" panose="02070309020205020404" pitchFamily="49" charset="0"/>
-                <a:cs typeface="Courier New" panose="02070309020205020404" pitchFamily="49" charset="0"/>
-              </a:rPr>
-              <a:t>properties = new Properties</a:t>
-            </a:r>
-          </a:p>
-          <a:p>
-            <a:r>
-              <a:rPr lang="en-US" sz="900" dirty="0" err="1" smtClean="0">
-                <a:solidFill>
-                  <a:srgbClr val="0070C0"/>
-                </a:solidFill>
-                <a:latin typeface="Courier New" panose="02070309020205020404" pitchFamily="49" charset="0"/>
-                <a:cs typeface="Courier New" panose="02070309020205020404" pitchFamily="49" charset="0"/>
-              </a:rPr>
-              <a:t>properties.load</a:t>
-            </a:r>
-            <a:r>
-              <a:rPr lang="en-US" sz="900" dirty="0" smtClean="0">
-                <a:solidFill>
-                  <a:srgbClr val="0070C0"/>
-                </a:solidFill>
-                <a:latin typeface="Courier New" panose="02070309020205020404" pitchFamily="49" charset="0"/>
-                <a:cs typeface="Courier New" panose="02070309020205020404" pitchFamily="49" charset="0"/>
-              </a:rPr>
-              <a:t>(</a:t>
-            </a:r>
-            <a:r>
-              <a:rPr lang="en-US" sz="900" dirty="0" err="1" smtClean="0">
-                <a:solidFill>
-                  <a:srgbClr val="0070C0"/>
-                </a:solidFill>
-                <a:latin typeface="Courier New" panose="02070309020205020404" pitchFamily="49" charset="0"/>
-                <a:cs typeface="Courier New" panose="02070309020205020404" pitchFamily="49" charset="0"/>
-              </a:rPr>
-              <a:t>fis</a:t>
-            </a:r>
-            <a:r>
-              <a:rPr lang="en-US" sz="900" dirty="0">
-                <a:solidFill>
-                  <a:srgbClr val="0070C0"/>
-                </a:solidFill>
-                <a:latin typeface="Courier New" panose="02070309020205020404" pitchFamily="49" charset="0"/>
-                <a:cs typeface="Courier New" panose="02070309020205020404" pitchFamily="49" charset="0"/>
-              </a:rPr>
-              <a:t>)</a:t>
-            </a:r>
-          </a:p>
-          <a:p>
-            <a:r>
-              <a:rPr lang="en-US" sz="900" dirty="0" err="1" smtClean="0">
-                <a:solidFill>
-                  <a:srgbClr val="0070C0"/>
-                </a:solidFill>
-                <a:latin typeface="Courier New" panose="02070309020205020404" pitchFamily="49" charset="0"/>
-                <a:cs typeface="Courier New" panose="02070309020205020404" pitchFamily="49" charset="0"/>
-              </a:rPr>
-              <a:t>fis.close</a:t>
-            </a:r>
-            <a:r>
-              <a:rPr lang="en-US" sz="900" dirty="0">
-                <a:solidFill>
-                  <a:srgbClr val="0070C0"/>
-                </a:solidFill>
-                <a:latin typeface="Courier New" panose="02070309020205020404" pitchFamily="49" charset="0"/>
-                <a:cs typeface="Courier New" panose="02070309020205020404" pitchFamily="49" charset="0"/>
-              </a:rPr>
-              <a:t>()</a:t>
-            </a:r>
-          </a:p>
-          <a:p>
-            <a:r>
-              <a:rPr lang="en-US" sz="900" dirty="0" err="1" smtClean="0">
-                <a:solidFill>
-                  <a:srgbClr val="0070C0"/>
-                </a:solidFill>
-                <a:latin typeface="Courier New" panose="02070309020205020404" pitchFamily="49" charset="0"/>
-                <a:cs typeface="Courier New" panose="02070309020205020404" pitchFamily="49" charset="0"/>
-              </a:rPr>
-              <a:t>val</a:t>
-            </a:r>
-            <a:r>
-              <a:rPr lang="en-US" sz="900" dirty="0" smtClean="0">
-                <a:solidFill>
-                  <a:srgbClr val="0070C0"/>
-                </a:solidFill>
-                <a:latin typeface="Courier New" panose="02070309020205020404" pitchFamily="49" charset="0"/>
-                <a:cs typeface="Courier New" panose="02070309020205020404" pitchFamily="49" charset="0"/>
-              </a:rPr>
-              <a:t> </a:t>
-            </a:r>
-            <a:r>
-              <a:rPr lang="en-US" sz="900" dirty="0" err="1">
-                <a:solidFill>
-                  <a:srgbClr val="0070C0"/>
-                </a:solidFill>
-                <a:latin typeface="Courier New" panose="02070309020205020404" pitchFamily="49" charset="0"/>
-                <a:cs typeface="Courier New" panose="02070309020205020404" pitchFamily="49" charset="0"/>
-              </a:rPr>
-              <a:t>propertiesMap</a:t>
-            </a:r>
-            <a:r>
-              <a:rPr lang="en-US" sz="900" dirty="0">
-                <a:solidFill>
-                  <a:srgbClr val="0070C0"/>
-                </a:solidFill>
-                <a:latin typeface="Courier New" panose="02070309020205020404" pitchFamily="49" charset="0"/>
-                <a:cs typeface="Courier New" panose="02070309020205020404" pitchFamily="49" charset="0"/>
-              </a:rPr>
-              <a:t> = </a:t>
-            </a:r>
-            <a:r>
-              <a:rPr lang="en-US" sz="900" dirty="0" err="1">
-                <a:solidFill>
-                  <a:srgbClr val="0070C0"/>
-                </a:solidFill>
-                <a:latin typeface="Courier New" panose="02070309020205020404" pitchFamily="49" charset="0"/>
-                <a:cs typeface="Courier New" panose="02070309020205020404" pitchFamily="49" charset="0"/>
-              </a:rPr>
-              <a:t>properties.asScala.toMap</a:t>
-            </a:r>
             <a:endParaRPr lang="en-US" sz="900" dirty="0">
               <a:solidFill>
                 <a:srgbClr val="0070C0"/>
@@ -6280,9 +6984,167 @@
             </a:endParaRPr>
           </a:p>
           <a:p>
+            <a:r>
+              <a:rPr lang="en-US" sz="900" dirty="0" err="1" smtClean="0">
+                <a:solidFill>
+                  <a:srgbClr val="0070C0"/>
+                </a:solidFill>
+                <a:latin typeface="Courier New" panose="02070309020205020404" pitchFamily="49" charset="0"/>
+                <a:cs typeface="Courier New" panose="02070309020205020404" pitchFamily="49" charset="0"/>
+              </a:rPr>
+              <a:t>def</a:t>
+            </a:r>
+            <a:r>
+              <a:rPr lang="en-US" sz="900" dirty="0" smtClean="0">
+                <a:solidFill>
+                  <a:srgbClr val="0070C0"/>
+                </a:solidFill>
+                <a:latin typeface="Courier New" panose="02070309020205020404" pitchFamily="49" charset="0"/>
+                <a:cs typeface="Courier New" panose="02070309020205020404" pitchFamily="49" charset="0"/>
+              </a:rPr>
+              <a:t> </a:t>
+            </a:r>
+            <a:r>
+              <a:rPr lang="en-US" sz="900" dirty="0">
+                <a:solidFill>
+                  <a:srgbClr val="0070C0"/>
+                </a:solidFill>
+                <a:latin typeface="Courier New" panose="02070309020205020404" pitchFamily="49" charset="0"/>
+                <a:cs typeface="Courier New" panose="02070309020205020404" pitchFamily="49" charset="0"/>
+              </a:rPr>
+              <a:t>constant(s: String) = </a:t>
+            </a:r>
+            <a:r>
+              <a:rPr lang="en-US" sz="900" dirty="0" err="1">
+                <a:solidFill>
+                  <a:srgbClr val="0070C0"/>
+                </a:solidFill>
+                <a:latin typeface="Courier New" panose="02070309020205020404" pitchFamily="49" charset="0"/>
+                <a:cs typeface="Courier New" panose="02070309020205020404" pitchFamily="49" charset="0"/>
+              </a:rPr>
+              <a:t>c.Expr</a:t>
+            </a:r>
+            <a:r>
+              <a:rPr lang="en-US" sz="900" dirty="0">
+                <a:solidFill>
+                  <a:srgbClr val="0070C0"/>
+                </a:solidFill>
+                <a:latin typeface="Courier New" panose="02070309020205020404" pitchFamily="49" charset="0"/>
+                <a:cs typeface="Courier New" panose="02070309020205020404" pitchFamily="49" charset="0"/>
+              </a:rPr>
+              <a:t>[String](Literal(Constant(s)))</a:t>
+            </a:r>
+          </a:p>
+          <a:p>
+            <a:r>
+              <a:rPr lang="en-US" sz="900" dirty="0" err="1" smtClean="0">
+                <a:solidFill>
+                  <a:srgbClr val="0070C0"/>
+                </a:solidFill>
+                <a:latin typeface="Courier New" panose="02070309020205020404" pitchFamily="49" charset="0"/>
+                <a:cs typeface="Courier New" panose="02070309020205020404" pitchFamily="49" charset="0"/>
+              </a:rPr>
+              <a:t>val</a:t>
+            </a:r>
+            <a:r>
+              <a:rPr lang="en-US" sz="900" dirty="0" smtClean="0">
+                <a:solidFill>
+                  <a:srgbClr val="0070C0"/>
+                </a:solidFill>
+                <a:latin typeface="Courier New" panose="02070309020205020404" pitchFamily="49" charset="0"/>
+                <a:cs typeface="Courier New" panose="02070309020205020404" pitchFamily="49" charset="0"/>
+              </a:rPr>
+              <a:t> </a:t>
+            </a:r>
+            <a:r>
+              <a:rPr lang="en-US" sz="900" dirty="0">
+                <a:solidFill>
+                  <a:srgbClr val="0070C0"/>
+                </a:solidFill>
+                <a:latin typeface="Courier New" panose="02070309020205020404" pitchFamily="49" charset="0"/>
+                <a:cs typeface="Courier New" panose="02070309020205020404" pitchFamily="49" charset="0"/>
+              </a:rPr>
+              <a:t>pairs = </a:t>
+            </a:r>
+            <a:r>
+              <a:rPr lang="en-US" sz="900" dirty="0" err="1">
+                <a:solidFill>
+                  <a:srgbClr val="0070C0"/>
+                </a:solidFill>
+                <a:latin typeface="Courier New" panose="02070309020205020404" pitchFamily="49" charset="0"/>
+                <a:cs typeface="Courier New" panose="02070309020205020404" pitchFamily="49" charset="0"/>
+              </a:rPr>
+              <a:t>propertiesMap.map</a:t>
+            </a:r>
+            <a:r>
+              <a:rPr lang="en-US" sz="900" dirty="0">
+                <a:solidFill>
+                  <a:srgbClr val="0070C0"/>
+                </a:solidFill>
+                <a:latin typeface="Courier New" panose="02070309020205020404" pitchFamily="49" charset="0"/>
+                <a:cs typeface="Courier New" panose="02070309020205020404" pitchFamily="49" charset="0"/>
+              </a:rPr>
+              <a:t> {</a:t>
+            </a:r>
+          </a:p>
+          <a:p>
+            <a:r>
+              <a:rPr lang="en-US" sz="900" dirty="0" smtClean="0">
+                <a:solidFill>
+                  <a:srgbClr val="0070C0"/>
+                </a:solidFill>
+                <a:latin typeface="Courier New" panose="02070309020205020404" pitchFamily="49" charset="0"/>
+                <a:cs typeface="Courier New" panose="02070309020205020404" pitchFamily="49" charset="0"/>
+              </a:rPr>
+              <a:t> case </a:t>
+            </a:r>
+            <a:r>
+              <a:rPr lang="en-US" sz="900" dirty="0">
+                <a:solidFill>
+                  <a:srgbClr val="0070C0"/>
+                </a:solidFill>
+                <a:latin typeface="Courier New" panose="02070309020205020404" pitchFamily="49" charset="0"/>
+                <a:cs typeface="Courier New" panose="02070309020205020404" pitchFamily="49" charset="0"/>
+              </a:rPr>
+              <a:t>(key, value) =&gt;</a:t>
+            </a:r>
+          </a:p>
+          <a:p>
+            <a:r>
+              <a:rPr lang="en-US" sz="900" dirty="0" smtClean="0">
+                <a:solidFill>
+                  <a:srgbClr val="0070C0"/>
+                </a:solidFill>
+                <a:latin typeface="Courier New" panose="02070309020205020404" pitchFamily="49" charset="0"/>
+                <a:cs typeface="Courier New" panose="02070309020205020404" pitchFamily="49" charset="0"/>
+              </a:rPr>
+              <a:t>  reify</a:t>
+            </a:r>
+            <a:r>
+              <a:rPr lang="en-US" sz="900" dirty="0">
+                <a:solidFill>
+                  <a:srgbClr val="0070C0"/>
+                </a:solidFill>
+                <a:latin typeface="Courier New" panose="02070309020205020404" pitchFamily="49" charset="0"/>
+                <a:cs typeface="Courier New" panose="02070309020205020404" pitchFamily="49" charset="0"/>
+              </a:rPr>
+              <a:t>((constant(key).splice, constant(value).splice)).tree</a:t>
+            </a:r>
+          </a:p>
+          <a:p>
+            <a:r>
+              <a:rPr lang="en-US" sz="900" dirty="0" smtClean="0">
+                <a:solidFill>
+                  <a:srgbClr val="0070C0"/>
+                </a:solidFill>
+                <a:latin typeface="Courier New" panose="02070309020205020404" pitchFamily="49" charset="0"/>
+                <a:cs typeface="Courier New" panose="02070309020205020404" pitchFamily="49" charset="0"/>
+              </a:rPr>
+              <a:t>}</a:t>
+            </a:r>
             <a:endParaRPr lang="en-US" sz="900" dirty="0">
               <a:solidFill>
-                <a:srgbClr val="92D050"/>
+                <a:srgbClr val="0070C0"/>
               </a:solidFill>
               <a:latin typeface="Courier New" panose="02070309020205020404" pitchFamily="49" charset="0"/>
               <a:cs typeface="Courier New" panose="02070309020205020404" pitchFamily="49" charset="0"/>
@@ -6292,7 +7154,7 @@
             <a:r>
               <a:rPr lang="en-US" sz="900" dirty="0" err="1" smtClean="0">
                 <a:solidFill>
-                  <a:srgbClr val="92D050"/>
+                  <a:srgbClr val="0070C0"/>
                 </a:solidFill>
                 <a:latin typeface="Courier New" panose="02070309020205020404" pitchFamily="49" charset="0"/>
                 <a:cs typeface="Courier New" panose="02070309020205020404" pitchFamily="49" charset="0"/>
@@ -6302,7 +7164,7 @@
             <a:r>
               <a:rPr lang="en-US" sz="900" dirty="0" smtClean="0">
                 <a:solidFill>
-                  <a:srgbClr val="92D050"/>
+                  <a:srgbClr val="0070C0"/>
                 </a:solidFill>
                 <a:latin typeface="Courier New" panose="02070309020205020404" pitchFamily="49" charset="0"/>
                 <a:cs typeface="Courier New" panose="02070309020205020404" pitchFamily="49" charset="0"/>
@@ -6310,9 +7172,73 @@
               <a:t> </a:t>
             </a:r>
             <a:r>
+              <a:rPr lang="en-US" sz="900" dirty="0">
+                <a:solidFill>
+                  <a:srgbClr val="0070C0"/>
+                </a:solidFill>
+                <a:latin typeface="Courier New" panose="02070309020205020404" pitchFamily="49" charset="0"/>
+                <a:cs typeface="Courier New" panose="02070309020205020404" pitchFamily="49" charset="0"/>
+              </a:rPr>
+              <a:t>adds = </a:t>
+            </a:r>
+            <a:r>
               <a:rPr lang="en-US" sz="900" dirty="0" err="1">
                 <a:solidFill>
-                  <a:srgbClr val="92D050"/>
+                  <a:srgbClr val="0070C0"/>
+                </a:solidFill>
+                <a:latin typeface="Courier New" panose="02070309020205020404" pitchFamily="49" charset="0"/>
+                <a:cs typeface="Courier New" panose="02070309020205020404" pitchFamily="49" charset="0"/>
+              </a:rPr>
+              <a:t>pairs.map</a:t>
+            </a:r>
+            <a:r>
+              <a:rPr lang="en-US" sz="900" dirty="0">
+                <a:solidFill>
+                  <a:srgbClr val="0070C0"/>
+                </a:solidFill>
+                <a:latin typeface="Courier New" panose="02070309020205020404" pitchFamily="49" charset="0"/>
+                <a:cs typeface="Courier New" panose="02070309020205020404" pitchFamily="49" charset="0"/>
+              </a:rPr>
+              <a:t> {</a:t>
+            </a:r>
+          </a:p>
+          <a:p>
+            <a:r>
+              <a:rPr lang="en-US" sz="900" dirty="0" smtClean="0">
+                <a:solidFill>
+                  <a:srgbClr val="0070C0"/>
+                </a:solidFill>
+                <a:latin typeface="Courier New" panose="02070309020205020404" pitchFamily="49" charset="0"/>
+                <a:cs typeface="Courier New" panose="02070309020205020404" pitchFamily="49" charset="0"/>
+              </a:rPr>
+              <a:t> tree </a:t>
+            </a:r>
+            <a:r>
+              <a:rPr lang="en-US" sz="900" dirty="0">
+                <a:solidFill>
+                  <a:srgbClr val="0070C0"/>
+                </a:solidFill>
+                <a:latin typeface="Courier New" panose="02070309020205020404" pitchFamily="49" charset="0"/>
+                <a:cs typeface="Courier New" panose="02070309020205020404" pitchFamily="49" charset="0"/>
+              </a:rPr>
+              <a:t>=&gt;</a:t>
+            </a:r>
+          </a:p>
+          <a:p>
+            <a:r>
+              <a:rPr lang="en-US" sz="900" dirty="0" smtClean="0">
+                <a:solidFill>
+                  <a:srgbClr val="0070C0"/>
+                </a:solidFill>
+                <a:latin typeface="Courier New" panose="02070309020205020404" pitchFamily="49" charset="0"/>
+                <a:cs typeface="Courier New" panose="02070309020205020404" pitchFamily="49" charset="0"/>
+              </a:rPr>
+              <a:t>  Apply(Select(Ident(</a:t>
+            </a:r>
+            <a:r>
+              <a:rPr lang="en-US" sz="900" dirty="0" err="1" smtClean="0">
+                <a:solidFill>
+                  <a:srgbClr val="0070C0"/>
                 </a:solidFill>
                 <a:latin typeface="Courier New" panose="02070309020205020404" pitchFamily="49" charset="0"/>
                 <a:cs typeface="Courier New" panose="02070309020205020404" pitchFamily="49" charset="0"/>
@@ -6322,17 +7248,17 @@
             <a:r>
               <a:rPr lang="en-US" sz="900" dirty="0">
                 <a:solidFill>
-                  <a:srgbClr val="92D050"/>
-                </a:solidFill>
-                <a:latin typeface="Courier New" panose="02070309020205020404" pitchFamily="49" charset="0"/>
-                <a:cs typeface="Courier New" panose="02070309020205020404" pitchFamily="49" charset="0"/>
-              </a:rPr>
-              <a:t> = </a:t>
+                  <a:srgbClr val="0070C0"/>
+                </a:solidFill>
+                <a:latin typeface="Courier New" panose="02070309020205020404" pitchFamily="49" charset="0"/>
+                <a:cs typeface="Courier New" panose="02070309020205020404" pitchFamily="49" charset="0"/>
+              </a:rPr>
+              <a:t>), </a:t>
             </a:r>
             <a:r>
               <a:rPr lang="en-US" sz="900" dirty="0" err="1">
                 <a:solidFill>
-                  <a:srgbClr val="92D050"/>
+                  <a:srgbClr val="0070C0"/>
                 </a:solidFill>
                 <a:latin typeface="Courier New" panose="02070309020205020404" pitchFamily="49" charset="0"/>
                 <a:cs typeface="Courier New" panose="02070309020205020404" pitchFamily="49" charset="0"/>
@@ -6342,409 +7268,67 @@
             <a:r>
               <a:rPr lang="en-US" sz="900" dirty="0">
                 <a:solidFill>
-                  <a:srgbClr val="92D050"/>
-                </a:solidFill>
-                <a:latin typeface="Courier New" panose="02070309020205020404" pitchFamily="49" charset="0"/>
-                <a:cs typeface="Courier New" panose="02070309020205020404" pitchFamily="49" charset="0"/>
-              </a:rPr>
-              <a:t>("builder")</a:t>
-            </a:r>
-          </a:p>
-          <a:p>
-            <a:r>
-              <a:rPr lang="en-US" sz="900" dirty="0" err="1" smtClean="0">
-                <a:solidFill>
-                  <a:srgbClr val="92D050"/>
-                </a:solidFill>
-                <a:latin typeface="Courier New" panose="02070309020205020404" pitchFamily="49" charset="0"/>
-                <a:cs typeface="Courier New" panose="02070309020205020404" pitchFamily="49" charset="0"/>
-              </a:rPr>
-              <a:t>val</a:t>
-            </a:r>
+                  <a:srgbClr val="0070C0"/>
+                </a:solidFill>
+                <a:latin typeface="Courier New" panose="02070309020205020404" pitchFamily="49" charset="0"/>
+                <a:cs typeface="Courier New" panose="02070309020205020404" pitchFamily="49" charset="0"/>
+              </a:rPr>
+              <a:t>("$</a:t>
+            </a:r>
+            <a:r>
+              <a:rPr lang="en-US" sz="900" dirty="0" err="1">
+                <a:solidFill>
+                  <a:srgbClr val="0070C0"/>
+                </a:solidFill>
+                <a:latin typeface="Courier New" panose="02070309020205020404" pitchFamily="49" charset="0"/>
+                <a:cs typeface="Courier New" panose="02070309020205020404" pitchFamily="49" charset="0"/>
+              </a:rPr>
+              <a:t>plus$eq</a:t>
+            </a:r>
+            <a:r>
+              <a:rPr lang="en-US" sz="900" dirty="0">
+                <a:solidFill>
+                  <a:srgbClr val="0070C0"/>
+                </a:solidFill>
+                <a:latin typeface="Courier New" panose="02070309020205020404" pitchFamily="49" charset="0"/>
+                <a:cs typeface="Courier New" panose="02070309020205020404" pitchFamily="49" charset="0"/>
+              </a:rPr>
+              <a:t>")), List(tree))</a:t>
+            </a:r>
+          </a:p>
+          <a:p>
             <a:r>
               <a:rPr lang="en-US" sz="900" dirty="0" smtClean="0">
                 <a:solidFill>
-                  <a:srgbClr val="92D050"/>
-                </a:solidFill>
-                <a:latin typeface="Courier New" panose="02070309020205020404" pitchFamily="49" charset="0"/>
-                <a:cs typeface="Courier New" panose="02070309020205020404" pitchFamily="49" charset="0"/>
-              </a:rPr>
-              <a:t> </a:t>
+                  <a:srgbClr val="0070C0"/>
+                </a:solidFill>
+                <a:latin typeface="Courier New" panose="02070309020205020404" pitchFamily="49" charset="0"/>
+                <a:cs typeface="Courier New" panose="02070309020205020404" pitchFamily="49" charset="0"/>
+              </a:rPr>
+              <a:t>}.</a:t>
             </a:r>
             <a:r>
               <a:rPr lang="en-US" sz="900" dirty="0" err="1">
                 <a:solidFill>
-                  <a:srgbClr val="92D050"/>
-                </a:solidFill>
-                <a:latin typeface="Courier New" panose="02070309020205020404" pitchFamily="49" charset="0"/>
-                <a:cs typeface="Courier New" panose="02070309020205020404" pitchFamily="49" charset="0"/>
-              </a:rPr>
-              <a:t>typeTag</a:t>
-            </a:r>
-            <a:r>
-              <a:rPr lang="en-US" sz="900" dirty="0">
-                <a:solidFill>
-                  <a:srgbClr val="92D050"/>
-                </a:solidFill>
-                <a:latin typeface="Courier New" panose="02070309020205020404" pitchFamily="49" charset="0"/>
-                <a:cs typeface="Courier New" panose="02070309020205020404" pitchFamily="49" charset="0"/>
-              </a:rPr>
-              <a:t> = </a:t>
-            </a:r>
-            <a:r>
-              <a:rPr lang="en-US" sz="900" dirty="0" err="1">
-                <a:solidFill>
-                  <a:srgbClr val="92D050"/>
-                </a:solidFill>
-                <a:latin typeface="Courier New" panose="02070309020205020404" pitchFamily="49" charset="0"/>
-                <a:cs typeface="Courier New" panose="02070309020205020404" pitchFamily="49" charset="0"/>
-              </a:rPr>
-              <a:t>typeOf</a:t>
-            </a:r>
-            <a:r>
-              <a:rPr lang="en-US" sz="900" dirty="0">
-                <a:solidFill>
-                  <a:srgbClr val="92D050"/>
-                </a:solidFill>
-                <a:latin typeface="Courier New" panose="02070309020205020404" pitchFamily="49" charset="0"/>
-                <a:cs typeface="Courier New" panose="02070309020205020404" pitchFamily="49" charset="0"/>
-              </a:rPr>
-              <a:t>[</a:t>
-            </a:r>
-            <a:r>
-              <a:rPr lang="en-US" sz="900" dirty="0" err="1">
-                <a:solidFill>
-                  <a:srgbClr val="92D050"/>
-                </a:solidFill>
-                <a:latin typeface="Courier New" panose="02070309020205020404" pitchFamily="49" charset="0"/>
-                <a:cs typeface="Courier New" panose="02070309020205020404" pitchFamily="49" charset="0"/>
-              </a:rPr>
-              <a:t>mutable.Builder</a:t>
-            </a:r>
-            <a:r>
-              <a:rPr lang="en-US" sz="900" dirty="0">
-                <a:solidFill>
-                  <a:srgbClr val="92D050"/>
-                </a:solidFill>
-                <a:latin typeface="Courier New" panose="02070309020205020404" pitchFamily="49" charset="0"/>
-                <a:cs typeface="Courier New" panose="02070309020205020404" pitchFamily="49" charset="0"/>
-              </a:rPr>
-              <a:t>[(String, String), Map[String, String]]]</a:t>
-            </a:r>
-          </a:p>
-          <a:p>
-            <a:r>
-              <a:rPr lang="en-US" sz="900" dirty="0" err="1" smtClean="0">
-                <a:solidFill>
-                  <a:srgbClr val="92D050"/>
-                </a:solidFill>
-                <a:latin typeface="Courier New" panose="02070309020205020404" pitchFamily="49" charset="0"/>
-                <a:cs typeface="Courier New" panose="02070309020205020404" pitchFamily="49" charset="0"/>
-              </a:rPr>
-              <a:t>val</a:t>
-            </a:r>
-            <a:r>
-              <a:rPr lang="en-US" sz="900" dirty="0" smtClean="0">
-                <a:solidFill>
-                  <a:srgbClr val="92D050"/>
-                </a:solidFill>
-                <a:latin typeface="Courier New" panose="02070309020205020404" pitchFamily="49" charset="0"/>
-                <a:cs typeface="Courier New" panose="02070309020205020404" pitchFamily="49" charset="0"/>
-              </a:rPr>
-              <a:t> </a:t>
-            </a:r>
-            <a:r>
-              <a:rPr lang="en-US" sz="900" dirty="0">
-                <a:solidFill>
-                  <a:srgbClr val="92D050"/>
-                </a:solidFill>
-                <a:latin typeface="Courier New" panose="02070309020205020404" pitchFamily="49" charset="0"/>
-                <a:cs typeface="Courier New" panose="02070309020205020404" pitchFamily="49" charset="0"/>
-              </a:rPr>
-              <a:t>define = </a:t>
-            </a:r>
-            <a:r>
-              <a:rPr lang="en-US" sz="900" dirty="0" err="1">
-                <a:solidFill>
-                  <a:srgbClr val="92D050"/>
-                </a:solidFill>
-                <a:latin typeface="Courier New" panose="02070309020205020404" pitchFamily="49" charset="0"/>
-                <a:cs typeface="Courier New" panose="02070309020205020404" pitchFamily="49" charset="0"/>
-              </a:rPr>
-              <a:t>ValDef</a:t>
-            </a:r>
-            <a:r>
-              <a:rPr lang="en-US" sz="900" dirty="0">
-                <a:solidFill>
-                  <a:srgbClr val="92D050"/>
-                </a:solidFill>
-                <a:latin typeface="Courier New" panose="02070309020205020404" pitchFamily="49" charset="0"/>
-                <a:cs typeface="Courier New" panose="02070309020205020404" pitchFamily="49" charset="0"/>
-              </a:rPr>
-              <a:t>(Modifiers(), </a:t>
-            </a:r>
-            <a:r>
-              <a:rPr lang="en-US" sz="900" dirty="0" err="1">
-                <a:solidFill>
-                  <a:srgbClr val="92D050"/>
-                </a:solidFill>
-                <a:latin typeface="Courier New" panose="02070309020205020404" pitchFamily="49" charset="0"/>
-                <a:cs typeface="Courier New" panose="02070309020205020404" pitchFamily="49" charset="0"/>
-              </a:rPr>
-              <a:t>builderVariable</a:t>
-            </a:r>
-            <a:r>
-              <a:rPr lang="en-US" sz="900" dirty="0">
-                <a:solidFill>
-                  <a:srgbClr val="92D050"/>
-                </a:solidFill>
-                <a:latin typeface="Courier New" panose="02070309020205020404" pitchFamily="49" charset="0"/>
-                <a:cs typeface="Courier New" panose="02070309020205020404" pitchFamily="49" charset="0"/>
-              </a:rPr>
-              <a:t>, </a:t>
-            </a:r>
-            <a:r>
-              <a:rPr lang="en-US" sz="900" dirty="0" err="1">
-                <a:solidFill>
-                  <a:srgbClr val="92D050"/>
-                </a:solidFill>
-                <a:latin typeface="Courier New" panose="02070309020205020404" pitchFamily="49" charset="0"/>
-                <a:cs typeface="Courier New" panose="02070309020205020404" pitchFamily="49" charset="0"/>
-              </a:rPr>
-              <a:t>TypeTree</a:t>
-            </a:r>
-            <a:r>
-              <a:rPr lang="en-US" sz="900" dirty="0">
-                <a:solidFill>
-                  <a:srgbClr val="92D050"/>
-                </a:solidFill>
-                <a:latin typeface="Courier New" panose="02070309020205020404" pitchFamily="49" charset="0"/>
-                <a:cs typeface="Courier New" panose="02070309020205020404" pitchFamily="49" charset="0"/>
-              </a:rPr>
-              <a:t>(</a:t>
-            </a:r>
-            <a:r>
-              <a:rPr lang="en-US" sz="900" dirty="0" err="1">
-                <a:solidFill>
-                  <a:srgbClr val="92D050"/>
-                </a:solidFill>
-                <a:latin typeface="Courier New" panose="02070309020205020404" pitchFamily="49" charset="0"/>
-                <a:cs typeface="Courier New" panose="02070309020205020404" pitchFamily="49" charset="0"/>
-              </a:rPr>
-              <a:t>typeTag</a:t>
-            </a:r>
-            <a:r>
-              <a:rPr lang="en-US" sz="900" dirty="0">
-                <a:solidFill>
-                  <a:srgbClr val="92D050"/>
-                </a:solidFill>
-                <a:latin typeface="Courier New" panose="02070309020205020404" pitchFamily="49" charset="0"/>
-                <a:cs typeface="Courier New" panose="02070309020205020404" pitchFamily="49" charset="0"/>
-              </a:rPr>
-              <a:t>), reify(</a:t>
-            </a:r>
-            <a:r>
-              <a:rPr lang="en-US" sz="900" dirty="0" err="1">
-                <a:solidFill>
-                  <a:srgbClr val="92D050"/>
-                </a:solidFill>
-                <a:latin typeface="Courier New" panose="02070309020205020404" pitchFamily="49" charset="0"/>
-                <a:cs typeface="Courier New" panose="02070309020205020404" pitchFamily="49" charset="0"/>
-              </a:rPr>
-              <a:t>Map.newBuilder</a:t>
-            </a:r>
-            <a:r>
-              <a:rPr lang="en-US" sz="900" dirty="0">
-                <a:solidFill>
-                  <a:srgbClr val="92D050"/>
-                </a:solidFill>
-                <a:latin typeface="Courier New" panose="02070309020205020404" pitchFamily="49" charset="0"/>
-                <a:cs typeface="Courier New" panose="02070309020205020404" pitchFamily="49" charset="0"/>
-              </a:rPr>
-              <a:t>[String, String]).tree</a:t>
-            </a:r>
-            <a:r>
-              <a:rPr lang="en-US" sz="900" dirty="0" smtClean="0">
-                <a:solidFill>
-                  <a:srgbClr val="92D050"/>
-                </a:solidFill>
-                <a:latin typeface="Courier New" panose="02070309020205020404" pitchFamily="49" charset="0"/>
-                <a:cs typeface="Courier New" panose="02070309020205020404" pitchFamily="49" charset="0"/>
-              </a:rPr>
-              <a:t>)</a:t>
-            </a:r>
-          </a:p>
-          <a:p>
+                  <a:srgbClr val="0070C0"/>
+                </a:solidFill>
+                <a:latin typeface="Courier New" panose="02070309020205020404" pitchFamily="49" charset="0"/>
+                <a:cs typeface="Courier New" panose="02070309020205020404" pitchFamily="49" charset="0"/>
+              </a:rPr>
+              <a:t>toList</a:t>
+            </a:r>
             <a:endParaRPr lang="en-US" sz="900" dirty="0">
               <a:solidFill>
-                <a:srgbClr val="92D050"/>
+                <a:srgbClr val="0070C0"/>
               </a:solidFill>
               <a:latin typeface="Courier New" panose="02070309020205020404" pitchFamily="49" charset="0"/>
               <a:cs typeface="Courier New" panose="02070309020205020404" pitchFamily="49" charset="0"/>
             </a:endParaRPr>
           </a:p>
           <a:p>
-            <a:r>
-              <a:rPr lang="en-US" sz="900" dirty="0" err="1" smtClean="0">
-                <a:solidFill>
-                  <a:srgbClr val="92D050"/>
-                </a:solidFill>
-                <a:latin typeface="Courier New" panose="02070309020205020404" pitchFamily="49" charset="0"/>
-                <a:cs typeface="Courier New" panose="02070309020205020404" pitchFamily="49" charset="0"/>
-              </a:rPr>
-              <a:t>def</a:t>
-            </a:r>
-            <a:r>
-              <a:rPr lang="en-US" sz="900" dirty="0" smtClean="0">
-                <a:solidFill>
-                  <a:srgbClr val="92D050"/>
-                </a:solidFill>
-                <a:latin typeface="Courier New" panose="02070309020205020404" pitchFamily="49" charset="0"/>
-                <a:cs typeface="Courier New" panose="02070309020205020404" pitchFamily="49" charset="0"/>
-              </a:rPr>
-              <a:t> </a:t>
-            </a:r>
-            <a:r>
-              <a:rPr lang="en-US" sz="900" dirty="0">
-                <a:solidFill>
-                  <a:srgbClr val="92D050"/>
-                </a:solidFill>
-                <a:latin typeface="Courier New" panose="02070309020205020404" pitchFamily="49" charset="0"/>
-                <a:cs typeface="Courier New" panose="02070309020205020404" pitchFamily="49" charset="0"/>
-              </a:rPr>
-              <a:t>constant(s: String) = </a:t>
-            </a:r>
-            <a:r>
-              <a:rPr lang="en-US" sz="900" dirty="0" err="1">
-                <a:solidFill>
-                  <a:srgbClr val="92D050"/>
-                </a:solidFill>
-                <a:latin typeface="Courier New" panose="02070309020205020404" pitchFamily="49" charset="0"/>
-                <a:cs typeface="Courier New" panose="02070309020205020404" pitchFamily="49" charset="0"/>
-              </a:rPr>
-              <a:t>c.Expr</a:t>
-            </a:r>
-            <a:r>
-              <a:rPr lang="en-US" sz="900" dirty="0">
-                <a:solidFill>
-                  <a:srgbClr val="92D050"/>
-                </a:solidFill>
-                <a:latin typeface="Courier New" panose="02070309020205020404" pitchFamily="49" charset="0"/>
-                <a:cs typeface="Courier New" panose="02070309020205020404" pitchFamily="49" charset="0"/>
-              </a:rPr>
-              <a:t>[String](Literal(Constant(s)))</a:t>
-            </a:r>
-          </a:p>
-          <a:p>
-            <a:r>
-              <a:rPr lang="en-US" sz="900" dirty="0" err="1" smtClean="0">
-                <a:solidFill>
-                  <a:srgbClr val="92D050"/>
-                </a:solidFill>
-                <a:latin typeface="Courier New" panose="02070309020205020404" pitchFamily="49" charset="0"/>
-                <a:cs typeface="Courier New" panose="02070309020205020404" pitchFamily="49" charset="0"/>
-              </a:rPr>
-              <a:t>val</a:t>
-            </a:r>
-            <a:r>
-              <a:rPr lang="en-US" sz="900" dirty="0" smtClean="0">
-                <a:solidFill>
-                  <a:srgbClr val="92D050"/>
-                </a:solidFill>
-                <a:latin typeface="Courier New" panose="02070309020205020404" pitchFamily="49" charset="0"/>
-                <a:cs typeface="Courier New" panose="02070309020205020404" pitchFamily="49" charset="0"/>
-              </a:rPr>
-              <a:t> </a:t>
-            </a:r>
-            <a:r>
-              <a:rPr lang="en-US" sz="900" dirty="0">
-                <a:solidFill>
-                  <a:srgbClr val="92D050"/>
-                </a:solidFill>
-                <a:latin typeface="Courier New" panose="02070309020205020404" pitchFamily="49" charset="0"/>
-                <a:cs typeface="Courier New" panose="02070309020205020404" pitchFamily="49" charset="0"/>
-              </a:rPr>
-              <a:t>pairs = </a:t>
-            </a:r>
-            <a:r>
-              <a:rPr lang="en-US" sz="900" dirty="0" err="1">
-                <a:solidFill>
-                  <a:srgbClr val="92D050"/>
-                </a:solidFill>
-                <a:latin typeface="Courier New" panose="02070309020205020404" pitchFamily="49" charset="0"/>
-                <a:cs typeface="Courier New" panose="02070309020205020404" pitchFamily="49" charset="0"/>
-              </a:rPr>
-              <a:t>propertiesMap.map</a:t>
-            </a:r>
-            <a:r>
-              <a:rPr lang="en-US" sz="900" dirty="0">
-                <a:solidFill>
-                  <a:srgbClr val="92D050"/>
-                </a:solidFill>
-                <a:latin typeface="Courier New" panose="02070309020205020404" pitchFamily="49" charset="0"/>
-                <a:cs typeface="Courier New" panose="02070309020205020404" pitchFamily="49" charset="0"/>
-              </a:rPr>
-              <a:t> {</a:t>
-            </a:r>
-          </a:p>
-          <a:p>
-            <a:r>
-              <a:rPr lang="en-US" sz="900" dirty="0" smtClean="0">
-                <a:solidFill>
-                  <a:srgbClr val="92D050"/>
-                </a:solidFill>
-                <a:latin typeface="Courier New" panose="02070309020205020404" pitchFamily="49" charset="0"/>
-                <a:cs typeface="Courier New" panose="02070309020205020404" pitchFamily="49" charset="0"/>
-              </a:rPr>
-              <a:t> case </a:t>
-            </a:r>
-            <a:r>
-              <a:rPr lang="en-US" sz="900" dirty="0">
-                <a:solidFill>
-                  <a:srgbClr val="92D050"/>
-                </a:solidFill>
-                <a:latin typeface="Courier New" panose="02070309020205020404" pitchFamily="49" charset="0"/>
-                <a:cs typeface="Courier New" panose="02070309020205020404" pitchFamily="49" charset="0"/>
-              </a:rPr>
-              <a:t>(key, value) =&gt;</a:t>
-            </a:r>
-          </a:p>
-          <a:p>
-            <a:r>
-              <a:rPr lang="en-US" sz="900" dirty="0" smtClean="0">
-                <a:solidFill>
-                  <a:srgbClr val="92D050"/>
-                </a:solidFill>
-                <a:latin typeface="Courier New" panose="02070309020205020404" pitchFamily="49" charset="0"/>
-                <a:cs typeface="Courier New" panose="02070309020205020404" pitchFamily="49" charset="0"/>
-              </a:rPr>
-              <a:t>  reify</a:t>
-            </a:r>
-            <a:r>
-              <a:rPr lang="en-US" sz="900" dirty="0">
-                <a:solidFill>
-                  <a:srgbClr val="92D050"/>
-                </a:solidFill>
-                <a:latin typeface="Courier New" panose="02070309020205020404" pitchFamily="49" charset="0"/>
-                <a:cs typeface="Courier New" panose="02070309020205020404" pitchFamily="49" charset="0"/>
-              </a:rPr>
-              <a:t>((constant(key).splice, constant(value).splice)).tree</a:t>
-            </a:r>
-          </a:p>
-          <a:p>
-            <a:r>
-              <a:rPr lang="en-US" sz="900" dirty="0" smtClean="0">
-                <a:solidFill>
-                  <a:srgbClr val="92D050"/>
-                </a:solidFill>
-                <a:latin typeface="Courier New" panose="02070309020205020404" pitchFamily="49" charset="0"/>
-                <a:cs typeface="Courier New" panose="02070309020205020404" pitchFamily="49" charset="0"/>
-              </a:rPr>
-              <a:t>}</a:t>
-            </a:r>
             <a:endParaRPr lang="en-US" sz="900" dirty="0">
               <a:solidFill>
-                <a:srgbClr val="92D050"/>
+                <a:srgbClr val="0070C0"/>
               </a:solidFill>
               <a:latin typeface="Courier New" panose="02070309020205020404" pitchFamily="49" charset="0"/>
               <a:cs typeface="Courier New" panose="02070309020205020404" pitchFamily="49" charset="0"/>
@@ -6754,7 +7338,7 @@
             <a:r>
               <a:rPr lang="en-US" sz="900" dirty="0" err="1" smtClean="0">
                 <a:solidFill>
-                  <a:srgbClr val="92D050"/>
+                  <a:srgbClr val="0070C0"/>
                 </a:solidFill>
                 <a:latin typeface="Courier New" panose="02070309020205020404" pitchFamily="49" charset="0"/>
                 <a:cs typeface="Courier New" panose="02070309020205020404" pitchFamily="49" charset="0"/>
@@ -6764,7 +7348,7 @@
             <a:r>
               <a:rPr lang="en-US" sz="900" dirty="0" smtClean="0">
                 <a:solidFill>
-                  <a:srgbClr val="92D050"/>
+                  <a:srgbClr val="0070C0"/>
                 </a:solidFill>
                 <a:latin typeface="Courier New" panose="02070309020205020404" pitchFamily="49" charset="0"/>
                 <a:cs typeface="Courier New" panose="02070309020205020404" pitchFamily="49" charset="0"/>
@@ -6774,316 +7358,132 @@
             <a:r>
               <a:rPr lang="en-US" sz="900" dirty="0">
                 <a:solidFill>
-                  <a:srgbClr val="92D050"/>
-                </a:solidFill>
-                <a:latin typeface="Courier New" panose="02070309020205020404" pitchFamily="49" charset="0"/>
-                <a:cs typeface="Courier New" panose="02070309020205020404" pitchFamily="49" charset="0"/>
-              </a:rPr>
-              <a:t>adds = </a:t>
+                  <a:srgbClr val="0070C0"/>
+                </a:solidFill>
+                <a:latin typeface="Courier New" panose="02070309020205020404" pitchFamily="49" charset="0"/>
+                <a:cs typeface="Courier New" panose="02070309020205020404" pitchFamily="49" charset="0"/>
+              </a:rPr>
+              <a:t>result = Apply(Select(Ident(</a:t>
             </a:r>
             <a:r>
               <a:rPr lang="en-US" sz="900" dirty="0" err="1">
                 <a:solidFill>
-                  <a:srgbClr val="92D050"/>
-                </a:solidFill>
-                <a:latin typeface="Courier New" panose="02070309020205020404" pitchFamily="49" charset="0"/>
-                <a:cs typeface="Courier New" panose="02070309020205020404" pitchFamily="49" charset="0"/>
-              </a:rPr>
-              <a:t>pairs.map</a:t>
+                  <a:srgbClr val="0070C0"/>
+                </a:solidFill>
+                <a:latin typeface="Courier New" panose="02070309020205020404" pitchFamily="49" charset="0"/>
+                <a:cs typeface="Courier New" panose="02070309020205020404" pitchFamily="49" charset="0"/>
+              </a:rPr>
+              <a:t>builderVariable</a:t>
             </a:r>
             <a:r>
               <a:rPr lang="en-US" sz="900" dirty="0">
                 <a:solidFill>
-                  <a:srgbClr val="92D050"/>
-                </a:solidFill>
-                <a:latin typeface="Courier New" panose="02070309020205020404" pitchFamily="49" charset="0"/>
-                <a:cs typeface="Courier New" panose="02070309020205020404" pitchFamily="49" charset="0"/>
-              </a:rPr>
-              <a:t> {</a:t>
-            </a:r>
-          </a:p>
-          <a:p>
-            <a:r>
-              <a:rPr lang="en-US" sz="900" dirty="0" smtClean="0">
-                <a:solidFill>
-                  <a:srgbClr val="92D050"/>
-                </a:solidFill>
-                <a:latin typeface="Courier New" panose="02070309020205020404" pitchFamily="49" charset="0"/>
-                <a:cs typeface="Courier New" panose="02070309020205020404" pitchFamily="49" charset="0"/>
-              </a:rPr>
-              <a:t> tree </a:t>
+                  <a:srgbClr val="0070C0"/>
+                </a:solidFill>
+                <a:latin typeface="Courier New" panose="02070309020205020404" pitchFamily="49" charset="0"/>
+                <a:cs typeface="Courier New" panose="02070309020205020404" pitchFamily="49" charset="0"/>
+              </a:rPr>
+              <a:t>), </a:t>
+            </a:r>
+            <a:r>
+              <a:rPr lang="en-US" sz="900" dirty="0" err="1">
+                <a:solidFill>
+                  <a:srgbClr val="0070C0"/>
+                </a:solidFill>
+                <a:latin typeface="Courier New" panose="02070309020205020404" pitchFamily="49" charset="0"/>
+                <a:cs typeface="Courier New" panose="02070309020205020404" pitchFamily="49" charset="0"/>
+              </a:rPr>
+              <a:t>TermName</a:t>
             </a:r>
             <a:r>
               <a:rPr lang="en-US" sz="900" dirty="0">
                 <a:solidFill>
-                  <a:srgbClr val="92D050"/>
-                </a:solidFill>
-                <a:latin typeface="Courier New" panose="02070309020205020404" pitchFamily="49" charset="0"/>
-                <a:cs typeface="Courier New" panose="02070309020205020404" pitchFamily="49" charset="0"/>
-              </a:rPr>
-              <a:t>=&gt;</a:t>
-            </a:r>
-          </a:p>
-          <a:p>
-            <a:r>
-              <a:rPr lang="en-US" sz="900" dirty="0" smtClean="0">
-                <a:solidFill>
-                  <a:srgbClr val="92D050"/>
-                </a:solidFill>
-                <a:latin typeface="Courier New" panose="02070309020205020404" pitchFamily="49" charset="0"/>
-                <a:cs typeface="Courier New" panose="02070309020205020404" pitchFamily="49" charset="0"/>
-              </a:rPr>
-              <a:t>  Apply(Select(Ident(</a:t>
-            </a:r>
-            <a:r>
-              <a:rPr lang="en-US" sz="900" dirty="0" err="1" smtClean="0">
-                <a:solidFill>
-                  <a:srgbClr val="92D050"/>
-                </a:solidFill>
-                <a:latin typeface="Courier New" panose="02070309020205020404" pitchFamily="49" charset="0"/>
-                <a:cs typeface="Courier New" panose="02070309020205020404" pitchFamily="49" charset="0"/>
-              </a:rPr>
-              <a:t>builderVariable</a:t>
-            </a:r>
-            <a:r>
-              <a:rPr lang="en-US" sz="900" dirty="0">
-                <a:solidFill>
-                  <a:srgbClr val="92D050"/>
-                </a:solidFill>
-                <a:latin typeface="Courier New" panose="02070309020205020404" pitchFamily="49" charset="0"/>
-                <a:cs typeface="Courier New" panose="02070309020205020404" pitchFamily="49" charset="0"/>
-              </a:rPr>
-              <a:t>), </a:t>
-            </a:r>
-            <a:r>
-              <a:rPr lang="en-US" sz="900" dirty="0" err="1">
-                <a:solidFill>
-                  <a:srgbClr val="92D050"/>
-                </a:solidFill>
-                <a:latin typeface="Courier New" panose="02070309020205020404" pitchFamily="49" charset="0"/>
-                <a:cs typeface="Courier New" panose="02070309020205020404" pitchFamily="49" charset="0"/>
-              </a:rPr>
-              <a:t>TermName</a:t>
-            </a:r>
-            <a:r>
-              <a:rPr lang="en-US" sz="900" dirty="0">
-                <a:solidFill>
-                  <a:srgbClr val="92D050"/>
-                </a:solidFill>
-                <a:latin typeface="Courier New" panose="02070309020205020404" pitchFamily="49" charset="0"/>
-                <a:cs typeface="Courier New" panose="02070309020205020404" pitchFamily="49" charset="0"/>
-              </a:rPr>
-              <a:t>("$</a:t>
-            </a:r>
-            <a:r>
-              <a:rPr lang="en-US" sz="900" dirty="0" err="1">
-                <a:solidFill>
-                  <a:srgbClr val="92D050"/>
-                </a:solidFill>
-                <a:latin typeface="Courier New" panose="02070309020205020404" pitchFamily="49" charset="0"/>
-                <a:cs typeface="Courier New" panose="02070309020205020404" pitchFamily="49" charset="0"/>
-              </a:rPr>
-              <a:t>plus$eq</a:t>
-            </a:r>
-            <a:r>
-              <a:rPr lang="en-US" sz="900" dirty="0">
-                <a:solidFill>
-                  <a:srgbClr val="92D050"/>
-                </a:solidFill>
-                <a:latin typeface="Courier New" panose="02070309020205020404" pitchFamily="49" charset="0"/>
-                <a:cs typeface="Courier New" panose="02070309020205020404" pitchFamily="49" charset="0"/>
-              </a:rPr>
-              <a:t>")), List(tree))</a:t>
-            </a:r>
-          </a:p>
-          <a:p>
-            <a:r>
-              <a:rPr lang="en-US" sz="900" dirty="0" smtClean="0">
-                <a:solidFill>
-                  <a:srgbClr val="92D050"/>
-                </a:solidFill>
-                <a:latin typeface="Courier New" panose="02070309020205020404" pitchFamily="49" charset="0"/>
-                <a:cs typeface="Courier New" panose="02070309020205020404" pitchFamily="49" charset="0"/>
-              </a:rPr>
-              <a:t>}.</a:t>
-            </a:r>
-            <a:r>
-              <a:rPr lang="en-US" sz="900" dirty="0" err="1">
-                <a:solidFill>
-                  <a:srgbClr val="92D050"/>
-                </a:solidFill>
-                <a:latin typeface="Courier New" panose="02070309020205020404" pitchFamily="49" charset="0"/>
-                <a:cs typeface="Courier New" panose="02070309020205020404" pitchFamily="49" charset="0"/>
-              </a:rPr>
-              <a:t>toList</a:t>
-            </a:r>
+                  <a:srgbClr val="0070C0"/>
+                </a:solidFill>
+                <a:latin typeface="Courier New" panose="02070309020205020404" pitchFamily="49" charset="0"/>
+                <a:cs typeface="Courier New" panose="02070309020205020404" pitchFamily="49" charset="0"/>
+              </a:rPr>
+              <a:t>("result")), List())</a:t>
+            </a:r>
+          </a:p>
+          <a:p>
             <a:endParaRPr lang="en-US" sz="900" dirty="0">
               <a:solidFill>
-                <a:srgbClr val="92D050"/>
+                <a:srgbClr val="0070C0"/>
               </a:solidFill>
               <a:latin typeface="Courier New" panose="02070309020205020404" pitchFamily="49" charset="0"/>
               <a:cs typeface="Courier New" panose="02070309020205020404" pitchFamily="49" charset="0"/>
             </a:endParaRPr>
           </a:p>
           <a:p>
-            <a:endParaRPr lang="en-US" sz="900" dirty="0">
-              <a:solidFill>
-                <a:srgbClr val="92D050"/>
-              </a:solidFill>
-              <a:latin typeface="Courier New" panose="02070309020205020404" pitchFamily="49" charset="0"/>
-              <a:cs typeface="Courier New" panose="02070309020205020404" pitchFamily="49" charset="0"/>
-            </a:endParaRPr>
-          </a:p>
-          <a:p>
             <a:r>
               <a:rPr lang="en-US" sz="900" dirty="0" err="1" smtClean="0">
                 <a:solidFill>
-                  <a:srgbClr val="92D050"/>
-                </a:solidFill>
-                <a:latin typeface="Courier New" panose="02070309020205020404" pitchFamily="49" charset="0"/>
-                <a:cs typeface="Courier New" panose="02070309020205020404" pitchFamily="49" charset="0"/>
-              </a:rPr>
-              <a:t>val</a:t>
+                  <a:srgbClr val="0070C0"/>
+                </a:solidFill>
+                <a:latin typeface="Courier New" panose="02070309020205020404" pitchFamily="49" charset="0"/>
+                <a:cs typeface="Courier New" panose="02070309020205020404" pitchFamily="49" charset="0"/>
+              </a:rPr>
+              <a:t>c.Expr</a:t>
             </a:r>
             <a:r>
               <a:rPr lang="en-US" sz="900" dirty="0" smtClean="0">
                 <a:solidFill>
-                  <a:srgbClr val="92D050"/>
-                </a:solidFill>
-                <a:latin typeface="Courier New" panose="02070309020205020404" pitchFamily="49" charset="0"/>
-                <a:cs typeface="Courier New" panose="02070309020205020404" pitchFamily="49" charset="0"/>
-              </a:rPr>
-              <a:t> </a:t>
+                  <a:srgbClr val="0070C0"/>
+                </a:solidFill>
+                <a:latin typeface="Courier New" panose="02070309020205020404" pitchFamily="49" charset="0"/>
+                <a:cs typeface="Courier New" panose="02070309020205020404" pitchFamily="49" charset="0"/>
+              </a:rPr>
+              <a:t>[Map[String</a:t>
             </a:r>
             <a:r>
               <a:rPr lang="en-US" sz="900" dirty="0">
                 <a:solidFill>
-                  <a:srgbClr val="92D050"/>
-                </a:solidFill>
-                <a:latin typeface="Courier New" panose="02070309020205020404" pitchFamily="49" charset="0"/>
-                <a:cs typeface="Courier New" panose="02070309020205020404" pitchFamily="49" charset="0"/>
-              </a:rPr>
-              <a:t>result = Apply(Select(Ident(</a:t>
-            </a:r>
-            <a:r>
-              <a:rPr lang="en-US" sz="900" dirty="0" err="1">
-                <a:solidFill>
-                  <a:srgbClr val="92D050"/>
-                </a:solidFill>
-                <a:latin typeface="Courier New" panose="02070309020205020404" pitchFamily="49" charset="0"/>
-                <a:cs typeface="Courier New" panose="02070309020205020404" pitchFamily="49" charset="0"/>
-              </a:rPr>
-              <a:t>builderVariable</a:t>
+                  <a:srgbClr val="0070C0"/>
+                </a:solidFill>
+                <a:latin typeface="Courier New" panose="02070309020205020404" pitchFamily="49" charset="0"/>
+                <a:cs typeface="Courier New" panose="02070309020205020404" pitchFamily="49" charset="0"/>
+              </a:rPr>
+              <a:t>, String]](Block(</a:t>
+            </a:r>
+          </a:p>
+          <a:p>
+            <a:r>
+              <a:rPr lang="en-US" sz="900" dirty="0" smtClean="0">
+                <a:solidFill>
+                  <a:srgbClr val="0070C0"/>
+                </a:solidFill>
+                <a:latin typeface="Courier New" panose="02070309020205020404" pitchFamily="49" charset="0"/>
+                <a:cs typeface="Courier New" panose="02070309020205020404" pitchFamily="49" charset="0"/>
+              </a:rPr>
+              <a:t>  define </a:t>
             </a:r>
             <a:r>
               <a:rPr lang="en-US" sz="900" dirty="0">
                 <a:solidFill>
-                  <a:srgbClr val="92D050"/>
-                </a:solidFill>
-                <a:latin typeface="Courier New" panose="02070309020205020404" pitchFamily="49" charset="0"/>
-                <a:cs typeface="Courier New" panose="02070309020205020404" pitchFamily="49" charset="0"/>
-              </a:rPr>
-              <a:t>), </a:t>
-            </a:r>
-            <a:r>
-              <a:rPr lang="en-US" sz="900" dirty="0" err="1">
-                <a:solidFill>
-                  <a:srgbClr val="92D050"/>
-                </a:solidFill>
-                <a:latin typeface="Courier New" panose="02070309020205020404" pitchFamily="49" charset="0"/>
-                <a:cs typeface="Courier New" panose="02070309020205020404" pitchFamily="49" charset="0"/>
-              </a:rPr>
-              <a:t>TermName</a:t>
-            </a:r>
-            <a:r>
-              <a:rPr lang="en-US" sz="900" dirty="0">
-                <a:solidFill>
-                  <a:srgbClr val="92D050"/>
-                </a:solidFill>
-                <a:latin typeface="Courier New" panose="02070309020205020404" pitchFamily="49" charset="0"/>
-                <a:cs typeface="Courier New" panose="02070309020205020404" pitchFamily="49" charset="0"/>
-              </a:rPr>
-              <a:t>("result")), List())</a:t>
-            </a:r>
-          </a:p>
-          <a:p>
-            <a:endParaRPr lang="en-US" sz="900" dirty="0">
-              <a:solidFill>
-                <a:srgbClr val="92D050"/>
-              </a:solidFill>
-              <a:latin typeface="Courier New" panose="02070309020205020404" pitchFamily="49" charset="0"/>
-              <a:cs typeface="Courier New" panose="02070309020205020404" pitchFamily="49" charset="0"/>
-            </a:endParaRPr>
-          </a:p>
-          <a:p>
-            <a:r>
-              <a:rPr lang="en-US" sz="900" dirty="0" err="1" smtClean="0">
-                <a:solidFill>
-                  <a:srgbClr val="92D050"/>
-                </a:solidFill>
-                <a:latin typeface="Courier New" panose="02070309020205020404" pitchFamily="49" charset="0"/>
-                <a:cs typeface="Courier New" panose="02070309020205020404" pitchFamily="49" charset="0"/>
-              </a:rPr>
-              <a:t>c.Expr</a:t>
+                  <a:srgbClr val="0070C0"/>
+                </a:solidFill>
+                <a:latin typeface="Courier New" panose="02070309020205020404" pitchFamily="49" charset="0"/>
+                <a:cs typeface="Courier New" panose="02070309020205020404" pitchFamily="49" charset="0"/>
+              </a:rPr>
+              <a:t>:: adds, </a:t>
             </a:r>
             <a:r>
               <a:rPr lang="en-US" sz="900" dirty="0" smtClean="0">
                 <a:solidFill>
-                  <a:srgbClr val="92D050"/>
-                </a:solidFill>
-                <a:latin typeface="Courier New" panose="02070309020205020404" pitchFamily="49" charset="0"/>
-                <a:cs typeface="Courier New" panose="02070309020205020404" pitchFamily="49" charset="0"/>
-              </a:rPr>
-              <a:t>[Map[String</a:t>
-            </a:r>
-            <a:r>
-              <a:rPr lang="en-US" sz="900" dirty="0">
-                <a:solidFill>
-                  <a:srgbClr val="92D050"/>
-                </a:solidFill>
-                <a:latin typeface="Courier New" panose="02070309020205020404" pitchFamily="49" charset="0"/>
-                <a:cs typeface="Courier New" panose="02070309020205020404" pitchFamily="49" charset="0"/>
-              </a:rPr>
-              <a:t>, String]](Block(</a:t>
+                  <a:srgbClr val="0070C0"/>
+                </a:solidFill>
+                <a:latin typeface="Courier New" panose="02070309020205020404" pitchFamily="49" charset="0"/>
+                <a:cs typeface="Courier New" panose="02070309020205020404" pitchFamily="49" charset="0"/>
+              </a:rPr>
+              <a:t>result</a:t>
             </a:r>
           </a:p>
           <a:p>
             <a:r>
               <a:rPr lang="en-US" sz="900" dirty="0" smtClean="0">
                 <a:solidFill>
-                  <a:srgbClr val="92D050"/>
-                </a:solidFill>
-                <a:latin typeface="Courier New" panose="02070309020205020404" pitchFamily="49" charset="0"/>
-                <a:cs typeface="Courier New" panose="02070309020205020404" pitchFamily="49" charset="0"/>
-              </a:rPr>
-              <a:t>  define </a:t>
-            </a:r>
-            <a:r>
-              <a:rPr lang="en-US" sz="900" dirty="0">
-                <a:solidFill>
-                  <a:srgbClr val="92D050"/>
-                </a:solidFill>
-                <a:latin typeface="Courier New" panose="02070309020205020404" pitchFamily="49" charset="0"/>
-                <a:cs typeface="Courier New" panose="02070309020205020404" pitchFamily="49" charset="0"/>
-              </a:rPr>
-              <a:t>:: adds, </a:t>
-            </a:r>
-            <a:r>
-              <a:rPr lang="en-US" sz="900" dirty="0" smtClean="0">
-                <a:solidFill>
-                  <a:srgbClr val="92D050"/>
-                </a:solidFill>
-                <a:latin typeface="Courier New" panose="02070309020205020404" pitchFamily="49" charset="0"/>
-                <a:cs typeface="Courier New" panose="02070309020205020404" pitchFamily="49" charset="0"/>
-              </a:rPr>
-              <a:t>result</a:t>
-            </a:r>
-          </a:p>
-          <a:p>
-            <a:r>
-              <a:rPr lang="en-US" sz="900" dirty="0" smtClean="0">
-                <a:solidFill>
-                  <a:srgbClr val="92D050"/>
+                  <a:srgbClr val="0070C0"/>
                 </a:solidFill>
                 <a:latin typeface="Courier New" panose="02070309020205020404" pitchFamily="49" charset="0"/>
                 <a:cs typeface="Courier New" panose="02070309020205020404" pitchFamily="49" charset="0"/>

--- a/Scala_metaprogramming.pptx
+++ b/Scala_metaprogramming.pptx
@@ -5818,7 +5818,7 @@
         <p:spPr>
           <a:xfrm>
             <a:off x="563672" y="1691014"/>
-            <a:ext cx="7818328" cy="2308324"/>
+            <a:ext cx="7818328" cy="4524315"/>
           </a:xfrm>
           <a:prstGeom prst="rect">
             <a:avLst/>
@@ -6005,10 +6005,254 @@
               <a:buFont typeface="Arial" panose="020B0604020202020204" pitchFamily="34" charset="0"/>
               <a:buChar char="•"/>
             </a:pPr>
+            <a:r>
+              <a:rPr lang="en-US" dirty="0">
+                <a:latin typeface="Comic Sans MS" panose="030F0702030302020204" pitchFamily="66" charset="0"/>
+                <a:cs typeface="Consolas" panose="020B0609020204030204" pitchFamily="49" charset="0"/>
+              </a:rPr>
+              <a:t>Running </a:t>
+            </a:r>
+            <a:r>
+              <a:rPr lang="en-US" dirty="0" smtClean="0">
+                <a:latin typeface="Comic Sans MS" panose="030F0702030302020204" pitchFamily="66" charset="0"/>
+                <a:cs typeface="Consolas" panose="020B0609020204030204" pitchFamily="49" charset="0"/>
+              </a:rPr>
+              <a:t>“reify” on </a:t>
+            </a:r>
+            <a:r>
+              <a:rPr lang="en-US" b="1" dirty="0" smtClean="0">
+                <a:latin typeface="Comic Sans MS" panose="030F0702030302020204" pitchFamily="66" charset="0"/>
+                <a:cs typeface="Consolas" panose="020B0609020204030204" pitchFamily="49" charset="0"/>
+              </a:rPr>
+              <a:t>a</a:t>
+            </a:r>
+            <a:r>
+              <a:rPr lang="en-US" dirty="0" smtClean="0">
+                <a:latin typeface="Comic Sans MS" panose="030F0702030302020204" pitchFamily="66" charset="0"/>
+                <a:cs typeface="Consolas" panose="020B0609020204030204" pitchFamily="49" charset="0"/>
+              </a:rPr>
+              <a:t> </a:t>
+            </a:r>
+            <a:r>
+              <a:rPr lang="en-US" b="1" dirty="0" smtClean="0">
+                <a:latin typeface="Comic Sans MS" panose="030F0702030302020204" pitchFamily="66" charset="0"/>
+                <a:cs typeface="Consolas" panose="020B0609020204030204" pitchFamily="49" charset="0"/>
+              </a:rPr>
+              <a:t>block</a:t>
+            </a:r>
+            <a:r>
+              <a:rPr lang="en-US" dirty="0" smtClean="0">
+                <a:latin typeface="Comic Sans MS" panose="030F0702030302020204" pitchFamily="66" charset="0"/>
+                <a:cs typeface="Consolas" panose="020B0609020204030204" pitchFamily="49" charset="0"/>
+              </a:rPr>
+              <a:t> of code can help</a:t>
+            </a:r>
+          </a:p>
+          <a:p>
+            <a:pPr lvl="1"/>
+            <a:r>
+              <a:rPr lang="en-US" dirty="0">
+                <a:latin typeface="Comic Sans MS" panose="030F0702030302020204" pitchFamily="66" charset="0"/>
+                <a:cs typeface="Consolas" panose="020B0609020204030204" pitchFamily="49" charset="0"/>
+              </a:rPr>
+              <a:t>import </a:t>
+            </a:r>
+            <a:r>
+              <a:rPr lang="en-US" dirty="0" err="1">
+                <a:latin typeface="Comic Sans MS" panose="030F0702030302020204" pitchFamily="66" charset="0"/>
+                <a:cs typeface="Consolas" panose="020B0609020204030204" pitchFamily="49" charset="0"/>
+              </a:rPr>
+              <a:t>scala.reflect.runtime.universe</a:t>
+            </a:r>
+            <a:r>
+              <a:rPr lang="en-US" dirty="0">
+                <a:latin typeface="Comic Sans MS" panose="030F0702030302020204" pitchFamily="66" charset="0"/>
+                <a:cs typeface="Consolas" panose="020B0609020204030204" pitchFamily="49" charset="0"/>
+              </a:rPr>
+              <a:t>._</a:t>
+            </a:r>
+          </a:p>
+          <a:p>
+            <a:pPr lvl="1"/>
+            <a:r>
+              <a:rPr lang="en-US" dirty="0" smtClean="0">
+                <a:latin typeface="Comic Sans MS" panose="030F0702030302020204" pitchFamily="66" charset="0"/>
+                <a:cs typeface="Consolas" panose="020B0609020204030204" pitchFamily="49" charset="0"/>
+              </a:rPr>
+              <a:t>reify{</a:t>
+            </a:r>
+          </a:p>
+          <a:p>
+            <a:pPr lvl="1"/>
+            <a:r>
+              <a:rPr lang="en-US" dirty="0">
+                <a:latin typeface="Comic Sans MS" panose="030F0702030302020204" pitchFamily="66" charset="0"/>
+                <a:cs typeface="Consolas" panose="020B0609020204030204" pitchFamily="49" charset="0"/>
+              </a:rPr>
+              <a:t> </a:t>
+            </a:r>
+            <a:r>
+              <a:rPr lang="en-US" dirty="0" smtClean="0">
+                <a:latin typeface="Comic Sans MS" panose="030F0702030302020204" pitchFamily="66" charset="0"/>
+                <a:cs typeface="Consolas" panose="020B0609020204030204" pitchFamily="49" charset="0"/>
+              </a:rPr>
+              <a:t> </a:t>
+            </a:r>
+            <a:r>
+              <a:rPr lang="en-US" dirty="0" err="1" smtClean="0">
+                <a:latin typeface="Comic Sans MS" panose="030F0702030302020204" pitchFamily="66" charset="0"/>
+                <a:cs typeface="Consolas" panose="020B0609020204030204" pitchFamily="49" charset="0"/>
+              </a:rPr>
+              <a:t>val</a:t>
+            </a:r>
+            <a:r>
+              <a:rPr lang="en-US" dirty="0" smtClean="0">
+                <a:latin typeface="Comic Sans MS" panose="030F0702030302020204" pitchFamily="66" charset="0"/>
+                <a:cs typeface="Consolas" panose="020B0609020204030204" pitchFamily="49" charset="0"/>
+              </a:rPr>
+              <a:t> map=</a:t>
+            </a:r>
+            <a:r>
+              <a:rPr lang="en-US" dirty="0" err="1" smtClean="0">
+                <a:latin typeface="Comic Sans MS" panose="030F0702030302020204" pitchFamily="66" charset="0"/>
+                <a:cs typeface="Consolas" panose="020B0609020204030204" pitchFamily="49" charset="0"/>
+              </a:rPr>
+              <a:t>Map.newBuilder</a:t>
+            </a:r>
+            <a:r>
+              <a:rPr lang="en-US" dirty="0" smtClean="0">
+                <a:latin typeface="Comic Sans MS" panose="030F0702030302020204" pitchFamily="66" charset="0"/>
+                <a:cs typeface="Consolas" panose="020B0609020204030204" pitchFamily="49" charset="0"/>
+              </a:rPr>
+              <a:t>[</a:t>
+            </a:r>
+            <a:r>
+              <a:rPr lang="en-US" dirty="0" err="1" smtClean="0">
+                <a:latin typeface="Comic Sans MS" panose="030F0702030302020204" pitchFamily="66" charset="0"/>
+                <a:cs typeface="Consolas" panose="020B0609020204030204" pitchFamily="49" charset="0"/>
+              </a:rPr>
+              <a:t>String,String</a:t>
+            </a:r>
+            <a:r>
+              <a:rPr lang="en-US" dirty="0" smtClean="0">
+                <a:latin typeface="Comic Sans MS" panose="030F0702030302020204" pitchFamily="66" charset="0"/>
+                <a:cs typeface="Consolas" panose="020B0609020204030204" pitchFamily="49" charset="0"/>
+              </a:rPr>
+              <a:t>]</a:t>
+            </a:r>
+          </a:p>
+          <a:p>
+            <a:pPr lvl="1"/>
+            <a:r>
+              <a:rPr lang="en-US" dirty="0" smtClean="0">
+                <a:latin typeface="Comic Sans MS" panose="030F0702030302020204" pitchFamily="66" charset="0"/>
+                <a:cs typeface="Consolas" panose="020B0609020204030204" pitchFamily="49" charset="0"/>
+              </a:rPr>
+              <a:t>  map</a:t>
+            </a:r>
+            <a:r>
+              <a:rPr lang="en-US" dirty="0">
+                <a:latin typeface="Comic Sans MS" panose="030F0702030302020204" pitchFamily="66" charset="0"/>
+                <a:cs typeface="Consolas" panose="020B0609020204030204" pitchFamily="49" charset="0"/>
+              </a:rPr>
+              <a:t>+=(("</a:t>
+            </a:r>
+            <a:r>
+              <a:rPr lang="en-US" dirty="0" err="1">
+                <a:latin typeface="Comic Sans MS" panose="030F0702030302020204" pitchFamily="66" charset="0"/>
+                <a:cs typeface="Consolas" panose="020B0609020204030204" pitchFamily="49" charset="0"/>
+              </a:rPr>
+              <a:t>x","y</a:t>
+            </a:r>
+            <a:r>
+              <a:rPr lang="en-US" dirty="0" smtClean="0">
+                <a:latin typeface="Comic Sans MS" panose="030F0702030302020204" pitchFamily="66" charset="0"/>
+                <a:cs typeface="Consolas" panose="020B0609020204030204" pitchFamily="49" charset="0"/>
+              </a:rPr>
+              <a:t>"))</a:t>
+            </a:r>
+          </a:p>
+          <a:p>
+            <a:pPr lvl="1"/>
+            <a:r>
+              <a:rPr lang="en-US" dirty="0" smtClean="0">
+                <a:latin typeface="Comic Sans MS" panose="030F0702030302020204" pitchFamily="66" charset="0"/>
+                <a:cs typeface="Consolas" panose="020B0609020204030204" pitchFamily="49" charset="0"/>
+              </a:rPr>
+              <a:t>  </a:t>
+            </a:r>
+            <a:r>
+              <a:rPr lang="en-US" dirty="0" err="1" smtClean="0">
+                <a:latin typeface="Comic Sans MS" panose="030F0702030302020204" pitchFamily="66" charset="0"/>
+                <a:cs typeface="Consolas" panose="020B0609020204030204" pitchFamily="49" charset="0"/>
+              </a:rPr>
+              <a:t>map.result</a:t>
+            </a:r>
             <a:endParaRPr lang="en-US" dirty="0" smtClean="0">
               <a:latin typeface="Comic Sans MS" panose="030F0702030302020204" pitchFamily="66" charset="0"/>
               <a:cs typeface="Consolas" panose="020B0609020204030204" pitchFamily="49" charset="0"/>
             </a:endParaRPr>
+          </a:p>
+          <a:p>
+            <a:pPr lvl="1"/>
+            <a:r>
+              <a:rPr lang="en-US" dirty="0" smtClean="0">
+                <a:latin typeface="Comic Sans MS" panose="030F0702030302020204" pitchFamily="66" charset="0"/>
+                <a:cs typeface="Consolas" panose="020B0609020204030204" pitchFamily="49" charset="0"/>
+              </a:rPr>
+              <a:t>}</a:t>
+            </a:r>
+            <a:endParaRPr lang="en-US" dirty="0">
+              <a:latin typeface="Comic Sans MS" panose="030F0702030302020204" pitchFamily="66" charset="0"/>
+              <a:cs typeface="Consolas" panose="020B0609020204030204" pitchFamily="49" charset="0"/>
+            </a:endParaRPr>
+          </a:p>
+          <a:p>
+            <a:pPr marL="285750" indent="-285750">
+              <a:buFont typeface="Arial" panose="020B0604020202020204" pitchFamily="34" charset="0"/>
+              <a:buChar char="•"/>
+            </a:pPr>
+            <a:r>
+              <a:rPr lang="en-US" dirty="0" err="1" smtClean="0">
+                <a:latin typeface="Comic Sans MS" panose="030F0702030302020204" pitchFamily="66" charset="0"/>
+                <a:cs typeface="Consolas" panose="020B0609020204030204" pitchFamily="49" charset="0"/>
+              </a:rPr>
+              <a:t>Quasiquotes</a:t>
+            </a:r>
+            <a:r>
+              <a:rPr lang="en-US" dirty="0" smtClean="0">
+                <a:latin typeface="Comic Sans MS" panose="030F0702030302020204" pitchFamily="66" charset="0"/>
+                <a:cs typeface="Consolas" panose="020B0609020204030204" pitchFamily="49" charset="0"/>
+              </a:rPr>
+              <a:t> help generated </a:t>
+            </a:r>
+            <a:r>
+              <a:rPr lang="en-US" b="1" dirty="0" smtClean="0">
+                <a:latin typeface="Comic Sans MS" panose="030F0702030302020204" pitchFamily="66" charset="0"/>
+                <a:cs typeface="Consolas" panose="020B0609020204030204" pitchFamily="49" charset="0"/>
+              </a:rPr>
+              <a:t>fragments</a:t>
+            </a:r>
+            <a:r>
+              <a:rPr lang="en-US" dirty="0" smtClean="0">
+                <a:latin typeface="Comic Sans MS" panose="030F0702030302020204" pitchFamily="66" charset="0"/>
+                <a:cs typeface="Consolas" panose="020B0609020204030204" pitchFamily="49" charset="0"/>
+              </a:rPr>
+              <a:t> of code </a:t>
+            </a:r>
+          </a:p>
+          <a:p>
+            <a:pPr marL="742950" lvl="1" indent="-285750">
+              <a:buFont typeface="Arial" panose="020B0604020202020204" pitchFamily="34" charset="0"/>
+              <a:buChar char="•"/>
+            </a:pPr>
+            <a:r>
+              <a:rPr lang="en-US" dirty="0" smtClean="0">
+                <a:latin typeface="Comic Sans MS" panose="030F0702030302020204" pitchFamily="66" charset="0"/>
+                <a:cs typeface="Consolas" panose="020B0609020204030204" pitchFamily="49" charset="0"/>
+              </a:rPr>
+              <a:t>(more on that later)</a:t>
+            </a:r>
           </a:p>
         </p:txBody>
       </p:sp>

--- a/Scala_metaprogramming.pptx
+++ b/Scala_metaprogramming.pptx
@@ -7840,7 +7840,7 @@
         <p:spPr>
           <a:xfrm>
             <a:off x="563672" y="1691014"/>
-            <a:ext cx="7818328" cy="923330"/>
+            <a:ext cx="7818328" cy="4524315"/>
           </a:xfrm>
           <a:prstGeom prst="rect">
             <a:avLst/>
@@ -7864,6 +7864,218 @@
               </a:rPr>
               <a:t>Introduced in Scala 2.11.</a:t>
             </a:r>
+          </a:p>
+          <a:p>
+            <a:pPr marL="285750" indent="-285750">
+              <a:buFont typeface="Arial" panose="020B0604020202020204" pitchFamily="34" charset="0"/>
+              <a:buChar char="•"/>
+            </a:pPr>
+            <a:r>
+              <a:rPr lang="en-US" dirty="0" smtClean="0">
+                <a:latin typeface="Comic Sans MS" panose="030F0702030302020204" pitchFamily="66" charset="0"/>
+                <a:cs typeface="Consolas" panose="020B0609020204030204" pitchFamily="49" charset="0"/>
+              </a:rPr>
+              <a:t>Converts to program text to code </a:t>
+            </a:r>
+            <a:r>
+              <a:rPr lang="en-US" b="1" dirty="0" smtClean="0">
+                <a:latin typeface="Comic Sans MS" panose="030F0702030302020204" pitchFamily="66" charset="0"/>
+                <a:cs typeface="Consolas" panose="020B0609020204030204" pitchFamily="49" charset="0"/>
+              </a:rPr>
+              <a:t>fragments</a:t>
+            </a:r>
+            <a:r>
+              <a:rPr lang="en-US" dirty="0" smtClean="0">
+                <a:latin typeface="Comic Sans MS" panose="030F0702030302020204" pitchFamily="66" charset="0"/>
+                <a:cs typeface="Consolas" panose="020B0609020204030204" pitchFamily="49" charset="0"/>
+              </a:rPr>
+              <a:t>. </a:t>
+            </a:r>
+          </a:p>
+          <a:p>
+            <a:pPr marL="742950" lvl="1" indent="-285750">
+              <a:buFont typeface="Arial" panose="020B0604020202020204" pitchFamily="34" charset="0"/>
+              <a:buChar char="•"/>
+            </a:pPr>
+            <a:r>
+              <a:rPr lang="en-US" dirty="0" smtClean="0">
+                <a:latin typeface="Comic Sans MS" panose="030F0702030302020204" pitchFamily="66" charset="0"/>
+                <a:cs typeface="Consolas" panose="020B0609020204030204" pitchFamily="49" charset="0"/>
+              </a:rPr>
+              <a:t>Does not have to be a complete block !!!</a:t>
+            </a:r>
+          </a:p>
+          <a:p>
+            <a:pPr marL="742950" lvl="1" indent="-285750">
+              <a:buFont typeface="Arial" panose="020B0604020202020204" pitchFamily="34" charset="0"/>
+              <a:buChar char="•"/>
+            </a:pPr>
+            <a:r>
+              <a:rPr lang="en-US" dirty="0">
+                <a:latin typeface="Comic Sans MS" panose="030F0702030302020204" pitchFamily="66" charset="0"/>
+                <a:cs typeface="Consolas" panose="020B0609020204030204" pitchFamily="49" charset="0"/>
+              </a:rPr>
+              <a:t>q</a:t>
+            </a:r>
+            <a:r>
+              <a:rPr lang="en-US" dirty="0" smtClean="0">
+                <a:latin typeface="Comic Sans MS" panose="030F0702030302020204" pitchFamily="66" charset="0"/>
+                <a:cs typeface="Consolas" panose="020B0609020204030204" pitchFamily="49" charset="0"/>
+              </a:rPr>
+              <a:t>”…” for code (most common)</a:t>
+            </a:r>
+          </a:p>
+          <a:p>
+            <a:pPr marL="742950" lvl="1" indent="-285750">
+              <a:buFont typeface="Arial" panose="020B0604020202020204" pitchFamily="34" charset="0"/>
+              <a:buChar char="•"/>
+            </a:pPr>
+            <a:r>
+              <a:rPr lang="en-US" dirty="0" err="1">
+                <a:latin typeface="Comic Sans MS" panose="030F0702030302020204" pitchFamily="66" charset="0"/>
+                <a:cs typeface="Consolas" panose="020B0609020204030204" pitchFamily="49" charset="0"/>
+              </a:rPr>
+              <a:t>t</a:t>
+            </a:r>
+            <a:r>
+              <a:rPr lang="en-US" dirty="0" err="1" smtClean="0">
+                <a:latin typeface="Comic Sans MS" panose="030F0702030302020204" pitchFamily="66" charset="0"/>
+                <a:cs typeface="Consolas" panose="020B0609020204030204" pitchFamily="49" charset="0"/>
+              </a:rPr>
+              <a:t>q</a:t>
+            </a:r>
+            <a:r>
+              <a:rPr lang="en-US" dirty="0" smtClean="0">
+                <a:latin typeface="Comic Sans MS" panose="030F0702030302020204" pitchFamily="66" charset="0"/>
+                <a:cs typeface="Consolas" panose="020B0609020204030204" pitchFamily="49" charset="0"/>
+              </a:rPr>
+              <a:t>”…” for types</a:t>
+            </a:r>
+          </a:p>
+          <a:p>
+            <a:pPr marL="742950" lvl="1" indent="-285750">
+              <a:buFont typeface="Arial" panose="020B0604020202020204" pitchFamily="34" charset="0"/>
+              <a:buChar char="•"/>
+            </a:pPr>
+            <a:r>
+              <a:rPr lang="en-US" dirty="0" err="1">
+                <a:latin typeface="Comic Sans MS" panose="030F0702030302020204" pitchFamily="66" charset="0"/>
+                <a:cs typeface="Consolas" panose="020B0609020204030204" pitchFamily="49" charset="0"/>
+              </a:rPr>
+              <a:t>p</a:t>
+            </a:r>
+            <a:r>
+              <a:rPr lang="en-US" dirty="0" err="1" smtClean="0">
+                <a:latin typeface="Comic Sans MS" panose="030F0702030302020204" pitchFamily="66" charset="0"/>
+                <a:cs typeface="Consolas" panose="020B0609020204030204" pitchFamily="49" charset="0"/>
+              </a:rPr>
+              <a:t>q</a:t>
+            </a:r>
+            <a:r>
+              <a:rPr lang="en-US" dirty="0" smtClean="0">
+                <a:latin typeface="Comic Sans MS" panose="030F0702030302020204" pitchFamily="66" charset="0"/>
+                <a:cs typeface="Consolas" panose="020B0609020204030204" pitchFamily="49" charset="0"/>
+              </a:rPr>
+              <a:t>”…” for patterns (pattern matching)</a:t>
+            </a:r>
+          </a:p>
+          <a:p>
+            <a:pPr marL="285750" indent="-285750">
+              <a:buFont typeface="Arial" panose="020B0604020202020204" pitchFamily="34" charset="0"/>
+              <a:buChar char="•"/>
+            </a:pPr>
+            <a:r>
+              <a:rPr lang="en-US" dirty="0" smtClean="0">
+                <a:latin typeface="Comic Sans MS" panose="030F0702030302020204" pitchFamily="66" charset="0"/>
+                <a:cs typeface="Consolas" panose="020B0609020204030204" pitchFamily="49" charset="0"/>
+              </a:rPr>
+              <a:t>Makes macro creation easier and much shorter</a:t>
+            </a:r>
+          </a:p>
+          <a:p>
+            <a:pPr marL="285750" indent="-285750">
+              <a:buFont typeface="Arial" panose="020B0604020202020204" pitchFamily="34" charset="0"/>
+              <a:buChar char="•"/>
+            </a:pPr>
+            <a:endParaRPr lang="en-US" dirty="0">
+              <a:latin typeface="Comic Sans MS" panose="030F0702030302020204" pitchFamily="66" charset="0"/>
+              <a:cs typeface="Consolas" panose="020B0609020204030204" pitchFamily="49" charset="0"/>
+            </a:endParaRPr>
+          </a:p>
+          <a:p>
+            <a:pPr marL="285750" indent="-285750">
+              <a:buFont typeface="Arial" panose="020B0604020202020204" pitchFamily="34" charset="0"/>
+              <a:buChar char="•"/>
+            </a:pPr>
+            <a:endParaRPr lang="en-US" dirty="0" smtClean="0">
+              <a:latin typeface="Comic Sans MS" panose="030F0702030302020204" pitchFamily="66" charset="0"/>
+              <a:cs typeface="Consolas" panose="020B0609020204030204" pitchFamily="49" charset="0"/>
+            </a:endParaRPr>
+          </a:p>
+          <a:p>
+            <a:pPr marL="285750" indent="-285750">
+              <a:buFont typeface="Arial" panose="020B0604020202020204" pitchFamily="34" charset="0"/>
+              <a:buChar char="•"/>
+            </a:pPr>
+            <a:endParaRPr lang="en-US" dirty="0">
+              <a:latin typeface="Comic Sans MS" panose="030F0702030302020204" pitchFamily="66" charset="0"/>
+              <a:cs typeface="Consolas" panose="020B0609020204030204" pitchFamily="49" charset="0"/>
+            </a:endParaRPr>
+          </a:p>
+          <a:p>
+            <a:pPr marL="285750" indent="-285750">
+              <a:buFont typeface="Arial" panose="020B0604020202020204" pitchFamily="34" charset="0"/>
+              <a:buChar char="•"/>
+            </a:pPr>
+            <a:endParaRPr lang="en-US" dirty="0" smtClean="0">
+              <a:latin typeface="Comic Sans MS" panose="030F0702030302020204" pitchFamily="66" charset="0"/>
+              <a:cs typeface="Consolas" panose="020B0609020204030204" pitchFamily="49" charset="0"/>
+            </a:endParaRPr>
+          </a:p>
+          <a:p>
+            <a:pPr marL="285750" indent="-285750">
+              <a:buFont typeface="Arial" panose="020B0604020202020204" pitchFamily="34" charset="0"/>
+              <a:buChar char="•"/>
+            </a:pPr>
+            <a:r>
+              <a:rPr lang="en-US" dirty="0" smtClean="0">
+                <a:latin typeface="Comic Sans MS" panose="030F0702030302020204" pitchFamily="66" charset="0"/>
+                <a:cs typeface="Consolas" panose="020B0609020204030204" pitchFamily="49" charset="0"/>
+              </a:rPr>
+              <a:t>More info:</a:t>
+            </a:r>
+          </a:p>
+          <a:p>
+            <a:r>
+              <a:rPr lang="en-US" dirty="0">
+                <a:latin typeface="Comic Sans MS" panose="030F0702030302020204" pitchFamily="66" charset="0"/>
+                <a:cs typeface="Consolas" panose="020B0609020204030204" pitchFamily="49" charset="0"/>
+                <a:hlinkClick r:id="rId2"/>
+              </a:rPr>
+              <a:t>http://</a:t>
+            </a:r>
+            <a:r>
+              <a:rPr lang="en-US" dirty="0" smtClean="0">
+                <a:latin typeface="Comic Sans MS" panose="030F0702030302020204" pitchFamily="66" charset="0"/>
+                <a:cs typeface="Consolas" panose="020B0609020204030204" pitchFamily="49" charset="0"/>
+                <a:hlinkClick r:id="rId2"/>
+              </a:rPr>
+              <a:t>docs.scala-lang.org/overviews/quasiquotes/intro.html</a:t>
+            </a:r>
+            <a:endParaRPr lang="en-US" dirty="0" smtClean="0">
+              <a:latin typeface="Comic Sans MS" panose="030F0702030302020204" pitchFamily="66" charset="0"/>
+              <a:cs typeface="Consolas" panose="020B0609020204030204" pitchFamily="49" charset="0"/>
+            </a:endParaRPr>
+          </a:p>
+          <a:p>
+            <a:pPr marL="285750" indent="-285750">
+              <a:buFont typeface="Arial" panose="020B0604020202020204" pitchFamily="34" charset="0"/>
+              <a:buChar char="•"/>
+            </a:pPr>
+            <a:endParaRPr lang="en-US" dirty="0" smtClean="0">
+              <a:latin typeface="Comic Sans MS" panose="030F0702030302020204" pitchFamily="66" charset="0"/>
+              <a:cs typeface="Consolas" panose="020B0609020204030204" pitchFamily="49" charset="0"/>
+            </a:endParaRPr>
           </a:p>
           <a:p>
             <a:pPr marL="285750" indent="-285750">

--- a/Scala_metaprogramming.pptx
+++ b/Scala_metaprogramming.pptx
@@ -140,6 +140,4548 @@
     </p:ext>
   </p:extLst>
 </p:presentation>
+</file>
+
+<file path=ppt/diagrams/colors1.xml><?xml version="1.0" encoding="utf-8"?>
+<dgm:colorsDef xmlns:dgm="http://schemas.openxmlformats.org/drawingml/2006/diagram" xmlns:a="http://schemas.openxmlformats.org/drawingml/2006/main" uniqueId="urn:microsoft.com/office/officeart/2005/8/colors/accent1_2">
+  <dgm:title val=""/>
+  <dgm:desc val=""/>
+  <dgm:catLst>
+    <dgm:cat type="accent1" pri="11200"/>
+  </dgm:catLst>
+  <dgm:styleLbl name="node0">
+    <dgm:fillClrLst meth="repeat">
+      <a:schemeClr val="accent1"/>
+    </dgm:fillClrLst>
+    <dgm:linClrLst meth="repeat">
+      <a:schemeClr val="lt1"/>
+    </dgm:linClrLst>
+    <dgm:effectClrLst/>
+    <dgm:txLinClrLst/>
+    <dgm:txFillClrLst/>
+    <dgm:txEffectClrLst/>
+  </dgm:styleLbl>
+  <dgm:styleLbl name="alignNode1">
+    <dgm:fillClrLst meth="repeat">
+      <a:schemeClr val="accent1"/>
+    </dgm:fillClrLst>
+    <dgm:linClrLst meth="repeat">
+      <a:schemeClr val="accent1"/>
+    </dgm:linClrLst>
+    <dgm:effectClrLst/>
+    <dgm:txLinClrLst/>
+    <dgm:txFillClrLst/>
+    <dgm:txEffectClrLst/>
+  </dgm:styleLbl>
+  <dgm:styleLbl name="node1">
+    <dgm:fillClrLst meth="repeat">
+      <a:schemeClr val="accent1"/>
+    </dgm:fillClrLst>
+    <dgm:linClrLst meth="repeat">
+      <a:schemeClr val="lt1"/>
+    </dgm:linClrLst>
+    <dgm:effectClrLst/>
+    <dgm:txLinClrLst/>
+    <dgm:txFillClrLst/>
+    <dgm:txEffectClrLst/>
+  </dgm:styleLbl>
+  <dgm:styleLbl name="lnNode1">
+    <dgm:fillClrLst meth="repeat">
+      <a:schemeClr val="accent1"/>
+    </dgm:fillClrLst>
+    <dgm:linClrLst meth="repeat">
+      <a:schemeClr val="lt1"/>
+    </dgm:linClrLst>
+    <dgm:effectClrLst/>
+    <dgm:txLinClrLst/>
+    <dgm:txFillClrLst/>
+    <dgm:txEffectClrLst/>
+  </dgm:styleLbl>
+  <dgm:styleLbl name="vennNode1">
+    <dgm:fillClrLst meth="repeat">
+      <a:schemeClr val="accent1">
+        <a:alpha val="50000"/>
+      </a:schemeClr>
+    </dgm:fillClrLst>
+    <dgm:linClrLst meth="repeat">
+      <a:schemeClr val="lt1"/>
+    </dgm:linClrLst>
+    <dgm:effectClrLst/>
+    <dgm:txLinClrLst/>
+    <dgm:txFillClrLst/>
+    <dgm:txEffectClrLst/>
+  </dgm:styleLbl>
+  <dgm:styleLbl name="node2">
+    <dgm:fillClrLst meth="repeat">
+      <a:schemeClr val="accent1"/>
+    </dgm:fillClrLst>
+    <dgm:linClrLst meth="repeat">
+      <a:schemeClr val="lt1"/>
+    </dgm:linClrLst>
+    <dgm:effectClrLst/>
+    <dgm:txLinClrLst/>
+    <dgm:txFillClrLst/>
+    <dgm:txEffectClrLst/>
+  </dgm:styleLbl>
+  <dgm:styleLbl name="node3">
+    <dgm:fillClrLst meth="repeat">
+      <a:schemeClr val="accent1"/>
+    </dgm:fillClrLst>
+    <dgm:linClrLst meth="repeat">
+      <a:schemeClr val="lt1"/>
+    </dgm:linClrLst>
+    <dgm:effectClrLst/>
+    <dgm:txLinClrLst/>
+    <dgm:txFillClrLst/>
+    <dgm:txEffectClrLst/>
+  </dgm:styleLbl>
+  <dgm:styleLbl name="node4">
+    <dgm:fillClrLst meth="repeat">
+      <a:schemeClr val="accent1"/>
+    </dgm:fillClrLst>
+    <dgm:linClrLst meth="repeat">
+      <a:schemeClr val="lt1"/>
+    </dgm:linClrLst>
+    <dgm:effectClrLst/>
+    <dgm:txLinClrLst/>
+    <dgm:txFillClrLst/>
+    <dgm:txEffectClrLst/>
+  </dgm:styleLbl>
+  <dgm:styleLbl name="fgImgPlace1">
+    <dgm:fillClrLst meth="repeat">
+      <a:schemeClr val="accent1">
+        <a:tint val="50000"/>
+      </a:schemeClr>
+    </dgm:fillClrLst>
+    <dgm:linClrLst meth="repeat">
+      <a:schemeClr val="lt1"/>
+    </dgm:linClrLst>
+    <dgm:effectClrLst/>
+    <dgm:txLinClrLst/>
+    <dgm:txFillClrLst meth="repeat">
+      <a:schemeClr val="lt1"/>
+    </dgm:txFillClrLst>
+    <dgm:txEffectClrLst/>
+  </dgm:styleLbl>
+  <dgm:styleLbl name="alignImgPlace1">
+    <dgm:fillClrLst meth="repeat">
+      <a:schemeClr val="accent1">
+        <a:tint val="50000"/>
+      </a:schemeClr>
+    </dgm:fillClrLst>
+    <dgm:linClrLst meth="repeat">
+      <a:schemeClr val="lt1"/>
+    </dgm:linClrLst>
+    <dgm:effectClrLst/>
+    <dgm:txLinClrLst/>
+    <dgm:txFillClrLst meth="repeat">
+      <a:schemeClr val="lt1"/>
+    </dgm:txFillClrLst>
+    <dgm:txEffectClrLst/>
+  </dgm:styleLbl>
+  <dgm:styleLbl name="bgImgPlace1">
+    <dgm:fillClrLst meth="repeat">
+      <a:schemeClr val="accent1">
+        <a:tint val="50000"/>
+      </a:schemeClr>
+    </dgm:fillClrLst>
+    <dgm:linClrLst meth="repeat">
+      <a:schemeClr val="lt1"/>
+    </dgm:linClrLst>
+    <dgm:effectClrLst/>
+    <dgm:txLinClrLst/>
+    <dgm:txFillClrLst meth="repeat">
+      <a:schemeClr val="lt1"/>
+    </dgm:txFillClrLst>
+    <dgm:txEffectClrLst/>
+  </dgm:styleLbl>
+  <dgm:styleLbl name="sibTrans2D1">
+    <dgm:fillClrLst meth="repeat">
+      <a:schemeClr val="accent1">
+        <a:tint val="60000"/>
+      </a:schemeClr>
+    </dgm:fillClrLst>
+    <dgm:linClrLst meth="repeat">
+      <a:schemeClr val="accent1">
+        <a:tint val="60000"/>
+      </a:schemeClr>
+    </dgm:linClrLst>
+    <dgm:effectClrLst/>
+    <dgm:txLinClrLst/>
+    <dgm:txFillClrLst/>
+    <dgm:txEffectClrLst/>
+  </dgm:styleLbl>
+  <dgm:styleLbl name="fgSibTrans2D1">
+    <dgm:fillClrLst meth="repeat">
+      <a:schemeClr val="accent1">
+        <a:tint val="60000"/>
+      </a:schemeClr>
+    </dgm:fillClrLst>
+    <dgm:linClrLst meth="repeat">
+      <a:schemeClr val="accent1">
+        <a:tint val="60000"/>
+      </a:schemeClr>
+    </dgm:linClrLst>
+    <dgm:effectClrLst/>
+    <dgm:txLinClrLst/>
+    <dgm:txFillClrLst/>
+    <dgm:txEffectClrLst/>
+  </dgm:styleLbl>
+  <dgm:styleLbl name="bgSibTrans2D1">
+    <dgm:fillClrLst meth="repeat">
+      <a:schemeClr val="accent1">
+        <a:tint val="60000"/>
+      </a:schemeClr>
+    </dgm:fillClrLst>
+    <dgm:linClrLst meth="repeat">
+      <a:schemeClr val="accent1">
+        <a:tint val="60000"/>
+      </a:schemeClr>
+    </dgm:linClrLst>
+    <dgm:effectClrLst/>
+    <dgm:txLinClrLst/>
+    <dgm:txFillClrLst/>
+    <dgm:txEffectClrLst/>
+  </dgm:styleLbl>
+  <dgm:styleLbl name="sibTrans1D1">
+    <dgm:fillClrLst meth="repeat">
+      <a:schemeClr val="accent1"/>
+    </dgm:fillClrLst>
+    <dgm:linClrLst meth="repeat">
+      <a:schemeClr val="accent1"/>
+    </dgm:linClrLst>
+    <dgm:effectClrLst/>
+    <dgm:txLinClrLst/>
+    <dgm:txFillClrLst meth="repeat">
+      <a:schemeClr val="tx1"/>
+    </dgm:txFillClrLst>
+    <dgm:txEffectClrLst/>
+  </dgm:styleLbl>
+  <dgm:styleLbl name="callout">
+    <dgm:fillClrLst meth="repeat">
+      <a:schemeClr val="accent1"/>
+    </dgm:fillClrLst>
+    <dgm:linClrLst meth="repeat">
+      <a:schemeClr val="accent1">
+        <a:tint val="50000"/>
+      </a:schemeClr>
+    </dgm:linClrLst>
+    <dgm:effectClrLst/>
+    <dgm:txLinClrLst/>
+    <dgm:txFillClrLst meth="repeat">
+      <a:schemeClr val="tx1"/>
+    </dgm:txFillClrLst>
+    <dgm:txEffectClrLst/>
+  </dgm:styleLbl>
+  <dgm:styleLbl name="asst0">
+    <dgm:fillClrLst meth="repeat">
+      <a:schemeClr val="accent1"/>
+    </dgm:fillClrLst>
+    <dgm:linClrLst meth="repeat">
+      <a:schemeClr val="lt1"/>
+    </dgm:linClrLst>
+    <dgm:effectClrLst/>
+    <dgm:txLinClrLst/>
+    <dgm:txFillClrLst/>
+    <dgm:txEffectClrLst/>
+  </dgm:styleLbl>
+  <dgm:styleLbl name="asst1">
+    <dgm:fillClrLst meth="repeat">
+      <a:schemeClr val="accent1"/>
+    </dgm:fillClrLst>
+    <dgm:linClrLst meth="repeat">
+      <a:schemeClr val="lt1"/>
+    </dgm:linClrLst>
+    <dgm:effectClrLst/>
+    <dgm:txLinClrLst/>
+    <dgm:txFillClrLst/>
+    <dgm:txEffectClrLst/>
+  </dgm:styleLbl>
+  <dgm:styleLbl name="asst2">
+    <dgm:fillClrLst meth="repeat">
+      <a:schemeClr val="accent1"/>
+    </dgm:fillClrLst>
+    <dgm:linClrLst meth="repeat">
+      <a:schemeClr val="lt1"/>
+    </dgm:linClrLst>
+    <dgm:effectClrLst/>
+    <dgm:txLinClrLst/>
+    <dgm:txFillClrLst/>
+    <dgm:txEffectClrLst/>
+  </dgm:styleLbl>
+  <dgm:styleLbl name="asst3">
+    <dgm:fillClrLst meth="repeat">
+      <a:schemeClr val="accent1"/>
+    </dgm:fillClrLst>
+    <dgm:linClrLst meth="repeat">
+      <a:schemeClr val="lt1"/>
+    </dgm:linClrLst>
+    <dgm:effectClrLst/>
+    <dgm:txLinClrLst/>
+    <dgm:txFillClrLst/>
+    <dgm:txEffectClrLst/>
+  </dgm:styleLbl>
+  <dgm:styleLbl name="asst4">
+    <dgm:fillClrLst meth="repeat">
+      <a:schemeClr val="accent1"/>
+    </dgm:fillClrLst>
+    <dgm:linClrLst meth="repeat">
+      <a:schemeClr val="lt1"/>
+    </dgm:linClrLst>
+    <dgm:effectClrLst/>
+    <dgm:txLinClrLst/>
+    <dgm:txFillClrLst/>
+    <dgm:txEffectClrLst/>
+  </dgm:styleLbl>
+  <dgm:styleLbl name="parChTrans2D1">
+    <dgm:fillClrLst meth="repeat">
+      <a:schemeClr val="accent1">
+        <a:tint val="60000"/>
+      </a:schemeClr>
+    </dgm:fillClrLst>
+    <dgm:linClrLst meth="repeat">
+      <a:schemeClr val="accent1">
+        <a:tint val="60000"/>
+      </a:schemeClr>
+    </dgm:linClrLst>
+    <dgm:effectClrLst/>
+    <dgm:txLinClrLst/>
+    <dgm:txFillClrLst meth="repeat">
+      <a:schemeClr val="lt1"/>
+    </dgm:txFillClrLst>
+    <dgm:txEffectClrLst/>
+  </dgm:styleLbl>
+  <dgm:styleLbl name="parChTrans2D2">
+    <dgm:fillClrLst meth="repeat">
+      <a:schemeClr val="accent1"/>
+    </dgm:fillClrLst>
+    <dgm:linClrLst meth="repeat">
+      <a:schemeClr val="accent1"/>
+    </dgm:linClrLst>
+    <dgm:effectClrLst/>
+    <dgm:txLinClrLst/>
+    <dgm:txFillClrLst meth="repeat">
+      <a:schemeClr val="lt1"/>
+    </dgm:txFillClrLst>
+    <dgm:txEffectClrLst/>
+  </dgm:styleLbl>
+  <dgm:styleLbl name="parChTrans2D3">
+    <dgm:fillClrLst meth="repeat">
+      <a:schemeClr val="accent1"/>
+    </dgm:fillClrLst>
+    <dgm:linClrLst meth="repeat">
+      <a:schemeClr val="accent1"/>
+    </dgm:linClrLst>
+    <dgm:effectClrLst/>
+    <dgm:txLinClrLst/>
+    <dgm:txFillClrLst meth="repeat">
+      <a:schemeClr val="lt1"/>
+    </dgm:txFillClrLst>
+    <dgm:txEffectClrLst/>
+  </dgm:styleLbl>
+  <dgm:styleLbl name="parChTrans2D4">
+    <dgm:fillClrLst meth="repeat">
+      <a:schemeClr val="accent1"/>
+    </dgm:fillClrLst>
+    <dgm:linClrLst meth="repeat">
+      <a:schemeClr val="accent1"/>
+    </dgm:linClrLst>
+    <dgm:effectClrLst/>
+    <dgm:txLinClrLst/>
+    <dgm:txFillClrLst meth="repeat">
+      <a:schemeClr val="lt1"/>
+    </dgm:txFillClrLst>
+    <dgm:txEffectClrLst/>
+  </dgm:styleLbl>
+  <dgm:styleLbl name="parChTrans1D1">
+    <dgm:fillClrLst meth="repeat">
+      <a:schemeClr val="accent1"/>
+    </dgm:fillClrLst>
+    <dgm:linClrLst meth="repeat">
+      <a:schemeClr val="accent1">
+        <a:shade val="60000"/>
+      </a:schemeClr>
+    </dgm:linClrLst>
+    <dgm:effectClrLst/>
+    <dgm:txLinClrLst/>
+    <dgm:txFillClrLst meth="repeat">
+      <a:schemeClr val="tx1"/>
+    </dgm:txFillClrLst>
+    <dgm:txEffectClrLst/>
+  </dgm:styleLbl>
+  <dgm:styleLbl name="parChTrans1D2">
+    <dgm:fillClrLst meth="repeat">
+      <a:schemeClr val="accent1"/>
+    </dgm:fillClrLst>
+    <dgm:linClrLst meth="repeat">
+      <a:schemeClr val="accent1">
+        <a:shade val="60000"/>
+      </a:schemeClr>
+    </dgm:linClrLst>
+    <dgm:effectClrLst/>
+    <dgm:txLinClrLst/>
+    <dgm:txFillClrLst meth="repeat">
+      <a:schemeClr val="tx1"/>
+    </dgm:txFillClrLst>
+    <dgm:txEffectClrLst/>
+  </dgm:styleLbl>
+  <dgm:styleLbl name="parChTrans1D3">
+    <dgm:fillClrLst meth="repeat">
+      <a:schemeClr val="accent1"/>
+    </dgm:fillClrLst>
+    <dgm:linClrLst meth="repeat">
+      <a:schemeClr val="accent1">
+        <a:shade val="80000"/>
+      </a:schemeClr>
+    </dgm:linClrLst>
+    <dgm:effectClrLst/>
+    <dgm:txLinClrLst/>
+    <dgm:txFillClrLst meth="repeat">
+      <a:schemeClr val="tx1"/>
+    </dgm:txFillClrLst>
+    <dgm:txEffectClrLst/>
+  </dgm:styleLbl>
+  <dgm:styleLbl name="parChTrans1D4">
+    <dgm:fillClrLst meth="repeat">
+      <a:schemeClr val="accent1"/>
+    </dgm:fillClrLst>
+    <dgm:linClrLst meth="repeat">
+      <a:schemeClr val="accent1">
+        <a:shade val="80000"/>
+      </a:schemeClr>
+    </dgm:linClrLst>
+    <dgm:effectClrLst/>
+    <dgm:txLinClrLst/>
+    <dgm:txFillClrLst meth="repeat">
+      <a:schemeClr val="tx1"/>
+    </dgm:txFillClrLst>
+    <dgm:txEffectClrLst/>
+  </dgm:styleLbl>
+  <dgm:styleLbl name="fgAcc1">
+    <dgm:fillClrLst meth="repeat">
+      <a:schemeClr val="lt1">
+        <a:alpha val="90000"/>
+      </a:schemeClr>
+    </dgm:fillClrLst>
+    <dgm:linClrLst meth="repeat">
+      <a:schemeClr val="accent1"/>
+    </dgm:linClrLst>
+    <dgm:effectClrLst/>
+    <dgm:txLinClrLst/>
+    <dgm:txFillClrLst meth="repeat">
+      <a:schemeClr val="dk1"/>
+    </dgm:txFillClrLst>
+    <dgm:txEffectClrLst/>
+  </dgm:styleLbl>
+  <dgm:styleLbl name="conFgAcc1">
+    <dgm:fillClrLst meth="repeat">
+      <a:schemeClr val="lt1">
+        <a:alpha val="90000"/>
+      </a:schemeClr>
+    </dgm:fillClrLst>
+    <dgm:linClrLst meth="repeat">
+      <a:schemeClr val="accent1"/>
+    </dgm:linClrLst>
+    <dgm:effectClrLst/>
+    <dgm:txLinClrLst/>
+    <dgm:txFillClrLst meth="repeat">
+      <a:schemeClr val="dk1"/>
+    </dgm:txFillClrLst>
+    <dgm:txEffectClrLst/>
+  </dgm:styleLbl>
+  <dgm:styleLbl name="alignAcc1">
+    <dgm:fillClrLst meth="repeat">
+      <a:schemeClr val="lt1">
+        <a:alpha val="90000"/>
+      </a:schemeClr>
+    </dgm:fillClrLst>
+    <dgm:linClrLst meth="repeat">
+      <a:schemeClr val="accent1"/>
+    </dgm:linClrLst>
+    <dgm:effectClrLst/>
+    <dgm:txLinClrLst/>
+    <dgm:txFillClrLst meth="repeat">
+      <a:schemeClr val="dk1"/>
+    </dgm:txFillClrLst>
+    <dgm:txEffectClrLst/>
+  </dgm:styleLbl>
+  <dgm:styleLbl name="trAlignAcc1">
+    <dgm:fillClrLst meth="repeat">
+      <a:schemeClr val="lt1">
+        <a:alpha val="40000"/>
+      </a:schemeClr>
+    </dgm:fillClrLst>
+    <dgm:linClrLst meth="repeat">
+      <a:schemeClr val="accent1"/>
+    </dgm:linClrLst>
+    <dgm:effectClrLst/>
+    <dgm:txLinClrLst/>
+    <dgm:txFillClrLst meth="repeat">
+      <a:schemeClr val="dk1"/>
+    </dgm:txFillClrLst>
+    <dgm:txEffectClrLst/>
+  </dgm:styleLbl>
+  <dgm:styleLbl name="bgAcc1">
+    <dgm:fillClrLst meth="repeat">
+      <a:schemeClr val="lt1">
+        <a:alpha val="90000"/>
+      </a:schemeClr>
+    </dgm:fillClrLst>
+    <dgm:linClrLst meth="repeat">
+      <a:schemeClr val="accent1"/>
+    </dgm:linClrLst>
+    <dgm:effectClrLst/>
+    <dgm:txLinClrLst/>
+    <dgm:txFillClrLst meth="repeat">
+      <a:schemeClr val="dk1"/>
+    </dgm:txFillClrLst>
+    <dgm:txEffectClrLst/>
+  </dgm:styleLbl>
+  <dgm:styleLbl name="solidFgAcc1">
+    <dgm:fillClrLst meth="repeat">
+      <a:schemeClr val="lt1"/>
+    </dgm:fillClrLst>
+    <dgm:linClrLst meth="repeat">
+      <a:schemeClr val="accent1"/>
+    </dgm:linClrLst>
+    <dgm:effectClrLst/>
+    <dgm:txLinClrLst/>
+    <dgm:txFillClrLst meth="repeat">
+      <a:schemeClr val="dk1"/>
+    </dgm:txFillClrLst>
+    <dgm:txEffectClrLst/>
+  </dgm:styleLbl>
+  <dgm:styleLbl name="solidAlignAcc1">
+    <dgm:fillClrLst meth="repeat">
+      <a:schemeClr val="lt1"/>
+    </dgm:fillClrLst>
+    <dgm:linClrLst meth="repeat">
+      <a:schemeClr val="accent1"/>
+    </dgm:linClrLst>
+    <dgm:effectClrLst/>
+    <dgm:txLinClrLst/>
+    <dgm:txFillClrLst meth="repeat">
+      <a:schemeClr val="dk1"/>
+    </dgm:txFillClrLst>
+    <dgm:txEffectClrLst/>
+  </dgm:styleLbl>
+  <dgm:styleLbl name="solidBgAcc1">
+    <dgm:fillClrLst meth="repeat">
+      <a:schemeClr val="lt1"/>
+    </dgm:fillClrLst>
+    <dgm:linClrLst meth="repeat">
+      <a:schemeClr val="accent1"/>
+    </dgm:linClrLst>
+    <dgm:effectClrLst/>
+    <dgm:txLinClrLst/>
+    <dgm:txFillClrLst meth="repeat">
+      <a:schemeClr val="dk1"/>
+    </dgm:txFillClrLst>
+    <dgm:txEffectClrLst/>
+  </dgm:styleLbl>
+  <dgm:styleLbl name="fgAccFollowNode1">
+    <dgm:fillClrLst meth="repeat">
+      <a:schemeClr val="accent1">
+        <a:alpha val="90000"/>
+        <a:tint val="40000"/>
+      </a:schemeClr>
+    </dgm:fillClrLst>
+    <dgm:linClrLst meth="repeat">
+      <a:schemeClr val="accent1">
+        <a:alpha val="90000"/>
+        <a:tint val="40000"/>
+      </a:schemeClr>
+    </dgm:linClrLst>
+    <dgm:effectClrLst/>
+    <dgm:txLinClrLst/>
+    <dgm:txFillClrLst meth="repeat">
+      <a:schemeClr val="dk1"/>
+    </dgm:txFillClrLst>
+    <dgm:txEffectClrLst/>
+  </dgm:styleLbl>
+  <dgm:styleLbl name="alignAccFollowNode1">
+    <dgm:fillClrLst meth="repeat">
+      <a:schemeClr val="accent1">
+        <a:alpha val="90000"/>
+        <a:tint val="40000"/>
+      </a:schemeClr>
+    </dgm:fillClrLst>
+    <dgm:linClrLst meth="repeat">
+      <a:schemeClr val="accent1">
+        <a:alpha val="90000"/>
+        <a:tint val="40000"/>
+      </a:schemeClr>
+    </dgm:linClrLst>
+    <dgm:effectClrLst/>
+    <dgm:txLinClrLst/>
+    <dgm:txFillClrLst meth="repeat">
+      <a:schemeClr val="dk1"/>
+    </dgm:txFillClrLst>
+    <dgm:txEffectClrLst/>
+  </dgm:styleLbl>
+  <dgm:styleLbl name="bgAccFollowNode1">
+    <dgm:fillClrLst meth="repeat">
+      <a:schemeClr val="accent1">
+        <a:alpha val="90000"/>
+        <a:tint val="40000"/>
+      </a:schemeClr>
+    </dgm:fillClrLst>
+    <dgm:linClrLst meth="repeat">
+      <a:schemeClr val="accent1">
+        <a:alpha val="90000"/>
+        <a:tint val="40000"/>
+      </a:schemeClr>
+    </dgm:linClrLst>
+    <dgm:effectClrLst/>
+    <dgm:txLinClrLst/>
+    <dgm:txFillClrLst meth="repeat">
+      <a:schemeClr val="dk1"/>
+    </dgm:txFillClrLst>
+    <dgm:txEffectClrLst/>
+  </dgm:styleLbl>
+  <dgm:styleLbl name="fgAcc0">
+    <dgm:fillClrLst meth="repeat">
+      <a:schemeClr val="lt1">
+        <a:alpha val="90000"/>
+      </a:schemeClr>
+    </dgm:fillClrLst>
+    <dgm:linClrLst meth="repeat">
+      <a:schemeClr val="accent1"/>
+    </dgm:linClrLst>
+    <dgm:effectClrLst/>
+    <dgm:txLinClrLst/>
+    <dgm:txFillClrLst meth="repeat">
+      <a:schemeClr val="dk1"/>
+    </dgm:txFillClrLst>
+    <dgm:txEffectClrLst/>
+  </dgm:styleLbl>
+  <dgm:styleLbl name="fgAcc2">
+    <dgm:fillClrLst meth="repeat">
+      <a:schemeClr val="lt1">
+        <a:alpha val="90000"/>
+      </a:schemeClr>
+    </dgm:fillClrLst>
+    <dgm:linClrLst meth="repeat">
+      <a:schemeClr val="accent1"/>
+    </dgm:linClrLst>
+    <dgm:effectClrLst/>
+    <dgm:txLinClrLst/>
+    <dgm:txFillClrLst meth="repeat">
+      <a:schemeClr val="dk1"/>
+    </dgm:txFillClrLst>
+    <dgm:txEffectClrLst/>
+  </dgm:styleLbl>
+  <dgm:styleLbl name="fgAcc3">
+    <dgm:fillClrLst meth="repeat">
+      <a:schemeClr val="lt1">
+        <a:alpha val="90000"/>
+      </a:schemeClr>
+    </dgm:fillClrLst>
+    <dgm:linClrLst meth="repeat">
+      <a:schemeClr val="accent1"/>
+    </dgm:linClrLst>
+    <dgm:effectClrLst/>
+    <dgm:txLinClrLst/>
+    <dgm:txFillClrLst meth="repeat">
+      <a:schemeClr val="dk1"/>
+    </dgm:txFillClrLst>
+    <dgm:txEffectClrLst/>
+  </dgm:styleLbl>
+  <dgm:styleLbl name="fgAcc4">
+    <dgm:fillClrLst meth="repeat">
+      <a:schemeClr val="lt1">
+        <a:alpha val="90000"/>
+      </a:schemeClr>
+    </dgm:fillClrLst>
+    <dgm:linClrLst meth="repeat">
+      <a:schemeClr val="accent1"/>
+    </dgm:linClrLst>
+    <dgm:effectClrLst/>
+    <dgm:txLinClrLst/>
+    <dgm:txFillClrLst meth="repeat">
+      <a:schemeClr val="dk1"/>
+    </dgm:txFillClrLst>
+    <dgm:txEffectClrLst/>
+  </dgm:styleLbl>
+  <dgm:styleLbl name="bgShp">
+    <dgm:fillClrLst meth="repeat">
+      <a:schemeClr val="accent1">
+        <a:tint val="40000"/>
+      </a:schemeClr>
+    </dgm:fillClrLst>
+    <dgm:linClrLst meth="repeat">
+      <a:schemeClr val="accent1"/>
+    </dgm:linClrLst>
+    <dgm:effectClrLst/>
+    <dgm:txLinClrLst/>
+    <dgm:txFillClrLst meth="repeat">
+      <a:schemeClr val="dk1"/>
+    </dgm:txFillClrLst>
+    <dgm:txEffectClrLst/>
+  </dgm:styleLbl>
+  <dgm:styleLbl name="dkBgShp">
+    <dgm:fillClrLst meth="repeat">
+      <a:schemeClr val="accent1">
+        <a:shade val="80000"/>
+      </a:schemeClr>
+    </dgm:fillClrLst>
+    <dgm:linClrLst meth="repeat">
+      <a:schemeClr val="accent1"/>
+    </dgm:linClrLst>
+    <dgm:effectClrLst/>
+    <dgm:txLinClrLst/>
+    <dgm:txFillClrLst meth="repeat">
+      <a:schemeClr val="lt1"/>
+    </dgm:txFillClrLst>
+    <dgm:txEffectClrLst/>
+  </dgm:styleLbl>
+  <dgm:styleLbl name="trBgShp">
+    <dgm:fillClrLst meth="repeat">
+      <a:schemeClr val="accent1">
+        <a:tint val="50000"/>
+        <a:alpha val="40000"/>
+      </a:schemeClr>
+    </dgm:fillClrLst>
+    <dgm:linClrLst meth="repeat">
+      <a:schemeClr val="accent1"/>
+    </dgm:linClrLst>
+    <dgm:effectClrLst/>
+    <dgm:txLinClrLst/>
+    <dgm:txFillClrLst meth="repeat">
+      <a:schemeClr val="lt1"/>
+    </dgm:txFillClrLst>
+    <dgm:txEffectClrLst/>
+  </dgm:styleLbl>
+  <dgm:styleLbl name="fgShp">
+    <dgm:fillClrLst meth="repeat">
+      <a:schemeClr val="accent1">
+        <a:tint val="60000"/>
+      </a:schemeClr>
+    </dgm:fillClrLst>
+    <dgm:linClrLst meth="repeat">
+      <a:schemeClr val="lt1"/>
+    </dgm:linClrLst>
+    <dgm:effectClrLst/>
+    <dgm:txLinClrLst/>
+    <dgm:txFillClrLst meth="repeat">
+      <a:schemeClr val="dk1"/>
+    </dgm:txFillClrLst>
+    <dgm:txEffectClrLst/>
+  </dgm:styleLbl>
+  <dgm:styleLbl name="revTx">
+    <dgm:fillClrLst meth="repeat">
+      <a:schemeClr val="lt1">
+        <a:alpha val="0"/>
+      </a:schemeClr>
+    </dgm:fillClrLst>
+    <dgm:linClrLst meth="repeat">
+      <a:schemeClr val="dk1">
+        <a:alpha val="0"/>
+      </a:schemeClr>
+    </dgm:linClrLst>
+    <dgm:effectClrLst/>
+    <dgm:txLinClrLst/>
+    <dgm:txFillClrLst meth="repeat">
+      <a:schemeClr val="tx1"/>
+    </dgm:txFillClrLst>
+    <dgm:txEffectClrLst/>
+  </dgm:styleLbl>
+</dgm:colorsDef>
+</file>
+
+<file path=ppt/diagrams/data1.xml><?xml version="1.0" encoding="utf-8"?>
+<dgm:dataModel xmlns:dgm="http://schemas.openxmlformats.org/drawingml/2006/diagram" xmlns:a="http://schemas.openxmlformats.org/drawingml/2006/main">
+  <dgm:ptLst>
+    <dgm:pt modelId="{17B84D5F-B11E-4A43-BE49-161AC3126A1D}" type="doc">
+      <dgm:prSet loTypeId="urn:microsoft.com/office/officeart/2009/layout/CirclePictureHierarchy" loCatId="hierarchy" qsTypeId="urn:microsoft.com/office/officeart/2005/8/quickstyle/simple1" qsCatId="simple" csTypeId="urn:microsoft.com/office/officeart/2005/8/colors/accent1_2" csCatId="accent1" phldr="1"/>
+      <dgm:spPr/>
+      <dgm:t>
+        <a:bodyPr/>
+        <a:lstStyle/>
+        <a:p>
+          <a:endParaRPr lang="en-US"/>
+        </a:p>
+      </dgm:t>
+    </dgm:pt>
+    <dgm:pt modelId="{65C2C024-8A2A-4045-8558-2AA8755A813E}">
+      <dgm:prSet phldrT="[Text]"/>
+      <dgm:spPr/>
+      <dgm:t>
+        <a:bodyPr/>
+        <a:lstStyle/>
+        <a:p>
+          <a:r>
+            <a:rPr lang="en-US" dirty="0" smtClean="0"/>
+            <a:t>Add</a:t>
+          </a:r>
+          <a:endParaRPr lang="en-US" dirty="0"/>
+        </a:p>
+      </dgm:t>
+    </dgm:pt>
+    <dgm:pt modelId="{2C122AFF-A9AE-4D72-91D4-330643A7ED31}" type="parTrans" cxnId="{38B9CA11-242C-4516-9437-19BDDFED5FC2}">
+      <dgm:prSet/>
+      <dgm:spPr/>
+      <dgm:t>
+        <a:bodyPr/>
+        <a:lstStyle/>
+        <a:p>
+          <a:endParaRPr lang="en-US"/>
+        </a:p>
+      </dgm:t>
+    </dgm:pt>
+    <dgm:pt modelId="{75D331EC-CDB0-4E33-8D94-6DC3172DE2B5}" type="sibTrans" cxnId="{38B9CA11-242C-4516-9437-19BDDFED5FC2}">
+      <dgm:prSet/>
+      <dgm:spPr/>
+      <dgm:t>
+        <a:bodyPr/>
+        <a:lstStyle/>
+        <a:p>
+          <a:endParaRPr lang="en-US"/>
+        </a:p>
+      </dgm:t>
+    </dgm:pt>
+    <dgm:pt modelId="{C5EED326-718E-40BE-B180-B0A4FF91BE2B}">
+      <dgm:prSet phldrT="[Text]"/>
+      <dgm:spPr/>
+      <dgm:t>
+        <a:bodyPr/>
+        <a:lstStyle/>
+        <a:p>
+          <a:r>
+            <a:rPr lang="en-US" dirty="0" smtClean="0"/>
+            <a:t>Multiply</a:t>
+          </a:r>
+          <a:endParaRPr lang="en-US" dirty="0"/>
+        </a:p>
+      </dgm:t>
+    </dgm:pt>
+    <dgm:pt modelId="{0756CD64-09C3-402D-B4FD-7265EE57457C}" type="parTrans" cxnId="{1D469689-B0DE-43D5-863B-FEAD31EA41AE}">
+      <dgm:prSet/>
+      <dgm:spPr/>
+      <dgm:t>
+        <a:bodyPr/>
+        <a:lstStyle/>
+        <a:p>
+          <a:endParaRPr lang="en-US"/>
+        </a:p>
+      </dgm:t>
+    </dgm:pt>
+    <dgm:pt modelId="{621BB6F4-FEFB-4108-8767-004FA70DA781}" type="sibTrans" cxnId="{1D469689-B0DE-43D5-863B-FEAD31EA41AE}">
+      <dgm:prSet/>
+      <dgm:spPr/>
+      <dgm:t>
+        <a:bodyPr/>
+        <a:lstStyle/>
+        <a:p>
+          <a:endParaRPr lang="en-US"/>
+        </a:p>
+      </dgm:t>
+    </dgm:pt>
+    <dgm:pt modelId="{7E0C9FEF-1F0F-4670-950F-2B8EA7D8B974}">
+      <dgm:prSet phldrT="[Text]"/>
+      <dgm:spPr/>
+      <dgm:t>
+        <a:bodyPr/>
+        <a:lstStyle/>
+        <a:p>
+          <a:r>
+            <a:rPr lang="en-US" dirty="0" smtClean="0"/>
+            <a:t>Variable</a:t>
+          </a:r>
+          <a:endParaRPr lang="en-US" dirty="0"/>
+        </a:p>
+      </dgm:t>
+    </dgm:pt>
+    <dgm:pt modelId="{AC9D86A2-402E-466C-AFF5-00C6206F8CA9}" type="parTrans" cxnId="{0FA49AB8-7A83-4738-A178-84B72078BC91}">
+      <dgm:prSet/>
+      <dgm:spPr/>
+      <dgm:t>
+        <a:bodyPr/>
+        <a:lstStyle/>
+        <a:p>
+          <a:endParaRPr lang="en-US"/>
+        </a:p>
+      </dgm:t>
+    </dgm:pt>
+    <dgm:pt modelId="{E75F6956-2EBC-481A-85D5-9229A571655A}" type="sibTrans" cxnId="{0FA49AB8-7A83-4738-A178-84B72078BC91}">
+      <dgm:prSet/>
+      <dgm:spPr/>
+      <dgm:t>
+        <a:bodyPr/>
+        <a:lstStyle/>
+        <a:p>
+          <a:endParaRPr lang="en-US"/>
+        </a:p>
+      </dgm:t>
+    </dgm:pt>
+    <dgm:pt modelId="{92DBC19A-1C8D-4BA9-BC32-3AD020ACCD61}">
+      <dgm:prSet phldrT="[Text]"/>
+      <dgm:spPr/>
+      <dgm:t>
+        <a:bodyPr/>
+        <a:lstStyle/>
+        <a:p>
+          <a:r>
+            <a:rPr lang="en-US" dirty="0" smtClean="0"/>
+            <a:t>Variable</a:t>
+          </a:r>
+          <a:endParaRPr lang="en-US" dirty="0"/>
+        </a:p>
+      </dgm:t>
+    </dgm:pt>
+    <dgm:pt modelId="{527074F7-8E46-4208-8C71-92F466BE5082}" type="parTrans" cxnId="{E8A6088B-088F-433B-9B6A-3ED22F074700}">
+      <dgm:prSet/>
+      <dgm:spPr/>
+      <dgm:t>
+        <a:bodyPr/>
+        <a:lstStyle/>
+        <a:p>
+          <a:endParaRPr lang="en-US"/>
+        </a:p>
+      </dgm:t>
+    </dgm:pt>
+    <dgm:pt modelId="{1C0AFE6C-B6DA-436F-A24E-A7FF5D1840AE}" type="sibTrans" cxnId="{E8A6088B-088F-433B-9B6A-3ED22F074700}">
+      <dgm:prSet/>
+      <dgm:spPr/>
+      <dgm:t>
+        <a:bodyPr/>
+        <a:lstStyle/>
+        <a:p>
+          <a:endParaRPr lang="en-US"/>
+        </a:p>
+      </dgm:t>
+    </dgm:pt>
+    <dgm:pt modelId="{C84F9199-C69F-4D88-B9B8-631019294617}">
+      <dgm:prSet phldrT="[Text]"/>
+      <dgm:spPr/>
+      <dgm:t>
+        <a:bodyPr/>
+        <a:lstStyle/>
+        <a:p>
+          <a:r>
+            <a:rPr lang="en-US" dirty="0" err="1" smtClean="0"/>
+            <a:t>FunctionCall</a:t>
+          </a:r>
+          <a:r>
+            <a:rPr lang="en-US" dirty="0" smtClean="0"/>
+            <a:t/>
+          </a:r>
+          <a:br>
+            <a:rPr lang="en-US" dirty="0" smtClean="0"/>
+          </a:br>
+          <a:r>
+            <a:rPr lang="en-US" dirty="0" smtClean="0"/>
+            <a:t>Name = f</a:t>
+          </a:r>
+          <a:endParaRPr lang="en-US" dirty="0"/>
+        </a:p>
+      </dgm:t>
+    </dgm:pt>
+    <dgm:pt modelId="{EA90DCD4-FB49-41BD-ADF7-CF5C1BB96849}" type="parTrans" cxnId="{FE2B06AF-57AE-4C05-93C0-97A43BD14F52}">
+      <dgm:prSet/>
+      <dgm:spPr/>
+      <dgm:t>
+        <a:bodyPr/>
+        <a:lstStyle/>
+        <a:p>
+          <a:endParaRPr lang="en-US"/>
+        </a:p>
+      </dgm:t>
+    </dgm:pt>
+    <dgm:pt modelId="{470E9FD3-273F-4921-865A-EA84A0D3B414}" type="sibTrans" cxnId="{FE2B06AF-57AE-4C05-93C0-97A43BD14F52}">
+      <dgm:prSet/>
+      <dgm:spPr/>
+      <dgm:t>
+        <a:bodyPr/>
+        <a:lstStyle/>
+        <a:p>
+          <a:endParaRPr lang="en-US"/>
+        </a:p>
+      </dgm:t>
+    </dgm:pt>
+    <dgm:pt modelId="{6EE995B3-C41A-47FD-8AE6-1767138AF7CF}">
+      <dgm:prSet phldrT="[Text]"/>
+      <dgm:spPr/>
+      <dgm:t>
+        <a:bodyPr/>
+        <a:lstStyle/>
+        <a:p>
+          <a:r>
+            <a:rPr lang="en-US" dirty="0" smtClean="0"/>
+            <a:t>Variable</a:t>
+          </a:r>
+          <a:endParaRPr lang="en-US" dirty="0"/>
+        </a:p>
+      </dgm:t>
+    </dgm:pt>
+    <dgm:pt modelId="{F3CC88BF-D013-45F1-9434-CBAD4BA07AB2}" type="parTrans" cxnId="{F8DBF8E7-0A82-44F2-BE11-88A720564F4B}">
+      <dgm:prSet/>
+      <dgm:spPr/>
+      <dgm:t>
+        <a:bodyPr/>
+        <a:lstStyle/>
+        <a:p>
+          <a:endParaRPr lang="en-US"/>
+        </a:p>
+      </dgm:t>
+    </dgm:pt>
+    <dgm:pt modelId="{3498D35E-2A75-4A4B-8335-6149096B750B}" type="sibTrans" cxnId="{F8DBF8E7-0A82-44F2-BE11-88A720564F4B}">
+      <dgm:prSet/>
+      <dgm:spPr/>
+      <dgm:t>
+        <a:bodyPr/>
+        <a:lstStyle/>
+        <a:p>
+          <a:endParaRPr lang="en-US"/>
+        </a:p>
+      </dgm:t>
+    </dgm:pt>
+    <dgm:pt modelId="{0534918F-FE7A-412B-940E-068E4B88FBEA}">
+      <dgm:prSet phldrT="[Text]"/>
+      <dgm:spPr/>
+      <dgm:t>
+        <a:bodyPr/>
+        <a:lstStyle/>
+        <a:p>
+          <a:r>
+            <a:rPr lang="en-US" dirty="0" smtClean="0"/>
+            <a:t>x</a:t>
+          </a:r>
+          <a:endParaRPr lang="en-US" dirty="0"/>
+        </a:p>
+      </dgm:t>
+    </dgm:pt>
+    <dgm:pt modelId="{65F529C5-EF36-4B9A-B7FA-AF63DCA32B48}" type="parTrans" cxnId="{AD63F6A0-F4FA-4392-A96F-E157EAD30640}">
+      <dgm:prSet/>
+      <dgm:spPr/>
+      <dgm:t>
+        <a:bodyPr/>
+        <a:lstStyle/>
+        <a:p>
+          <a:endParaRPr lang="en-US"/>
+        </a:p>
+      </dgm:t>
+    </dgm:pt>
+    <dgm:pt modelId="{802292A2-5133-44F3-A50D-E210C80D028A}" type="sibTrans" cxnId="{AD63F6A0-F4FA-4392-A96F-E157EAD30640}">
+      <dgm:prSet/>
+      <dgm:spPr/>
+      <dgm:t>
+        <a:bodyPr/>
+        <a:lstStyle/>
+        <a:p>
+          <a:endParaRPr lang="en-US"/>
+        </a:p>
+      </dgm:t>
+    </dgm:pt>
+    <dgm:pt modelId="{18F83ACC-1EB3-475B-A410-333D0E0563EC}">
+      <dgm:prSet phldrT="[Text]"/>
+      <dgm:spPr/>
+      <dgm:t>
+        <a:bodyPr/>
+        <a:lstStyle/>
+        <a:p>
+          <a:r>
+            <a:rPr lang="en-US" dirty="0" smtClean="0"/>
+            <a:t>y</a:t>
+          </a:r>
+          <a:endParaRPr lang="en-US" dirty="0"/>
+        </a:p>
+      </dgm:t>
+    </dgm:pt>
+    <dgm:pt modelId="{7BB02E03-045E-4092-A4AA-6BD1B75C027D}" type="parTrans" cxnId="{B89D6B6D-430B-44FE-AEF8-2EBB91A1F07C}">
+      <dgm:prSet/>
+      <dgm:spPr/>
+      <dgm:t>
+        <a:bodyPr/>
+        <a:lstStyle/>
+        <a:p>
+          <a:endParaRPr lang="en-US"/>
+        </a:p>
+      </dgm:t>
+    </dgm:pt>
+    <dgm:pt modelId="{E37A3180-F6B7-434A-B4F2-EE4CD4FAEC35}" type="sibTrans" cxnId="{B89D6B6D-430B-44FE-AEF8-2EBB91A1F07C}">
+      <dgm:prSet/>
+      <dgm:spPr/>
+      <dgm:t>
+        <a:bodyPr/>
+        <a:lstStyle/>
+        <a:p>
+          <a:endParaRPr lang="en-US"/>
+        </a:p>
+      </dgm:t>
+    </dgm:pt>
+    <dgm:pt modelId="{79B6658F-78DE-4766-B7FE-589F77060815}">
+      <dgm:prSet phldrT="[Text]"/>
+      <dgm:spPr/>
+      <dgm:t>
+        <a:bodyPr/>
+        <a:lstStyle/>
+        <a:p>
+          <a:r>
+            <a:rPr lang="en-US" dirty="0" smtClean="0"/>
+            <a:t>z</a:t>
+          </a:r>
+          <a:endParaRPr lang="en-US" dirty="0"/>
+        </a:p>
+      </dgm:t>
+    </dgm:pt>
+    <dgm:pt modelId="{1D49D49A-DC25-4260-A7C1-AE88ED45AA01}" type="parTrans" cxnId="{6B0C985D-7866-428D-9174-D838ECC71829}">
+      <dgm:prSet/>
+      <dgm:spPr/>
+      <dgm:t>
+        <a:bodyPr/>
+        <a:lstStyle/>
+        <a:p>
+          <a:endParaRPr lang="en-US"/>
+        </a:p>
+      </dgm:t>
+    </dgm:pt>
+    <dgm:pt modelId="{B3E5AAB2-FF6B-437D-B5E1-7424D4D86F7C}" type="sibTrans" cxnId="{6B0C985D-7866-428D-9174-D838ECC71829}">
+      <dgm:prSet/>
+      <dgm:spPr/>
+      <dgm:t>
+        <a:bodyPr/>
+        <a:lstStyle/>
+        <a:p>
+          <a:endParaRPr lang="en-US"/>
+        </a:p>
+      </dgm:t>
+    </dgm:pt>
+    <dgm:pt modelId="{0936996A-B019-435A-854E-B52026EB4742}" type="pres">
+      <dgm:prSet presAssocID="{17B84D5F-B11E-4A43-BE49-161AC3126A1D}" presName="hierChild1" presStyleCnt="0">
+        <dgm:presLayoutVars>
+          <dgm:chPref val="1"/>
+          <dgm:dir/>
+          <dgm:animOne val="branch"/>
+          <dgm:animLvl val="lvl"/>
+          <dgm:resizeHandles/>
+        </dgm:presLayoutVars>
+      </dgm:prSet>
+      <dgm:spPr/>
+    </dgm:pt>
+    <dgm:pt modelId="{5E9EFB82-1040-471E-83E6-9FDBC12F0CF0}" type="pres">
+      <dgm:prSet presAssocID="{65C2C024-8A2A-4045-8558-2AA8755A813E}" presName="hierRoot1" presStyleCnt="0"/>
+      <dgm:spPr/>
+    </dgm:pt>
+    <dgm:pt modelId="{E895F108-1CB1-45E2-A786-6EE5415E3E09}" type="pres">
+      <dgm:prSet presAssocID="{65C2C024-8A2A-4045-8558-2AA8755A813E}" presName="composite" presStyleCnt="0"/>
+      <dgm:spPr/>
+    </dgm:pt>
+    <dgm:pt modelId="{8E7858A1-ECA0-4684-8794-630B24DDDBCF}" type="pres">
+      <dgm:prSet presAssocID="{65C2C024-8A2A-4045-8558-2AA8755A813E}" presName="image" presStyleLbl="node0" presStyleIdx="0" presStyleCnt="1"/>
+      <dgm:spPr/>
+    </dgm:pt>
+    <dgm:pt modelId="{8506CC71-9ABD-430B-810D-3750F9EAB630}" type="pres">
+      <dgm:prSet presAssocID="{65C2C024-8A2A-4045-8558-2AA8755A813E}" presName="text" presStyleLbl="revTx" presStyleIdx="0" presStyleCnt="9">
+        <dgm:presLayoutVars>
+          <dgm:chPref val="3"/>
+        </dgm:presLayoutVars>
+      </dgm:prSet>
+      <dgm:spPr/>
+    </dgm:pt>
+    <dgm:pt modelId="{41AF8020-AF10-4C97-B099-BD453A6D1ECC}" type="pres">
+      <dgm:prSet presAssocID="{65C2C024-8A2A-4045-8558-2AA8755A813E}" presName="hierChild2" presStyleCnt="0"/>
+      <dgm:spPr/>
+    </dgm:pt>
+    <dgm:pt modelId="{8CA90676-D68B-4342-8190-DEF7F1874D34}" type="pres">
+      <dgm:prSet presAssocID="{0756CD64-09C3-402D-B4FD-7265EE57457C}" presName="Name10" presStyleLbl="parChTrans1D2" presStyleIdx="0" presStyleCnt="2"/>
+      <dgm:spPr/>
+    </dgm:pt>
+    <dgm:pt modelId="{E2171316-EB43-4AB6-91C3-5E77E3A8F9F5}" type="pres">
+      <dgm:prSet presAssocID="{C5EED326-718E-40BE-B180-B0A4FF91BE2B}" presName="hierRoot2" presStyleCnt="0"/>
+      <dgm:spPr/>
+    </dgm:pt>
+    <dgm:pt modelId="{6A6F87DC-4F7A-4880-BEFE-14FD9B8B2502}" type="pres">
+      <dgm:prSet presAssocID="{C5EED326-718E-40BE-B180-B0A4FF91BE2B}" presName="composite2" presStyleCnt="0"/>
+      <dgm:spPr/>
+    </dgm:pt>
+    <dgm:pt modelId="{40B052DC-028B-4773-994C-304747F57113}" type="pres">
+      <dgm:prSet presAssocID="{C5EED326-718E-40BE-B180-B0A4FF91BE2B}" presName="image2" presStyleLbl="node2" presStyleIdx="0" presStyleCnt="2"/>
+      <dgm:spPr/>
+    </dgm:pt>
+    <dgm:pt modelId="{84927DFC-D05E-4221-9ECF-E33760046DF3}" type="pres">
+      <dgm:prSet presAssocID="{C5EED326-718E-40BE-B180-B0A4FF91BE2B}" presName="text2" presStyleLbl="revTx" presStyleIdx="1" presStyleCnt="9">
+        <dgm:presLayoutVars>
+          <dgm:chPref val="3"/>
+        </dgm:presLayoutVars>
+      </dgm:prSet>
+      <dgm:spPr/>
+      <dgm:t>
+        <a:bodyPr/>
+        <a:lstStyle/>
+        <a:p>
+          <a:endParaRPr lang="en-US"/>
+        </a:p>
+      </dgm:t>
+    </dgm:pt>
+    <dgm:pt modelId="{F381F643-9750-4827-9496-2ACB3C0B2EF8}" type="pres">
+      <dgm:prSet presAssocID="{C5EED326-718E-40BE-B180-B0A4FF91BE2B}" presName="hierChild3" presStyleCnt="0"/>
+      <dgm:spPr/>
+    </dgm:pt>
+    <dgm:pt modelId="{99572A04-A68C-4477-AB9A-39BE5DD7032F}" type="pres">
+      <dgm:prSet presAssocID="{AC9D86A2-402E-466C-AFF5-00C6206F8CA9}" presName="Name17" presStyleLbl="parChTrans1D3" presStyleIdx="0" presStyleCnt="3"/>
+      <dgm:spPr/>
+    </dgm:pt>
+    <dgm:pt modelId="{0649E865-B4C0-4933-B904-8F9F9F930527}" type="pres">
+      <dgm:prSet presAssocID="{7E0C9FEF-1F0F-4670-950F-2B8EA7D8B974}" presName="hierRoot3" presStyleCnt="0"/>
+      <dgm:spPr/>
+    </dgm:pt>
+    <dgm:pt modelId="{DCFA4867-D003-4A10-BDAB-CE776ACB1695}" type="pres">
+      <dgm:prSet presAssocID="{7E0C9FEF-1F0F-4670-950F-2B8EA7D8B974}" presName="composite3" presStyleCnt="0"/>
+      <dgm:spPr/>
+    </dgm:pt>
+    <dgm:pt modelId="{E5B02E66-296C-47B7-A60C-47B650C300DC}" type="pres">
+      <dgm:prSet presAssocID="{7E0C9FEF-1F0F-4670-950F-2B8EA7D8B974}" presName="image3" presStyleLbl="node3" presStyleIdx="0" presStyleCnt="3"/>
+      <dgm:spPr/>
+    </dgm:pt>
+    <dgm:pt modelId="{956BC080-07FE-41F3-926B-9E5CC8DF3F71}" type="pres">
+      <dgm:prSet presAssocID="{7E0C9FEF-1F0F-4670-950F-2B8EA7D8B974}" presName="text3" presStyleLbl="revTx" presStyleIdx="2" presStyleCnt="9">
+        <dgm:presLayoutVars>
+          <dgm:chPref val="3"/>
+        </dgm:presLayoutVars>
+      </dgm:prSet>
+      <dgm:spPr/>
+    </dgm:pt>
+    <dgm:pt modelId="{8A6443F5-BD31-4867-B600-E16FB2784150}" type="pres">
+      <dgm:prSet presAssocID="{7E0C9FEF-1F0F-4670-950F-2B8EA7D8B974}" presName="hierChild4" presStyleCnt="0"/>
+      <dgm:spPr/>
+    </dgm:pt>
+    <dgm:pt modelId="{C8F13515-CED2-4DD5-837F-81398537D7FC}" type="pres">
+      <dgm:prSet presAssocID="{65F529C5-EF36-4B9A-B7FA-AF63DCA32B48}" presName="Name23" presStyleLbl="parChTrans1D4" presStyleIdx="0" presStyleCnt="3"/>
+      <dgm:spPr/>
+    </dgm:pt>
+    <dgm:pt modelId="{9FB9C577-D777-44A9-96A8-9851DF5A944D}" type="pres">
+      <dgm:prSet presAssocID="{0534918F-FE7A-412B-940E-068E4B88FBEA}" presName="hierRoot4" presStyleCnt="0"/>
+      <dgm:spPr/>
+    </dgm:pt>
+    <dgm:pt modelId="{7F42FEBA-4F2C-4A9D-B628-BCBBCB197161}" type="pres">
+      <dgm:prSet presAssocID="{0534918F-FE7A-412B-940E-068E4B88FBEA}" presName="composite4" presStyleCnt="0"/>
+      <dgm:spPr/>
+    </dgm:pt>
+    <dgm:pt modelId="{09E42C94-8C0E-41B3-B2F6-10531C76026E}" type="pres">
+      <dgm:prSet presAssocID="{0534918F-FE7A-412B-940E-068E4B88FBEA}" presName="image4" presStyleLbl="node4" presStyleIdx="0" presStyleCnt="3"/>
+      <dgm:spPr/>
+    </dgm:pt>
+    <dgm:pt modelId="{7F2C45EE-9850-4714-B6C1-43EBF7B16000}" type="pres">
+      <dgm:prSet presAssocID="{0534918F-FE7A-412B-940E-068E4B88FBEA}" presName="text4" presStyleLbl="revTx" presStyleIdx="3" presStyleCnt="9">
+        <dgm:presLayoutVars>
+          <dgm:chPref val="3"/>
+        </dgm:presLayoutVars>
+      </dgm:prSet>
+      <dgm:spPr/>
+    </dgm:pt>
+    <dgm:pt modelId="{5C370009-153C-4CEF-9370-6D1AAB33CC48}" type="pres">
+      <dgm:prSet presAssocID="{0534918F-FE7A-412B-940E-068E4B88FBEA}" presName="hierChild5" presStyleCnt="0"/>
+      <dgm:spPr/>
+    </dgm:pt>
+    <dgm:pt modelId="{4F6C3248-7148-4A60-8E96-04EACE9BE555}" type="pres">
+      <dgm:prSet presAssocID="{527074F7-8E46-4208-8C71-92F466BE5082}" presName="Name17" presStyleLbl="parChTrans1D3" presStyleIdx="1" presStyleCnt="3"/>
+      <dgm:spPr/>
+    </dgm:pt>
+    <dgm:pt modelId="{48842124-E350-4A06-8746-83A5C624858C}" type="pres">
+      <dgm:prSet presAssocID="{92DBC19A-1C8D-4BA9-BC32-3AD020ACCD61}" presName="hierRoot3" presStyleCnt="0"/>
+      <dgm:spPr/>
+    </dgm:pt>
+    <dgm:pt modelId="{E6A49742-A798-4437-AA47-81A9BD85E341}" type="pres">
+      <dgm:prSet presAssocID="{92DBC19A-1C8D-4BA9-BC32-3AD020ACCD61}" presName="composite3" presStyleCnt="0"/>
+      <dgm:spPr/>
+    </dgm:pt>
+    <dgm:pt modelId="{B26CB642-4E95-4F4E-A9C7-04750B0C4542}" type="pres">
+      <dgm:prSet presAssocID="{92DBC19A-1C8D-4BA9-BC32-3AD020ACCD61}" presName="image3" presStyleLbl="node3" presStyleIdx="1" presStyleCnt="3"/>
+      <dgm:spPr/>
+    </dgm:pt>
+    <dgm:pt modelId="{5B969B1A-7C6C-4B95-B38D-8A4A50CD3F7C}" type="pres">
+      <dgm:prSet presAssocID="{92DBC19A-1C8D-4BA9-BC32-3AD020ACCD61}" presName="text3" presStyleLbl="revTx" presStyleIdx="4" presStyleCnt="9">
+        <dgm:presLayoutVars>
+          <dgm:chPref val="3"/>
+        </dgm:presLayoutVars>
+      </dgm:prSet>
+      <dgm:spPr/>
+    </dgm:pt>
+    <dgm:pt modelId="{2AEAA225-5F62-4574-916E-EAC697280C50}" type="pres">
+      <dgm:prSet presAssocID="{92DBC19A-1C8D-4BA9-BC32-3AD020ACCD61}" presName="hierChild4" presStyleCnt="0"/>
+      <dgm:spPr/>
+    </dgm:pt>
+    <dgm:pt modelId="{C1C0AC17-B8F0-4830-AD2D-E4D79BC8B9CB}" type="pres">
+      <dgm:prSet presAssocID="{7BB02E03-045E-4092-A4AA-6BD1B75C027D}" presName="Name23" presStyleLbl="parChTrans1D4" presStyleIdx="1" presStyleCnt="3"/>
+      <dgm:spPr/>
+    </dgm:pt>
+    <dgm:pt modelId="{397ACB2A-A4AA-4BB4-BE3F-748A0CC23400}" type="pres">
+      <dgm:prSet presAssocID="{18F83ACC-1EB3-475B-A410-333D0E0563EC}" presName="hierRoot4" presStyleCnt="0"/>
+      <dgm:spPr/>
+    </dgm:pt>
+    <dgm:pt modelId="{8AE33524-E5F7-4F30-9406-DE0B906010EB}" type="pres">
+      <dgm:prSet presAssocID="{18F83ACC-1EB3-475B-A410-333D0E0563EC}" presName="composite4" presStyleCnt="0"/>
+      <dgm:spPr/>
+    </dgm:pt>
+    <dgm:pt modelId="{0C845480-68D2-45ED-9E22-C3E0BBAA985B}" type="pres">
+      <dgm:prSet presAssocID="{18F83ACC-1EB3-475B-A410-333D0E0563EC}" presName="image4" presStyleLbl="node4" presStyleIdx="1" presStyleCnt="3"/>
+      <dgm:spPr/>
+    </dgm:pt>
+    <dgm:pt modelId="{229EED3D-E476-4CFC-B817-728AB058D74A}" type="pres">
+      <dgm:prSet presAssocID="{18F83ACC-1EB3-475B-A410-333D0E0563EC}" presName="text4" presStyleLbl="revTx" presStyleIdx="5" presStyleCnt="9">
+        <dgm:presLayoutVars>
+          <dgm:chPref val="3"/>
+        </dgm:presLayoutVars>
+      </dgm:prSet>
+      <dgm:spPr/>
+    </dgm:pt>
+    <dgm:pt modelId="{498CB050-CA65-4F5F-BF8C-F64589EC8FFF}" type="pres">
+      <dgm:prSet presAssocID="{18F83ACC-1EB3-475B-A410-333D0E0563EC}" presName="hierChild5" presStyleCnt="0"/>
+      <dgm:spPr/>
+    </dgm:pt>
+    <dgm:pt modelId="{81BD3236-BC0F-4A86-B8BE-F8256503C0F0}" type="pres">
+      <dgm:prSet presAssocID="{EA90DCD4-FB49-41BD-ADF7-CF5C1BB96849}" presName="Name10" presStyleLbl="parChTrans1D2" presStyleIdx="1" presStyleCnt="2"/>
+      <dgm:spPr/>
+    </dgm:pt>
+    <dgm:pt modelId="{73CC2DC4-A153-4EC3-8707-2BB49AA8E89A}" type="pres">
+      <dgm:prSet presAssocID="{C84F9199-C69F-4D88-B9B8-631019294617}" presName="hierRoot2" presStyleCnt="0"/>
+      <dgm:spPr/>
+    </dgm:pt>
+    <dgm:pt modelId="{2CCD301F-49AB-40A6-B03F-9186CB54DCCD}" type="pres">
+      <dgm:prSet presAssocID="{C84F9199-C69F-4D88-B9B8-631019294617}" presName="composite2" presStyleCnt="0"/>
+      <dgm:spPr/>
+    </dgm:pt>
+    <dgm:pt modelId="{6A8502DC-6044-46E3-A86A-9BDE7DBB8334}" type="pres">
+      <dgm:prSet presAssocID="{C84F9199-C69F-4D88-B9B8-631019294617}" presName="image2" presStyleLbl="node2" presStyleIdx="1" presStyleCnt="2"/>
+      <dgm:spPr/>
+    </dgm:pt>
+    <dgm:pt modelId="{3E30A41C-9450-45C7-BA3A-78ADC24B09DC}" type="pres">
+      <dgm:prSet presAssocID="{C84F9199-C69F-4D88-B9B8-631019294617}" presName="text2" presStyleLbl="revTx" presStyleIdx="6" presStyleCnt="9">
+        <dgm:presLayoutVars>
+          <dgm:chPref val="3"/>
+        </dgm:presLayoutVars>
+      </dgm:prSet>
+      <dgm:spPr/>
+    </dgm:pt>
+    <dgm:pt modelId="{BE0BCE9A-08AC-480F-B937-5DCC66717F7B}" type="pres">
+      <dgm:prSet presAssocID="{C84F9199-C69F-4D88-B9B8-631019294617}" presName="hierChild3" presStyleCnt="0"/>
+      <dgm:spPr/>
+    </dgm:pt>
+    <dgm:pt modelId="{BEBCCCB4-9FCD-465F-81A4-AEC83E7EDA7C}" type="pres">
+      <dgm:prSet presAssocID="{F3CC88BF-D013-45F1-9434-CBAD4BA07AB2}" presName="Name17" presStyleLbl="parChTrans1D3" presStyleIdx="2" presStyleCnt="3"/>
+      <dgm:spPr/>
+    </dgm:pt>
+    <dgm:pt modelId="{5D222968-6287-4D77-B6DE-7B4F2DB93410}" type="pres">
+      <dgm:prSet presAssocID="{6EE995B3-C41A-47FD-8AE6-1767138AF7CF}" presName="hierRoot3" presStyleCnt="0"/>
+      <dgm:spPr/>
+    </dgm:pt>
+    <dgm:pt modelId="{82171A99-53F5-40CE-B874-1B14988543F9}" type="pres">
+      <dgm:prSet presAssocID="{6EE995B3-C41A-47FD-8AE6-1767138AF7CF}" presName="composite3" presStyleCnt="0"/>
+      <dgm:spPr/>
+    </dgm:pt>
+    <dgm:pt modelId="{0D40DC6E-9760-4658-8B88-3F444366657E}" type="pres">
+      <dgm:prSet presAssocID="{6EE995B3-C41A-47FD-8AE6-1767138AF7CF}" presName="image3" presStyleLbl="node3" presStyleIdx="2" presStyleCnt="3"/>
+      <dgm:spPr/>
+    </dgm:pt>
+    <dgm:pt modelId="{4435E2B9-EFB1-415C-8689-BDF7C2416C55}" type="pres">
+      <dgm:prSet presAssocID="{6EE995B3-C41A-47FD-8AE6-1767138AF7CF}" presName="text3" presStyleLbl="revTx" presStyleIdx="7" presStyleCnt="9">
+        <dgm:presLayoutVars>
+          <dgm:chPref val="3"/>
+        </dgm:presLayoutVars>
+      </dgm:prSet>
+      <dgm:spPr/>
+      <dgm:t>
+        <a:bodyPr/>
+        <a:lstStyle/>
+        <a:p>
+          <a:endParaRPr lang="en-US"/>
+        </a:p>
+      </dgm:t>
+    </dgm:pt>
+    <dgm:pt modelId="{660BD25C-0277-41BB-838C-E7326CE6DB9F}" type="pres">
+      <dgm:prSet presAssocID="{6EE995B3-C41A-47FD-8AE6-1767138AF7CF}" presName="hierChild4" presStyleCnt="0"/>
+      <dgm:spPr/>
+    </dgm:pt>
+    <dgm:pt modelId="{4E943D05-71E6-4904-B2E4-EE17CE0ECDDC}" type="pres">
+      <dgm:prSet presAssocID="{1D49D49A-DC25-4260-A7C1-AE88ED45AA01}" presName="Name23" presStyleLbl="parChTrans1D4" presStyleIdx="2" presStyleCnt="3"/>
+      <dgm:spPr/>
+    </dgm:pt>
+    <dgm:pt modelId="{F44B8962-E4D2-490D-A079-B9E6F44CCE42}" type="pres">
+      <dgm:prSet presAssocID="{79B6658F-78DE-4766-B7FE-589F77060815}" presName="hierRoot4" presStyleCnt="0"/>
+      <dgm:spPr/>
+    </dgm:pt>
+    <dgm:pt modelId="{38497E75-D1B2-4752-9973-B9F77C9A2DDD}" type="pres">
+      <dgm:prSet presAssocID="{79B6658F-78DE-4766-B7FE-589F77060815}" presName="composite4" presStyleCnt="0"/>
+      <dgm:spPr/>
+    </dgm:pt>
+    <dgm:pt modelId="{A37BEE24-6E14-414D-A5BD-6689E3E59759}" type="pres">
+      <dgm:prSet presAssocID="{79B6658F-78DE-4766-B7FE-589F77060815}" presName="image4" presStyleLbl="node4" presStyleIdx="2" presStyleCnt="3"/>
+      <dgm:spPr/>
+    </dgm:pt>
+    <dgm:pt modelId="{D7AE1163-F55C-4A98-878F-94EF554679B4}" type="pres">
+      <dgm:prSet presAssocID="{79B6658F-78DE-4766-B7FE-589F77060815}" presName="text4" presStyleLbl="revTx" presStyleIdx="8" presStyleCnt="9">
+        <dgm:presLayoutVars>
+          <dgm:chPref val="3"/>
+        </dgm:presLayoutVars>
+      </dgm:prSet>
+      <dgm:spPr/>
+      <dgm:t>
+        <a:bodyPr/>
+        <a:lstStyle/>
+        <a:p>
+          <a:endParaRPr lang="en-US"/>
+        </a:p>
+      </dgm:t>
+    </dgm:pt>
+    <dgm:pt modelId="{DA78EEC4-4DD1-46D6-85A2-B8950AB46996}" type="pres">
+      <dgm:prSet presAssocID="{79B6658F-78DE-4766-B7FE-589F77060815}" presName="hierChild5" presStyleCnt="0"/>
+      <dgm:spPr/>
+    </dgm:pt>
+  </dgm:ptLst>
+  <dgm:cxnLst>
+    <dgm:cxn modelId="{67D22C39-90E2-461E-A5D1-99A3E303975D}" type="presOf" srcId="{92DBC19A-1C8D-4BA9-BC32-3AD020ACCD61}" destId="{5B969B1A-7C6C-4B95-B38D-8A4A50CD3F7C}" srcOrd="0" destOrd="0" presId="urn:microsoft.com/office/officeart/2009/layout/CirclePictureHierarchy"/>
+    <dgm:cxn modelId="{AD63F6A0-F4FA-4392-A96F-E157EAD30640}" srcId="{7E0C9FEF-1F0F-4670-950F-2B8EA7D8B974}" destId="{0534918F-FE7A-412B-940E-068E4B88FBEA}" srcOrd="0" destOrd="0" parTransId="{65F529C5-EF36-4B9A-B7FA-AF63DCA32B48}" sibTransId="{802292A2-5133-44F3-A50D-E210C80D028A}"/>
+    <dgm:cxn modelId="{49208722-902D-48A7-964E-16021868984F}" type="presOf" srcId="{0534918F-FE7A-412B-940E-068E4B88FBEA}" destId="{7F2C45EE-9850-4714-B6C1-43EBF7B16000}" srcOrd="0" destOrd="0" presId="urn:microsoft.com/office/officeart/2009/layout/CirclePictureHierarchy"/>
+    <dgm:cxn modelId="{18AE8200-6DBA-45AB-9731-BADF1D0FB439}" type="presOf" srcId="{527074F7-8E46-4208-8C71-92F466BE5082}" destId="{4F6C3248-7148-4A60-8E96-04EACE9BE555}" srcOrd="0" destOrd="0" presId="urn:microsoft.com/office/officeart/2009/layout/CirclePictureHierarchy"/>
+    <dgm:cxn modelId="{B89D6B6D-430B-44FE-AEF8-2EBB91A1F07C}" srcId="{92DBC19A-1C8D-4BA9-BC32-3AD020ACCD61}" destId="{18F83ACC-1EB3-475B-A410-333D0E0563EC}" srcOrd="0" destOrd="0" parTransId="{7BB02E03-045E-4092-A4AA-6BD1B75C027D}" sibTransId="{E37A3180-F6B7-434A-B4F2-EE4CD4FAEC35}"/>
+    <dgm:cxn modelId="{CAB4C99C-9D17-4C34-AB6B-8105DE3B1941}" type="presOf" srcId="{F3CC88BF-D013-45F1-9434-CBAD4BA07AB2}" destId="{BEBCCCB4-9FCD-465F-81A4-AEC83E7EDA7C}" srcOrd="0" destOrd="0" presId="urn:microsoft.com/office/officeart/2009/layout/CirclePictureHierarchy"/>
+    <dgm:cxn modelId="{FE2B06AF-57AE-4C05-93C0-97A43BD14F52}" srcId="{65C2C024-8A2A-4045-8558-2AA8755A813E}" destId="{C84F9199-C69F-4D88-B9B8-631019294617}" srcOrd="1" destOrd="0" parTransId="{EA90DCD4-FB49-41BD-ADF7-CF5C1BB96849}" sibTransId="{470E9FD3-273F-4921-865A-EA84A0D3B414}"/>
+    <dgm:cxn modelId="{67586131-FED3-4AE3-9A86-F27B1DBD7918}" type="presOf" srcId="{65F529C5-EF36-4B9A-B7FA-AF63DCA32B48}" destId="{C8F13515-CED2-4DD5-837F-81398537D7FC}" srcOrd="0" destOrd="0" presId="urn:microsoft.com/office/officeart/2009/layout/CirclePictureHierarchy"/>
+    <dgm:cxn modelId="{6B0C985D-7866-428D-9174-D838ECC71829}" srcId="{6EE995B3-C41A-47FD-8AE6-1767138AF7CF}" destId="{79B6658F-78DE-4766-B7FE-589F77060815}" srcOrd="0" destOrd="0" parTransId="{1D49D49A-DC25-4260-A7C1-AE88ED45AA01}" sibTransId="{B3E5AAB2-FF6B-437D-B5E1-7424D4D86F7C}"/>
+    <dgm:cxn modelId="{0737796A-1DE3-46BF-94BC-C503C82971B3}" type="presOf" srcId="{7E0C9FEF-1F0F-4670-950F-2B8EA7D8B974}" destId="{956BC080-07FE-41F3-926B-9E5CC8DF3F71}" srcOrd="0" destOrd="0" presId="urn:microsoft.com/office/officeart/2009/layout/CirclePictureHierarchy"/>
+    <dgm:cxn modelId="{E8A6088B-088F-433B-9B6A-3ED22F074700}" srcId="{C5EED326-718E-40BE-B180-B0A4FF91BE2B}" destId="{92DBC19A-1C8D-4BA9-BC32-3AD020ACCD61}" srcOrd="1" destOrd="0" parTransId="{527074F7-8E46-4208-8C71-92F466BE5082}" sibTransId="{1C0AFE6C-B6DA-436F-A24E-A7FF5D1840AE}"/>
+    <dgm:cxn modelId="{0FA49AB8-7A83-4738-A178-84B72078BC91}" srcId="{C5EED326-718E-40BE-B180-B0A4FF91BE2B}" destId="{7E0C9FEF-1F0F-4670-950F-2B8EA7D8B974}" srcOrd="0" destOrd="0" parTransId="{AC9D86A2-402E-466C-AFF5-00C6206F8CA9}" sibTransId="{E75F6956-2EBC-481A-85D5-9229A571655A}"/>
+    <dgm:cxn modelId="{C6B8DE22-9941-4B99-B974-31190E00F151}" type="presOf" srcId="{C5EED326-718E-40BE-B180-B0A4FF91BE2B}" destId="{84927DFC-D05E-4221-9ECF-E33760046DF3}" srcOrd="0" destOrd="0" presId="urn:microsoft.com/office/officeart/2009/layout/CirclePictureHierarchy"/>
+    <dgm:cxn modelId="{F0076BAE-6A77-459B-952F-5595324388E9}" type="presOf" srcId="{0756CD64-09C3-402D-B4FD-7265EE57457C}" destId="{8CA90676-D68B-4342-8190-DEF7F1874D34}" srcOrd="0" destOrd="0" presId="urn:microsoft.com/office/officeart/2009/layout/CirclePictureHierarchy"/>
+    <dgm:cxn modelId="{A59356BB-85BE-4405-B346-A961CF36FB2C}" type="presOf" srcId="{EA90DCD4-FB49-41BD-ADF7-CF5C1BB96849}" destId="{81BD3236-BC0F-4A86-B8BE-F8256503C0F0}" srcOrd="0" destOrd="0" presId="urn:microsoft.com/office/officeart/2009/layout/CirclePictureHierarchy"/>
+    <dgm:cxn modelId="{1D469689-B0DE-43D5-863B-FEAD31EA41AE}" srcId="{65C2C024-8A2A-4045-8558-2AA8755A813E}" destId="{C5EED326-718E-40BE-B180-B0A4FF91BE2B}" srcOrd="0" destOrd="0" parTransId="{0756CD64-09C3-402D-B4FD-7265EE57457C}" sibTransId="{621BB6F4-FEFB-4108-8767-004FA70DA781}"/>
+    <dgm:cxn modelId="{24F85A51-1842-49B9-B94A-7A0F35EF2A3E}" type="presOf" srcId="{18F83ACC-1EB3-475B-A410-333D0E0563EC}" destId="{229EED3D-E476-4CFC-B817-728AB058D74A}" srcOrd="0" destOrd="0" presId="urn:microsoft.com/office/officeart/2009/layout/CirclePictureHierarchy"/>
+    <dgm:cxn modelId="{418E464F-A5F2-4B5B-9B01-404B2C44D63B}" type="presOf" srcId="{C84F9199-C69F-4D88-B9B8-631019294617}" destId="{3E30A41C-9450-45C7-BA3A-78ADC24B09DC}" srcOrd="0" destOrd="0" presId="urn:microsoft.com/office/officeart/2009/layout/CirclePictureHierarchy"/>
+    <dgm:cxn modelId="{C87AE850-92DD-4669-A1F4-46AB14AA9DF5}" type="presOf" srcId="{6EE995B3-C41A-47FD-8AE6-1767138AF7CF}" destId="{4435E2B9-EFB1-415C-8689-BDF7C2416C55}" srcOrd="0" destOrd="0" presId="urn:microsoft.com/office/officeart/2009/layout/CirclePictureHierarchy"/>
+    <dgm:cxn modelId="{0400042F-4277-46F3-B92C-F2F857EE4691}" type="presOf" srcId="{1D49D49A-DC25-4260-A7C1-AE88ED45AA01}" destId="{4E943D05-71E6-4904-B2E4-EE17CE0ECDDC}" srcOrd="0" destOrd="0" presId="urn:microsoft.com/office/officeart/2009/layout/CirclePictureHierarchy"/>
+    <dgm:cxn modelId="{7C53CFC0-AB73-4043-8DC2-46ACE150E7F6}" type="presOf" srcId="{65C2C024-8A2A-4045-8558-2AA8755A813E}" destId="{8506CC71-9ABD-430B-810D-3750F9EAB630}" srcOrd="0" destOrd="0" presId="urn:microsoft.com/office/officeart/2009/layout/CirclePictureHierarchy"/>
+    <dgm:cxn modelId="{E04880C3-751A-44B9-AAD6-2C9109B3009C}" type="presOf" srcId="{17B84D5F-B11E-4A43-BE49-161AC3126A1D}" destId="{0936996A-B019-435A-854E-B52026EB4742}" srcOrd="0" destOrd="0" presId="urn:microsoft.com/office/officeart/2009/layout/CirclePictureHierarchy"/>
+    <dgm:cxn modelId="{F8DBF8E7-0A82-44F2-BE11-88A720564F4B}" srcId="{C84F9199-C69F-4D88-B9B8-631019294617}" destId="{6EE995B3-C41A-47FD-8AE6-1767138AF7CF}" srcOrd="0" destOrd="0" parTransId="{F3CC88BF-D013-45F1-9434-CBAD4BA07AB2}" sibTransId="{3498D35E-2A75-4A4B-8335-6149096B750B}"/>
+    <dgm:cxn modelId="{91B064C6-EF5E-4DB6-BBA7-86F1A841CF9B}" type="presOf" srcId="{7BB02E03-045E-4092-A4AA-6BD1B75C027D}" destId="{C1C0AC17-B8F0-4830-AD2D-E4D79BC8B9CB}" srcOrd="0" destOrd="0" presId="urn:microsoft.com/office/officeart/2009/layout/CirclePictureHierarchy"/>
+    <dgm:cxn modelId="{F773CBF8-CEEA-4F1C-8FD7-61551C2C014A}" type="presOf" srcId="{79B6658F-78DE-4766-B7FE-589F77060815}" destId="{D7AE1163-F55C-4A98-878F-94EF554679B4}" srcOrd="0" destOrd="0" presId="urn:microsoft.com/office/officeart/2009/layout/CirclePictureHierarchy"/>
+    <dgm:cxn modelId="{38B9CA11-242C-4516-9437-19BDDFED5FC2}" srcId="{17B84D5F-B11E-4A43-BE49-161AC3126A1D}" destId="{65C2C024-8A2A-4045-8558-2AA8755A813E}" srcOrd="0" destOrd="0" parTransId="{2C122AFF-A9AE-4D72-91D4-330643A7ED31}" sibTransId="{75D331EC-CDB0-4E33-8D94-6DC3172DE2B5}"/>
+    <dgm:cxn modelId="{F8616E2D-4D36-472F-AB88-08119FCBB0FD}" type="presOf" srcId="{AC9D86A2-402E-466C-AFF5-00C6206F8CA9}" destId="{99572A04-A68C-4477-AB9A-39BE5DD7032F}" srcOrd="0" destOrd="0" presId="urn:microsoft.com/office/officeart/2009/layout/CirclePictureHierarchy"/>
+    <dgm:cxn modelId="{373D711A-FB51-4DE6-A9DB-ED1EF682D9C6}" type="presParOf" srcId="{0936996A-B019-435A-854E-B52026EB4742}" destId="{5E9EFB82-1040-471E-83E6-9FDBC12F0CF0}" srcOrd="0" destOrd="0" presId="urn:microsoft.com/office/officeart/2009/layout/CirclePictureHierarchy"/>
+    <dgm:cxn modelId="{66373049-E19B-4ADC-B0F2-F9EBA54E1C3D}" type="presParOf" srcId="{5E9EFB82-1040-471E-83E6-9FDBC12F0CF0}" destId="{E895F108-1CB1-45E2-A786-6EE5415E3E09}" srcOrd="0" destOrd="0" presId="urn:microsoft.com/office/officeart/2009/layout/CirclePictureHierarchy"/>
+    <dgm:cxn modelId="{5B9F98A1-F20D-4A2A-998A-F09C41F2D565}" type="presParOf" srcId="{E895F108-1CB1-45E2-A786-6EE5415E3E09}" destId="{8E7858A1-ECA0-4684-8794-630B24DDDBCF}" srcOrd="0" destOrd="0" presId="urn:microsoft.com/office/officeart/2009/layout/CirclePictureHierarchy"/>
+    <dgm:cxn modelId="{A142A768-1420-4318-BFDE-CDCE4C50DD60}" type="presParOf" srcId="{E895F108-1CB1-45E2-A786-6EE5415E3E09}" destId="{8506CC71-9ABD-430B-810D-3750F9EAB630}" srcOrd="1" destOrd="0" presId="urn:microsoft.com/office/officeart/2009/layout/CirclePictureHierarchy"/>
+    <dgm:cxn modelId="{AC3BB171-55E6-4CBB-AC7A-8AC473D16AEE}" type="presParOf" srcId="{5E9EFB82-1040-471E-83E6-9FDBC12F0CF0}" destId="{41AF8020-AF10-4C97-B099-BD453A6D1ECC}" srcOrd="1" destOrd="0" presId="urn:microsoft.com/office/officeart/2009/layout/CirclePictureHierarchy"/>
+    <dgm:cxn modelId="{5A27DDE2-D594-4C79-9F34-A116ED7F41B5}" type="presParOf" srcId="{41AF8020-AF10-4C97-B099-BD453A6D1ECC}" destId="{8CA90676-D68B-4342-8190-DEF7F1874D34}" srcOrd="0" destOrd="0" presId="urn:microsoft.com/office/officeart/2009/layout/CirclePictureHierarchy"/>
+    <dgm:cxn modelId="{270454FC-6D17-4DBC-A440-0445AD67B846}" type="presParOf" srcId="{41AF8020-AF10-4C97-B099-BD453A6D1ECC}" destId="{E2171316-EB43-4AB6-91C3-5E77E3A8F9F5}" srcOrd="1" destOrd="0" presId="urn:microsoft.com/office/officeart/2009/layout/CirclePictureHierarchy"/>
+    <dgm:cxn modelId="{A04ABA73-6D4C-4F2A-9DD9-9D85F8E669E7}" type="presParOf" srcId="{E2171316-EB43-4AB6-91C3-5E77E3A8F9F5}" destId="{6A6F87DC-4F7A-4880-BEFE-14FD9B8B2502}" srcOrd="0" destOrd="0" presId="urn:microsoft.com/office/officeart/2009/layout/CirclePictureHierarchy"/>
+    <dgm:cxn modelId="{5D551412-D12C-46BB-939E-9BFA69E0FC82}" type="presParOf" srcId="{6A6F87DC-4F7A-4880-BEFE-14FD9B8B2502}" destId="{40B052DC-028B-4773-994C-304747F57113}" srcOrd="0" destOrd="0" presId="urn:microsoft.com/office/officeart/2009/layout/CirclePictureHierarchy"/>
+    <dgm:cxn modelId="{1BFB8665-C6C3-4811-B8D1-D4909EB6C0DD}" type="presParOf" srcId="{6A6F87DC-4F7A-4880-BEFE-14FD9B8B2502}" destId="{84927DFC-D05E-4221-9ECF-E33760046DF3}" srcOrd="1" destOrd="0" presId="urn:microsoft.com/office/officeart/2009/layout/CirclePictureHierarchy"/>
+    <dgm:cxn modelId="{67E31D85-2B7D-4B0C-AA4F-D9D33FFC7FAD}" type="presParOf" srcId="{E2171316-EB43-4AB6-91C3-5E77E3A8F9F5}" destId="{F381F643-9750-4827-9496-2ACB3C0B2EF8}" srcOrd="1" destOrd="0" presId="urn:microsoft.com/office/officeart/2009/layout/CirclePictureHierarchy"/>
+    <dgm:cxn modelId="{DC804B3C-A0F2-4B84-AC7E-615DC39F4C74}" type="presParOf" srcId="{F381F643-9750-4827-9496-2ACB3C0B2EF8}" destId="{99572A04-A68C-4477-AB9A-39BE5DD7032F}" srcOrd="0" destOrd="0" presId="urn:microsoft.com/office/officeart/2009/layout/CirclePictureHierarchy"/>
+    <dgm:cxn modelId="{AB93E264-4FCD-4FFC-AD28-E324BC5F4405}" type="presParOf" srcId="{F381F643-9750-4827-9496-2ACB3C0B2EF8}" destId="{0649E865-B4C0-4933-B904-8F9F9F930527}" srcOrd="1" destOrd="0" presId="urn:microsoft.com/office/officeart/2009/layout/CirclePictureHierarchy"/>
+    <dgm:cxn modelId="{FFC615AC-2E3B-4E0A-B95C-AAC212AEAAAF}" type="presParOf" srcId="{0649E865-B4C0-4933-B904-8F9F9F930527}" destId="{DCFA4867-D003-4A10-BDAB-CE776ACB1695}" srcOrd="0" destOrd="0" presId="urn:microsoft.com/office/officeart/2009/layout/CirclePictureHierarchy"/>
+    <dgm:cxn modelId="{2263AE4C-7C13-4B71-BF0E-1D20BAFDCEF8}" type="presParOf" srcId="{DCFA4867-D003-4A10-BDAB-CE776ACB1695}" destId="{E5B02E66-296C-47B7-A60C-47B650C300DC}" srcOrd="0" destOrd="0" presId="urn:microsoft.com/office/officeart/2009/layout/CirclePictureHierarchy"/>
+    <dgm:cxn modelId="{0E389407-05C3-4650-B26F-4A3650B749C3}" type="presParOf" srcId="{DCFA4867-D003-4A10-BDAB-CE776ACB1695}" destId="{956BC080-07FE-41F3-926B-9E5CC8DF3F71}" srcOrd="1" destOrd="0" presId="urn:microsoft.com/office/officeart/2009/layout/CirclePictureHierarchy"/>
+    <dgm:cxn modelId="{C9BA1185-28D9-4203-9B1A-8CAEEDDE6582}" type="presParOf" srcId="{0649E865-B4C0-4933-B904-8F9F9F930527}" destId="{8A6443F5-BD31-4867-B600-E16FB2784150}" srcOrd="1" destOrd="0" presId="urn:microsoft.com/office/officeart/2009/layout/CirclePictureHierarchy"/>
+    <dgm:cxn modelId="{D5A0D6BB-8E2B-4C67-B4B9-E69D2DD1F8FF}" type="presParOf" srcId="{8A6443F5-BD31-4867-B600-E16FB2784150}" destId="{C8F13515-CED2-4DD5-837F-81398537D7FC}" srcOrd="0" destOrd="0" presId="urn:microsoft.com/office/officeart/2009/layout/CirclePictureHierarchy"/>
+    <dgm:cxn modelId="{51B3A708-70D1-45B5-A798-E346DCDB54B1}" type="presParOf" srcId="{8A6443F5-BD31-4867-B600-E16FB2784150}" destId="{9FB9C577-D777-44A9-96A8-9851DF5A944D}" srcOrd="1" destOrd="0" presId="urn:microsoft.com/office/officeart/2009/layout/CirclePictureHierarchy"/>
+    <dgm:cxn modelId="{9DE1AA58-9755-4B3F-97FA-5372AB7AD782}" type="presParOf" srcId="{9FB9C577-D777-44A9-96A8-9851DF5A944D}" destId="{7F42FEBA-4F2C-4A9D-B628-BCBBCB197161}" srcOrd="0" destOrd="0" presId="urn:microsoft.com/office/officeart/2009/layout/CirclePictureHierarchy"/>
+    <dgm:cxn modelId="{887334FE-4E17-41EB-BEA1-386B60725388}" type="presParOf" srcId="{7F42FEBA-4F2C-4A9D-B628-BCBBCB197161}" destId="{09E42C94-8C0E-41B3-B2F6-10531C76026E}" srcOrd="0" destOrd="0" presId="urn:microsoft.com/office/officeart/2009/layout/CirclePictureHierarchy"/>
+    <dgm:cxn modelId="{9A126D31-11FD-463C-B8BA-FFFCFDFF9565}" type="presParOf" srcId="{7F42FEBA-4F2C-4A9D-B628-BCBBCB197161}" destId="{7F2C45EE-9850-4714-B6C1-43EBF7B16000}" srcOrd="1" destOrd="0" presId="urn:microsoft.com/office/officeart/2009/layout/CirclePictureHierarchy"/>
+    <dgm:cxn modelId="{8E0C42E5-0041-4FAC-9873-D4D0F3D5CC57}" type="presParOf" srcId="{9FB9C577-D777-44A9-96A8-9851DF5A944D}" destId="{5C370009-153C-4CEF-9370-6D1AAB33CC48}" srcOrd="1" destOrd="0" presId="urn:microsoft.com/office/officeart/2009/layout/CirclePictureHierarchy"/>
+    <dgm:cxn modelId="{294AA2C6-5473-4413-8D56-0FD892C1642E}" type="presParOf" srcId="{F381F643-9750-4827-9496-2ACB3C0B2EF8}" destId="{4F6C3248-7148-4A60-8E96-04EACE9BE555}" srcOrd="2" destOrd="0" presId="urn:microsoft.com/office/officeart/2009/layout/CirclePictureHierarchy"/>
+    <dgm:cxn modelId="{55BEF713-AD72-4B96-A4FC-A14E28AF4BB7}" type="presParOf" srcId="{F381F643-9750-4827-9496-2ACB3C0B2EF8}" destId="{48842124-E350-4A06-8746-83A5C624858C}" srcOrd="3" destOrd="0" presId="urn:microsoft.com/office/officeart/2009/layout/CirclePictureHierarchy"/>
+    <dgm:cxn modelId="{5214DF81-D534-4FAB-9CE0-274EC8FBD9D6}" type="presParOf" srcId="{48842124-E350-4A06-8746-83A5C624858C}" destId="{E6A49742-A798-4437-AA47-81A9BD85E341}" srcOrd="0" destOrd="0" presId="urn:microsoft.com/office/officeart/2009/layout/CirclePictureHierarchy"/>
+    <dgm:cxn modelId="{861F560B-12B8-45A5-BA93-8A550B36C665}" type="presParOf" srcId="{E6A49742-A798-4437-AA47-81A9BD85E341}" destId="{B26CB642-4E95-4F4E-A9C7-04750B0C4542}" srcOrd="0" destOrd="0" presId="urn:microsoft.com/office/officeart/2009/layout/CirclePictureHierarchy"/>
+    <dgm:cxn modelId="{A2CA5D7E-010F-46C1-A299-3A2A462D4C43}" type="presParOf" srcId="{E6A49742-A798-4437-AA47-81A9BD85E341}" destId="{5B969B1A-7C6C-4B95-B38D-8A4A50CD3F7C}" srcOrd="1" destOrd="0" presId="urn:microsoft.com/office/officeart/2009/layout/CirclePictureHierarchy"/>
+    <dgm:cxn modelId="{7DAB848F-D275-4939-B473-E66174BF97E2}" type="presParOf" srcId="{48842124-E350-4A06-8746-83A5C624858C}" destId="{2AEAA225-5F62-4574-916E-EAC697280C50}" srcOrd="1" destOrd="0" presId="urn:microsoft.com/office/officeart/2009/layout/CirclePictureHierarchy"/>
+    <dgm:cxn modelId="{D1F81BF6-8839-4CCA-BD72-791EA8FC46C9}" type="presParOf" srcId="{2AEAA225-5F62-4574-916E-EAC697280C50}" destId="{C1C0AC17-B8F0-4830-AD2D-E4D79BC8B9CB}" srcOrd="0" destOrd="0" presId="urn:microsoft.com/office/officeart/2009/layout/CirclePictureHierarchy"/>
+    <dgm:cxn modelId="{1A692D2E-827F-4E83-A328-7791240F1E8D}" type="presParOf" srcId="{2AEAA225-5F62-4574-916E-EAC697280C50}" destId="{397ACB2A-A4AA-4BB4-BE3F-748A0CC23400}" srcOrd="1" destOrd="0" presId="urn:microsoft.com/office/officeart/2009/layout/CirclePictureHierarchy"/>
+    <dgm:cxn modelId="{3C33830F-C97D-4965-9F9A-6E2D734D753E}" type="presParOf" srcId="{397ACB2A-A4AA-4BB4-BE3F-748A0CC23400}" destId="{8AE33524-E5F7-4F30-9406-DE0B906010EB}" srcOrd="0" destOrd="0" presId="urn:microsoft.com/office/officeart/2009/layout/CirclePictureHierarchy"/>
+    <dgm:cxn modelId="{3F96FF90-E760-4CDF-9430-D6660D4E0DAE}" type="presParOf" srcId="{8AE33524-E5F7-4F30-9406-DE0B906010EB}" destId="{0C845480-68D2-45ED-9E22-C3E0BBAA985B}" srcOrd="0" destOrd="0" presId="urn:microsoft.com/office/officeart/2009/layout/CirclePictureHierarchy"/>
+    <dgm:cxn modelId="{73051A86-F9A0-4AE4-9C93-8FBD58E66E3F}" type="presParOf" srcId="{8AE33524-E5F7-4F30-9406-DE0B906010EB}" destId="{229EED3D-E476-4CFC-B817-728AB058D74A}" srcOrd="1" destOrd="0" presId="urn:microsoft.com/office/officeart/2009/layout/CirclePictureHierarchy"/>
+    <dgm:cxn modelId="{A10A6E87-A6BD-47CC-85FD-296B9F7062CD}" type="presParOf" srcId="{397ACB2A-A4AA-4BB4-BE3F-748A0CC23400}" destId="{498CB050-CA65-4F5F-BF8C-F64589EC8FFF}" srcOrd="1" destOrd="0" presId="urn:microsoft.com/office/officeart/2009/layout/CirclePictureHierarchy"/>
+    <dgm:cxn modelId="{BF60EFA1-30EC-4FC3-8994-594D6ECE1E2A}" type="presParOf" srcId="{41AF8020-AF10-4C97-B099-BD453A6D1ECC}" destId="{81BD3236-BC0F-4A86-B8BE-F8256503C0F0}" srcOrd="2" destOrd="0" presId="urn:microsoft.com/office/officeart/2009/layout/CirclePictureHierarchy"/>
+    <dgm:cxn modelId="{65F012FD-5DC4-46E5-A682-4B8A57266770}" type="presParOf" srcId="{41AF8020-AF10-4C97-B099-BD453A6D1ECC}" destId="{73CC2DC4-A153-4EC3-8707-2BB49AA8E89A}" srcOrd="3" destOrd="0" presId="urn:microsoft.com/office/officeart/2009/layout/CirclePictureHierarchy"/>
+    <dgm:cxn modelId="{CE7409A5-F518-4942-B9C4-2A24DB77D8FB}" type="presParOf" srcId="{73CC2DC4-A153-4EC3-8707-2BB49AA8E89A}" destId="{2CCD301F-49AB-40A6-B03F-9186CB54DCCD}" srcOrd="0" destOrd="0" presId="urn:microsoft.com/office/officeart/2009/layout/CirclePictureHierarchy"/>
+    <dgm:cxn modelId="{1BD1A68E-B337-40E7-BD69-28B237611B55}" type="presParOf" srcId="{2CCD301F-49AB-40A6-B03F-9186CB54DCCD}" destId="{6A8502DC-6044-46E3-A86A-9BDE7DBB8334}" srcOrd="0" destOrd="0" presId="urn:microsoft.com/office/officeart/2009/layout/CirclePictureHierarchy"/>
+    <dgm:cxn modelId="{29E28AE1-DAD4-44F9-BB0B-4CABAE803746}" type="presParOf" srcId="{2CCD301F-49AB-40A6-B03F-9186CB54DCCD}" destId="{3E30A41C-9450-45C7-BA3A-78ADC24B09DC}" srcOrd="1" destOrd="0" presId="urn:microsoft.com/office/officeart/2009/layout/CirclePictureHierarchy"/>
+    <dgm:cxn modelId="{0A230415-A0B3-4C38-A45B-7B4802FB57BB}" type="presParOf" srcId="{73CC2DC4-A153-4EC3-8707-2BB49AA8E89A}" destId="{BE0BCE9A-08AC-480F-B937-5DCC66717F7B}" srcOrd="1" destOrd="0" presId="urn:microsoft.com/office/officeart/2009/layout/CirclePictureHierarchy"/>
+    <dgm:cxn modelId="{8089E4E6-F72F-49DE-963F-B667A9DEC21C}" type="presParOf" srcId="{BE0BCE9A-08AC-480F-B937-5DCC66717F7B}" destId="{BEBCCCB4-9FCD-465F-81A4-AEC83E7EDA7C}" srcOrd="0" destOrd="0" presId="urn:microsoft.com/office/officeart/2009/layout/CirclePictureHierarchy"/>
+    <dgm:cxn modelId="{BECF67DB-54A5-4991-AA47-584D62B1548E}" type="presParOf" srcId="{BE0BCE9A-08AC-480F-B937-5DCC66717F7B}" destId="{5D222968-6287-4D77-B6DE-7B4F2DB93410}" srcOrd="1" destOrd="0" presId="urn:microsoft.com/office/officeart/2009/layout/CirclePictureHierarchy"/>
+    <dgm:cxn modelId="{F0DACFA8-8352-4DE3-8A37-D5A87343AF64}" type="presParOf" srcId="{5D222968-6287-4D77-B6DE-7B4F2DB93410}" destId="{82171A99-53F5-40CE-B874-1B14988543F9}" srcOrd="0" destOrd="0" presId="urn:microsoft.com/office/officeart/2009/layout/CirclePictureHierarchy"/>
+    <dgm:cxn modelId="{0D97541B-A3F3-4359-BB51-1A6448EA2383}" type="presParOf" srcId="{82171A99-53F5-40CE-B874-1B14988543F9}" destId="{0D40DC6E-9760-4658-8B88-3F444366657E}" srcOrd="0" destOrd="0" presId="urn:microsoft.com/office/officeart/2009/layout/CirclePictureHierarchy"/>
+    <dgm:cxn modelId="{052A5C92-E5B1-4B2E-930A-EA3D2634C78E}" type="presParOf" srcId="{82171A99-53F5-40CE-B874-1B14988543F9}" destId="{4435E2B9-EFB1-415C-8689-BDF7C2416C55}" srcOrd="1" destOrd="0" presId="urn:microsoft.com/office/officeart/2009/layout/CirclePictureHierarchy"/>
+    <dgm:cxn modelId="{20F37AD2-D44F-4EFF-B065-2462D29C5F44}" type="presParOf" srcId="{5D222968-6287-4D77-B6DE-7B4F2DB93410}" destId="{660BD25C-0277-41BB-838C-E7326CE6DB9F}" srcOrd="1" destOrd="0" presId="urn:microsoft.com/office/officeart/2009/layout/CirclePictureHierarchy"/>
+    <dgm:cxn modelId="{02203DEC-4082-463A-AB04-BAD9F53F6610}" type="presParOf" srcId="{660BD25C-0277-41BB-838C-E7326CE6DB9F}" destId="{4E943D05-71E6-4904-B2E4-EE17CE0ECDDC}" srcOrd="0" destOrd="0" presId="urn:microsoft.com/office/officeart/2009/layout/CirclePictureHierarchy"/>
+    <dgm:cxn modelId="{11107745-3EEC-4C94-9B00-8A68794BEAD9}" type="presParOf" srcId="{660BD25C-0277-41BB-838C-E7326CE6DB9F}" destId="{F44B8962-E4D2-490D-A079-B9E6F44CCE42}" srcOrd="1" destOrd="0" presId="urn:microsoft.com/office/officeart/2009/layout/CirclePictureHierarchy"/>
+    <dgm:cxn modelId="{89B2B04F-92BF-4F06-A5D5-5E8196BC8C95}" type="presParOf" srcId="{F44B8962-E4D2-490D-A079-B9E6F44CCE42}" destId="{38497E75-D1B2-4752-9973-B9F77C9A2DDD}" srcOrd="0" destOrd="0" presId="urn:microsoft.com/office/officeart/2009/layout/CirclePictureHierarchy"/>
+    <dgm:cxn modelId="{0BE94CFB-75EE-47BA-98D4-F2ACC6C38843}" type="presParOf" srcId="{38497E75-D1B2-4752-9973-B9F77C9A2DDD}" destId="{A37BEE24-6E14-414D-A5BD-6689E3E59759}" srcOrd="0" destOrd="0" presId="urn:microsoft.com/office/officeart/2009/layout/CirclePictureHierarchy"/>
+    <dgm:cxn modelId="{BFC8C8DD-394A-4517-BC65-BA1CFB55CBFA}" type="presParOf" srcId="{38497E75-D1B2-4752-9973-B9F77C9A2DDD}" destId="{D7AE1163-F55C-4A98-878F-94EF554679B4}" srcOrd="1" destOrd="0" presId="urn:microsoft.com/office/officeart/2009/layout/CirclePictureHierarchy"/>
+    <dgm:cxn modelId="{4CD9B2FA-A30E-483F-88AD-2D52FB9CDD93}" type="presParOf" srcId="{F44B8962-E4D2-490D-A079-B9E6F44CCE42}" destId="{DA78EEC4-4DD1-46D6-85A2-B8950AB46996}" srcOrd="1" destOrd="0" presId="urn:microsoft.com/office/officeart/2009/layout/CirclePictureHierarchy"/>
+  </dgm:cxnLst>
+  <dgm:bg/>
+  <dgm:whole/>
+  <dgm:extLst>
+    <a:ext uri="http://schemas.microsoft.com/office/drawing/2008/diagram">
+      <dsp:dataModelExt xmlns:dsp="http://schemas.microsoft.com/office/drawing/2008/diagram" relId="rId6" minVer="http://schemas.openxmlformats.org/drawingml/2006/diagram"/>
+    </a:ext>
+  </dgm:extLst>
+</dgm:dataModel>
+</file>
+
+<file path=ppt/diagrams/drawing1.xml><?xml version="1.0" encoding="utf-8"?>
+<dsp:drawing xmlns:dgm="http://schemas.openxmlformats.org/drawingml/2006/diagram" xmlns:dsp="http://schemas.microsoft.com/office/drawing/2008/diagram" xmlns:a="http://schemas.openxmlformats.org/drawingml/2006/main">
+  <dsp:spTree>
+    <dsp:nvGrpSpPr>
+      <dsp:cNvPr id="0" name=""/>
+      <dsp:cNvGrpSpPr/>
+    </dsp:nvGrpSpPr>
+    <dsp:grpSpPr/>
+    <dsp:sp modelId="{4E943D05-71E6-4904-B2E4-EE17CE0ECDDC}">
+      <dsp:nvSpPr>
+        <dsp:cNvPr id="0" name=""/>
+        <dsp:cNvSpPr/>
+      </dsp:nvSpPr>
+      <dsp:spPr>
+        <a:xfrm>
+          <a:off x="4653057" y="2671476"/>
+          <a:ext cx="91440" cy="228570"/>
+        </a:xfrm>
+        <a:custGeom>
+          <a:avLst/>
+          <a:gdLst/>
+          <a:ahLst/>
+          <a:cxnLst/>
+          <a:rect l="0" t="0" r="0" b="0"/>
+          <a:pathLst>
+            <a:path>
+              <a:moveTo>
+                <a:pt x="45720" y="0"/>
+              </a:moveTo>
+              <a:lnTo>
+                <a:pt x="45720" y="228570"/>
+              </a:lnTo>
+            </a:path>
+          </a:pathLst>
+        </a:custGeom>
+        <a:noFill/>
+        <a:ln w="25400" cap="flat" cmpd="sng" algn="ctr">
+          <a:solidFill>
+            <a:schemeClr val="accent1">
+              <a:shade val="80000"/>
+              <a:hueOff val="0"/>
+              <a:satOff val="0"/>
+              <a:lumOff val="0"/>
+              <a:alphaOff val="0"/>
+            </a:schemeClr>
+          </a:solidFill>
+          <a:prstDash val="solid"/>
+        </a:ln>
+        <a:effectLst/>
+      </dsp:spPr>
+      <dsp:style>
+        <a:lnRef idx="2">
+          <a:scrgbClr r="0" g="0" b="0"/>
+        </a:lnRef>
+        <a:fillRef idx="0">
+          <a:scrgbClr r="0" g="0" b="0"/>
+        </a:fillRef>
+        <a:effectRef idx="0">
+          <a:scrgbClr r="0" g="0" b="0"/>
+        </a:effectRef>
+        <a:fontRef idx="minor"/>
+      </dsp:style>
+    </dsp:sp>
+    <dsp:sp modelId="{BEBCCCB4-9FCD-465F-81A4-AEC83E7EDA7C}">
+      <dsp:nvSpPr>
+        <dsp:cNvPr id="0" name=""/>
+        <dsp:cNvSpPr/>
+      </dsp:nvSpPr>
+      <dsp:spPr>
+        <a:xfrm>
+          <a:off x="4653057" y="1717285"/>
+          <a:ext cx="91440" cy="228570"/>
+        </a:xfrm>
+        <a:custGeom>
+          <a:avLst/>
+          <a:gdLst/>
+          <a:ahLst/>
+          <a:cxnLst/>
+          <a:rect l="0" t="0" r="0" b="0"/>
+          <a:pathLst>
+            <a:path>
+              <a:moveTo>
+                <a:pt x="45720" y="0"/>
+              </a:moveTo>
+              <a:lnTo>
+                <a:pt x="45720" y="228570"/>
+              </a:lnTo>
+            </a:path>
+          </a:pathLst>
+        </a:custGeom>
+        <a:noFill/>
+        <a:ln w="25400" cap="flat" cmpd="sng" algn="ctr">
+          <a:solidFill>
+            <a:schemeClr val="accent1">
+              <a:shade val="80000"/>
+              <a:hueOff val="0"/>
+              <a:satOff val="0"/>
+              <a:lumOff val="0"/>
+              <a:alphaOff val="0"/>
+            </a:schemeClr>
+          </a:solidFill>
+          <a:prstDash val="solid"/>
+        </a:ln>
+        <a:effectLst/>
+      </dsp:spPr>
+      <dsp:style>
+        <a:lnRef idx="2">
+          <a:scrgbClr r="0" g="0" b="0"/>
+        </a:lnRef>
+        <a:fillRef idx="0">
+          <a:scrgbClr r="0" g="0" b="0"/>
+        </a:fillRef>
+        <a:effectRef idx="0">
+          <a:scrgbClr r="0" g="0" b="0"/>
+        </a:effectRef>
+        <a:fontRef idx="minor"/>
+      </dsp:style>
+    </dsp:sp>
+    <dsp:sp modelId="{81BD3236-BC0F-4A86-B8BE-F8256503C0F0}">
+      <dsp:nvSpPr>
+        <dsp:cNvPr id="0" name=""/>
+        <dsp:cNvSpPr/>
+      </dsp:nvSpPr>
+      <dsp:spPr>
+        <a:xfrm>
+          <a:off x="3202183" y="763093"/>
+          <a:ext cx="1496593" cy="228570"/>
+        </a:xfrm>
+        <a:custGeom>
+          <a:avLst/>
+          <a:gdLst/>
+          <a:ahLst/>
+          <a:cxnLst/>
+          <a:rect l="0" t="0" r="0" b="0"/>
+          <a:pathLst>
+            <a:path>
+              <a:moveTo>
+                <a:pt x="0" y="0"/>
+              </a:moveTo>
+              <a:lnTo>
+                <a:pt x="0" y="115192"/>
+              </a:lnTo>
+              <a:lnTo>
+                <a:pt x="1496593" y="115192"/>
+              </a:lnTo>
+              <a:lnTo>
+                <a:pt x="1496593" y="228570"/>
+              </a:lnTo>
+            </a:path>
+          </a:pathLst>
+        </a:custGeom>
+        <a:noFill/>
+        <a:ln w="25400" cap="flat" cmpd="sng" algn="ctr">
+          <a:solidFill>
+            <a:schemeClr val="accent1">
+              <a:shade val="60000"/>
+              <a:hueOff val="0"/>
+              <a:satOff val="0"/>
+              <a:lumOff val="0"/>
+              <a:alphaOff val="0"/>
+            </a:schemeClr>
+          </a:solidFill>
+          <a:prstDash val="solid"/>
+        </a:ln>
+        <a:effectLst/>
+      </dsp:spPr>
+      <dsp:style>
+        <a:lnRef idx="2">
+          <a:scrgbClr r="0" g="0" b="0"/>
+        </a:lnRef>
+        <a:fillRef idx="0">
+          <a:scrgbClr r="0" g="0" b="0"/>
+        </a:fillRef>
+        <a:effectRef idx="0">
+          <a:scrgbClr r="0" g="0" b="0"/>
+        </a:effectRef>
+        <a:fontRef idx="minor"/>
+      </dsp:style>
+    </dsp:sp>
+    <dsp:sp modelId="{C1C0AC17-B8F0-4830-AD2D-E4D79BC8B9CB}">
+      <dsp:nvSpPr>
+        <dsp:cNvPr id="0" name=""/>
+        <dsp:cNvSpPr/>
+      </dsp:nvSpPr>
+      <dsp:spPr>
+        <a:xfrm>
+          <a:off x="2657599" y="2671476"/>
+          <a:ext cx="91440" cy="228570"/>
+        </a:xfrm>
+        <a:custGeom>
+          <a:avLst/>
+          <a:gdLst/>
+          <a:ahLst/>
+          <a:cxnLst/>
+          <a:rect l="0" t="0" r="0" b="0"/>
+          <a:pathLst>
+            <a:path>
+              <a:moveTo>
+                <a:pt x="45720" y="0"/>
+              </a:moveTo>
+              <a:lnTo>
+                <a:pt x="45720" y="228570"/>
+              </a:lnTo>
+            </a:path>
+          </a:pathLst>
+        </a:custGeom>
+        <a:noFill/>
+        <a:ln w="25400" cap="flat" cmpd="sng" algn="ctr">
+          <a:solidFill>
+            <a:schemeClr val="accent1">
+              <a:shade val="80000"/>
+              <a:hueOff val="0"/>
+              <a:satOff val="0"/>
+              <a:lumOff val="0"/>
+              <a:alphaOff val="0"/>
+            </a:schemeClr>
+          </a:solidFill>
+          <a:prstDash val="solid"/>
+        </a:ln>
+        <a:effectLst/>
+      </dsp:spPr>
+      <dsp:style>
+        <a:lnRef idx="2">
+          <a:scrgbClr r="0" g="0" b="0"/>
+        </a:lnRef>
+        <a:fillRef idx="0">
+          <a:scrgbClr r="0" g="0" b="0"/>
+        </a:fillRef>
+        <a:effectRef idx="0">
+          <a:scrgbClr r="0" g="0" b="0"/>
+        </a:effectRef>
+        <a:fontRef idx="minor"/>
+      </dsp:style>
+    </dsp:sp>
+    <dsp:sp modelId="{4F6C3248-7148-4A60-8E96-04EACE9BE555}">
+      <dsp:nvSpPr>
+        <dsp:cNvPr id="0" name=""/>
+        <dsp:cNvSpPr/>
+      </dsp:nvSpPr>
+      <dsp:spPr>
+        <a:xfrm>
+          <a:off x="1705590" y="1717285"/>
+          <a:ext cx="997729" cy="228570"/>
+        </a:xfrm>
+        <a:custGeom>
+          <a:avLst/>
+          <a:gdLst/>
+          <a:ahLst/>
+          <a:cxnLst/>
+          <a:rect l="0" t="0" r="0" b="0"/>
+          <a:pathLst>
+            <a:path>
+              <a:moveTo>
+                <a:pt x="0" y="0"/>
+              </a:moveTo>
+              <a:lnTo>
+                <a:pt x="0" y="115192"/>
+              </a:lnTo>
+              <a:lnTo>
+                <a:pt x="997729" y="115192"/>
+              </a:lnTo>
+              <a:lnTo>
+                <a:pt x="997729" y="228570"/>
+              </a:lnTo>
+            </a:path>
+          </a:pathLst>
+        </a:custGeom>
+        <a:noFill/>
+        <a:ln w="25400" cap="flat" cmpd="sng" algn="ctr">
+          <a:solidFill>
+            <a:schemeClr val="accent1">
+              <a:shade val="80000"/>
+              <a:hueOff val="0"/>
+              <a:satOff val="0"/>
+              <a:lumOff val="0"/>
+              <a:alphaOff val="0"/>
+            </a:schemeClr>
+          </a:solidFill>
+          <a:prstDash val="solid"/>
+        </a:ln>
+        <a:effectLst/>
+      </dsp:spPr>
+      <dsp:style>
+        <a:lnRef idx="2">
+          <a:scrgbClr r="0" g="0" b="0"/>
+        </a:lnRef>
+        <a:fillRef idx="0">
+          <a:scrgbClr r="0" g="0" b="0"/>
+        </a:fillRef>
+        <a:effectRef idx="0">
+          <a:scrgbClr r="0" g="0" b="0"/>
+        </a:effectRef>
+        <a:fontRef idx="minor"/>
+      </dsp:style>
+    </dsp:sp>
+    <dsp:sp modelId="{C8F13515-CED2-4DD5-837F-81398537D7FC}">
+      <dsp:nvSpPr>
+        <dsp:cNvPr id="0" name=""/>
+        <dsp:cNvSpPr/>
+      </dsp:nvSpPr>
+      <dsp:spPr>
+        <a:xfrm>
+          <a:off x="662141" y="2671476"/>
+          <a:ext cx="91440" cy="228570"/>
+        </a:xfrm>
+        <a:custGeom>
+          <a:avLst/>
+          <a:gdLst/>
+          <a:ahLst/>
+          <a:cxnLst/>
+          <a:rect l="0" t="0" r="0" b="0"/>
+          <a:pathLst>
+            <a:path>
+              <a:moveTo>
+                <a:pt x="45720" y="0"/>
+              </a:moveTo>
+              <a:lnTo>
+                <a:pt x="45720" y="228570"/>
+              </a:lnTo>
+            </a:path>
+          </a:pathLst>
+        </a:custGeom>
+        <a:noFill/>
+        <a:ln w="25400" cap="flat" cmpd="sng" algn="ctr">
+          <a:solidFill>
+            <a:schemeClr val="accent1">
+              <a:shade val="80000"/>
+              <a:hueOff val="0"/>
+              <a:satOff val="0"/>
+              <a:lumOff val="0"/>
+              <a:alphaOff val="0"/>
+            </a:schemeClr>
+          </a:solidFill>
+          <a:prstDash val="solid"/>
+        </a:ln>
+        <a:effectLst/>
+      </dsp:spPr>
+      <dsp:style>
+        <a:lnRef idx="2">
+          <a:scrgbClr r="0" g="0" b="0"/>
+        </a:lnRef>
+        <a:fillRef idx="0">
+          <a:scrgbClr r="0" g="0" b="0"/>
+        </a:fillRef>
+        <a:effectRef idx="0">
+          <a:scrgbClr r="0" g="0" b="0"/>
+        </a:effectRef>
+        <a:fontRef idx="minor"/>
+      </dsp:style>
+    </dsp:sp>
+    <dsp:sp modelId="{99572A04-A68C-4477-AB9A-39BE5DD7032F}">
+      <dsp:nvSpPr>
+        <dsp:cNvPr id="0" name=""/>
+        <dsp:cNvSpPr/>
+      </dsp:nvSpPr>
+      <dsp:spPr>
+        <a:xfrm>
+          <a:off x="707861" y="1717285"/>
+          <a:ext cx="997729" cy="228570"/>
+        </a:xfrm>
+        <a:custGeom>
+          <a:avLst/>
+          <a:gdLst/>
+          <a:ahLst/>
+          <a:cxnLst/>
+          <a:rect l="0" t="0" r="0" b="0"/>
+          <a:pathLst>
+            <a:path>
+              <a:moveTo>
+                <a:pt x="997729" y="0"/>
+              </a:moveTo>
+              <a:lnTo>
+                <a:pt x="997729" y="115192"/>
+              </a:lnTo>
+              <a:lnTo>
+                <a:pt x="0" y="115192"/>
+              </a:lnTo>
+              <a:lnTo>
+                <a:pt x="0" y="228570"/>
+              </a:lnTo>
+            </a:path>
+          </a:pathLst>
+        </a:custGeom>
+        <a:noFill/>
+        <a:ln w="25400" cap="flat" cmpd="sng" algn="ctr">
+          <a:solidFill>
+            <a:schemeClr val="accent1">
+              <a:shade val="80000"/>
+              <a:hueOff val="0"/>
+              <a:satOff val="0"/>
+              <a:lumOff val="0"/>
+              <a:alphaOff val="0"/>
+            </a:schemeClr>
+          </a:solidFill>
+          <a:prstDash val="solid"/>
+        </a:ln>
+        <a:effectLst/>
+      </dsp:spPr>
+      <dsp:style>
+        <a:lnRef idx="2">
+          <a:scrgbClr r="0" g="0" b="0"/>
+        </a:lnRef>
+        <a:fillRef idx="0">
+          <a:scrgbClr r="0" g="0" b="0"/>
+        </a:fillRef>
+        <a:effectRef idx="0">
+          <a:scrgbClr r="0" g="0" b="0"/>
+        </a:effectRef>
+        <a:fontRef idx="minor"/>
+      </dsp:style>
+    </dsp:sp>
+    <dsp:sp modelId="{8CA90676-D68B-4342-8190-DEF7F1874D34}">
+      <dsp:nvSpPr>
+        <dsp:cNvPr id="0" name=""/>
+        <dsp:cNvSpPr/>
+      </dsp:nvSpPr>
+      <dsp:spPr>
+        <a:xfrm>
+          <a:off x="1705590" y="763093"/>
+          <a:ext cx="1496593" cy="228570"/>
+        </a:xfrm>
+        <a:custGeom>
+          <a:avLst/>
+          <a:gdLst/>
+          <a:ahLst/>
+          <a:cxnLst/>
+          <a:rect l="0" t="0" r="0" b="0"/>
+          <a:pathLst>
+            <a:path>
+              <a:moveTo>
+                <a:pt x="1496593" y="0"/>
+              </a:moveTo>
+              <a:lnTo>
+                <a:pt x="1496593" y="115192"/>
+              </a:lnTo>
+              <a:lnTo>
+                <a:pt x="0" y="115192"/>
+              </a:lnTo>
+              <a:lnTo>
+                <a:pt x="0" y="228570"/>
+              </a:lnTo>
+            </a:path>
+          </a:pathLst>
+        </a:custGeom>
+        <a:noFill/>
+        <a:ln w="25400" cap="flat" cmpd="sng" algn="ctr">
+          <a:solidFill>
+            <a:schemeClr val="accent1">
+              <a:shade val="60000"/>
+              <a:hueOff val="0"/>
+              <a:satOff val="0"/>
+              <a:lumOff val="0"/>
+              <a:alphaOff val="0"/>
+            </a:schemeClr>
+          </a:solidFill>
+          <a:prstDash val="solid"/>
+        </a:ln>
+        <a:effectLst/>
+      </dsp:spPr>
+      <dsp:style>
+        <a:lnRef idx="2">
+          <a:scrgbClr r="0" g="0" b="0"/>
+        </a:lnRef>
+        <a:fillRef idx="0">
+          <a:scrgbClr r="0" g="0" b="0"/>
+        </a:fillRef>
+        <a:effectRef idx="0">
+          <a:scrgbClr r="0" g="0" b="0"/>
+        </a:effectRef>
+        <a:fontRef idx="minor"/>
+      </dsp:style>
+    </dsp:sp>
+    <dsp:sp modelId="{8E7858A1-ECA0-4684-8794-630B24DDDBCF}">
+      <dsp:nvSpPr>
+        <dsp:cNvPr id="0" name=""/>
+        <dsp:cNvSpPr/>
+      </dsp:nvSpPr>
+      <dsp:spPr>
+        <a:xfrm>
+          <a:off x="2839373" y="37472"/>
+          <a:ext cx="725621" cy="725621"/>
+        </a:xfrm>
+        <a:prstGeom prst="ellipse">
+          <a:avLst/>
+        </a:prstGeom>
+        <a:solidFill>
+          <a:schemeClr val="accent1">
+            <a:hueOff val="0"/>
+            <a:satOff val="0"/>
+            <a:lumOff val="0"/>
+            <a:alphaOff val="0"/>
+          </a:schemeClr>
+        </a:solidFill>
+        <a:ln w="25400" cap="flat" cmpd="sng" algn="ctr">
+          <a:solidFill>
+            <a:schemeClr val="lt1">
+              <a:hueOff val="0"/>
+              <a:satOff val="0"/>
+              <a:lumOff val="0"/>
+              <a:alphaOff val="0"/>
+            </a:schemeClr>
+          </a:solidFill>
+          <a:prstDash val="solid"/>
+        </a:ln>
+        <a:effectLst/>
+      </dsp:spPr>
+      <dsp:style>
+        <a:lnRef idx="2">
+          <a:scrgbClr r="0" g="0" b="0"/>
+        </a:lnRef>
+        <a:fillRef idx="1">
+          <a:scrgbClr r="0" g="0" b="0"/>
+        </a:fillRef>
+        <a:effectRef idx="0">
+          <a:scrgbClr r="0" g="0" b="0"/>
+        </a:effectRef>
+        <a:fontRef idx="minor">
+          <a:schemeClr val="lt1"/>
+        </a:fontRef>
+      </dsp:style>
+    </dsp:sp>
+    <dsp:sp modelId="{8506CC71-9ABD-430B-810D-3750F9EAB630}">
+      <dsp:nvSpPr>
+        <dsp:cNvPr id="0" name=""/>
+        <dsp:cNvSpPr/>
+      </dsp:nvSpPr>
+      <dsp:spPr>
+        <a:xfrm>
+          <a:off x="3564994" y="35658"/>
+          <a:ext cx="1088431" cy="725621"/>
+        </a:xfrm>
+        <a:prstGeom prst="rect">
+          <a:avLst/>
+        </a:prstGeom>
+        <a:noFill/>
+        <a:ln>
+          <a:noFill/>
+        </a:ln>
+        <a:effectLst/>
+      </dsp:spPr>
+      <dsp:style>
+        <a:lnRef idx="0">
+          <a:scrgbClr r="0" g="0" b="0"/>
+        </a:lnRef>
+        <a:fillRef idx="0">
+          <a:scrgbClr r="0" g="0" b="0"/>
+        </a:fillRef>
+        <a:effectRef idx="0">
+          <a:scrgbClr r="0" g="0" b="0"/>
+        </a:effectRef>
+        <a:fontRef idx="minor"/>
+      </dsp:style>
+      <dsp:txBody>
+        <a:bodyPr spcFirstLastPara="0" vert="horz" wrap="square" lIns="57150" tIns="57150" rIns="57150" bIns="57150" numCol="1" spcCol="1270" anchor="ctr" anchorCtr="0">
+          <a:noAutofit/>
+        </a:bodyPr>
+        <a:lstStyle/>
+        <a:p>
+          <a:pPr lvl="0" algn="l" defTabSz="666750">
+            <a:lnSpc>
+              <a:spcPct val="90000"/>
+            </a:lnSpc>
+            <a:spcBef>
+              <a:spcPct val="0"/>
+            </a:spcBef>
+            <a:spcAft>
+              <a:spcPct val="35000"/>
+            </a:spcAft>
+          </a:pPr>
+          <a:r>
+            <a:rPr lang="en-US" sz="1500" kern="1200" dirty="0" smtClean="0"/>
+            <a:t>Add</a:t>
+          </a:r>
+          <a:endParaRPr lang="en-US" sz="1500" kern="1200" dirty="0"/>
+        </a:p>
+      </dsp:txBody>
+      <dsp:txXfrm>
+        <a:off x="3564994" y="35658"/>
+        <a:ext cx="1088431" cy="725621"/>
+      </dsp:txXfrm>
+    </dsp:sp>
+    <dsp:sp modelId="{40B052DC-028B-4773-994C-304747F57113}">
+      <dsp:nvSpPr>
+        <dsp:cNvPr id="0" name=""/>
+        <dsp:cNvSpPr/>
+      </dsp:nvSpPr>
+      <dsp:spPr>
+        <a:xfrm>
+          <a:off x="1342779" y="991664"/>
+          <a:ext cx="725621" cy="725621"/>
+        </a:xfrm>
+        <a:prstGeom prst="ellipse">
+          <a:avLst/>
+        </a:prstGeom>
+        <a:solidFill>
+          <a:schemeClr val="accent1">
+            <a:hueOff val="0"/>
+            <a:satOff val="0"/>
+            <a:lumOff val="0"/>
+            <a:alphaOff val="0"/>
+          </a:schemeClr>
+        </a:solidFill>
+        <a:ln w="25400" cap="flat" cmpd="sng" algn="ctr">
+          <a:solidFill>
+            <a:schemeClr val="lt1">
+              <a:hueOff val="0"/>
+              <a:satOff val="0"/>
+              <a:lumOff val="0"/>
+              <a:alphaOff val="0"/>
+            </a:schemeClr>
+          </a:solidFill>
+          <a:prstDash val="solid"/>
+        </a:ln>
+        <a:effectLst/>
+      </dsp:spPr>
+      <dsp:style>
+        <a:lnRef idx="2">
+          <a:scrgbClr r="0" g="0" b="0"/>
+        </a:lnRef>
+        <a:fillRef idx="1">
+          <a:scrgbClr r="0" g="0" b="0"/>
+        </a:fillRef>
+        <a:effectRef idx="0">
+          <a:scrgbClr r="0" g="0" b="0"/>
+        </a:effectRef>
+        <a:fontRef idx="minor">
+          <a:schemeClr val="lt1"/>
+        </a:fontRef>
+      </dsp:style>
+    </dsp:sp>
+    <dsp:sp modelId="{84927DFC-D05E-4221-9ECF-E33760046DF3}">
+      <dsp:nvSpPr>
+        <dsp:cNvPr id="0" name=""/>
+        <dsp:cNvSpPr/>
+      </dsp:nvSpPr>
+      <dsp:spPr>
+        <a:xfrm>
+          <a:off x="2068400" y="989850"/>
+          <a:ext cx="1088431" cy="725621"/>
+        </a:xfrm>
+        <a:prstGeom prst="rect">
+          <a:avLst/>
+        </a:prstGeom>
+        <a:noFill/>
+        <a:ln>
+          <a:noFill/>
+        </a:ln>
+        <a:effectLst/>
+      </dsp:spPr>
+      <dsp:style>
+        <a:lnRef idx="0">
+          <a:scrgbClr r="0" g="0" b="0"/>
+        </a:lnRef>
+        <a:fillRef idx="0">
+          <a:scrgbClr r="0" g="0" b="0"/>
+        </a:fillRef>
+        <a:effectRef idx="0">
+          <a:scrgbClr r="0" g="0" b="0"/>
+        </a:effectRef>
+        <a:fontRef idx="minor"/>
+      </dsp:style>
+      <dsp:txBody>
+        <a:bodyPr spcFirstLastPara="0" vert="horz" wrap="square" lIns="57150" tIns="57150" rIns="57150" bIns="57150" numCol="1" spcCol="1270" anchor="ctr" anchorCtr="0">
+          <a:noAutofit/>
+        </a:bodyPr>
+        <a:lstStyle/>
+        <a:p>
+          <a:pPr lvl="0" algn="l" defTabSz="666750">
+            <a:lnSpc>
+              <a:spcPct val="90000"/>
+            </a:lnSpc>
+            <a:spcBef>
+              <a:spcPct val="0"/>
+            </a:spcBef>
+            <a:spcAft>
+              <a:spcPct val="35000"/>
+            </a:spcAft>
+          </a:pPr>
+          <a:r>
+            <a:rPr lang="en-US" sz="1500" kern="1200" dirty="0" smtClean="0"/>
+            <a:t>Multiply</a:t>
+          </a:r>
+          <a:endParaRPr lang="en-US" sz="1500" kern="1200" dirty="0"/>
+        </a:p>
+      </dsp:txBody>
+      <dsp:txXfrm>
+        <a:off x="2068400" y="989850"/>
+        <a:ext cx="1088431" cy="725621"/>
+      </dsp:txXfrm>
+    </dsp:sp>
+    <dsp:sp modelId="{E5B02E66-296C-47B7-A60C-47B650C300DC}">
+      <dsp:nvSpPr>
+        <dsp:cNvPr id="0" name=""/>
+        <dsp:cNvSpPr/>
+      </dsp:nvSpPr>
+      <dsp:spPr>
+        <a:xfrm>
+          <a:off x="345050" y="1945855"/>
+          <a:ext cx="725621" cy="725621"/>
+        </a:xfrm>
+        <a:prstGeom prst="ellipse">
+          <a:avLst/>
+        </a:prstGeom>
+        <a:solidFill>
+          <a:schemeClr val="accent1">
+            <a:hueOff val="0"/>
+            <a:satOff val="0"/>
+            <a:lumOff val="0"/>
+            <a:alphaOff val="0"/>
+          </a:schemeClr>
+        </a:solidFill>
+        <a:ln w="25400" cap="flat" cmpd="sng" algn="ctr">
+          <a:solidFill>
+            <a:schemeClr val="lt1">
+              <a:hueOff val="0"/>
+              <a:satOff val="0"/>
+              <a:lumOff val="0"/>
+              <a:alphaOff val="0"/>
+            </a:schemeClr>
+          </a:solidFill>
+          <a:prstDash val="solid"/>
+        </a:ln>
+        <a:effectLst/>
+      </dsp:spPr>
+      <dsp:style>
+        <a:lnRef idx="2">
+          <a:scrgbClr r="0" g="0" b="0"/>
+        </a:lnRef>
+        <a:fillRef idx="1">
+          <a:scrgbClr r="0" g="0" b="0"/>
+        </a:fillRef>
+        <a:effectRef idx="0">
+          <a:scrgbClr r="0" g="0" b="0"/>
+        </a:effectRef>
+        <a:fontRef idx="minor">
+          <a:schemeClr val="lt1"/>
+        </a:fontRef>
+      </dsp:style>
+    </dsp:sp>
+    <dsp:sp modelId="{956BC080-07FE-41F3-926B-9E5CC8DF3F71}">
+      <dsp:nvSpPr>
+        <dsp:cNvPr id="0" name=""/>
+        <dsp:cNvSpPr/>
+      </dsp:nvSpPr>
+      <dsp:spPr>
+        <a:xfrm>
+          <a:off x="1070671" y="1944041"/>
+          <a:ext cx="1088431" cy="725621"/>
+        </a:xfrm>
+        <a:prstGeom prst="rect">
+          <a:avLst/>
+        </a:prstGeom>
+        <a:noFill/>
+        <a:ln>
+          <a:noFill/>
+        </a:ln>
+        <a:effectLst/>
+      </dsp:spPr>
+      <dsp:style>
+        <a:lnRef idx="0">
+          <a:scrgbClr r="0" g="0" b="0"/>
+        </a:lnRef>
+        <a:fillRef idx="0">
+          <a:scrgbClr r="0" g="0" b="0"/>
+        </a:fillRef>
+        <a:effectRef idx="0">
+          <a:scrgbClr r="0" g="0" b="0"/>
+        </a:effectRef>
+        <a:fontRef idx="minor"/>
+      </dsp:style>
+      <dsp:txBody>
+        <a:bodyPr spcFirstLastPara="0" vert="horz" wrap="square" lIns="57150" tIns="57150" rIns="57150" bIns="57150" numCol="1" spcCol="1270" anchor="ctr" anchorCtr="0">
+          <a:noAutofit/>
+        </a:bodyPr>
+        <a:lstStyle/>
+        <a:p>
+          <a:pPr lvl="0" algn="l" defTabSz="666750">
+            <a:lnSpc>
+              <a:spcPct val="90000"/>
+            </a:lnSpc>
+            <a:spcBef>
+              <a:spcPct val="0"/>
+            </a:spcBef>
+            <a:spcAft>
+              <a:spcPct val="35000"/>
+            </a:spcAft>
+          </a:pPr>
+          <a:r>
+            <a:rPr lang="en-US" sz="1500" kern="1200" dirty="0" smtClean="0"/>
+            <a:t>Variable</a:t>
+          </a:r>
+          <a:endParaRPr lang="en-US" sz="1500" kern="1200" dirty="0"/>
+        </a:p>
+      </dsp:txBody>
+      <dsp:txXfrm>
+        <a:off x="1070671" y="1944041"/>
+        <a:ext cx="1088431" cy="725621"/>
+      </dsp:txXfrm>
+    </dsp:sp>
+    <dsp:sp modelId="{09E42C94-8C0E-41B3-B2F6-10531C76026E}">
+      <dsp:nvSpPr>
+        <dsp:cNvPr id="0" name=""/>
+        <dsp:cNvSpPr/>
+      </dsp:nvSpPr>
+      <dsp:spPr>
+        <a:xfrm>
+          <a:off x="345050" y="2900047"/>
+          <a:ext cx="725621" cy="725621"/>
+        </a:xfrm>
+        <a:prstGeom prst="ellipse">
+          <a:avLst/>
+        </a:prstGeom>
+        <a:solidFill>
+          <a:schemeClr val="accent1">
+            <a:hueOff val="0"/>
+            <a:satOff val="0"/>
+            <a:lumOff val="0"/>
+            <a:alphaOff val="0"/>
+          </a:schemeClr>
+        </a:solidFill>
+        <a:ln w="25400" cap="flat" cmpd="sng" algn="ctr">
+          <a:solidFill>
+            <a:schemeClr val="lt1">
+              <a:hueOff val="0"/>
+              <a:satOff val="0"/>
+              <a:lumOff val="0"/>
+              <a:alphaOff val="0"/>
+            </a:schemeClr>
+          </a:solidFill>
+          <a:prstDash val="solid"/>
+        </a:ln>
+        <a:effectLst/>
+      </dsp:spPr>
+      <dsp:style>
+        <a:lnRef idx="2">
+          <a:scrgbClr r="0" g="0" b="0"/>
+        </a:lnRef>
+        <a:fillRef idx="1">
+          <a:scrgbClr r="0" g="0" b="0"/>
+        </a:fillRef>
+        <a:effectRef idx="0">
+          <a:scrgbClr r="0" g="0" b="0"/>
+        </a:effectRef>
+        <a:fontRef idx="minor">
+          <a:schemeClr val="lt1"/>
+        </a:fontRef>
+      </dsp:style>
+    </dsp:sp>
+    <dsp:sp modelId="{7F2C45EE-9850-4714-B6C1-43EBF7B16000}">
+      <dsp:nvSpPr>
+        <dsp:cNvPr id="0" name=""/>
+        <dsp:cNvSpPr/>
+      </dsp:nvSpPr>
+      <dsp:spPr>
+        <a:xfrm>
+          <a:off x="1070671" y="2898233"/>
+          <a:ext cx="1088431" cy="725621"/>
+        </a:xfrm>
+        <a:prstGeom prst="rect">
+          <a:avLst/>
+        </a:prstGeom>
+        <a:noFill/>
+        <a:ln>
+          <a:noFill/>
+        </a:ln>
+        <a:effectLst/>
+      </dsp:spPr>
+      <dsp:style>
+        <a:lnRef idx="0">
+          <a:scrgbClr r="0" g="0" b="0"/>
+        </a:lnRef>
+        <a:fillRef idx="0">
+          <a:scrgbClr r="0" g="0" b="0"/>
+        </a:fillRef>
+        <a:effectRef idx="0">
+          <a:scrgbClr r="0" g="0" b="0"/>
+        </a:effectRef>
+        <a:fontRef idx="minor"/>
+      </dsp:style>
+      <dsp:txBody>
+        <a:bodyPr spcFirstLastPara="0" vert="horz" wrap="square" lIns="57150" tIns="57150" rIns="57150" bIns="57150" numCol="1" spcCol="1270" anchor="ctr" anchorCtr="0">
+          <a:noAutofit/>
+        </a:bodyPr>
+        <a:lstStyle/>
+        <a:p>
+          <a:pPr lvl="0" algn="l" defTabSz="666750">
+            <a:lnSpc>
+              <a:spcPct val="90000"/>
+            </a:lnSpc>
+            <a:spcBef>
+              <a:spcPct val="0"/>
+            </a:spcBef>
+            <a:spcAft>
+              <a:spcPct val="35000"/>
+            </a:spcAft>
+          </a:pPr>
+          <a:r>
+            <a:rPr lang="en-US" sz="1500" kern="1200" dirty="0" smtClean="0"/>
+            <a:t>x</a:t>
+          </a:r>
+          <a:endParaRPr lang="en-US" sz="1500" kern="1200" dirty="0"/>
+        </a:p>
+      </dsp:txBody>
+      <dsp:txXfrm>
+        <a:off x="1070671" y="2898233"/>
+        <a:ext cx="1088431" cy="725621"/>
+      </dsp:txXfrm>
+    </dsp:sp>
+    <dsp:sp modelId="{B26CB642-4E95-4F4E-A9C7-04750B0C4542}">
+      <dsp:nvSpPr>
+        <dsp:cNvPr id="0" name=""/>
+        <dsp:cNvSpPr/>
+      </dsp:nvSpPr>
+      <dsp:spPr>
+        <a:xfrm>
+          <a:off x="2340508" y="1945855"/>
+          <a:ext cx="725621" cy="725621"/>
+        </a:xfrm>
+        <a:prstGeom prst="ellipse">
+          <a:avLst/>
+        </a:prstGeom>
+        <a:solidFill>
+          <a:schemeClr val="accent1">
+            <a:hueOff val="0"/>
+            <a:satOff val="0"/>
+            <a:lumOff val="0"/>
+            <a:alphaOff val="0"/>
+          </a:schemeClr>
+        </a:solidFill>
+        <a:ln w="25400" cap="flat" cmpd="sng" algn="ctr">
+          <a:solidFill>
+            <a:schemeClr val="lt1">
+              <a:hueOff val="0"/>
+              <a:satOff val="0"/>
+              <a:lumOff val="0"/>
+              <a:alphaOff val="0"/>
+            </a:schemeClr>
+          </a:solidFill>
+          <a:prstDash val="solid"/>
+        </a:ln>
+        <a:effectLst/>
+      </dsp:spPr>
+      <dsp:style>
+        <a:lnRef idx="2">
+          <a:scrgbClr r="0" g="0" b="0"/>
+        </a:lnRef>
+        <a:fillRef idx="1">
+          <a:scrgbClr r="0" g="0" b="0"/>
+        </a:fillRef>
+        <a:effectRef idx="0">
+          <a:scrgbClr r="0" g="0" b="0"/>
+        </a:effectRef>
+        <a:fontRef idx="minor">
+          <a:schemeClr val="lt1"/>
+        </a:fontRef>
+      </dsp:style>
+    </dsp:sp>
+    <dsp:sp modelId="{5B969B1A-7C6C-4B95-B38D-8A4A50CD3F7C}">
+      <dsp:nvSpPr>
+        <dsp:cNvPr id="0" name=""/>
+        <dsp:cNvSpPr/>
+      </dsp:nvSpPr>
+      <dsp:spPr>
+        <a:xfrm>
+          <a:off x="3066129" y="1944041"/>
+          <a:ext cx="1088431" cy="725621"/>
+        </a:xfrm>
+        <a:prstGeom prst="rect">
+          <a:avLst/>
+        </a:prstGeom>
+        <a:noFill/>
+        <a:ln>
+          <a:noFill/>
+        </a:ln>
+        <a:effectLst/>
+      </dsp:spPr>
+      <dsp:style>
+        <a:lnRef idx="0">
+          <a:scrgbClr r="0" g="0" b="0"/>
+        </a:lnRef>
+        <a:fillRef idx="0">
+          <a:scrgbClr r="0" g="0" b="0"/>
+        </a:fillRef>
+        <a:effectRef idx="0">
+          <a:scrgbClr r="0" g="0" b="0"/>
+        </a:effectRef>
+        <a:fontRef idx="minor"/>
+      </dsp:style>
+      <dsp:txBody>
+        <a:bodyPr spcFirstLastPara="0" vert="horz" wrap="square" lIns="57150" tIns="57150" rIns="57150" bIns="57150" numCol="1" spcCol="1270" anchor="ctr" anchorCtr="0">
+          <a:noAutofit/>
+        </a:bodyPr>
+        <a:lstStyle/>
+        <a:p>
+          <a:pPr lvl="0" algn="l" defTabSz="666750">
+            <a:lnSpc>
+              <a:spcPct val="90000"/>
+            </a:lnSpc>
+            <a:spcBef>
+              <a:spcPct val="0"/>
+            </a:spcBef>
+            <a:spcAft>
+              <a:spcPct val="35000"/>
+            </a:spcAft>
+          </a:pPr>
+          <a:r>
+            <a:rPr lang="en-US" sz="1500" kern="1200" dirty="0" smtClean="0"/>
+            <a:t>Variable</a:t>
+          </a:r>
+          <a:endParaRPr lang="en-US" sz="1500" kern="1200" dirty="0"/>
+        </a:p>
+      </dsp:txBody>
+      <dsp:txXfrm>
+        <a:off x="3066129" y="1944041"/>
+        <a:ext cx="1088431" cy="725621"/>
+      </dsp:txXfrm>
+    </dsp:sp>
+    <dsp:sp modelId="{0C845480-68D2-45ED-9E22-C3E0BBAA985B}">
+      <dsp:nvSpPr>
+        <dsp:cNvPr id="0" name=""/>
+        <dsp:cNvSpPr/>
+      </dsp:nvSpPr>
+      <dsp:spPr>
+        <a:xfrm>
+          <a:off x="2340508" y="2900047"/>
+          <a:ext cx="725621" cy="725621"/>
+        </a:xfrm>
+        <a:prstGeom prst="ellipse">
+          <a:avLst/>
+        </a:prstGeom>
+        <a:solidFill>
+          <a:schemeClr val="accent1">
+            <a:hueOff val="0"/>
+            <a:satOff val="0"/>
+            <a:lumOff val="0"/>
+            <a:alphaOff val="0"/>
+          </a:schemeClr>
+        </a:solidFill>
+        <a:ln w="25400" cap="flat" cmpd="sng" algn="ctr">
+          <a:solidFill>
+            <a:schemeClr val="lt1">
+              <a:hueOff val="0"/>
+              <a:satOff val="0"/>
+              <a:lumOff val="0"/>
+              <a:alphaOff val="0"/>
+            </a:schemeClr>
+          </a:solidFill>
+          <a:prstDash val="solid"/>
+        </a:ln>
+        <a:effectLst/>
+      </dsp:spPr>
+      <dsp:style>
+        <a:lnRef idx="2">
+          <a:scrgbClr r="0" g="0" b="0"/>
+        </a:lnRef>
+        <a:fillRef idx="1">
+          <a:scrgbClr r="0" g="0" b="0"/>
+        </a:fillRef>
+        <a:effectRef idx="0">
+          <a:scrgbClr r="0" g="0" b="0"/>
+        </a:effectRef>
+        <a:fontRef idx="minor">
+          <a:schemeClr val="lt1"/>
+        </a:fontRef>
+      </dsp:style>
+    </dsp:sp>
+    <dsp:sp modelId="{229EED3D-E476-4CFC-B817-728AB058D74A}">
+      <dsp:nvSpPr>
+        <dsp:cNvPr id="0" name=""/>
+        <dsp:cNvSpPr/>
+      </dsp:nvSpPr>
+      <dsp:spPr>
+        <a:xfrm>
+          <a:off x="3066129" y="2898233"/>
+          <a:ext cx="1088431" cy="725621"/>
+        </a:xfrm>
+        <a:prstGeom prst="rect">
+          <a:avLst/>
+        </a:prstGeom>
+        <a:noFill/>
+        <a:ln>
+          <a:noFill/>
+        </a:ln>
+        <a:effectLst/>
+      </dsp:spPr>
+      <dsp:style>
+        <a:lnRef idx="0">
+          <a:scrgbClr r="0" g="0" b="0"/>
+        </a:lnRef>
+        <a:fillRef idx="0">
+          <a:scrgbClr r="0" g="0" b="0"/>
+        </a:fillRef>
+        <a:effectRef idx="0">
+          <a:scrgbClr r="0" g="0" b="0"/>
+        </a:effectRef>
+        <a:fontRef idx="minor"/>
+      </dsp:style>
+      <dsp:txBody>
+        <a:bodyPr spcFirstLastPara="0" vert="horz" wrap="square" lIns="57150" tIns="57150" rIns="57150" bIns="57150" numCol="1" spcCol="1270" anchor="ctr" anchorCtr="0">
+          <a:noAutofit/>
+        </a:bodyPr>
+        <a:lstStyle/>
+        <a:p>
+          <a:pPr lvl="0" algn="l" defTabSz="666750">
+            <a:lnSpc>
+              <a:spcPct val="90000"/>
+            </a:lnSpc>
+            <a:spcBef>
+              <a:spcPct val="0"/>
+            </a:spcBef>
+            <a:spcAft>
+              <a:spcPct val="35000"/>
+            </a:spcAft>
+          </a:pPr>
+          <a:r>
+            <a:rPr lang="en-US" sz="1500" kern="1200" dirty="0" smtClean="0"/>
+            <a:t>y</a:t>
+          </a:r>
+          <a:endParaRPr lang="en-US" sz="1500" kern="1200" dirty="0"/>
+        </a:p>
+      </dsp:txBody>
+      <dsp:txXfrm>
+        <a:off x="3066129" y="2898233"/>
+        <a:ext cx="1088431" cy="725621"/>
+      </dsp:txXfrm>
+    </dsp:sp>
+    <dsp:sp modelId="{6A8502DC-6044-46E3-A86A-9BDE7DBB8334}">
+      <dsp:nvSpPr>
+        <dsp:cNvPr id="0" name=""/>
+        <dsp:cNvSpPr/>
+      </dsp:nvSpPr>
+      <dsp:spPr>
+        <a:xfrm>
+          <a:off x="4335966" y="991664"/>
+          <a:ext cx="725621" cy="725621"/>
+        </a:xfrm>
+        <a:prstGeom prst="ellipse">
+          <a:avLst/>
+        </a:prstGeom>
+        <a:solidFill>
+          <a:schemeClr val="accent1">
+            <a:hueOff val="0"/>
+            <a:satOff val="0"/>
+            <a:lumOff val="0"/>
+            <a:alphaOff val="0"/>
+          </a:schemeClr>
+        </a:solidFill>
+        <a:ln w="25400" cap="flat" cmpd="sng" algn="ctr">
+          <a:solidFill>
+            <a:schemeClr val="lt1">
+              <a:hueOff val="0"/>
+              <a:satOff val="0"/>
+              <a:lumOff val="0"/>
+              <a:alphaOff val="0"/>
+            </a:schemeClr>
+          </a:solidFill>
+          <a:prstDash val="solid"/>
+        </a:ln>
+        <a:effectLst/>
+      </dsp:spPr>
+      <dsp:style>
+        <a:lnRef idx="2">
+          <a:scrgbClr r="0" g="0" b="0"/>
+        </a:lnRef>
+        <a:fillRef idx="1">
+          <a:scrgbClr r="0" g="0" b="0"/>
+        </a:fillRef>
+        <a:effectRef idx="0">
+          <a:scrgbClr r="0" g="0" b="0"/>
+        </a:effectRef>
+        <a:fontRef idx="minor">
+          <a:schemeClr val="lt1"/>
+        </a:fontRef>
+      </dsp:style>
+    </dsp:sp>
+    <dsp:sp modelId="{3E30A41C-9450-45C7-BA3A-78ADC24B09DC}">
+      <dsp:nvSpPr>
+        <dsp:cNvPr id="0" name=""/>
+        <dsp:cNvSpPr/>
+      </dsp:nvSpPr>
+      <dsp:spPr>
+        <a:xfrm>
+          <a:off x="5061587" y="989850"/>
+          <a:ext cx="1088431" cy="725621"/>
+        </a:xfrm>
+        <a:prstGeom prst="rect">
+          <a:avLst/>
+        </a:prstGeom>
+        <a:noFill/>
+        <a:ln>
+          <a:noFill/>
+        </a:ln>
+        <a:effectLst/>
+      </dsp:spPr>
+      <dsp:style>
+        <a:lnRef idx="0">
+          <a:scrgbClr r="0" g="0" b="0"/>
+        </a:lnRef>
+        <a:fillRef idx="0">
+          <a:scrgbClr r="0" g="0" b="0"/>
+        </a:fillRef>
+        <a:effectRef idx="0">
+          <a:scrgbClr r="0" g="0" b="0"/>
+        </a:effectRef>
+        <a:fontRef idx="minor"/>
+      </dsp:style>
+      <dsp:txBody>
+        <a:bodyPr spcFirstLastPara="0" vert="horz" wrap="square" lIns="57150" tIns="57150" rIns="57150" bIns="57150" numCol="1" spcCol="1270" anchor="ctr" anchorCtr="0">
+          <a:noAutofit/>
+        </a:bodyPr>
+        <a:lstStyle/>
+        <a:p>
+          <a:pPr lvl="0" algn="l" defTabSz="666750">
+            <a:lnSpc>
+              <a:spcPct val="90000"/>
+            </a:lnSpc>
+            <a:spcBef>
+              <a:spcPct val="0"/>
+            </a:spcBef>
+            <a:spcAft>
+              <a:spcPct val="35000"/>
+            </a:spcAft>
+          </a:pPr>
+          <a:r>
+            <a:rPr lang="en-US" sz="1500" kern="1200" dirty="0" err="1" smtClean="0"/>
+            <a:t>FunctionCall</a:t>
+          </a:r>
+          <a:r>
+            <a:rPr lang="en-US" sz="1500" kern="1200" dirty="0" smtClean="0"/>
+            <a:t/>
+          </a:r>
+          <a:br>
+            <a:rPr lang="en-US" sz="1500" kern="1200" dirty="0" smtClean="0"/>
+          </a:br>
+          <a:r>
+            <a:rPr lang="en-US" sz="1500" kern="1200" dirty="0" smtClean="0"/>
+            <a:t>Name = f</a:t>
+          </a:r>
+          <a:endParaRPr lang="en-US" sz="1500" kern="1200" dirty="0"/>
+        </a:p>
+      </dsp:txBody>
+      <dsp:txXfrm>
+        <a:off x="5061587" y="989850"/>
+        <a:ext cx="1088431" cy="725621"/>
+      </dsp:txXfrm>
+    </dsp:sp>
+    <dsp:sp modelId="{0D40DC6E-9760-4658-8B88-3F444366657E}">
+      <dsp:nvSpPr>
+        <dsp:cNvPr id="0" name=""/>
+        <dsp:cNvSpPr/>
+      </dsp:nvSpPr>
+      <dsp:spPr>
+        <a:xfrm>
+          <a:off x="4335966" y="1945855"/>
+          <a:ext cx="725621" cy="725621"/>
+        </a:xfrm>
+        <a:prstGeom prst="ellipse">
+          <a:avLst/>
+        </a:prstGeom>
+        <a:solidFill>
+          <a:schemeClr val="accent1">
+            <a:hueOff val="0"/>
+            <a:satOff val="0"/>
+            <a:lumOff val="0"/>
+            <a:alphaOff val="0"/>
+          </a:schemeClr>
+        </a:solidFill>
+        <a:ln w="25400" cap="flat" cmpd="sng" algn="ctr">
+          <a:solidFill>
+            <a:schemeClr val="lt1">
+              <a:hueOff val="0"/>
+              <a:satOff val="0"/>
+              <a:lumOff val="0"/>
+              <a:alphaOff val="0"/>
+            </a:schemeClr>
+          </a:solidFill>
+          <a:prstDash val="solid"/>
+        </a:ln>
+        <a:effectLst/>
+      </dsp:spPr>
+      <dsp:style>
+        <a:lnRef idx="2">
+          <a:scrgbClr r="0" g="0" b="0"/>
+        </a:lnRef>
+        <a:fillRef idx="1">
+          <a:scrgbClr r="0" g="0" b="0"/>
+        </a:fillRef>
+        <a:effectRef idx="0">
+          <a:scrgbClr r="0" g="0" b="0"/>
+        </a:effectRef>
+        <a:fontRef idx="minor">
+          <a:schemeClr val="lt1"/>
+        </a:fontRef>
+      </dsp:style>
+    </dsp:sp>
+    <dsp:sp modelId="{4435E2B9-EFB1-415C-8689-BDF7C2416C55}">
+      <dsp:nvSpPr>
+        <dsp:cNvPr id="0" name=""/>
+        <dsp:cNvSpPr/>
+      </dsp:nvSpPr>
+      <dsp:spPr>
+        <a:xfrm>
+          <a:off x="5061587" y="1944041"/>
+          <a:ext cx="1088431" cy="725621"/>
+        </a:xfrm>
+        <a:prstGeom prst="rect">
+          <a:avLst/>
+        </a:prstGeom>
+        <a:noFill/>
+        <a:ln>
+          <a:noFill/>
+        </a:ln>
+        <a:effectLst/>
+      </dsp:spPr>
+      <dsp:style>
+        <a:lnRef idx="0">
+          <a:scrgbClr r="0" g="0" b="0"/>
+        </a:lnRef>
+        <a:fillRef idx="0">
+          <a:scrgbClr r="0" g="0" b="0"/>
+        </a:fillRef>
+        <a:effectRef idx="0">
+          <a:scrgbClr r="0" g="0" b="0"/>
+        </a:effectRef>
+        <a:fontRef idx="minor"/>
+      </dsp:style>
+      <dsp:txBody>
+        <a:bodyPr spcFirstLastPara="0" vert="horz" wrap="square" lIns="57150" tIns="57150" rIns="57150" bIns="57150" numCol="1" spcCol="1270" anchor="ctr" anchorCtr="0">
+          <a:noAutofit/>
+        </a:bodyPr>
+        <a:lstStyle/>
+        <a:p>
+          <a:pPr lvl="0" algn="l" defTabSz="666750">
+            <a:lnSpc>
+              <a:spcPct val="90000"/>
+            </a:lnSpc>
+            <a:spcBef>
+              <a:spcPct val="0"/>
+            </a:spcBef>
+            <a:spcAft>
+              <a:spcPct val="35000"/>
+            </a:spcAft>
+          </a:pPr>
+          <a:r>
+            <a:rPr lang="en-US" sz="1500" kern="1200" dirty="0" smtClean="0"/>
+            <a:t>Variable</a:t>
+          </a:r>
+          <a:endParaRPr lang="en-US" sz="1500" kern="1200" dirty="0"/>
+        </a:p>
+      </dsp:txBody>
+      <dsp:txXfrm>
+        <a:off x="5061587" y="1944041"/>
+        <a:ext cx="1088431" cy="725621"/>
+      </dsp:txXfrm>
+    </dsp:sp>
+    <dsp:sp modelId="{A37BEE24-6E14-414D-A5BD-6689E3E59759}">
+      <dsp:nvSpPr>
+        <dsp:cNvPr id="0" name=""/>
+        <dsp:cNvSpPr/>
+      </dsp:nvSpPr>
+      <dsp:spPr>
+        <a:xfrm>
+          <a:off x="4335966" y="2900047"/>
+          <a:ext cx="725621" cy="725621"/>
+        </a:xfrm>
+        <a:prstGeom prst="ellipse">
+          <a:avLst/>
+        </a:prstGeom>
+        <a:solidFill>
+          <a:schemeClr val="accent1">
+            <a:hueOff val="0"/>
+            <a:satOff val="0"/>
+            <a:lumOff val="0"/>
+            <a:alphaOff val="0"/>
+          </a:schemeClr>
+        </a:solidFill>
+        <a:ln w="25400" cap="flat" cmpd="sng" algn="ctr">
+          <a:solidFill>
+            <a:schemeClr val="lt1">
+              <a:hueOff val="0"/>
+              <a:satOff val="0"/>
+              <a:lumOff val="0"/>
+              <a:alphaOff val="0"/>
+            </a:schemeClr>
+          </a:solidFill>
+          <a:prstDash val="solid"/>
+        </a:ln>
+        <a:effectLst/>
+      </dsp:spPr>
+      <dsp:style>
+        <a:lnRef idx="2">
+          <a:scrgbClr r="0" g="0" b="0"/>
+        </a:lnRef>
+        <a:fillRef idx="1">
+          <a:scrgbClr r="0" g="0" b="0"/>
+        </a:fillRef>
+        <a:effectRef idx="0">
+          <a:scrgbClr r="0" g="0" b="0"/>
+        </a:effectRef>
+        <a:fontRef idx="minor">
+          <a:schemeClr val="lt1"/>
+        </a:fontRef>
+      </dsp:style>
+    </dsp:sp>
+    <dsp:sp modelId="{D7AE1163-F55C-4A98-878F-94EF554679B4}">
+      <dsp:nvSpPr>
+        <dsp:cNvPr id="0" name=""/>
+        <dsp:cNvSpPr/>
+      </dsp:nvSpPr>
+      <dsp:spPr>
+        <a:xfrm>
+          <a:off x="5061587" y="2898233"/>
+          <a:ext cx="1088431" cy="725621"/>
+        </a:xfrm>
+        <a:prstGeom prst="rect">
+          <a:avLst/>
+        </a:prstGeom>
+        <a:noFill/>
+        <a:ln>
+          <a:noFill/>
+        </a:ln>
+        <a:effectLst/>
+      </dsp:spPr>
+      <dsp:style>
+        <a:lnRef idx="0">
+          <a:scrgbClr r="0" g="0" b="0"/>
+        </a:lnRef>
+        <a:fillRef idx="0">
+          <a:scrgbClr r="0" g="0" b="0"/>
+        </a:fillRef>
+        <a:effectRef idx="0">
+          <a:scrgbClr r="0" g="0" b="0"/>
+        </a:effectRef>
+        <a:fontRef idx="minor"/>
+      </dsp:style>
+      <dsp:txBody>
+        <a:bodyPr spcFirstLastPara="0" vert="horz" wrap="square" lIns="57150" tIns="57150" rIns="57150" bIns="57150" numCol="1" spcCol="1270" anchor="ctr" anchorCtr="0">
+          <a:noAutofit/>
+        </a:bodyPr>
+        <a:lstStyle/>
+        <a:p>
+          <a:pPr lvl="0" algn="l" defTabSz="666750">
+            <a:lnSpc>
+              <a:spcPct val="90000"/>
+            </a:lnSpc>
+            <a:spcBef>
+              <a:spcPct val="0"/>
+            </a:spcBef>
+            <a:spcAft>
+              <a:spcPct val="35000"/>
+            </a:spcAft>
+          </a:pPr>
+          <a:r>
+            <a:rPr lang="en-US" sz="1500" kern="1200" dirty="0" smtClean="0"/>
+            <a:t>z</a:t>
+          </a:r>
+          <a:endParaRPr lang="en-US" sz="1500" kern="1200" dirty="0"/>
+        </a:p>
+      </dsp:txBody>
+      <dsp:txXfrm>
+        <a:off x="5061587" y="2898233"/>
+        <a:ext cx="1088431" cy="725621"/>
+      </dsp:txXfrm>
+    </dsp:sp>
+  </dsp:spTree>
+</dsp:drawing>
+</file>
+
+<file path=ppt/diagrams/layout1.xml><?xml version="1.0" encoding="utf-8"?>
+<dgm:layoutDef xmlns:dgm="http://schemas.openxmlformats.org/drawingml/2006/diagram" xmlns:a="http://schemas.openxmlformats.org/drawingml/2006/main" uniqueId="urn:microsoft.com/office/officeart/2009/layout/CirclePictureHierarchy">
+  <dgm:title val=""/>
+  <dgm:desc val=""/>
+  <dgm:catLst>
+    <dgm:cat type="hierarchy" pri="1750"/>
+    <dgm:cat type="picture" pri="23000"/>
+    <dgm:cat type="pictureconvert" pri="23000"/>
+  </dgm:catLst>
+  <dgm:sampData>
+    <dgm:dataModel>
+      <dgm:ptLst>
+        <dgm:pt modelId="0" type="doc"/>
+        <dgm:pt modelId="1">
+          <dgm:prSet phldr="1"/>
+        </dgm:pt>
+        <dgm:pt modelId="2">
+          <dgm:prSet phldr="1"/>
+        </dgm:pt>
+        <dgm:pt modelId="21">
+          <dgm:prSet phldr="1"/>
+        </dgm:pt>
+        <dgm:pt modelId="22">
+          <dgm:prSet phldr="1"/>
+        </dgm:pt>
+        <dgm:pt modelId="3">
+          <dgm:prSet phldr="1"/>
+        </dgm:pt>
+        <dgm:pt modelId="31">
+          <dgm:prSet phldr="1"/>
+        </dgm:pt>
+      </dgm:ptLst>
+      <dgm:cxnLst>
+        <dgm:cxn modelId="4" srcId="0" destId="1" srcOrd="0" destOrd="0"/>
+        <dgm:cxn modelId="5" srcId="1" destId="2" srcOrd="0" destOrd="0"/>
+        <dgm:cxn modelId="6" srcId="1" destId="3" srcOrd="1" destOrd="0"/>
+        <dgm:cxn modelId="23" srcId="2" destId="21" srcOrd="0" destOrd="0"/>
+        <dgm:cxn modelId="24" srcId="2" destId="22" srcOrd="1" destOrd="0"/>
+        <dgm:cxn modelId="33" srcId="3" destId="31" srcOrd="0" destOrd="0"/>
+      </dgm:cxnLst>
+      <dgm:bg/>
+      <dgm:whole/>
+    </dgm:dataModel>
+  </dgm:sampData>
+  <dgm:styleData>
+    <dgm:dataModel>
+      <dgm:ptLst>
+        <dgm:pt modelId="0" type="doc"/>
+        <dgm:pt modelId="1"/>
+        <dgm:pt modelId="11"/>
+        <dgm:pt modelId="12"/>
+      </dgm:ptLst>
+      <dgm:cxnLst>
+        <dgm:cxn modelId="2" srcId="0" destId="1" srcOrd="0" destOrd="0"/>
+        <dgm:cxn modelId="13" srcId="1" destId="11" srcOrd="0" destOrd="0"/>
+        <dgm:cxn modelId="14" srcId="1" destId="12" srcOrd="1" destOrd="0"/>
+      </dgm:cxnLst>
+      <dgm:bg/>
+      <dgm:whole/>
+    </dgm:dataModel>
+  </dgm:styleData>
+  <dgm:clrData>
+    <dgm:dataModel>
+      <dgm:ptLst>
+        <dgm:pt modelId="0" type="doc"/>
+        <dgm:pt modelId="1"/>
+        <dgm:pt modelId="2"/>
+        <dgm:pt modelId="21"/>
+        <dgm:pt modelId="211"/>
+        <dgm:pt modelId="3"/>
+        <dgm:pt modelId="31"/>
+        <dgm:pt modelId="311"/>
+      </dgm:ptLst>
+      <dgm:cxnLst>
+        <dgm:cxn modelId="4" srcId="0" destId="1" srcOrd="0" destOrd="0"/>
+        <dgm:cxn modelId="5" srcId="1" destId="2" srcOrd="0" destOrd="0"/>
+        <dgm:cxn modelId="6" srcId="1" destId="3" srcOrd="1" destOrd="0"/>
+        <dgm:cxn modelId="23" srcId="2" destId="21" srcOrd="0" destOrd="0"/>
+        <dgm:cxn modelId="24" srcId="21" destId="211" srcOrd="0" destOrd="0"/>
+        <dgm:cxn modelId="33" srcId="3" destId="31" srcOrd="0" destOrd="0"/>
+        <dgm:cxn modelId="34" srcId="31" destId="311" srcOrd="0" destOrd="0"/>
+      </dgm:cxnLst>
+      <dgm:bg/>
+      <dgm:whole/>
+    </dgm:dataModel>
+  </dgm:clrData>
+  <dgm:layoutNode name="hierChild1">
+    <dgm:varLst>
+      <dgm:chPref val="1"/>
+      <dgm:dir/>
+      <dgm:animOne val="branch"/>
+      <dgm:animLvl val="lvl"/>
+      <dgm:resizeHandles/>
+    </dgm:varLst>
+    <dgm:choose name="Name0">
+      <dgm:if name="Name1" func="var" arg="dir" op="equ" val="norm">
+        <dgm:alg type="hierChild">
+          <dgm:param type="linDir" val="fromL"/>
+        </dgm:alg>
+      </dgm:if>
+      <dgm:else name="Name2">
+        <dgm:alg type="hierChild">
+          <dgm:param type="linDir" val="fromR"/>
+        </dgm:alg>
+      </dgm:else>
+    </dgm:choose>
+    <dgm:shape xmlns:r="http://schemas.openxmlformats.org/officeDocument/2006/relationships" r:blip="">
+      <dgm:adjLst/>
+    </dgm:shape>
+    <dgm:presOf/>
+    <dgm:constrLst>
+      <dgm:constr type="primFontSz" for="des" ptType="node" op="equ" val="65"/>
+      <dgm:constr type="w" for="des" forName="composite" refType="w"/>
+      <dgm:constr type="h" for="des" forName="composite" refType="w" refFor="des" refForName="composite" fact="0.5"/>
+      <dgm:constr type="w" for="des" forName="composite2" refType="w" refFor="des" refForName="composite"/>
+      <dgm:constr type="h" for="des" forName="composite2" refType="h" refFor="des" refForName="composite"/>
+      <dgm:constr type="w" for="des" forName="composite3" refType="w" refFor="des" refForName="composite"/>
+      <dgm:constr type="h" for="des" forName="composite3" refType="h" refFor="des" refForName="composite"/>
+      <dgm:constr type="w" for="des" forName="composite4" refType="w" refFor="des" refForName="composite"/>
+      <dgm:constr type="h" for="des" forName="composite4" refType="h" refFor="des" refForName="composite"/>
+      <dgm:constr type="w" for="des" forName="composite5" refType="w" refFor="des" refForName="composite"/>
+      <dgm:constr type="h" for="des" forName="composite5" refType="h" refFor="des" refForName="composite"/>
+      <dgm:constr type="sibSp" refType="w" refFor="des" refForName="composite" fact="0.1"/>
+      <dgm:constr type="sibSp" for="des" forName="hierChild2" refType="sibSp"/>
+      <dgm:constr type="sibSp" for="des" forName="hierChild3" refType="sibSp"/>
+      <dgm:constr type="sibSp" for="des" forName="hierChild4" refType="sibSp"/>
+      <dgm:constr type="sibSp" for="des" forName="hierChild5" refType="sibSp"/>
+      <dgm:constr type="sibSp" for="des" forName="hierChild6" refType="sibSp"/>
+      <dgm:constr type="sp" for="des" forName="hierRoot1" refType="h" refFor="des" refForName="composite" fact="0.25"/>
+      <dgm:constr type="sp" for="des" forName="hierRoot2" refType="sp" refFor="des" refForName="hierRoot1"/>
+      <dgm:constr type="sp" for="des" forName="hierRoot3" refType="sp" refFor="des" refForName="hierRoot1"/>
+      <dgm:constr type="sp" for="des" forName="hierRoot4" refType="sp" refFor="des" refForName="hierRoot1"/>
+      <dgm:constr type="sp" for="des" forName="hierRoot5" refType="sp" refFor="des" refForName="hierRoot1"/>
+    </dgm:constrLst>
+    <dgm:ruleLst/>
+    <dgm:forEach name="Name3" axis="ch">
+      <dgm:forEach name="Name4" axis="self" ptType="node">
+        <dgm:layoutNode name="hierRoot1">
+          <dgm:alg type="hierRoot"/>
+          <dgm:shape xmlns:r="http://schemas.openxmlformats.org/officeDocument/2006/relationships" r:blip="">
+            <dgm:adjLst/>
+          </dgm:shape>
+          <dgm:presOf/>
+          <dgm:constrLst>
+            <dgm:constr type="bendDist" for="des" ptType="parTrans" refType="sp" fact="0.5"/>
+          </dgm:constrLst>
+          <dgm:ruleLst/>
+          <dgm:layoutNode name="composite">
+            <dgm:alg type="composite"/>
+            <dgm:shape xmlns:r="http://schemas.openxmlformats.org/officeDocument/2006/relationships" r:blip="">
+              <dgm:adjLst/>
+            </dgm:shape>
+            <dgm:presOf/>
+            <dgm:constrLst>
+              <dgm:constr type="h" for="ch" forName="image" refType="h" fact="0.8"/>
+              <dgm:constr type="w" for="ch" forName="image" refType="h" refFor="ch" refForName="image"/>
+              <dgm:constr type="t" for="ch" forName="image" refType="h" fact="0.1"/>
+              <dgm:constr type="l" for="ch" forName="image"/>
+              <dgm:constr type="w" for="ch" forName="text" refType="w" fact="0.6"/>
+              <dgm:constr type="h" for="ch" forName="text" refType="h" fact="0.8"/>
+              <dgm:constr type="t" for="ch" forName="text" refType="w" fact="0.04"/>
+              <dgm:constr type="l" for="ch" forName="text" refType="w" fact="0.4"/>
+            </dgm:constrLst>
+            <dgm:ruleLst/>
+            <dgm:layoutNode name="image" styleLbl="node0">
+              <dgm:alg type="sp"/>
+              <dgm:shape xmlns:r="http://schemas.openxmlformats.org/officeDocument/2006/relationships" type="ellipse" r:blip="" blipPhldr="1">
+                <dgm:adjLst/>
+              </dgm:shape>
+              <dgm:presOf/>
+              <dgm:constrLst/>
+              <dgm:ruleLst/>
+            </dgm:layoutNode>
+            <dgm:layoutNode name="text" styleLbl="revTx">
+              <dgm:varLst>
+                <dgm:chPref val="3"/>
+              </dgm:varLst>
+              <dgm:alg type="tx">
+                <dgm:param type="parTxLTRAlign" val="l"/>
+                <dgm:param type="parTxRTLAlign" val="r"/>
+              </dgm:alg>
+              <dgm:shape xmlns:r="http://schemas.openxmlformats.org/officeDocument/2006/relationships" type="rect" r:blip="">
+                <dgm:adjLst/>
+              </dgm:shape>
+              <dgm:presOf axis="self"/>
+              <dgm:constrLst>
+                <dgm:constr type="tMarg" refType="primFontSz" fact="0.3"/>
+                <dgm:constr type="bMarg" refType="primFontSz" fact="0.3"/>
+                <dgm:constr type="lMarg" refType="primFontSz" fact="0.3"/>
+                <dgm:constr type="rMarg" refType="primFontSz" fact="0.3"/>
+              </dgm:constrLst>
+              <dgm:ruleLst>
+                <dgm:rule type="primFontSz" val="5" fact="NaN" max="NaN"/>
+              </dgm:ruleLst>
+            </dgm:layoutNode>
+          </dgm:layoutNode>
+          <dgm:layoutNode name="hierChild2">
+            <dgm:choose name="Name5">
+              <dgm:if name="Name6" func="var" arg="dir" op="equ" val="norm">
+                <dgm:alg type="hierChild">
+                  <dgm:param type="linDir" val="fromL"/>
+                </dgm:alg>
+              </dgm:if>
+              <dgm:else name="Name7">
+                <dgm:alg type="hierChild">
+                  <dgm:param type="linDir" val="fromR"/>
+                </dgm:alg>
+              </dgm:else>
+            </dgm:choose>
+            <dgm:shape xmlns:r="http://schemas.openxmlformats.org/officeDocument/2006/relationships" r:blip="">
+              <dgm:adjLst/>
+            </dgm:shape>
+            <dgm:presOf/>
+            <dgm:constrLst/>
+            <dgm:ruleLst/>
+            <dgm:forEach name="Name8" axis="ch">
+              <dgm:forEach name="Name9" axis="self" ptType="parTrans" cnt="1">
+                <dgm:layoutNode name="Name10">
+                  <dgm:alg type="conn">
+                    <dgm:param type="dim" val="1D"/>
+                    <dgm:param type="endSty" val="noArr"/>
+                    <dgm:param type="connRout" val="bend"/>
+                    <dgm:param type="bendPt" val="end"/>
+                    <dgm:param type="begPts" val="bCtr"/>
+                    <dgm:param type="endPts" val="tCtr"/>
+                    <dgm:param type="srcNode" val="image"/>
+                    <dgm:param type="dstNode" val="image2"/>
+                  </dgm:alg>
+                  <dgm:shape xmlns:r="http://schemas.openxmlformats.org/officeDocument/2006/relationships" type="conn" r:blip="" zOrderOff="-999">
+                    <dgm:adjLst/>
+                  </dgm:shape>
+                  <dgm:presOf axis="self"/>
+                  <dgm:constrLst>
+                    <dgm:constr type="begPad"/>
+                    <dgm:constr type="endPad"/>
+                  </dgm:constrLst>
+                  <dgm:ruleLst/>
+                </dgm:layoutNode>
+              </dgm:forEach>
+              <dgm:forEach name="Name11" axis="self" ptType="node">
+                <dgm:layoutNode name="hierRoot2">
+                  <dgm:alg type="hierRoot"/>
+                  <dgm:shape xmlns:r="http://schemas.openxmlformats.org/officeDocument/2006/relationships" r:blip="">
+                    <dgm:adjLst/>
+                  </dgm:shape>
+                  <dgm:presOf/>
+                  <dgm:constrLst>
+                    <dgm:constr type="bendDist" for="des" ptType="parTrans" refType="sp" fact="0.5"/>
+                  </dgm:constrLst>
+                  <dgm:ruleLst/>
+                  <dgm:layoutNode name="composite2">
+                    <dgm:alg type="composite"/>
+                    <dgm:shape xmlns:r="http://schemas.openxmlformats.org/officeDocument/2006/relationships" r:blip="">
+                      <dgm:adjLst/>
+                    </dgm:shape>
+                    <dgm:presOf/>
+                    <dgm:constrLst>
+                      <dgm:constr type="h" for="ch" forName="image2" refType="h" fact="0.8"/>
+                      <dgm:constr type="w" for="ch" forName="image2" refType="h" refFor="ch" refForName="image2"/>
+                      <dgm:constr type="t" for="ch" forName="image2" refType="h" fact="0.1"/>
+                      <dgm:constr type="l" for="ch" forName="image2"/>
+                      <dgm:constr type="w" for="ch" forName="text2" refType="w" fact="0.6"/>
+                      <dgm:constr type="h" for="ch" forName="text2" refType="h" fact="0.8"/>
+                      <dgm:constr type="t" for="ch" forName="text2" refType="w" fact="0.04"/>
+                      <dgm:constr type="l" for="ch" forName="text2" refType="w" fact="0.4"/>
+                    </dgm:constrLst>
+                    <dgm:ruleLst/>
+                    <dgm:layoutNode name="image2">
+                      <dgm:alg type="sp"/>
+                      <dgm:shape xmlns:r="http://schemas.openxmlformats.org/officeDocument/2006/relationships" type="ellipse" r:blip="" blipPhldr="1">
+                        <dgm:adjLst/>
+                      </dgm:shape>
+                      <dgm:presOf/>
+                      <dgm:constrLst/>
+                      <dgm:ruleLst/>
+                    </dgm:layoutNode>
+                    <dgm:layoutNode name="text2" styleLbl="revTx">
+                      <dgm:varLst>
+                        <dgm:chPref val="3"/>
+                      </dgm:varLst>
+                      <dgm:alg type="tx">
+                        <dgm:param type="parTxLTRAlign" val="l"/>
+                        <dgm:param type="parTxRTLAlign" val="r"/>
+                      </dgm:alg>
+                      <dgm:shape xmlns:r="http://schemas.openxmlformats.org/officeDocument/2006/relationships" type="rect" r:blip="">
+                        <dgm:adjLst/>
+                      </dgm:shape>
+                      <dgm:presOf axis="self"/>
+                      <dgm:constrLst>
+                        <dgm:constr type="tMarg" refType="primFontSz" fact="0.3"/>
+                        <dgm:constr type="bMarg" refType="primFontSz" fact="0.3"/>
+                        <dgm:constr type="lMarg" refType="primFontSz" fact="0.3"/>
+                        <dgm:constr type="rMarg" refType="primFontSz" fact="0.3"/>
+                      </dgm:constrLst>
+                      <dgm:ruleLst>
+                        <dgm:rule type="primFontSz" val="5" fact="NaN" max="NaN"/>
+                      </dgm:ruleLst>
+                    </dgm:layoutNode>
+                  </dgm:layoutNode>
+                  <dgm:layoutNode name="hierChild3">
+                    <dgm:choose name="Name12">
+                      <dgm:if name="Name13" func="var" arg="dir" op="equ" val="norm">
+                        <dgm:alg type="hierChild">
+                          <dgm:param type="linDir" val="fromL"/>
+                        </dgm:alg>
+                      </dgm:if>
+                      <dgm:else name="Name14">
+                        <dgm:alg type="hierChild">
+                          <dgm:param type="linDir" val="fromR"/>
+                        </dgm:alg>
+                      </dgm:else>
+                    </dgm:choose>
+                    <dgm:shape xmlns:r="http://schemas.openxmlformats.org/officeDocument/2006/relationships" r:blip="">
+                      <dgm:adjLst/>
+                    </dgm:shape>
+                    <dgm:presOf/>
+                    <dgm:constrLst/>
+                    <dgm:ruleLst/>
+                    <dgm:forEach name="Name15" axis="ch">
+                      <dgm:forEach name="Name16" axis="self" ptType="parTrans" cnt="1">
+                        <dgm:layoutNode name="Name17">
+                          <dgm:alg type="conn">
+                            <dgm:param type="dim" val="1D"/>
+                            <dgm:param type="endSty" val="noArr"/>
+                            <dgm:param type="connRout" val="bend"/>
+                            <dgm:param type="bendPt" val="end"/>
+                            <dgm:param type="begPts" val="bCtr"/>
+                            <dgm:param type="endPts" val="tCtr"/>
+                            <dgm:param type="srcNode" val="image2"/>
+                            <dgm:param type="dstNode" val="image3"/>
+                          </dgm:alg>
+                          <dgm:shape xmlns:r="http://schemas.openxmlformats.org/officeDocument/2006/relationships" type="conn" r:blip="" zOrderOff="-999">
+                            <dgm:adjLst/>
+                          </dgm:shape>
+                          <dgm:presOf axis="self"/>
+                          <dgm:constrLst>
+                            <dgm:constr type="begPad"/>
+                            <dgm:constr type="endPad"/>
+                          </dgm:constrLst>
+                          <dgm:ruleLst/>
+                        </dgm:layoutNode>
+                      </dgm:forEach>
+                      <dgm:forEach name="Name18" axis="self" ptType="node">
+                        <dgm:layoutNode name="hierRoot3">
+                          <dgm:alg type="hierRoot"/>
+                          <dgm:shape xmlns:r="http://schemas.openxmlformats.org/officeDocument/2006/relationships" r:blip="">
+                            <dgm:adjLst/>
+                          </dgm:shape>
+                          <dgm:presOf/>
+                          <dgm:constrLst>
+                            <dgm:constr type="bendDist" for="des" ptType="parTrans" refType="sp" fact="0.5"/>
+                          </dgm:constrLst>
+                          <dgm:ruleLst/>
+                          <dgm:layoutNode name="composite3">
+                            <dgm:alg type="composite"/>
+                            <dgm:shape xmlns:r="http://schemas.openxmlformats.org/officeDocument/2006/relationships" r:blip="">
+                              <dgm:adjLst/>
+                            </dgm:shape>
+                            <dgm:presOf/>
+                            <dgm:constrLst>
+                              <dgm:constr type="h" for="ch" forName="image3" refType="h" fact="0.8"/>
+                              <dgm:constr type="w" for="ch" forName="image3" refType="h" refFor="ch" refForName="image3"/>
+                              <dgm:constr type="t" for="ch" forName="image3" refType="h" fact="0.1"/>
+                              <dgm:constr type="l" for="ch" forName="image3"/>
+                              <dgm:constr type="w" for="ch" forName="text3" refType="w" fact="0.6"/>
+                              <dgm:constr type="h" for="ch" forName="text3" refType="h" fact="0.8"/>
+                              <dgm:constr type="t" for="ch" forName="text3" refType="w" fact="0.04"/>
+                              <dgm:constr type="l" for="ch" forName="text3" refType="w" fact="0.4"/>
+                            </dgm:constrLst>
+                            <dgm:ruleLst/>
+                            <dgm:layoutNode name="image3">
+                              <dgm:alg type="sp"/>
+                              <dgm:shape xmlns:r="http://schemas.openxmlformats.org/officeDocument/2006/relationships" type="ellipse" r:blip="" blipPhldr="1">
+                                <dgm:adjLst/>
+                              </dgm:shape>
+                              <dgm:presOf/>
+                              <dgm:constrLst/>
+                              <dgm:ruleLst/>
+                            </dgm:layoutNode>
+                            <dgm:layoutNode name="text3" styleLbl="revTx">
+                              <dgm:varLst>
+                                <dgm:chPref val="3"/>
+                              </dgm:varLst>
+                              <dgm:alg type="tx">
+                                <dgm:param type="parTxLTRAlign" val="l"/>
+                                <dgm:param type="parTxRTLAlign" val="r"/>
+                              </dgm:alg>
+                              <dgm:shape xmlns:r="http://schemas.openxmlformats.org/officeDocument/2006/relationships" type="rect" r:blip="">
+                                <dgm:adjLst/>
+                              </dgm:shape>
+                              <dgm:presOf axis="self"/>
+                              <dgm:constrLst>
+                                <dgm:constr type="tMarg" refType="primFontSz" fact="0.3"/>
+                                <dgm:constr type="bMarg" refType="primFontSz" fact="0.3"/>
+                                <dgm:constr type="lMarg" refType="primFontSz" fact="0.3"/>
+                                <dgm:constr type="rMarg" refType="primFontSz" fact="0.3"/>
+                              </dgm:constrLst>
+                              <dgm:ruleLst>
+                                <dgm:rule type="primFontSz" val="5" fact="NaN" max="NaN"/>
+                              </dgm:ruleLst>
+                            </dgm:layoutNode>
+                          </dgm:layoutNode>
+                          <dgm:layoutNode name="hierChild4">
+                            <dgm:choose name="Name19">
+                              <dgm:if name="Name20" func="var" arg="dir" op="equ" val="norm">
+                                <dgm:alg type="hierChild">
+                                  <dgm:param type="linDir" val="fromL"/>
+                                </dgm:alg>
+                              </dgm:if>
+                              <dgm:else name="Name21">
+                                <dgm:alg type="hierChild">
+                                  <dgm:param type="linDir" val="fromR"/>
+                                </dgm:alg>
+                              </dgm:else>
+                            </dgm:choose>
+                            <dgm:shape xmlns:r="http://schemas.openxmlformats.org/officeDocument/2006/relationships" r:blip="">
+                              <dgm:adjLst/>
+                            </dgm:shape>
+                            <dgm:presOf/>
+                            <dgm:constrLst/>
+                            <dgm:ruleLst/>
+                            <dgm:forEach name="repeat" axis="ch">
+                              <dgm:forEach name="Name22" axis="self" ptType="parTrans" cnt="1">
+                                <dgm:layoutNode name="Name23">
+                                  <dgm:choose name="Name24">
+                                    <dgm:if name="Name25" axis="self" func="depth" op="lte" val="4">
+                                      <dgm:alg type="conn">
+                                        <dgm:param type="dim" val="1D"/>
+                                        <dgm:param type="endSty" val="noArr"/>
+                                        <dgm:param type="connRout" val="bend"/>
+                                        <dgm:param type="bendPt" val="end"/>
+                                        <dgm:param type="begPts" val="bCtr"/>
+                                        <dgm:param type="endPts" val="tCtr"/>
+                                        <dgm:param type="srcNode" val="image3"/>
+                                        <dgm:param type="dstNode" val="image4"/>
+                                      </dgm:alg>
+                                    </dgm:if>
+                                    <dgm:else name="Name26">
+                                      <dgm:alg type="conn">
+                                        <dgm:param type="dim" val="1D"/>
+                                        <dgm:param type="endSty" val="noArr"/>
+                                        <dgm:param type="connRout" val="bend"/>
+                                        <dgm:param type="bendPt" val="end"/>
+                                        <dgm:param type="begPts" val="bCtr"/>
+                                        <dgm:param type="endPts" val="tCtr"/>
+                                        <dgm:param type="srcNode" val="image4"/>
+                                        <dgm:param type="dstNode" val="image4"/>
+                                      </dgm:alg>
+                                    </dgm:else>
+                                  </dgm:choose>
+                                  <dgm:shape xmlns:r="http://schemas.openxmlformats.org/officeDocument/2006/relationships" type="conn" r:blip="" zOrderOff="-999">
+                                    <dgm:adjLst/>
+                                  </dgm:shape>
+                                  <dgm:presOf axis="self"/>
+                                  <dgm:constrLst>
+                                    <dgm:constr type="begPad"/>
+                                    <dgm:constr type="endPad"/>
+                                  </dgm:constrLst>
+                                  <dgm:ruleLst/>
+                                </dgm:layoutNode>
+                              </dgm:forEach>
+                              <dgm:forEach name="Name27" axis="self" ptType="node">
+                                <dgm:layoutNode name="hierRoot4">
+                                  <dgm:alg type="hierRoot"/>
+                                  <dgm:shape xmlns:r="http://schemas.openxmlformats.org/officeDocument/2006/relationships" r:blip="">
+                                    <dgm:adjLst/>
+                                  </dgm:shape>
+                                  <dgm:presOf/>
+                                  <dgm:constrLst>
+                                    <dgm:constr type="bendDist" for="des" ptType="parTrans" refType="sp" fact="0.5"/>
+                                  </dgm:constrLst>
+                                  <dgm:ruleLst/>
+                                  <dgm:layoutNode name="composite4">
+                                    <dgm:alg type="composite"/>
+                                    <dgm:shape xmlns:r="http://schemas.openxmlformats.org/officeDocument/2006/relationships" r:blip="">
+                                      <dgm:adjLst/>
+                                    </dgm:shape>
+                                    <dgm:presOf/>
+                                    <dgm:constrLst>
+                                      <dgm:constr type="h" for="ch" forName="image4" refType="h" fact="0.8"/>
+                                      <dgm:constr type="w" for="ch" forName="image4" refType="h" refFor="ch" refForName="image4"/>
+                                      <dgm:constr type="t" for="ch" forName="image4" refType="h" fact="0.1"/>
+                                      <dgm:constr type="l" for="ch" forName="image4"/>
+                                      <dgm:constr type="w" for="ch" forName="text4" refType="w" fact="0.6"/>
+                                      <dgm:constr type="h" for="ch" forName="text4" refType="h" fact="0.8"/>
+                                      <dgm:constr type="t" for="ch" forName="text4" refType="w" fact="0.04"/>
+                                      <dgm:constr type="l" for="ch" forName="text4" refType="w" fact="0.4"/>
+                                    </dgm:constrLst>
+                                    <dgm:ruleLst/>
+                                    <dgm:layoutNode name="image4">
+                                      <dgm:alg type="sp"/>
+                                      <dgm:shape xmlns:r="http://schemas.openxmlformats.org/officeDocument/2006/relationships" type="ellipse" r:blip="" blipPhldr="1">
+                                        <dgm:adjLst/>
+                                      </dgm:shape>
+                                      <dgm:presOf/>
+                                      <dgm:constrLst/>
+                                      <dgm:ruleLst/>
+                                    </dgm:layoutNode>
+                                    <dgm:layoutNode name="text4" styleLbl="revTx">
+                                      <dgm:varLst>
+                                        <dgm:chPref val="3"/>
+                                      </dgm:varLst>
+                                      <dgm:alg type="tx">
+                                        <dgm:param type="parTxLTRAlign" val="l"/>
+                                        <dgm:param type="parTxRTLAlign" val="r"/>
+                                      </dgm:alg>
+                                      <dgm:shape xmlns:r="http://schemas.openxmlformats.org/officeDocument/2006/relationships" type="rect" r:blip="">
+                                        <dgm:adjLst/>
+                                      </dgm:shape>
+                                      <dgm:presOf axis="self"/>
+                                      <dgm:constrLst>
+                                        <dgm:constr type="tMarg" refType="primFontSz" fact="0.3"/>
+                                        <dgm:constr type="bMarg" refType="primFontSz" fact="0.3"/>
+                                        <dgm:constr type="lMarg" refType="primFontSz" fact="0.3"/>
+                                        <dgm:constr type="rMarg" refType="primFontSz" fact="0.3"/>
+                                      </dgm:constrLst>
+                                      <dgm:ruleLst>
+                                        <dgm:rule type="primFontSz" val="5" fact="NaN" max="NaN"/>
+                                      </dgm:ruleLst>
+                                    </dgm:layoutNode>
+                                  </dgm:layoutNode>
+                                  <dgm:layoutNode name="hierChild5">
+                                    <dgm:choose name="Name28">
+                                      <dgm:if name="Name29" func="var" arg="dir" op="equ" val="norm">
+                                        <dgm:alg type="hierChild">
+                                          <dgm:param type="linDir" val="fromL"/>
+                                        </dgm:alg>
+                                      </dgm:if>
+                                      <dgm:else name="Name30">
+                                        <dgm:alg type="hierChild">
+                                          <dgm:param type="linDir" val="fromR"/>
+                                        </dgm:alg>
+                                      </dgm:else>
+                                    </dgm:choose>
+                                    <dgm:shape xmlns:r="http://schemas.openxmlformats.org/officeDocument/2006/relationships" r:blip="">
+                                      <dgm:adjLst/>
+                                    </dgm:shape>
+                                    <dgm:presOf/>
+                                    <dgm:constrLst/>
+                                    <dgm:ruleLst/>
+                                    <dgm:forEach name="Name31" ref="repeat"/>
+                                  </dgm:layoutNode>
+                                </dgm:layoutNode>
+                              </dgm:forEach>
+                            </dgm:forEach>
+                          </dgm:layoutNode>
+                        </dgm:layoutNode>
+                      </dgm:forEach>
+                    </dgm:forEach>
+                  </dgm:layoutNode>
+                </dgm:layoutNode>
+              </dgm:forEach>
+            </dgm:forEach>
+          </dgm:layoutNode>
+        </dgm:layoutNode>
+      </dgm:forEach>
+    </dgm:forEach>
+  </dgm:layoutNode>
+</dgm:layoutDef>
+</file>
+
+<file path=ppt/diagrams/quickStyle1.xml><?xml version="1.0" encoding="utf-8"?>
+<dgm:styleDef xmlns:dgm="http://schemas.openxmlformats.org/drawingml/2006/diagram" xmlns:a="http://schemas.openxmlformats.org/drawingml/2006/main" uniqueId="urn:microsoft.com/office/officeart/2005/8/quickstyle/simple1">
+  <dgm:title val=""/>
+  <dgm:desc val=""/>
+  <dgm:catLst>
+    <dgm:cat type="simple" pri="10100"/>
+  </dgm:catLst>
+  <dgm:scene3d>
+    <a:camera prst="orthographicFront"/>
+    <a:lightRig rig="threePt" dir="t"/>
+  </dgm:scene3d>
+  <dgm:styleLbl name="node0">
+    <dgm:scene3d>
+      <a:camera prst="orthographicFront"/>
+      <a:lightRig rig="threePt" dir="t"/>
+    </dgm:scene3d>
+    <dgm:sp3d/>
+    <dgm:txPr/>
+    <dgm:style>
+      <a:lnRef idx="2">
+        <a:scrgbClr r="0" g="0" b="0"/>
+      </a:lnRef>
+      <a:fillRef idx="1">
+        <a:scrgbClr r="0" g="0" b="0"/>
+      </a:fillRef>
+      <a:effectRef idx="0">
+        <a:scrgbClr r="0" g="0" b="0"/>
+      </a:effectRef>
+      <a:fontRef idx="minor">
+        <a:schemeClr val="lt1"/>
+      </a:fontRef>
+    </dgm:style>
+  </dgm:styleLbl>
+  <dgm:styleLbl name="lnNode1">
+    <dgm:scene3d>
+      <a:camera prst="orthographicFront"/>
+      <a:lightRig rig="threePt" dir="t"/>
+    </dgm:scene3d>
+    <dgm:sp3d/>
+    <dgm:txPr/>
+    <dgm:style>
+      <a:lnRef idx="2">
+        <a:scrgbClr r="0" g="0" b="0"/>
+      </a:lnRef>
+      <a:fillRef idx="1">
+        <a:scrgbClr r="0" g="0" b="0"/>
+      </a:fillRef>
+      <a:effectRef idx="0">
+        <a:scrgbClr r="0" g="0" b="0"/>
+      </a:effectRef>
+      <a:fontRef idx="minor">
+        <a:schemeClr val="lt1"/>
+      </a:fontRef>
+    </dgm:style>
+  </dgm:styleLbl>
+  <dgm:styleLbl name="vennNode1">
+    <dgm:scene3d>
+      <a:camera prst="orthographicFront"/>
+      <a:lightRig rig="threePt" dir="t"/>
+    </dgm:scene3d>
+    <dgm:sp3d/>
+    <dgm:txPr/>
+    <dgm:style>
+      <a:lnRef idx="2">
+        <a:scrgbClr r="0" g="0" b="0"/>
+      </a:lnRef>
+      <a:fillRef idx="1">
+        <a:scrgbClr r="0" g="0" b="0"/>
+      </a:fillRef>
+      <a:effectRef idx="0">
+        <a:scrgbClr r="0" g="0" b="0"/>
+      </a:effectRef>
+      <a:fontRef idx="minor">
+        <a:schemeClr val="tx1"/>
+      </a:fontRef>
+    </dgm:style>
+  </dgm:styleLbl>
+  <dgm:styleLbl name="alignNode1">
+    <dgm:scene3d>
+      <a:camera prst="orthographicFront"/>
+      <a:lightRig rig="threePt" dir="t"/>
+    </dgm:scene3d>
+    <dgm:sp3d/>
+    <dgm:txPr/>
+    <dgm:style>
+      <a:lnRef idx="2">
+        <a:scrgbClr r="0" g="0" b="0"/>
+      </a:lnRef>
+      <a:fillRef idx="1">
+        <a:scrgbClr r="0" g="0" b="0"/>
+      </a:fillRef>
+      <a:effectRef idx="0">
+        <a:scrgbClr r="0" g="0" b="0"/>
+      </a:effectRef>
+      <a:fontRef idx="minor">
+        <a:schemeClr val="lt1"/>
+      </a:fontRef>
+    </dgm:style>
+  </dgm:styleLbl>
+  <dgm:styleLbl name="node1">
+    <dgm:scene3d>
+      <a:camera prst="orthographicFront"/>
+      <a:lightRig rig="threePt" dir="t"/>
+    </dgm:scene3d>
+    <dgm:sp3d/>
+    <dgm:txPr/>
+    <dgm:style>
+      <a:lnRef idx="2">
+        <a:scrgbClr r="0" g="0" b="0"/>
+      </a:lnRef>
+      <a:fillRef idx="1">
+        <a:scrgbClr r="0" g="0" b="0"/>
+      </a:fillRef>
+      <a:effectRef idx="0">
+        <a:scrgbClr r="0" g="0" b="0"/>
+      </a:effectRef>
+      <a:fontRef idx="minor">
+        <a:schemeClr val="lt1"/>
+      </a:fontRef>
+    </dgm:style>
+  </dgm:styleLbl>
+  <dgm:styleLbl name="node2">
+    <dgm:scene3d>
+      <a:camera prst="orthographicFront"/>
+      <a:lightRig rig="threePt" dir="t"/>
+    </dgm:scene3d>
+    <dgm:sp3d/>
+    <dgm:txPr/>
+    <dgm:style>
+      <a:lnRef idx="2">
+        <a:scrgbClr r="0" g="0" b="0"/>
+      </a:lnRef>
+      <a:fillRef idx="1">
+        <a:scrgbClr r="0" g="0" b="0"/>
+      </a:fillRef>
+      <a:effectRef idx="0">
+        <a:scrgbClr r="0" g="0" b="0"/>
+      </a:effectRef>
+      <a:fontRef idx="minor">
+        <a:schemeClr val="lt1"/>
+      </a:fontRef>
+    </dgm:style>
+  </dgm:styleLbl>
+  <dgm:styleLbl name="node3">
+    <dgm:scene3d>
+      <a:camera prst="orthographicFront"/>
+      <a:lightRig rig="threePt" dir="t"/>
+    </dgm:scene3d>
+    <dgm:sp3d/>
+    <dgm:txPr/>
+    <dgm:style>
+      <a:lnRef idx="2">
+        <a:scrgbClr r="0" g="0" b="0"/>
+      </a:lnRef>
+      <a:fillRef idx="1">
+        <a:scrgbClr r="0" g="0" b="0"/>
+      </a:fillRef>
+      <a:effectRef idx="0">
+        <a:scrgbClr r="0" g="0" b="0"/>
+      </a:effectRef>
+      <a:fontRef idx="minor">
+        <a:schemeClr val="lt1"/>
+      </a:fontRef>
+    </dgm:style>
+  </dgm:styleLbl>
+  <dgm:styleLbl name="node4">
+    <dgm:scene3d>
+      <a:camera prst="orthographicFront"/>
+      <a:lightRig rig="threePt" dir="t"/>
+    </dgm:scene3d>
+    <dgm:sp3d/>
+    <dgm:txPr/>
+    <dgm:style>
+      <a:lnRef idx="2">
+        <a:scrgbClr r="0" g="0" b="0"/>
+      </a:lnRef>
+      <a:fillRef idx="1">
+        <a:scrgbClr r="0" g="0" b="0"/>
+      </a:fillRef>
+      <a:effectRef idx="0">
+        <a:scrgbClr r="0" g="0" b="0"/>
+      </a:effectRef>
+      <a:fontRef idx="minor">
+        <a:schemeClr val="lt1"/>
+      </a:fontRef>
+    </dgm:style>
+  </dgm:styleLbl>
+  <dgm:styleLbl name="fgImgPlace1">
+    <dgm:scene3d>
+      <a:camera prst="orthographicFront"/>
+      <a:lightRig rig="threePt" dir="t"/>
+    </dgm:scene3d>
+    <dgm:sp3d/>
+    <dgm:txPr/>
+    <dgm:style>
+      <a:lnRef idx="2">
+        <a:scrgbClr r="0" g="0" b="0"/>
+      </a:lnRef>
+      <a:fillRef idx="1">
+        <a:scrgbClr r="0" g="0" b="0"/>
+      </a:fillRef>
+      <a:effectRef idx="0">
+        <a:scrgbClr r="0" g="0" b="0"/>
+      </a:effectRef>
+      <a:fontRef idx="minor"/>
+    </dgm:style>
+  </dgm:styleLbl>
+  <dgm:styleLbl name="alignImgPlace1">
+    <dgm:scene3d>
+      <a:camera prst="orthographicFront"/>
+      <a:lightRig rig="threePt" dir="t"/>
+    </dgm:scene3d>
+    <dgm:sp3d/>
+    <dgm:txPr/>
+    <dgm:style>
+      <a:lnRef idx="2">
+        <a:scrgbClr r="0" g="0" b="0"/>
+      </a:lnRef>
+      <a:fillRef idx="1">
+        <a:scrgbClr r="0" g="0" b="0"/>
+      </a:fillRef>
+      <a:effectRef idx="0">
+        <a:scrgbClr r="0" g="0" b="0"/>
+      </a:effectRef>
+      <a:fontRef idx="minor"/>
+    </dgm:style>
+  </dgm:styleLbl>
+  <dgm:styleLbl name="bgImgPlace1">
+    <dgm:scene3d>
+      <a:camera prst="orthographicFront"/>
+      <a:lightRig rig="threePt" dir="t"/>
+    </dgm:scene3d>
+    <dgm:sp3d/>
+    <dgm:txPr/>
+    <dgm:style>
+      <a:lnRef idx="2">
+        <a:scrgbClr r="0" g="0" b="0"/>
+      </a:lnRef>
+      <a:fillRef idx="1">
+        <a:scrgbClr r="0" g="0" b="0"/>
+      </a:fillRef>
+      <a:effectRef idx="0">
+        <a:scrgbClr r="0" g="0" b="0"/>
+      </a:effectRef>
+      <a:fontRef idx="minor"/>
+    </dgm:style>
+  </dgm:styleLbl>
+  <dgm:styleLbl name="sibTrans2D1">
+    <dgm:scene3d>
+      <a:camera prst="orthographicFront"/>
+      <a:lightRig rig="threePt" dir="t"/>
+    </dgm:scene3d>
+    <dgm:sp3d/>
+    <dgm:txPr/>
+    <dgm:style>
+      <a:lnRef idx="0">
+        <a:scrgbClr r="0" g="0" b="0"/>
+      </a:lnRef>
+      <a:fillRef idx="1">
+        <a:scrgbClr r="0" g="0" b="0"/>
+      </a:fillRef>
+      <a:effectRef idx="0">
+        <a:scrgbClr r="0" g="0" b="0"/>
+      </a:effectRef>
+      <a:fontRef idx="minor">
+        <a:schemeClr val="lt1"/>
+      </a:fontRef>
+    </dgm:style>
+  </dgm:styleLbl>
+  <dgm:styleLbl name="fgSibTrans2D1">
+    <dgm:scene3d>
+      <a:camera prst="orthographicFront"/>
+      <a:lightRig rig="threePt" dir="t"/>
+    </dgm:scene3d>
+    <dgm:sp3d/>
+    <dgm:txPr/>
+    <dgm:style>
+      <a:lnRef idx="0">
+        <a:scrgbClr r="0" g="0" b="0"/>
+      </a:lnRef>
+      <a:fillRef idx="1">
+        <a:scrgbClr r="0" g="0" b="0"/>
+      </a:fillRef>
+      <a:effectRef idx="0">
+        <a:scrgbClr r="0" g="0" b="0"/>
+      </a:effectRef>
+      <a:fontRef idx="minor">
+        <a:schemeClr val="lt1"/>
+      </a:fontRef>
+    </dgm:style>
+  </dgm:styleLbl>
+  <dgm:styleLbl name="bgSibTrans2D1">
+    <dgm:scene3d>
+      <a:camera prst="orthographicFront"/>
+      <a:lightRig rig="threePt" dir="t"/>
+    </dgm:scene3d>
+    <dgm:sp3d/>
+    <dgm:txPr/>
+    <dgm:style>
+      <a:lnRef idx="0">
+        <a:scrgbClr r="0" g="0" b="0"/>
+      </a:lnRef>
+      <a:fillRef idx="1">
+        <a:scrgbClr r="0" g="0" b="0"/>
+      </a:fillRef>
+      <a:effectRef idx="0">
+        <a:scrgbClr r="0" g="0" b="0"/>
+      </a:effectRef>
+      <a:fontRef idx="minor">
+        <a:schemeClr val="lt1"/>
+      </a:fontRef>
+    </dgm:style>
+  </dgm:styleLbl>
+  <dgm:styleLbl name="sibTrans1D1">
+    <dgm:scene3d>
+      <a:camera prst="orthographicFront"/>
+      <a:lightRig rig="threePt" dir="t"/>
+    </dgm:scene3d>
+    <dgm:sp3d/>
+    <dgm:txPr/>
+    <dgm:style>
+      <a:lnRef idx="1">
+        <a:scrgbClr r="0" g="0" b="0"/>
+      </a:lnRef>
+      <a:fillRef idx="0">
+        <a:scrgbClr r="0" g="0" b="0"/>
+      </a:fillRef>
+      <a:effectRef idx="0">
+        <a:scrgbClr r="0" g="0" b="0"/>
+      </a:effectRef>
+      <a:fontRef idx="minor"/>
+    </dgm:style>
+  </dgm:styleLbl>
+  <dgm:styleLbl name="callout">
+    <dgm:scene3d>
+      <a:camera prst="orthographicFront"/>
+      <a:lightRig rig="threePt" dir="t"/>
+    </dgm:scene3d>
+    <dgm:sp3d/>
+    <dgm:txPr/>
+    <dgm:style>
+      <a:lnRef idx="2">
+        <a:scrgbClr r="0" g="0" b="0"/>
+      </a:lnRef>
+      <a:fillRef idx="1">
+        <a:scrgbClr r="0" g="0" b="0"/>
+      </a:fillRef>
+      <a:effectRef idx="0">
+        <a:scrgbClr r="0" g="0" b="0"/>
+      </a:effectRef>
+      <a:fontRef idx="minor"/>
+    </dgm:style>
+  </dgm:styleLbl>
+  <dgm:styleLbl name="asst0">
+    <dgm:scene3d>
+      <a:camera prst="orthographicFront"/>
+      <a:lightRig rig="threePt" dir="t"/>
+    </dgm:scene3d>
+    <dgm:sp3d/>
+    <dgm:txPr/>
+    <dgm:style>
+      <a:lnRef idx="2">
+        <a:scrgbClr r="0" g="0" b="0"/>
+      </a:lnRef>
+      <a:fillRef idx="1">
+        <a:scrgbClr r="0" g="0" b="0"/>
+      </a:fillRef>
+      <a:effectRef idx="0">
+        <a:scrgbClr r="0" g="0" b="0"/>
+      </a:effectRef>
+      <a:fontRef idx="minor">
+        <a:schemeClr val="lt1"/>
+      </a:fontRef>
+    </dgm:style>
+  </dgm:styleLbl>
+  <dgm:styleLbl name="asst1">
+    <dgm:scene3d>
+      <a:camera prst="orthographicFront"/>
+      <a:lightRig rig="threePt" dir="t"/>
+    </dgm:scene3d>
+    <dgm:sp3d/>
+    <dgm:txPr/>
+    <dgm:style>
+      <a:lnRef idx="2">
+        <a:scrgbClr r="0" g="0" b="0"/>
+      </a:lnRef>
+      <a:fillRef idx="1">
+        <a:scrgbClr r="0" g="0" b="0"/>
+      </a:fillRef>
+      <a:effectRef idx="0">
+        <a:scrgbClr r="0" g="0" b="0"/>
+      </a:effectRef>
+      <a:fontRef idx="minor">
+        <a:schemeClr val="lt1"/>
+      </a:fontRef>
+    </dgm:style>
+  </dgm:styleLbl>
+  <dgm:styleLbl name="asst2">
+    <dgm:scene3d>
+      <a:camera prst="orthographicFront"/>
+      <a:lightRig rig="threePt" dir="t"/>
+    </dgm:scene3d>
+    <dgm:sp3d/>
+    <dgm:txPr/>
+    <dgm:style>
+      <a:lnRef idx="2">
+        <a:scrgbClr r="0" g="0" b="0"/>
+      </a:lnRef>
+      <a:fillRef idx="1">
+        <a:scrgbClr r="0" g="0" b="0"/>
+      </a:fillRef>
+      <a:effectRef idx="0">
+        <a:scrgbClr r="0" g="0" b="0"/>
+      </a:effectRef>
+      <a:fontRef idx="minor">
+        <a:schemeClr val="lt1"/>
+      </a:fontRef>
+    </dgm:style>
+  </dgm:styleLbl>
+  <dgm:styleLbl name="asst3">
+    <dgm:scene3d>
+      <a:camera prst="orthographicFront"/>
+      <a:lightRig rig="threePt" dir="t"/>
+    </dgm:scene3d>
+    <dgm:sp3d/>
+    <dgm:txPr/>
+    <dgm:style>
+      <a:lnRef idx="2">
+        <a:scrgbClr r="0" g="0" b="0"/>
+      </a:lnRef>
+      <a:fillRef idx="1">
+        <a:scrgbClr r="0" g="0" b="0"/>
+      </a:fillRef>
+      <a:effectRef idx="0">
+        <a:scrgbClr r="0" g="0" b="0"/>
+      </a:effectRef>
+      <a:fontRef idx="minor">
+        <a:schemeClr val="lt1"/>
+      </a:fontRef>
+    </dgm:style>
+  </dgm:styleLbl>
+  <dgm:styleLbl name="asst4">
+    <dgm:scene3d>
+      <a:camera prst="orthographicFront"/>
+      <a:lightRig rig="threePt" dir="t"/>
+    </dgm:scene3d>
+    <dgm:sp3d/>
+    <dgm:txPr/>
+    <dgm:style>
+      <a:lnRef idx="2">
+        <a:scrgbClr r="0" g="0" b="0"/>
+      </a:lnRef>
+      <a:fillRef idx="1">
+        <a:scrgbClr r="0" g="0" b="0"/>
+      </a:fillRef>
+      <a:effectRef idx="0">
+        <a:scrgbClr r="0" g="0" b="0"/>
+      </a:effectRef>
+      <a:fontRef idx="minor">
+        <a:schemeClr val="lt1"/>
+      </a:fontRef>
+    </dgm:style>
+  </dgm:styleLbl>
+  <dgm:styleLbl name="parChTrans2D1">
+    <dgm:scene3d>
+      <a:camera prst="orthographicFront"/>
+      <a:lightRig rig="threePt" dir="t"/>
+    </dgm:scene3d>
+    <dgm:sp3d/>
+    <dgm:txPr/>
+    <dgm:style>
+      <a:lnRef idx="2">
+        <a:scrgbClr r="0" g="0" b="0"/>
+      </a:lnRef>
+      <a:fillRef idx="1">
+        <a:scrgbClr r="0" g="0" b="0"/>
+      </a:fillRef>
+      <a:effectRef idx="0">
+        <a:scrgbClr r="0" g="0" b="0"/>
+      </a:effectRef>
+      <a:fontRef idx="minor">
+        <a:schemeClr val="lt1"/>
+      </a:fontRef>
+    </dgm:style>
+  </dgm:styleLbl>
+  <dgm:styleLbl name="parChTrans2D2">
+    <dgm:scene3d>
+      <a:camera prst="orthographicFront"/>
+      <a:lightRig rig="threePt" dir="t"/>
+    </dgm:scene3d>
+    <dgm:sp3d/>
+    <dgm:txPr/>
+    <dgm:style>
+      <a:lnRef idx="2">
+        <a:scrgbClr r="0" g="0" b="0"/>
+      </a:lnRef>
+      <a:fillRef idx="1">
+        <a:scrgbClr r="0" g="0" b="0"/>
+      </a:fillRef>
+      <a:effectRef idx="0">
+        <a:scrgbClr r="0" g="0" b="0"/>
+      </a:effectRef>
+      <a:fontRef idx="minor">
+        <a:schemeClr val="lt1"/>
+      </a:fontRef>
+    </dgm:style>
+  </dgm:styleLbl>
+  <dgm:styleLbl name="parChTrans2D3">
+    <dgm:scene3d>
+      <a:camera prst="orthographicFront"/>
+      <a:lightRig rig="threePt" dir="t"/>
+    </dgm:scene3d>
+    <dgm:sp3d/>
+    <dgm:txPr/>
+    <dgm:style>
+      <a:lnRef idx="2">
+        <a:scrgbClr r="0" g="0" b="0"/>
+      </a:lnRef>
+      <a:fillRef idx="1">
+        <a:scrgbClr r="0" g="0" b="0"/>
+      </a:fillRef>
+      <a:effectRef idx="0">
+        <a:scrgbClr r="0" g="0" b="0"/>
+      </a:effectRef>
+      <a:fontRef idx="minor">
+        <a:schemeClr val="lt1"/>
+      </a:fontRef>
+    </dgm:style>
+  </dgm:styleLbl>
+  <dgm:styleLbl name="parChTrans2D4">
+    <dgm:scene3d>
+      <a:camera prst="orthographicFront"/>
+      <a:lightRig rig="threePt" dir="t"/>
+    </dgm:scene3d>
+    <dgm:sp3d/>
+    <dgm:txPr/>
+    <dgm:style>
+      <a:lnRef idx="2">
+        <a:scrgbClr r="0" g="0" b="0"/>
+      </a:lnRef>
+      <a:fillRef idx="1">
+        <a:scrgbClr r="0" g="0" b="0"/>
+      </a:fillRef>
+      <a:effectRef idx="0">
+        <a:scrgbClr r="0" g="0" b="0"/>
+      </a:effectRef>
+      <a:fontRef idx="minor">
+        <a:schemeClr val="lt1"/>
+      </a:fontRef>
+    </dgm:style>
+  </dgm:styleLbl>
+  <dgm:styleLbl name="parChTrans1D1">
+    <dgm:scene3d>
+      <a:camera prst="orthographicFront"/>
+      <a:lightRig rig="threePt" dir="t"/>
+    </dgm:scene3d>
+    <dgm:sp3d/>
+    <dgm:txPr/>
+    <dgm:style>
+      <a:lnRef idx="2">
+        <a:scrgbClr r="0" g="0" b="0"/>
+      </a:lnRef>
+      <a:fillRef idx="0">
+        <a:scrgbClr r="0" g="0" b="0"/>
+      </a:fillRef>
+      <a:effectRef idx="0">
+        <a:scrgbClr r="0" g="0" b="0"/>
+      </a:effectRef>
+      <a:fontRef idx="minor"/>
+    </dgm:style>
+  </dgm:styleLbl>
+  <dgm:styleLbl name="parChTrans1D2">
+    <dgm:scene3d>
+      <a:camera prst="orthographicFront"/>
+      <a:lightRig rig="threePt" dir="t"/>
+    </dgm:scene3d>
+    <dgm:sp3d/>
+    <dgm:txPr/>
+    <dgm:style>
+      <a:lnRef idx="2">
+        <a:scrgbClr r="0" g="0" b="0"/>
+      </a:lnRef>
+      <a:fillRef idx="0">
+        <a:scrgbClr r="0" g="0" b="0"/>
+      </a:fillRef>
+      <a:effectRef idx="0">
+        <a:scrgbClr r="0" g="0" b="0"/>
+      </a:effectRef>
+      <a:fontRef idx="minor"/>
+    </dgm:style>
+  </dgm:styleLbl>
+  <dgm:styleLbl name="parChTrans1D3">
+    <dgm:scene3d>
+      <a:camera prst="orthographicFront"/>
+      <a:lightRig rig="threePt" dir="t"/>
+    </dgm:scene3d>
+    <dgm:sp3d/>
+    <dgm:txPr/>
+    <dgm:style>
+      <a:lnRef idx="2">
+        <a:scrgbClr r="0" g="0" b="0"/>
+      </a:lnRef>
+      <a:fillRef idx="0">
+        <a:scrgbClr r="0" g="0" b="0"/>
+      </a:fillRef>
+      <a:effectRef idx="0">
+        <a:scrgbClr r="0" g="0" b="0"/>
+      </a:effectRef>
+      <a:fontRef idx="minor"/>
+    </dgm:style>
+  </dgm:styleLbl>
+  <dgm:styleLbl name="parChTrans1D4">
+    <dgm:scene3d>
+      <a:camera prst="orthographicFront"/>
+      <a:lightRig rig="threePt" dir="t"/>
+    </dgm:scene3d>
+    <dgm:sp3d/>
+    <dgm:txPr/>
+    <dgm:style>
+      <a:lnRef idx="2">
+        <a:scrgbClr r="0" g="0" b="0"/>
+      </a:lnRef>
+      <a:fillRef idx="0">
+        <a:scrgbClr r="0" g="0" b="0"/>
+      </a:fillRef>
+      <a:effectRef idx="0">
+        <a:scrgbClr r="0" g="0" b="0"/>
+      </a:effectRef>
+      <a:fontRef idx="minor"/>
+    </dgm:style>
+  </dgm:styleLbl>
+  <dgm:styleLbl name="fgAcc1">
+    <dgm:scene3d>
+      <a:camera prst="orthographicFront"/>
+      <a:lightRig rig="threePt" dir="t"/>
+    </dgm:scene3d>
+    <dgm:sp3d/>
+    <dgm:txPr/>
+    <dgm:style>
+      <a:lnRef idx="2">
+        <a:scrgbClr r="0" g="0" b="0"/>
+      </a:lnRef>
+      <a:fillRef idx="1">
+        <a:scrgbClr r="0" g="0" b="0"/>
+      </a:fillRef>
+      <a:effectRef idx="0">
+        <a:scrgbClr r="0" g="0" b="0"/>
+      </a:effectRef>
+      <a:fontRef idx="minor"/>
+    </dgm:style>
+  </dgm:styleLbl>
+  <dgm:styleLbl name="conFgAcc1">
+    <dgm:scene3d>
+      <a:camera prst="orthographicFront"/>
+      <a:lightRig rig="threePt" dir="t"/>
+    </dgm:scene3d>
+    <dgm:sp3d/>
+    <dgm:txPr/>
+    <dgm:style>
+      <a:lnRef idx="2">
+        <a:scrgbClr r="0" g="0" b="0"/>
+      </a:lnRef>
+      <a:fillRef idx="1">
+        <a:scrgbClr r="0" g="0" b="0"/>
+      </a:fillRef>
+      <a:effectRef idx="0">
+        <a:scrgbClr r="0" g="0" b="0"/>
+      </a:effectRef>
+      <a:fontRef idx="minor"/>
+    </dgm:style>
+  </dgm:styleLbl>
+  <dgm:styleLbl name="alignAcc1">
+    <dgm:scene3d>
+      <a:camera prst="orthographicFront"/>
+      <a:lightRig rig="threePt" dir="t"/>
+    </dgm:scene3d>
+    <dgm:sp3d/>
+    <dgm:txPr/>
+    <dgm:style>
+      <a:lnRef idx="2">
+        <a:scrgbClr r="0" g="0" b="0"/>
+      </a:lnRef>
+      <a:fillRef idx="1">
+        <a:scrgbClr r="0" g="0" b="0"/>
+      </a:fillRef>
+      <a:effectRef idx="0">
+        <a:scrgbClr r="0" g="0" b="0"/>
+      </a:effectRef>
+      <a:fontRef idx="minor"/>
+    </dgm:style>
+  </dgm:styleLbl>
+  <dgm:styleLbl name="trAlignAcc1">
+    <dgm:scene3d>
+      <a:camera prst="orthographicFront"/>
+      <a:lightRig rig="threePt" dir="t"/>
+    </dgm:scene3d>
+    <dgm:sp3d/>
+    <dgm:txPr/>
+    <dgm:style>
+      <a:lnRef idx="1">
+        <a:scrgbClr r="0" g="0" b="0"/>
+      </a:lnRef>
+      <a:fillRef idx="1">
+        <a:scrgbClr r="0" g="0" b="0"/>
+      </a:fillRef>
+      <a:effectRef idx="0">
+        <a:scrgbClr r="0" g="0" b="0"/>
+      </a:effectRef>
+      <a:fontRef idx="minor"/>
+    </dgm:style>
+  </dgm:styleLbl>
+  <dgm:styleLbl name="bgAcc1">
+    <dgm:scene3d>
+      <a:camera prst="orthographicFront"/>
+      <a:lightRig rig="threePt" dir="t"/>
+    </dgm:scene3d>
+    <dgm:sp3d/>
+    <dgm:txPr/>
+    <dgm:style>
+      <a:lnRef idx="2">
+        <a:scrgbClr r="0" g="0" b="0"/>
+      </a:lnRef>
+      <a:fillRef idx="1">
+        <a:scrgbClr r="0" g="0" b="0"/>
+      </a:fillRef>
+      <a:effectRef idx="0">
+        <a:scrgbClr r="0" g="0" b="0"/>
+      </a:effectRef>
+      <a:fontRef idx="minor"/>
+    </dgm:style>
+  </dgm:styleLbl>
+  <dgm:styleLbl name="solidFgAcc1">
+    <dgm:scene3d>
+      <a:camera prst="orthographicFront"/>
+      <a:lightRig rig="threePt" dir="t"/>
+    </dgm:scene3d>
+    <dgm:sp3d/>
+    <dgm:txPr/>
+    <dgm:style>
+      <a:lnRef idx="2">
+        <a:scrgbClr r="0" g="0" b="0"/>
+      </a:lnRef>
+      <a:fillRef idx="1">
+        <a:scrgbClr r="0" g="0" b="0"/>
+      </a:fillRef>
+      <a:effectRef idx="0">
+        <a:scrgbClr r="0" g="0" b="0"/>
+      </a:effectRef>
+      <a:fontRef idx="minor"/>
+    </dgm:style>
+  </dgm:styleLbl>
+  <dgm:styleLbl name="solidAlignAcc1">
+    <dgm:scene3d>
+      <a:camera prst="orthographicFront"/>
+      <a:lightRig rig="threePt" dir="t"/>
+    </dgm:scene3d>
+    <dgm:sp3d/>
+    <dgm:txPr/>
+    <dgm:style>
+      <a:lnRef idx="2">
+        <a:scrgbClr r="0" g="0" b="0"/>
+      </a:lnRef>
+      <a:fillRef idx="1">
+        <a:scrgbClr r="0" g="0" b="0"/>
+      </a:fillRef>
+      <a:effectRef idx="0">
+        <a:scrgbClr r="0" g="0" b="0"/>
+      </a:effectRef>
+      <a:fontRef idx="minor"/>
+    </dgm:style>
+  </dgm:styleLbl>
+  <dgm:styleLbl name="solidBgAcc1">
+    <dgm:scene3d>
+      <a:camera prst="orthographicFront"/>
+      <a:lightRig rig="threePt" dir="t"/>
+    </dgm:scene3d>
+    <dgm:sp3d/>
+    <dgm:txPr/>
+    <dgm:style>
+      <a:lnRef idx="2">
+        <a:scrgbClr r="0" g="0" b="0"/>
+      </a:lnRef>
+      <a:fillRef idx="1">
+        <a:scrgbClr r="0" g="0" b="0"/>
+      </a:fillRef>
+      <a:effectRef idx="0">
+        <a:scrgbClr r="0" g="0" b="0"/>
+      </a:effectRef>
+      <a:fontRef idx="minor"/>
+    </dgm:style>
+  </dgm:styleLbl>
+  <dgm:styleLbl name="fgAccFollowNode1">
+    <dgm:scene3d>
+      <a:camera prst="orthographicFront"/>
+      <a:lightRig rig="threePt" dir="t"/>
+    </dgm:scene3d>
+    <dgm:sp3d/>
+    <dgm:txPr/>
+    <dgm:style>
+      <a:lnRef idx="2">
+        <a:scrgbClr r="0" g="0" b="0"/>
+      </a:lnRef>
+      <a:fillRef idx="1">
+        <a:scrgbClr r="0" g="0" b="0"/>
+      </a:fillRef>
+      <a:effectRef idx="0">
+        <a:scrgbClr r="0" g="0" b="0"/>
+      </a:effectRef>
+      <a:fontRef idx="minor"/>
+    </dgm:style>
+  </dgm:styleLbl>
+  <dgm:styleLbl name="alignAccFollowNode1">
+    <dgm:scene3d>
+      <a:camera prst="orthographicFront"/>
+      <a:lightRig rig="threePt" dir="t"/>
+    </dgm:scene3d>
+    <dgm:sp3d/>
+    <dgm:txPr/>
+    <dgm:style>
+      <a:lnRef idx="2">
+        <a:scrgbClr r="0" g="0" b="0"/>
+      </a:lnRef>
+      <a:fillRef idx="1">
+        <a:scrgbClr r="0" g="0" b="0"/>
+      </a:fillRef>
+      <a:effectRef idx="0">
+        <a:scrgbClr r="0" g="0" b="0"/>
+      </a:effectRef>
+      <a:fontRef idx="minor"/>
+    </dgm:style>
+  </dgm:styleLbl>
+  <dgm:styleLbl name="bgAccFollowNode1">
+    <dgm:scene3d>
+      <a:camera prst="orthographicFront"/>
+      <a:lightRig rig="threePt" dir="t"/>
+    </dgm:scene3d>
+    <dgm:sp3d/>
+    <dgm:txPr/>
+    <dgm:style>
+      <a:lnRef idx="2">
+        <a:scrgbClr r="0" g="0" b="0"/>
+      </a:lnRef>
+      <a:fillRef idx="1">
+        <a:scrgbClr r="0" g="0" b="0"/>
+      </a:fillRef>
+      <a:effectRef idx="0">
+        <a:scrgbClr r="0" g="0" b="0"/>
+      </a:effectRef>
+      <a:fontRef idx="minor"/>
+    </dgm:style>
+  </dgm:styleLbl>
+  <dgm:styleLbl name="fgAcc0">
+    <dgm:scene3d>
+      <a:camera prst="orthographicFront"/>
+      <a:lightRig rig="threePt" dir="t"/>
+    </dgm:scene3d>
+    <dgm:sp3d/>
+    <dgm:txPr/>
+    <dgm:style>
+      <a:lnRef idx="2">
+        <a:scrgbClr r="0" g="0" b="0"/>
+      </a:lnRef>
+      <a:fillRef idx="1">
+        <a:scrgbClr r="0" g="0" b="0"/>
+      </a:fillRef>
+      <a:effectRef idx="0">
+        <a:scrgbClr r="0" g="0" b="0"/>
+      </a:effectRef>
+      <a:fontRef idx="minor"/>
+    </dgm:style>
+  </dgm:styleLbl>
+  <dgm:styleLbl name="fgAcc2">
+    <dgm:scene3d>
+      <a:camera prst="orthographicFront"/>
+      <a:lightRig rig="threePt" dir="t"/>
+    </dgm:scene3d>
+    <dgm:sp3d/>
+    <dgm:txPr/>
+    <dgm:style>
+      <a:lnRef idx="2">
+        <a:scrgbClr r="0" g="0" b="0"/>
+      </a:lnRef>
+      <a:fillRef idx="1">
+        <a:scrgbClr r="0" g="0" b="0"/>
+      </a:fillRef>
+      <a:effectRef idx="0">
+        <a:scrgbClr r="0" g="0" b="0"/>
+      </a:effectRef>
+      <a:fontRef idx="minor"/>
+    </dgm:style>
+  </dgm:styleLbl>
+  <dgm:styleLbl name="fgAcc3">
+    <dgm:scene3d>
+      <a:camera prst="orthographicFront"/>
+      <a:lightRig rig="threePt" dir="t"/>
+    </dgm:scene3d>
+    <dgm:sp3d/>
+    <dgm:txPr/>
+    <dgm:style>
+      <a:lnRef idx="2">
+        <a:scrgbClr r="0" g="0" b="0"/>
+      </a:lnRef>
+      <a:fillRef idx="1">
+        <a:scrgbClr r="0" g="0" b="0"/>
+      </a:fillRef>
+      <a:effectRef idx="0">
+        <a:scrgbClr r="0" g="0" b="0"/>
+      </a:effectRef>
+      <a:fontRef idx="minor"/>
+    </dgm:style>
+  </dgm:styleLbl>
+  <dgm:styleLbl name="fgAcc4">
+    <dgm:scene3d>
+      <a:camera prst="orthographicFront"/>
+      <a:lightRig rig="threePt" dir="t"/>
+    </dgm:scene3d>
+    <dgm:sp3d/>
+    <dgm:txPr/>
+    <dgm:style>
+      <a:lnRef idx="2">
+        <a:scrgbClr r="0" g="0" b="0"/>
+      </a:lnRef>
+      <a:fillRef idx="1">
+        <a:scrgbClr r="0" g="0" b="0"/>
+      </a:fillRef>
+      <a:effectRef idx="0">
+        <a:scrgbClr r="0" g="0" b="0"/>
+      </a:effectRef>
+      <a:fontRef idx="minor"/>
+    </dgm:style>
+  </dgm:styleLbl>
+  <dgm:styleLbl name="bgShp">
+    <dgm:scene3d>
+      <a:camera prst="orthographicFront"/>
+      <a:lightRig rig="threePt" dir="t"/>
+    </dgm:scene3d>
+    <dgm:sp3d/>
+    <dgm:txPr/>
+    <dgm:style>
+      <a:lnRef idx="0">
+        <a:scrgbClr r="0" g="0" b="0"/>
+      </a:lnRef>
+      <a:fillRef idx="1">
+        <a:scrgbClr r="0" g="0" b="0"/>
+      </a:fillRef>
+      <a:effectRef idx="0">
+        <a:scrgbClr r="0" g="0" b="0"/>
+      </a:effectRef>
+      <a:fontRef idx="minor"/>
+    </dgm:style>
+  </dgm:styleLbl>
+  <dgm:styleLbl name="dkBgShp">
+    <dgm:scene3d>
+      <a:camera prst="orthographicFront"/>
+      <a:lightRig rig="threePt" dir="t"/>
+    </dgm:scene3d>
+    <dgm:sp3d/>
+    <dgm:txPr/>
+    <dgm:style>
+      <a:lnRef idx="0">
+        <a:scrgbClr r="0" g="0" b="0"/>
+      </a:lnRef>
+      <a:fillRef idx="1">
+        <a:scrgbClr r="0" g="0" b="0"/>
+      </a:fillRef>
+      <a:effectRef idx="0">
+        <a:scrgbClr r="0" g="0" b="0"/>
+      </a:effectRef>
+      <a:fontRef idx="minor"/>
+    </dgm:style>
+  </dgm:styleLbl>
+  <dgm:styleLbl name="trBgShp">
+    <dgm:scene3d>
+      <a:camera prst="orthographicFront"/>
+      <a:lightRig rig="threePt" dir="t"/>
+    </dgm:scene3d>
+    <dgm:sp3d/>
+    <dgm:txPr/>
+    <dgm:style>
+      <a:lnRef idx="0">
+        <a:scrgbClr r="0" g="0" b="0"/>
+      </a:lnRef>
+      <a:fillRef idx="1">
+        <a:scrgbClr r="0" g="0" b="0"/>
+      </a:fillRef>
+      <a:effectRef idx="0">
+        <a:scrgbClr r="0" g="0" b="0"/>
+      </a:effectRef>
+      <a:fontRef idx="minor"/>
+    </dgm:style>
+  </dgm:styleLbl>
+  <dgm:styleLbl name="fgShp">
+    <dgm:scene3d>
+      <a:camera prst="orthographicFront"/>
+      <a:lightRig rig="threePt" dir="t"/>
+    </dgm:scene3d>
+    <dgm:sp3d/>
+    <dgm:txPr/>
+    <dgm:style>
+      <a:lnRef idx="2">
+        <a:scrgbClr r="0" g="0" b="0"/>
+      </a:lnRef>
+      <a:fillRef idx="1">
+        <a:scrgbClr r="0" g="0" b="0"/>
+      </a:fillRef>
+      <a:effectRef idx="0">
+        <a:scrgbClr r="0" g="0" b="0"/>
+      </a:effectRef>
+      <a:fontRef idx="minor"/>
+    </dgm:style>
+  </dgm:styleLbl>
+  <dgm:styleLbl name="revTx">
+    <dgm:scene3d>
+      <a:camera prst="orthographicFront"/>
+      <a:lightRig rig="threePt" dir="t"/>
+    </dgm:scene3d>
+    <dgm:sp3d/>
+    <dgm:txPr/>
+    <dgm:style>
+      <a:lnRef idx="0">
+        <a:scrgbClr r="0" g="0" b="0"/>
+      </a:lnRef>
+      <a:fillRef idx="0">
+        <a:scrgbClr r="0" g="0" b="0"/>
+      </a:fillRef>
+      <a:effectRef idx="0">
+        <a:scrgbClr r="0" g="0" b="0"/>
+      </a:effectRef>
+      <a:fontRef idx="minor"/>
+    </dgm:style>
+  </dgm:styleLbl>
+</dgm:styleDef>
 </file>
 
 <file path=ppt/notesMasters/notesMaster1.xml><?xml version="1.0" encoding="utf-8"?>
@@ -5452,7 +9994,7 @@
         <p:spPr>
           <a:xfrm>
             <a:off x="563672" y="1691014"/>
-            <a:ext cx="7818328" cy="5047536"/>
+            <a:ext cx="7818328" cy="5016758"/>
           </a:xfrm>
           <a:prstGeom prst="rect">
             <a:avLst/>
@@ -5489,6 +10031,57 @@
               </a:rPr>
               <a:t>Normally generated from program text</a:t>
             </a:r>
+            <a:endParaRPr lang="en-US" dirty="0">
+              <a:latin typeface="Comic Sans MS" panose="030F0702030302020204" pitchFamily="66" charset="0"/>
+              <a:cs typeface="Consolas" panose="020B0609020204030204" pitchFamily="49" charset="0"/>
+            </a:endParaRPr>
+          </a:p>
+          <a:p>
+            <a:pPr marL="285750" indent="-285750">
+              <a:buFont typeface="Arial" panose="020B0604020202020204" pitchFamily="34" charset="0"/>
+              <a:buChar char="•"/>
+            </a:pPr>
+            <a:r>
+              <a:rPr lang="en-US" dirty="0" smtClean="0">
+                <a:latin typeface="Comic Sans MS" panose="030F0702030302020204" pitchFamily="66" charset="0"/>
+                <a:cs typeface="Consolas" panose="020B0609020204030204" pitchFamily="49" charset="0"/>
+              </a:rPr>
+              <a:t>Example:</a:t>
+            </a:r>
+          </a:p>
+          <a:p>
+            <a:pPr marL="285750" indent="-285750">
+              <a:buFont typeface="Arial" panose="020B0604020202020204" pitchFamily="34" charset="0"/>
+              <a:buChar char="•"/>
+            </a:pPr>
+            <a:r>
+              <a:rPr lang="en-US" dirty="0" smtClean="0">
+                <a:latin typeface="Comic Sans MS" panose="030F0702030302020204" pitchFamily="66" charset="0"/>
+                <a:cs typeface="Consolas" panose="020B0609020204030204" pitchFamily="49" charset="0"/>
+              </a:rPr>
+              <a:t>x</a:t>
+            </a:r>
+            <a:r>
+              <a:rPr lang="en-US" dirty="0" smtClean="0">
+                <a:latin typeface="Comic Sans MS" panose="030F0702030302020204" pitchFamily="66" charset="0"/>
+                <a:cs typeface="Consolas" panose="020B0609020204030204" pitchFamily="49" charset="0"/>
+              </a:rPr>
+              <a:t>*</a:t>
+            </a:r>
+            <a:r>
+              <a:rPr lang="en-US" dirty="0" err="1" smtClean="0">
+                <a:latin typeface="Comic Sans MS" panose="030F0702030302020204" pitchFamily="66" charset="0"/>
+                <a:cs typeface="Consolas" panose="020B0609020204030204" pitchFamily="49" charset="0"/>
+              </a:rPr>
+              <a:t>y+f</a:t>
+            </a:r>
+            <a:r>
+              <a:rPr lang="en-US" dirty="0" smtClean="0">
+                <a:latin typeface="Comic Sans MS" panose="030F0702030302020204" pitchFamily="66" charset="0"/>
+                <a:cs typeface="Consolas" panose="020B0609020204030204" pitchFamily="49" charset="0"/>
+              </a:rPr>
+              <a:t>(z)</a:t>
+            </a:r>
           </a:p>
           <a:p>
             <a:pPr marL="285750" indent="-285750">
@@ -5505,47 +10098,10 @@
               <a:buFont typeface="Arial" panose="020B0604020202020204" pitchFamily="34" charset="0"/>
               <a:buChar char="•"/>
             </a:pPr>
-            <a:r>
-              <a:rPr lang="en-US" dirty="0" smtClean="0">
-                <a:latin typeface="Comic Sans MS" panose="030F0702030302020204" pitchFamily="66" charset="0"/>
-                <a:cs typeface="Consolas" panose="020B0609020204030204" pitchFamily="49" charset="0"/>
-              </a:rPr>
-              <a:t>Example:</a:t>
-            </a:r>
-          </a:p>
-          <a:p>
-            <a:pPr marL="285750" indent="-285750">
-              <a:buFont typeface="Arial" panose="020B0604020202020204" pitchFamily="34" charset="0"/>
-              <a:buChar char="•"/>
-            </a:pPr>
-            <a:r>
-              <a:rPr lang="en-US" dirty="0" smtClean="0">
-                <a:latin typeface="Comic Sans MS" panose="030F0702030302020204" pitchFamily="66" charset="0"/>
-                <a:cs typeface="Consolas" panose="020B0609020204030204" pitchFamily="49" charset="0"/>
-              </a:rPr>
-              <a:t>x</a:t>
-            </a:r>
-            <a:r>
-              <a:rPr lang="en-US" dirty="0" smtClean="0">
-                <a:latin typeface="Comic Sans MS" panose="030F0702030302020204" pitchFamily="66" charset="0"/>
-                <a:cs typeface="Consolas" panose="020B0609020204030204" pitchFamily="49" charset="0"/>
-              </a:rPr>
-              <a:t>*</a:t>
-            </a:r>
-            <a:r>
-              <a:rPr lang="en-US" dirty="0" err="1" smtClean="0">
-                <a:latin typeface="Comic Sans MS" panose="030F0702030302020204" pitchFamily="66" charset="0"/>
-                <a:cs typeface="Consolas" panose="020B0609020204030204" pitchFamily="49" charset="0"/>
-              </a:rPr>
-              <a:t>y+f</a:t>
-            </a:r>
-            <a:r>
-              <a:rPr lang="en-US" dirty="0" smtClean="0">
-                <a:latin typeface="Comic Sans MS" panose="030F0702030302020204" pitchFamily="66" charset="0"/>
-                <a:cs typeface="Consolas" panose="020B0609020204030204" pitchFamily="49" charset="0"/>
-              </a:rPr>
-              <a:t>(z)</a:t>
-            </a:r>
+            <a:endParaRPr lang="en-US" dirty="0" smtClean="0">
+              <a:latin typeface="Comic Sans MS" panose="030F0702030302020204" pitchFamily="66" charset="0"/>
+              <a:cs typeface="Consolas" panose="020B0609020204030204" pitchFamily="49" charset="0"/>
+            </a:endParaRPr>
           </a:p>
           <a:p>
             <a:pPr marL="285750" indent="-285750">
@@ -5632,7 +10188,7 @@
               <a:buFont typeface="Arial" panose="020B0604020202020204" pitchFamily="34" charset="0"/>
               <a:buChar char="•"/>
             </a:pPr>
-            <a:endParaRPr lang="en-US" dirty="0">
+            <a:endParaRPr lang="en-US" dirty="0" smtClean="0">
               <a:latin typeface="Comic Sans MS" panose="030F0702030302020204" pitchFamily="66" charset="0"/>
               <a:cs typeface="Consolas" panose="020B0609020204030204" pitchFamily="49" charset="0"/>
             </a:endParaRPr>
@@ -5642,7 +10198,7 @@
               <a:buFont typeface="Arial" panose="020B0604020202020204" pitchFamily="34" charset="0"/>
               <a:buChar char="•"/>
             </a:pPr>
-            <a:endParaRPr lang="en-US" dirty="0" smtClean="0">
+            <a:endParaRPr lang="en-US" sz="1600" dirty="0" smtClean="0">
               <a:latin typeface="Comic Sans MS" panose="030F0702030302020204" pitchFamily="66" charset="0"/>
               <a:cs typeface="Consolas" panose="020B0609020204030204" pitchFamily="49" charset="0"/>
             </a:endParaRPr>
@@ -5652,10 +10208,48 @@
               <a:buFont typeface="Arial" panose="020B0604020202020204" pitchFamily="34" charset="0"/>
               <a:buChar char="•"/>
             </a:pPr>
-            <a:endParaRPr lang="en-US" dirty="0" smtClean="0">
-              <a:latin typeface="Comic Sans MS" panose="030F0702030302020204" pitchFamily="66" charset="0"/>
-              <a:cs typeface="Consolas" panose="020B0609020204030204" pitchFamily="49" charset="0"/>
-            </a:endParaRPr>
+            <a:r>
+              <a:rPr lang="en-US" sz="1600" smtClean="0">
+                <a:latin typeface="Comic Sans MS" panose="030F0702030302020204" pitchFamily="66" charset="0"/>
+                <a:cs typeface="Consolas" panose="020B0609020204030204" pitchFamily="49" charset="0"/>
+              </a:rPr>
+              <a:t>Add(Multiply(Variable</a:t>
+            </a:r>
+            <a:r>
+              <a:rPr lang="en-US" sz="1600" dirty="0" smtClean="0">
+                <a:latin typeface="Comic Sans MS" panose="030F0702030302020204" pitchFamily="66" charset="0"/>
+                <a:cs typeface="Consolas" panose="020B0609020204030204" pitchFamily="49" charset="0"/>
+              </a:rPr>
+              <a:t>(“x”),Variable(“y”)),</a:t>
+            </a:r>
+            <a:r>
+              <a:rPr lang="en-US" sz="1600" dirty="0" err="1" smtClean="0">
+                <a:latin typeface="Comic Sans MS" panose="030F0702030302020204" pitchFamily="66" charset="0"/>
+                <a:cs typeface="Consolas" panose="020B0609020204030204" pitchFamily="49" charset="0"/>
+              </a:rPr>
+              <a:t>FunctionCall</a:t>
+            </a:r>
+            <a:r>
+              <a:rPr lang="en-US" sz="1600" dirty="0" smtClean="0">
+                <a:latin typeface="Comic Sans MS" panose="030F0702030302020204" pitchFamily="66" charset="0"/>
+                <a:cs typeface="Consolas" panose="020B0609020204030204" pitchFamily="49" charset="0"/>
+              </a:rPr>
+              <a:t>(“</a:t>
+            </a:r>
+            <a:r>
+              <a:rPr lang="en-US" sz="1600" dirty="0" err="1" smtClean="0">
+                <a:latin typeface="Comic Sans MS" panose="030F0702030302020204" pitchFamily="66" charset="0"/>
+                <a:cs typeface="Consolas" panose="020B0609020204030204" pitchFamily="49" charset="0"/>
+              </a:rPr>
+              <a:t>f”,Variable</a:t>
+            </a:r>
+            <a:r>
+              <a:rPr lang="en-US" sz="1600" dirty="0" smtClean="0">
+                <a:latin typeface="Comic Sans MS" panose="030F0702030302020204" pitchFamily="66" charset="0"/>
+                <a:cs typeface="Consolas" panose="020B0609020204030204" pitchFamily="49" charset="0"/>
+              </a:rPr>
+              <a:t>(“z”)))</a:t>
+            </a:r>
           </a:p>
           <a:p>
             <a:pPr marL="285750" indent="-285750">
@@ -5663,55 +10257,14 @@
               <a:buChar char="•"/>
             </a:pPr>
             <a:r>
-              <a:rPr lang="en-US" sz="1600" dirty="0" smtClean="0">
+              <a:rPr lang="en-US" dirty="0" smtClean="0">
+                <a:solidFill>
+                  <a:srgbClr val="FF0000"/>
+                </a:solidFill>
                 <a:latin typeface="Comic Sans MS" panose="030F0702030302020204" pitchFamily="66" charset="0"/>
                 <a:cs typeface="Consolas" panose="020B0609020204030204" pitchFamily="49" charset="0"/>
               </a:rPr>
-              <a:t>Plus(Multiply(Variable(“x”),Variable(“y”)),</a:t>
-            </a:r>
-            <a:r>
-              <a:rPr lang="en-US" sz="1600" dirty="0" err="1" smtClean="0">
-                <a:latin typeface="Comic Sans MS" panose="030F0702030302020204" pitchFamily="66" charset="0"/>
-                <a:cs typeface="Consolas" panose="020B0609020204030204" pitchFamily="49" charset="0"/>
-              </a:rPr>
-              <a:t>FunctionCall</a:t>
-            </a:r>
-            <a:r>
-              <a:rPr lang="en-US" sz="1600" dirty="0" smtClean="0">
-                <a:latin typeface="Comic Sans MS" panose="030F0702030302020204" pitchFamily="66" charset="0"/>
-                <a:cs typeface="Consolas" panose="020B0609020204030204" pitchFamily="49" charset="0"/>
-              </a:rPr>
-              <a:t>(“</a:t>
-            </a:r>
-            <a:r>
-              <a:rPr lang="en-US" sz="1600" dirty="0" err="1" smtClean="0">
-                <a:latin typeface="Comic Sans MS" panose="030F0702030302020204" pitchFamily="66" charset="0"/>
-                <a:cs typeface="Consolas" panose="020B0609020204030204" pitchFamily="49" charset="0"/>
-              </a:rPr>
-              <a:t>f”,Variable</a:t>
-            </a:r>
-            <a:r>
-              <a:rPr lang="en-US" sz="1600" dirty="0" smtClean="0">
-                <a:latin typeface="Comic Sans MS" panose="030F0702030302020204" pitchFamily="66" charset="0"/>
-                <a:cs typeface="Consolas" panose="020B0609020204030204" pitchFamily="49" charset="0"/>
-              </a:rPr>
-              <a:t>(“z”)))</a:t>
-            </a:r>
-          </a:p>
-          <a:p>
-            <a:pPr marL="285750" indent="-285750">
-              <a:buFont typeface="Arial" panose="020B0604020202020204" pitchFamily="34" charset="0"/>
-              <a:buChar char="•"/>
-            </a:pPr>
-            <a:r>
-              <a:rPr lang="en-US" dirty="0" smtClean="0">
-                <a:solidFill>
-                  <a:srgbClr val="FF0000"/>
-                </a:solidFill>
-                <a:latin typeface="Comic Sans MS" panose="030F0702030302020204" pitchFamily="66" charset="0"/>
-                <a:cs typeface="Consolas" panose="020B0609020204030204" pitchFamily="49" charset="0"/>
-              </a:rPr>
-              <a:t>* this is not Scala AST</a:t>
+              <a:t>* this is not Scala’s AST</a:t>
             </a:r>
             <a:endParaRPr lang="en-GB" dirty="0">
               <a:solidFill>
@@ -5723,6 +10276,28 @@
           </a:p>
         </p:txBody>
       </p:sp>
+      <p:graphicFrame>
+        <p:nvGraphicFramePr>
+          <p:cNvPr id="2" name="Diagram 1"/>
+          <p:cNvGraphicFramePr/>
+          <p:nvPr>
+            <p:extLst>
+              <p:ext uri="{D42A27DB-BD31-4B8C-83A1-F6EECF244321}">
+                <p14:modId xmlns:p14="http://schemas.microsoft.com/office/powerpoint/2010/main" val="2446886794"/>
+              </p:ext>
+            </p:extLst>
+          </p:nvPr>
+        </p:nvGraphicFramePr>
+        <p:xfrm>
+          <a:off x="2309568" y="2356701"/>
+          <a:ext cx="6495070" cy="3661327"/>
+        </p:xfrm>
+        <a:graphic>
+          <a:graphicData uri="http://schemas.openxmlformats.org/drawingml/2006/diagram">
+            <dgm:relIds xmlns:dgm="http://schemas.openxmlformats.org/drawingml/2006/diagram" xmlns:r="http://schemas.openxmlformats.org/officeDocument/2006/relationships" r:dm="rId2" r:lo="rId3" r:qs="rId4" r:cs="rId5"/>
+          </a:graphicData>
+        </a:graphic>
+      </p:graphicFrame>
     </p:spTree>
     <p:extLst>
       <p:ext uri="{BB962C8B-B14F-4D97-AF65-F5344CB8AC3E}">
@@ -7840,7 +12415,7 @@
         <p:spPr>
           <a:xfrm>
             <a:off x="563672" y="1691014"/>
-            <a:ext cx="7818328" cy="4524315"/>
+            <a:ext cx="7818328" cy="5909310"/>
           </a:xfrm>
           <a:prstGeom prst="rect">
             <a:avLst/>
@@ -7997,26 +12572,199 @@
               <a:buFont typeface="Arial" panose="020B0604020202020204" pitchFamily="34" charset="0"/>
               <a:buChar char="•"/>
             </a:pPr>
-            <a:endParaRPr lang="en-US" dirty="0">
-              <a:latin typeface="Comic Sans MS" panose="030F0702030302020204" pitchFamily="66" charset="0"/>
-              <a:cs typeface="Consolas" panose="020B0609020204030204" pitchFamily="49" charset="0"/>
-            </a:endParaRPr>
+            <a:r>
+              <a:rPr lang="en-US" dirty="0" smtClean="0">
+                <a:latin typeface="Comic Sans MS" panose="030F0702030302020204" pitchFamily="66" charset="0"/>
+                <a:cs typeface="Consolas" panose="020B0609020204030204" pitchFamily="49" charset="0"/>
+              </a:rPr>
+              <a:t>Can </a:t>
+            </a:r>
+            <a:r>
+              <a:rPr lang="en-US" b="1" dirty="0" smtClean="0">
+                <a:latin typeface="Comic Sans MS" panose="030F0702030302020204" pitchFamily="66" charset="0"/>
+                <a:cs typeface="Consolas" panose="020B0609020204030204" pitchFamily="49" charset="0"/>
+              </a:rPr>
+              <a:t>lift</a:t>
+            </a:r>
+            <a:r>
+              <a:rPr lang="en-US" dirty="0" smtClean="0">
+                <a:latin typeface="Comic Sans MS" panose="030F0702030302020204" pitchFamily="66" charset="0"/>
+                <a:cs typeface="Consolas" panose="020B0609020204030204" pitchFamily="49" charset="0"/>
+              </a:rPr>
+              <a:t> values into the AST</a:t>
+            </a:r>
+          </a:p>
+          <a:p>
+            <a:pPr marL="742950" lvl="1" indent="-285750">
+              <a:buFont typeface="Arial" panose="020B0604020202020204" pitchFamily="34" charset="0"/>
+              <a:buChar char="•"/>
+            </a:pPr>
+            <a:r>
+              <a:rPr lang="en-US" dirty="0" smtClean="0">
+                <a:latin typeface="Comic Sans MS" panose="030F0702030302020204" pitchFamily="66" charset="0"/>
+                <a:cs typeface="Consolas" panose="020B0609020204030204" pitchFamily="49" charset="0"/>
+              </a:rPr>
+              <a:t>Creates code that will return the value</a:t>
+            </a:r>
+          </a:p>
+          <a:p>
+            <a:pPr marL="742950" lvl="1" indent="-285750">
+              <a:buFont typeface="Arial" panose="020B0604020202020204" pitchFamily="34" charset="0"/>
+              <a:buChar char="•"/>
+            </a:pPr>
+            <a:r>
+              <a:rPr lang="en-US" dirty="0" smtClean="0">
+                <a:latin typeface="Comic Sans MS" panose="030F0702030302020204" pitchFamily="66" charset="0"/>
+                <a:cs typeface="Consolas" panose="020B0609020204030204" pitchFamily="49" charset="0"/>
+              </a:rPr>
+              <a:t>Supports </a:t>
+            </a:r>
+            <a:r>
+              <a:rPr lang="en-US" dirty="0">
+                <a:latin typeface="Comic Sans MS" panose="030F0702030302020204" pitchFamily="66" charset="0"/>
+                <a:cs typeface="Consolas" panose="020B0609020204030204" pitchFamily="49" charset="0"/>
+              </a:rPr>
+              <a:t>numbers, strings and some </a:t>
+            </a:r>
+            <a:r>
+              <a:rPr lang="en-US" dirty="0" smtClean="0">
+                <a:latin typeface="Comic Sans MS" panose="030F0702030302020204" pitchFamily="66" charset="0"/>
+                <a:cs typeface="Consolas" panose="020B0609020204030204" pitchFamily="49" charset="0"/>
+              </a:rPr>
+              <a:t>collections</a:t>
+            </a:r>
+          </a:p>
+          <a:p>
+            <a:pPr marL="742950" lvl="1" indent="-285750">
+              <a:buFont typeface="Arial" panose="020B0604020202020204" pitchFamily="34" charset="0"/>
+              <a:buChar char="•"/>
+            </a:pPr>
+            <a:r>
+              <a:rPr lang="en-US" dirty="0" smtClean="0">
+                <a:latin typeface="Comic Sans MS" panose="030F0702030302020204" pitchFamily="66" charset="0"/>
+                <a:cs typeface="Consolas" panose="020B0609020204030204" pitchFamily="49" charset="0"/>
+              </a:rPr>
+              <a:t>Can create custom </a:t>
+            </a:r>
+            <a:r>
+              <a:rPr lang="en-US" dirty="0" err="1" smtClean="0">
+                <a:latin typeface="Comic Sans MS" panose="030F0702030302020204" pitchFamily="66" charset="0"/>
+                <a:cs typeface="Consolas" panose="020B0609020204030204" pitchFamily="49" charset="0"/>
+              </a:rPr>
+              <a:t>Liftables</a:t>
+            </a:r>
+            <a:r>
+              <a:rPr lang="en-US" dirty="0" smtClean="0">
+                <a:latin typeface="Comic Sans MS" panose="030F0702030302020204" pitchFamily="66" charset="0"/>
+                <a:cs typeface="Consolas" panose="020B0609020204030204" pitchFamily="49" charset="0"/>
+              </a:rPr>
+              <a:t> for other types</a:t>
+            </a:r>
           </a:p>
           <a:p>
             <a:pPr marL="285750" indent="-285750">
               <a:buFont typeface="Arial" panose="020B0604020202020204" pitchFamily="34" charset="0"/>
               <a:buChar char="•"/>
             </a:pPr>
+            <a:r>
+              <a:rPr lang="en-US" dirty="0" smtClean="0">
+                <a:latin typeface="Comic Sans MS" panose="030F0702030302020204" pitchFamily="66" charset="0"/>
+                <a:cs typeface="Consolas" panose="020B0609020204030204" pitchFamily="49" charset="0"/>
+              </a:rPr>
+              <a:t>Can </a:t>
+            </a:r>
+            <a:r>
+              <a:rPr lang="en-US" b="1" dirty="0" err="1" smtClean="0">
+                <a:latin typeface="Comic Sans MS" panose="030F0702030302020204" pitchFamily="66" charset="0"/>
+                <a:cs typeface="Consolas" panose="020B0609020204030204" pitchFamily="49" charset="0"/>
+              </a:rPr>
+              <a:t>unlift</a:t>
+            </a:r>
+            <a:r>
+              <a:rPr lang="en-US" dirty="0" smtClean="0">
+                <a:latin typeface="Comic Sans MS" panose="030F0702030302020204" pitchFamily="66" charset="0"/>
+                <a:cs typeface="Consolas" panose="020B0609020204030204" pitchFamily="49" charset="0"/>
+              </a:rPr>
+              <a:t> constants from the AST</a:t>
+            </a:r>
+          </a:p>
+          <a:p>
+            <a:pPr marL="742950" lvl="1" indent="-285750">
+              <a:buFont typeface="Arial" panose="020B0604020202020204" pitchFamily="34" charset="0"/>
+              <a:buChar char="•"/>
+            </a:pPr>
+            <a:r>
+              <a:rPr lang="en-US" dirty="0" smtClean="0">
+                <a:latin typeface="Comic Sans MS" panose="030F0702030302020204" pitchFamily="66" charset="0"/>
+                <a:cs typeface="Consolas" panose="020B0609020204030204" pitchFamily="49" charset="0"/>
+              </a:rPr>
+              <a:t>Extracts constant values out of the AST</a:t>
+            </a:r>
+          </a:p>
+          <a:p>
+            <a:pPr marL="742950" lvl="1" indent="-285750">
+              <a:buFont typeface="Arial" panose="020B0604020202020204" pitchFamily="34" charset="0"/>
+              <a:buChar char="•"/>
+            </a:pPr>
+            <a:r>
+              <a:rPr lang="en-US" dirty="0">
+                <a:latin typeface="Comic Sans MS" panose="030F0702030302020204" pitchFamily="66" charset="0"/>
+                <a:cs typeface="Consolas" panose="020B0609020204030204" pitchFamily="49" charset="0"/>
+              </a:rPr>
+              <a:t>Supports </a:t>
+            </a:r>
+            <a:r>
+              <a:rPr lang="en-US" dirty="0" smtClean="0">
+                <a:latin typeface="Comic Sans MS" panose="030F0702030302020204" pitchFamily="66" charset="0"/>
+                <a:cs typeface="Consolas" panose="020B0609020204030204" pitchFamily="49" charset="0"/>
+              </a:rPr>
+              <a:t>numbers and </a:t>
+            </a:r>
+            <a:r>
+              <a:rPr lang="en-US" dirty="0">
+                <a:latin typeface="Comic Sans MS" panose="030F0702030302020204" pitchFamily="66" charset="0"/>
+                <a:cs typeface="Consolas" panose="020B0609020204030204" pitchFamily="49" charset="0"/>
+              </a:rPr>
+              <a:t>strings</a:t>
+            </a:r>
             <a:endParaRPr lang="en-US" dirty="0" smtClean="0">
               <a:latin typeface="Comic Sans MS" panose="030F0702030302020204" pitchFamily="66" charset="0"/>
               <a:cs typeface="Consolas" panose="020B0609020204030204" pitchFamily="49" charset="0"/>
             </a:endParaRPr>
           </a:p>
           <a:p>
-            <a:pPr marL="285750" indent="-285750">
+            <a:pPr marL="742950" lvl="1" indent="-285750">
               <a:buFont typeface="Arial" panose="020B0604020202020204" pitchFamily="34" charset="0"/>
               <a:buChar char="•"/>
             </a:pPr>
+            <a:r>
+              <a:rPr lang="en-US" dirty="0">
+                <a:latin typeface="Comic Sans MS" panose="030F0702030302020204" pitchFamily="66" charset="0"/>
+                <a:cs typeface="Consolas" panose="020B0609020204030204" pitchFamily="49" charset="0"/>
+              </a:rPr>
+              <a:t>Can create custom </a:t>
+            </a:r>
+            <a:r>
+              <a:rPr lang="en-US" dirty="0" err="1" smtClean="0">
+                <a:latin typeface="Comic Sans MS" panose="030F0702030302020204" pitchFamily="66" charset="0"/>
+                <a:cs typeface="Consolas" panose="020B0609020204030204" pitchFamily="49" charset="0"/>
+              </a:rPr>
+              <a:t>Unliftables</a:t>
+            </a:r>
+            <a:r>
+              <a:rPr lang="en-US" dirty="0" smtClean="0">
+                <a:latin typeface="Comic Sans MS" panose="030F0702030302020204" pitchFamily="66" charset="0"/>
+                <a:cs typeface="Consolas" panose="020B0609020204030204" pitchFamily="49" charset="0"/>
+              </a:rPr>
+              <a:t> </a:t>
+            </a:r>
+            <a:r>
+              <a:rPr lang="en-US" dirty="0">
+                <a:latin typeface="Comic Sans MS" panose="030F0702030302020204" pitchFamily="66" charset="0"/>
+                <a:cs typeface="Consolas" panose="020B0609020204030204" pitchFamily="49" charset="0"/>
+              </a:rPr>
+              <a:t>for other types</a:t>
+            </a:r>
             <a:endParaRPr lang="en-US" dirty="0">
               <a:latin typeface="Comic Sans MS" panose="030F0702030302020204" pitchFamily="66" charset="0"/>
               <a:cs typeface="Consolas" panose="020B0609020204030204" pitchFamily="49" charset="0"/>

--- a/Scala_metaprogramming.pptx
+++ b/Scala_metaprogramming.pptx
@@ -5,26 +5,25 @@
     <p:sldMasterId id="2147483648" r:id="rId1"/>
   </p:sldMasterIdLst>
   <p:notesMasterIdLst>
-    <p:notesMasterId r:id="rId19"/>
+    <p:notesMasterId r:id="rId18"/>
   </p:notesMasterIdLst>
   <p:sldIdLst>
     <p:sldId id="351" r:id="rId2"/>
-    <p:sldId id="446" r:id="rId3"/>
-    <p:sldId id="452" r:id="rId4"/>
-    <p:sldId id="458" r:id="rId5"/>
-    <p:sldId id="459" r:id="rId6"/>
-    <p:sldId id="460" r:id="rId7"/>
-    <p:sldId id="457" r:id="rId8"/>
-    <p:sldId id="461" r:id="rId9"/>
-    <p:sldId id="462" r:id="rId10"/>
-    <p:sldId id="463" r:id="rId11"/>
-    <p:sldId id="469" r:id="rId12"/>
-    <p:sldId id="464" r:id="rId13"/>
-    <p:sldId id="465" r:id="rId14"/>
-    <p:sldId id="466" r:id="rId15"/>
-    <p:sldId id="468" r:id="rId16"/>
-    <p:sldId id="467" r:id="rId17"/>
-    <p:sldId id="445" r:id="rId18"/>
+    <p:sldId id="452" r:id="rId3"/>
+    <p:sldId id="458" r:id="rId4"/>
+    <p:sldId id="459" r:id="rId5"/>
+    <p:sldId id="460" r:id="rId6"/>
+    <p:sldId id="457" r:id="rId7"/>
+    <p:sldId id="461" r:id="rId8"/>
+    <p:sldId id="462" r:id="rId9"/>
+    <p:sldId id="463" r:id="rId10"/>
+    <p:sldId id="469" r:id="rId11"/>
+    <p:sldId id="464" r:id="rId12"/>
+    <p:sldId id="465" r:id="rId13"/>
+    <p:sldId id="466" r:id="rId14"/>
+    <p:sldId id="468" r:id="rId15"/>
+    <p:sldId id="467" r:id="rId16"/>
+    <p:sldId id="445" r:id="rId17"/>
   </p:sldIdLst>
   <p:sldSz cx="9144000" cy="6858000" type="screen4x3"/>
   <p:notesSz cx="6858000" cy="9144000"/>
@@ -8132,7 +8131,7 @@
                 </a:solidFill>
                 <a:latin typeface="Comic Sans MS"/>
               </a:rPr>
-              <a:t>Macro paradise</a:t>
+              <a:t>What macros can actually do?</a:t>
             </a:r>
             <a:endParaRPr lang="en-US" dirty="0"/>
           </a:p>
@@ -8147,7 +8146,7 @@
         <p:spPr>
           <a:xfrm>
             <a:off x="563672" y="1691014"/>
-            <a:ext cx="7818328" cy="369332"/>
+            <a:ext cx="7818328" cy="646331"/>
           </a:xfrm>
           <a:prstGeom prst="rect">
             <a:avLst/>
@@ -8165,11 +8164,31 @@
               <a:buChar char="•"/>
             </a:pPr>
             <a:r>
-              <a:rPr lang="lv-LV" dirty="0" smtClean="0">
-                <a:latin typeface="Comic Sans MS" panose="030F0702030302020204" pitchFamily="66" charset="0"/>
-                <a:cs typeface="Consolas" panose="020B0609020204030204" pitchFamily="49" charset="0"/>
-              </a:rPr>
-              <a:t>TODO</a:t>
+              <a:rPr lang="en-US" dirty="0" smtClean="0">
+                <a:latin typeface="Comic Sans MS" panose="030F0702030302020204" pitchFamily="66" charset="0"/>
+                <a:cs typeface="Consolas" panose="020B0609020204030204" pitchFamily="49" charset="0"/>
+              </a:rPr>
+              <a:t>When macro is used, Scala code is ran</a:t>
+            </a:r>
+          </a:p>
+          <a:p>
+            <a:pPr marL="285750" indent="-285750">
+              <a:buFont typeface="Arial" panose="020B0604020202020204" pitchFamily="34" charset="0"/>
+              <a:buChar char="•"/>
+            </a:pPr>
+            <a:r>
+              <a:rPr lang="en-US" dirty="0" smtClean="0">
+                <a:latin typeface="Comic Sans MS" panose="030F0702030302020204" pitchFamily="66" charset="0"/>
+                <a:cs typeface="Consolas" panose="020B0609020204030204" pitchFamily="49" charset="0"/>
+              </a:rPr>
+              <a:t>TODO a </a:t>
+            </a:r>
+            <a:r>
+              <a:rPr lang="en-US" smtClean="0">
+                <a:latin typeface="Comic Sans MS" panose="030F0702030302020204" pitchFamily="66" charset="0"/>
+                <a:cs typeface="Consolas" panose="020B0609020204030204" pitchFamily="49" charset="0"/>
+              </a:rPr>
+              <a:t>good picture</a:t>
             </a:r>
             <a:endParaRPr lang="en-GB" dirty="0">
               <a:latin typeface="Comic Sans MS" panose="030F0702030302020204" pitchFamily="66" charset="0"/>
@@ -8181,7 +8200,7 @@
     </p:spTree>
     <p:extLst>
       <p:ext uri="{BB962C8B-B14F-4D97-AF65-F5344CB8AC3E}">
-        <p14:creationId xmlns:p14="http://schemas.microsoft.com/office/powerpoint/2010/main" val="200280266"/>
+        <p14:creationId xmlns:p14="http://schemas.microsoft.com/office/powerpoint/2010/main" val="4167151408"/>
       </p:ext>
     </p:extLst>
   </p:cSld>
@@ -8233,7 +8252,7 @@
         </p:spPr>
         <p:txBody>
           <a:bodyPr>
-            <a:normAutofit/>
+            <a:normAutofit fontScale="90000"/>
           </a:bodyPr>
           <a:lstStyle/>
           <a:p>
@@ -8247,7 +8266,7 @@
                 </a:solidFill>
                 <a:latin typeface="Comic Sans MS"/>
               </a:rPr>
-              <a:t>What macros can actually do?</a:t>
+              <a:t>Metaprogramming beyond macros</a:t>
             </a:r>
             <a:endParaRPr lang="en-US" dirty="0"/>
           </a:p>
@@ -8262,7 +8281,7 @@
         <p:spPr>
           <a:xfrm>
             <a:off x="563672" y="1691014"/>
-            <a:ext cx="7818328" cy="646331"/>
+            <a:ext cx="7818328" cy="3170099"/>
           </a:xfrm>
           <a:prstGeom prst="rect">
             <a:avLst/>
@@ -8280,11 +8299,11 @@
               <a:buChar char="•"/>
             </a:pPr>
             <a:r>
-              <a:rPr lang="en-US" dirty="0" smtClean="0">
-                <a:latin typeface="Comic Sans MS" panose="030F0702030302020204" pitchFamily="66" charset="0"/>
-                <a:cs typeface="Consolas" panose="020B0609020204030204" pitchFamily="49" charset="0"/>
-              </a:rPr>
-              <a:t>When macro is used, Scala code is ran</a:t>
+              <a:rPr lang="en-US" sz="4000" dirty="0" smtClean="0">
+                <a:latin typeface="Comic Sans MS" panose="030F0702030302020204" pitchFamily="66" charset="0"/>
+                <a:cs typeface="Consolas" panose="020B0609020204030204" pitchFamily="49" charset="0"/>
+              </a:rPr>
+              <a:t>Reflection</a:t>
             </a:r>
           </a:p>
           <a:p>
@@ -8293,20 +8312,56 @@
               <a:buChar char="•"/>
             </a:pPr>
             <a:r>
-              <a:rPr lang="en-US" dirty="0" smtClean="0">
-                <a:latin typeface="Comic Sans MS" panose="030F0702030302020204" pitchFamily="66" charset="0"/>
-                <a:cs typeface="Consolas" panose="020B0609020204030204" pitchFamily="49" charset="0"/>
-              </a:rPr>
-              <a:t>TODO a </a:t>
-            </a:r>
-            <a:r>
-              <a:rPr lang="en-US" smtClean="0">
-                <a:latin typeface="Comic Sans MS" panose="030F0702030302020204" pitchFamily="66" charset="0"/>
-                <a:cs typeface="Consolas" panose="020B0609020204030204" pitchFamily="49" charset="0"/>
-              </a:rPr>
-              <a:t>good picture</a:t>
-            </a:r>
-            <a:endParaRPr lang="en-GB" dirty="0">
+              <a:rPr lang="en-US" sz="4000" dirty="0" smtClean="0">
+                <a:latin typeface="Comic Sans MS" panose="030F0702030302020204" pitchFamily="66" charset="0"/>
+                <a:cs typeface="Consolas" panose="020B0609020204030204" pitchFamily="49" charset="0"/>
+              </a:rPr>
+              <a:t>Compiler plugins</a:t>
+            </a:r>
+          </a:p>
+          <a:p>
+            <a:pPr marL="285750" indent="-285750">
+              <a:buFont typeface="Arial" panose="020B0604020202020204" pitchFamily="34" charset="0"/>
+              <a:buChar char="•"/>
+            </a:pPr>
+            <a:r>
+              <a:rPr lang="en-US" sz="4000" dirty="0" smtClean="0">
+                <a:latin typeface="Comic Sans MS" panose="030F0702030302020204" pitchFamily="66" charset="0"/>
+                <a:cs typeface="Consolas" panose="020B0609020204030204" pitchFamily="49" charset="0"/>
+              </a:rPr>
+              <a:t>Fork the Scala compiler</a:t>
+            </a:r>
+          </a:p>
+          <a:p>
+            <a:pPr marL="285750" indent="-285750">
+              <a:buFont typeface="Arial" panose="020B0604020202020204" pitchFamily="34" charset="0"/>
+              <a:buChar char="•"/>
+            </a:pPr>
+            <a:endParaRPr lang="en-US" sz="4000" dirty="0" smtClean="0">
+              <a:latin typeface="Comic Sans MS" panose="030F0702030302020204" pitchFamily="66" charset="0"/>
+              <a:cs typeface="Consolas" panose="020B0609020204030204" pitchFamily="49" charset="0"/>
+            </a:endParaRPr>
+          </a:p>
+          <a:p>
+            <a:pPr marL="285750" indent="-285750">
+              <a:buFont typeface="Arial" panose="020B0604020202020204" pitchFamily="34" charset="0"/>
+              <a:buChar char="•"/>
+            </a:pPr>
+            <a:r>
+              <a:rPr lang="en-US" sz="4000" dirty="0">
+                <a:latin typeface="Comic Sans MS" panose="030F0702030302020204" pitchFamily="66" charset="0"/>
+                <a:cs typeface="Consolas" panose="020B0609020204030204" pitchFamily="49" charset="0"/>
+              </a:rPr>
+              <a:t>SBT plugins … sort </a:t>
+            </a:r>
+            <a:r>
+              <a:rPr lang="en-US" sz="4000" dirty="0" smtClean="0">
+                <a:latin typeface="Comic Sans MS" panose="030F0702030302020204" pitchFamily="66" charset="0"/>
+                <a:cs typeface="Consolas" panose="020B0609020204030204" pitchFamily="49" charset="0"/>
+              </a:rPr>
+              <a:t>of</a:t>
+            </a:r>
+            <a:endParaRPr lang="en-US" sz="4000" dirty="0">
               <a:latin typeface="Comic Sans MS" panose="030F0702030302020204" pitchFamily="66" charset="0"/>
               <a:cs typeface="Consolas" panose="020B0609020204030204" pitchFamily="49" charset="0"/>
             </a:endParaRPr>
@@ -8316,7 +8371,7 @@
     </p:spTree>
     <p:extLst>
       <p:ext uri="{BB962C8B-B14F-4D97-AF65-F5344CB8AC3E}">
-        <p14:creationId xmlns:p14="http://schemas.microsoft.com/office/powerpoint/2010/main" val="4167151408"/>
+        <p14:creationId xmlns:p14="http://schemas.microsoft.com/office/powerpoint/2010/main" val="538566248"/>
       </p:ext>
     </p:extLst>
   </p:cSld>
@@ -8368,7 +8423,7 @@
         </p:spPr>
         <p:txBody>
           <a:bodyPr>
-            <a:normAutofit fontScale="90000"/>
+            <a:normAutofit/>
           </a:bodyPr>
           <a:lstStyle/>
           <a:p>
@@ -8382,9 +8437,16 @@
                 </a:solidFill>
                 <a:latin typeface="Comic Sans MS"/>
               </a:rPr>
-              <a:t>Metaprogramming beyond macros</a:t>
-            </a:r>
-            <a:endParaRPr lang="en-US" dirty="0"/>
+              <a:t>Reflection in Scala</a:t>
+            </a:r>
+            <a:endParaRPr lang="en-US" dirty="0">
+              <a:solidFill>
+                <a:schemeClr val="bg1">
+                  <a:lumMod val="50000"/>
+                </a:schemeClr>
+              </a:solidFill>
+              <a:latin typeface="Comic Sans MS"/>
+            </a:endParaRPr>
           </a:p>
         </p:txBody>
       </p:sp>
@@ -8397,7 +8459,7 @@
         <p:spPr>
           <a:xfrm>
             <a:off x="563672" y="1691014"/>
-            <a:ext cx="7818328" cy="3170099"/>
+            <a:ext cx="7818328" cy="369332"/>
           </a:xfrm>
           <a:prstGeom prst="rect">
             <a:avLst/>
@@ -8415,69 +8477,13 @@
               <a:buChar char="•"/>
             </a:pPr>
             <a:r>
-              <a:rPr lang="en-US" sz="4000" dirty="0" smtClean="0">
-                <a:latin typeface="Comic Sans MS" panose="030F0702030302020204" pitchFamily="66" charset="0"/>
-                <a:cs typeface="Consolas" panose="020B0609020204030204" pitchFamily="49" charset="0"/>
-              </a:rPr>
-              <a:t>Reflection</a:t>
-            </a:r>
-          </a:p>
-          <a:p>
-            <a:pPr marL="285750" indent="-285750">
-              <a:buFont typeface="Arial" panose="020B0604020202020204" pitchFamily="34" charset="0"/>
-              <a:buChar char="•"/>
-            </a:pPr>
-            <a:r>
-              <a:rPr lang="en-US" sz="4000" dirty="0" smtClean="0">
-                <a:latin typeface="Comic Sans MS" panose="030F0702030302020204" pitchFamily="66" charset="0"/>
-                <a:cs typeface="Consolas" panose="020B0609020204030204" pitchFamily="49" charset="0"/>
-              </a:rPr>
-              <a:t>Compiler plugins</a:t>
-            </a:r>
-          </a:p>
-          <a:p>
-            <a:pPr marL="285750" indent="-285750">
-              <a:buFont typeface="Arial" panose="020B0604020202020204" pitchFamily="34" charset="0"/>
-              <a:buChar char="•"/>
-            </a:pPr>
-            <a:r>
-              <a:rPr lang="en-US" sz="4000" dirty="0" smtClean="0">
-                <a:latin typeface="Comic Sans MS" panose="030F0702030302020204" pitchFamily="66" charset="0"/>
-                <a:cs typeface="Consolas" panose="020B0609020204030204" pitchFamily="49" charset="0"/>
-              </a:rPr>
-              <a:t>Fork the Scala compiler</a:t>
-            </a:r>
-          </a:p>
-          <a:p>
-            <a:pPr marL="285750" indent="-285750">
-              <a:buFont typeface="Arial" panose="020B0604020202020204" pitchFamily="34" charset="0"/>
-              <a:buChar char="•"/>
-            </a:pPr>
-            <a:endParaRPr lang="en-US" sz="4000" dirty="0" smtClean="0">
-              <a:latin typeface="Comic Sans MS" panose="030F0702030302020204" pitchFamily="66" charset="0"/>
-              <a:cs typeface="Consolas" panose="020B0609020204030204" pitchFamily="49" charset="0"/>
-            </a:endParaRPr>
-          </a:p>
-          <a:p>
-            <a:pPr marL="285750" indent="-285750">
-              <a:buFont typeface="Arial" panose="020B0604020202020204" pitchFamily="34" charset="0"/>
-              <a:buChar char="•"/>
-            </a:pPr>
-            <a:r>
-              <a:rPr lang="en-US" sz="4000" dirty="0">
-                <a:latin typeface="Comic Sans MS" panose="030F0702030302020204" pitchFamily="66" charset="0"/>
-                <a:cs typeface="Consolas" panose="020B0609020204030204" pitchFamily="49" charset="0"/>
-              </a:rPr>
-              <a:t>SBT plugins … sort </a:t>
-            </a:r>
-            <a:r>
-              <a:rPr lang="en-US" sz="4000" dirty="0" smtClean="0">
-                <a:latin typeface="Comic Sans MS" panose="030F0702030302020204" pitchFamily="66" charset="0"/>
-                <a:cs typeface="Consolas" panose="020B0609020204030204" pitchFamily="49" charset="0"/>
-              </a:rPr>
-              <a:t>of</a:t>
-            </a:r>
-            <a:endParaRPr lang="en-US" sz="4000" dirty="0">
+              <a:rPr lang="lv-LV" dirty="0" smtClean="0">
+                <a:latin typeface="Comic Sans MS" panose="030F0702030302020204" pitchFamily="66" charset="0"/>
+                <a:cs typeface="Consolas" panose="020B0609020204030204" pitchFamily="49" charset="0"/>
+              </a:rPr>
+              <a:t>TODO</a:t>
+            </a:r>
+            <a:endParaRPr lang="en-GB" dirty="0">
               <a:latin typeface="Comic Sans MS" panose="030F0702030302020204" pitchFamily="66" charset="0"/>
               <a:cs typeface="Consolas" panose="020B0609020204030204" pitchFamily="49" charset="0"/>
             </a:endParaRPr>
@@ -8487,7 +8493,7 @@
     </p:spTree>
     <p:extLst>
       <p:ext uri="{BB962C8B-B14F-4D97-AF65-F5344CB8AC3E}">
-        <p14:creationId xmlns:p14="http://schemas.microsoft.com/office/powerpoint/2010/main" val="538566248"/>
+        <p14:creationId xmlns:p14="http://schemas.microsoft.com/office/powerpoint/2010/main" val="224215076"/>
       </p:ext>
     </p:extLst>
   </p:cSld>
@@ -8553,7 +8559,7 @@
                 </a:solidFill>
                 <a:latin typeface="Comic Sans MS"/>
               </a:rPr>
-              <a:t>Reflection in Scala</a:t>
+              <a:t>Compiler plugins</a:t>
             </a:r>
             <a:endParaRPr lang="en-US" dirty="0">
               <a:solidFill>
@@ -8609,7 +8615,7 @@
     </p:spTree>
     <p:extLst>
       <p:ext uri="{BB962C8B-B14F-4D97-AF65-F5344CB8AC3E}">
-        <p14:creationId xmlns:p14="http://schemas.microsoft.com/office/powerpoint/2010/main" val="224215076"/>
+        <p14:creationId xmlns:p14="http://schemas.microsoft.com/office/powerpoint/2010/main" val="3385901564"/>
       </p:ext>
     </p:extLst>
   </p:cSld>
@@ -8675,7 +8681,7 @@
                 </a:solidFill>
                 <a:latin typeface="Comic Sans MS"/>
               </a:rPr>
-              <a:t>Compiler plugins</a:t>
+              <a:t>Fork the Scala compiler</a:t>
             </a:r>
             <a:endParaRPr lang="en-US" dirty="0">
               <a:solidFill>
@@ -8731,7 +8737,7 @@
     </p:spTree>
     <p:extLst>
       <p:ext uri="{BB962C8B-B14F-4D97-AF65-F5344CB8AC3E}">
-        <p14:creationId xmlns:p14="http://schemas.microsoft.com/office/powerpoint/2010/main" val="3385901564"/>
+        <p14:creationId xmlns:p14="http://schemas.microsoft.com/office/powerpoint/2010/main" val="3257364419"/>
       </p:ext>
     </p:extLst>
   </p:cSld>
@@ -8797,7 +8803,7 @@
                 </a:solidFill>
                 <a:latin typeface="Comic Sans MS"/>
               </a:rPr>
-              <a:t>Fork the Scala compiler</a:t>
+              <a:t>Build tool plugins</a:t>
             </a:r>
             <a:endParaRPr lang="en-US" dirty="0">
               <a:solidFill>
@@ -8853,7 +8859,7 @@
     </p:spTree>
     <p:extLst>
       <p:ext uri="{BB962C8B-B14F-4D97-AF65-F5344CB8AC3E}">
-        <p14:creationId xmlns:p14="http://schemas.microsoft.com/office/powerpoint/2010/main" val="3257364419"/>
+        <p14:creationId xmlns:p14="http://schemas.microsoft.com/office/powerpoint/2010/main" val="2025539413"/>
       </p:ext>
     </p:extLst>
   </p:cSld>
@@ -8871,128 +8877,6 @@
 </file>
 
 <file path=ppt/slides/slide16.xml><?xml version="1.0" encoding="utf-8"?>
-<p:sld xmlns:a="http://schemas.openxmlformats.org/drawingml/2006/main" xmlns:r="http://schemas.openxmlformats.org/officeDocument/2006/relationships" xmlns:p="http://schemas.openxmlformats.org/presentationml/2006/main">
-  <p:cSld>
-    <p:spTree>
-      <p:nvGrpSpPr>
-        <p:cNvPr id="1" name=""/>
-        <p:cNvGrpSpPr/>
-        <p:nvPr/>
-      </p:nvGrpSpPr>
-      <p:grpSpPr>
-        <a:xfrm>
-          <a:off x="0" y="0"/>
-          <a:ext cx="0" cy="0"/>
-          <a:chOff x="0" y="0"/>
-          <a:chExt cx="0" cy="0"/>
-        </a:xfrm>
-      </p:grpSpPr>
-      <p:sp>
-        <p:nvSpPr>
-          <p:cNvPr id="13" name="Title 1"/>
-          <p:cNvSpPr>
-            <a:spLocks noGrp="1"/>
-          </p:cNvSpPr>
-          <p:nvPr>
-            <p:ph type="title"/>
-          </p:nvPr>
-        </p:nvSpPr>
-        <p:spPr>
-          <a:xfrm>
-            <a:off x="457200" y="274638"/>
-            <a:ext cx="8229600" cy="1143000"/>
-          </a:xfrm>
-        </p:spPr>
-        <p:txBody>
-          <a:bodyPr>
-            <a:normAutofit/>
-          </a:bodyPr>
-          <a:lstStyle/>
-          <a:p>
-            <a:pPr algn="l"/>
-            <a:r>
-              <a:rPr lang="en-US" dirty="0" smtClean="0">
-                <a:solidFill>
-                  <a:schemeClr val="bg1">
-                    <a:lumMod val="50000"/>
-                  </a:schemeClr>
-                </a:solidFill>
-                <a:latin typeface="Comic Sans MS"/>
-              </a:rPr>
-              <a:t>Build tool plugins</a:t>
-            </a:r>
-            <a:endParaRPr lang="en-US" dirty="0">
-              <a:solidFill>
-                <a:schemeClr val="bg1">
-                  <a:lumMod val="50000"/>
-                </a:schemeClr>
-              </a:solidFill>
-              <a:latin typeface="Comic Sans MS"/>
-            </a:endParaRPr>
-          </a:p>
-        </p:txBody>
-      </p:sp>
-      <p:sp>
-        <p:nvSpPr>
-          <p:cNvPr id="4" name="TextBox 3"/>
-          <p:cNvSpPr txBox="1"/>
-          <p:nvPr/>
-        </p:nvSpPr>
-        <p:spPr>
-          <a:xfrm>
-            <a:off x="563672" y="1691014"/>
-            <a:ext cx="7818328" cy="369332"/>
-          </a:xfrm>
-          <a:prstGeom prst="rect">
-            <a:avLst/>
-          </a:prstGeom>
-          <a:noFill/>
-        </p:spPr>
-        <p:txBody>
-          <a:bodyPr wrap="square" rtlCol="0">
-            <a:spAutoFit/>
-          </a:bodyPr>
-          <a:lstStyle/>
-          <a:p>
-            <a:pPr marL="285750" indent="-285750">
-              <a:buFont typeface="Arial" panose="020B0604020202020204" pitchFamily="34" charset="0"/>
-              <a:buChar char="•"/>
-            </a:pPr>
-            <a:r>
-              <a:rPr lang="lv-LV" dirty="0" smtClean="0">
-                <a:latin typeface="Comic Sans MS" panose="030F0702030302020204" pitchFamily="66" charset="0"/>
-                <a:cs typeface="Consolas" panose="020B0609020204030204" pitchFamily="49" charset="0"/>
-              </a:rPr>
-              <a:t>TODO</a:t>
-            </a:r>
-            <a:endParaRPr lang="en-GB" dirty="0">
-              <a:latin typeface="Comic Sans MS" panose="030F0702030302020204" pitchFamily="66" charset="0"/>
-              <a:cs typeface="Consolas" panose="020B0609020204030204" pitchFamily="49" charset="0"/>
-            </a:endParaRPr>
-          </a:p>
-        </p:txBody>
-      </p:sp>
-    </p:spTree>
-    <p:extLst>
-      <p:ext uri="{BB962C8B-B14F-4D97-AF65-F5344CB8AC3E}">
-        <p14:creationId xmlns:p14="http://schemas.microsoft.com/office/powerpoint/2010/main" val="2025539413"/>
-      </p:ext>
-    </p:extLst>
-  </p:cSld>
-  <p:clrMapOvr>
-    <a:masterClrMapping/>
-  </p:clrMapOvr>
-  <p:timing>
-    <p:tnLst>
-      <p:par>
-        <p:cTn id="1" dur="indefinite" restart="never" nodeType="tmRoot"/>
-      </p:par>
-    </p:tnLst>
-  </p:timing>
-</p:sld>
-</file>
-
-<file path=ppt/slides/slide17.xml><?xml version="1.0" encoding="utf-8"?>
 <p:sld xmlns:a="http://schemas.openxmlformats.org/drawingml/2006/main" xmlns:r="http://schemas.openxmlformats.org/officeDocument/2006/relationships" xmlns:p="http://schemas.openxmlformats.org/presentationml/2006/main">
   <p:cSld>
     <p:spTree>
@@ -9218,7 +9102,7 @@
           <a:p>
             <a:pPr algn="l"/>
             <a:r>
-              <a:rPr lang="en-US" dirty="0" smtClean="0">
+              <a:rPr lang="en-US" dirty="0">
                 <a:solidFill>
                   <a:schemeClr val="bg1">
                     <a:lumMod val="50000"/>
@@ -9241,8 +9125,8 @@
         </p:nvSpPr>
         <p:spPr>
           <a:xfrm>
-            <a:off x="889348" y="1691014"/>
-            <a:ext cx="934871" cy="1477328"/>
+            <a:off x="563672" y="1691014"/>
+            <a:ext cx="7818328" cy="4401205"/>
           </a:xfrm>
           <a:prstGeom prst="rect">
             <a:avLst/>
@@ -9250,7 +9134,7 @@
           <a:noFill/>
         </p:spPr>
         <p:txBody>
-          <a:bodyPr wrap="none" rtlCol="0">
+          <a:bodyPr wrap="square" rtlCol="0">
             <a:spAutoFit/>
           </a:bodyPr>
           <a:lstStyle/>
@@ -9260,23 +9144,46 @@
               <a:buChar char="•"/>
             </a:pPr>
             <a:r>
-              <a:rPr lang="en-US" dirty="0" smtClean="0">
-                <a:latin typeface="Comic Sans MS" panose="030F0702030302020204" pitchFamily="66" charset="0"/>
-                <a:cs typeface="Consolas" panose="020B0609020204030204" pitchFamily="49" charset="0"/>
-              </a:rPr>
-              <a:t>TBD</a:t>
-            </a:r>
-            <a:endParaRPr lang="en-GB" dirty="0" smtClean="0">
-              <a:latin typeface="Comic Sans MS" panose="030F0702030302020204" pitchFamily="66" charset="0"/>
-              <a:cs typeface="Consolas" panose="020B0609020204030204" pitchFamily="49" charset="0"/>
-            </a:endParaRPr>
+              <a:rPr lang="en-GB" sz="2800" dirty="0" smtClean="0">
+                <a:latin typeface="Comic Sans MS" panose="030F0702030302020204" pitchFamily="66" charset="0"/>
+                <a:cs typeface="Consolas" panose="020B0609020204030204" pitchFamily="49" charset="0"/>
+              </a:rPr>
+              <a:t>Program that creates or modifies another program</a:t>
+            </a:r>
+          </a:p>
+          <a:p>
+            <a:pPr marL="285750" indent="-285750">
+              <a:buFont typeface="Arial" panose="020B0604020202020204" pitchFamily="34" charset="0"/>
+              <a:buChar char="•"/>
+            </a:pPr>
+            <a:r>
+              <a:rPr lang="en-GB" sz="2800" dirty="0" smtClean="0">
+                <a:latin typeface="Comic Sans MS" panose="030F0702030302020204" pitchFamily="66" charset="0"/>
+                <a:cs typeface="Consolas" panose="020B0609020204030204" pitchFamily="49" charset="0"/>
+              </a:rPr>
+              <a:t>Possible </a:t>
+            </a:r>
+            <a:r>
+              <a:rPr lang="en-GB" sz="2800" dirty="0">
+                <a:latin typeface="Comic Sans MS" panose="030F0702030302020204" pitchFamily="66" charset="0"/>
+                <a:cs typeface="Consolas" panose="020B0609020204030204" pitchFamily="49" charset="0"/>
+              </a:rPr>
+              <a:t>uses</a:t>
+            </a:r>
           </a:p>
           <a:p>
             <a:pPr marL="742950" lvl="1" indent="-285750">
               <a:buFont typeface="Arial" panose="020B0604020202020204" pitchFamily="34" charset="0"/>
               <a:buChar char="•"/>
             </a:pPr>
-            <a:endParaRPr lang="en-GB" dirty="0">
+            <a:r>
+              <a:rPr lang="en-GB" sz="2800" dirty="0" smtClean="0">
+                <a:latin typeface="Comic Sans MS" panose="030F0702030302020204" pitchFamily="66" charset="0"/>
+                <a:cs typeface="Consolas" panose="020B0609020204030204" pitchFamily="49" charset="0"/>
+              </a:rPr>
+              <a:t>Testing/validation</a:t>
+            </a:r>
+            <a:endParaRPr lang="en-GB" sz="2800" dirty="0" smtClean="0">
               <a:latin typeface="Comic Sans MS" panose="030F0702030302020204" pitchFamily="66" charset="0"/>
               <a:cs typeface="Consolas" panose="020B0609020204030204" pitchFamily="49" charset="0"/>
             </a:endParaRPr>
@@ -9286,27 +9193,98 @@
               <a:buFont typeface="Arial" panose="020B0604020202020204" pitchFamily="34" charset="0"/>
               <a:buChar char="•"/>
             </a:pPr>
-            <a:endParaRPr lang="en-GB" dirty="0" smtClean="0">
-              <a:latin typeface="Comic Sans MS" panose="030F0702030302020204" pitchFamily="66" charset="0"/>
-              <a:cs typeface="Consolas" panose="020B0609020204030204" pitchFamily="49" charset="0"/>
-            </a:endParaRPr>
+            <a:r>
+              <a:rPr lang="en-US" sz="2800" dirty="0" smtClean="0">
+                <a:latin typeface="Comic Sans MS" panose="030F0702030302020204" pitchFamily="66" charset="0"/>
+                <a:cs typeface="Consolas" panose="020B0609020204030204" pitchFamily="49" charset="0"/>
+              </a:rPr>
+              <a:t>Generating boilerplate code</a:t>
+            </a:r>
           </a:p>
           <a:p>
             <a:pPr marL="742950" lvl="1" indent="-285750">
               <a:buFont typeface="Arial" panose="020B0604020202020204" pitchFamily="34" charset="0"/>
               <a:buChar char="•"/>
             </a:pPr>
-            <a:endParaRPr lang="en-GB" dirty="0" smtClean="0">
-              <a:latin typeface="Comic Sans MS" panose="030F0702030302020204" pitchFamily="66" charset="0"/>
-              <a:cs typeface="Consolas" panose="020B0609020204030204" pitchFamily="49" charset="0"/>
-            </a:endParaRPr>
+            <a:r>
+              <a:rPr lang="en-US" sz="2800" dirty="0" smtClean="0">
+                <a:latin typeface="Comic Sans MS" panose="030F0702030302020204" pitchFamily="66" charset="0"/>
+                <a:cs typeface="Consolas" panose="020B0609020204030204" pitchFamily="49" charset="0"/>
+              </a:rPr>
+              <a:t>Let’s </a:t>
+            </a:r>
+            <a:r>
+              <a:rPr lang="en-US" sz="2800" dirty="0">
+                <a:latin typeface="Comic Sans MS" panose="030F0702030302020204" pitchFamily="66" charset="0"/>
+                <a:cs typeface="Consolas" panose="020B0609020204030204" pitchFamily="49" charset="0"/>
+              </a:rPr>
+              <a:t>make our own </a:t>
+            </a:r>
+            <a:r>
+              <a:rPr lang="en-US" sz="2800" dirty="0" smtClean="0">
+                <a:latin typeface="Comic Sans MS" panose="030F0702030302020204" pitchFamily="66" charset="0"/>
+                <a:cs typeface="Consolas" panose="020B0609020204030204" pitchFamily="49" charset="0"/>
+              </a:rPr>
+              <a:t>language/DSL</a:t>
+            </a:r>
           </a:p>
           <a:p>
             <a:pPr marL="742950" lvl="1" indent="-285750">
               <a:buFont typeface="Arial" panose="020B0604020202020204" pitchFamily="34" charset="0"/>
               <a:buChar char="•"/>
             </a:pPr>
-            <a:endParaRPr lang="lv-LV" dirty="0">
+            <a:r>
+              <a:rPr lang="en-US" sz="2800" dirty="0" smtClean="0">
+                <a:latin typeface="Comic Sans MS" panose="030F0702030302020204" pitchFamily="66" charset="0"/>
+                <a:cs typeface="Consolas" panose="020B0609020204030204" pitchFamily="49" charset="0"/>
+              </a:rPr>
+              <a:t>Let’s integrate external components (native code, </a:t>
+            </a:r>
+            <a:r>
+              <a:rPr lang="en-US" sz="2800" dirty="0" err="1" smtClean="0">
+                <a:latin typeface="Comic Sans MS" panose="030F0702030302020204" pitchFamily="66" charset="0"/>
+                <a:cs typeface="Consolas" panose="020B0609020204030204" pitchFamily="49" charset="0"/>
+              </a:rPr>
+              <a:t>javascript</a:t>
+            </a:r>
+            <a:r>
+              <a:rPr lang="en-US" sz="2800" dirty="0" smtClean="0">
+                <a:latin typeface="Comic Sans MS" panose="030F0702030302020204" pitchFamily="66" charset="0"/>
+                <a:cs typeface="Consolas" panose="020B0609020204030204" pitchFamily="49" charset="0"/>
+              </a:rPr>
+              <a:t>, etc</a:t>
+            </a:r>
+            <a:r>
+              <a:rPr lang="en-US" sz="2800" dirty="0" smtClean="0">
+                <a:latin typeface="Comic Sans MS" panose="030F0702030302020204" pitchFamily="66" charset="0"/>
+                <a:cs typeface="Consolas" panose="020B0609020204030204" pitchFamily="49" charset="0"/>
+              </a:rPr>
+              <a:t>.)</a:t>
+            </a:r>
+          </a:p>
+          <a:p>
+            <a:pPr marL="742950" lvl="1" indent="-285750">
+              <a:buFont typeface="Arial" panose="020B0604020202020204" pitchFamily="34" charset="0"/>
+              <a:buChar char="•"/>
+            </a:pPr>
+            <a:r>
+              <a:rPr lang="en-US" sz="2800" dirty="0" smtClean="0">
+                <a:latin typeface="Comic Sans MS" panose="030F0702030302020204" pitchFamily="66" charset="0"/>
+                <a:cs typeface="Consolas" panose="020B0609020204030204" pitchFamily="49" charset="0"/>
+              </a:rPr>
+              <a:t>Let’s do something crazy and wonderful</a:t>
+            </a:r>
+            <a:endParaRPr lang="en-US" sz="2800" dirty="0" smtClean="0">
+              <a:latin typeface="Comic Sans MS" panose="030F0702030302020204" pitchFamily="66" charset="0"/>
+              <a:cs typeface="Consolas" panose="020B0609020204030204" pitchFamily="49" charset="0"/>
+            </a:endParaRPr>
+          </a:p>
+          <a:p>
+            <a:pPr marL="742950" lvl="1" indent="-285750">
+              <a:buFont typeface="Arial" panose="020B0604020202020204" pitchFamily="34" charset="0"/>
+              <a:buChar char="•"/>
+            </a:pPr>
+            <a:endParaRPr lang="en-GB" sz="2800" dirty="0">
               <a:latin typeface="Comic Sans MS" panose="030F0702030302020204" pitchFamily="66" charset="0"/>
               <a:cs typeface="Consolas" panose="020B0609020204030204" pitchFamily="49" charset="0"/>
             </a:endParaRPr>
@@ -9316,7 +9294,7 @@
     </p:spTree>
     <p:extLst>
       <p:ext uri="{BB962C8B-B14F-4D97-AF65-F5344CB8AC3E}">
-        <p14:creationId xmlns:p14="http://schemas.microsoft.com/office/powerpoint/2010/main" val="4097947663"/>
+        <p14:creationId xmlns:p14="http://schemas.microsoft.com/office/powerpoint/2010/main" val="3049562135"/>
       </p:ext>
     </p:extLst>
   </p:cSld>
@@ -9374,7 +9352,7 @@
           <a:p>
             <a:pPr algn="l"/>
             <a:r>
-              <a:rPr lang="en-GB" dirty="0" smtClean="0">
+              <a:rPr lang="en-US" dirty="0" smtClean="0">
                 <a:solidFill>
                   <a:schemeClr val="bg1">
                     <a:lumMod val="50000"/>
@@ -9382,7 +9360,51 @@
                 </a:solidFill>
                 <a:latin typeface="Comic Sans MS"/>
               </a:rPr>
-              <a:t>Possible uses</a:t>
+              <a:t>Scala </a:t>
+            </a:r>
+            <a:r>
+              <a:rPr lang="en-US" dirty="0" err="1">
+                <a:solidFill>
+                  <a:schemeClr val="bg1">
+                    <a:lumMod val="50000"/>
+                  </a:schemeClr>
+                </a:solidFill>
+                <a:latin typeface="Comic Sans MS"/>
+              </a:rPr>
+              <a:t>b</a:t>
+            </a:r>
+            <a:r>
+              <a:rPr lang="en-US" dirty="0" err="1" smtClean="0">
+                <a:solidFill>
+                  <a:schemeClr val="bg1">
+                    <a:lumMod val="50000"/>
+                  </a:schemeClr>
+                </a:solidFill>
+                <a:latin typeface="Comic Sans MS"/>
+              </a:rPr>
+              <a:t>lackbox</a:t>
+            </a:r>
+            <a:r>
+              <a:rPr lang="en-US" dirty="0" smtClean="0">
+                <a:solidFill>
+                  <a:schemeClr val="bg1">
+                    <a:lumMod val="50000"/>
+                  </a:schemeClr>
+                </a:solidFill>
+                <a:latin typeface="Comic Sans MS"/>
+              </a:rPr>
+              <a:t> </a:t>
+            </a:r>
+            <a:r>
+              <a:rPr lang="en-US" dirty="0" smtClean="0">
+                <a:solidFill>
+                  <a:schemeClr val="bg1">
+                    <a:lumMod val="50000"/>
+                  </a:schemeClr>
+                </a:solidFill>
+                <a:latin typeface="Comic Sans MS"/>
+              </a:rPr>
+              <a:t>macros</a:t>
             </a:r>
             <a:endParaRPr lang="en-US" dirty="0"/>
           </a:p>
@@ -9397,7 +9419,7 @@
         <p:spPr>
           <a:xfrm>
             <a:off x="563672" y="1691014"/>
-            <a:ext cx="7818328" cy="4524315"/>
+            <a:ext cx="7818328" cy="4801314"/>
           </a:xfrm>
           <a:prstGeom prst="rect">
             <a:avLst/>
@@ -9415,11 +9437,11 @@
               <a:buChar char="•"/>
             </a:pPr>
             <a:r>
-              <a:rPr lang="en-GB" sz="3600" dirty="0" smtClean="0">
-                <a:latin typeface="Comic Sans MS" panose="030F0702030302020204" pitchFamily="66" charset="0"/>
-                <a:cs typeface="Consolas" panose="020B0609020204030204" pitchFamily="49" charset="0"/>
-              </a:rPr>
-              <a:t>Testing/validation</a:t>
+              <a:rPr lang="en-US" dirty="0" smtClean="0">
+                <a:latin typeface="Comic Sans MS" panose="030F0702030302020204" pitchFamily="66" charset="0"/>
+                <a:cs typeface="Consolas" panose="020B0609020204030204" pitchFamily="49" charset="0"/>
+              </a:rPr>
+              <a:t>Introduced in Scala 2.10.</a:t>
             </a:r>
           </a:p>
           <a:p>
@@ -9428,11 +9450,11 @@
               <a:buChar char="•"/>
             </a:pPr>
             <a:r>
-              <a:rPr lang="en-US" sz="3600" dirty="0" smtClean="0">
-                <a:latin typeface="Comic Sans MS" panose="030F0702030302020204" pitchFamily="66" charset="0"/>
-                <a:cs typeface="Consolas" panose="020B0609020204030204" pitchFamily="49" charset="0"/>
-              </a:rPr>
-              <a:t>Generating boilerplate code</a:t>
+              <a:rPr lang="en-US" dirty="0" smtClean="0">
+                <a:latin typeface="Comic Sans MS" panose="030F0702030302020204" pitchFamily="66" charset="0"/>
+                <a:cs typeface="Consolas" panose="020B0609020204030204" pitchFamily="49" charset="0"/>
+              </a:rPr>
+              <a:t>Main idea: replace special method call with arbitrary code at compile time</a:t>
             </a:r>
           </a:p>
           <a:p>
@@ -9441,26 +9463,23 @@
               <a:buChar char="•"/>
             </a:pPr>
             <a:r>
-              <a:rPr lang="en-US" sz="3600" dirty="0" smtClean="0">
-                <a:latin typeface="Comic Sans MS" panose="030F0702030302020204" pitchFamily="66" charset="0"/>
-                <a:cs typeface="Consolas" panose="020B0609020204030204" pitchFamily="49" charset="0"/>
-              </a:rPr>
-              <a:t>Let’s </a:t>
-            </a:r>
-            <a:r>
-              <a:rPr lang="en-US" sz="3600" dirty="0">
-                <a:latin typeface="Comic Sans MS" panose="030F0702030302020204" pitchFamily="66" charset="0"/>
-                <a:cs typeface="Consolas" panose="020B0609020204030204" pitchFamily="49" charset="0"/>
-              </a:rPr>
-              <a:t>make our own </a:t>
-            </a:r>
-            <a:r>
-              <a:rPr lang="en-US" sz="3600" dirty="0" smtClean="0">
-                <a:latin typeface="Comic Sans MS" panose="030F0702030302020204" pitchFamily="66" charset="0"/>
-                <a:cs typeface="Consolas" panose="020B0609020204030204" pitchFamily="49" charset="0"/>
-              </a:rPr>
-              <a:t>language/DSL</a:t>
-            </a:r>
+              <a:rPr lang="en-US" dirty="0">
+                <a:latin typeface="Comic Sans MS" panose="030F0702030302020204" pitchFamily="66" charset="0"/>
+                <a:cs typeface="Consolas" panose="020B0609020204030204" pitchFamily="49" charset="0"/>
+              </a:rPr>
+              <a:t>Is type safe – must specify the return </a:t>
+            </a:r>
+            <a:r>
+              <a:rPr lang="en-US" dirty="0" smtClean="0">
+                <a:latin typeface="Comic Sans MS" panose="030F0702030302020204" pitchFamily="66" charset="0"/>
+                <a:cs typeface="Consolas" panose="020B0609020204030204" pitchFamily="49" charset="0"/>
+              </a:rPr>
+              <a:t>type</a:t>
+            </a:r>
+            <a:endParaRPr lang="en-US" dirty="0" smtClean="0">
+              <a:latin typeface="Comic Sans MS" panose="030F0702030302020204" pitchFamily="66" charset="0"/>
+              <a:cs typeface="Consolas" panose="020B0609020204030204" pitchFamily="49" charset="0"/>
+            </a:endParaRPr>
           </a:p>
           <a:p>
             <a:pPr marL="285750" indent="-285750">
@@ -9468,32 +9487,11 @@
               <a:buChar char="•"/>
             </a:pPr>
             <a:r>
-              <a:rPr lang="en-US" sz="3600" dirty="0" smtClean="0">
-                <a:latin typeface="Comic Sans MS" panose="030F0702030302020204" pitchFamily="66" charset="0"/>
-                <a:cs typeface="Consolas" panose="020B0609020204030204" pitchFamily="49" charset="0"/>
-              </a:rPr>
-              <a:t>Let’s integrate external components (native code, </a:t>
-            </a:r>
-            <a:r>
-              <a:rPr lang="en-US" sz="3600" dirty="0" err="1" smtClean="0">
-                <a:latin typeface="Comic Sans MS" panose="030F0702030302020204" pitchFamily="66" charset="0"/>
-                <a:cs typeface="Consolas" panose="020B0609020204030204" pitchFamily="49" charset="0"/>
-              </a:rPr>
-              <a:t>javascript</a:t>
-            </a:r>
-            <a:r>
-              <a:rPr lang="en-US" sz="3600" dirty="0" smtClean="0">
-                <a:latin typeface="Comic Sans MS" panose="030F0702030302020204" pitchFamily="66" charset="0"/>
-                <a:cs typeface="Consolas" panose="020B0609020204030204" pitchFamily="49" charset="0"/>
-              </a:rPr>
-              <a:t>, etc</a:t>
-            </a:r>
-            <a:r>
-              <a:rPr lang="en-US" sz="3600" dirty="0" smtClean="0">
-                <a:latin typeface="Comic Sans MS" panose="030F0702030302020204" pitchFamily="66" charset="0"/>
-                <a:cs typeface="Consolas" panose="020B0609020204030204" pitchFamily="49" charset="0"/>
-              </a:rPr>
-              <a:t>.)</a:t>
+              <a:rPr lang="en-US" dirty="0" smtClean="0">
+                <a:latin typeface="Comic Sans MS" panose="030F0702030302020204" pitchFamily="66" charset="0"/>
+                <a:cs typeface="Consolas" panose="020B0609020204030204" pitchFamily="49" charset="0"/>
+              </a:rPr>
+              <a:t>Works with abstract syntax trees(ASTs), not text !!!</a:t>
             </a:r>
           </a:p>
           <a:p>
@@ -9502,23 +9500,176 @@
               <a:buChar char="•"/>
             </a:pPr>
             <a:r>
-              <a:rPr lang="en-US" sz="3600" dirty="0" smtClean="0">
-                <a:latin typeface="Comic Sans MS" panose="030F0702030302020204" pitchFamily="66" charset="0"/>
-                <a:cs typeface="Consolas" panose="020B0609020204030204" pitchFamily="49" charset="0"/>
-              </a:rPr>
-              <a:t>Let’s do something more crazy</a:t>
-            </a:r>
-            <a:endParaRPr lang="en-US" sz="3600" dirty="0" smtClean="0">
+              <a:rPr lang="en-US" dirty="0" smtClean="0">
+                <a:latin typeface="Comic Sans MS" panose="030F0702030302020204" pitchFamily="66" charset="0"/>
+                <a:cs typeface="Consolas" panose="020B0609020204030204" pitchFamily="49" charset="0"/>
+              </a:rPr>
+              <a:t>You can run arbitrary Scala code in the macro</a:t>
+            </a:r>
+          </a:p>
+          <a:p>
+            <a:pPr marL="285750" indent="-285750">
+              <a:buFont typeface="Arial" panose="020B0604020202020204" pitchFamily="34" charset="0"/>
+              <a:buChar char="•"/>
+            </a:pPr>
+            <a:endParaRPr lang="en-US" dirty="0">
               <a:latin typeface="Comic Sans MS" panose="030F0702030302020204" pitchFamily="66" charset="0"/>
               <a:cs typeface="Consolas" panose="020B0609020204030204" pitchFamily="49" charset="0"/>
             </a:endParaRPr>
+          </a:p>
+          <a:p>
+            <a:pPr marL="285750" indent="-285750">
+              <a:buFont typeface="Arial" panose="020B0604020202020204" pitchFamily="34" charset="0"/>
+              <a:buChar char="•"/>
+            </a:pPr>
+            <a:r>
+              <a:rPr lang="en-US" dirty="0" smtClean="0">
+                <a:latin typeface="Comic Sans MS" panose="030F0702030302020204" pitchFamily="66" charset="0"/>
+                <a:cs typeface="Consolas" panose="020B0609020204030204" pitchFamily="49" charset="0"/>
+              </a:rPr>
+              <a:t>Macros must be enabled by:</a:t>
+            </a:r>
           </a:p>
           <a:p>
             <a:pPr marL="742950" lvl="1" indent="-285750">
               <a:buFont typeface="Arial" panose="020B0604020202020204" pitchFamily="34" charset="0"/>
               <a:buChar char="•"/>
             </a:pPr>
-            <a:endParaRPr lang="en-GB" sz="3600" dirty="0">
+            <a:r>
+              <a:rPr lang="en-US" dirty="0" smtClean="0">
+                <a:latin typeface="Comic Sans MS" panose="030F0702030302020204" pitchFamily="66" charset="0"/>
+                <a:cs typeface="Consolas" panose="020B0609020204030204" pitchFamily="49" charset="0"/>
+              </a:rPr>
+              <a:t>import </a:t>
+            </a:r>
+            <a:r>
+              <a:rPr lang="en-US" dirty="0" err="1" smtClean="0">
+                <a:latin typeface="Comic Sans MS" panose="030F0702030302020204" pitchFamily="66" charset="0"/>
+                <a:cs typeface="Consolas" panose="020B0609020204030204" pitchFamily="49" charset="0"/>
+              </a:rPr>
+              <a:t>scala.language.experimental.macros</a:t>
+            </a:r>
+            <a:endParaRPr lang="en-US" dirty="0" smtClean="0">
+              <a:latin typeface="Comic Sans MS" panose="030F0702030302020204" pitchFamily="66" charset="0"/>
+              <a:cs typeface="Consolas" panose="020B0609020204030204" pitchFamily="49" charset="0"/>
+            </a:endParaRPr>
+          </a:p>
+          <a:p>
+            <a:pPr marL="285750" indent="-285750">
+              <a:buFont typeface="Arial" panose="020B0604020202020204" pitchFamily="34" charset="0"/>
+              <a:buChar char="•"/>
+            </a:pPr>
+            <a:r>
+              <a:rPr lang="en-US" dirty="0" smtClean="0">
+                <a:latin typeface="Comic Sans MS" panose="030F0702030302020204" pitchFamily="66" charset="0"/>
+                <a:cs typeface="Consolas" panose="020B0609020204030204" pitchFamily="49" charset="0"/>
+              </a:rPr>
+              <a:t>The macro implementation must be compiled before using it</a:t>
+            </a:r>
+          </a:p>
+          <a:p>
+            <a:pPr marL="742950" lvl="1" indent="-285750">
+              <a:buFont typeface="Arial" panose="020B0604020202020204" pitchFamily="34" charset="0"/>
+              <a:buChar char="•"/>
+            </a:pPr>
+            <a:r>
+              <a:rPr lang="en-US" dirty="0" smtClean="0">
+                <a:latin typeface="Comic Sans MS" panose="030F0702030302020204" pitchFamily="66" charset="0"/>
+                <a:cs typeface="Consolas" panose="020B0609020204030204" pitchFamily="49" charset="0"/>
+              </a:rPr>
+              <a:t>Creating an </a:t>
+            </a:r>
+            <a:r>
+              <a:rPr lang="en-US" dirty="0" err="1" smtClean="0">
+                <a:latin typeface="Comic Sans MS" panose="030F0702030302020204" pitchFamily="66" charset="0"/>
+                <a:cs typeface="Consolas" panose="020B0609020204030204" pitchFamily="49" charset="0"/>
+              </a:rPr>
+              <a:t>sbt</a:t>
+            </a:r>
+            <a:r>
+              <a:rPr lang="en-US" dirty="0" smtClean="0">
+                <a:latin typeface="Comic Sans MS" panose="030F0702030302020204" pitchFamily="66" charset="0"/>
+                <a:cs typeface="Consolas" panose="020B0609020204030204" pitchFamily="49" charset="0"/>
+              </a:rPr>
+              <a:t> subproject works fine</a:t>
+            </a:r>
+          </a:p>
+          <a:p>
+            <a:pPr marL="285750" indent="-285750">
+              <a:buFont typeface="Arial" panose="020B0604020202020204" pitchFamily="34" charset="0"/>
+              <a:buChar char="•"/>
+            </a:pPr>
+            <a:endParaRPr lang="en-US" dirty="0">
+              <a:latin typeface="Comic Sans MS" panose="030F0702030302020204" pitchFamily="66" charset="0"/>
+              <a:cs typeface="Consolas" panose="020B0609020204030204" pitchFamily="49" charset="0"/>
+            </a:endParaRPr>
+          </a:p>
+          <a:p>
+            <a:pPr marL="285750" indent="-285750">
+              <a:buFont typeface="Arial" panose="020B0604020202020204" pitchFamily="34" charset="0"/>
+              <a:buChar char="•"/>
+            </a:pPr>
+            <a:endParaRPr lang="en-US" dirty="0" smtClean="0">
+              <a:latin typeface="Comic Sans MS" panose="030F0702030302020204" pitchFamily="66" charset="0"/>
+              <a:cs typeface="Consolas" panose="020B0609020204030204" pitchFamily="49" charset="0"/>
+            </a:endParaRPr>
+          </a:p>
+          <a:p>
+            <a:pPr marL="285750" indent="-285750">
+              <a:buFont typeface="Arial" panose="020B0604020202020204" pitchFamily="34" charset="0"/>
+              <a:buChar char="•"/>
+            </a:pPr>
+            <a:endParaRPr lang="en-US" dirty="0" smtClean="0">
+              <a:latin typeface="Comic Sans MS" panose="030F0702030302020204" pitchFamily="66" charset="0"/>
+              <a:cs typeface="Consolas" panose="020B0609020204030204" pitchFamily="49" charset="0"/>
+            </a:endParaRPr>
+          </a:p>
+          <a:p>
+            <a:pPr marL="285750" indent="-285750">
+              <a:buFont typeface="Arial" panose="020B0604020202020204" pitchFamily="34" charset="0"/>
+              <a:buChar char="•"/>
+            </a:pPr>
+            <a:r>
+              <a:rPr lang="en-GB" dirty="0" smtClean="0">
+                <a:latin typeface="Comic Sans MS" panose="030F0702030302020204" pitchFamily="66" charset="0"/>
+                <a:cs typeface="Consolas" panose="020B0609020204030204" pitchFamily="49" charset="0"/>
+              </a:rPr>
+              <a:t>Notable uses: </a:t>
+            </a:r>
+          </a:p>
+          <a:p>
+            <a:pPr marL="742950" lvl="1" indent="-285750">
+              <a:buFont typeface="Arial" panose="020B0604020202020204" pitchFamily="34" charset="0"/>
+              <a:buChar char="•"/>
+            </a:pPr>
+            <a:r>
+              <a:rPr lang="en-GB" dirty="0" err="1" smtClean="0">
+                <a:latin typeface="Comic Sans MS" panose="030F0702030302020204" pitchFamily="66" charset="0"/>
+                <a:cs typeface="Consolas" panose="020B0609020204030204" pitchFamily="49" charset="0"/>
+              </a:rPr>
+              <a:t>async</a:t>
+            </a:r>
+            <a:r>
+              <a:rPr lang="en-GB" dirty="0" smtClean="0">
+                <a:latin typeface="Comic Sans MS" panose="030F0702030302020204" pitchFamily="66" charset="0"/>
+                <a:cs typeface="Consolas" panose="020B0609020204030204" pitchFamily="49" charset="0"/>
+              </a:rPr>
+              <a:t> macro in Scala standard library</a:t>
+            </a:r>
+          </a:p>
+          <a:p>
+            <a:pPr marL="742950" lvl="1" indent="-285750">
+              <a:buFont typeface="Arial" panose="020B0604020202020204" pitchFamily="34" charset="0"/>
+              <a:buChar char="•"/>
+            </a:pPr>
+            <a:r>
+              <a:rPr lang="en-GB" dirty="0" smtClean="0">
+                <a:latin typeface="Comic Sans MS" panose="030F0702030302020204" pitchFamily="66" charset="0"/>
+                <a:cs typeface="Consolas" panose="020B0609020204030204" pitchFamily="49" charset="0"/>
+              </a:rPr>
+              <a:t>Play macros for generating JSON formatters</a:t>
+            </a:r>
+            <a:endParaRPr lang="en-GB" dirty="0">
               <a:latin typeface="Comic Sans MS" panose="030F0702030302020204" pitchFamily="66" charset="0"/>
               <a:cs typeface="Consolas" panose="020B0609020204030204" pitchFamily="49" charset="0"/>
             </a:endParaRPr>
@@ -9528,7 +9679,7 @@
     </p:spTree>
     <p:extLst>
       <p:ext uri="{BB962C8B-B14F-4D97-AF65-F5344CB8AC3E}">
-        <p14:creationId xmlns:p14="http://schemas.microsoft.com/office/powerpoint/2010/main" val="3049562135"/>
+        <p14:creationId xmlns:p14="http://schemas.microsoft.com/office/powerpoint/2010/main" val="793254760"/>
       </p:ext>
     </p:extLst>
   </p:cSld>
@@ -9594,51 +9745,7 @@
                 </a:solidFill>
                 <a:latin typeface="Comic Sans MS"/>
               </a:rPr>
-              <a:t>Scala </a:t>
-            </a:r>
-            <a:r>
-              <a:rPr lang="en-US" dirty="0" err="1">
-                <a:solidFill>
-                  <a:schemeClr val="bg1">
-                    <a:lumMod val="50000"/>
-                  </a:schemeClr>
-                </a:solidFill>
-                <a:latin typeface="Comic Sans MS"/>
-              </a:rPr>
-              <a:t>b</a:t>
-            </a:r>
-            <a:r>
-              <a:rPr lang="en-US" dirty="0" err="1" smtClean="0">
-                <a:solidFill>
-                  <a:schemeClr val="bg1">
-                    <a:lumMod val="50000"/>
-                  </a:schemeClr>
-                </a:solidFill>
-                <a:latin typeface="Comic Sans MS"/>
-              </a:rPr>
-              <a:t>lackbox</a:t>
-            </a:r>
-            <a:r>
-              <a:rPr lang="en-US" dirty="0" smtClean="0">
-                <a:solidFill>
-                  <a:schemeClr val="bg1">
-                    <a:lumMod val="50000"/>
-                  </a:schemeClr>
-                </a:solidFill>
-                <a:latin typeface="Comic Sans MS"/>
-              </a:rPr>
-              <a:t> </a:t>
-            </a:r>
-            <a:r>
-              <a:rPr lang="en-US" dirty="0" smtClean="0">
-                <a:solidFill>
-                  <a:schemeClr val="bg1">
-                    <a:lumMod val="50000"/>
-                  </a:schemeClr>
-                </a:solidFill>
-                <a:latin typeface="Comic Sans MS"/>
-              </a:rPr>
-              <a:t>macros</a:t>
+              <a:t>Abstract syntax tree (AST)</a:t>
             </a:r>
             <a:endParaRPr lang="en-US" dirty="0"/>
           </a:p>
@@ -9653,7 +9760,7 @@
         <p:spPr>
           <a:xfrm>
             <a:off x="563672" y="1691014"/>
-            <a:ext cx="7818328" cy="4801314"/>
+            <a:ext cx="7818328" cy="5016758"/>
           </a:xfrm>
           <a:prstGeom prst="rect">
             <a:avLst/>
@@ -9675,7 +9782,7 @@
                 <a:latin typeface="Comic Sans MS" panose="030F0702030302020204" pitchFamily="66" charset="0"/>
                 <a:cs typeface="Consolas" panose="020B0609020204030204" pitchFamily="49" charset="0"/>
               </a:rPr>
-              <a:t>Introduced in Scala 2.10.</a:t>
+              <a:t>Represents program structure</a:t>
             </a:r>
           </a:p>
           <a:p>
@@ -9688,8 +9795,12 @@
                 <a:latin typeface="Comic Sans MS" panose="030F0702030302020204" pitchFamily="66" charset="0"/>
                 <a:cs typeface="Consolas" panose="020B0609020204030204" pitchFamily="49" charset="0"/>
               </a:rPr>
-              <a:t>Main idea: replace special method call with arbitrary code at compile time</a:t>
-            </a:r>
+              <a:t>Normally generated from program text</a:t>
+            </a:r>
+            <a:endParaRPr lang="en-US" dirty="0">
+              <a:latin typeface="Comic Sans MS" panose="030F0702030302020204" pitchFamily="66" charset="0"/>
+              <a:cs typeface="Consolas" panose="020B0609020204030204" pitchFamily="49" charset="0"/>
+            </a:endParaRPr>
           </a:p>
           <a:p>
             <a:pPr marL="285750" indent="-285750">
@@ -9697,23 +9808,12 @@
               <a:buChar char="•"/>
             </a:pPr>
             <a:r>
-              <a:rPr lang="en-US" dirty="0">
-                <a:latin typeface="Comic Sans MS" panose="030F0702030302020204" pitchFamily="66" charset="0"/>
-                <a:cs typeface="Consolas" panose="020B0609020204030204" pitchFamily="49" charset="0"/>
-              </a:rPr>
-              <a:t>Is type safe – must specify the return </a:t>
-            </a:r>
-            <a:r>
               <a:rPr lang="en-US" dirty="0" smtClean="0">
                 <a:latin typeface="Comic Sans MS" panose="030F0702030302020204" pitchFamily="66" charset="0"/>
                 <a:cs typeface="Consolas" panose="020B0609020204030204" pitchFamily="49" charset="0"/>
               </a:rPr>
-              <a:t>type</a:t>
-            </a:r>
-            <a:endParaRPr lang="en-US" dirty="0" smtClean="0">
-              <a:latin typeface="Comic Sans MS" panose="030F0702030302020204" pitchFamily="66" charset="0"/>
-              <a:cs typeface="Consolas" panose="020B0609020204030204" pitchFamily="49" charset="0"/>
-            </a:endParaRPr>
+              <a:t>Example:</a:t>
+            </a:r>
           </a:p>
           <a:p>
             <a:pPr marL="285750" indent="-285750">
@@ -9725,20 +9825,28 @@
                 <a:latin typeface="Comic Sans MS" panose="030F0702030302020204" pitchFamily="66" charset="0"/>
                 <a:cs typeface="Consolas" panose="020B0609020204030204" pitchFamily="49" charset="0"/>
               </a:rPr>
-              <a:t>Works with abstract syntax trees(ASTs), not text !!!</a:t>
-            </a:r>
-          </a:p>
-          <a:p>
-            <a:pPr marL="285750" indent="-285750">
-              <a:buFont typeface="Arial" panose="020B0604020202020204" pitchFamily="34" charset="0"/>
-              <a:buChar char="•"/>
-            </a:pPr>
+              <a:t>x</a:t>
+            </a:r>
             <a:r>
               <a:rPr lang="en-US" dirty="0" smtClean="0">
                 <a:latin typeface="Comic Sans MS" panose="030F0702030302020204" pitchFamily="66" charset="0"/>
                 <a:cs typeface="Consolas" panose="020B0609020204030204" pitchFamily="49" charset="0"/>
               </a:rPr>
-              <a:t>You can run arbitrary Scala code in the macro</a:t>
+              <a:t>*</a:t>
+            </a:r>
+            <a:r>
+              <a:rPr lang="en-US" dirty="0" err="1" smtClean="0">
+                <a:latin typeface="Comic Sans MS" panose="030F0702030302020204" pitchFamily="66" charset="0"/>
+                <a:cs typeface="Consolas" panose="020B0609020204030204" pitchFamily="49" charset="0"/>
+              </a:rPr>
+              <a:t>y+f</a:t>
+            </a:r>
+            <a:r>
+              <a:rPr lang="en-US" dirty="0" smtClean="0">
+                <a:latin typeface="Comic Sans MS" panose="030F0702030302020204" pitchFamily="66" charset="0"/>
+                <a:cs typeface="Consolas" panose="020B0609020204030204" pitchFamily="49" charset="0"/>
+              </a:rPr>
+              <a:t>(z)</a:t>
             </a:r>
           </a:p>
           <a:p>
@@ -9756,77 +9864,10 @@
               <a:buFont typeface="Arial" panose="020B0604020202020204" pitchFamily="34" charset="0"/>
               <a:buChar char="•"/>
             </a:pPr>
-            <a:r>
-              <a:rPr lang="en-US" dirty="0" smtClean="0">
-                <a:latin typeface="Comic Sans MS" panose="030F0702030302020204" pitchFamily="66" charset="0"/>
-                <a:cs typeface="Consolas" panose="020B0609020204030204" pitchFamily="49" charset="0"/>
-              </a:rPr>
-              <a:t>Macros must be enabled by:</a:t>
-            </a:r>
-          </a:p>
-          <a:p>
-            <a:pPr marL="742950" lvl="1" indent="-285750">
-              <a:buFont typeface="Arial" panose="020B0604020202020204" pitchFamily="34" charset="0"/>
-              <a:buChar char="•"/>
-            </a:pPr>
-            <a:r>
-              <a:rPr lang="en-US" dirty="0" smtClean="0">
-                <a:latin typeface="Comic Sans MS" panose="030F0702030302020204" pitchFamily="66" charset="0"/>
-                <a:cs typeface="Consolas" panose="020B0609020204030204" pitchFamily="49" charset="0"/>
-              </a:rPr>
-              <a:t>import </a:t>
-            </a:r>
-            <a:r>
-              <a:rPr lang="en-US" dirty="0" err="1" smtClean="0">
-                <a:latin typeface="Comic Sans MS" panose="030F0702030302020204" pitchFamily="66" charset="0"/>
-                <a:cs typeface="Consolas" panose="020B0609020204030204" pitchFamily="49" charset="0"/>
-              </a:rPr>
-              <a:t>scala.language.experimental.macros</a:t>
-            </a:r>
             <a:endParaRPr lang="en-US" dirty="0" smtClean="0">
               <a:latin typeface="Comic Sans MS" panose="030F0702030302020204" pitchFamily="66" charset="0"/>
               <a:cs typeface="Consolas" panose="020B0609020204030204" pitchFamily="49" charset="0"/>
             </a:endParaRPr>
-          </a:p>
-          <a:p>
-            <a:pPr marL="285750" indent="-285750">
-              <a:buFont typeface="Arial" panose="020B0604020202020204" pitchFamily="34" charset="0"/>
-              <a:buChar char="•"/>
-            </a:pPr>
-            <a:r>
-              <a:rPr lang="en-US" dirty="0" smtClean="0">
-                <a:latin typeface="Comic Sans MS" panose="030F0702030302020204" pitchFamily="66" charset="0"/>
-                <a:cs typeface="Consolas" panose="020B0609020204030204" pitchFamily="49" charset="0"/>
-              </a:rPr>
-              <a:t>The macro implementation must be compiled before using it</a:t>
-            </a:r>
-          </a:p>
-          <a:p>
-            <a:pPr marL="742950" lvl="1" indent="-285750">
-              <a:buFont typeface="Arial" panose="020B0604020202020204" pitchFamily="34" charset="0"/>
-              <a:buChar char="•"/>
-            </a:pPr>
-            <a:r>
-              <a:rPr lang="en-US" dirty="0" smtClean="0">
-                <a:latin typeface="Comic Sans MS" panose="030F0702030302020204" pitchFamily="66" charset="0"/>
-                <a:cs typeface="Consolas" panose="020B0609020204030204" pitchFamily="49" charset="0"/>
-              </a:rPr>
-              <a:t>Creating an </a:t>
-            </a:r>
-            <a:r>
-              <a:rPr lang="en-US" dirty="0" err="1" smtClean="0">
-                <a:latin typeface="Comic Sans MS" panose="030F0702030302020204" pitchFamily="66" charset="0"/>
-                <a:cs typeface="Consolas" panose="020B0609020204030204" pitchFamily="49" charset="0"/>
-              </a:rPr>
-              <a:t>sbt</a:t>
-            </a:r>
-            <a:r>
-              <a:rPr lang="en-US" dirty="0" smtClean="0">
-                <a:latin typeface="Comic Sans MS" panose="030F0702030302020204" pitchFamily="66" charset="0"/>
-                <a:cs typeface="Consolas" panose="020B0609020204030204" pitchFamily="49" charset="0"/>
-              </a:rPr>
-              <a:t> subproject works fine</a:t>
-            </a:r>
           </a:p>
           <a:p>
             <a:pPr marL="285750" indent="-285750">
@@ -9853,6 +9894,16 @@
               <a:buFont typeface="Arial" panose="020B0604020202020204" pitchFamily="34" charset="0"/>
               <a:buChar char="•"/>
             </a:pPr>
+            <a:endParaRPr lang="en-US" dirty="0">
+              <a:latin typeface="Comic Sans MS" panose="030F0702030302020204" pitchFamily="66" charset="0"/>
+              <a:cs typeface="Consolas" panose="020B0609020204030204" pitchFamily="49" charset="0"/>
+            </a:endParaRPr>
+          </a:p>
+          <a:p>
+            <a:pPr marL="285750" indent="-285750">
+              <a:buFont typeface="Arial" panose="020B0604020202020204" pitchFamily="34" charset="0"/>
+              <a:buChar char="•"/>
+            </a:pPr>
             <a:endParaRPr lang="en-US" dirty="0" smtClean="0">
               <a:latin typeface="Comic Sans MS" panose="030F0702030302020204" pitchFamily="66" charset="0"/>
               <a:cs typeface="Consolas" panose="020B0609020204030204" pitchFamily="49" charset="0"/>
@@ -9863,57 +9914,153 @@
               <a:buFont typeface="Arial" panose="020B0604020202020204" pitchFamily="34" charset="0"/>
               <a:buChar char="•"/>
             </a:pPr>
-            <a:r>
-              <a:rPr lang="en-GB" dirty="0" smtClean="0">
-                <a:latin typeface="Comic Sans MS" panose="030F0702030302020204" pitchFamily="66" charset="0"/>
-                <a:cs typeface="Consolas" panose="020B0609020204030204" pitchFamily="49" charset="0"/>
-              </a:rPr>
-              <a:t>Notable uses: </a:t>
-            </a:r>
-          </a:p>
-          <a:p>
-            <a:pPr marL="742950" lvl="1" indent="-285750">
+            <a:endParaRPr lang="en-US" dirty="0">
+              <a:latin typeface="Comic Sans MS" panose="030F0702030302020204" pitchFamily="66" charset="0"/>
+              <a:cs typeface="Consolas" panose="020B0609020204030204" pitchFamily="49" charset="0"/>
+            </a:endParaRPr>
+          </a:p>
+          <a:p>
+            <a:pPr marL="285750" indent="-285750">
               <a:buFont typeface="Arial" panose="020B0604020202020204" pitchFamily="34" charset="0"/>
               <a:buChar char="•"/>
             </a:pPr>
-            <a:r>
-              <a:rPr lang="en-GB" dirty="0" err="1" smtClean="0">
-                <a:latin typeface="Comic Sans MS" panose="030F0702030302020204" pitchFamily="66" charset="0"/>
-                <a:cs typeface="Consolas" panose="020B0609020204030204" pitchFamily="49" charset="0"/>
-              </a:rPr>
-              <a:t>async</a:t>
-            </a:r>
-            <a:r>
-              <a:rPr lang="en-GB" dirty="0" smtClean="0">
-                <a:latin typeface="Comic Sans MS" panose="030F0702030302020204" pitchFamily="66" charset="0"/>
-                <a:cs typeface="Consolas" panose="020B0609020204030204" pitchFamily="49" charset="0"/>
-              </a:rPr>
-              <a:t> macro in Scala standard library</a:t>
-            </a:r>
-          </a:p>
-          <a:p>
-            <a:pPr marL="742950" lvl="1" indent="-285750">
+            <a:endParaRPr lang="en-US" dirty="0" smtClean="0">
+              <a:latin typeface="Comic Sans MS" panose="030F0702030302020204" pitchFamily="66" charset="0"/>
+              <a:cs typeface="Consolas" panose="020B0609020204030204" pitchFamily="49" charset="0"/>
+            </a:endParaRPr>
+          </a:p>
+          <a:p>
+            <a:pPr marL="285750" indent="-285750">
               <a:buFont typeface="Arial" panose="020B0604020202020204" pitchFamily="34" charset="0"/>
               <a:buChar char="•"/>
             </a:pPr>
-            <a:r>
-              <a:rPr lang="en-GB" dirty="0" smtClean="0">
-                <a:latin typeface="Comic Sans MS" panose="030F0702030302020204" pitchFamily="66" charset="0"/>
-                <a:cs typeface="Consolas" panose="020B0609020204030204" pitchFamily="49" charset="0"/>
-              </a:rPr>
-              <a:t>Play macros for generating JSON formatters</a:t>
-            </a:r>
-            <a:endParaRPr lang="en-GB" dirty="0">
+            <a:endParaRPr lang="en-US" dirty="0">
               <a:latin typeface="Comic Sans MS" panose="030F0702030302020204" pitchFamily="66" charset="0"/>
               <a:cs typeface="Consolas" panose="020B0609020204030204" pitchFamily="49" charset="0"/>
             </a:endParaRPr>
           </a:p>
+          <a:p>
+            <a:pPr marL="285750" indent="-285750">
+              <a:buFont typeface="Arial" panose="020B0604020202020204" pitchFamily="34" charset="0"/>
+              <a:buChar char="•"/>
+            </a:pPr>
+            <a:endParaRPr lang="en-US" dirty="0" smtClean="0">
+              <a:latin typeface="Comic Sans MS" panose="030F0702030302020204" pitchFamily="66" charset="0"/>
+              <a:cs typeface="Consolas" panose="020B0609020204030204" pitchFamily="49" charset="0"/>
+            </a:endParaRPr>
+          </a:p>
+          <a:p>
+            <a:pPr marL="285750" indent="-285750">
+              <a:buFont typeface="Arial" panose="020B0604020202020204" pitchFamily="34" charset="0"/>
+              <a:buChar char="•"/>
+            </a:pPr>
+            <a:endParaRPr lang="en-US" dirty="0" smtClean="0">
+              <a:latin typeface="Comic Sans MS" panose="030F0702030302020204" pitchFamily="66" charset="0"/>
+              <a:cs typeface="Consolas" panose="020B0609020204030204" pitchFamily="49" charset="0"/>
+            </a:endParaRPr>
+          </a:p>
+          <a:p>
+            <a:pPr marL="285750" indent="-285750">
+              <a:buFont typeface="Arial" panose="020B0604020202020204" pitchFamily="34" charset="0"/>
+              <a:buChar char="•"/>
+            </a:pPr>
+            <a:endParaRPr lang="en-US" sz="1600" dirty="0" smtClean="0">
+              <a:latin typeface="Comic Sans MS" panose="030F0702030302020204" pitchFamily="66" charset="0"/>
+              <a:cs typeface="Consolas" panose="020B0609020204030204" pitchFamily="49" charset="0"/>
+            </a:endParaRPr>
+          </a:p>
+          <a:p>
+            <a:pPr marL="285750" indent="-285750">
+              <a:buFont typeface="Arial" panose="020B0604020202020204" pitchFamily="34" charset="0"/>
+              <a:buChar char="•"/>
+            </a:pPr>
+            <a:r>
+              <a:rPr lang="en-US" sz="1600" dirty="0" smtClean="0">
+                <a:latin typeface="Comic Sans MS" panose="030F0702030302020204" pitchFamily="66" charset="0"/>
+                <a:cs typeface="Consolas" panose="020B0609020204030204" pitchFamily="49" charset="0"/>
+              </a:rPr>
+              <a:t>Add(Multiply(Variable(“x”),Variable(“y”)),</a:t>
+            </a:r>
+            <a:r>
+              <a:rPr lang="en-US" sz="1600" dirty="0" err="1" smtClean="0">
+                <a:latin typeface="Comic Sans MS" panose="030F0702030302020204" pitchFamily="66" charset="0"/>
+                <a:cs typeface="Consolas" panose="020B0609020204030204" pitchFamily="49" charset="0"/>
+              </a:rPr>
+              <a:t>FunctionCall</a:t>
+            </a:r>
+            <a:r>
+              <a:rPr lang="en-US" sz="1600" dirty="0" smtClean="0">
+                <a:latin typeface="Comic Sans MS" panose="030F0702030302020204" pitchFamily="66" charset="0"/>
+                <a:cs typeface="Consolas" panose="020B0609020204030204" pitchFamily="49" charset="0"/>
+              </a:rPr>
+              <a:t>(“</a:t>
+            </a:r>
+            <a:r>
+              <a:rPr lang="en-US" sz="1600" dirty="0" err="1" smtClean="0">
+                <a:latin typeface="Comic Sans MS" panose="030F0702030302020204" pitchFamily="66" charset="0"/>
+                <a:cs typeface="Consolas" panose="020B0609020204030204" pitchFamily="49" charset="0"/>
+              </a:rPr>
+              <a:t>f”,Variable</a:t>
+            </a:r>
+            <a:r>
+              <a:rPr lang="en-US" sz="1600" dirty="0" smtClean="0">
+                <a:latin typeface="Comic Sans MS" panose="030F0702030302020204" pitchFamily="66" charset="0"/>
+                <a:cs typeface="Consolas" panose="020B0609020204030204" pitchFamily="49" charset="0"/>
+              </a:rPr>
+              <a:t>(“z”)))</a:t>
+            </a:r>
+          </a:p>
+          <a:p>
+            <a:pPr marL="285750" indent="-285750">
+              <a:buFont typeface="Arial" panose="020B0604020202020204" pitchFamily="34" charset="0"/>
+              <a:buChar char="•"/>
+            </a:pPr>
+            <a:r>
+              <a:rPr lang="en-US" dirty="0" smtClean="0">
+                <a:solidFill>
+                  <a:srgbClr val="FF0000"/>
+                </a:solidFill>
+                <a:latin typeface="Comic Sans MS" panose="030F0702030302020204" pitchFamily="66" charset="0"/>
+                <a:cs typeface="Consolas" panose="020B0609020204030204" pitchFamily="49" charset="0"/>
+              </a:rPr>
+              <a:t>* this is not Scala’s AST</a:t>
+            </a:r>
+            <a:endParaRPr lang="en-GB" dirty="0">
+              <a:solidFill>
+                <a:srgbClr val="FF0000"/>
+              </a:solidFill>
+              <a:latin typeface="Comic Sans MS" panose="030F0702030302020204" pitchFamily="66" charset="0"/>
+              <a:cs typeface="Consolas" panose="020B0609020204030204" pitchFamily="49" charset="0"/>
+            </a:endParaRPr>
+          </a:p>
         </p:txBody>
       </p:sp>
+      <p:graphicFrame>
+        <p:nvGraphicFramePr>
+          <p:cNvPr id="2" name="Diagram 1"/>
+          <p:cNvGraphicFramePr/>
+          <p:nvPr>
+            <p:extLst>
+              <p:ext uri="{D42A27DB-BD31-4B8C-83A1-F6EECF244321}">
+                <p14:modId xmlns:p14="http://schemas.microsoft.com/office/powerpoint/2010/main" val="2446886794"/>
+              </p:ext>
+            </p:extLst>
+          </p:nvPr>
+        </p:nvGraphicFramePr>
+        <p:xfrm>
+          <a:off x="2309568" y="2356701"/>
+          <a:ext cx="6495070" cy="3661327"/>
+        </p:xfrm>
+        <a:graphic>
+          <a:graphicData uri="http://schemas.openxmlformats.org/drawingml/2006/diagram">
+            <dgm:relIds xmlns:dgm="http://schemas.openxmlformats.org/drawingml/2006/diagram" xmlns:r="http://schemas.openxmlformats.org/officeDocument/2006/relationships" r:dm="rId2" r:lo="rId3" r:qs="rId4" r:cs="rId5"/>
+          </a:graphicData>
+        </a:graphic>
+      </p:graphicFrame>
     </p:spTree>
     <p:extLst>
       <p:ext uri="{BB962C8B-B14F-4D97-AF65-F5344CB8AC3E}">
-        <p14:creationId xmlns:p14="http://schemas.microsoft.com/office/powerpoint/2010/main" val="793254760"/>
+        <p14:creationId xmlns:p14="http://schemas.microsoft.com/office/powerpoint/2010/main" val="2229550114"/>
       </p:ext>
     </p:extLst>
   </p:cSld>
@@ -9979,7 +10126,18 @@
                 </a:solidFill>
                 <a:latin typeface="Comic Sans MS"/>
               </a:rPr>
-              <a:t>Abstract syntax tree (AST)</a:t>
+              <a:t>Using AST</a:t>
+            </a:r>
+            <a:r>
+              <a:rPr lang="en-US" dirty="0">
+                <a:solidFill>
+                  <a:schemeClr val="bg1">
+                    <a:lumMod val="50000"/>
+                  </a:schemeClr>
+                </a:solidFill>
+                <a:latin typeface="Comic Sans MS"/>
+              </a:rPr>
+              <a:t>s</a:t>
             </a:r>
             <a:endParaRPr lang="en-US" dirty="0"/>
           </a:p>
@@ -9994,7 +10152,7 @@
         <p:spPr>
           <a:xfrm>
             <a:off x="563672" y="1691014"/>
-            <a:ext cx="7818328" cy="5016758"/>
+            <a:ext cx="7818328" cy="4524315"/>
           </a:xfrm>
           <a:prstGeom prst="rect">
             <a:avLst/>
@@ -10012,12 +10170,85 @@
               <a:buChar char="•"/>
             </a:pPr>
             <a:r>
+              <a:rPr lang="en-US" dirty="0">
+                <a:latin typeface="Comic Sans MS" panose="030F0702030302020204" pitchFamily="66" charset="0"/>
+                <a:cs typeface="Consolas" panose="020B0609020204030204" pitchFamily="49" charset="0"/>
+              </a:rPr>
+              <a:t>Can be pattern-matched like case classes</a:t>
+            </a:r>
+            <a:endParaRPr lang="en-GB" dirty="0">
+              <a:latin typeface="Comic Sans MS" panose="030F0702030302020204" pitchFamily="66" charset="0"/>
+              <a:cs typeface="Consolas" panose="020B0609020204030204" pitchFamily="49" charset="0"/>
+            </a:endParaRPr>
+          </a:p>
+          <a:p>
+            <a:pPr marL="742950" lvl="1" indent="-285750">
+              <a:buFont typeface="Arial" panose="020B0604020202020204" pitchFamily="34" charset="0"/>
+              <a:buChar char="•"/>
+            </a:pPr>
+            <a:r>
               <a:rPr lang="en-US" dirty="0" smtClean="0">
                 <a:latin typeface="Comic Sans MS" panose="030F0702030302020204" pitchFamily="66" charset="0"/>
                 <a:cs typeface="Consolas" panose="020B0609020204030204" pitchFamily="49" charset="0"/>
               </a:rPr>
-              <a:t>Represents program structure</a:t>
-            </a:r>
+              <a:t>Example:</a:t>
+            </a:r>
+          </a:p>
+          <a:p>
+            <a:pPr lvl="1"/>
+            <a:r>
+              <a:rPr lang="en-US" dirty="0" smtClean="0">
+                <a:latin typeface="Comic Sans MS" panose="030F0702030302020204" pitchFamily="66" charset="0"/>
+                <a:cs typeface="Consolas" panose="020B0609020204030204" pitchFamily="49" charset="0"/>
+              </a:rPr>
+              <a:t>  </a:t>
+            </a:r>
+            <a:r>
+              <a:rPr lang="en-US" dirty="0" err="1" smtClean="0">
+                <a:latin typeface="Comic Sans MS" panose="030F0702030302020204" pitchFamily="66" charset="0"/>
+                <a:cs typeface="Consolas" panose="020B0609020204030204" pitchFamily="49" charset="0"/>
+              </a:rPr>
+              <a:t>val</a:t>
+            </a:r>
+            <a:r>
+              <a:rPr lang="en-US" dirty="0" smtClean="0">
+                <a:latin typeface="Comic Sans MS" panose="030F0702030302020204" pitchFamily="66" charset="0"/>
+                <a:cs typeface="Consolas" panose="020B0609020204030204" pitchFamily="49" charset="0"/>
+              </a:rPr>
+              <a:t> </a:t>
+            </a:r>
+            <a:r>
+              <a:rPr lang="en-US" dirty="0">
+                <a:latin typeface="Comic Sans MS" panose="030F0702030302020204" pitchFamily="66" charset="0"/>
+                <a:cs typeface="Consolas" panose="020B0609020204030204" pitchFamily="49" charset="0"/>
+              </a:rPr>
+              <a:t>Literal(Constant(</a:t>
+            </a:r>
+            <a:r>
+              <a:rPr lang="en-US" dirty="0" err="1">
+                <a:latin typeface="Comic Sans MS" panose="030F0702030302020204" pitchFamily="66" charset="0"/>
+                <a:cs typeface="Consolas" panose="020B0609020204030204" pitchFamily="49" charset="0"/>
+              </a:rPr>
+              <a:t>fileName</a:t>
+            </a:r>
+            <a:r>
+              <a:rPr lang="en-US" dirty="0">
+                <a:latin typeface="Comic Sans MS" panose="030F0702030302020204" pitchFamily="66" charset="0"/>
+                <a:cs typeface="Consolas" panose="020B0609020204030204" pitchFamily="49" charset="0"/>
+              </a:rPr>
+              <a:t>: String)) = </a:t>
+            </a:r>
+            <a:r>
+              <a:rPr lang="en-US" dirty="0" err="1">
+                <a:latin typeface="Comic Sans MS" panose="030F0702030302020204" pitchFamily="66" charset="0"/>
+                <a:cs typeface="Consolas" panose="020B0609020204030204" pitchFamily="49" charset="0"/>
+              </a:rPr>
+              <a:t>file.tree</a:t>
+            </a:r>
+            <a:endParaRPr lang="en-US" dirty="0">
+              <a:latin typeface="Comic Sans MS" panose="030F0702030302020204" pitchFamily="66" charset="0"/>
+              <a:cs typeface="Consolas" panose="020B0609020204030204" pitchFamily="49" charset="0"/>
+            </a:endParaRPr>
           </a:p>
           <a:p>
             <a:pPr marL="285750" indent="-285750">
@@ -10029,15 +10260,11 @@
                 <a:latin typeface="Comic Sans MS" panose="030F0702030302020204" pitchFamily="66" charset="0"/>
                 <a:cs typeface="Consolas" panose="020B0609020204030204" pitchFamily="49" charset="0"/>
               </a:rPr>
-              <a:t>Normally generated from program text</a:t>
-            </a:r>
-            <a:endParaRPr lang="en-US" dirty="0">
-              <a:latin typeface="Comic Sans MS" panose="030F0702030302020204" pitchFamily="66" charset="0"/>
-              <a:cs typeface="Consolas" panose="020B0609020204030204" pitchFamily="49" charset="0"/>
-            </a:endParaRPr>
-          </a:p>
-          <a:p>
-            <a:pPr marL="285750" indent="-285750">
+              <a:t>Can be created like case classes</a:t>
+            </a:r>
+          </a:p>
+          <a:p>
+            <a:pPr marL="742950" lvl="1" indent="-285750">
               <a:buFont typeface="Arial" panose="020B0604020202020204" pitchFamily="34" charset="0"/>
               <a:buChar char="•"/>
             </a:pPr>
@@ -10050,45 +10277,49 @@
             </a:r>
           </a:p>
           <a:p>
-            <a:pPr marL="285750" indent="-285750">
-              <a:buFont typeface="Arial" panose="020B0604020202020204" pitchFamily="34" charset="0"/>
-              <a:buChar char="•"/>
-            </a:pPr>
             <a:r>
               <a:rPr lang="en-US" dirty="0" smtClean="0">
                 <a:latin typeface="Comic Sans MS" panose="030F0702030302020204" pitchFamily="66" charset="0"/>
                 <a:cs typeface="Consolas" panose="020B0609020204030204" pitchFamily="49" charset="0"/>
               </a:rPr>
-              <a:t>x</a:t>
+              <a:t>  Apply(Select(Ident(</a:t>
+            </a:r>
+            <a:r>
+              <a:rPr lang="en-US" dirty="0" err="1" smtClean="0">
+                <a:latin typeface="Comic Sans MS" panose="030F0702030302020204" pitchFamily="66" charset="0"/>
+                <a:cs typeface="Consolas" panose="020B0609020204030204" pitchFamily="49" charset="0"/>
+              </a:rPr>
+              <a:t>builderVariable</a:t>
+            </a:r>
+            <a:r>
+              <a:rPr lang="en-US" dirty="0">
+                <a:latin typeface="Comic Sans MS" panose="030F0702030302020204" pitchFamily="66" charset="0"/>
+                <a:cs typeface="Consolas" panose="020B0609020204030204" pitchFamily="49" charset="0"/>
+              </a:rPr>
+              <a:t>), </a:t>
+            </a:r>
+            <a:r>
+              <a:rPr lang="en-US" dirty="0" err="1">
+                <a:latin typeface="Comic Sans MS" panose="030F0702030302020204" pitchFamily="66" charset="0"/>
+                <a:cs typeface="Consolas" panose="020B0609020204030204" pitchFamily="49" charset="0"/>
+              </a:rPr>
+              <a:t>TermName</a:t>
+            </a:r>
+            <a:r>
+              <a:rPr lang="en-US" dirty="0">
+                <a:latin typeface="Comic Sans MS" panose="030F0702030302020204" pitchFamily="66" charset="0"/>
+                <a:cs typeface="Consolas" panose="020B0609020204030204" pitchFamily="49" charset="0"/>
+              </a:rPr>
+              <a:t>("result")), List</a:t>
             </a:r>
             <a:r>
               <a:rPr lang="en-US" dirty="0" smtClean="0">
                 <a:latin typeface="Comic Sans MS" panose="030F0702030302020204" pitchFamily="66" charset="0"/>
                 <a:cs typeface="Consolas" panose="020B0609020204030204" pitchFamily="49" charset="0"/>
               </a:rPr>
-              <a:t>*</a:t>
-            </a:r>
-            <a:r>
-              <a:rPr lang="en-US" dirty="0" err="1" smtClean="0">
-                <a:latin typeface="Comic Sans MS" panose="030F0702030302020204" pitchFamily="66" charset="0"/>
-                <a:cs typeface="Consolas" panose="020B0609020204030204" pitchFamily="49" charset="0"/>
-              </a:rPr>
-              <a:t>y+f</a:t>
-            </a:r>
-            <a:r>
-              <a:rPr lang="en-US" dirty="0" smtClean="0">
-                <a:latin typeface="Comic Sans MS" panose="030F0702030302020204" pitchFamily="66" charset="0"/>
-                <a:cs typeface="Consolas" panose="020B0609020204030204" pitchFamily="49" charset="0"/>
-              </a:rPr>
-              <a:t>(z)</a:t>
-            </a:r>
-          </a:p>
-          <a:p>
-            <a:pPr marL="285750" indent="-285750">
-              <a:buFont typeface="Arial" panose="020B0604020202020204" pitchFamily="34" charset="0"/>
-              <a:buChar char="•"/>
-            </a:pPr>
-            <a:endParaRPr lang="en-US" dirty="0">
+              <a:t>())</a:t>
+            </a:r>
+            <a:endParaRPr lang="en-US" dirty="0" smtClean="0">
               <a:latin typeface="Comic Sans MS" panose="030F0702030302020204" pitchFamily="66" charset="0"/>
               <a:cs typeface="Consolas" panose="020B0609020204030204" pitchFamily="49" charset="0"/>
             </a:endParaRPr>
@@ -10108,6 +10339,203 @@
               <a:buFont typeface="Arial" panose="020B0604020202020204" pitchFamily="34" charset="0"/>
               <a:buChar char="•"/>
             </a:pPr>
+            <a:r>
+              <a:rPr lang="en-US" dirty="0">
+                <a:latin typeface="Comic Sans MS" panose="030F0702030302020204" pitchFamily="66" charset="0"/>
+                <a:cs typeface="Consolas" panose="020B0609020204030204" pitchFamily="49" charset="0"/>
+              </a:rPr>
+              <a:t>Running </a:t>
+            </a:r>
+            <a:r>
+              <a:rPr lang="en-US" dirty="0" smtClean="0">
+                <a:latin typeface="Comic Sans MS" panose="030F0702030302020204" pitchFamily="66" charset="0"/>
+                <a:cs typeface="Consolas" panose="020B0609020204030204" pitchFamily="49" charset="0"/>
+              </a:rPr>
+              <a:t>“reify” on </a:t>
+            </a:r>
+            <a:r>
+              <a:rPr lang="en-US" b="1" dirty="0" smtClean="0">
+                <a:latin typeface="Comic Sans MS" panose="030F0702030302020204" pitchFamily="66" charset="0"/>
+                <a:cs typeface="Consolas" panose="020B0609020204030204" pitchFamily="49" charset="0"/>
+              </a:rPr>
+              <a:t>a</a:t>
+            </a:r>
+            <a:r>
+              <a:rPr lang="en-US" dirty="0" smtClean="0">
+                <a:latin typeface="Comic Sans MS" panose="030F0702030302020204" pitchFamily="66" charset="0"/>
+                <a:cs typeface="Consolas" panose="020B0609020204030204" pitchFamily="49" charset="0"/>
+              </a:rPr>
+              <a:t> </a:t>
+            </a:r>
+            <a:r>
+              <a:rPr lang="en-US" b="1" dirty="0" smtClean="0">
+                <a:latin typeface="Comic Sans MS" panose="030F0702030302020204" pitchFamily="66" charset="0"/>
+                <a:cs typeface="Consolas" panose="020B0609020204030204" pitchFamily="49" charset="0"/>
+              </a:rPr>
+              <a:t>block</a:t>
+            </a:r>
+            <a:r>
+              <a:rPr lang="en-US" dirty="0" smtClean="0">
+                <a:latin typeface="Comic Sans MS" panose="030F0702030302020204" pitchFamily="66" charset="0"/>
+                <a:cs typeface="Consolas" panose="020B0609020204030204" pitchFamily="49" charset="0"/>
+              </a:rPr>
+              <a:t> of code can help</a:t>
+            </a:r>
+          </a:p>
+          <a:p>
+            <a:pPr lvl="1"/>
+            <a:r>
+              <a:rPr lang="en-US" dirty="0">
+                <a:latin typeface="Comic Sans MS" panose="030F0702030302020204" pitchFamily="66" charset="0"/>
+                <a:cs typeface="Consolas" panose="020B0609020204030204" pitchFamily="49" charset="0"/>
+              </a:rPr>
+              <a:t>import </a:t>
+            </a:r>
+            <a:r>
+              <a:rPr lang="en-US" dirty="0" err="1">
+                <a:latin typeface="Comic Sans MS" panose="030F0702030302020204" pitchFamily="66" charset="0"/>
+                <a:cs typeface="Consolas" panose="020B0609020204030204" pitchFamily="49" charset="0"/>
+              </a:rPr>
+              <a:t>scala.reflect.runtime.universe</a:t>
+            </a:r>
+            <a:r>
+              <a:rPr lang="en-US" dirty="0">
+                <a:latin typeface="Comic Sans MS" panose="030F0702030302020204" pitchFamily="66" charset="0"/>
+                <a:cs typeface="Consolas" panose="020B0609020204030204" pitchFamily="49" charset="0"/>
+              </a:rPr>
+              <a:t>._</a:t>
+            </a:r>
+          </a:p>
+          <a:p>
+            <a:pPr lvl="1"/>
+            <a:r>
+              <a:rPr lang="en-US" dirty="0" smtClean="0">
+                <a:latin typeface="Comic Sans MS" panose="030F0702030302020204" pitchFamily="66" charset="0"/>
+                <a:cs typeface="Consolas" panose="020B0609020204030204" pitchFamily="49" charset="0"/>
+              </a:rPr>
+              <a:t>reify{</a:t>
+            </a:r>
+          </a:p>
+          <a:p>
+            <a:pPr lvl="1"/>
+            <a:r>
+              <a:rPr lang="en-US" dirty="0">
+                <a:latin typeface="Comic Sans MS" panose="030F0702030302020204" pitchFamily="66" charset="0"/>
+                <a:cs typeface="Consolas" panose="020B0609020204030204" pitchFamily="49" charset="0"/>
+              </a:rPr>
+              <a:t> </a:t>
+            </a:r>
+            <a:r>
+              <a:rPr lang="en-US" dirty="0" smtClean="0">
+                <a:latin typeface="Comic Sans MS" panose="030F0702030302020204" pitchFamily="66" charset="0"/>
+                <a:cs typeface="Consolas" panose="020B0609020204030204" pitchFamily="49" charset="0"/>
+              </a:rPr>
+              <a:t> </a:t>
+            </a:r>
+            <a:r>
+              <a:rPr lang="en-US" dirty="0" err="1" smtClean="0">
+                <a:latin typeface="Comic Sans MS" panose="030F0702030302020204" pitchFamily="66" charset="0"/>
+                <a:cs typeface="Consolas" panose="020B0609020204030204" pitchFamily="49" charset="0"/>
+              </a:rPr>
+              <a:t>val</a:t>
+            </a:r>
+            <a:r>
+              <a:rPr lang="en-US" dirty="0" smtClean="0">
+                <a:latin typeface="Comic Sans MS" panose="030F0702030302020204" pitchFamily="66" charset="0"/>
+                <a:cs typeface="Consolas" panose="020B0609020204030204" pitchFamily="49" charset="0"/>
+              </a:rPr>
+              <a:t> map=</a:t>
+            </a:r>
+            <a:r>
+              <a:rPr lang="en-US" dirty="0" err="1" smtClean="0">
+                <a:latin typeface="Comic Sans MS" panose="030F0702030302020204" pitchFamily="66" charset="0"/>
+                <a:cs typeface="Consolas" panose="020B0609020204030204" pitchFamily="49" charset="0"/>
+              </a:rPr>
+              <a:t>Map.newBuilder</a:t>
+            </a:r>
+            <a:r>
+              <a:rPr lang="en-US" dirty="0" smtClean="0">
+                <a:latin typeface="Comic Sans MS" panose="030F0702030302020204" pitchFamily="66" charset="0"/>
+                <a:cs typeface="Consolas" panose="020B0609020204030204" pitchFamily="49" charset="0"/>
+              </a:rPr>
+              <a:t>[</a:t>
+            </a:r>
+            <a:r>
+              <a:rPr lang="en-US" dirty="0" err="1" smtClean="0">
+                <a:latin typeface="Comic Sans MS" panose="030F0702030302020204" pitchFamily="66" charset="0"/>
+                <a:cs typeface="Consolas" panose="020B0609020204030204" pitchFamily="49" charset="0"/>
+              </a:rPr>
+              <a:t>String,String</a:t>
+            </a:r>
+            <a:r>
+              <a:rPr lang="en-US" dirty="0" smtClean="0">
+                <a:latin typeface="Comic Sans MS" panose="030F0702030302020204" pitchFamily="66" charset="0"/>
+                <a:cs typeface="Consolas" panose="020B0609020204030204" pitchFamily="49" charset="0"/>
+              </a:rPr>
+              <a:t>]</a:t>
+            </a:r>
+          </a:p>
+          <a:p>
+            <a:pPr lvl="1"/>
+            <a:r>
+              <a:rPr lang="en-US" dirty="0" smtClean="0">
+                <a:latin typeface="Comic Sans MS" panose="030F0702030302020204" pitchFamily="66" charset="0"/>
+                <a:cs typeface="Consolas" panose="020B0609020204030204" pitchFamily="49" charset="0"/>
+              </a:rPr>
+              <a:t>  map</a:t>
+            </a:r>
+            <a:r>
+              <a:rPr lang="en-US" dirty="0">
+                <a:latin typeface="Comic Sans MS" panose="030F0702030302020204" pitchFamily="66" charset="0"/>
+                <a:cs typeface="Consolas" panose="020B0609020204030204" pitchFamily="49" charset="0"/>
+              </a:rPr>
+              <a:t>+=(("</a:t>
+            </a:r>
+            <a:r>
+              <a:rPr lang="en-US" dirty="0" err="1">
+                <a:latin typeface="Comic Sans MS" panose="030F0702030302020204" pitchFamily="66" charset="0"/>
+                <a:cs typeface="Consolas" panose="020B0609020204030204" pitchFamily="49" charset="0"/>
+              </a:rPr>
+              <a:t>x","y</a:t>
+            </a:r>
+            <a:r>
+              <a:rPr lang="en-US" dirty="0" smtClean="0">
+                <a:latin typeface="Comic Sans MS" panose="030F0702030302020204" pitchFamily="66" charset="0"/>
+                <a:cs typeface="Consolas" panose="020B0609020204030204" pitchFamily="49" charset="0"/>
+              </a:rPr>
+              <a:t>"))</a:t>
+            </a:r>
+          </a:p>
+          <a:p>
+            <a:pPr lvl="1"/>
+            <a:r>
+              <a:rPr lang="en-US" dirty="0" smtClean="0">
+                <a:latin typeface="Comic Sans MS" panose="030F0702030302020204" pitchFamily="66" charset="0"/>
+                <a:cs typeface="Consolas" panose="020B0609020204030204" pitchFamily="49" charset="0"/>
+              </a:rPr>
+              <a:t>  </a:t>
+            </a:r>
+            <a:r>
+              <a:rPr lang="en-US" dirty="0" err="1" smtClean="0">
+                <a:latin typeface="Comic Sans MS" panose="030F0702030302020204" pitchFamily="66" charset="0"/>
+                <a:cs typeface="Consolas" panose="020B0609020204030204" pitchFamily="49" charset="0"/>
+              </a:rPr>
+              <a:t>map.result</a:t>
+            </a:r>
+            <a:endParaRPr lang="en-US" dirty="0" smtClean="0">
+              <a:latin typeface="Comic Sans MS" panose="030F0702030302020204" pitchFamily="66" charset="0"/>
+              <a:cs typeface="Consolas" panose="020B0609020204030204" pitchFamily="49" charset="0"/>
+            </a:endParaRPr>
+          </a:p>
+          <a:p>
+            <a:pPr lvl="1"/>
+            <a:r>
+              <a:rPr lang="en-US" dirty="0" smtClean="0">
+                <a:latin typeface="Comic Sans MS" panose="030F0702030302020204" pitchFamily="66" charset="0"/>
+                <a:cs typeface="Consolas" panose="020B0609020204030204" pitchFamily="49" charset="0"/>
+              </a:rPr>
+              <a:t>}</a:t>
+            </a:r>
             <a:endParaRPr lang="en-US" dirty="0">
               <a:latin typeface="Comic Sans MS" panose="030F0702030302020204" pitchFamily="66" charset="0"/>
               <a:cs typeface="Consolas" panose="020B0609020204030204" pitchFamily="49" charset="0"/>
@@ -10118,190 +10546,54 @@
               <a:buFont typeface="Arial" panose="020B0604020202020204" pitchFamily="34" charset="0"/>
               <a:buChar char="•"/>
             </a:pPr>
-            <a:endParaRPr lang="en-US" dirty="0" smtClean="0">
-              <a:latin typeface="Comic Sans MS" panose="030F0702030302020204" pitchFamily="66" charset="0"/>
-              <a:cs typeface="Consolas" panose="020B0609020204030204" pitchFamily="49" charset="0"/>
-            </a:endParaRPr>
-          </a:p>
-          <a:p>
-            <a:pPr marL="285750" indent="-285750">
+            <a:r>
+              <a:rPr lang="en-US" dirty="0" err="1" smtClean="0">
+                <a:latin typeface="Comic Sans MS" panose="030F0702030302020204" pitchFamily="66" charset="0"/>
+                <a:cs typeface="Consolas" panose="020B0609020204030204" pitchFamily="49" charset="0"/>
+              </a:rPr>
+              <a:t>Quasiquotes</a:t>
+            </a:r>
+            <a:r>
+              <a:rPr lang="en-US" dirty="0" smtClean="0">
+                <a:latin typeface="Comic Sans MS" panose="030F0702030302020204" pitchFamily="66" charset="0"/>
+                <a:cs typeface="Consolas" panose="020B0609020204030204" pitchFamily="49" charset="0"/>
+              </a:rPr>
+              <a:t> help generated </a:t>
+            </a:r>
+            <a:r>
+              <a:rPr lang="en-US" b="1" dirty="0" smtClean="0">
+                <a:latin typeface="Comic Sans MS" panose="030F0702030302020204" pitchFamily="66" charset="0"/>
+                <a:cs typeface="Consolas" panose="020B0609020204030204" pitchFamily="49" charset="0"/>
+              </a:rPr>
+              <a:t>fragments</a:t>
+            </a:r>
+            <a:r>
+              <a:rPr lang="en-US" dirty="0" smtClean="0">
+                <a:latin typeface="Comic Sans MS" panose="030F0702030302020204" pitchFamily="66" charset="0"/>
+                <a:cs typeface="Consolas" panose="020B0609020204030204" pitchFamily="49" charset="0"/>
+              </a:rPr>
+              <a:t> of code </a:t>
+            </a:r>
+          </a:p>
+          <a:p>
+            <a:pPr marL="742950" lvl="1" indent="-285750">
               <a:buFont typeface="Arial" panose="020B0604020202020204" pitchFamily="34" charset="0"/>
               <a:buChar char="•"/>
             </a:pPr>
-            <a:endParaRPr lang="en-US" dirty="0">
-              <a:latin typeface="Comic Sans MS" panose="030F0702030302020204" pitchFamily="66" charset="0"/>
-              <a:cs typeface="Consolas" panose="020B0609020204030204" pitchFamily="49" charset="0"/>
-            </a:endParaRPr>
-          </a:p>
-          <a:p>
-            <a:pPr marL="285750" indent="-285750">
-              <a:buFont typeface="Arial" panose="020B0604020202020204" pitchFamily="34" charset="0"/>
-              <a:buChar char="•"/>
-            </a:pPr>
-            <a:endParaRPr lang="en-US" dirty="0" smtClean="0">
-              <a:latin typeface="Comic Sans MS" panose="030F0702030302020204" pitchFamily="66" charset="0"/>
-              <a:cs typeface="Consolas" panose="020B0609020204030204" pitchFamily="49" charset="0"/>
-            </a:endParaRPr>
-          </a:p>
-          <a:p>
-            <a:pPr marL="285750" indent="-285750">
-              <a:buFont typeface="Arial" panose="020B0604020202020204" pitchFamily="34" charset="0"/>
-              <a:buChar char="•"/>
-            </a:pPr>
-            <a:endParaRPr lang="en-US" dirty="0">
-              <a:latin typeface="Comic Sans MS" panose="030F0702030302020204" pitchFamily="66" charset="0"/>
-              <a:cs typeface="Consolas" panose="020B0609020204030204" pitchFamily="49" charset="0"/>
-            </a:endParaRPr>
-          </a:p>
-          <a:p>
-            <a:pPr marL="285750" indent="-285750">
-              <a:buFont typeface="Arial" panose="020B0604020202020204" pitchFamily="34" charset="0"/>
-              <a:buChar char="•"/>
-            </a:pPr>
-            <a:endParaRPr lang="en-US" dirty="0" smtClean="0">
-              <a:latin typeface="Comic Sans MS" panose="030F0702030302020204" pitchFamily="66" charset="0"/>
-              <a:cs typeface="Consolas" panose="020B0609020204030204" pitchFamily="49" charset="0"/>
-            </a:endParaRPr>
-          </a:p>
-          <a:p>
-            <a:pPr marL="285750" indent="-285750">
-              <a:buFont typeface="Arial" panose="020B0604020202020204" pitchFamily="34" charset="0"/>
-              <a:buChar char="•"/>
-            </a:pPr>
-            <a:endParaRPr lang="en-US" dirty="0">
-              <a:latin typeface="Comic Sans MS" panose="030F0702030302020204" pitchFamily="66" charset="0"/>
-              <a:cs typeface="Consolas" panose="020B0609020204030204" pitchFamily="49" charset="0"/>
-            </a:endParaRPr>
-          </a:p>
-          <a:p>
-            <a:pPr marL="285750" indent="-285750">
-              <a:buFont typeface="Arial" panose="020B0604020202020204" pitchFamily="34" charset="0"/>
-              <a:buChar char="•"/>
-            </a:pPr>
-            <a:endParaRPr lang="en-US" dirty="0" smtClean="0">
-              <a:latin typeface="Comic Sans MS" panose="030F0702030302020204" pitchFamily="66" charset="0"/>
-              <a:cs typeface="Consolas" panose="020B0609020204030204" pitchFamily="49" charset="0"/>
-            </a:endParaRPr>
-          </a:p>
-          <a:p>
-            <a:pPr marL="285750" indent="-285750">
-              <a:buFont typeface="Arial" panose="020B0604020202020204" pitchFamily="34" charset="0"/>
-              <a:buChar char="•"/>
-            </a:pPr>
-            <a:endParaRPr lang="en-US" dirty="0" smtClean="0">
-              <a:latin typeface="Comic Sans MS" panose="030F0702030302020204" pitchFamily="66" charset="0"/>
-              <a:cs typeface="Consolas" panose="020B0609020204030204" pitchFamily="49" charset="0"/>
-            </a:endParaRPr>
-          </a:p>
-          <a:p>
-            <a:pPr marL="285750" indent="-285750">
-              <a:buFont typeface="Arial" panose="020B0604020202020204" pitchFamily="34" charset="0"/>
-              <a:buChar char="•"/>
-            </a:pPr>
-            <a:endParaRPr lang="en-US" sz="1600" dirty="0" smtClean="0">
-              <a:latin typeface="Comic Sans MS" panose="030F0702030302020204" pitchFamily="66" charset="0"/>
-              <a:cs typeface="Consolas" panose="020B0609020204030204" pitchFamily="49" charset="0"/>
-            </a:endParaRPr>
-          </a:p>
-          <a:p>
-            <a:pPr marL="285750" indent="-285750">
-              <a:buFont typeface="Arial" panose="020B0604020202020204" pitchFamily="34" charset="0"/>
-              <a:buChar char="•"/>
-            </a:pPr>
-            <a:r>
-              <a:rPr lang="en-US" sz="1600" smtClean="0">
-                <a:latin typeface="Comic Sans MS" panose="030F0702030302020204" pitchFamily="66" charset="0"/>
-                <a:cs typeface="Consolas" panose="020B0609020204030204" pitchFamily="49" charset="0"/>
-              </a:rPr>
-              <a:t>Add(Multiply(Variable</a:t>
-            </a:r>
-            <a:r>
-              <a:rPr lang="en-US" sz="1600" dirty="0" smtClean="0">
-                <a:latin typeface="Comic Sans MS" panose="030F0702030302020204" pitchFamily="66" charset="0"/>
-                <a:cs typeface="Consolas" panose="020B0609020204030204" pitchFamily="49" charset="0"/>
-              </a:rPr>
-              <a:t>(“x”),Variable(“y”)),</a:t>
-            </a:r>
-            <a:r>
-              <a:rPr lang="en-US" sz="1600" dirty="0" err="1" smtClean="0">
-                <a:latin typeface="Comic Sans MS" panose="030F0702030302020204" pitchFamily="66" charset="0"/>
-                <a:cs typeface="Consolas" panose="020B0609020204030204" pitchFamily="49" charset="0"/>
-              </a:rPr>
-              <a:t>FunctionCall</a:t>
-            </a:r>
-            <a:r>
-              <a:rPr lang="en-US" sz="1600" dirty="0" smtClean="0">
-                <a:latin typeface="Comic Sans MS" panose="030F0702030302020204" pitchFamily="66" charset="0"/>
-                <a:cs typeface="Consolas" panose="020B0609020204030204" pitchFamily="49" charset="0"/>
-              </a:rPr>
-              <a:t>(“</a:t>
-            </a:r>
-            <a:r>
-              <a:rPr lang="en-US" sz="1600" dirty="0" err="1" smtClean="0">
-                <a:latin typeface="Comic Sans MS" panose="030F0702030302020204" pitchFamily="66" charset="0"/>
-                <a:cs typeface="Consolas" panose="020B0609020204030204" pitchFamily="49" charset="0"/>
-              </a:rPr>
-              <a:t>f”,Variable</a:t>
-            </a:r>
-            <a:r>
-              <a:rPr lang="en-US" sz="1600" dirty="0" smtClean="0">
-                <a:latin typeface="Comic Sans MS" panose="030F0702030302020204" pitchFamily="66" charset="0"/>
-                <a:cs typeface="Consolas" panose="020B0609020204030204" pitchFamily="49" charset="0"/>
-              </a:rPr>
-              <a:t>(“z”)))</a:t>
-            </a:r>
-          </a:p>
-          <a:p>
-            <a:pPr marL="285750" indent="-285750">
-              <a:buFont typeface="Arial" panose="020B0604020202020204" pitchFamily="34" charset="0"/>
-              <a:buChar char="•"/>
-            </a:pPr>
             <a:r>
               <a:rPr lang="en-US" dirty="0" smtClean="0">
-                <a:solidFill>
-                  <a:srgbClr val="FF0000"/>
-                </a:solidFill>
-                <a:latin typeface="Comic Sans MS" panose="030F0702030302020204" pitchFamily="66" charset="0"/>
-                <a:cs typeface="Consolas" panose="020B0609020204030204" pitchFamily="49" charset="0"/>
-              </a:rPr>
-              <a:t>* this is not Scala’s AST</a:t>
-            </a:r>
-            <a:endParaRPr lang="en-GB" dirty="0">
-              <a:solidFill>
-                <a:srgbClr val="FF0000"/>
-              </a:solidFill>
-              <a:latin typeface="Comic Sans MS" panose="030F0702030302020204" pitchFamily="66" charset="0"/>
-              <a:cs typeface="Consolas" panose="020B0609020204030204" pitchFamily="49" charset="0"/>
-            </a:endParaRPr>
+                <a:latin typeface="Comic Sans MS" panose="030F0702030302020204" pitchFamily="66" charset="0"/>
+                <a:cs typeface="Consolas" panose="020B0609020204030204" pitchFamily="49" charset="0"/>
+              </a:rPr>
+              <a:t>(more on that later)</a:t>
+            </a:r>
           </a:p>
         </p:txBody>
       </p:sp>
-      <p:graphicFrame>
-        <p:nvGraphicFramePr>
-          <p:cNvPr id="2" name="Diagram 1"/>
-          <p:cNvGraphicFramePr/>
-          <p:nvPr>
-            <p:extLst>
-              <p:ext uri="{D42A27DB-BD31-4B8C-83A1-F6EECF244321}">
-                <p14:modId xmlns:p14="http://schemas.microsoft.com/office/powerpoint/2010/main" val="2446886794"/>
-              </p:ext>
-            </p:extLst>
-          </p:nvPr>
-        </p:nvGraphicFramePr>
-        <p:xfrm>
-          <a:off x="2309568" y="2356701"/>
-          <a:ext cx="6495070" cy="3661327"/>
-        </p:xfrm>
-        <a:graphic>
-          <a:graphicData uri="http://schemas.openxmlformats.org/drawingml/2006/diagram">
-            <dgm:relIds xmlns:dgm="http://schemas.openxmlformats.org/drawingml/2006/diagram" xmlns:r="http://schemas.openxmlformats.org/officeDocument/2006/relationships" r:dm="rId2" r:lo="rId3" r:qs="rId4" r:cs="rId5"/>
-          </a:graphicData>
-        </a:graphic>
-      </p:graphicFrame>
     </p:spTree>
     <p:extLst>
       <p:ext uri="{BB962C8B-B14F-4D97-AF65-F5344CB8AC3E}">
-        <p14:creationId xmlns:p14="http://schemas.microsoft.com/office/powerpoint/2010/main" val="2229550114"/>
+        <p14:creationId xmlns:p14="http://schemas.microsoft.com/office/powerpoint/2010/main" val="3466749316"/>
       </p:ext>
     </p:extLst>
   </p:cSld>
@@ -10359,26 +10651,16 @@
           <a:p>
             <a:pPr algn="l"/>
             <a:r>
-              <a:rPr lang="en-US" dirty="0" smtClean="0">
+              <a:rPr lang="en-GB" dirty="0" smtClean="0">
                 <a:solidFill>
                   <a:schemeClr val="bg1">
                     <a:lumMod val="50000"/>
                   </a:schemeClr>
                 </a:solidFill>
                 <a:latin typeface="Comic Sans MS"/>
-              </a:rPr>
-              <a:t>Using AST</a:t>
-            </a:r>
-            <a:r>
-              <a:rPr lang="en-US" dirty="0">
-                <a:solidFill>
-                  <a:schemeClr val="bg1">
-                    <a:lumMod val="50000"/>
-                  </a:schemeClr>
-                </a:solidFill>
-                <a:latin typeface="Comic Sans MS"/>
-              </a:rPr>
-              <a:t>s</a:t>
+                <a:cs typeface="Comic Sans MS"/>
+              </a:rPr>
+              <a:t>A simple macro example</a:t>
             </a:r>
             <a:endParaRPr lang="en-US" dirty="0"/>
           </a:p>
@@ -10386,455 +10668,1432 @@
       </p:sp>
       <p:sp>
         <p:nvSpPr>
-          <p:cNvPr id="4" name="TextBox 3"/>
-          <p:cNvSpPr txBox="1"/>
+          <p:cNvPr id="7" name="Rectangle 6"/>
+          <p:cNvSpPr/>
           <p:nvPr/>
         </p:nvSpPr>
         <p:spPr>
           <a:xfrm>
-            <a:off x="563672" y="1691014"/>
-            <a:ext cx="7818328" cy="4524315"/>
+            <a:off x="457199" y="1417638"/>
+            <a:ext cx="3823687" cy="360040"/>
           </a:xfrm>
           <a:prstGeom prst="rect">
             <a:avLst/>
           </a:prstGeom>
-          <a:noFill/>
         </p:spPr>
+        <p:style>
+          <a:lnRef idx="2">
+            <a:schemeClr val="accent1"/>
+          </a:lnRef>
+          <a:fillRef idx="1">
+            <a:schemeClr val="lt1"/>
+          </a:fillRef>
+          <a:effectRef idx="0">
+            <a:schemeClr val="accent1"/>
+          </a:effectRef>
+          <a:fontRef idx="minor">
+            <a:schemeClr val="dk1"/>
+          </a:fontRef>
+        </p:style>
         <p:txBody>
-          <a:bodyPr wrap="square" rtlCol="0">
+          <a:bodyPr rtlCol="0" anchor="ctr"/>
+          <a:lstStyle/>
+          <a:p>
+            <a:pPr algn="ctr"/>
+            <a:r>
+              <a:rPr lang="en-GB" dirty="0" err="1"/>
+              <a:t>LoadProperties.scala</a:t>
+            </a:r>
+            <a:endParaRPr lang="en-US" dirty="0"/>
+          </a:p>
+        </p:txBody>
+      </p:sp>
+      <p:sp>
+        <p:nvSpPr>
+          <p:cNvPr id="8" name="Rectangle 7"/>
+          <p:cNvSpPr/>
+          <p:nvPr/>
+        </p:nvSpPr>
+        <p:spPr>
+          <a:xfrm>
+            <a:off x="457200" y="1751582"/>
+            <a:ext cx="8229600" cy="4801314"/>
+          </a:xfrm>
+          <a:prstGeom prst="rect">
+            <a:avLst/>
+          </a:prstGeom>
+        </p:spPr>
+        <p:style>
+          <a:lnRef idx="3">
+            <a:schemeClr val="lt1"/>
+          </a:lnRef>
+          <a:fillRef idx="1">
+            <a:schemeClr val="dk1"/>
+          </a:fillRef>
+          <a:effectRef idx="1">
+            <a:schemeClr val="dk1"/>
+          </a:effectRef>
+          <a:fontRef idx="minor">
+            <a:schemeClr val="lt1"/>
+          </a:fontRef>
+        </p:style>
+        <p:txBody>
+          <a:bodyPr wrap="square" rtlCol="0" anchor="t">
             <a:spAutoFit/>
           </a:bodyPr>
           <a:lstStyle/>
           <a:p>
-            <a:pPr marL="285750" indent="-285750">
-              <a:buFont typeface="Arial" panose="020B0604020202020204" pitchFamily="34" charset="0"/>
-              <a:buChar char="•"/>
-            </a:pPr>
-            <a:r>
-              <a:rPr lang="en-US" dirty="0">
-                <a:latin typeface="Comic Sans MS" panose="030F0702030302020204" pitchFamily="66" charset="0"/>
-                <a:cs typeface="Consolas" panose="020B0609020204030204" pitchFamily="49" charset="0"/>
-              </a:rPr>
-              <a:t>Can be pattern-matched like case classes</a:t>
-            </a:r>
-            <a:endParaRPr lang="en-GB" dirty="0">
-              <a:latin typeface="Comic Sans MS" panose="030F0702030302020204" pitchFamily="66" charset="0"/>
-              <a:cs typeface="Consolas" panose="020B0609020204030204" pitchFamily="49" charset="0"/>
+            <a:r>
+              <a:rPr lang="en-US" sz="900" dirty="0" err="1" smtClean="0">
+                <a:solidFill>
+                  <a:srgbClr val="92D050"/>
+                </a:solidFill>
+                <a:latin typeface="Courier New" panose="02070309020205020404" pitchFamily="49" charset="0"/>
+                <a:cs typeface="Courier New" panose="02070309020205020404" pitchFamily="49" charset="0"/>
+              </a:rPr>
+              <a:t>def</a:t>
+            </a:r>
+            <a:r>
+              <a:rPr lang="en-US" sz="900" dirty="0" smtClean="0">
+                <a:solidFill>
+                  <a:srgbClr val="92D050"/>
+                </a:solidFill>
+                <a:latin typeface="Courier New" panose="02070309020205020404" pitchFamily="49" charset="0"/>
+                <a:cs typeface="Courier New" panose="02070309020205020404" pitchFamily="49" charset="0"/>
+              </a:rPr>
+              <a:t> </a:t>
+            </a:r>
+            <a:r>
+              <a:rPr lang="en-US" sz="900" dirty="0" err="1">
+                <a:solidFill>
+                  <a:srgbClr val="92D050"/>
+                </a:solidFill>
+                <a:latin typeface="Courier New" panose="02070309020205020404" pitchFamily="49" charset="0"/>
+                <a:cs typeface="Courier New" panose="02070309020205020404" pitchFamily="49" charset="0"/>
+              </a:rPr>
+              <a:t>loadPropertiesWithoutQ</a:t>
+            </a:r>
+            <a:r>
+              <a:rPr lang="en-US" sz="900" dirty="0">
+                <a:solidFill>
+                  <a:srgbClr val="92D050"/>
+                </a:solidFill>
+                <a:latin typeface="Courier New" panose="02070309020205020404" pitchFamily="49" charset="0"/>
+                <a:cs typeface="Courier New" panose="02070309020205020404" pitchFamily="49" charset="0"/>
+              </a:rPr>
+              <a:t>(file: String): Map[String, String] = macro </a:t>
+            </a:r>
+            <a:r>
+              <a:rPr lang="en-US" sz="900" dirty="0" err="1">
+                <a:solidFill>
+                  <a:srgbClr val="92D050"/>
+                </a:solidFill>
+                <a:latin typeface="Courier New" panose="02070309020205020404" pitchFamily="49" charset="0"/>
+                <a:cs typeface="Courier New" panose="02070309020205020404" pitchFamily="49" charset="0"/>
+              </a:rPr>
+              <a:t>loadPropertiesWithoutQImpl</a:t>
+            </a:r>
+            <a:endParaRPr lang="en-US" sz="900" dirty="0">
+              <a:solidFill>
+                <a:srgbClr val="92D050"/>
+              </a:solidFill>
+              <a:latin typeface="Courier New" panose="02070309020205020404" pitchFamily="49" charset="0"/>
+              <a:cs typeface="Courier New" panose="02070309020205020404" pitchFamily="49" charset="0"/>
             </a:endParaRPr>
           </a:p>
           <a:p>
-            <a:pPr marL="742950" lvl="1" indent="-285750">
-              <a:buFont typeface="Arial" panose="020B0604020202020204" pitchFamily="34" charset="0"/>
-              <a:buChar char="•"/>
-            </a:pPr>
-            <a:r>
-              <a:rPr lang="en-US" dirty="0" smtClean="0">
-                <a:latin typeface="Comic Sans MS" panose="030F0702030302020204" pitchFamily="66" charset="0"/>
-                <a:cs typeface="Consolas" panose="020B0609020204030204" pitchFamily="49" charset="0"/>
-              </a:rPr>
-              <a:t>Example:</a:t>
-            </a:r>
-          </a:p>
-          <a:p>
-            <a:pPr lvl="1"/>
-            <a:r>
-              <a:rPr lang="en-US" dirty="0" smtClean="0">
-                <a:latin typeface="Comic Sans MS" panose="030F0702030302020204" pitchFamily="66" charset="0"/>
-                <a:cs typeface="Consolas" panose="020B0609020204030204" pitchFamily="49" charset="0"/>
-              </a:rPr>
-              <a:t>  </a:t>
-            </a:r>
-            <a:r>
-              <a:rPr lang="en-US" dirty="0" err="1" smtClean="0">
-                <a:latin typeface="Comic Sans MS" panose="030F0702030302020204" pitchFamily="66" charset="0"/>
-                <a:cs typeface="Consolas" panose="020B0609020204030204" pitchFamily="49" charset="0"/>
+            <a:endParaRPr lang="en-US" sz="900" dirty="0">
+              <a:solidFill>
+                <a:srgbClr val="92D050"/>
+              </a:solidFill>
+              <a:latin typeface="Courier New" panose="02070309020205020404" pitchFamily="49" charset="0"/>
+              <a:cs typeface="Courier New" panose="02070309020205020404" pitchFamily="49" charset="0"/>
+            </a:endParaRPr>
+          </a:p>
+          <a:p>
+            <a:r>
+              <a:rPr lang="en-US" sz="900" dirty="0" err="1" smtClean="0">
+                <a:solidFill>
+                  <a:srgbClr val="92D050"/>
+                </a:solidFill>
+                <a:latin typeface="Courier New" panose="02070309020205020404" pitchFamily="49" charset="0"/>
+                <a:cs typeface="Courier New" panose="02070309020205020404" pitchFamily="49" charset="0"/>
+              </a:rPr>
+              <a:t>def</a:t>
+            </a:r>
+            <a:r>
+              <a:rPr lang="en-US" sz="900" dirty="0" smtClean="0">
+                <a:solidFill>
+                  <a:srgbClr val="92D050"/>
+                </a:solidFill>
+                <a:latin typeface="Courier New" panose="02070309020205020404" pitchFamily="49" charset="0"/>
+                <a:cs typeface="Courier New" panose="02070309020205020404" pitchFamily="49" charset="0"/>
+              </a:rPr>
+              <a:t> </a:t>
+            </a:r>
+            <a:r>
+              <a:rPr lang="en-US" sz="900" dirty="0" err="1">
+                <a:solidFill>
+                  <a:srgbClr val="92D050"/>
+                </a:solidFill>
+                <a:latin typeface="Courier New" panose="02070309020205020404" pitchFamily="49" charset="0"/>
+                <a:cs typeface="Courier New" panose="02070309020205020404" pitchFamily="49" charset="0"/>
+              </a:rPr>
+              <a:t>loadPropertiesWithoutQImpl</a:t>
+            </a:r>
+            <a:r>
+              <a:rPr lang="en-US" sz="900" dirty="0">
+                <a:solidFill>
+                  <a:srgbClr val="92D050"/>
+                </a:solidFill>
+                <a:latin typeface="Courier New" panose="02070309020205020404" pitchFamily="49" charset="0"/>
+                <a:cs typeface="Courier New" panose="02070309020205020404" pitchFamily="49" charset="0"/>
+              </a:rPr>
+              <a:t>(c: Context)(file: </a:t>
+            </a:r>
+            <a:r>
+              <a:rPr lang="en-US" sz="900" dirty="0" err="1">
+                <a:solidFill>
+                  <a:srgbClr val="92D050"/>
+                </a:solidFill>
+                <a:latin typeface="Courier New" panose="02070309020205020404" pitchFamily="49" charset="0"/>
+                <a:cs typeface="Courier New" panose="02070309020205020404" pitchFamily="49" charset="0"/>
+              </a:rPr>
+              <a:t>c.Expr</a:t>
+            </a:r>
+            <a:r>
+              <a:rPr lang="en-US" sz="900" dirty="0">
+                <a:solidFill>
+                  <a:srgbClr val="92D050"/>
+                </a:solidFill>
+                <a:latin typeface="Courier New" panose="02070309020205020404" pitchFamily="49" charset="0"/>
+                <a:cs typeface="Courier New" panose="02070309020205020404" pitchFamily="49" charset="0"/>
+              </a:rPr>
+              <a:t>[String]) = {</a:t>
+            </a:r>
+          </a:p>
+          <a:p>
+            <a:r>
+              <a:rPr lang="en-US" sz="900" dirty="0" smtClean="0">
+                <a:solidFill>
+                  <a:srgbClr val="92D050"/>
+                </a:solidFill>
+                <a:latin typeface="Courier New" panose="02070309020205020404" pitchFamily="49" charset="0"/>
+                <a:cs typeface="Courier New" panose="02070309020205020404" pitchFamily="49" charset="0"/>
+              </a:rPr>
+              <a:t>import </a:t>
+            </a:r>
+            <a:r>
+              <a:rPr lang="en-US" sz="900" dirty="0" err="1">
+                <a:solidFill>
+                  <a:srgbClr val="92D050"/>
+                </a:solidFill>
+                <a:latin typeface="Courier New" panose="02070309020205020404" pitchFamily="49" charset="0"/>
+                <a:cs typeface="Courier New" panose="02070309020205020404" pitchFamily="49" charset="0"/>
+              </a:rPr>
+              <a:t>c.universe</a:t>
+            </a:r>
+            <a:r>
+              <a:rPr lang="en-US" sz="900" dirty="0">
+                <a:solidFill>
+                  <a:srgbClr val="92D050"/>
+                </a:solidFill>
+                <a:latin typeface="Courier New" panose="02070309020205020404" pitchFamily="49" charset="0"/>
+                <a:cs typeface="Courier New" panose="02070309020205020404" pitchFamily="49" charset="0"/>
+              </a:rPr>
+              <a:t>._</a:t>
+            </a:r>
+          </a:p>
+          <a:p>
+            <a:r>
+              <a:rPr lang="en-US" sz="900" dirty="0" smtClean="0">
+                <a:solidFill>
+                  <a:srgbClr val="92D050"/>
+                </a:solidFill>
+                <a:latin typeface="Courier New" panose="02070309020205020404" pitchFamily="49" charset="0"/>
+                <a:cs typeface="Courier New" panose="02070309020205020404" pitchFamily="49" charset="0"/>
+              </a:rPr>
+              <a:t>import </a:t>
+            </a:r>
+            <a:r>
+              <a:rPr lang="en-US" sz="900" dirty="0" err="1" smtClean="0">
+                <a:solidFill>
+                  <a:srgbClr val="92D050"/>
+                </a:solidFill>
+                <a:latin typeface="Courier New" panose="02070309020205020404" pitchFamily="49" charset="0"/>
+                <a:cs typeface="Courier New" panose="02070309020205020404" pitchFamily="49" charset="0"/>
+              </a:rPr>
+              <a:t>scala.collection.mutable</a:t>
+            </a:r>
+            <a:endParaRPr lang="en-US" sz="900" dirty="0" smtClean="0">
+              <a:solidFill>
+                <a:srgbClr val="92D050"/>
+              </a:solidFill>
+              <a:latin typeface="Courier New" panose="02070309020205020404" pitchFamily="49" charset="0"/>
+              <a:cs typeface="Courier New" panose="02070309020205020404" pitchFamily="49" charset="0"/>
+            </a:endParaRPr>
+          </a:p>
+          <a:p>
+            <a:endParaRPr lang="en-US" sz="900" dirty="0">
+              <a:solidFill>
+                <a:srgbClr val="92D050"/>
+              </a:solidFill>
+              <a:latin typeface="Courier New" panose="02070309020205020404" pitchFamily="49" charset="0"/>
+              <a:cs typeface="Courier New" panose="02070309020205020404" pitchFamily="49" charset="0"/>
+            </a:endParaRPr>
+          </a:p>
+          <a:p>
+            <a:r>
+              <a:rPr lang="en-US" sz="900" dirty="0" err="1" smtClean="0">
+                <a:solidFill>
+                  <a:srgbClr val="0070C0"/>
+                </a:solidFill>
+                <a:latin typeface="Courier New" panose="02070309020205020404" pitchFamily="49" charset="0"/>
+                <a:cs typeface="Courier New" panose="02070309020205020404" pitchFamily="49" charset="0"/>
               </a:rPr>
               <a:t>val</a:t>
             </a:r>
             <a:r>
-              <a:rPr lang="en-US" dirty="0" smtClean="0">
-                <a:latin typeface="Comic Sans MS" panose="030F0702030302020204" pitchFamily="66" charset="0"/>
-                <a:cs typeface="Consolas" panose="020B0609020204030204" pitchFamily="49" charset="0"/>
+              <a:rPr lang="en-US" sz="900" dirty="0" smtClean="0">
+                <a:solidFill>
+                  <a:srgbClr val="0070C0"/>
+                </a:solidFill>
+                <a:latin typeface="Courier New" panose="02070309020205020404" pitchFamily="49" charset="0"/>
+                <a:cs typeface="Courier New" panose="02070309020205020404" pitchFamily="49" charset="0"/>
               </a:rPr>
               <a:t> </a:t>
             </a:r>
             <a:r>
-              <a:rPr lang="en-US" dirty="0">
-                <a:latin typeface="Comic Sans MS" panose="030F0702030302020204" pitchFamily="66" charset="0"/>
-                <a:cs typeface="Consolas" panose="020B0609020204030204" pitchFamily="49" charset="0"/>
+              <a:rPr lang="en-US" sz="900" dirty="0">
+                <a:solidFill>
+                  <a:srgbClr val="0070C0"/>
+                </a:solidFill>
+                <a:latin typeface="Courier New" panose="02070309020205020404" pitchFamily="49" charset="0"/>
+                <a:cs typeface="Courier New" panose="02070309020205020404" pitchFamily="49" charset="0"/>
               </a:rPr>
               <a:t>Literal(Constant(</a:t>
             </a:r>
             <a:r>
-              <a:rPr lang="en-US" dirty="0" err="1">
-                <a:latin typeface="Comic Sans MS" panose="030F0702030302020204" pitchFamily="66" charset="0"/>
-                <a:cs typeface="Consolas" panose="020B0609020204030204" pitchFamily="49" charset="0"/>
+              <a:rPr lang="en-US" sz="900" dirty="0" err="1">
+                <a:solidFill>
+                  <a:srgbClr val="0070C0"/>
+                </a:solidFill>
+                <a:latin typeface="Courier New" panose="02070309020205020404" pitchFamily="49" charset="0"/>
+                <a:cs typeface="Courier New" panose="02070309020205020404" pitchFamily="49" charset="0"/>
               </a:rPr>
               <a:t>fileName</a:t>
             </a:r>
             <a:r>
-              <a:rPr lang="en-US" dirty="0">
-                <a:latin typeface="Comic Sans MS" panose="030F0702030302020204" pitchFamily="66" charset="0"/>
-                <a:cs typeface="Consolas" panose="020B0609020204030204" pitchFamily="49" charset="0"/>
+              <a:rPr lang="en-US" sz="900" dirty="0">
+                <a:solidFill>
+                  <a:srgbClr val="0070C0"/>
+                </a:solidFill>
+                <a:latin typeface="Courier New" panose="02070309020205020404" pitchFamily="49" charset="0"/>
+                <a:cs typeface="Courier New" panose="02070309020205020404" pitchFamily="49" charset="0"/>
               </a:rPr>
               <a:t>: String)) = </a:t>
             </a:r>
             <a:r>
-              <a:rPr lang="en-US" dirty="0" err="1">
-                <a:latin typeface="Comic Sans MS" panose="030F0702030302020204" pitchFamily="66" charset="0"/>
-                <a:cs typeface="Consolas" panose="020B0609020204030204" pitchFamily="49" charset="0"/>
+              <a:rPr lang="en-US" sz="900" dirty="0" err="1">
+                <a:solidFill>
+                  <a:srgbClr val="0070C0"/>
+                </a:solidFill>
+                <a:latin typeface="Courier New" panose="02070309020205020404" pitchFamily="49" charset="0"/>
+                <a:cs typeface="Courier New" panose="02070309020205020404" pitchFamily="49" charset="0"/>
               </a:rPr>
               <a:t>file.tree</a:t>
             </a:r>
-            <a:endParaRPr lang="en-US" dirty="0">
-              <a:latin typeface="Comic Sans MS" panose="030F0702030302020204" pitchFamily="66" charset="0"/>
-              <a:cs typeface="Consolas" panose="020B0609020204030204" pitchFamily="49" charset="0"/>
+            <a:endParaRPr lang="en-US" sz="900" dirty="0">
+              <a:solidFill>
+                <a:srgbClr val="0070C0"/>
+              </a:solidFill>
+              <a:latin typeface="Courier New" panose="02070309020205020404" pitchFamily="49" charset="0"/>
+              <a:cs typeface="Courier New" panose="02070309020205020404" pitchFamily="49" charset="0"/>
             </a:endParaRPr>
           </a:p>
           <a:p>
-            <a:pPr marL="285750" indent="-285750">
-              <a:buFont typeface="Arial" panose="020B0604020202020204" pitchFamily="34" charset="0"/>
-              <a:buChar char="•"/>
-            </a:pPr>
-            <a:r>
-              <a:rPr lang="en-US" dirty="0" smtClean="0">
-                <a:latin typeface="Comic Sans MS" panose="030F0702030302020204" pitchFamily="66" charset="0"/>
-                <a:cs typeface="Consolas" panose="020B0609020204030204" pitchFamily="49" charset="0"/>
-              </a:rPr>
-              <a:t>Can be created like case classes</a:t>
-            </a:r>
-          </a:p>
-          <a:p>
-            <a:pPr marL="742950" lvl="1" indent="-285750">
-              <a:buFont typeface="Arial" panose="020B0604020202020204" pitchFamily="34" charset="0"/>
-              <a:buChar char="•"/>
-            </a:pPr>
-            <a:r>
-              <a:rPr lang="en-US" dirty="0" smtClean="0">
-                <a:latin typeface="Comic Sans MS" panose="030F0702030302020204" pitchFamily="66" charset="0"/>
-                <a:cs typeface="Consolas" panose="020B0609020204030204" pitchFamily="49" charset="0"/>
-              </a:rPr>
-              <a:t>Example:</a:t>
-            </a:r>
-          </a:p>
-          <a:p>
-            <a:r>
-              <a:rPr lang="en-US" dirty="0" smtClean="0">
-                <a:latin typeface="Comic Sans MS" panose="030F0702030302020204" pitchFamily="66" charset="0"/>
-                <a:cs typeface="Consolas" panose="020B0609020204030204" pitchFamily="49" charset="0"/>
+            <a:endParaRPr lang="en-US" sz="900" dirty="0">
+              <a:solidFill>
+                <a:srgbClr val="92D050"/>
+              </a:solidFill>
+              <a:latin typeface="Courier New" panose="02070309020205020404" pitchFamily="49" charset="0"/>
+              <a:cs typeface="Courier New" panose="02070309020205020404" pitchFamily="49" charset="0"/>
+            </a:endParaRPr>
+          </a:p>
+          <a:p>
+            <a:r>
+              <a:rPr lang="en-US" sz="900" dirty="0" err="1">
+                <a:solidFill>
+                  <a:srgbClr val="92D050"/>
+                </a:solidFill>
+                <a:latin typeface="Courier New" panose="02070309020205020404" pitchFamily="49" charset="0"/>
+                <a:cs typeface="Courier New" panose="02070309020205020404" pitchFamily="49" charset="0"/>
+              </a:rPr>
+              <a:t>val</a:t>
+            </a:r>
+            <a:r>
+              <a:rPr lang="en-US" sz="900" dirty="0">
+                <a:solidFill>
+                  <a:srgbClr val="92D050"/>
+                </a:solidFill>
+                <a:latin typeface="Courier New" panose="02070309020205020404" pitchFamily="49" charset="0"/>
+                <a:cs typeface="Courier New" panose="02070309020205020404" pitchFamily="49" charset="0"/>
+              </a:rPr>
+              <a:t> </a:t>
+            </a:r>
+            <a:r>
+              <a:rPr lang="en-US" sz="900" dirty="0" err="1">
+                <a:solidFill>
+                  <a:srgbClr val="92D050"/>
+                </a:solidFill>
+                <a:latin typeface="Courier New" panose="02070309020205020404" pitchFamily="49" charset="0"/>
+                <a:cs typeface="Courier New" panose="02070309020205020404" pitchFamily="49" charset="0"/>
+              </a:rPr>
+              <a:t>fis</a:t>
+            </a:r>
+            <a:r>
+              <a:rPr lang="en-US" sz="900" dirty="0">
+                <a:solidFill>
+                  <a:srgbClr val="92D050"/>
+                </a:solidFill>
+                <a:latin typeface="Courier New" panose="02070309020205020404" pitchFamily="49" charset="0"/>
+                <a:cs typeface="Courier New" panose="02070309020205020404" pitchFamily="49" charset="0"/>
+              </a:rPr>
+              <a:t> = new </a:t>
+            </a:r>
+            <a:r>
+              <a:rPr lang="en-US" sz="900" dirty="0" err="1">
+                <a:solidFill>
+                  <a:srgbClr val="92D050"/>
+                </a:solidFill>
+                <a:latin typeface="Courier New" panose="02070309020205020404" pitchFamily="49" charset="0"/>
+                <a:cs typeface="Courier New" panose="02070309020205020404" pitchFamily="49" charset="0"/>
+              </a:rPr>
+              <a:t>FileInputStream</a:t>
+            </a:r>
+            <a:r>
+              <a:rPr lang="en-US" sz="900" dirty="0">
+                <a:solidFill>
+                  <a:srgbClr val="92D050"/>
+                </a:solidFill>
+                <a:latin typeface="Courier New" panose="02070309020205020404" pitchFamily="49" charset="0"/>
+                <a:cs typeface="Courier New" panose="02070309020205020404" pitchFamily="49" charset="0"/>
+              </a:rPr>
+              <a:t>(</a:t>
+            </a:r>
+            <a:r>
+              <a:rPr lang="en-US" sz="900" dirty="0" err="1">
+                <a:solidFill>
+                  <a:srgbClr val="92D050"/>
+                </a:solidFill>
+                <a:latin typeface="Courier New" panose="02070309020205020404" pitchFamily="49" charset="0"/>
+                <a:cs typeface="Courier New" panose="02070309020205020404" pitchFamily="49" charset="0"/>
+              </a:rPr>
+              <a:t>fileName</a:t>
+            </a:r>
+            <a:r>
+              <a:rPr lang="en-US" sz="900" dirty="0">
+                <a:solidFill>
+                  <a:srgbClr val="92D050"/>
+                </a:solidFill>
+                <a:latin typeface="Courier New" panose="02070309020205020404" pitchFamily="49" charset="0"/>
+                <a:cs typeface="Courier New" panose="02070309020205020404" pitchFamily="49" charset="0"/>
+              </a:rPr>
+              <a:t>)</a:t>
+            </a:r>
+          </a:p>
+          <a:p>
+            <a:r>
+              <a:rPr lang="en-US" sz="900" dirty="0" err="1">
+                <a:solidFill>
+                  <a:srgbClr val="92D050"/>
+                </a:solidFill>
+                <a:latin typeface="Courier New" panose="02070309020205020404" pitchFamily="49" charset="0"/>
+                <a:cs typeface="Courier New" panose="02070309020205020404" pitchFamily="49" charset="0"/>
+              </a:rPr>
+              <a:t>val</a:t>
+            </a:r>
+            <a:r>
+              <a:rPr lang="en-US" sz="900" dirty="0">
+                <a:solidFill>
+                  <a:srgbClr val="92D050"/>
+                </a:solidFill>
+                <a:latin typeface="Courier New" panose="02070309020205020404" pitchFamily="49" charset="0"/>
+                <a:cs typeface="Courier New" panose="02070309020205020404" pitchFamily="49" charset="0"/>
+              </a:rPr>
+              <a:t> </a:t>
+            </a:r>
+            <a:r>
+              <a:rPr lang="en-US" sz="900" dirty="0">
+                <a:solidFill>
+                  <a:srgbClr val="92D050"/>
+                </a:solidFill>
+                <a:latin typeface="Courier New" panose="02070309020205020404" pitchFamily="49" charset="0"/>
+                <a:cs typeface="Courier New" panose="02070309020205020404" pitchFamily="49" charset="0"/>
+              </a:rPr>
+              <a:t>properties = new Properties</a:t>
+            </a:r>
+          </a:p>
+          <a:p>
+            <a:r>
+              <a:rPr lang="en-US" sz="900" dirty="0" err="1">
+                <a:solidFill>
+                  <a:srgbClr val="92D050"/>
+                </a:solidFill>
+                <a:latin typeface="Courier New" panose="02070309020205020404" pitchFamily="49" charset="0"/>
+                <a:cs typeface="Courier New" panose="02070309020205020404" pitchFamily="49" charset="0"/>
+              </a:rPr>
+              <a:t>properties.load</a:t>
+            </a:r>
+            <a:r>
+              <a:rPr lang="en-US" sz="900" dirty="0">
+                <a:solidFill>
+                  <a:srgbClr val="92D050"/>
+                </a:solidFill>
+                <a:latin typeface="Courier New" panose="02070309020205020404" pitchFamily="49" charset="0"/>
+                <a:cs typeface="Courier New" panose="02070309020205020404" pitchFamily="49" charset="0"/>
+              </a:rPr>
+              <a:t>(</a:t>
+            </a:r>
+            <a:r>
+              <a:rPr lang="en-US" sz="900" dirty="0" err="1">
+                <a:solidFill>
+                  <a:srgbClr val="92D050"/>
+                </a:solidFill>
+                <a:latin typeface="Courier New" panose="02070309020205020404" pitchFamily="49" charset="0"/>
+                <a:cs typeface="Courier New" panose="02070309020205020404" pitchFamily="49" charset="0"/>
+              </a:rPr>
+              <a:t>fis</a:t>
+            </a:r>
+            <a:r>
+              <a:rPr lang="en-US" sz="900" dirty="0">
+                <a:solidFill>
+                  <a:srgbClr val="92D050"/>
+                </a:solidFill>
+                <a:latin typeface="Courier New" panose="02070309020205020404" pitchFamily="49" charset="0"/>
+                <a:cs typeface="Courier New" panose="02070309020205020404" pitchFamily="49" charset="0"/>
+              </a:rPr>
+              <a:t>)</a:t>
+            </a:r>
+          </a:p>
+          <a:p>
+            <a:r>
+              <a:rPr lang="en-US" sz="900" dirty="0" err="1">
+                <a:solidFill>
+                  <a:srgbClr val="92D050"/>
+                </a:solidFill>
+                <a:latin typeface="Courier New" panose="02070309020205020404" pitchFamily="49" charset="0"/>
+                <a:cs typeface="Courier New" panose="02070309020205020404" pitchFamily="49" charset="0"/>
+              </a:rPr>
+              <a:t>fis.close</a:t>
+            </a:r>
+            <a:r>
+              <a:rPr lang="en-US" sz="900" dirty="0">
+                <a:solidFill>
+                  <a:srgbClr val="92D050"/>
+                </a:solidFill>
+                <a:latin typeface="Courier New" panose="02070309020205020404" pitchFamily="49" charset="0"/>
+                <a:cs typeface="Courier New" panose="02070309020205020404" pitchFamily="49" charset="0"/>
+              </a:rPr>
+              <a:t>()</a:t>
+            </a:r>
+          </a:p>
+          <a:p>
+            <a:r>
+              <a:rPr lang="en-US" sz="900" dirty="0" err="1">
+                <a:solidFill>
+                  <a:srgbClr val="92D050"/>
+                </a:solidFill>
+                <a:latin typeface="Courier New" panose="02070309020205020404" pitchFamily="49" charset="0"/>
+                <a:cs typeface="Courier New" panose="02070309020205020404" pitchFamily="49" charset="0"/>
+              </a:rPr>
+              <a:t>val</a:t>
+            </a:r>
+            <a:r>
+              <a:rPr lang="en-US" sz="900" dirty="0">
+                <a:solidFill>
+                  <a:srgbClr val="92D050"/>
+                </a:solidFill>
+                <a:latin typeface="Courier New" panose="02070309020205020404" pitchFamily="49" charset="0"/>
+                <a:cs typeface="Courier New" panose="02070309020205020404" pitchFamily="49" charset="0"/>
+              </a:rPr>
+              <a:t> </a:t>
+            </a:r>
+            <a:r>
+              <a:rPr lang="en-US" sz="900" dirty="0" err="1">
+                <a:solidFill>
+                  <a:srgbClr val="92D050"/>
+                </a:solidFill>
+                <a:latin typeface="Courier New" panose="02070309020205020404" pitchFamily="49" charset="0"/>
+                <a:cs typeface="Courier New" panose="02070309020205020404" pitchFamily="49" charset="0"/>
+              </a:rPr>
+              <a:t>propertiesMap</a:t>
+            </a:r>
+            <a:r>
+              <a:rPr lang="en-US" sz="900" dirty="0">
+                <a:solidFill>
+                  <a:srgbClr val="92D050"/>
+                </a:solidFill>
+                <a:latin typeface="Courier New" panose="02070309020205020404" pitchFamily="49" charset="0"/>
+                <a:cs typeface="Courier New" panose="02070309020205020404" pitchFamily="49" charset="0"/>
+              </a:rPr>
+              <a:t> = </a:t>
+            </a:r>
+            <a:r>
+              <a:rPr lang="en-US" sz="900" dirty="0" err="1">
+                <a:solidFill>
+                  <a:srgbClr val="92D050"/>
+                </a:solidFill>
+                <a:latin typeface="Courier New" panose="02070309020205020404" pitchFamily="49" charset="0"/>
+                <a:cs typeface="Courier New" panose="02070309020205020404" pitchFamily="49" charset="0"/>
+              </a:rPr>
+              <a:t>properties.asScala.toMap</a:t>
+            </a:r>
+            <a:endParaRPr lang="en-US" sz="900" dirty="0">
+              <a:solidFill>
+                <a:srgbClr val="92D050"/>
+              </a:solidFill>
+              <a:latin typeface="Courier New" panose="02070309020205020404" pitchFamily="49" charset="0"/>
+              <a:cs typeface="Courier New" panose="02070309020205020404" pitchFamily="49" charset="0"/>
+            </a:endParaRPr>
+          </a:p>
+          <a:p>
+            <a:endParaRPr lang="en-US" sz="900" dirty="0">
+              <a:solidFill>
+                <a:srgbClr val="92D050"/>
+              </a:solidFill>
+              <a:latin typeface="Courier New" panose="02070309020205020404" pitchFamily="49" charset="0"/>
+              <a:cs typeface="Courier New" panose="02070309020205020404" pitchFamily="49" charset="0"/>
+            </a:endParaRPr>
+          </a:p>
+          <a:p>
+            <a:r>
+              <a:rPr lang="en-US" sz="900" dirty="0" err="1" smtClean="0">
+                <a:solidFill>
+                  <a:srgbClr val="0070C0"/>
+                </a:solidFill>
+                <a:latin typeface="Courier New" panose="02070309020205020404" pitchFamily="49" charset="0"/>
+                <a:cs typeface="Courier New" panose="02070309020205020404" pitchFamily="49" charset="0"/>
+              </a:rPr>
+              <a:t>val</a:t>
+            </a:r>
+            <a:r>
+              <a:rPr lang="en-US" sz="900" dirty="0" smtClean="0">
+                <a:solidFill>
+                  <a:srgbClr val="0070C0"/>
+                </a:solidFill>
+                <a:latin typeface="Courier New" panose="02070309020205020404" pitchFamily="49" charset="0"/>
+                <a:cs typeface="Courier New" panose="02070309020205020404" pitchFamily="49" charset="0"/>
+              </a:rPr>
+              <a:t> </a:t>
+            </a:r>
+            <a:r>
+              <a:rPr lang="en-US" sz="900" dirty="0" err="1">
+                <a:solidFill>
+                  <a:srgbClr val="0070C0"/>
+                </a:solidFill>
+                <a:latin typeface="Courier New" panose="02070309020205020404" pitchFamily="49" charset="0"/>
+                <a:cs typeface="Courier New" panose="02070309020205020404" pitchFamily="49" charset="0"/>
+              </a:rPr>
+              <a:t>builderVariable</a:t>
+            </a:r>
+            <a:r>
+              <a:rPr lang="en-US" sz="900" dirty="0">
+                <a:solidFill>
+                  <a:srgbClr val="0070C0"/>
+                </a:solidFill>
+                <a:latin typeface="Courier New" panose="02070309020205020404" pitchFamily="49" charset="0"/>
+                <a:cs typeface="Courier New" panose="02070309020205020404" pitchFamily="49" charset="0"/>
+              </a:rPr>
+              <a:t> = </a:t>
+            </a:r>
+            <a:r>
+              <a:rPr lang="en-US" sz="900" dirty="0" err="1">
+                <a:solidFill>
+                  <a:srgbClr val="0070C0"/>
+                </a:solidFill>
+                <a:latin typeface="Courier New" panose="02070309020205020404" pitchFamily="49" charset="0"/>
+                <a:cs typeface="Courier New" panose="02070309020205020404" pitchFamily="49" charset="0"/>
+              </a:rPr>
+              <a:t>TermName</a:t>
+            </a:r>
+            <a:r>
+              <a:rPr lang="en-US" sz="900" dirty="0">
+                <a:solidFill>
+                  <a:srgbClr val="0070C0"/>
+                </a:solidFill>
+                <a:latin typeface="Courier New" panose="02070309020205020404" pitchFamily="49" charset="0"/>
+                <a:cs typeface="Courier New" panose="02070309020205020404" pitchFamily="49" charset="0"/>
+              </a:rPr>
+              <a:t>("builder")</a:t>
+            </a:r>
+          </a:p>
+          <a:p>
+            <a:r>
+              <a:rPr lang="en-US" sz="900" dirty="0" err="1" smtClean="0">
+                <a:solidFill>
+                  <a:srgbClr val="0070C0"/>
+                </a:solidFill>
+                <a:latin typeface="Courier New" panose="02070309020205020404" pitchFamily="49" charset="0"/>
+                <a:cs typeface="Courier New" panose="02070309020205020404" pitchFamily="49" charset="0"/>
+              </a:rPr>
+              <a:t>val</a:t>
+            </a:r>
+            <a:r>
+              <a:rPr lang="en-US" sz="900" dirty="0" smtClean="0">
+                <a:solidFill>
+                  <a:srgbClr val="0070C0"/>
+                </a:solidFill>
+                <a:latin typeface="Courier New" panose="02070309020205020404" pitchFamily="49" charset="0"/>
+                <a:cs typeface="Courier New" panose="02070309020205020404" pitchFamily="49" charset="0"/>
+              </a:rPr>
+              <a:t> </a:t>
+            </a:r>
+            <a:r>
+              <a:rPr lang="en-US" sz="900" dirty="0" err="1">
+                <a:solidFill>
+                  <a:srgbClr val="0070C0"/>
+                </a:solidFill>
+                <a:latin typeface="Courier New" panose="02070309020205020404" pitchFamily="49" charset="0"/>
+                <a:cs typeface="Courier New" panose="02070309020205020404" pitchFamily="49" charset="0"/>
+              </a:rPr>
+              <a:t>typeTag</a:t>
+            </a:r>
+            <a:r>
+              <a:rPr lang="en-US" sz="900" dirty="0">
+                <a:solidFill>
+                  <a:srgbClr val="0070C0"/>
+                </a:solidFill>
+                <a:latin typeface="Courier New" panose="02070309020205020404" pitchFamily="49" charset="0"/>
+                <a:cs typeface="Courier New" panose="02070309020205020404" pitchFamily="49" charset="0"/>
+              </a:rPr>
+              <a:t> = </a:t>
+            </a:r>
+            <a:r>
+              <a:rPr lang="en-US" sz="900" dirty="0" err="1">
+                <a:solidFill>
+                  <a:srgbClr val="0070C0"/>
+                </a:solidFill>
+                <a:latin typeface="Courier New" panose="02070309020205020404" pitchFamily="49" charset="0"/>
+                <a:cs typeface="Courier New" panose="02070309020205020404" pitchFamily="49" charset="0"/>
+              </a:rPr>
+              <a:t>typeOf</a:t>
+            </a:r>
+            <a:r>
+              <a:rPr lang="en-US" sz="900" dirty="0">
+                <a:solidFill>
+                  <a:srgbClr val="0070C0"/>
+                </a:solidFill>
+                <a:latin typeface="Courier New" panose="02070309020205020404" pitchFamily="49" charset="0"/>
+                <a:cs typeface="Courier New" panose="02070309020205020404" pitchFamily="49" charset="0"/>
+              </a:rPr>
+              <a:t>[</a:t>
+            </a:r>
+            <a:r>
+              <a:rPr lang="en-US" sz="900" dirty="0" err="1">
+                <a:solidFill>
+                  <a:srgbClr val="0070C0"/>
+                </a:solidFill>
+                <a:latin typeface="Courier New" panose="02070309020205020404" pitchFamily="49" charset="0"/>
+                <a:cs typeface="Courier New" panose="02070309020205020404" pitchFamily="49" charset="0"/>
+              </a:rPr>
+              <a:t>mutable.Builder</a:t>
+            </a:r>
+            <a:r>
+              <a:rPr lang="en-US" sz="900" dirty="0">
+                <a:solidFill>
+                  <a:srgbClr val="0070C0"/>
+                </a:solidFill>
+                <a:latin typeface="Courier New" panose="02070309020205020404" pitchFamily="49" charset="0"/>
+                <a:cs typeface="Courier New" panose="02070309020205020404" pitchFamily="49" charset="0"/>
+              </a:rPr>
+              <a:t>[(String, String), Map[String, String]]]</a:t>
+            </a:r>
+          </a:p>
+          <a:p>
+            <a:r>
+              <a:rPr lang="en-US" sz="900" dirty="0" err="1" smtClean="0">
+                <a:solidFill>
+                  <a:srgbClr val="0070C0"/>
+                </a:solidFill>
+                <a:latin typeface="Courier New" panose="02070309020205020404" pitchFamily="49" charset="0"/>
+                <a:cs typeface="Courier New" panose="02070309020205020404" pitchFamily="49" charset="0"/>
+              </a:rPr>
+              <a:t>val</a:t>
+            </a:r>
+            <a:r>
+              <a:rPr lang="en-US" sz="900" dirty="0" smtClean="0">
+                <a:solidFill>
+                  <a:srgbClr val="0070C0"/>
+                </a:solidFill>
+                <a:latin typeface="Courier New" panose="02070309020205020404" pitchFamily="49" charset="0"/>
+                <a:cs typeface="Courier New" panose="02070309020205020404" pitchFamily="49" charset="0"/>
+              </a:rPr>
+              <a:t> </a:t>
+            </a:r>
+            <a:r>
+              <a:rPr lang="en-US" sz="900" dirty="0">
+                <a:solidFill>
+                  <a:srgbClr val="0070C0"/>
+                </a:solidFill>
+                <a:latin typeface="Courier New" panose="02070309020205020404" pitchFamily="49" charset="0"/>
+                <a:cs typeface="Courier New" panose="02070309020205020404" pitchFamily="49" charset="0"/>
+              </a:rPr>
+              <a:t>define = </a:t>
+            </a:r>
+            <a:r>
+              <a:rPr lang="en-US" sz="900" dirty="0" err="1">
+                <a:solidFill>
+                  <a:srgbClr val="0070C0"/>
+                </a:solidFill>
+                <a:latin typeface="Courier New" panose="02070309020205020404" pitchFamily="49" charset="0"/>
+                <a:cs typeface="Courier New" panose="02070309020205020404" pitchFamily="49" charset="0"/>
+              </a:rPr>
+              <a:t>ValDef</a:t>
+            </a:r>
+            <a:r>
+              <a:rPr lang="en-US" sz="900" dirty="0">
+                <a:solidFill>
+                  <a:srgbClr val="0070C0"/>
+                </a:solidFill>
+                <a:latin typeface="Courier New" panose="02070309020205020404" pitchFamily="49" charset="0"/>
+                <a:cs typeface="Courier New" panose="02070309020205020404" pitchFamily="49" charset="0"/>
+              </a:rPr>
+              <a:t>(Modifiers(), </a:t>
+            </a:r>
+            <a:r>
+              <a:rPr lang="en-US" sz="900" dirty="0" err="1">
+                <a:solidFill>
+                  <a:srgbClr val="0070C0"/>
+                </a:solidFill>
+                <a:latin typeface="Courier New" panose="02070309020205020404" pitchFamily="49" charset="0"/>
+                <a:cs typeface="Courier New" panose="02070309020205020404" pitchFamily="49" charset="0"/>
+              </a:rPr>
+              <a:t>builderVariable</a:t>
+            </a:r>
+            <a:r>
+              <a:rPr lang="en-US" sz="900" dirty="0">
+                <a:solidFill>
+                  <a:srgbClr val="0070C0"/>
+                </a:solidFill>
+                <a:latin typeface="Courier New" panose="02070309020205020404" pitchFamily="49" charset="0"/>
+                <a:cs typeface="Courier New" panose="02070309020205020404" pitchFamily="49" charset="0"/>
+              </a:rPr>
+              <a:t>, </a:t>
+            </a:r>
+            <a:r>
+              <a:rPr lang="en-US" sz="900" dirty="0" err="1">
+                <a:solidFill>
+                  <a:srgbClr val="0070C0"/>
+                </a:solidFill>
+                <a:latin typeface="Courier New" panose="02070309020205020404" pitchFamily="49" charset="0"/>
+                <a:cs typeface="Courier New" panose="02070309020205020404" pitchFamily="49" charset="0"/>
+              </a:rPr>
+              <a:t>TypeTree</a:t>
+            </a:r>
+            <a:r>
+              <a:rPr lang="en-US" sz="900" dirty="0">
+                <a:solidFill>
+                  <a:srgbClr val="0070C0"/>
+                </a:solidFill>
+                <a:latin typeface="Courier New" panose="02070309020205020404" pitchFamily="49" charset="0"/>
+                <a:cs typeface="Courier New" panose="02070309020205020404" pitchFamily="49" charset="0"/>
+              </a:rPr>
+              <a:t>(</a:t>
+            </a:r>
+            <a:r>
+              <a:rPr lang="en-US" sz="900" dirty="0" err="1">
+                <a:solidFill>
+                  <a:srgbClr val="0070C0"/>
+                </a:solidFill>
+                <a:latin typeface="Courier New" panose="02070309020205020404" pitchFamily="49" charset="0"/>
+                <a:cs typeface="Courier New" panose="02070309020205020404" pitchFamily="49" charset="0"/>
+              </a:rPr>
+              <a:t>typeTag</a:t>
+            </a:r>
+            <a:r>
+              <a:rPr lang="en-US" sz="900" dirty="0">
+                <a:solidFill>
+                  <a:srgbClr val="0070C0"/>
+                </a:solidFill>
+                <a:latin typeface="Courier New" panose="02070309020205020404" pitchFamily="49" charset="0"/>
+                <a:cs typeface="Courier New" panose="02070309020205020404" pitchFamily="49" charset="0"/>
+              </a:rPr>
+              <a:t>), reify(</a:t>
+            </a:r>
+            <a:r>
+              <a:rPr lang="en-US" sz="900" dirty="0" err="1">
+                <a:solidFill>
+                  <a:srgbClr val="0070C0"/>
+                </a:solidFill>
+                <a:latin typeface="Courier New" panose="02070309020205020404" pitchFamily="49" charset="0"/>
+                <a:cs typeface="Courier New" panose="02070309020205020404" pitchFamily="49" charset="0"/>
+              </a:rPr>
+              <a:t>Map.newBuilder</a:t>
+            </a:r>
+            <a:r>
+              <a:rPr lang="en-US" sz="900" dirty="0">
+                <a:solidFill>
+                  <a:srgbClr val="0070C0"/>
+                </a:solidFill>
+                <a:latin typeface="Courier New" panose="02070309020205020404" pitchFamily="49" charset="0"/>
+                <a:cs typeface="Courier New" panose="02070309020205020404" pitchFamily="49" charset="0"/>
+              </a:rPr>
+              <a:t>[String, String]).tree</a:t>
+            </a:r>
+            <a:r>
+              <a:rPr lang="en-US" sz="900" dirty="0" smtClean="0">
+                <a:solidFill>
+                  <a:srgbClr val="0070C0"/>
+                </a:solidFill>
+                <a:latin typeface="Courier New" panose="02070309020205020404" pitchFamily="49" charset="0"/>
+                <a:cs typeface="Courier New" panose="02070309020205020404" pitchFamily="49" charset="0"/>
+              </a:rPr>
+              <a:t>)</a:t>
+            </a:r>
+          </a:p>
+          <a:p>
+            <a:endParaRPr lang="en-US" sz="900" dirty="0">
+              <a:solidFill>
+                <a:srgbClr val="0070C0"/>
+              </a:solidFill>
+              <a:latin typeface="Courier New" panose="02070309020205020404" pitchFamily="49" charset="0"/>
+              <a:cs typeface="Courier New" panose="02070309020205020404" pitchFamily="49" charset="0"/>
+            </a:endParaRPr>
+          </a:p>
+          <a:p>
+            <a:r>
+              <a:rPr lang="en-US" sz="900" dirty="0" err="1" smtClean="0">
+                <a:solidFill>
+                  <a:srgbClr val="0070C0"/>
+                </a:solidFill>
+                <a:latin typeface="Courier New" panose="02070309020205020404" pitchFamily="49" charset="0"/>
+                <a:cs typeface="Courier New" panose="02070309020205020404" pitchFamily="49" charset="0"/>
+              </a:rPr>
+              <a:t>def</a:t>
+            </a:r>
+            <a:r>
+              <a:rPr lang="en-US" sz="900" dirty="0" smtClean="0">
+                <a:solidFill>
+                  <a:srgbClr val="0070C0"/>
+                </a:solidFill>
+                <a:latin typeface="Courier New" panose="02070309020205020404" pitchFamily="49" charset="0"/>
+                <a:cs typeface="Courier New" panose="02070309020205020404" pitchFamily="49" charset="0"/>
+              </a:rPr>
+              <a:t> </a:t>
+            </a:r>
+            <a:r>
+              <a:rPr lang="en-US" sz="900" dirty="0">
+                <a:solidFill>
+                  <a:srgbClr val="0070C0"/>
+                </a:solidFill>
+                <a:latin typeface="Courier New" panose="02070309020205020404" pitchFamily="49" charset="0"/>
+                <a:cs typeface="Courier New" panose="02070309020205020404" pitchFamily="49" charset="0"/>
+              </a:rPr>
+              <a:t>constant(s: String) = </a:t>
+            </a:r>
+            <a:r>
+              <a:rPr lang="en-US" sz="900" dirty="0" err="1">
+                <a:solidFill>
+                  <a:srgbClr val="0070C0"/>
+                </a:solidFill>
+                <a:latin typeface="Courier New" panose="02070309020205020404" pitchFamily="49" charset="0"/>
+                <a:cs typeface="Courier New" panose="02070309020205020404" pitchFamily="49" charset="0"/>
+              </a:rPr>
+              <a:t>c.Expr</a:t>
+            </a:r>
+            <a:r>
+              <a:rPr lang="en-US" sz="900" dirty="0">
+                <a:solidFill>
+                  <a:srgbClr val="0070C0"/>
+                </a:solidFill>
+                <a:latin typeface="Courier New" panose="02070309020205020404" pitchFamily="49" charset="0"/>
+                <a:cs typeface="Courier New" panose="02070309020205020404" pitchFamily="49" charset="0"/>
+              </a:rPr>
+              <a:t>[String](Literal(Constant(s)))</a:t>
+            </a:r>
+          </a:p>
+          <a:p>
+            <a:r>
+              <a:rPr lang="en-US" sz="900" dirty="0" err="1" smtClean="0">
+                <a:solidFill>
+                  <a:srgbClr val="0070C0"/>
+                </a:solidFill>
+                <a:latin typeface="Courier New" panose="02070309020205020404" pitchFamily="49" charset="0"/>
+                <a:cs typeface="Courier New" panose="02070309020205020404" pitchFamily="49" charset="0"/>
+              </a:rPr>
+              <a:t>val</a:t>
+            </a:r>
+            <a:r>
+              <a:rPr lang="en-US" sz="900" dirty="0" smtClean="0">
+                <a:solidFill>
+                  <a:srgbClr val="0070C0"/>
+                </a:solidFill>
+                <a:latin typeface="Courier New" panose="02070309020205020404" pitchFamily="49" charset="0"/>
+                <a:cs typeface="Courier New" panose="02070309020205020404" pitchFamily="49" charset="0"/>
+              </a:rPr>
+              <a:t> </a:t>
+            </a:r>
+            <a:r>
+              <a:rPr lang="en-US" sz="900" dirty="0">
+                <a:solidFill>
+                  <a:srgbClr val="0070C0"/>
+                </a:solidFill>
+                <a:latin typeface="Courier New" panose="02070309020205020404" pitchFamily="49" charset="0"/>
+                <a:cs typeface="Courier New" panose="02070309020205020404" pitchFamily="49" charset="0"/>
+              </a:rPr>
+              <a:t>pairs = </a:t>
+            </a:r>
+            <a:r>
+              <a:rPr lang="en-US" sz="900" dirty="0" err="1">
+                <a:solidFill>
+                  <a:srgbClr val="0070C0"/>
+                </a:solidFill>
+                <a:latin typeface="Courier New" panose="02070309020205020404" pitchFamily="49" charset="0"/>
+                <a:cs typeface="Courier New" panose="02070309020205020404" pitchFamily="49" charset="0"/>
+              </a:rPr>
+              <a:t>propertiesMap.map</a:t>
+            </a:r>
+            <a:r>
+              <a:rPr lang="en-US" sz="900" dirty="0">
+                <a:solidFill>
+                  <a:srgbClr val="0070C0"/>
+                </a:solidFill>
+                <a:latin typeface="Courier New" panose="02070309020205020404" pitchFamily="49" charset="0"/>
+                <a:cs typeface="Courier New" panose="02070309020205020404" pitchFamily="49" charset="0"/>
+              </a:rPr>
+              <a:t> {</a:t>
+            </a:r>
+          </a:p>
+          <a:p>
+            <a:r>
+              <a:rPr lang="en-US" sz="900" dirty="0" smtClean="0">
+                <a:solidFill>
+                  <a:srgbClr val="0070C0"/>
+                </a:solidFill>
+                <a:latin typeface="Courier New" panose="02070309020205020404" pitchFamily="49" charset="0"/>
+                <a:cs typeface="Courier New" panose="02070309020205020404" pitchFamily="49" charset="0"/>
+              </a:rPr>
+              <a:t> case </a:t>
+            </a:r>
+            <a:r>
+              <a:rPr lang="en-US" sz="900" dirty="0">
+                <a:solidFill>
+                  <a:srgbClr val="0070C0"/>
+                </a:solidFill>
+                <a:latin typeface="Courier New" panose="02070309020205020404" pitchFamily="49" charset="0"/>
+                <a:cs typeface="Courier New" panose="02070309020205020404" pitchFamily="49" charset="0"/>
+              </a:rPr>
+              <a:t>(key, value) =&gt;</a:t>
+            </a:r>
+          </a:p>
+          <a:p>
+            <a:r>
+              <a:rPr lang="en-US" sz="900" dirty="0" smtClean="0">
+                <a:solidFill>
+                  <a:srgbClr val="0070C0"/>
+                </a:solidFill>
+                <a:latin typeface="Courier New" panose="02070309020205020404" pitchFamily="49" charset="0"/>
+                <a:cs typeface="Courier New" panose="02070309020205020404" pitchFamily="49" charset="0"/>
+              </a:rPr>
+              <a:t>  reify</a:t>
+            </a:r>
+            <a:r>
+              <a:rPr lang="en-US" sz="900" dirty="0">
+                <a:solidFill>
+                  <a:srgbClr val="0070C0"/>
+                </a:solidFill>
+                <a:latin typeface="Courier New" panose="02070309020205020404" pitchFamily="49" charset="0"/>
+                <a:cs typeface="Courier New" panose="02070309020205020404" pitchFamily="49" charset="0"/>
+              </a:rPr>
+              <a:t>((constant(key).splice, constant(value).splice)).tree</a:t>
+            </a:r>
+          </a:p>
+          <a:p>
+            <a:r>
+              <a:rPr lang="en-US" sz="900" dirty="0" smtClean="0">
+                <a:solidFill>
+                  <a:srgbClr val="0070C0"/>
+                </a:solidFill>
+                <a:latin typeface="Courier New" panose="02070309020205020404" pitchFamily="49" charset="0"/>
+                <a:cs typeface="Courier New" panose="02070309020205020404" pitchFamily="49" charset="0"/>
+              </a:rPr>
+              <a:t>}</a:t>
+            </a:r>
+            <a:endParaRPr lang="en-US" sz="900" dirty="0">
+              <a:solidFill>
+                <a:srgbClr val="0070C0"/>
+              </a:solidFill>
+              <a:latin typeface="Courier New" panose="02070309020205020404" pitchFamily="49" charset="0"/>
+              <a:cs typeface="Courier New" panose="02070309020205020404" pitchFamily="49" charset="0"/>
+            </a:endParaRPr>
+          </a:p>
+          <a:p>
+            <a:r>
+              <a:rPr lang="en-US" sz="900" dirty="0" err="1" smtClean="0">
+                <a:solidFill>
+                  <a:srgbClr val="0070C0"/>
+                </a:solidFill>
+                <a:latin typeface="Courier New" panose="02070309020205020404" pitchFamily="49" charset="0"/>
+                <a:cs typeface="Courier New" panose="02070309020205020404" pitchFamily="49" charset="0"/>
+              </a:rPr>
+              <a:t>val</a:t>
+            </a:r>
+            <a:r>
+              <a:rPr lang="en-US" sz="900" dirty="0" smtClean="0">
+                <a:solidFill>
+                  <a:srgbClr val="0070C0"/>
+                </a:solidFill>
+                <a:latin typeface="Courier New" panose="02070309020205020404" pitchFamily="49" charset="0"/>
+                <a:cs typeface="Courier New" panose="02070309020205020404" pitchFamily="49" charset="0"/>
+              </a:rPr>
+              <a:t> </a:t>
+            </a:r>
+            <a:r>
+              <a:rPr lang="en-US" sz="900" dirty="0">
+                <a:solidFill>
+                  <a:srgbClr val="0070C0"/>
+                </a:solidFill>
+                <a:latin typeface="Courier New" panose="02070309020205020404" pitchFamily="49" charset="0"/>
+                <a:cs typeface="Courier New" panose="02070309020205020404" pitchFamily="49" charset="0"/>
+              </a:rPr>
+              <a:t>adds = </a:t>
+            </a:r>
+            <a:r>
+              <a:rPr lang="en-US" sz="900" dirty="0" err="1">
+                <a:solidFill>
+                  <a:srgbClr val="0070C0"/>
+                </a:solidFill>
+                <a:latin typeface="Courier New" panose="02070309020205020404" pitchFamily="49" charset="0"/>
+                <a:cs typeface="Courier New" panose="02070309020205020404" pitchFamily="49" charset="0"/>
+              </a:rPr>
+              <a:t>pairs.map</a:t>
+            </a:r>
+            <a:r>
+              <a:rPr lang="en-US" sz="900" dirty="0">
+                <a:solidFill>
+                  <a:srgbClr val="0070C0"/>
+                </a:solidFill>
+                <a:latin typeface="Courier New" panose="02070309020205020404" pitchFamily="49" charset="0"/>
+                <a:cs typeface="Courier New" panose="02070309020205020404" pitchFamily="49" charset="0"/>
+              </a:rPr>
+              <a:t> {</a:t>
+            </a:r>
+          </a:p>
+          <a:p>
+            <a:r>
+              <a:rPr lang="en-US" sz="900" dirty="0" smtClean="0">
+                <a:solidFill>
+                  <a:srgbClr val="0070C0"/>
+                </a:solidFill>
+                <a:latin typeface="Courier New" panose="02070309020205020404" pitchFamily="49" charset="0"/>
+                <a:cs typeface="Courier New" panose="02070309020205020404" pitchFamily="49" charset="0"/>
+              </a:rPr>
+              <a:t> tree </a:t>
+            </a:r>
+            <a:r>
+              <a:rPr lang="en-US" sz="900" dirty="0">
+                <a:solidFill>
+                  <a:srgbClr val="0070C0"/>
+                </a:solidFill>
+                <a:latin typeface="Courier New" panose="02070309020205020404" pitchFamily="49" charset="0"/>
+                <a:cs typeface="Courier New" panose="02070309020205020404" pitchFamily="49" charset="0"/>
+              </a:rPr>
+              <a:t>=&gt;</a:t>
+            </a:r>
+          </a:p>
+          <a:p>
+            <a:r>
+              <a:rPr lang="en-US" sz="900" dirty="0" smtClean="0">
+                <a:solidFill>
+                  <a:srgbClr val="0070C0"/>
+                </a:solidFill>
+                <a:latin typeface="Courier New" panose="02070309020205020404" pitchFamily="49" charset="0"/>
+                <a:cs typeface="Courier New" panose="02070309020205020404" pitchFamily="49" charset="0"/>
               </a:rPr>
               <a:t>  Apply(Select(Ident(</a:t>
             </a:r>
             <a:r>
-              <a:rPr lang="en-US" dirty="0" err="1" smtClean="0">
-                <a:latin typeface="Comic Sans MS" panose="030F0702030302020204" pitchFamily="66" charset="0"/>
-                <a:cs typeface="Consolas" panose="020B0609020204030204" pitchFamily="49" charset="0"/>
+              <a:rPr lang="en-US" sz="900" dirty="0" err="1" smtClean="0">
+                <a:solidFill>
+                  <a:srgbClr val="0070C0"/>
+                </a:solidFill>
+                <a:latin typeface="Courier New" panose="02070309020205020404" pitchFamily="49" charset="0"/>
+                <a:cs typeface="Courier New" panose="02070309020205020404" pitchFamily="49" charset="0"/>
               </a:rPr>
               <a:t>builderVariable</a:t>
             </a:r>
             <a:r>
-              <a:rPr lang="en-US" dirty="0">
-                <a:latin typeface="Comic Sans MS" panose="030F0702030302020204" pitchFamily="66" charset="0"/>
-                <a:cs typeface="Consolas" panose="020B0609020204030204" pitchFamily="49" charset="0"/>
+              <a:rPr lang="en-US" sz="900" dirty="0">
+                <a:solidFill>
+                  <a:srgbClr val="0070C0"/>
+                </a:solidFill>
+                <a:latin typeface="Courier New" panose="02070309020205020404" pitchFamily="49" charset="0"/>
+                <a:cs typeface="Courier New" panose="02070309020205020404" pitchFamily="49" charset="0"/>
               </a:rPr>
               <a:t>), </a:t>
             </a:r>
             <a:r>
-              <a:rPr lang="en-US" dirty="0" err="1">
-                <a:latin typeface="Comic Sans MS" panose="030F0702030302020204" pitchFamily="66" charset="0"/>
-                <a:cs typeface="Consolas" panose="020B0609020204030204" pitchFamily="49" charset="0"/>
+              <a:rPr lang="en-US" sz="900" dirty="0" err="1">
+                <a:solidFill>
+                  <a:srgbClr val="0070C0"/>
+                </a:solidFill>
+                <a:latin typeface="Courier New" panose="02070309020205020404" pitchFamily="49" charset="0"/>
+                <a:cs typeface="Courier New" panose="02070309020205020404" pitchFamily="49" charset="0"/>
               </a:rPr>
               <a:t>TermName</a:t>
             </a:r>
             <a:r>
-              <a:rPr lang="en-US" dirty="0">
-                <a:latin typeface="Comic Sans MS" panose="030F0702030302020204" pitchFamily="66" charset="0"/>
-                <a:cs typeface="Consolas" panose="020B0609020204030204" pitchFamily="49" charset="0"/>
-              </a:rPr>
-              <a:t>("result")), List</a:t>
-            </a:r>
-            <a:r>
-              <a:rPr lang="en-US" dirty="0" smtClean="0">
-                <a:latin typeface="Comic Sans MS" panose="030F0702030302020204" pitchFamily="66" charset="0"/>
-                <a:cs typeface="Consolas" panose="020B0609020204030204" pitchFamily="49" charset="0"/>
-              </a:rPr>
-              <a:t>())</a:t>
-            </a:r>
-            <a:endParaRPr lang="en-US" dirty="0" smtClean="0">
-              <a:latin typeface="Comic Sans MS" panose="030F0702030302020204" pitchFamily="66" charset="0"/>
-              <a:cs typeface="Consolas" panose="020B0609020204030204" pitchFamily="49" charset="0"/>
+              <a:rPr lang="en-US" sz="900" dirty="0">
+                <a:solidFill>
+                  <a:srgbClr val="0070C0"/>
+                </a:solidFill>
+                <a:latin typeface="Courier New" panose="02070309020205020404" pitchFamily="49" charset="0"/>
+                <a:cs typeface="Courier New" panose="02070309020205020404" pitchFamily="49" charset="0"/>
+              </a:rPr>
+              <a:t>("$</a:t>
+            </a:r>
+            <a:r>
+              <a:rPr lang="en-US" sz="900" dirty="0" err="1">
+                <a:solidFill>
+                  <a:srgbClr val="0070C0"/>
+                </a:solidFill>
+                <a:latin typeface="Courier New" panose="02070309020205020404" pitchFamily="49" charset="0"/>
+                <a:cs typeface="Courier New" panose="02070309020205020404" pitchFamily="49" charset="0"/>
+              </a:rPr>
+              <a:t>plus$eq</a:t>
+            </a:r>
+            <a:r>
+              <a:rPr lang="en-US" sz="900" dirty="0">
+                <a:solidFill>
+                  <a:srgbClr val="0070C0"/>
+                </a:solidFill>
+                <a:latin typeface="Courier New" panose="02070309020205020404" pitchFamily="49" charset="0"/>
+                <a:cs typeface="Courier New" panose="02070309020205020404" pitchFamily="49" charset="0"/>
+              </a:rPr>
+              <a:t>")), List(tree))</a:t>
+            </a:r>
+          </a:p>
+          <a:p>
+            <a:r>
+              <a:rPr lang="en-US" sz="900" dirty="0" smtClean="0">
+                <a:solidFill>
+                  <a:srgbClr val="0070C0"/>
+                </a:solidFill>
+                <a:latin typeface="Courier New" panose="02070309020205020404" pitchFamily="49" charset="0"/>
+                <a:cs typeface="Courier New" panose="02070309020205020404" pitchFamily="49" charset="0"/>
+              </a:rPr>
+              <a:t>}.</a:t>
+            </a:r>
+            <a:r>
+              <a:rPr lang="en-US" sz="900" dirty="0" err="1">
+                <a:solidFill>
+                  <a:srgbClr val="0070C0"/>
+                </a:solidFill>
+                <a:latin typeface="Courier New" panose="02070309020205020404" pitchFamily="49" charset="0"/>
+                <a:cs typeface="Courier New" panose="02070309020205020404" pitchFamily="49" charset="0"/>
+              </a:rPr>
+              <a:t>toList</a:t>
+            </a:r>
+            <a:endParaRPr lang="en-US" sz="900" dirty="0">
+              <a:solidFill>
+                <a:srgbClr val="0070C0"/>
+              </a:solidFill>
+              <a:latin typeface="Courier New" panose="02070309020205020404" pitchFamily="49" charset="0"/>
+              <a:cs typeface="Courier New" panose="02070309020205020404" pitchFamily="49" charset="0"/>
             </a:endParaRPr>
           </a:p>
           <a:p>
-            <a:pPr marL="285750" indent="-285750">
-              <a:buFont typeface="Arial" panose="020B0604020202020204" pitchFamily="34" charset="0"/>
-              <a:buChar char="•"/>
-            </a:pPr>
-            <a:endParaRPr lang="en-US" dirty="0" smtClean="0">
-              <a:latin typeface="Comic Sans MS" panose="030F0702030302020204" pitchFamily="66" charset="0"/>
-              <a:cs typeface="Consolas" panose="020B0609020204030204" pitchFamily="49" charset="0"/>
+            <a:endParaRPr lang="en-US" sz="900" dirty="0">
+              <a:solidFill>
+                <a:srgbClr val="0070C0"/>
+              </a:solidFill>
+              <a:latin typeface="Courier New" panose="02070309020205020404" pitchFamily="49" charset="0"/>
+              <a:cs typeface="Courier New" panose="02070309020205020404" pitchFamily="49" charset="0"/>
             </a:endParaRPr>
           </a:p>
           <a:p>
-            <a:pPr marL="285750" indent="-285750">
-              <a:buFont typeface="Arial" panose="020B0604020202020204" pitchFamily="34" charset="0"/>
-              <a:buChar char="•"/>
-            </a:pPr>
-            <a:r>
-              <a:rPr lang="en-US" dirty="0">
-                <a:latin typeface="Comic Sans MS" panose="030F0702030302020204" pitchFamily="66" charset="0"/>
-                <a:cs typeface="Consolas" panose="020B0609020204030204" pitchFamily="49" charset="0"/>
-              </a:rPr>
-              <a:t>Running </a:t>
-            </a:r>
-            <a:r>
-              <a:rPr lang="en-US" dirty="0" smtClean="0">
-                <a:latin typeface="Comic Sans MS" panose="030F0702030302020204" pitchFamily="66" charset="0"/>
-                <a:cs typeface="Consolas" panose="020B0609020204030204" pitchFamily="49" charset="0"/>
-              </a:rPr>
-              <a:t>“reify” on </a:t>
-            </a:r>
-            <a:r>
-              <a:rPr lang="en-US" b="1" dirty="0" smtClean="0">
-                <a:latin typeface="Comic Sans MS" panose="030F0702030302020204" pitchFamily="66" charset="0"/>
-                <a:cs typeface="Consolas" panose="020B0609020204030204" pitchFamily="49" charset="0"/>
-              </a:rPr>
-              <a:t>a</a:t>
-            </a:r>
-            <a:r>
-              <a:rPr lang="en-US" dirty="0" smtClean="0">
-                <a:latin typeface="Comic Sans MS" panose="030F0702030302020204" pitchFamily="66" charset="0"/>
-                <a:cs typeface="Consolas" panose="020B0609020204030204" pitchFamily="49" charset="0"/>
+            <a:r>
+              <a:rPr lang="en-US" sz="900" dirty="0" err="1" smtClean="0">
+                <a:solidFill>
+                  <a:srgbClr val="0070C0"/>
+                </a:solidFill>
+                <a:latin typeface="Courier New" panose="02070309020205020404" pitchFamily="49" charset="0"/>
+                <a:cs typeface="Courier New" panose="02070309020205020404" pitchFamily="49" charset="0"/>
+              </a:rPr>
+              <a:t>val</a:t>
+            </a:r>
+            <a:r>
+              <a:rPr lang="en-US" sz="900" dirty="0" smtClean="0">
+                <a:solidFill>
+                  <a:srgbClr val="0070C0"/>
+                </a:solidFill>
+                <a:latin typeface="Courier New" panose="02070309020205020404" pitchFamily="49" charset="0"/>
+                <a:cs typeface="Courier New" panose="02070309020205020404" pitchFamily="49" charset="0"/>
               </a:rPr>
               <a:t> </a:t>
             </a:r>
             <a:r>
-              <a:rPr lang="en-US" b="1" dirty="0" smtClean="0">
-                <a:latin typeface="Comic Sans MS" panose="030F0702030302020204" pitchFamily="66" charset="0"/>
-                <a:cs typeface="Consolas" panose="020B0609020204030204" pitchFamily="49" charset="0"/>
-              </a:rPr>
-              <a:t>block</a:t>
-            </a:r>
-            <a:r>
-              <a:rPr lang="en-US" dirty="0" smtClean="0">
-                <a:latin typeface="Comic Sans MS" panose="030F0702030302020204" pitchFamily="66" charset="0"/>
-                <a:cs typeface="Consolas" panose="020B0609020204030204" pitchFamily="49" charset="0"/>
-              </a:rPr>
-              <a:t> of code can help</a:t>
-            </a:r>
-          </a:p>
-          <a:p>
-            <a:pPr lvl="1"/>
-            <a:r>
-              <a:rPr lang="en-US" dirty="0">
-                <a:latin typeface="Comic Sans MS" panose="030F0702030302020204" pitchFamily="66" charset="0"/>
-                <a:cs typeface="Consolas" panose="020B0609020204030204" pitchFamily="49" charset="0"/>
-              </a:rPr>
-              <a:t>import </a:t>
-            </a:r>
-            <a:r>
-              <a:rPr lang="en-US" dirty="0" err="1">
-                <a:latin typeface="Comic Sans MS" panose="030F0702030302020204" pitchFamily="66" charset="0"/>
-                <a:cs typeface="Consolas" panose="020B0609020204030204" pitchFamily="49" charset="0"/>
-              </a:rPr>
-              <a:t>scala.reflect.runtime.universe</a:t>
-            </a:r>
-            <a:r>
-              <a:rPr lang="en-US" dirty="0">
-                <a:latin typeface="Comic Sans MS" panose="030F0702030302020204" pitchFamily="66" charset="0"/>
-                <a:cs typeface="Consolas" panose="020B0609020204030204" pitchFamily="49" charset="0"/>
-              </a:rPr>
-              <a:t>._</a:t>
-            </a:r>
-          </a:p>
-          <a:p>
-            <a:pPr lvl="1"/>
-            <a:r>
-              <a:rPr lang="en-US" dirty="0" smtClean="0">
-                <a:latin typeface="Comic Sans MS" panose="030F0702030302020204" pitchFamily="66" charset="0"/>
-                <a:cs typeface="Consolas" panose="020B0609020204030204" pitchFamily="49" charset="0"/>
-              </a:rPr>
-              <a:t>reify{</a:t>
-            </a:r>
-          </a:p>
-          <a:p>
-            <a:pPr lvl="1"/>
-            <a:r>
-              <a:rPr lang="en-US" dirty="0">
-                <a:latin typeface="Comic Sans MS" panose="030F0702030302020204" pitchFamily="66" charset="0"/>
-                <a:cs typeface="Consolas" panose="020B0609020204030204" pitchFamily="49" charset="0"/>
-              </a:rPr>
-              <a:t> </a:t>
-            </a:r>
-            <a:r>
-              <a:rPr lang="en-US" dirty="0" smtClean="0">
-                <a:latin typeface="Comic Sans MS" panose="030F0702030302020204" pitchFamily="66" charset="0"/>
-                <a:cs typeface="Consolas" panose="020B0609020204030204" pitchFamily="49" charset="0"/>
-              </a:rPr>
-              <a:t> </a:t>
-            </a:r>
-            <a:r>
-              <a:rPr lang="en-US" dirty="0" err="1" smtClean="0">
-                <a:latin typeface="Comic Sans MS" panose="030F0702030302020204" pitchFamily="66" charset="0"/>
-                <a:cs typeface="Consolas" panose="020B0609020204030204" pitchFamily="49" charset="0"/>
-              </a:rPr>
-              <a:t>val</a:t>
-            </a:r>
-            <a:r>
-              <a:rPr lang="en-US" dirty="0" smtClean="0">
-                <a:latin typeface="Comic Sans MS" panose="030F0702030302020204" pitchFamily="66" charset="0"/>
-                <a:cs typeface="Consolas" panose="020B0609020204030204" pitchFamily="49" charset="0"/>
-              </a:rPr>
-              <a:t> map=</a:t>
-            </a:r>
-            <a:r>
-              <a:rPr lang="en-US" dirty="0" err="1" smtClean="0">
-                <a:latin typeface="Comic Sans MS" panose="030F0702030302020204" pitchFamily="66" charset="0"/>
-                <a:cs typeface="Consolas" panose="020B0609020204030204" pitchFamily="49" charset="0"/>
-              </a:rPr>
-              <a:t>Map.newBuilder</a:t>
-            </a:r>
-            <a:r>
-              <a:rPr lang="en-US" dirty="0" smtClean="0">
-                <a:latin typeface="Comic Sans MS" panose="030F0702030302020204" pitchFamily="66" charset="0"/>
-                <a:cs typeface="Consolas" panose="020B0609020204030204" pitchFamily="49" charset="0"/>
-              </a:rPr>
-              <a:t>[</a:t>
-            </a:r>
-            <a:r>
-              <a:rPr lang="en-US" dirty="0" err="1" smtClean="0">
-                <a:latin typeface="Comic Sans MS" panose="030F0702030302020204" pitchFamily="66" charset="0"/>
-                <a:cs typeface="Consolas" panose="020B0609020204030204" pitchFamily="49" charset="0"/>
-              </a:rPr>
-              <a:t>String,String</a:t>
-            </a:r>
-            <a:r>
-              <a:rPr lang="en-US" dirty="0" smtClean="0">
-                <a:latin typeface="Comic Sans MS" panose="030F0702030302020204" pitchFamily="66" charset="0"/>
-                <a:cs typeface="Consolas" panose="020B0609020204030204" pitchFamily="49" charset="0"/>
-              </a:rPr>
-              <a:t>]</a:t>
-            </a:r>
-          </a:p>
-          <a:p>
-            <a:pPr lvl="1"/>
-            <a:r>
-              <a:rPr lang="en-US" dirty="0" smtClean="0">
-                <a:latin typeface="Comic Sans MS" panose="030F0702030302020204" pitchFamily="66" charset="0"/>
-                <a:cs typeface="Consolas" panose="020B0609020204030204" pitchFamily="49" charset="0"/>
-              </a:rPr>
-              <a:t>  map</a:t>
-            </a:r>
-            <a:r>
-              <a:rPr lang="en-US" dirty="0">
-                <a:latin typeface="Comic Sans MS" panose="030F0702030302020204" pitchFamily="66" charset="0"/>
-                <a:cs typeface="Consolas" panose="020B0609020204030204" pitchFamily="49" charset="0"/>
-              </a:rPr>
-              <a:t>+=(("</a:t>
-            </a:r>
-            <a:r>
-              <a:rPr lang="en-US" dirty="0" err="1">
-                <a:latin typeface="Comic Sans MS" panose="030F0702030302020204" pitchFamily="66" charset="0"/>
-                <a:cs typeface="Consolas" panose="020B0609020204030204" pitchFamily="49" charset="0"/>
-              </a:rPr>
-              <a:t>x","y</a:t>
-            </a:r>
-            <a:r>
-              <a:rPr lang="en-US" dirty="0" smtClean="0">
-                <a:latin typeface="Comic Sans MS" panose="030F0702030302020204" pitchFamily="66" charset="0"/>
-                <a:cs typeface="Consolas" panose="020B0609020204030204" pitchFamily="49" charset="0"/>
-              </a:rPr>
-              <a:t>"))</a:t>
-            </a:r>
-          </a:p>
-          <a:p>
-            <a:pPr lvl="1"/>
-            <a:r>
-              <a:rPr lang="en-US" dirty="0" smtClean="0">
-                <a:latin typeface="Comic Sans MS" panose="030F0702030302020204" pitchFamily="66" charset="0"/>
-                <a:cs typeface="Consolas" panose="020B0609020204030204" pitchFamily="49" charset="0"/>
-              </a:rPr>
-              <a:t>  </a:t>
-            </a:r>
-            <a:r>
-              <a:rPr lang="en-US" dirty="0" err="1" smtClean="0">
-                <a:latin typeface="Comic Sans MS" panose="030F0702030302020204" pitchFamily="66" charset="0"/>
-                <a:cs typeface="Consolas" panose="020B0609020204030204" pitchFamily="49" charset="0"/>
-              </a:rPr>
-              <a:t>map.result</a:t>
-            </a:r>
-            <a:endParaRPr lang="en-US" dirty="0" smtClean="0">
-              <a:latin typeface="Comic Sans MS" panose="030F0702030302020204" pitchFamily="66" charset="0"/>
-              <a:cs typeface="Consolas" panose="020B0609020204030204" pitchFamily="49" charset="0"/>
+              <a:rPr lang="en-US" sz="900" dirty="0">
+                <a:solidFill>
+                  <a:srgbClr val="0070C0"/>
+                </a:solidFill>
+                <a:latin typeface="Courier New" panose="02070309020205020404" pitchFamily="49" charset="0"/>
+                <a:cs typeface="Courier New" panose="02070309020205020404" pitchFamily="49" charset="0"/>
+              </a:rPr>
+              <a:t>result = Apply(Select(Ident(</a:t>
+            </a:r>
+            <a:r>
+              <a:rPr lang="en-US" sz="900" dirty="0" err="1">
+                <a:solidFill>
+                  <a:srgbClr val="0070C0"/>
+                </a:solidFill>
+                <a:latin typeface="Courier New" panose="02070309020205020404" pitchFamily="49" charset="0"/>
+                <a:cs typeface="Courier New" panose="02070309020205020404" pitchFamily="49" charset="0"/>
+              </a:rPr>
+              <a:t>builderVariable</a:t>
+            </a:r>
+            <a:r>
+              <a:rPr lang="en-US" sz="900" dirty="0">
+                <a:solidFill>
+                  <a:srgbClr val="0070C0"/>
+                </a:solidFill>
+                <a:latin typeface="Courier New" panose="02070309020205020404" pitchFamily="49" charset="0"/>
+                <a:cs typeface="Courier New" panose="02070309020205020404" pitchFamily="49" charset="0"/>
+              </a:rPr>
+              <a:t>), </a:t>
+            </a:r>
+            <a:r>
+              <a:rPr lang="en-US" sz="900" dirty="0" err="1">
+                <a:solidFill>
+                  <a:srgbClr val="0070C0"/>
+                </a:solidFill>
+                <a:latin typeface="Courier New" panose="02070309020205020404" pitchFamily="49" charset="0"/>
+                <a:cs typeface="Courier New" panose="02070309020205020404" pitchFamily="49" charset="0"/>
+              </a:rPr>
+              <a:t>TermName</a:t>
+            </a:r>
+            <a:r>
+              <a:rPr lang="en-US" sz="900" dirty="0">
+                <a:solidFill>
+                  <a:srgbClr val="0070C0"/>
+                </a:solidFill>
+                <a:latin typeface="Courier New" panose="02070309020205020404" pitchFamily="49" charset="0"/>
+                <a:cs typeface="Courier New" panose="02070309020205020404" pitchFamily="49" charset="0"/>
+              </a:rPr>
+              <a:t>("result")), List())</a:t>
+            </a:r>
+          </a:p>
+          <a:p>
+            <a:endParaRPr lang="en-US" sz="900" dirty="0">
+              <a:solidFill>
+                <a:srgbClr val="0070C0"/>
+              </a:solidFill>
+              <a:latin typeface="Courier New" panose="02070309020205020404" pitchFamily="49" charset="0"/>
+              <a:cs typeface="Courier New" panose="02070309020205020404" pitchFamily="49" charset="0"/>
             </a:endParaRPr>
           </a:p>
           <a:p>
-            <a:pPr lvl="1"/>
-            <a:r>
-              <a:rPr lang="en-US" dirty="0" smtClean="0">
-                <a:latin typeface="Comic Sans MS" panose="030F0702030302020204" pitchFamily="66" charset="0"/>
-                <a:cs typeface="Consolas" panose="020B0609020204030204" pitchFamily="49" charset="0"/>
+            <a:r>
+              <a:rPr lang="en-US" sz="900" dirty="0" err="1" smtClean="0">
+                <a:solidFill>
+                  <a:srgbClr val="0070C0"/>
+                </a:solidFill>
+                <a:latin typeface="Courier New" panose="02070309020205020404" pitchFamily="49" charset="0"/>
+                <a:cs typeface="Courier New" panose="02070309020205020404" pitchFamily="49" charset="0"/>
+              </a:rPr>
+              <a:t>c.Expr</a:t>
+            </a:r>
+            <a:r>
+              <a:rPr lang="en-US" sz="900" dirty="0" smtClean="0">
+                <a:solidFill>
+                  <a:srgbClr val="0070C0"/>
+                </a:solidFill>
+                <a:latin typeface="Courier New" panose="02070309020205020404" pitchFamily="49" charset="0"/>
+                <a:cs typeface="Courier New" panose="02070309020205020404" pitchFamily="49" charset="0"/>
+              </a:rPr>
+              <a:t>[Map[String</a:t>
+            </a:r>
+            <a:r>
+              <a:rPr lang="en-US" sz="900" dirty="0">
+                <a:solidFill>
+                  <a:srgbClr val="0070C0"/>
+                </a:solidFill>
+                <a:latin typeface="Courier New" panose="02070309020205020404" pitchFamily="49" charset="0"/>
+                <a:cs typeface="Courier New" panose="02070309020205020404" pitchFamily="49" charset="0"/>
+              </a:rPr>
+              <a:t>, String]](Block(</a:t>
+            </a:r>
+          </a:p>
+          <a:p>
+            <a:r>
+              <a:rPr lang="en-US" sz="900" dirty="0" smtClean="0">
+                <a:solidFill>
+                  <a:srgbClr val="0070C0"/>
+                </a:solidFill>
+                <a:latin typeface="Courier New" panose="02070309020205020404" pitchFamily="49" charset="0"/>
+                <a:cs typeface="Courier New" panose="02070309020205020404" pitchFamily="49" charset="0"/>
+              </a:rPr>
+              <a:t>  define </a:t>
+            </a:r>
+            <a:r>
+              <a:rPr lang="en-US" sz="900" dirty="0">
+                <a:solidFill>
+                  <a:srgbClr val="0070C0"/>
+                </a:solidFill>
+                <a:latin typeface="Courier New" panose="02070309020205020404" pitchFamily="49" charset="0"/>
+                <a:cs typeface="Courier New" panose="02070309020205020404" pitchFamily="49" charset="0"/>
+              </a:rPr>
+              <a:t>:: adds, </a:t>
+            </a:r>
+            <a:r>
+              <a:rPr lang="en-US" sz="900" dirty="0" smtClean="0">
+                <a:solidFill>
+                  <a:srgbClr val="0070C0"/>
+                </a:solidFill>
+                <a:latin typeface="Courier New" panose="02070309020205020404" pitchFamily="49" charset="0"/>
+                <a:cs typeface="Courier New" panose="02070309020205020404" pitchFamily="49" charset="0"/>
+              </a:rPr>
+              <a:t>result</a:t>
+            </a:r>
+          </a:p>
+          <a:p>
+            <a:r>
+              <a:rPr lang="en-US" sz="900" dirty="0" smtClean="0">
+                <a:solidFill>
+                  <a:srgbClr val="0070C0"/>
+                </a:solidFill>
+                <a:latin typeface="Courier New" panose="02070309020205020404" pitchFamily="49" charset="0"/>
+                <a:cs typeface="Courier New" panose="02070309020205020404" pitchFamily="49" charset="0"/>
+              </a:rPr>
+              <a:t> ))</a:t>
+            </a:r>
+          </a:p>
+          <a:p>
+            <a:r>
+              <a:rPr lang="en-US" sz="900" dirty="0" smtClean="0">
+                <a:solidFill>
+                  <a:srgbClr val="92D050"/>
+                </a:solidFill>
+                <a:latin typeface="Courier New" panose="02070309020205020404" pitchFamily="49" charset="0"/>
+                <a:cs typeface="Courier New" panose="02070309020205020404" pitchFamily="49" charset="0"/>
               </a:rPr>
               <a:t>}</a:t>
             </a:r>
-            <a:endParaRPr lang="en-US" dirty="0">
-              <a:latin typeface="Comic Sans MS" panose="030F0702030302020204" pitchFamily="66" charset="0"/>
-              <a:cs typeface="Consolas" panose="020B0609020204030204" pitchFamily="49" charset="0"/>
+            <a:endParaRPr lang="en-US" sz="900" dirty="0">
+              <a:solidFill>
+                <a:srgbClr val="92D050"/>
+              </a:solidFill>
+              <a:latin typeface="Courier New" panose="02070309020205020404" pitchFamily="49" charset="0"/>
+              <a:cs typeface="Courier New" panose="02070309020205020404" pitchFamily="49" charset="0"/>
             </a:endParaRPr>
-          </a:p>
-          <a:p>
-            <a:pPr marL="285750" indent="-285750">
-              <a:buFont typeface="Arial" panose="020B0604020202020204" pitchFamily="34" charset="0"/>
-              <a:buChar char="•"/>
-            </a:pPr>
-            <a:r>
-              <a:rPr lang="en-US" dirty="0" err="1" smtClean="0">
-                <a:latin typeface="Comic Sans MS" panose="030F0702030302020204" pitchFamily="66" charset="0"/>
-                <a:cs typeface="Consolas" panose="020B0609020204030204" pitchFamily="49" charset="0"/>
-              </a:rPr>
-              <a:t>Quasiquotes</a:t>
-            </a:r>
-            <a:r>
-              <a:rPr lang="en-US" dirty="0" smtClean="0">
-                <a:latin typeface="Comic Sans MS" panose="030F0702030302020204" pitchFamily="66" charset="0"/>
-                <a:cs typeface="Consolas" panose="020B0609020204030204" pitchFamily="49" charset="0"/>
-              </a:rPr>
-              <a:t> help generated </a:t>
-            </a:r>
-            <a:r>
-              <a:rPr lang="en-US" b="1" dirty="0" smtClean="0">
-                <a:latin typeface="Comic Sans MS" panose="030F0702030302020204" pitchFamily="66" charset="0"/>
-                <a:cs typeface="Consolas" panose="020B0609020204030204" pitchFamily="49" charset="0"/>
-              </a:rPr>
-              <a:t>fragments</a:t>
-            </a:r>
-            <a:r>
-              <a:rPr lang="en-US" dirty="0" smtClean="0">
-                <a:latin typeface="Comic Sans MS" panose="030F0702030302020204" pitchFamily="66" charset="0"/>
-                <a:cs typeface="Consolas" panose="020B0609020204030204" pitchFamily="49" charset="0"/>
-              </a:rPr>
-              <a:t> of code </a:t>
-            </a:r>
-          </a:p>
-          <a:p>
-            <a:pPr marL="742950" lvl="1" indent="-285750">
-              <a:buFont typeface="Arial" panose="020B0604020202020204" pitchFamily="34" charset="0"/>
-              <a:buChar char="•"/>
-            </a:pPr>
-            <a:r>
-              <a:rPr lang="en-US" dirty="0" smtClean="0">
-                <a:latin typeface="Comic Sans MS" panose="030F0702030302020204" pitchFamily="66" charset="0"/>
-                <a:cs typeface="Consolas" panose="020B0609020204030204" pitchFamily="49" charset="0"/>
-              </a:rPr>
-              <a:t>(more on that later)</a:t>
-            </a:r>
           </a:p>
         </p:txBody>
       </p:sp>
     </p:spTree>
     <p:extLst>
       <p:ext uri="{BB962C8B-B14F-4D97-AF65-F5344CB8AC3E}">
-        <p14:creationId xmlns:p14="http://schemas.microsoft.com/office/powerpoint/2010/main" val="3466749316"/>
+        <p14:creationId xmlns:p14="http://schemas.microsoft.com/office/powerpoint/2010/main" val="3300286505"/>
       </p:ext>
     </p:extLst>
   </p:cSld>
@@ -10892,16 +12151,15 @@
           <a:p>
             <a:pPr algn="l"/>
             <a:r>
-              <a:rPr lang="en-GB" dirty="0" smtClean="0">
+              <a:rPr lang="en-US" dirty="0" err="1" smtClean="0">
                 <a:solidFill>
                   <a:schemeClr val="bg1">
                     <a:lumMod val="50000"/>
                   </a:schemeClr>
                 </a:solidFill>
                 <a:latin typeface="Comic Sans MS"/>
-                <a:cs typeface="Comic Sans MS"/>
-              </a:rPr>
-              <a:t>A simple macro example</a:t>
+              </a:rPr>
+              <a:t>Quasiquotes</a:t>
             </a:r>
             <a:endParaRPr lang="en-US" dirty="0"/>
           </a:p>
@@ -10909,1424 +12167,441 @@
       </p:sp>
       <p:sp>
         <p:nvSpPr>
-          <p:cNvPr id="7" name="Rectangle 6"/>
-          <p:cNvSpPr/>
+          <p:cNvPr id="4" name="TextBox 3"/>
+          <p:cNvSpPr txBox="1"/>
           <p:nvPr/>
         </p:nvSpPr>
         <p:spPr>
           <a:xfrm>
-            <a:off x="457199" y="1417638"/>
-            <a:ext cx="3823687" cy="360040"/>
+            <a:off x="563672" y="1691014"/>
+            <a:ext cx="7818328" cy="5909310"/>
           </a:xfrm>
           <a:prstGeom prst="rect">
             <a:avLst/>
           </a:prstGeom>
+          <a:noFill/>
         </p:spPr>
-        <p:style>
-          <a:lnRef idx="2">
-            <a:schemeClr val="accent1"/>
-          </a:lnRef>
-          <a:fillRef idx="1">
-            <a:schemeClr val="lt1"/>
-          </a:fillRef>
-          <a:effectRef idx="0">
-            <a:schemeClr val="accent1"/>
-          </a:effectRef>
-          <a:fontRef idx="minor">
-            <a:schemeClr val="dk1"/>
-          </a:fontRef>
-        </p:style>
         <p:txBody>
-          <a:bodyPr rtlCol="0" anchor="ctr"/>
-          <a:lstStyle/>
-          <a:p>
-            <a:pPr algn="ctr"/>
-            <a:r>
-              <a:rPr lang="en-GB" dirty="0" err="1"/>
-              <a:t>LoadProperties.scala</a:t>
-            </a:r>
-            <a:endParaRPr lang="en-US" dirty="0"/>
-          </a:p>
-        </p:txBody>
-      </p:sp>
-      <p:sp>
-        <p:nvSpPr>
-          <p:cNvPr id="8" name="Rectangle 7"/>
-          <p:cNvSpPr/>
-          <p:nvPr/>
-        </p:nvSpPr>
-        <p:spPr>
-          <a:xfrm>
-            <a:off x="457200" y="1751582"/>
-            <a:ext cx="8229600" cy="4801314"/>
-          </a:xfrm>
-          <a:prstGeom prst="rect">
-            <a:avLst/>
-          </a:prstGeom>
-        </p:spPr>
-        <p:style>
-          <a:lnRef idx="3">
-            <a:schemeClr val="lt1"/>
-          </a:lnRef>
-          <a:fillRef idx="1">
-            <a:schemeClr val="dk1"/>
-          </a:fillRef>
-          <a:effectRef idx="1">
-            <a:schemeClr val="dk1"/>
-          </a:effectRef>
-          <a:fontRef idx="minor">
-            <a:schemeClr val="lt1"/>
-          </a:fontRef>
-        </p:style>
-        <p:txBody>
-          <a:bodyPr wrap="square" rtlCol="0" anchor="t">
+          <a:bodyPr wrap="square" rtlCol="0">
             <a:spAutoFit/>
           </a:bodyPr>
           <a:lstStyle/>
           <a:p>
-            <a:r>
-              <a:rPr lang="en-US" sz="900" dirty="0" err="1" smtClean="0">
-                <a:solidFill>
-                  <a:srgbClr val="92D050"/>
-                </a:solidFill>
-                <a:latin typeface="Courier New" panose="02070309020205020404" pitchFamily="49" charset="0"/>
-                <a:cs typeface="Courier New" panose="02070309020205020404" pitchFamily="49" charset="0"/>
-              </a:rPr>
-              <a:t>def</a:t>
-            </a:r>
-            <a:r>
-              <a:rPr lang="en-US" sz="900" dirty="0" smtClean="0">
-                <a:solidFill>
-                  <a:srgbClr val="92D050"/>
-                </a:solidFill>
-                <a:latin typeface="Courier New" panose="02070309020205020404" pitchFamily="49" charset="0"/>
-                <a:cs typeface="Courier New" panose="02070309020205020404" pitchFamily="49" charset="0"/>
+            <a:pPr marL="285750" indent="-285750">
+              <a:buFont typeface="Arial" panose="020B0604020202020204" pitchFamily="34" charset="0"/>
+              <a:buChar char="•"/>
+            </a:pPr>
+            <a:r>
+              <a:rPr lang="en-US" dirty="0" smtClean="0">
+                <a:latin typeface="Comic Sans MS" panose="030F0702030302020204" pitchFamily="66" charset="0"/>
+                <a:cs typeface="Consolas" panose="020B0609020204030204" pitchFamily="49" charset="0"/>
+              </a:rPr>
+              <a:t>Introduced in Scala 2.11.</a:t>
+            </a:r>
+          </a:p>
+          <a:p>
+            <a:pPr marL="285750" indent="-285750">
+              <a:buFont typeface="Arial" panose="020B0604020202020204" pitchFamily="34" charset="0"/>
+              <a:buChar char="•"/>
+            </a:pPr>
+            <a:r>
+              <a:rPr lang="en-US" dirty="0" smtClean="0">
+                <a:latin typeface="Comic Sans MS" panose="030F0702030302020204" pitchFamily="66" charset="0"/>
+                <a:cs typeface="Consolas" panose="020B0609020204030204" pitchFamily="49" charset="0"/>
+              </a:rPr>
+              <a:t>Converts to program text to code </a:t>
+            </a:r>
+            <a:r>
+              <a:rPr lang="en-US" b="1" dirty="0" smtClean="0">
+                <a:latin typeface="Comic Sans MS" panose="030F0702030302020204" pitchFamily="66" charset="0"/>
+                <a:cs typeface="Consolas" panose="020B0609020204030204" pitchFamily="49" charset="0"/>
+              </a:rPr>
+              <a:t>fragments</a:t>
+            </a:r>
+            <a:r>
+              <a:rPr lang="en-US" dirty="0" smtClean="0">
+                <a:latin typeface="Comic Sans MS" panose="030F0702030302020204" pitchFamily="66" charset="0"/>
+                <a:cs typeface="Consolas" panose="020B0609020204030204" pitchFamily="49" charset="0"/>
+              </a:rPr>
+              <a:t>. </a:t>
+            </a:r>
+          </a:p>
+          <a:p>
+            <a:pPr marL="742950" lvl="1" indent="-285750">
+              <a:buFont typeface="Arial" panose="020B0604020202020204" pitchFamily="34" charset="0"/>
+              <a:buChar char="•"/>
+            </a:pPr>
+            <a:r>
+              <a:rPr lang="en-US" dirty="0" smtClean="0">
+                <a:latin typeface="Comic Sans MS" panose="030F0702030302020204" pitchFamily="66" charset="0"/>
+                <a:cs typeface="Consolas" panose="020B0609020204030204" pitchFamily="49" charset="0"/>
+              </a:rPr>
+              <a:t>Does not have to be a complete block !!!</a:t>
+            </a:r>
+          </a:p>
+          <a:p>
+            <a:pPr marL="742950" lvl="1" indent="-285750">
+              <a:buFont typeface="Arial" panose="020B0604020202020204" pitchFamily="34" charset="0"/>
+              <a:buChar char="•"/>
+            </a:pPr>
+            <a:r>
+              <a:rPr lang="en-US" dirty="0">
+                <a:latin typeface="Comic Sans MS" panose="030F0702030302020204" pitchFamily="66" charset="0"/>
+                <a:cs typeface="Consolas" panose="020B0609020204030204" pitchFamily="49" charset="0"/>
+              </a:rPr>
+              <a:t>q</a:t>
+            </a:r>
+            <a:r>
+              <a:rPr lang="en-US" dirty="0" smtClean="0">
+                <a:latin typeface="Comic Sans MS" panose="030F0702030302020204" pitchFamily="66" charset="0"/>
+                <a:cs typeface="Consolas" panose="020B0609020204030204" pitchFamily="49" charset="0"/>
+              </a:rPr>
+              <a:t>”…” for code (most common)</a:t>
+            </a:r>
+          </a:p>
+          <a:p>
+            <a:pPr marL="742950" lvl="1" indent="-285750">
+              <a:buFont typeface="Arial" panose="020B0604020202020204" pitchFamily="34" charset="0"/>
+              <a:buChar char="•"/>
+            </a:pPr>
+            <a:r>
+              <a:rPr lang="en-US" dirty="0" err="1">
+                <a:latin typeface="Comic Sans MS" panose="030F0702030302020204" pitchFamily="66" charset="0"/>
+                <a:cs typeface="Consolas" panose="020B0609020204030204" pitchFamily="49" charset="0"/>
+              </a:rPr>
+              <a:t>t</a:t>
+            </a:r>
+            <a:r>
+              <a:rPr lang="en-US" dirty="0" err="1" smtClean="0">
+                <a:latin typeface="Comic Sans MS" panose="030F0702030302020204" pitchFamily="66" charset="0"/>
+                <a:cs typeface="Consolas" panose="020B0609020204030204" pitchFamily="49" charset="0"/>
+              </a:rPr>
+              <a:t>q</a:t>
+            </a:r>
+            <a:r>
+              <a:rPr lang="en-US" dirty="0" smtClean="0">
+                <a:latin typeface="Comic Sans MS" panose="030F0702030302020204" pitchFamily="66" charset="0"/>
+                <a:cs typeface="Consolas" panose="020B0609020204030204" pitchFamily="49" charset="0"/>
+              </a:rPr>
+              <a:t>”…” for types</a:t>
+            </a:r>
+          </a:p>
+          <a:p>
+            <a:pPr marL="742950" lvl="1" indent="-285750">
+              <a:buFont typeface="Arial" panose="020B0604020202020204" pitchFamily="34" charset="0"/>
+              <a:buChar char="•"/>
+            </a:pPr>
+            <a:r>
+              <a:rPr lang="en-US" dirty="0" err="1">
+                <a:latin typeface="Comic Sans MS" panose="030F0702030302020204" pitchFamily="66" charset="0"/>
+                <a:cs typeface="Consolas" panose="020B0609020204030204" pitchFamily="49" charset="0"/>
+              </a:rPr>
+              <a:t>p</a:t>
+            </a:r>
+            <a:r>
+              <a:rPr lang="en-US" dirty="0" err="1" smtClean="0">
+                <a:latin typeface="Comic Sans MS" panose="030F0702030302020204" pitchFamily="66" charset="0"/>
+                <a:cs typeface="Consolas" panose="020B0609020204030204" pitchFamily="49" charset="0"/>
+              </a:rPr>
+              <a:t>q</a:t>
+            </a:r>
+            <a:r>
+              <a:rPr lang="en-US" dirty="0" smtClean="0">
+                <a:latin typeface="Comic Sans MS" panose="030F0702030302020204" pitchFamily="66" charset="0"/>
+                <a:cs typeface="Consolas" panose="020B0609020204030204" pitchFamily="49" charset="0"/>
+              </a:rPr>
+              <a:t>”…” for patterns (pattern matching)</a:t>
+            </a:r>
+          </a:p>
+          <a:p>
+            <a:pPr marL="285750" indent="-285750">
+              <a:buFont typeface="Arial" panose="020B0604020202020204" pitchFamily="34" charset="0"/>
+              <a:buChar char="•"/>
+            </a:pPr>
+            <a:r>
+              <a:rPr lang="en-US" dirty="0" smtClean="0">
+                <a:latin typeface="Comic Sans MS" panose="030F0702030302020204" pitchFamily="66" charset="0"/>
+                <a:cs typeface="Consolas" panose="020B0609020204030204" pitchFamily="49" charset="0"/>
+              </a:rPr>
+              <a:t>Makes macro creation easier and much shorter</a:t>
+            </a:r>
+          </a:p>
+          <a:p>
+            <a:pPr marL="285750" indent="-285750">
+              <a:buFont typeface="Arial" panose="020B0604020202020204" pitchFamily="34" charset="0"/>
+              <a:buChar char="•"/>
+            </a:pPr>
+            <a:r>
+              <a:rPr lang="en-US" dirty="0" smtClean="0">
+                <a:latin typeface="Comic Sans MS" panose="030F0702030302020204" pitchFamily="66" charset="0"/>
+                <a:cs typeface="Consolas" panose="020B0609020204030204" pitchFamily="49" charset="0"/>
+              </a:rPr>
+              <a:t>Can </a:t>
+            </a:r>
+            <a:r>
+              <a:rPr lang="en-US" b="1" dirty="0" smtClean="0">
+                <a:latin typeface="Comic Sans MS" panose="030F0702030302020204" pitchFamily="66" charset="0"/>
+                <a:cs typeface="Consolas" panose="020B0609020204030204" pitchFamily="49" charset="0"/>
+              </a:rPr>
+              <a:t>lift</a:t>
+            </a:r>
+            <a:r>
+              <a:rPr lang="en-US" dirty="0" smtClean="0">
+                <a:latin typeface="Comic Sans MS" panose="030F0702030302020204" pitchFamily="66" charset="0"/>
+                <a:cs typeface="Consolas" panose="020B0609020204030204" pitchFamily="49" charset="0"/>
+              </a:rPr>
+              <a:t> values into the AST</a:t>
+            </a:r>
+          </a:p>
+          <a:p>
+            <a:pPr marL="742950" lvl="1" indent="-285750">
+              <a:buFont typeface="Arial" panose="020B0604020202020204" pitchFamily="34" charset="0"/>
+              <a:buChar char="•"/>
+            </a:pPr>
+            <a:r>
+              <a:rPr lang="en-US" dirty="0" smtClean="0">
+                <a:latin typeface="Comic Sans MS" panose="030F0702030302020204" pitchFamily="66" charset="0"/>
+                <a:cs typeface="Consolas" panose="020B0609020204030204" pitchFamily="49" charset="0"/>
+              </a:rPr>
+              <a:t>Creates code that will return the value</a:t>
+            </a:r>
+          </a:p>
+          <a:p>
+            <a:pPr marL="742950" lvl="1" indent="-285750">
+              <a:buFont typeface="Arial" panose="020B0604020202020204" pitchFamily="34" charset="0"/>
+              <a:buChar char="•"/>
+            </a:pPr>
+            <a:r>
+              <a:rPr lang="en-US" dirty="0" smtClean="0">
+                <a:latin typeface="Comic Sans MS" panose="030F0702030302020204" pitchFamily="66" charset="0"/>
+                <a:cs typeface="Consolas" panose="020B0609020204030204" pitchFamily="49" charset="0"/>
+              </a:rPr>
+              <a:t>Supports </a:t>
+            </a:r>
+            <a:r>
+              <a:rPr lang="en-US" dirty="0">
+                <a:latin typeface="Comic Sans MS" panose="030F0702030302020204" pitchFamily="66" charset="0"/>
+                <a:cs typeface="Consolas" panose="020B0609020204030204" pitchFamily="49" charset="0"/>
+              </a:rPr>
+              <a:t>numbers, strings and some </a:t>
+            </a:r>
+            <a:r>
+              <a:rPr lang="en-US" dirty="0" smtClean="0">
+                <a:latin typeface="Comic Sans MS" panose="030F0702030302020204" pitchFamily="66" charset="0"/>
+                <a:cs typeface="Consolas" panose="020B0609020204030204" pitchFamily="49" charset="0"/>
+              </a:rPr>
+              <a:t>collections</a:t>
+            </a:r>
+          </a:p>
+          <a:p>
+            <a:pPr marL="742950" lvl="1" indent="-285750">
+              <a:buFont typeface="Arial" panose="020B0604020202020204" pitchFamily="34" charset="0"/>
+              <a:buChar char="•"/>
+            </a:pPr>
+            <a:r>
+              <a:rPr lang="en-US" dirty="0" smtClean="0">
+                <a:latin typeface="Comic Sans MS" panose="030F0702030302020204" pitchFamily="66" charset="0"/>
+                <a:cs typeface="Consolas" panose="020B0609020204030204" pitchFamily="49" charset="0"/>
+              </a:rPr>
+              <a:t>Can create custom </a:t>
+            </a:r>
+            <a:r>
+              <a:rPr lang="en-US" dirty="0" err="1" smtClean="0">
+                <a:latin typeface="Comic Sans MS" panose="030F0702030302020204" pitchFamily="66" charset="0"/>
+                <a:cs typeface="Consolas" panose="020B0609020204030204" pitchFamily="49" charset="0"/>
+              </a:rPr>
+              <a:t>Liftables</a:t>
+            </a:r>
+            <a:r>
+              <a:rPr lang="en-US" dirty="0" smtClean="0">
+                <a:latin typeface="Comic Sans MS" panose="030F0702030302020204" pitchFamily="66" charset="0"/>
+                <a:cs typeface="Consolas" panose="020B0609020204030204" pitchFamily="49" charset="0"/>
+              </a:rPr>
+              <a:t> for other types</a:t>
+            </a:r>
+          </a:p>
+          <a:p>
+            <a:pPr marL="285750" indent="-285750">
+              <a:buFont typeface="Arial" panose="020B0604020202020204" pitchFamily="34" charset="0"/>
+              <a:buChar char="•"/>
+            </a:pPr>
+            <a:r>
+              <a:rPr lang="en-US" dirty="0" smtClean="0">
+                <a:latin typeface="Comic Sans MS" panose="030F0702030302020204" pitchFamily="66" charset="0"/>
+                <a:cs typeface="Consolas" panose="020B0609020204030204" pitchFamily="49" charset="0"/>
+              </a:rPr>
+              <a:t>Can </a:t>
+            </a:r>
+            <a:r>
+              <a:rPr lang="en-US" b="1" dirty="0" err="1" smtClean="0">
+                <a:latin typeface="Comic Sans MS" panose="030F0702030302020204" pitchFamily="66" charset="0"/>
+                <a:cs typeface="Consolas" panose="020B0609020204030204" pitchFamily="49" charset="0"/>
+              </a:rPr>
+              <a:t>unlift</a:t>
+            </a:r>
+            <a:r>
+              <a:rPr lang="en-US" dirty="0" smtClean="0">
+                <a:latin typeface="Comic Sans MS" panose="030F0702030302020204" pitchFamily="66" charset="0"/>
+                <a:cs typeface="Consolas" panose="020B0609020204030204" pitchFamily="49" charset="0"/>
+              </a:rPr>
+              <a:t> constants from the AST</a:t>
+            </a:r>
+          </a:p>
+          <a:p>
+            <a:pPr marL="742950" lvl="1" indent="-285750">
+              <a:buFont typeface="Arial" panose="020B0604020202020204" pitchFamily="34" charset="0"/>
+              <a:buChar char="•"/>
+            </a:pPr>
+            <a:r>
+              <a:rPr lang="en-US" dirty="0" smtClean="0">
+                <a:latin typeface="Comic Sans MS" panose="030F0702030302020204" pitchFamily="66" charset="0"/>
+                <a:cs typeface="Consolas" panose="020B0609020204030204" pitchFamily="49" charset="0"/>
+              </a:rPr>
+              <a:t>Extracts constant values out of the AST</a:t>
+            </a:r>
+          </a:p>
+          <a:p>
+            <a:pPr marL="742950" lvl="1" indent="-285750">
+              <a:buFont typeface="Arial" panose="020B0604020202020204" pitchFamily="34" charset="0"/>
+              <a:buChar char="•"/>
+            </a:pPr>
+            <a:r>
+              <a:rPr lang="en-US" dirty="0">
+                <a:latin typeface="Comic Sans MS" panose="030F0702030302020204" pitchFamily="66" charset="0"/>
+                <a:cs typeface="Consolas" panose="020B0609020204030204" pitchFamily="49" charset="0"/>
+              </a:rPr>
+              <a:t>Supports </a:t>
+            </a:r>
+            <a:r>
+              <a:rPr lang="en-US" dirty="0" smtClean="0">
+                <a:latin typeface="Comic Sans MS" panose="030F0702030302020204" pitchFamily="66" charset="0"/>
+                <a:cs typeface="Consolas" panose="020B0609020204030204" pitchFamily="49" charset="0"/>
+              </a:rPr>
+              <a:t>numbers and </a:t>
+            </a:r>
+            <a:r>
+              <a:rPr lang="en-US" dirty="0">
+                <a:latin typeface="Comic Sans MS" panose="030F0702030302020204" pitchFamily="66" charset="0"/>
+                <a:cs typeface="Consolas" panose="020B0609020204030204" pitchFamily="49" charset="0"/>
+              </a:rPr>
+              <a:t>strings</a:t>
+            </a:r>
+            <a:endParaRPr lang="en-US" dirty="0" smtClean="0">
+              <a:latin typeface="Comic Sans MS" panose="030F0702030302020204" pitchFamily="66" charset="0"/>
+              <a:cs typeface="Consolas" panose="020B0609020204030204" pitchFamily="49" charset="0"/>
+            </a:endParaRPr>
+          </a:p>
+          <a:p>
+            <a:pPr marL="742950" lvl="1" indent="-285750">
+              <a:buFont typeface="Arial" panose="020B0604020202020204" pitchFamily="34" charset="0"/>
+              <a:buChar char="•"/>
+            </a:pPr>
+            <a:r>
+              <a:rPr lang="en-US" dirty="0">
+                <a:latin typeface="Comic Sans MS" panose="030F0702030302020204" pitchFamily="66" charset="0"/>
+                <a:cs typeface="Consolas" panose="020B0609020204030204" pitchFamily="49" charset="0"/>
+              </a:rPr>
+              <a:t>Can create custom </a:t>
+            </a:r>
+            <a:r>
+              <a:rPr lang="en-US" dirty="0" err="1" smtClean="0">
+                <a:latin typeface="Comic Sans MS" panose="030F0702030302020204" pitchFamily="66" charset="0"/>
+                <a:cs typeface="Consolas" panose="020B0609020204030204" pitchFamily="49" charset="0"/>
+              </a:rPr>
+              <a:t>Unliftables</a:t>
+            </a:r>
+            <a:r>
+              <a:rPr lang="en-US" dirty="0" smtClean="0">
+                <a:latin typeface="Comic Sans MS" panose="030F0702030302020204" pitchFamily="66" charset="0"/>
+                <a:cs typeface="Consolas" panose="020B0609020204030204" pitchFamily="49" charset="0"/>
               </a:rPr>
               <a:t> </a:t>
             </a:r>
             <a:r>
-              <a:rPr lang="en-US" sz="900" dirty="0" err="1">
-                <a:solidFill>
-                  <a:srgbClr val="92D050"/>
-                </a:solidFill>
-                <a:latin typeface="Courier New" panose="02070309020205020404" pitchFamily="49" charset="0"/>
-                <a:cs typeface="Courier New" panose="02070309020205020404" pitchFamily="49" charset="0"/>
-              </a:rPr>
-              <a:t>loadPropertiesWithoutQ</a:t>
-            </a:r>
-            <a:r>
-              <a:rPr lang="en-US" sz="900" dirty="0">
-                <a:solidFill>
-                  <a:srgbClr val="92D050"/>
-                </a:solidFill>
-                <a:latin typeface="Courier New" panose="02070309020205020404" pitchFamily="49" charset="0"/>
-                <a:cs typeface="Courier New" panose="02070309020205020404" pitchFamily="49" charset="0"/>
-              </a:rPr>
-              <a:t>(file: String): Map[String, String] = macro </a:t>
-            </a:r>
-            <a:r>
-              <a:rPr lang="en-US" sz="900" dirty="0" err="1">
-                <a:solidFill>
-                  <a:srgbClr val="92D050"/>
-                </a:solidFill>
-                <a:latin typeface="Courier New" panose="02070309020205020404" pitchFamily="49" charset="0"/>
-                <a:cs typeface="Courier New" panose="02070309020205020404" pitchFamily="49" charset="0"/>
-              </a:rPr>
-              <a:t>loadPropertiesWithoutQImpl</a:t>
-            </a:r>
-            <a:endParaRPr lang="en-US" sz="900" dirty="0">
-              <a:solidFill>
-                <a:srgbClr val="92D050"/>
-              </a:solidFill>
-              <a:latin typeface="Courier New" panose="02070309020205020404" pitchFamily="49" charset="0"/>
-              <a:cs typeface="Courier New" panose="02070309020205020404" pitchFamily="49" charset="0"/>
+              <a:rPr lang="en-US" dirty="0">
+                <a:latin typeface="Comic Sans MS" panose="030F0702030302020204" pitchFamily="66" charset="0"/>
+                <a:cs typeface="Consolas" panose="020B0609020204030204" pitchFamily="49" charset="0"/>
+              </a:rPr>
+              <a:t>for other types</a:t>
+            </a:r>
+            <a:endParaRPr lang="en-US" dirty="0">
+              <a:latin typeface="Comic Sans MS" panose="030F0702030302020204" pitchFamily="66" charset="0"/>
+              <a:cs typeface="Consolas" panose="020B0609020204030204" pitchFamily="49" charset="0"/>
             </a:endParaRPr>
           </a:p>
           <a:p>
-            <a:endParaRPr lang="en-US" sz="900" dirty="0">
-              <a:solidFill>
-                <a:srgbClr val="92D050"/>
-              </a:solidFill>
-              <a:latin typeface="Courier New" panose="02070309020205020404" pitchFamily="49" charset="0"/>
-              <a:cs typeface="Courier New" panose="02070309020205020404" pitchFamily="49" charset="0"/>
+            <a:pPr marL="285750" indent="-285750">
+              <a:buFont typeface="Arial" panose="020B0604020202020204" pitchFamily="34" charset="0"/>
+              <a:buChar char="•"/>
+            </a:pPr>
+            <a:endParaRPr lang="en-US" dirty="0" smtClean="0">
+              <a:latin typeface="Comic Sans MS" panose="030F0702030302020204" pitchFamily="66" charset="0"/>
+              <a:cs typeface="Consolas" panose="020B0609020204030204" pitchFamily="49" charset="0"/>
             </a:endParaRPr>
           </a:p>
           <a:p>
-            <a:r>
-              <a:rPr lang="en-US" sz="900" dirty="0" err="1" smtClean="0">
-                <a:solidFill>
-                  <a:srgbClr val="92D050"/>
-                </a:solidFill>
-                <a:latin typeface="Courier New" panose="02070309020205020404" pitchFamily="49" charset="0"/>
-                <a:cs typeface="Courier New" panose="02070309020205020404" pitchFamily="49" charset="0"/>
-              </a:rPr>
-              <a:t>def</a:t>
-            </a:r>
-            <a:r>
-              <a:rPr lang="en-US" sz="900" dirty="0" smtClean="0">
-                <a:solidFill>
-                  <a:srgbClr val="92D050"/>
-                </a:solidFill>
-                <a:latin typeface="Courier New" panose="02070309020205020404" pitchFamily="49" charset="0"/>
-                <a:cs typeface="Courier New" panose="02070309020205020404" pitchFamily="49" charset="0"/>
-              </a:rPr>
-              <a:t> </a:t>
-            </a:r>
-            <a:r>
-              <a:rPr lang="en-US" sz="900" dirty="0" err="1">
-                <a:solidFill>
-                  <a:srgbClr val="92D050"/>
-                </a:solidFill>
-                <a:latin typeface="Courier New" panose="02070309020205020404" pitchFamily="49" charset="0"/>
-                <a:cs typeface="Courier New" panose="02070309020205020404" pitchFamily="49" charset="0"/>
-              </a:rPr>
-              <a:t>loadPropertiesWithoutQImpl</a:t>
-            </a:r>
-            <a:r>
-              <a:rPr lang="en-US" sz="900" dirty="0">
-                <a:solidFill>
-                  <a:srgbClr val="92D050"/>
-                </a:solidFill>
-                <a:latin typeface="Courier New" panose="02070309020205020404" pitchFamily="49" charset="0"/>
-                <a:cs typeface="Courier New" panose="02070309020205020404" pitchFamily="49" charset="0"/>
-              </a:rPr>
-              <a:t>(c: Context)(file: </a:t>
-            </a:r>
-            <a:r>
-              <a:rPr lang="en-US" sz="900" dirty="0" err="1">
-                <a:solidFill>
-                  <a:srgbClr val="92D050"/>
-                </a:solidFill>
-                <a:latin typeface="Courier New" panose="02070309020205020404" pitchFamily="49" charset="0"/>
-                <a:cs typeface="Courier New" panose="02070309020205020404" pitchFamily="49" charset="0"/>
-              </a:rPr>
-              <a:t>c.Expr</a:t>
-            </a:r>
-            <a:r>
-              <a:rPr lang="en-US" sz="900" dirty="0">
-                <a:solidFill>
-                  <a:srgbClr val="92D050"/>
-                </a:solidFill>
-                <a:latin typeface="Courier New" panose="02070309020205020404" pitchFamily="49" charset="0"/>
-                <a:cs typeface="Courier New" panose="02070309020205020404" pitchFamily="49" charset="0"/>
-              </a:rPr>
-              <a:t>[String]) = {</a:t>
-            </a:r>
-          </a:p>
-          <a:p>
-            <a:r>
-              <a:rPr lang="en-US" sz="900" dirty="0" smtClean="0">
-                <a:solidFill>
-                  <a:srgbClr val="92D050"/>
-                </a:solidFill>
-                <a:latin typeface="Courier New" panose="02070309020205020404" pitchFamily="49" charset="0"/>
-                <a:cs typeface="Courier New" panose="02070309020205020404" pitchFamily="49" charset="0"/>
-              </a:rPr>
-              <a:t>import </a:t>
-            </a:r>
-            <a:r>
-              <a:rPr lang="en-US" sz="900" dirty="0" err="1">
-                <a:solidFill>
-                  <a:srgbClr val="92D050"/>
-                </a:solidFill>
-                <a:latin typeface="Courier New" panose="02070309020205020404" pitchFamily="49" charset="0"/>
-                <a:cs typeface="Courier New" panose="02070309020205020404" pitchFamily="49" charset="0"/>
-              </a:rPr>
-              <a:t>c.universe</a:t>
-            </a:r>
-            <a:r>
-              <a:rPr lang="en-US" sz="900" dirty="0">
-                <a:solidFill>
-                  <a:srgbClr val="92D050"/>
-                </a:solidFill>
-                <a:latin typeface="Courier New" panose="02070309020205020404" pitchFamily="49" charset="0"/>
-                <a:cs typeface="Courier New" panose="02070309020205020404" pitchFamily="49" charset="0"/>
-              </a:rPr>
-              <a:t>._</a:t>
-            </a:r>
-          </a:p>
-          <a:p>
-            <a:r>
-              <a:rPr lang="en-US" sz="900" dirty="0" smtClean="0">
-                <a:solidFill>
-                  <a:srgbClr val="92D050"/>
-                </a:solidFill>
-                <a:latin typeface="Courier New" panose="02070309020205020404" pitchFamily="49" charset="0"/>
-                <a:cs typeface="Courier New" panose="02070309020205020404" pitchFamily="49" charset="0"/>
-              </a:rPr>
-              <a:t>import </a:t>
-            </a:r>
-            <a:r>
-              <a:rPr lang="en-US" sz="900" dirty="0" err="1" smtClean="0">
-                <a:solidFill>
-                  <a:srgbClr val="92D050"/>
-                </a:solidFill>
-                <a:latin typeface="Courier New" panose="02070309020205020404" pitchFamily="49" charset="0"/>
-                <a:cs typeface="Courier New" panose="02070309020205020404" pitchFamily="49" charset="0"/>
-              </a:rPr>
-              <a:t>scala.collection.mutable</a:t>
-            </a:r>
-            <a:endParaRPr lang="en-US" sz="900" dirty="0" smtClean="0">
-              <a:solidFill>
-                <a:srgbClr val="92D050"/>
-              </a:solidFill>
-              <a:latin typeface="Courier New" panose="02070309020205020404" pitchFamily="49" charset="0"/>
-              <a:cs typeface="Courier New" panose="02070309020205020404" pitchFamily="49" charset="0"/>
+            <a:pPr marL="285750" indent="-285750">
+              <a:buFont typeface="Arial" panose="020B0604020202020204" pitchFamily="34" charset="0"/>
+              <a:buChar char="•"/>
+            </a:pPr>
+            <a:r>
+              <a:rPr lang="en-US" dirty="0" smtClean="0">
+                <a:latin typeface="Comic Sans MS" panose="030F0702030302020204" pitchFamily="66" charset="0"/>
+                <a:cs typeface="Consolas" panose="020B0609020204030204" pitchFamily="49" charset="0"/>
+              </a:rPr>
+              <a:t>More info:</a:t>
+            </a:r>
+          </a:p>
+          <a:p>
+            <a:r>
+              <a:rPr lang="en-US" dirty="0">
+                <a:latin typeface="Comic Sans MS" panose="030F0702030302020204" pitchFamily="66" charset="0"/>
+                <a:cs typeface="Consolas" panose="020B0609020204030204" pitchFamily="49" charset="0"/>
+                <a:hlinkClick r:id="rId2"/>
+              </a:rPr>
+              <a:t>http://</a:t>
+            </a:r>
+            <a:r>
+              <a:rPr lang="en-US" dirty="0" smtClean="0">
+                <a:latin typeface="Comic Sans MS" panose="030F0702030302020204" pitchFamily="66" charset="0"/>
+                <a:cs typeface="Consolas" panose="020B0609020204030204" pitchFamily="49" charset="0"/>
+                <a:hlinkClick r:id="rId2"/>
+              </a:rPr>
+              <a:t>docs.scala-lang.org/overviews/quasiquotes/intro.html</a:t>
+            </a:r>
+            <a:endParaRPr lang="en-US" dirty="0" smtClean="0">
+              <a:latin typeface="Comic Sans MS" panose="030F0702030302020204" pitchFamily="66" charset="0"/>
+              <a:cs typeface="Consolas" panose="020B0609020204030204" pitchFamily="49" charset="0"/>
             </a:endParaRPr>
           </a:p>
           <a:p>
-            <a:endParaRPr lang="en-US" sz="900" dirty="0">
-              <a:solidFill>
-                <a:srgbClr val="92D050"/>
-              </a:solidFill>
-              <a:latin typeface="Courier New" panose="02070309020205020404" pitchFamily="49" charset="0"/>
-              <a:cs typeface="Courier New" panose="02070309020205020404" pitchFamily="49" charset="0"/>
+            <a:pPr marL="285750" indent="-285750">
+              <a:buFont typeface="Arial" panose="020B0604020202020204" pitchFamily="34" charset="0"/>
+              <a:buChar char="•"/>
+            </a:pPr>
+            <a:endParaRPr lang="en-US" dirty="0" smtClean="0">
+              <a:latin typeface="Comic Sans MS" panose="030F0702030302020204" pitchFamily="66" charset="0"/>
+              <a:cs typeface="Consolas" panose="020B0609020204030204" pitchFamily="49" charset="0"/>
             </a:endParaRPr>
           </a:p>
           <a:p>
-            <a:r>
-              <a:rPr lang="en-US" sz="900" dirty="0" err="1" smtClean="0">
-                <a:solidFill>
-                  <a:srgbClr val="0070C0"/>
-                </a:solidFill>
-                <a:latin typeface="Courier New" panose="02070309020205020404" pitchFamily="49" charset="0"/>
-                <a:cs typeface="Courier New" panose="02070309020205020404" pitchFamily="49" charset="0"/>
-              </a:rPr>
-              <a:t>val</a:t>
-            </a:r>
-            <a:r>
-              <a:rPr lang="en-US" sz="900" dirty="0" smtClean="0">
-                <a:solidFill>
-                  <a:srgbClr val="0070C0"/>
-                </a:solidFill>
-                <a:latin typeface="Courier New" panose="02070309020205020404" pitchFamily="49" charset="0"/>
-                <a:cs typeface="Courier New" panose="02070309020205020404" pitchFamily="49" charset="0"/>
-              </a:rPr>
-              <a:t> </a:t>
-            </a:r>
-            <a:r>
-              <a:rPr lang="en-US" sz="900" dirty="0">
-                <a:solidFill>
-                  <a:srgbClr val="0070C0"/>
-                </a:solidFill>
-                <a:latin typeface="Courier New" panose="02070309020205020404" pitchFamily="49" charset="0"/>
-                <a:cs typeface="Courier New" panose="02070309020205020404" pitchFamily="49" charset="0"/>
-              </a:rPr>
-              <a:t>Literal(Constant(</a:t>
-            </a:r>
-            <a:r>
-              <a:rPr lang="en-US" sz="900" dirty="0" err="1">
-                <a:solidFill>
-                  <a:srgbClr val="0070C0"/>
-                </a:solidFill>
-                <a:latin typeface="Courier New" panose="02070309020205020404" pitchFamily="49" charset="0"/>
-                <a:cs typeface="Courier New" panose="02070309020205020404" pitchFamily="49" charset="0"/>
-              </a:rPr>
-              <a:t>fileName</a:t>
-            </a:r>
-            <a:r>
-              <a:rPr lang="en-US" sz="900" dirty="0">
-                <a:solidFill>
-                  <a:srgbClr val="0070C0"/>
-                </a:solidFill>
-                <a:latin typeface="Courier New" panose="02070309020205020404" pitchFamily="49" charset="0"/>
-                <a:cs typeface="Courier New" panose="02070309020205020404" pitchFamily="49" charset="0"/>
-              </a:rPr>
-              <a:t>: String)) = </a:t>
-            </a:r>
-            <a:r>
-              <a:rPr lang="en-US" sz="900" dirty="0" err="1">
-                <a:solidFill>
-                  <a:srgbClr val="0070C0"/>
-                </a:solidFill>
-                <a:latin typeface="Courier New" panose="02070309020205020404" pitchFamily="49" charset="0"/>
-                <a:cs typeface="Courier New" panose="02070309020205020404" pitchFamily="49" charset="0"/>
-              </a:rPr>
-              <a:t>file.tree</a:t>
-            </a:r>
-            <a:endParaRPr lang="en-US" sz="900" dirty="0">
-              <a:solidFill>
-                <a:srgbClr val="0070C0"/>
-              </a:solidFill>
-              <a:latin typeface="Courier New" panose="02070309020205020404" pitchFamily="49" charset="0"/>
-              <a:cs typeface="Courier New" panose="02070309020205020404" pitchFamily="49" charset="0"/>
+            <a:pPr marL="285750" indent="-285750">
+              <a:buFont typeface="Arial" panose="020B0604020202020204" pitchFamily="34" charset="0"/>
+              <a:buChar char="•"/>
+            </a:pPr>
+            <a:endParaRPr lang="en-US" dirty="0" smtClean="0">
+              <a:latin typeface="Comic Sans MS" panose="030F0702030302020204" pitchFamily="66" charset="0"/>
+              <a:cs typeface="Consolas" panose="020B0609020204030204" pitchFamily="49" charset="0"/>
             </a:endParaRPr>
           </a:p>
           <a:p>
-            <a:endParaRPr lang="en-US" sz="900" dirty="0">
-              <a:solidFill>
-                <a:srgbClr val="92D050"/>
-              </a:solidFill>
-              <a:latin typeface="Courier New" panose="02070309020205020404" pitchFamily="49" charset="0"/>
-              <a:cs typeface="Courier New" panose="02070309020205020404" pitchFamily="49" charset="0"/>
-            </a:endParaRPr>
-          </a:p>
-          <a:p>
-            <a:r>
-              <a:rPr lang="en-US" sz="900" dirty="0" err="1">
-                <a:solidFill>
-                  <a:srgbClr val="92D050"/>
-                </a:solidFill>
-                <a:latin typeface="Courier New" panose="02070309020205020404" pitchFamily="49" charset="0"/>
-                <a:cs typeface="Courier New" panose="02070309020205020404" pitchFamily="49" charset="0"/>
-              </a:rPr>
-              <a:t>val</a:t>
-            </a:r>
-            <a:r>
-              <a:rPr lang="en-US" sz="900" dirty="0">
-                <a:solidFill>
-                  <a:srgbClr val="92D050"/>
-                </a:solidFill>
-                <a:latin typeface="Courier New" panose="02070309020205020404" pitchFamily="49" charset="0"/>
-                <a:cs typeface="Courier New" panose="02070309020205020404" pitchFamily="49" charset="0"/>
-              </a:rPr>
-              <a:t> </a:t>
-            </a:r>
-            <a:r>
-              <a:rPr lang="en-US" sz="900" dirty="0" err="1">
-                <a:solidFill>
-                  <a:srgbClr val="92D050"/>
-                </a:solidFill>
-                <a:latin typeface="Courier New" panose="02070309020205020404" pitchFamily="49" charset="0"/>
-                <a:cs typeface="Courier New" panose="02070309020205020404" pitchFamily="49" charset="0"/>
-              </a:rPr>
-              <a:t>fis</a:t>
-            </a:r>
-            <a:r>
-              <a:rPr lang="en-US" sz="900" dirty="0">
-                <a:solidFill>
-                  <a:srgbClr val="92D050"/>
-                </a:solidFill>
-                <a:latin typeface="Courier New" panose="02070309020205020404" pitchFamily="49" charset="0"/>
-                <a:cs typeface="Courier New" panose="02070309020205020404" pitchFamily="49" charset="0"/>
-              </a:rPr>
-              <a:t> = new </a:t>
-            </a:r>
-            <a:r>
-              <a:rPr lang="en-US" sz="900" dirty="0" err="1">
-                <a:solidFill>
-                  <a:srgbClr val="92D050"/>
-                </a:solidFill>
-                <a:latin typeface="Courier New" panose="02070309020205020404" pitchFamily="49" charset="0"/>
-                <a:cs typeface="Courier New" panose="02070309020205020404" pitchFamily="49" charset="0"/>
-              </a:rPr>
-              <a:t>FileInputStream</a:t>
-            </a:r>
-            <a:r>
-              <a:rPr lang="en-US" sz="900" dirty="0">
-                <a:solidFill>
-                  <a:srgbClr val="92D050"/>
-                </a:solidFill>
-                <a:latin typeface="Courier New" panose="02070309020205020404" pitchFamily="49" charset="0"/>
-                <a:cs typeface="Courier New" panose="02070309020205020404" pitchFamily="49" charset="0"/>
-              </a:rPr>
-              <a:t>(</a:t>
-            </a:r>
-            <a:r>
-              <a:rPr lang="en-US" sz="900" dirty="0" err="1">
-                <a:solidFill>
-                  <a:srgbClr val="92D050"/>
-                </a:solidFill>
-                <a:latin typeface="Courier New" panose="02070309020205020404" pitchFamily="49" charset="0"/>
-                <a:cs typeface="Courier New" panose="02070309020205020404" pitchFamily="49" charset="0"/>
-              </a:rPr>
-              <a:t>fileName</a:t>
-            </a:r>
-            <a:r>
-              <a:rPr lang="en-US" sz="900" dirty="0">
-                <a:solidFill>
-                  <a:srgbClr val="92D050"/>
-                </a:solidFill>
-                <a:latin typeface="Courier New" panose="02070309020205020404" pitchFamily="49" charset="0"/>
-                <a:cs typeface="Courier New" panose="02070309020205020404" pitchFamily="49" charset="0"/>
-              </a:rPr>
-              <a:t>)</a:t>
-            </a:r>
-          </a:p>
-          <a:p>
-            <a:r>
-              <a:rPr lang="en-US" sz="900" dirty="0" err="1">
-                <a:solidFill>
-                  <a:srgbClr val="92D050"/>
-                </a:solidFill>
-                <a:latin typeface="Courier New" panose="02070309020205020404" pitchFamily="49" charset="0"/>
-                <a:cs typeface="Courier New" panose="02070309020205020404" pitchFamily="49" charset="0"/>
-              </a:rPr>
-              <a:t>val</a:t>
-            </a:r>
-            <a:r>
-              <a:rPr lang="en-US" sz="900" dirty="0">
-                <a:solidFill>
-                  <a:srgbClr val="92D050"/>
-                </a:solidFill>
-                <a:latin typeface="Courier New" panose="02070309020205020404" pitchFamily="49" charset="0"/>
-                <a:cs typeface="Courier New" panose="02070309020205020404" pitchFamily="49" charset="0"/>
-              </a:rPr>
-              <a:t> </a:t>
-            </a:r>
-            <a:r>
-              <a:rPr lang="en-US" sz="900" dirty="0">
-                <a:solidFill>
-                  <a:srgbClr val="92D050"/>
-                </a:solidFill>
-                <a:latin typeface="Courier New" panose="02070309020205020404" pitchFamily="49" charset="0"/>
-                <a:cs typeface="Courier New" panose="02070309020205020404" pitchFamily="49" charset="0"/>
-              </a:rPr>
-              <a:t>properties = new Properties</a:t>
-            </a:r>
-          </a:p>
-          <a:p>
-            <a:r>
-              <a:rPr lang="en-US" sz="900" dirty="0" err="1">
-                <a:solidFill>
-                  <a:srgbClr val="92D050"/>
-                </a:solidFill>
-                <a:latin typeface="Courier New" panose="02070309020205020404" pitchFamily="49" charset="0"/>
-                <a:cs typeface="Courier New" panose="02070309020205020404" pitchFamily="49" charset="0"/>
-              </a:rPr>
-              <a:t>properties.load</a:t>
-            </a:r>
-            <a:r>
-              <a:rPr lang="en-US" sz="900" dirty="0">
-                <a:solidFill>
-                  <a:srgbClr val="92D050"/>
-                </a:solidFill>
-                <a:latin typeface="Courier New" panose="02070309020205020404" pitchFamily="49" charset="0"/>
-                <a:cs typeface="Courier New" panose="02070309020205020404" pitchFamily="49" charset="0"/>
-              </a:rPr>
-              <a:t>(</a:t>
-            </a:r>
-            <a:r>
-              <a:rPr lang="en-US" sz="900" dirty="0" err="1">
-                <a:solidFill>
-                  <a:srgbClr val="92D050"/>
-                </a:solidFill>
-                <a:latin typeface="Courier New" panose="02070309020205020404" pitchFamily="49" charset="0"/>
-                <a:cs typeface="Courier New" panose="02070309020205020404" pitchFamily="49" charset="0"/>
-              </a:rPr>
-              <a:t>fis</a:t>
-            </a:r>
-            <a:r>
-              <a:rPr lang="en-US" sz="900" dirty="0">
-                <a:solidFill>
-                  <a:srgbClr val="92D050"/>
-                </a:solidFill>
-                <a:latin typeface="Courier New" panose="02070309020205020404" pitchFamily="49" charset="0"/>
-                <a:cs typeface="Courier New" panose="02070309020205020404" pitchFamily="49" charset="0"/>
-              </a:rPr>
-              <a:t>)</a:t>
-            </a:r>
-          </a:p>
-          <a:p>
-            <a:r>
-              <a:rPr lang="en-US" sz="900" dirty="0" err="1">
-                <a:solidFill>
-                  <a:srgbClr val="92D050"/>
-                </a:solidFill>
-                <a:latin typeface="Courier New" panose="02070309020205020404" pitchFamily="49" charset="0"/>
-                <a:cs typeface="Courier New" panose="02070309020205020404" pitchFamily="49" charset="0"/>
-              </a:rPr>
-              <a:t>fis.close</a:t>
-            </a:r>
-            <a:r>
-              <a:rPr lang="en-US" sz="900" dirty="0">
-                <a:solidFill>
-                  <a:srgbClr val="92D050"/>
-                </a:solidFill>
-                <a:latin typeface="Courier New" panose="02070309020205020404" pitchFamily="49" charset="0"/>
-                <a:cs typeface="Courier New" panose="02070309020205020404" pitchFamily="49" charset="0"/>
-              </a:rPr>
-              <a:t>()</a:t>
-            </a:r>
-          </a:p>
-          <a:p>
-            <a:r>
-              <a:rPr lang="en-US" sz="900" dirty="0" err="1">
-                <a:solidFill>
-                  <a:srgbClr val="92D050"/>
-                </a:solidFill>
-                <a:latin typeface="Courier New" panose="02070309020205020404" pitchFamily="49" charset="0"/>
-                <a:cs typeface="Courier New" panose="02070309020205020404" pitchFamily="49" charset="0"/>
-              </a:rPr>
-              <a:t>val</a:t>
-            </a:r>
-            <a:r>
-              <a:rPr lang="en-US" sz="900" dirty="0">
-                <a:solidFill>
-                  <a:srgbClr val="92D050"/>
-                </a:solidFill>
-                <a:latin typeface="Courier New" panose="02070309020205020404" pitchFamily="49" charset="0"/>
-                <a:cs typeface="Courier New" panose="02070309020205020404" pitchFamily="49" charset="0"/>
-              </a:rPr>
-              <a:t> </a:t>
-            </a:r>
-            <a:r>
-              <a:rPr lang="en-US" sz="900" dirty="0" err="1">
-                <a:solidFill>
-                  <a:srgbClr val="92D050"/>
-                </a:solidFill>
-                <a:latin typeface="Courier New" panose="02070309020205020404" pitchFamily="49" charset="0"/>
-                <a:cs typeface="Courier New" panose="02070309020205020404" pitchFamily="49" charset="0"/>
-              </a:rPr>
-              <a:t>propertiesMap</a:t>
-            </a:r>
-            <a:r>
-              <a:rPr lang="en-US" sz="900" dirty="0">
-                <a:solidFill>
-                  <a:srgbClr val="92D050"/>
-                </a:solidFill>
-                <a:latin typeface="Courier New" panose="02070309020205020404" pitchFamily="49" charset="0"/>
-                <a:cs typeface="Courier New" panose="02070309020205020404" pitchFamily="49" charset="0"/>
-              </a:rPr>
-              <a:t> = </a:t>
-            </a:r>
-            <a:r>
-              <a:rPr lang="en-US" sz="900" dirty="0" err="1">
-                <a:solidFill>
-                  <a:srgbClr val="92D050"/>
-                </a:solidFill>
-                <a:latin typeface="Courier New" panose="02070309020205020404" pitchFamily="49" charset="0"/>
-                <a:cs typeface="Courier New" panose="02070309020205020404" pitchFamily="49" charset="0"/>
-              </a:rPr>
-              <a:t>properties.asScala.toMap</a:t>
-            </a:r>
-            <a:endParaRPr lang="en-US" sz="900" dirty="0">
-              <a:solidFill>
-                <a:srgbClr val="92D050"/>
-              </a:solidFill>
-              <a:latin typeface="Courier New" panose="02070309020205020404" pitchFamily="49" charset="0"/>
-              <a:cs typeface="Courier New" panose="02070309020205020404" pitchFamily="49" charset="0"/>
-            </a:endParaRPr>
-          </a:p>
-          <a:p>
-            <a:endParaRPr lang="en-US" sz="900" dirty="0">
-              <a:solidFill>
-                <a:srgbClr val="92D050"/>
-              </a:solidFill>
-              <a:latin typeface="Courier New" panose="02070309020205020404" pitchFamily="49" charset="0"/>
-              <a:cs typeface="Courier New" panose="02070309020205020404" pitchFamily="49" charset="0"/>
-            </a:endParaRPr>
-          </a:p>
-          <a:p>
-            <a:r>
-              <a:rPr lang="en-US" sz="900" dirty="0" err="1" smtClean="0">
-                <a:solidFill>
-                  <a:srgbClr val="0070C0"/>
-                </a:solidFill>
-                <a:latin typeface="Courier New" panose="02070309020205020404" pitchFamily="49" charset="0"/>
-                <a:cs typeface="Courier New" panose="02070309020205020404" pitchFamily="49" charset="0"/>
-              </a:rPr>
-              <a:t>val</a:t>
-            </a:r>
-            <a:r>
-              <a:rPr lang="en-US" sz="900" dirty="0" smtClean="0">
-                <a:solidFill>
-                  <a:srgbClr val="0070C0"/>
-                </a:solidFill>
-                <a:latin typeface="Courier New" panose="02070309020205020404" pitchFamily="49" charset="0"/>
-                <a:cs typeface="Courier New" panose="02070309020205020404" pitchFamily="49" charset="0"/>
-              </a:rPr>
-              <a:t> </a:t>
-            </a:r>
-            <a:r>
-              <a:rPr lang="en-US" sz="900" dirty="0" err="1">
-                <a:solidFill>
-                  <a:srgbClr val="0070C0"/>
-                </a:solidFill>
-                <a:latin typeface="Courier New" panose="02070309020205020404" pitchFamily="49" charset="0"/>
-                <a:cs typeface="Courier New" panose="02070309020205020404" pitchFamily="49" charset="0"/>
-              </a:rPr>
-              <a:t>builderVariable</a:t>
-            </a:r>
-            <a:r>
-              <a:rPr lang="en-US" sz="900" dirty="0">
-                <a:solidFill>
-                  <a:srgbClr val="0070C0"/>
-                </a:solidFill>
-                <a:latin typeface="Courier New" panose="02070309020205020404" pitchFamily="49" charset="0"/>
-                <a:cs typeface="Courier New" panose="02070309020205020404" pitchFamily="49" charset="0"/>
-              </a:rPr>
-              <a:t> = </a:t>
-            </a:r>
-            <a:r>
-              <a:rPr lang="en-US" sz="900" dirty="0" err="1">
-                <a:solidFill>
-                  <a:srgbClr val="0070C0"/>
-                </a:solidFill>
-                <a:latin typeface="Courier New" panose="02070309020205020404" pitchFamily="49" charset="0"/>
-                <a:cs typeface="Courier New" panose="02070309020205020404" pitchFamily="49" charset="0"/>
-              </a:rPr>
-              <a:t>TermName</a:t>
-            </a:r>
-            <a:r>
-              <a:rPr lang="en-US" sz="900" dirty="0">
-                <a:solidFill>
-                  <a:srgbClr val="0070C0"/>
-                </a:solidFill>
-                <a:latin typeface="Courier New" panose="02070309020205020404" pitchFamily="49" charset="0"/>
-                <a:cs typeface="Courier New" panose="02070309020205020404" pitchFamily="49" charset="0"/>
-              </a:rPr>
-              <a:t>("builder")</a:t>
-            </a:r>
-          </a:p>
-          <a:p>
-            <a:r>
-              <a:rPr lang="en-US" sz="900" dirty="0" err="1" smtClean="0">
-                <a:solidFill>
-                  <a:srgbClr val="0070C0"/>
-                </a:solidFill>
-                <a:latin typeface="Courier New" panose="02070309020205020404" pitchFamily="49" charset="0"/>
-                <a:cs typeface="Courier New" panose="02070309020205020404" pitchFamily="49" charset="0"/>
-              </a:rPr>
-              <a:t>val</a:t>
-            </a:r>
-            <a:r>
-              <a:rPr lang="en-US" sz="900" dirty="0" smtClean="0">
-                <a:solidFill>
-                  <a:srgbClr val="0070C0"/>
-                </a:solidFill>
-                <a:latin typeface="Courier New" panose="02070309020205020404" pitchFamily="49" charset="0"/>
-                <a:cs typeface="Courier New" panose="02070309020205020404" pitchFamily="49" charset="0"/>
-              </a:rPr>
-              <a:t> </a:t>
-            </a:r>
-            <a:r>
-              <a:rPr lang="en-US" sz="900" dirty="0" err="1">
-                <a:solidFill>
-                  <a:srgbClr val="0070C0"/>
-                </a:solidFill>
-                <a:latin typeface="Courier New" panose="02070309020205020404" pitchFamily="49" charset="0"/>
-                <a:cs typeface="Courier New" panose="02070309020205020404" pitchFamily="49" charset="0"/>
-              </a:rPr>
-              <a:t>typeTag</a:t>
-            </a:r>
-            <a:r>
-              <a:rPr lang="en-US" sz="900" dirty="0">
-                <a:solidFill>
-                  <a:srgbClr val="0070C0"/>
-                </a:solidFill>
-                <a:latin typeface="Courier New" panose="02070309020205020404" pitchFamily="49" charset="0"/>
-                <a:cs typeface="Courier New" panose="02070309020205020404" pitchFamily="49" charset="0"/>
-              </a:rPr>
-              <a:t> = </a:t>
-            </a:r>
-            <a:r>
-              <a:rPr lang="en-US" sz="900" dirty="0" err="1">
-                <a:solidFill>
-                  <a:srgbClr val="0070C0"/>
-                </a:solidFill>
-                <a:latin typeface="Courier New" panose="02070309020205020404" pitchFamily="49" charset="0"/>
-                <a:cs typeface="Courier New" panose="02070309020205020404" pitchFamily="49" charset="0"/>
-              </a:rPr>
-              <a:t>typeOf</a:t>
-            </a:r>
-            <a:r>
-              <a:rPr lang="en-US" sz="900" dirty="0">
-                <a:solidFill>
-                  <a:srgbClr val="0070C0"/>
-                </a:solidFill>
-                <a:latin typeface="Courier New" panose="02070309020205020404" pitchFamily="49" charset="0"/>
-                <a:cs typeface="Courier New" panose="02070309020205020404" pitchFamily="49" charset="0"/>
-              </a:rPr>
-              <a:t>[</a:t>
-            </a:r>
-            <a:r>
-              <a:rPr lang="en-US" sz="900" dirty="0" err="1">
-                <a:solidFill>
-                  <a:srgbClr val="0070C0"/>
-                </a:solidFill>
-                <a:latin typeface="Courier New" panose="02070309020205020404" pitchFamily="49" charset="0"/>
-                <a:cs typeface="Courier New" panose="02070309020205020404" pitchFamily="49" charset="0"/>
-              </a:rPr>
-              <a:t>mutable.Builder</a:t>
-            </a:r>
-            <a:r>
-              <a:rPr lang="en-US" sz="900" dirty="0">
-                <a:solidFill>
-                  <a:srgbClr val="0070C0"/>
-                </a:solidFill>
-                <a:latin typeface="Courier New" panose="02070309020205020404" pitchFamily="49" charset="0"/>
-                <a:cs typeface="Courier New" panose="02070309020205020404" pitchFamily="49" charset="0"/>
-              </a:rPr>
-              <a:t>[(String, String), Map[String, String]]]</a:t>
-            </a:r>
-          </a:p>
-          <a:p>
-            <a:r>
-              <a:rPr lang="en-US" sz="900" dirty="0" err="1" smtClean="0">
-                <a:solidFill>
-                  <a:srgbClr val="0070C0"/>
-                </a:solidFill>
-                <a:latin typeface="Courier New" panose="02070309020205020404" pitchFamily="49" charset="0"/>
-                <a:cs typeface="Courier New" panose="02070309020205020404" pitchFamily="49" charset="0"/>
-              </a:rPr>
-              <a:t>val</a:t>
-            </a:r>
-            <a:r>
-              <a:rPr lang="en-US" sz="900" dirty="0" smtClean="0">
-                <a:solidFill>
-                  <a:srgbClr val="0070C0"/>
-                </a:solidFill>
-                <a:latin typeface="Courier New" panose="02070309020205020404" pitchFamily="49" charset="0"/>
-                <a:cs typeface="Courier New" panose="02070309020205020404" pitchFamily="49" charset="0"/>
-              </a:rPr>
-              <a:t> </a:t>
-            </a:r>
-            <a:r>
-              <a:rPr lang="en-US" sz="900" dirty="0">
-                <a:solidFill>
-                  <a:srgbClr val="0070C0"/>
-                </a:solidFill>
-                <a:latin typeface="Courier New" panose="02070309020205020404" pitchFamily="49" charset="0"/>
-                <a:cs typeface="Courier New" panose="02070309020205020404" pitchFamily="49" charset="0"/>
-              </a:rPr>
-              <a:t>define = </a:t>
-            </a:r>
-            <a:r>
-              <a:rPr lang="en-US" sz="900" dirty="0" err="1">
-                <a:solidFill>
-                  <a:srgbClr val="0070C0"/>
-                </a:solidFill>
-                <a:latin typeface="Courier New" panose="02070309020205020404" pitchFamily="49" charset="0"/>
-                <a:cs typeface="Courier New" panose="02070309020205020404" pitchFamily="49" charset="0"/>
-              </a:rPr>
-              <a:t>ValDef</a:t>
-            </a:r>
-            <a:r>
-              <a:rPr lang="en-US" sz="900" dirty="0">
-                <a:solidFill>
-                  <a:srgbClr val="0070C0"/>
-                </a:solidFill>
-                <a:latin typeface="Courier New" panose="02070309020205020404" pitchFamily="49" charset="0"/>
-                <a:cs typeface="Courier New" panose="02070309020205020404" pitchFamily="49" charset="0"/>
-              </a:rPr>
-              <a:t>(Modifiers(), </a:t>
-            </a:r>
-            <a:r>
-              <a:rPr lang="en-US" sz="900" dirty="0" err="1">
-                <a:solidFill>
-                  <a:srgbClr val="0070C0"/>
-                </a:solidFill>
-                <a:latin typeface="Courier New" panose="02070309020205020404" pitchFamily="49" charset="0"/>
-                <a:cs typeface="Courier New" panose="02070309020205020404" pitchFamily="49" charset="0"/>
-              </a:rPr>
-              <a:t>builderVariable</a:t>
-            </a:r>
-            <a:r>
-              <a:rPr lang="en-US" sz="900" dirty="0">
-                <a:solidFill>
-                  <a:srgbClr val="0070C0"/>
-                </a:solidFill>
-                <a:latin typeface="Courier New" panose="02070309020205020404" pitchFamily="49" charset="0"/>
-                <a:cs typeface="Courier New" panose="02070309020205020404" pitchFamily="49" charset="0"/>
-              </a:rPr>
-              <a:t>, </a:t>
-            </a:r>
-            <a:r>
-              <a:rPr lang="en-US" sz="900" dirty="0" err="1">
-                <a:solidFill>
-                  <a:srgbClr val="0070C0"/>
-                </a:solidFill>
-                <a:latin typeface="Courier New" panose="02070309020205020404" pitchFamily="49" charset="0"/>
-                <a:cs typeface="Courier New" panose="02070309020205020404" pitchFamily="49" charset="0"/>
-              </a:rPr>
-              <a:t>TypeTree</a:t>
-            </a:r>
-            <a:r>
-              <a:rPr lang="en-US" sz="900" dirty="0">
-                <a:solidFill>
-                  <a:srgbClr val="0070C0"/>
-                </a:solidFill>
-                <a:latin typeface="Courier New" panose="02070309020205020404" pitchFamily="49" charset="0"/>
-                <a:cs typeface="Courier New" panose="02070309020205020404" pitchFamily="49" charset="0"/>
-              </a:rPr>
-              <a:t>(</a:t>
-            </a:r>
-            <a:r>
-              <a:rPr lang="en-US" sz="900" dirty="0" err="1">
-                <a:solidFill>
-                  <a:srgbClr val="0070C0"/>
-                </a:solidFill>
-                <a:latin typeface="Courier New" panose="02070309020205020404" pitchFamily="49" charset="0"/>
-                <a:cs typeface="Courier New" panose="02070309020205020404" pitchFamily="49" charset="0"/>
-              </a:rPr>
-              <a:t>typeTag</a:t>
-            </a:r>
-            <a:r>
-              <a:rPr lang="en-US" sz="900" dirty="0">
-                <a:solidFill>
-                  <a:srgbClr val="0070C0"/>
-                </a:solidFill>
-                <a:latin typeface="Courier New" panose="02070309020205020404" pitchFamily="49" charset="0"/>
-                <a:cs typeface="Courier New" panose="02070309020205020404" pitchFamily="49" charset="0"/>
-              </a:rPr>
-              <a:t>), reify(</a:t>
-            </a:r>
-            <a:r>
-              <a:rPr lang="en-US" sz="900" dirty="0" err="1">
-                <a:solidFill>
-                  <a:srgbClr val="0070C0"/>
-                </a:solidFill>
-                <a:latin typeface="Courier New" panose="02070309020205020404" pitchFamily="49" charset="0"/>
-                <a:cs typeface="Courier New" panose="02070309020205020404" pitchFamily="49" charset="0"/>
-              </a:rPr>
-              <a:t>Map.newBuilder</a:t>
-            </a:r>
-            <a:r>
-              <a:rPr lang="en-US" sz="900" dirty="0">
-                <a:solidFill>
-                  <a:srgbClr val="0070C0"/>
-                </a:solidFill>
-                <a:latin typeface="Courier New" panose="02070309020205020404" pitchFamily="49" charset="0"/>
-                <a:cs typeface="Courier New" panose="02070309020205020404" pitchFamily="49" charset="0"/>
-              </a:rPr>
-              <a:t>[String, String]).tree</a:t>
-            </a:r>
-            <a:r>
-              <a:rPr lang="en-US" sz="900" dirty="0" smtClean="0">
-                <a:solidFill>
-                  <a:srgbClr val="0070C0"/>
-                </a:solidFill>
-                <a:latin typeface="Courier New" panose="02070309020205020404" pitchFamily="49" charset="0"/>
-                <a:cs typeface="Courier New" panose="02070309020205020404" pitchFamily="49" charset="0"/>
-              </a:rPr>
-              <a:t>)</a:t>
-            </a:r>
-          </a:p>
-          <a:p>
-            <a:endParaRPr lang="en-US" sz="900" dirty="0">
-              <a:solidFill>
-                <a:srgbClr val="0070C0"/>
-              </a:solidFill>
-              <a:latin typeface="Courier New" panose="02070309020205020404" pitchFamily="49" charset="0"/>
-              <a:cs typeface="Courier New" panose="02070309020205020404" pitchFamily="49" charset="0"/>
-            </a:endParaRPr>
-          </a:p>
-          <a:p>
-            <a:r>
-              <a:rPr lang="en-US" sz="900" dirty="0" err="1" smtClean="0">
-                <a:solidFill>
-                  <a:srgbClr val="0070C0"/>
-                </a:solidFill>
-                <a:latin typeface="Courier New" panose="02070309020205020404" pitchFamily="49" charset="0"/>
-                <a:cs typeface="Courier New" panose="02070309020205020404" pitchFamily="49" charset="0"/>
-              </a:rPr>
-              <a:t>def</a:t>
-            </a:r>
-            <a:r>
-              <a:rPr lang="en-US" sz="900" dirty="0" smtClean="0">
-                <a:solidFill>
-                  <a:srgbClr val="0070C0"/>
-                </a:solidFill>
-                <a:latin typeface="Courier New" panose="02070309020205020404" pitchFamily="49" charset="0"/>
-                <a:cs typeface="Courier New" panose="02070309020205020404" pitchFamily="49" charset="0"/>
-              </a:rPr>
-              <a:t> </a:t>
-            </a:r>
-            <a:r>
-              <a:rPr lang="en-US" sz="900" dirty="0">
-                <a:solidFill>
-                  <a:srgbClr val="0070C0"/>
-                </a:solidFill>
-                <a:latin typeface="Courier New" panose="02070309020205020404" pitchFamily="49" charset="0"/>
-                <a:cs typeface="Courier New" panose="02070309020205020404" pitchFamily="49" charset="0"/>
-              </a:rPr>
-              <a:t>constant(s: String) = </a:t>
-            </a:r>
-            <a:r>
-              <a:rPr lang="en-US" sz="900" dirty="0" err="1">
-                <a:solidFill>
-                  <a:srgbClr val="0070C0"/>
-                </a:solidFill>
-                <a:latin typeface="Courier New" panose="02070309020205020404" pitchFamily="49" charset="0"/>
-                <a:cs typeface="Courier New" panose="02070309020205020404" pitchFamily="49" charset="0"/>
-              </a:rPr>
-              <a:t>c.Expr</a:t>
-            </a:r>
-            <a:r>
-              <a:rPr lang="en-US" sz="900" dirty="0">
-                <a:solidFill>
-                  <a:srgbClr val="0070C0"/>
-                </a:solidFill>
-                <a:latin typeface="Courier New" panose="02070309020205020404" pitchFamily="49" charset="0"/>
-                <a:cs typeface="Courier New" panose="02070309020205020404" pitchFamily="49" charset="0"/>
-              </a:rPr>
-              <a:t>[String](Literal(Constant(s)))</a:t>
-            </a:r>
-          </a:p>
-          <a:p>
-            <a:r>
-              <a:rPr lang="en-US" sz="900" dirty="0" err="1" smtClean="0">
-                <a:solidFill>
-                  <a:srgbClr val="0070C0"/>
-                </a:solidFill>
-                <a:latin typeface="Courier New" panose="02070309020205020404" pitchFamily="49" charset="0"/>
-                <a:cs typeface="Courier New" panose="02070309020205020404" pitchFamily="49" charset="0"/>
-              </a:rPr>
-              <a:t>val</a:t>
-            </a:r>
-            <a:r>
-              <a:rPr lang="en-US" sz="900" dirty="0" smtClean="0">
-                <a:solidFill>
-                  <a:srgbClr val="0070C0"/>
-                </a:solidFill>
-                <a:latin typeface="Courier New" panose="02070309020205020404" pitchFamily="49" charset="0"/>
-                <a:cs typeface="Courier New" panose="02070309020205020404" pitchFamily="49" charset="0"/>
-              </a:rPr>
-              <a:t> </a:t>
-            </a:r>
-            <a:r>
-              <a:rPr lang="en-US" sz="900" dirty="0">
-                <a:solidFill>
-                  <a:srgbClr val="0070C0"/>
-                </a:solidFill>
-                <a:latin typeface="Courier New" panose="02070309020205020404" pitchFamily="49" charset="0"/>
-                <a:cs typeface="Courier New" panose="02070309020205020404" pitchFamily="49" charset="0"/>
-              </a:rPr>
-              <a:t>pairs = </a:t>
-            </a:r>
-            <a:r>
-              <a:rPr lang="en-US" sz="900" dirty="0" err="1">
-                <a:solidFill>
-                  <a:srgbClr val="0070C0"/>
-                </a:solidFill>
-                <a:latin typeface="Courier New" panose="02070309020205020404" pitchFamily="49" charset="0"/>
-                <a:cs typeface="Courier New" panose="02070309020205020404" pitchFamily="49" charset="0"/>
-              </a:rPr>
-              <a:t>propertiesMap.map</a:t>
-            </a:r>
-            <a:r>
-              <a:rPr lang="en-US" sz="900" dirty="0">
-                <a:solidFill>
-                  <a:srgbClr val="0070C0"/>
-                </a:solidFill>
-                <a:latin typeface="Courier New" panose="02070309020205020404" pitchFamily="49" charset="0"/>
-                <a:cs typeface="Courier New" panose="02070309020205020404" pitchFamily="49" charset="0"/>
-              </a:rPr>
-              <a:t> {</a:t>
-            </a:r>
-          </a:p>
-          <a:p>
-            <a:r>
-              <a:rPr lang="en-US" sz="900" dirty="0" smtClean="0">
-                <a:solidFill>
-                  <a:srgbClr val="0070C0"/>
-                </a:solidFill>
-                <a:latin typeface="Courier New" panose="02070309020205020404" pitchFamily="49" charset="0"/>
-                <a:cs typeface="Courier New" panose="02070309020205020404" pitchFamily="49" charset="0"/>
-              </a:rPr>
-              <a:t> case </a:t>
-            </a:r>
-            <a:r>
-              <a:rPr lang="en-US" sz="900" dirty="0">
-                <a:solidFill>
-                  <a:srgbClr val="0070C0"/>
-                </a:solidFill>
-                <a:latin typeface="Courier New" panose="02070309020205020404" pitchFamily="49" charset="0"/>
-                <a:cs typeface="Courier New" panose="02070309020205020404" pitchFamily="49" charset="0"/>
-              </a:rPr>
-              <a:t>(key, value) =&gt;</a:t>
-            </a:r>
-          </a:p>
-          <a:p>
-            <a:r>
-              <a:rPr lang="en-US" sz="900" dirty="0" smtClean="0">
-                <a:solidFill>
-                  <a:srgbClr val="0070C0"/>
-                </a:solidFill>
-                <a:latin typeface="Courier New" panose="02070309020205020404" pitchFamily="49" charset="0"/>
-                <a:cs typeface="Courier New" panose="02070309020205020404" pitchFamily="49" charset="0"/>
-              </a:rPr>
-              <a:t>  reify</a:t>
-            </a:r>
-            <a:r>
-              <a:rPr lang="en-US" sz="900" dirty="0">
-                <a:solidFill>
-                  <a:srgbClr val="0070C0"/>
-                </a:solidFill>
-                <a:latin typeface="Courier New" panose="02070309020205020404" pitchFamily="49" charset="0"/>
-                <a:cs typeface="Courier New" panose="02070309020205020404" pitchFamily="49" charset="0"/>
-              </a:rPr>
-              <a:t>((constant(key).splice, constant(value).splice)).tree</a:t>
-            </a:r>
-          </a:p>
-          <a:p>
-            <a:r>
-              <a:rPr lang="en-US" sz="900" dirty="0" smtClean="0">
-                <a:solidFill>
-                  <a:srgbClr val="0070C0"/>
-                </a:solidFill>
-                <a:latin typeface="Courier New" panose="02070309020205020404" pitchFamily="49" charset="0"/>
-                <a:cs typeface="Courier New" panose="02070309020205020404" pitchFamily="49" charset="0"/>
-              </a:rPr>
-              <a:t>}</a:t>
-            </a:r>
-            <a:endParaRPr lang="en-US" sz="900" dirty="0">
-              <a:solidFill>
-                <a:srgbClr val="0070C0"/>
-              </a:solidFill>
-              <a:latin typeface="Courier New" panose="02070309020205020404" pitchFamily="49" charset="0"/>
-              <a:cs typeface="Courier New" panose="02070309020205020404" pitchFamily="49" charset="0"/>
-            </a:endParaRPr>
-          </a:p>
-          <a:p>
-            <a:r>
-              <a:rPr lang="en-US" sz="900" dirty="0" err="1" smtClean="0">
-                <a:solidFill>
-                  <a:srgbClr val="0070C0"/>
-                </a:solidFill>
-                <a:latin typeface="Courier New" panose="02070309020205020404" pitchFamily="49" charset="0"/>
-                <a:cs typeface="Courier New" panose="02070309020205020404" pitchFamily="49" charset="0"/>
-              </a:rPr>
-              <a:t>val</a:t>
-            </a:r>
-            <a:r>
-              <a:rPr lang="en-US" sz="900" dirty="0" smtClean="0">
-                <a:solidFill>
-                  <a:srgbClr val="0070C0"/>
-                </a:solidFill>
-                <a:latin typeface="Courier New" panose="02070309020205020404" pitchFamily="49" charset="0"/>
-                <a:cs typeface="Courier New" panose="02070309020205020404" pitchFamily="49" charset="0"/>
-              </a:rPr>
-              <a:t> </a:t>
-            </a:r>
-            <a:r>
-              <a:rPr lang="en-US" sz="900" dirty="0">
-                <a:solidFill>
-                  <a:srgbClr val="0070C0"/>
-                </a:solidFill>
-                <a:latin typeface="Courier New" panose="02070309020205020404" pitchFamily="49" charset="0"/>
-                <a:cs typeface="Courier New" panose="02070309020205020404" pitchFamily="49" charset="0"/>
-              </a:rPr>
-              <a:t>adds = </a:t>
-            </a:r>
-            <a:r>
-              <a:rPr lang="en-US" sz="900" dirty="0" err="1">
-                <a:solidFill>
-                  <a:srgbClr val="0070C0"/>
-                </a:solidFill>
-                <a:latin typeface="Courier New" panose="02070309020205020404" pitchFamily="49" charset="0"/>
-                <a:cs typeface="Courier New" panose="02070309020205020404" pitchFamily="49" charset="0"/>
-              </a:rPr>
-              <a:t>pairs.map</a:t>
-            </a:r>
-            <a:r>
-              <a:rPr lang="en-US" sz="900" dirty="0">
-                <a:solidFill>
-                  <a:srgbClr val="0070C0"/>
-                </a:solidFill>
-                <a:latin typeface="Courier New" panose="02070309020205020404" pitchFamily="49" charset="0"/>
-                <a:cs typeface="Courier New" panose="02070309020205020404" pitchFamily="49" charset="0"/>
-              </a:rPr>
-              <a:t> {</a:t>
-            </a:r>
-          </a:p>
-          <a:p>
-            <a:r>
-              <a:rPr lang="en-US" sz="900" dirty="0" smtClean="0">
-                <a:solidFill>
-                  <a:srgbClr val="0070C0"/>
-                </a:solidFill>
-                <a:latin typeface="Courier New" panose="02070309020205020404" pitchFamily="49" charset="0"/>
-                <a:cs typeface="Courier New" panose="02070309020205020404" pitchFamily="49" charset="0"/>
-              </a:rPr>
-              <a:t> tree </a:t>
-            </a:r>
-            <a:r>
-              <a:rPr lang="en-US" sz="900" dirty="0">
-                <a:solidFill>
-                  <a:srgbClr val="0070C0"/>
-                </a:solidFill>
-                <a:latin typeface="Courier New" panose="02070309020205020404" pitchFamily="49" charset="0"/>
-                <a:cs typeface="Courier New" panose="02070309020205020404" pitchFamily="49" charset="0"/>
-              </a:rPr>
-              <a:t>=&gt;</a:t>
-            </a:r>
-          </a:p>
-          <a:p>
-            <a:r>
-              <a:rPr lang="en-US" sz="900" dirty="0" smtClean="0">
-                <a:solidFill>
-                  <a:srgbClr val="0070C0"/>
-                </a:solidFill>
-                <a:latin typeface="Courier New" panose="02070309020205020404" pitchFamily="49" charset="0"/>
-                <a:cs typeface="Courier New" panose="02070309020205020404" pitchFamily="49" charset="0"/>
-              </a:rPr>
-              <a:t>  Apply(Select(Ident(</a:t>
-            </a:r>
-            <a:r>
-              <a:rPr lang="en-US" sz="900" dirty="0" err="1" smtClean="0">
-                <a:solidFill>
-                  <a:srgbClr val="0070C0"/>
-                </a:solidFill>
-                <a:latin typeface="Courier New" panose="02070309020205020404" pitchFamily="49" charset="0"/>
-                <a:cs typeface="Courier New" panose="02070309020205020404" pitchFamily="49" charset="0"/>
-              </a:rPr>
-              <a:t>builderVariable</a:t>
-            </a:r>
-            <a:r>
-              <a:rPr lang="en-US" sz="900" dirty="0">
-                <a:solidFill>
-                  <a:srgbClr val="0070C0"/>
-                </a:solidFill>
-                <a:latin typeface="Courier New" panose="02070309020205020404" pitchFamily="49" charset="0"/>
-                <a:cs typeface="Courier New" panose="02070309020205020404" pitchFamily="49" charset="0"/>
-              </a:rPr>
-              <a:t>), </a:t>
-            </a:r>
-            <a:r>
-              <a:rPr lang="en-US" sz="900" dirty="0" err="1">
-                <a:solidFill>
-                  <a:srgbClr val="0070C0"/>
-                </a:solidFill>
-                <a:latin typeface="Courier New" panose="02070309020205020404" pitchFamily="49" charset="0"/>
-                <a:cs typeface="Courier New" panose="02070309020205020404" pitchFamily="49" charset="0"/>
-              </a:rPr>
-              <a:t>TermName</a:t>
-            </a:r>
-            <a:r>
-              <a:rPr lang="en-US" sz="900" dirty="0">
-                <a:solidFill>
-                  <a:srgbClr val="0070C0"/>
-                </a:solidFill>
-                <a:latin typeface="Courier New" panose="02070309020205020404" pitchFamily="49" charset="0"/>
-                <a:cs typeface="Courier New" panose="02070309020205020404" pitchFamily="49" charset="0"/>
-              </a:rPr>
-              <a:t>("$</a:t>
-            </a:r>
-            <a:r>
-              <a:rPr lang="en-US" sz="900" dirty="0" err="1">
-                <a:solidFill>
-                  <a:srgbClr val="0070C0"/>
-                </a:solidFill>
-                <a:latin typeface="Courier New" panose="02070309020205020404" pitchFamily="49" charset="0"/>
-                <a:cs typeface="Courier New" panose="02070309020205020404" pitchFamily="49" charset="0"/>
-              </a:rPr>
-              <a:t>plus$eq</a:t>
-            </a:r>
-            <a:r>
-              <a:rPr lang="en-US" sz="900" dirty="0">
-                <a:solidFill>
-                  <a:srgbClr val="0070C0"/>
-                </a:solidFill>
-                <a:latin typeface="Courier New" panose="02070309020205020404" pitchFamily="49" charset="0"/>
-                <a:cs typeface="Courier New" panose="02070309020205020404" pitchFamily="49" charset="0"/>
-              </a:rPr>
-              <a:t>")), List(tree))</a:t>
-            </a:r>
-          </a:p>
-          <a:p>
-            <a:r>
-              <a:rPr lang="en-US" sz="900" dirty="0" smtClean="0">
-                <a:solidFill>
-                  <a:srgbClr val="0070C0"/>
-                </a:solidFill>
-                <a:latin typeface="Courier New" panose="02070309020205020404" pitchFamily="49" charset="0"/>
-                <a:cs typeface="Courier New" panose="02070309020205020404" pitchFamily="49" charset="0"/>
-              </a:rPr>
-              <a:t>}.</a:t>
-            </a:r>
-            <a:r>
-              <a:rPr lang="en-US" sz="900" dirty="0" err="1">
-                <a:solidFill>
-                  <a:srgbClr val="0070C0"/>
-                </a:solidFill>
-                <a:latin typeface="Courier New" panose="02070309020205020404" pitchFamily="49" charset="0"/>
-                <a:cs typeface="Courier New" panose="02070309020205020404" pitchFamily="49" charset="0"/>
-              </a:rPr>
-              <a:t>toList</a:t>
-            </a:r>
-            <a:endParaRPr lang="en-US" sz="900" dirty="0">
-              <a:solidFill>
-                <a:srgbClr val="0070C0"/>
-              </a:solidFill>
-              <a:latin typeface="Courier New" panose="02070309020205020404" pitchFamily="49" charset="0"/>
-              <a:cs typeface="Courier New" panose="02070309020205020404" pitchFamily="49" charset="0"/>
-            </a:endParaRPr>
-          </a:p>
-          <a:p>
-            <a:endParaRPr lang="en-US" sz="900" dirty="0">
-              <a:solidFill>
-                <a:srgbClr val="0070C0"/>
-              </a:solidFill>
-              <a:latin typeface="Courier New" panose="02070309020205020404" pitchFamily="49" charset="0"/>
-              <a:cs typeface="Courier New" panose="02070309020205020404" pitchFamily="49" charset="0"/>
-            </a:endParaRPr>
-          </a:p>
-          <a:p>
-            <a:r>
-              <a:rPr lang="en-US" sz="900" dirty="0" err="1" smtClean="0">
-                <a:solidFill>
-                  <a:srgbClr val="0070C0"/>
-                </a:solidFill>
-                <a:latin typeface="Courier New" panose="02070309020205020404" pitchFamily="49" charset="0"/>
-                <a:cs typeface="Courier New" panose="02070309020205020404" pitchFamily="49" charset="0"/>
-              </a:rPr>
-              <a:t>val</a:t>
-            </a:r>
-            <a:r>
-              <a:rPr lang="en-US" sz="900" dirty="0" smtClean="0">
-                <a:solidFill>
-                  <a:srgbClr val="0070C0"/>
-                </a:solidFill>
-                <a:latin typeface="Courier New" panose="02070309020205020404" pitchFamily="49" charset="0"/>
-                <a:cs typeface="Courier New" panose="02070309020205020404" pitchFamily="49" charset="0"/>
-              </a:rPr>
-              <a:t> </a:t>
-            </a:r>
-            <a:r>
-              <a:rPr lang="en-US" sz="900" dirty="0">
-                <a:solidFill>
-                  <a:srgbClr val="0070C0"/>
-                </a:solidFill>
-                <a:latin typeface="Courier New" panose="02070309020205020404" pitchFamily="49" charset="0"/>
-                <a:cs typeface="Courier New" panose="02070309020205020404" pitchFamily="49" charset="0"/>
-              </a:rPr>
-              <a:t>result = Apply(Select(Ident(</a:t>
-            </a:r>
-            <a:r>
-              <a:rPr lang="en-US" sz="900" dirty="0" err="1">
-                <a:solidFill>
-                  <a:srgbClr val="0070C0"/>
-                </a:solidFill>
-                <a:latin typeface="Courier New" panose="02070309020205020404" pitchFamily="49" charset="0"/>
-                <a:cs typeface="Courier New" panose="02070309020205020404" pitchFamily="49" charset="0"/>
-              </a:rPr>
-              <a:t>builderVariable</a:t>
-            </a:r>
-            <a:r>
-              <a:rPr lang="en-US" sz="900" dirty="0">
-                <a:solidFill>
-                  <a:srgbClr val="0070C0"/>
-                </a:solidFill>
-                <a:latin typeface="Courier New" panose="02070309020205020404" pitchFamily="49" charset="0"/>
-                <a:cs typeface="Courier New" panose="02070309020205020404" pitchFamily="49" charset="0"/>
-              </a:rPr>
-              <a:t>), </a:t>
-            </a:r>
-            <a:r>
-              <a:rPr lang="en-US" sz="900" dirty="0" err="1">
-                <a:solidFill>
-                  <a:srgbClr val="0070C0"/>
-                </a:solidFill>
-                <a:latin typeface="Courier New" panose="02070309020205020404" pitchFamily="49" charset="0"/>
-                <a:cs typeface="Courier New" panose="02070309020205020404" pitchFamily="49" charset="0"/>
-              </a:rPr>
-              <a:t>TermName</a:t>
-            </a:r>
-            <a:r>
-              <a:rPr lang="en-US" sz="900" dirty="0">
-                <a:solidFill>
-                  <a:srgbClr val="0070C0"/>
-                </a:solidFill>
-                <a:latin typeface="Courier New" panose="02070309020205020404" pitchFamily="49" charset="0"/>
-                <a:cs typeface="Courier New" panose="02070309020205020404" pitchFamily="49" charset="0"/>
-              </a:rPr>
-              <a:t>("result")), List())</a:t>
-            </a:r>
-          </a:p>
-          <a:p>
-            <a:endParaRPr lang="en-US" sz="900" dirty="0">
-              <a:solidFill>
-                <a:srgbClr val="0070C0"/>
-              </a:solidFill>
-              <a:latin typeface="Courier New" panose="02070309020205020404" pitchFamily="49" charset="0"/>
-              <a:cs typeface="Courier New" panose="02070309020205020404" pitchFamily="49" charset="0"/>
-            </a:endParaRPr>
-          </a:p>
-          <a:p>
-            <a:r>
-              <a:rPr lang="en-US" sz="900" dirty="0" err="1" smtClean="0">
-                <a:solidFill>
-                  <a:srgbClr val="0070C0"/>
-                </a:solidFill>
-                <a:latin typeface="Courier New" panose="02070309020205020404" pitchFamily="49" charset="0"/>
-                <a:cs typeface="Courier New" panose="02070309020205020404" pitchFamily="49" charset="0"/>
-              </a:rPr>
-              <a:t>c.Expr</a:t>
-            </a:r>
-            <a:r>
-              <a:rPr lang="en-US" sz="900" dirty="0" smtClean="0">
-                <a:solidFill>
-                  <a:srgbClr val="0070C0"/>
-                </a:solidFill>
-                <a:latin typeface="Courier New" panose="02070309020205020404" pitchFamily="49" charset="0"/>
-                <a:cs typeface="Courier New" panose="02070309020205020404" pitchFamily="49" charset="0"/>
-              </a:rPr>
-              <a:t>[Map[String</a:t>
-            </a:r>
-            <a:r>
-              <a:rPr lang="en-US" sz="900" dirty="0">
-                <a:solidFill>
-                  <a:srgbClr val="0070C0"/>
-                </a:solidFill>
-                <a:latin typeface="Courier New" panose="02070309020205020404" pitchFamily="49" charset="0"/>
-                <a:cs typeface="Courier New" panose="02070309020205020404" pitchFamily="49" charset="0"/>
-              </a:rPr>
-              <a:t>, String]](Block(</a:t>
-            </a:r>
-          </a:p>
-          <a:p>
-            <a:r>
-              <a:rPr lang="en-US" sz="900" dirty="0" smtClean="0">
-                <a:solidFill>
-                  <a:srgbClr val="0070C0"/>
-                </a:solidFill>
-                <a:latin typeface="Courier New" panose="02070309020205020404" pitchFamily="49" charset="0"/>
-                <a:cs typeface="Courier New" panose="02070309020205020404" pitchFamily="49" charset="0"/>
-              </a:rPr>
-              <a:t>  define </a:t>
-            </a:r>
-            <a:r>
-              <a:rPr lang="en-US" sz="900" dirty="0">
-                <a:solidFill>
-                  <a:srgbClr val="0070C0"/>
-                </a:solidFill>
-                <a:latin typeface="Courier New" panose="02070309020205020404" pitchFamily="49" charset="0"/>
-                <a:cs typeface="Courier New" panose="02070309020205020404" pitchFamily="49" charset="0"/>
-              </a:rPr>
-              <a:t>:: adds, </a:t>
-            </a:r>
-            <a:r>
-              <a:rPr lang="en-US" sz="900" dirty="0" smtClean="0">
-                <a:solidFill>
-                  <a:srgbClr val="0070C0"/>
-                </a:solidFill>
-                <a:latin typeface="Courier New" panose="02070309020205020404" pitchFamily="49" charset="0"/>
-                <a:cs typeface="Courier New" panose="02070309020205020404" pitchFamily="49" charset="0"/>
-              </a:rPr>
-              <a:t>result</a:t>
-            </a:r>
-          </a:p>
-          <a:p>
-            <a:r>
-              <a:rPr lang="en-US" sz="900" dirty="0" smtClean="0">
-                <a:solidFill>
-                  <a:srgbClr val="0070C0"/>
-                </a:solidFill>
-                <a:latin typeface="Courier New" panose="02070309020205020404" pitchFamily="49" charset="0"/>
-                <a:cs typeface="Courier New" panose="02070309020205020404" pitchFamily="49" charset="0"/>
-              </a:rPr>
-              <a:t> ))</a:t>
-            </a:r>
-          </a:p>
-          <a:p>
-            <a:r>
-              <a:rPr lang="en-US" sz="900" dirty="0" smtClean="0">
-                <a:solidFill>
-                  <a:srgbClr val="92D050"/>
-                </a:solidFill>
-                <a:latin typeface="Courier New" panose="02070309020205020404" pitchFamily="49" charset="0"/>
-                <a:cs typeface="Courier New" panose="02070309020205020404" pitchFamily="49" charset="0"/>
-              </a:rPr>
-              <a:t>}</a:t>
-            </a:r>
-            <a:endParaRPr lang="en-US" sz="900" dirty="0">
-              <a:solidFill>
-                <a:srgbClr val="92D050"/>
-              </a:solidFill>
-              <a:latin typeface="Courier New" panose="02070309020205020404" pitchFamily="49" charset="0"/>
-              <a:cs typeface="Courier New" panose="02070309020205020404" pitchFamily="49" charset="0"/>
+            <a:pPr marL="285750" indent="-285750">
+              <a:buFont typeface="Arial" panose="020B0604020202020204" pitchFamily="34" charset="0"/>
+              <a:buChar char="•"/>
+            </a:pPr>
+            <a:endParaRPr lang="en-US" dirty="0">
+              <a:latin typeface="Comic Sans MS" panose="030F0702030302020204" pitchFamily="66" charset="0"/>
+              <a:cs typeface="Consolas" panose="020B0609020204030204" pitchFamily="49" charset="0"/>
             </a:endParaRPr>
           </a:p>
         </p:txBody>
@@ -12334,7 +12609,7 @@
     </p:spTree>
     <p:extLst>
       <p:ext uri="{BB962C8B-B14F-4D97-AF65-F5344CB8AC3E}">
-        <p14:creationId xmlns:p14="http://schemas.microsoft.com/office/powerpoint/2010/main" val="3300286505"/>
+        <p14:creationId xmlns:p14="http://schemas.microsoft.com/office/powerpoint/2010/main" val="3567224513"/>
       </p:ext>
     </p:extLst>
   </p:cSld>
@@ -12386,11 +12661,23 @@
         </p:spPr>
         <p:txBody>
           <a:bodyPr>
-            <a:normAutofit/>
+            <a:normAutofit fontScale="90000"/>
           </a:bodyPr>
           <a:lstStyle/>
           <a:p>
             <a:pPr algn="l"/>
+            <a:r>
+              <a:rPr lang="en-GB" dirty="0" smtClean="0">
+                <a:solidFill>
+                  <a:schemeClr val="bg1">
+                    <a:lumMod val="50000"/>
+                  </a:schemeClr>
+                </a:solidFill>
+                <a:latin typeface="Comic Sans MS"/>
+                <a:cs typeface="Comic Sans MS"/>
+              </a:rPr>
+              <a:t>Macro example with </a:t>
+            </a:r>
             <a:r>
               <a:rPr lang="en-US" dirty="0" err="1" smtClean="0">
                 <a:solidFill>
@@ -12408,441 +12695,644 @@
       </p:sp>
       <p:sp>
         <p:nvSpPr>
-          <p:cNvPr id="4" name="TextBox 3"/>
-          <p:cNvSpPr txBox="1"/>
+          <p:cNvPr id="7" name="Rectangle 6"/>
+          <p:cNvSpPr/>
           <p:nvPr/>
         </p:nvSpPr>
         <p:spPr>
           <a:xfrm>
-            <a:off x="563672" y="1691014"/>
-            <a:ext cx="7818328" cy="5909310"/>
+            <a:off x="457199" y="1417638"/>
+            <a:ext cx="3823687" cy="360040"/>
           </a:xfrm>
           <a:prstGeom prst="rect">
             <a:avLst/>
           </a:prstGeom>
-          <a:noFill/>
         </p:spPr>
+        <p:style>
+          <a:lnRef idx="2">
+            <a:schemeClr val="accent1"/>
+          </a:lnRef>
+          <a:fillRef idx="1">
+            <a:schemeClr val="lt1"/>
+          </a:fillRef>
+          <a:effectRef idx="0">
+            <a:schemeClr val="accent1"/>
+          </a:effectRef>
+          <a:fontRef idx="minor">
+            <a:schemeClr val="dk1"/>
+          </a:fontRef>
+        </p:style>
         <p:txBody>
-          <a:bodyPr wrap="square" rtlCol="0">
+          <a:bodyPr rtlCol="0" anchor="ctr"/>
+          <a:lstStyle/>
+          <a:p>
+            <a:pPr algn="ctr"/>
+            <a:r>
+              <a:rPr lang="en-GB" dirty="0" err="1"/>
+              <a:t>LoadProperties.scala</a:t>
+            </a:r>
+            <a:endParaRPr lang="en-US" dirty="0"/>
+          </a:p>
+        </p:txBody>
+      </p:sp>
+      <p:sp>
+        <p:nvSpPr>
+          <p:cNvPr id="8" name="Rectangle 7"/>
+          <p:cNvSpPr/>
+          <p:nvPr/>
+        </p:nvSpPr>
+        <p:spPr>
+          <a:xfrm>
+            <a:off x="457199" y="1751582"/>
+            <a:ext cx="8392161" cy="4524315"/>
+          </a:xfrm>
+          <a:prstGeom prst="rect">
+            <a:avLst/>
+          </a:prstGeom>
+        </p:spPr>
+        <p:style>
+          <a:lnRef idx="3">
+            <a:schemeClr val="lt1"/>
+          </a:lnRef>
+          <a:fillRef idx="1">
+            <a:schemeClr val="dk1"/>
+          </a:fillRef>
+          <a:effectRef idx="1">
+            <a:schemeClr val="dk1"/>
+          </a:effectRef>
+          <a:fontRef idx="minor">
+            <a:schemeClr val="lt1"/>
+          </a:fontRef>
+        </p:style>
+        <p:txBody>
+          <a:bodyPr wrap="square" rtlCol="0" anchor="t">
             <a:spAutoFit/>
           </a:bodyPr>
           <a:lstStyle/>
           <a:p>
-            <a:pPr marL="285750" indent="-285750">
-              <a:buFont typeface="Arial" panose="020B0604020202020204" pitchFamily="34" charset="0"/>
-              <a:buChar char="•"/>
-            </a:pPr>
+            <a:r>
+              <a:rPr lang="en-US" dirty="0" err="1" smtClean="0">
+                <a:solidFill>
+                  <a:srgbClr val="92D050"/>
+                </a:solidFill>
+                <a:latin typeface="Courier New" panose="02070309020205020404" pitchFamily="49" charset="0"/>
+                <a:cs typeface="Courier New" panose="02070309020205020404" pitchFamily="49" charset="0"/>
+              </a:rPr>
+              <a:t>def</a:t>
+            </a:r>
             <a:r>
               <a:rPr lang="en-US" dirty="0" smtClean="0">
-                <a:latin typeface="Comic Sans MS" panose="030F0702030302020204" pitchFamily="66" charset="0"/>
-                <a:cs typeface="Consolas" panose="020B0609020204030204" pitchFamily="49" charset="0"/>
-              </a:rPr>
-              <a:t>Introduced in Scala 2.11.</a:t>
-            </a:r>
-          </a:p>
-          <a:p>
-            <a:pPr marL="285750" indent="-285750">
-              <a:buFont typeface="Arial" panose="020B0604020202020204" pitchFamily="34" charset="0"/>
-              <a:buChar char="•"/>
-            </a:pPr>
+                <a:solidFill>
+                  <a:srgbClr val="92D050"/>
+                </a:solidFill>
+                <a:latin typeface="Courier New" panose="02070309020205020404" pitchFamily="49" charset="0"/>
+                <a:cs typeface="Courier New" panose="02070309020205020404" pitchFamily="49" charset="0"/>
+              </a:rPr>
+              <a:t> </a:t>
+            </a:r>
+            <a:r>
+              <a:rPr lang="en-US" dirty="0" err="1">
+                <a:solidFill>
+                  <a:srgbClr val="92D050"/>
+                </a:solidFill>
+                <a:latin typeface="Courier New" panose="02070309020205020404" pitchFamily="49" charset="0"/>
+                <a:cs typeface="Courier New" panose="02070309020205020404" pitchFamily="49" charset="0"/>
+              </a:rPr>
+              <a:t>loadProperties</a:t>
+            </a:r>
+            <a:r>
+              <a:rPr lang="en-US" dirty="0">
+                <a:solidFill>
+                  <a:srgbClr val="92D050"/>
+                </a:solidFill>
+                <a:latin typeface="Courier New" panose="02070309020205020404" pitchFamily="49" charset="0"/>
+                <a:cs typeface="Courier New" panose="02070309020205020404" pitchFamily="49" charset="0"/>
+              </a:rPr>
+              <a:t>(file: String): Map[String, String] = macro </a:t>
+            </a:r>
+            <a:r>
+              <a:rPr lang="en-US" dirty="0" err="1">
+                <a:solidFill>
+                  <a:srgbClr val="92D050"/>
+                </a:solidFill>
+                <a:latin typeface="Courier New" panose="02070309020205020404" pitchFamily="49" charset="0"/>
+                <a:cs typeface="Courier New" panose="02070309020205020404" pitchFamily="49" charset="0"/>
+              </a:rPr>
+              <a:t>loadPropertiesImpl</a:t>
+            </a:r>
+            <a:endParaRPr lang="en-US" dirty="0">
+              <a:solidFill>
+                <a:srgbClr val="92D050"/>
+              </a:solidFill>
+              <a:latin typeface="Courier New" panose="02070309020205020404" pitchFamily="49" charset="0"/>
+              <a:cs typeface="Courier New" panose="02070309020205020404" pitchFamily="49" charset="0"/>
+            </a:endParaRPr>
+          </a:p>
+          <a:p>
+            <a:endParaRPr lang="en-US" dirty="0">
+              <a:solidFill>
+                <a:srgbClr val="92D050"/>
+              </a:solidFill>
+              <a:latin typeface="Courier New" panose="02070309020205020404" pitchFamily="49" charset="0"/>
+              <a:cs typeface="Courier New" panose="02070309020205020404" pitchFamily="49" charset="0"/>
+            </a:endParaRPr>
+          </a:p>
+          <a:p>
+            <a:r>
+              <a:rPr lang="en-US" dirty="0" err="1" smtClean="0">
+                <a:solidFill>
+                  <a:srgbClr val="92D050"/>
+                </a:solidFill>
+                <a:latin typeface="Courier New" panose="02070309020205020404" pitchFamily="49" charset="0"/>
+                <a:cs typeface="Courier New" panose="02070309020205020404" pitchFamily="49" charset="0"/>
+              </a:rPr>
+              <a:t>def</a:t>
+            </a:r>
             <a:r>
               <a:rPr lang="en-US" dirty="0" smtClean="0">
-                <a:latin typeface="Comic Sans MS" panose="030F0702030302020204" pitchFamily="66" charset="0"/>
-                <a:cs typeface="Consolas" panose="020B0609020204030204" pitchFamily="49" charset="0"/>
-              </a:rPr>
-              <a:t>Converts to program text to code </a:t>
-            </a:r>
-            <a:r>
-              <a:rPr lang="en-US" b="1" dirty="0" smtClean="0">
-                <a:latin typeface="Comic Sans MS" panose="030F0702030302020204" pitchFamily="66" charset="0"/>
-                <a:cs typeface="Consolas" panose="020B0609020204030204" pitchFamily="49" charset="0"/>
-              </a:rPr>
-              <a:t>fragments</a:t>
+                <a:solidFill>
+                  <a:srgbClr val="92D050"/>
+                </a:solidFill>
+                <a:latin typeface="Courier New" panose="02070309020205020404" pitchFamily="49" charset="0"/>
+                <a:cs typeface="Courier New" panose="02070309020205020404" pitchFamily="49" charset="0"/>
+              </a:rPr>
+              <a:t> </a:t>
+            </a:r>
+            <a:r>
+              <a:rPr lang="en-US" dirty="0" err="1">
+                <a:solidFill>
+                  <a:srgbClr val="92D050"/>
+                </a:solidFill>
+                <a:latin typeface="Courier New" panose="02070309020205020404" pitchFamily="49" charset="0"/>
+                <a:cs typeface="Courier New" panose="02070309020205020404" pitchFamily="49" charset="0"/>
+              </a:rPr>
+              <a:t>loadPropertiesImpl</a:t>
+            </a:r>
+            <a:r>
+              <a:rPr lang="en-US" dirty="0">
+                <a:solidFill>
+                  <a:srgbClr val="92D050"/>
+                </a:solidFill>
+                <a:latin typeface="Courier New" panose="02070309020205020404" pitchFamily="49" charset="0"/>
+                <a:cs typeface="Courier New" panose="02070309020205020404" pitchFamily="49" charset="0"/>
+              </a:rPr>
+              <a:t>(c: Context)(file: </a:t>
+            </a:r>
+            <a:r>
+              <a:rPr lang="en-US" dirty="0" err="1">
+                <a:solidFill>
+                  <a:srgbClr val="92D050"/>
+                </a:solidFill>
+                <a:latin typeface="Courier New" panose="02070309020205020404" pitchFamily="49" charset="0"/>
+                <a:cs typeface="Courier New" panose="02070309020205020404" pitchFamily="49" charset="0"/>
+              </a:rPr>
+              <a:t>c.Expr</a:t>
+            </a:r>
+            <a:r>
+              <a:rPr lang="en-US" dirty="0">
+                <a:solidFill>
+                  <a:srgbClr val="92D050"/>
+                </a:solidFill>
+                <a:latin typeface="Courier New" panose="02070309020205020404" pitchFamily="49" charset="0"/>
+                <a:cs typeface="Courier New" panose="02070309020205020404" pitchFamily="49" charset="0"/>
+              </a:rPr>
+              <a:t>[String]) = </a:t>
             </a:r>
             <a:r>
               <a:rPr lang="en-US" dirty="0" smtClean="0">
-                <a:latin typeface="Comic Sans MS" panose="030F0702030302020204" pitchFamily="66" charset="0"/>
-                <a:cs typeface="Consolas" panose="020B0609020204030204" pitchFamily="49" charset="0"/>
-              </a:rPr>
-              <a:t>. </a:t>
-            </a:r>
-          </a:p>
-          <a:p>
-            <a:pPr marL="742950" lvl="1" indent="-285750">
-              <a:buFont typeface="Arial" panose="020B0604020202020204" pitchFamily="34" charset="0"/>
-              <a:buChar char="•"/>
-            </a:pPr>
+                <a:solidFill>
+                  <a:srgbClr val="92D050"/>
+                </a:solidFill>
+                <a:latin typeface="Courier New" panose="02070309020205020404" pitchFamily="49" charset="0"/>
+                <a:cs typeface="Courier New" panose="02070309020205020404" pitchFamily="49" charset="0"/>
+              </a:rPr>
+              <a:t>{</a:t>
+            </a:r>
+          </a:p>
+          <a:p>
             <a:r>
               <a:rPr lang="en-US" dirty="0" smtClean="0">
-                <a:latin typeface="Comic Sans MS" panose="030F0702030302020204" pitchFamily="66" charset="0"/>
-                <a:cs typeface="Consolas" panose="020B0609020204030204" pitchFamily="49" charset="0"/>
-              </a:rPr>
-              <a:t>Does not have to be a complete block !!!</a:t>
-            </a:r>
-          </a:p>
-          <a:p>
-            <a:pPr marL="742950" lvl="1" indent="-285750">
-              <a:buFont typeface="Arial" panose="020B0604020202020204" pitchFamily="34" charset="0"/>
-              <a:buChar char="•"/>
-            </a:pPr>
+                <a:solidFill>
+                  <a:srgbClr val="92D050"/>
+                </a:solidFill>
+                <a:latin typeface="Courier New" panose="02070309020205020404" pitchFamily="49" charset="0"/>
+                <a:cs typeface="Courier New" panose="02070309020205020404" pitchFamily="49" charset="0"/>
+              </a:rPr>
+              <a:t>import </a:t>
+            </a:r>
+            <a:r>
+              <a:rPr lang="en-US" dirty="0" err="1" smtClean="0">
+                <a:solidFill>
+                  <a:srgbClr val="92D050"/>
+                </a:solidFill>
+                <a:latin typeface="Courier New" panose="02070309020205020404" pitchFamily="49" charset="0"/>
+                <a:cs typeface="Courier New" panose="02070309020205020404" pitchFamily="49" charset="0"/>
+              </a:rPr>
+              <a:t>c.universe</a:t>
+            </a:r>
+            <a:r>
+              <a:rPr lang="en-US" dirty="0" smtClean="0">
+                <a:solidFill>
+                  <a:srgbClr val="92D050"/>
+                </a:solidFill>
+                <a:latin typeface="Courier New" panose="02070309020205020404" pitchFamily="49" charset="0"/>
+                <a:cs typeface="Courier New" panose="02070309020205020404" pitchFamily="49" charset="0"/>
+              </a:rPr>
+              <a:t>._</a:t>
+            </a:r>
+          </a:p>
+          <a:p>
+            <a:endParaRPr lang="en-US" dirty="0" smtClean="0">
+              <a:solidFill>
+                <a:srgbClr val="92D050"/>
+              </a:solidFill>
+              <a:latin typeface="Courier New" panose="02070309020205020404" pitchFamily="49" charset="0"/>
+              <a:cs typeface="Courier New" panose="02070309020205020404" pitchFamily="49" charset="0"/>
+            </a:endParaRPr>
+          </a:p>
+          <a:p>
+            <a:r>
+              <a:rPr lang="en-US" dirty="0" err="1" smtClean="0">
+                <a:solidFill>
+                  <a:srgbClr val="0070C0"/>
+                </a:solidFill>
+                <a:latin typeface="Courier New" panose="02070309020205020404" pitchFamily="49" charset="0"/>
+                <a:cs typeface="Courier New" panose="02070309020205020404" pitchFamily="49" charset="0"/>
+              </a:rPr>
+              <a:t>val</a:t>
+            </a:r>
+            <a:r>
+              <a:rPr lang="en-US" dirty="0" smtClean="0">
+                <a:solidFill>
+                  <a:srgbClr val="0070C0"/>
+                </a:solidFill>
+                <a:latin typeface="Courier New" panose="02070309020205020404" pitchFamily="49" charset="0"/>
+                <a:cs typeface="Courier New" panose="02070309020205020404" pitchFamily="49" charset="0"/>
+              </a:rPr>
+              <a:t> </a:t>
+            </a:r>
             <a:r>
               <a:rPr lang="en-US" dirty="0">
-                <a:latin typeface="Comic Sans MS" panose="030F0702030302020204" pitchFamily="66" charset="0"/>
-                <a:cs typeface="Consolas" panose="020B0609020204030204" pitchFamily="49" charset="0"/>
+                <a:solidFill>
+                  <a:srgbClr val="0070C0"/>
+                </a:solidFill>
+                <a:latin typeface="Courier New" panose="02070309020205020404" pitchFamily="49" charset="0"/>
+                <a:cs typeface="Courier New" panose="02070309020205020404" pitchFamily="49" charset="0"/>
+              </a:rPr>
+              <a:t>q"${</a:t>
+            </a:r>
+            <a:r>
+              <a:rPr lang="en-US" dirty="0" err="1">
+                <a:solidFill>
+                  <a:srgbClr val="0070C0"/>
+                </a:solidFill>
+                <a:latin typeface="Courier New" panose="02070309020205020404" pitchFamily="49" charset="0"/>
+                <a:cs typeface="Courier New" panose="02070309020205020404" pitchFamily="49" charset="0"/>
+              </a:rPr>
+              <a:t>fileName</a:t>
+            </a:r>
+            <a:r>
+              <a:rPr lang="en-US" dirty="0">
+                <a:solidFill>
+                  <a:srgbClr val="0070C0"/>
+                </a:solidFill>
+                <a:latin typeface="Courier New" panose="02070309020205020404" pitchFamily="49" charset="0"/>
+                <a:cs typeface="Courier New" panose="02070309020205020404" pitchFamily="49" charset="0"/>
+              </a:rPr>
+              <a:t>: String}" = </a:t>
+            </a:r>
+            <a:r>
+              <a:rPr lang="en-US" dirty="0" err="1">
+                <a:solidFill>
+                  <a:srgbClr val="0070C0"/>
+                </a:solidFill>
+                <a:latin typeface="Courier New" panose="02070309020205020404" pitchFamily="49" charset="0"/>
+                <a:cs typeface="Courier New" panose="02070309020205020404" pitchFamily="49" charset="0"/>
+              </a:rPr>
+              <a:t>file.tree</a:t>
+            </a:r>
+            <a:endParaRPr lang="en-US" dirty="0">
+              <a:solidFill>
+                <a:srgbClr val="0070C0"/>
+              </a:solidFill>
+              <a:latin typeface="Courier New" panose="02070309020205020404" pitchFamily="49" charset="0"/>
+              <a:cs typeface="Courier New" panose="02070309020205020404" pitchFamily="49" charset="0"/>
+            </a:endParaRPr>
+          </a:p>
+          <a:p>
+            <a:endParaRPr lang="en-US" dirty="0">
+              <a:solidFill>
+                <a:srgbClr val="92D050"/>
+              </a:solidFill>
+              <a:latin typeface="Courier New" panose="02070309020205020404" pitchFamily="49" charset="0"/>
+              <a:cs typeface="Courier New" panose="02070309020205020404" pitchFamily="49" charset="0"/>
+            </a:endParaRPr>
+          </a:p>
+          <a:p>
+            <a:r>
+              <a:rPr lang="en-US" dirty="0" err="1" smtClean="0">
+                <a:solidFill>
+                  <a:srgbClr val="92D050"/>
+                </a:solidFill>
+                <a:latin typeface="Courier New" panose="02070309020205020404" pitchFamily="49" charset="0"/>
+                <a:cs typeface="Courier New" panose="02070309020205020404" pitchFamily="49" charset="0"/>
+              </a:rPr>
+              <a:t>val</a:t>
+            </a:r>
+            <a:r>
+              <a:rPr lang="en-US" dirty="0" smtClean="0">
+                <a:solidFill>
+                  <a:srgbClr val="92D050"/>
+                </a:solidFill>
+                <a:latin typeface="Courier New" panose="02070309020205020404" pitchFamily="49" charset="0"/>
+                <a:cs typeface="Courier New" panose="02070309020205020404" pitchFamily="49" charset="0"/>
+              </a:rPr>
+              <a:t> </a:t>
+            </a:r>
+            <a:r>
+              <a:rPr lang="en-US" dirty="0" err="1">
+                <a:solidFill>
+                  <a:srgbClr val="92D050"/>
+                </a:solidFill>
+                <a:latin typeface="Courier New" panose="02070309020205020404" pitchFamily="49" charset="0"/>
+                <a:cs typeface="Courier New" panose="02070309020205020404" pitchFamily="49" charset="0"/>
+              </a:rPr>
+              <a:t>fis</a:t>
+            </a:r>
+            <a:r>
+              <a:rPr lang="en-US" dirty="0">
+                <a:solidFill>
+                  <a:srgbClr val="92D050"/>
+                </a:solidFill>
+                <a:latin typeface="Courier New" panose="02070309020205020404" pitchFamily="49" charset="0"/>
+                <a:cs typeface="Courier New" panose="02070309020205020404" pitchFamily="49" charset="0"/>
+              </a:rPr>
+              <a:t> = new </a:t>
+            </a:r>
+            <a:r>
+              <a:rPr lang="en-US" dirty="0" err="1">
+                <a:solidFill>
+                  <a:srgbClr val="92D050"/>
+                </a:solidFill>
+                <a:latin typeface="Courier New" panose="02070309020205020404" pitchFamily="49" charset="0"/>
+                <a:cs typeface="Courier New" panose="02070309020205020404" pitchFamily="49" charset="0"/>
+              </a:rPr>
+              <a:t>FileInputStream</a:t>
+            </a:r>
+            <a:r>
+              <a:rPr lang="en-US" dirty="0">
+                <a:solidFill>
+                  <a:srgbClr val="92D050"/>
+                </a:solidFill>
+                <a:latin typeface="Courier New" panose="02070309020205020404" pitchFamily="49" charset="0"/>
+                <a:cs typeface="Courier New" panose="02070309020205020404" pitchFamily="49" charset="0"/>
+              </a:rPr>
+              <a:t>(</a:t>
+            </a:r>
+            <a:r>
+              <a:rPr lang="en-US" dirty="0" err="1">
+                <a:solidFill>
+                  <a:srgbClr val="92D050"/>
+                </a:solidFill>
+                <a:latin typeface="Courier New" panose="02070309020205020404" pitchFamily="49" charset="0"/>
+                <a:cs typeface="Courier New" panose="02070309020205020404" pitchFamily="49" charset="0"/>
+              </a:rPr>
+              <a:t>fileName</a:t>
+            </a:r>
+            <a:r>
+              <a:rPr lang="en-US" dirty="0">
+                <a:solidFill>
+                  <a:srgbClr val="92D050"/>
+                </a:solidFill>
+                <a:latin typeface="Courier New" panose="02070309020205020404" pitchFamily="49" charset="0"/>
+                <a:cs typeface="Courier New" panose="02070309020205020404" pitchFamily="49" charset="0"/>
+              </a:rPr>
+              <a:t>)</a:t>
+            </a:r>
+          </a:p>
+          <a:p>
+            <a:r>
+              <a:rPr lang="en-US" dirty="0" err="1" smtClean="0">
+                <a:solidFill>
+                  <a:srgbClr val="92D050"/>
+                </a:solidFill>
+                <a:latin typeface="Courier New" panose="02070309020205020404" pitchFamily="49" charset="0"/>
+                <a:cs typeface="Courier New" panose="02070309020205020404" pitchFamily="49" charset="0"/>
+              </a:rPr>
+              <a:t>val</a:t>
+            </a:r>
+            <a:r>
+              <a:rPr lang="en-US" dirty="0" smtClean="0">
+                <a:solidFill>
+                  <a:srgbClr val="92D050"/>
+                </a:solidFill>
+                <a:latin typeface="Courier New" panose="02070309020205020404" pitchFamily="49" charset="0"/>
+                <a:cs typeface="Courier New" panose="02070309020205020404" pitchFamily="49" charset="0"/>
+              </a:rPr>
+              <a:t> </a:t>
+            </a:r>
+            <a:r>
+              <a:rPr lang="en-US" dirty="0">
+                <a:solidFill>
+                  <a:srgbClr val="92D050"/>
+                </a:solidFill>
+                <a:latin typeface="Courier New" panose="02070309020205020404" pitchFamily="49" charset="0"/>
+                <a:cs typeface="Courier New" panose="02070309020205020404" pitchFamily="49" charset="0"/>
+              </a:rPr>
+              <a:t>properties = new Properties</a:t>
+            </a:r>
+          </a:p>
+          <a:p>
+            <a:r>
+              <a:rPr lang="en-US" dirty="0" err="1" smtClean="0">
+                <a:solidFill>
+                  <a:srgbClr val="92D050"/>
+                </a:solidFill>
+                <a:latin typeface="Courier New" panose="02070309020205020404" pitchFamily="49" charset="0"/>
+                <a:cs typeface="Courier New" panose="02070309020205020404" pitchFamily="49" charset="0"/>
+              </a:rPr>
+              <a:t>properties.load</a:t>
+            </a:r>
+            <a:r>
+              <a:rPr lang="en-US" dirty="0" smtClean="0">
+                <a:solidFill>
+                  <a:srgbClr val="92D050"/>
+                </a:solidFill>
+                <a:latin typeface="Courier New" panose="02070309020205020404" pitchFamily="49" charset="0"/>
+                <a:cs typeface="Courier New" panose="02070309020205020404" pitchFamily="49" charset="0"/>
+              </a:rPr>
+              <a:t>(</a:t>
+            </a:r>
+            <a:r>
+              <a:rPr lang="en-US" dirty="0" err="1" smtClean="0">
+                <a:solidFill>
+                  <a:srgbClr val="92D050"/>
+                </a:solidFill>
+                <a:latin typeface="Courier New" panose="02070309020205020404" pitchFamily="49" charset="0"/>
+                <a:cs typeface="Courier New" panose="02070309020205020404" pitchFamily="49" charset="0"/>
+              </a:rPr>
+              <a:t>fis</a:t>
+            </a:r>
+            <a:r>
+              <a:rPr lang="en-US" dirty="0">
+                <a:solidFill>
+                  <a:srgbClr val="92D050"/>
+                </a:solidFill>
+                <a:latin typeface="Courier New" panose="02070309020205020404" pitchFamily="49" charset="0"/>
+                <a:cs typeface="Courier New" panose="02070309020205020404" pitchFamily="49" charset="0"/>
+              </a:rPr>
+              <a:t>)</a:t>
+            </a:r>
+          </a:p>
+          <a:p>
+            <a:r>
+              <a:rPr lang="en-US" dirty="0" err="1" smtClean="0">
+                <a:solidFill>
+                  <a:srgbClr val="92D050"/>
+                </a:solidFill>
+                <a:latin typeface="Courier New" panose="02070309020205020404" pitchFamily="49" charset="0"/>
+                <a:cs typeface="Courier New" panose="02070309020205020404" pitchFamily="49" charset="0"/>
+              </a:rPr>
+              <a:t>fis.close</a:t>
+            </a:r>
+            <a:r>
+              <a:rPr lang="en-US" dirty="0">
+                <a:solidFill>
+                  <a:srgbClr val="92D050"/>
+                </a:solidFill>
+                <a:latin typeface="Courier New" panose="02070309020205020404" pitchFamily="49" charset="0"/>
+                <a:cs typeface="Courier New" panose="02070309020205020404" pitchFamily="49" charset="0"/>
+              </a:rPr>
+              <a:t>()</a:t>
+            </a:r>
+          </a:p>
+          <a:p>
+            <a:r>
+              <a:rPr lang="en-US" dirty="0" err="1" smtClean="0">
+                <a:solidFill>
+                  <a:srgbClr val="92D050"/>
+                </a:solidFill>
+                <a:latin typeface="Courier New" panose="02070309020205020404" pitchFamily="49" charset="0"/>
+                <a:cs typeface="Courier New" panose="02070309020205020404" pitchFamily="49" charset="0"/>
+              </a:rPr>
+              <a:t>val</a:t>
+            </a:r>
+            <a:r>
+              <a:rPr lang="en-US" dirty="0" smtClean="0">
+                <a:solidFill>
+                  <a:srgbClr val="92D050"/>
+                </a:solidFill>
+                <a:latin typeface="Courier New" panose="02070309020205020404" pitchFamily="49" charset="0"/>
+                <a:cs typeface="Courier New" panose="02070309020205020404" pitchFamily="49" charset="0"/>
+              </a:rPr>
+              <a:t> </a:t>
+            </a:r>
+            <a:r>
+              <a:rPr lang="en-US" dirty="0" err="1">
+                <a:solidFill>
+                  <a:srgbClr val="92D050"/>
+                </a:solidFill>
+                <a:latin typeface="Courier New" panose="02070309020205020404" pitchFamily="49" charset="0"/>
+                <a:cs typeface="Courier New" panose="02070309020205020404" pitchFamily="49" charset="0"/>
+              </a:rPr>
+              <a:t>propertiesMap</a:t>
+            </a:r>
+            <a:r>
+              <a:rPr lang="en-US" dirty="0">
+                <a:solidFill>
+                  <a:srgbClr val="92D050"/>
+                </a:solidFill>
+                <a:latin typeface="Courier New" panose="02070309020205020404" pitchFamily="49" charset="0"/>
+                <a:cs typeface="Courier New" panose="02070309020205020404" pitchFamily="49" charset="0"/>
+              </a:rPr>
+              <a:t> = </a:t>
+            </a:r>
+            <a:r>
+              <a:rPr lang="en-US" dirty="0" err="1">
+                <a:solidFill>
+                  <a:srgbClr val="92D050"/>
+                </a:solidFill>
+                <a:latin typeface="Courier New" panose="02070309020205020404" pitchFamily="49" charset="0"/>
+                <a:cs typeface="Courier New" panose="02070309020205020404" pitchFamily="49" charset="0"/>
+              </a:rPr>
+              <a:t>properties.asScala.toMap</a:t>
+            </a:r>
+            <a:endParaRPr lang="en-US" dirty="0">
+              <a:solidFill>
+                <a:srgbClr val="92D050"/>
+              </a:solidFill>
+              <a:latin typeface="Courier New" panose="02070309020205020404" pitchFamily="49" charset="0"/>
+              <a:cs typeface="Courier New" panose="02070309020205020404" pitchFamily="49" charset="0"/>
+            </a:endParaRPr>
+          </a:p>
+          <a:p>
+            <a:endParaRPr lang="en-US" dirty="0">
+              <a:solidFill>
+                <a:srgbClr val="92D050"/>
+              </a:solidFill>
+              <a:latin typeface="Courier New" panose="02070309020205020404" pitchFamily="49" charset="0"/>
+              <a:cs typeface="Courier New" panose="02070309020205020404" pitchFamily="49" charset="0"/>
+            </a:endParaRPr>
+          </a:p>
+          <a:p>
+            <a:r>
+              <a:rPr lang="en-US" dirty="0" smtClean="0">
+                <a:solidFill>
+                  <a:srgbClr val="0070C0"/>
+                </a:solidFill>
+                <a:latin typeface="Courier New" panose="02070309020205020404" pitchFamily="49" charset="0"/>
+                <a:cs typeface="Courier New" panose="02070309020205020404" pitchFamily="49" charset="0"/>
               </a:rPr>
               <a:t>q</a:t>
             </a:r>
             <a:r>
+              <a:rPr lang="en-US" dirty="0">
+                <a:solidFill>
+                  <a:srgbClr val="0070C0"/>
+                </a:solidFill>
+                <a:latin typeface="Courier New" panose="02070309020205020404" pitchFamily="49" charset="0"/>
+                <a:cs typeface="Courier New" panose="02070309020205020404" pitchFamily="49" charset="0"/>
+              </a:rPr>
+              <a:t>"$</a:t>
+            </a:r>
+            <a:r>
+              <a:rPr lang="en-US" dirty="0" err="1">
+                <a:solidFill>
+                  <a:srgbClr val="0070C0"/>
+                </a:solidFill>
+                <a:latin typeface="Courier New" panose="02070309020205020404" pitchFamily="49" charset="0"/>
+                <a:cs typeface="Courier New" panose="02070309020205020404" pitchFamily="49" charset="0"/>
+              </a:rPr>
+              <a:t>propertiesMap</a:t>
+            </a:r>
+            <a:r>
+              <a:rPr lang="en-US" dirty="0">
+                <a:solidFill>
+                  <a:srgbClr val="0070C0"/>
+                </a:solidFill>
+                <a:latin typeface="Courier New" panose="02070309020205020404" pitchFamily="49" charset="0"/>
+                <a:cs typeface="Courier New" panose="02070309020205020404" pitchFamily="49" charset="0"/>
+              </a:rPr>
+              <a:t>"</a:t>
+            </a:r>
+          </a:p>
+          <a:p>
+            <a:r>
               <a:rPr lang="en-US" dirty="0" smtClean="0">
-                <a:latin typeface="Comic Sans MS" panose="030F0702030302020204" pitchFamily="66" charset="0"/>
-                <a:cs typeface="Consolas" panose="020B0609020204030204" pitchFamily="49" charset="0"/>
-              </a:rPr>
-              <a:t>”…” for code (most common)</a:t>
-            </a:r>
-          </a:p>
-          <a:p>
-            <a:pPr marL="742950" lvl="1" indent="-285750">
-              <a:buFont typeface="Arial" panose="020B0604020202020204" pitchFamily="34" charset="0"/>
-              <a:buChar char="•"/>
-            </a:pPr>
-            <a:r>
-              <a:rPr lang="en-US" dirty="0" err="1">
-                <a:latin typeface="Comic Sans MS" panose="030F0702030302020204" pitchFamily="66" charset="0"/>
-                <a:cs typeface="Consolas" panose="020B0609020204030204" pitchFamily="49" charset="0"/>
-              </a:rPr>
-              <a:t>t</a:t>
-            </a:r>
-            <a:r>
-              <a:rPr lang="en-US" dirty="0" err="1" smtClean="0">
-                <a:latin typeface="Comic Sans MS" panose="030F0702030302020204" pitchFamily="66" charset="0"/>
-                <a:cs typeface="Consolas" panose="020B0609020204030204" pitchFamily="49" charset="0"/>
-              </a:rPr>
-              <a:t>q</a:t>
-            </a:r>
-            <a:r>
-              <a:rPr lang="en-US" dirty="0" smtClean="0">
-                <a:latin typeface="Comic Sans MS" panose="030F0702030302020204" pitchFamily="66" charset="0"/>
-                <a:cs typeface="Consolas" panose="020B0609020204030204" pitchFamily="49" charset="0"/>
-              </a:rPr>
-              <a:t>”…” for types</a:t>
-            </a:r>
-          </a:p>
-          <a:p>
-            <a:pPr marL="742950" lvl="1" indent="-285750">
-              <a:buFont typeface="Arial" panose="020B0604020202020204" pitchFamily="34" charset="0"/>
-              <a:buChar char="•"/>
-            </a:pPr>
-            <a:r>
-              <a:rPr lang="en-US" dirty="0" err="1">
-                <a:latin typeface="Comic Sans MS" panose="030F0702030302020204" pitchFamily="66" charset="0"/>
-                <a:cs typeface="Consolas" panose="020B0609020204030204" pitchFamily="49" charset="0"/>
-              </a:rPr>
-              <a:t>p</a:t>
-            </a:r>
-            <a:r>
-              <a:rPr lang="en-US" dirty="0" err="1" smtClean="0">
-                <a:latin typeface="Comic Sans MS" panose="030F0702030302020204" pitchFamily="66" charset="0"/>
-                <a:cs typeface="Consolas" panose="020B0609020204030204" pitchFamily="49" charset="0"/>
-              </a:rPr>
-              <a:t>q</a:t>
-            </a:r>
-            <a:r>
-              <a:rPr lang="en-US" dirty="0" smtClean="0">
-                <a:latin typeface="Comic Sans MS" panose="030F0702030302020204" pitchFamily="66" charset="0"/>
-                <a:cs typeface="Consolas" panose="020B0609020204030204" pitchFamily="49" charset="0"/>
-              </a:rPr>
-              <a:t>”…” for patterns (pattern matching)</a:t>
-            </a:r>
-          </a:p>
-          <a:p>
-            <a:pPr marL="285750" indent="-285750">
-              <a:buFont typeface="Arial" panose="020B0604020202020204" pitchFamily="34" charset="0"/>
-              <a:buChar char="•"/>
-            </a:pPr>
-            <a:r>
-              <a:rPr lang="en-US" dirty="0" smtClean="0">
-                <a:latin typeface="Comic Sans MS" panose="030F0702030302020204" pitchFamily="66" charset="0"/>
-                <a:cs typeface="Consolas" panose="020B0609020204030204" pitchFamily="49" charset="0"/>
-              </a:rPr>
-              <a:t>Makes macro creation easier and much shorter</a:t>
-            </a:r>
-          </a:p>
-          <a:p>
-            <a:pPr marL="285750" indent="-285750">
-              <a:buFont typeface="Arial" panose="020B0604020202020204" pitchFamily="34" charset="0"/>
-              <a:buChar char="•"/>
-            </a:pPr>
-            <a:r>
-              <a:rPr lang="en-US" dirty="0" smtClean="0">
-                <a:latin typeface="Comic Sans MS" panose="030F0702030302020204" pitchFamily="66" charset="0"/>
-                <a:cs typeface="Consolas" panose="020B0609020204030204" pitchFamily="49" charset="0"/>
-              </a:rPr>
-              <a:t>Can </a:t>
-            </a:r>
-            <a:r>
-              <a:rPr lang="en-US" b="1" dirty="0" smtClean="0">
-                <a:latin typeface="Comic Sans MS" panose="030F0702030302020204" pitchFamily="66" charset="0"/>
-                <a:cs typeface="Consolas" panose="020B0609020204030204" pitchFamily="49" charset="0"/>
-              </a:rPr>
-              <a:t>lift</a:t>
-            </a:r>
-            <a:r>
-              <a:rPr lang="en-US" dirty="0" smtClean="0">
-                <a:latin typeface="Comic Sans MS" panose="030F0702030302020204" pitchFamily="66" charset="0"/>
-                <a:cs typeface="Consolas" panose="020B0609020204030204" pitchFamily="49" charset="0"/>
-              </a:rPr>
-              <a:t> values into the AST</a:t>
-            </a:r>
-          </a:p>
-          <a:p>
-            <a:pPr marL="742950" lvl="1" indent="-285750">
-              <a:buFont typeface="Arial" panose="020B0604020202020204" pitchFamily="34" charset="0"/>
-              <a:buChar char="•"/>
-            </a:pPr>
-            <a:r>
-              <a:rPr lang="en-US" dirty="0" smtClean="0">
-                <a:latin typeface="Comic Sans MS" panose="030F0702030302020204" pitchFamily="66" charset="0"/>
-                <a:cs typeface="Consolas" panose="020B0609020204030204" pitchFamily="49" charset="0"/>
-              </a:rPr>
-              <a:t>Creates code that will return the value</a:t>
-            </a:r>
-          </a:p>
-          <a:p>
-            <a:pPr marL="742950" lvl="1" indent="-285750">
-              <a:buFont typeface="Arial" panose="020B0604020202020204" pitchFamily="34" charset="0"/>
-              <a:buChar char="•"/>
-            </a:pPr>
-            <a:r>
-              <a:rPr lang="en-US" dirty="0" smtClean="0">
-                <a:latin typeface="Comic Sans MS" panose="030F0702030302020204" pitchFamily="66" charset="0"/>
-                <a:cs typeface="Consolas" panose="020B0609020204030204" pitchFamily="49" charset="0"/>
-              </a:rPr>
-              <a:t>Supports </a:t>
-            </a:r>
-            <a:r>
-              <a:rPr lang="en-US" dirty="0">
-                <a:latin typeface="Comic Sans MS" panose="030F0702030302020204" pitchFamily="66" charset="0"/>
-                <a:cs typeface="Consolas" panose="020B0609020204030204" pitchFamily="49" charset="0"/>
-              </a:rPr>
-              <a:t>numbers, strings and some </a:t>
-            </a:r>
-            <a:r>
-              <a:rPr lang="en-US" dirty="0" smtClean="0">
-                <a:latin typeface="Comic Sans MS" panose="030F0702030302020204" pitchFamily="66" charset="0"/>
-                <a:cs typeface="Consolas" panose="020B0609020204030204" pitchFamily="49" charset="0"/>
-              </a:rPr>
-              <a:t>collections</a:t>
-            </a:r>
-          </a:p>
-          <a:p>
-            <a:pPr marL="742950" lvl="1" indent="-285750">
-              <a:buFont typeface="Arial" panose="020B0604020202020204" pitchFamily="34" charset="0"/>
-              <a:buChar char="•"/>
-            </a:pPr>
-            <a:r>
-              <a:rPr lang="en-US" dirty="0" smtClean="0">
-                <a:latin typeface="Comic Sans MS" panose="030F0702030302020204" pitchFamily="66" charset="0"/>
-                <a:cs typeface="Consolas" panose="020B0609020204030204" pitchFamily="49" charset="0"/>
-              </a:rPr>
-              <a:t>Can create custom </a:t>
-            </a:r>
-            <a:r>
-              <a:rPr lang="en-US" dirty="0" err="1" smtClean="0">
-                <a:latin typeface="Comic Sans MS" panose="030F0702030302020204" pitchFamily="66" charset="0"/>
-                <a:cs typeface="Consolas" panose="020B0609020204030204" pitchFamily="49" charset="0"/>
-              </a:rPr>
-              <a:t>Liftables</a:t>
-            </a:r>
-            <a:r>
-              <a:rPr lang="en-US" dirty="0" smtClean="0">
-                <a:latin typeface="Comic Sans MS" panose="030F0702030302020204" pitchFamily="66" charset="0"/>
-                <a:cs typeface="Consolas" panose="020B0609020204030204" pitchFamily="49" charset="0"/>
-              </a:rPr>
-              <a:t> for other types</a:t>
-            </a:r>
-          </a:p>
-          <a:p>
-            <a:pPr marL="285750" indent="-285750">
-              <a:buFont typeface="Arial" panose="020B0604020202020204" pitchFamily="34" charset="0"/>
-              <a:buChar char="•"/>
-            </a:pPr>
-            <a:r>
-              <a:rPr lang="en-US" dirty="0" smtClean="0">
-                <a:latin typeface="Comic Sans MS" panose="030F0702030302020204" pitchFamily="66" charset="0"/>
-                <a:cs typeface="Consolas" panose="020B0609020204030204" pitchFamily="49" charset="0"/>
-              </a:rPr>
-              <a:t>Can </a:t>
-            </a:r>
-            <a:r>
-              <a:rPr lang="en-US" b="1" dirty="0" err="1" smtClean="0">
-                <a:latin typeface="Comic Sans MS" panose="030F0702030302020204" pitchFamily="66" charset="0"/>
-                <a:cs typeface="Consolas" panose="020B0609020204030204" pitchFamily="49" charset="0"/>
-              </a:rPr>
-              <a:t>unlift</a:t>
-            </a:r>
-            <a:r>
-              <a:rPr lang="en-US" dirty="0" smtClean="0">
-                <a:latin typeface="Comic Sans MS" panose="030F0702030302020204" pitchFamily="66" charset="0"/>
-                <a:cs typeface="Consolas" panose="020B0609020204030204" pitchFamily="49" charset="0"/>
-              </a:rPr>
-              <a:t> constants from the AST</a:t>
-            </a:r>
-          </a:p>
-          <a:p>
-            <a:pPr marL="742950" lvl="1" indent="-285750">
-              <a:buFont typeface="Arial" panose="020B0604020202020204" pitchFamily="34" charset="0"/>
-              <a:buChar char="•"/>
-            </a:pPr>
-            <a:r>
-              <a:rPr lang="en-US" dirty="0" smtClean="0">
-                <a:latin typeface="Comic Sans MS" panose="030F0702030302020204" pitchFamily="66" charset="0"/>
-                <a:cs typeface="Consolas" panose="020B0609020204030204" pitchFamily="49" charset="0"/>
-              </a:rPr>
-              <a:t>Extracts constant values out of the AST</a:t>
-            </a:r>
-          </a:p>
-          <a:p>
-            <a:pPr marL="742950" lvl="1" indent="-285750">
-              <a:buFont typeface="Arial" panose="020B0604020202020204" pitchFamily="34" charset="0"/>
-              <a:buChar char="•"/>
-            </a:pPr>
-            <a:r>
-              <a:rPr lang="en-US" dirty="0">
-                <a:latin typeface="Comic Sans MS" panose="030F0702030302020204" pitchFamily="66" charset="0"/>
-                <a:cs typeface="Consolas" panose="020B0609020204030204" pitchFamily="49" charset="0"/>
-              </a:rPr>
-              <a:t>Supports </a:t>
-            </a:r>
-            <a:r>
-              <a:rPr lang="en-US" dirty="0" smtClean="0">
-                <a:latin typeface="Comic Sans MS" panose="030F0702030302020204" pitchFamily="66" charset="0"/>
-                <a:cs typeface="Consolas" panose="020B0609020204030204" pitchFamily="49" charset="0"/>
-              </a:rPr>
-              <a:t>numbers and </a:t>
-            </a:r>
-            <a:r>
-              <a:rPr lang="en-US" dirty="0">
-                <a:latin typeface="Comic Sans MS" panose="030F0702030302020204" pitchFamily="66" charset="0"/>
-                <a:cs typeface="Consolas" panose="020B0609020204030204" pitchFamily="49" charset="0"/>
-              </a:rPr>
-              <a:t>strings</a:t>
-            </a:r>
-            <a:endParaRPr lang="en-US" dirty="0" smtClean="0">
-              <a:latin typeface="Comic Sans MS" panose="030F0702030302020204" pitchFamily="66" charset="0"/>
-              <a:cs typeface="Consolas" panose="020B0609020204030204" pitchFamily="49" charset="0"/>
-            </a:endParaRPr>
-          </a:p>
-          <a:p>
-            <a:pPr marL="742950" lvl="1" indent="-285750">
-              <a:buFont typeface="Arial" panose="020B0604020202020204" pitchFamily="34" charset="0"/>
-              <a:buChar char="•"/>
-            </a:pPr>
-            <a:r>
-              <a:rPr lang="en-US" dirty="0">
-                <a:latin typeface="Comic Sans MS" panose="030F0702030302020204" pitchFamily="66" charset="0"/>
-                <a:cs typeface="Consolas" panose="020B0609020204030204" pitchFamily="49" charset="0"/>
-              </a:rPr>
-              <a:t>Can create custom </a:t>
-            </a:r>
-            <a:r>
-              <a:rPr lang="en-US" dirty="0" err="1" smtClean="0">
-                <a:latin typeface="Comic Sans MS" panose="030F0702030302020204" pitchFamily="66" charset="0"/>
-                <a:cs typeface="Consolas" panose="020B0609020204030204" pitchFamily="49" charset="0"/>
-              </a:rPr>
-              <a:t>Unliftables</a:t>
-            </a:r>
-            <a:r>
-              <a:rPr lang="en-US" dirty="0" smtClean="0">
-                <a:latin typeface="Comic Sans MS" panose="030F0702030302020204" pitchFamily="66" charset="0"/>
-                <a:cs typeface="Consolas" panose="020B0609020204030204" pitchFamily="49" charset="0"/>
-              </a:rPr>
-              <a:t> </a:t>
-            </a:r>
-            <a:r>
-              <a:rPr lang="en-US" dirty="0">
-                <a:latin typeface="Comic Sans MS" panose="030F0702030302020204" pitchFamily="66" charset="0"/>
-                <a:cs typeface="Consolas" panose="020B0609020204030204" pitchFamily="49" charset="0"/>
-              </a:rPr>
-              <a:t>for other types</a:t>
+                <a:solidFill>
+                  <a:srgbClr val="92D050"/>
+                </a:solidFill>
+                <a:latin typeface="Courier New" panose="02070309020205020404" pitchFamily="49" charset="0"/>
+                <a:cs typeface="Courier New" panose="02070309020205020404" pitchFamily="49" charset="0"/>
+              </a:rPr>
+              <a:t>}</a:t>
             </a:r>
             <a:endParaRPr lang="en-US" dirty="0">
-              <a:latin typeface="Comic Sans MS" panose="030F0702030302020204" pitchFamily="66" charset="0"/>
-              <a:cs typeface="Consolas" panose="020B0609020204030204" pitchFamily="49" charset="0"/>
-            </a:endParaRPr>
-          </a:p>
-          <a:p>
-            <a:pPr marL="285750" indent="-285750">
-              <a:buFont typeface="Arial" panose="020B0604020202020204" pitchFamily="34" charset="0"/>
-              <a:buChar char="•"/>
-            </a:pPr>
-            <a:endParaRPr lang="en-US" dirty="0" smtClean="0">
-              <a:latin typeface="Comic Sans MS" panose="030F0702030302020204" pitchFamily="66" charset="0"/>
-              <a:cs typeface="Consolas" panose="020B0609020204030204" pitchFamily="49" charset="0"/>
-            </a:endParaRPr>
-          </a:p>
-          <a:p>
-            <a:pPr marL="285750" indent="-285750">
-              <a:buFont typeface="Arial" panose="020B0604020202020204" pitchFamily="34" charset="0"/>
-              <a:buChar char="•"/>
-            </a:pPr>
-            <a:r>
-              <a:rPr lang="en-US" dirty="0" smtClean="0">
-                <a:latin typeface="Comic Sans MS" panose="030F0702030302020204" pitchFamily="66" charset="0"/>
-                <a:cs typeface="Consolas" panose="020B0609020204030204" pitchFamily="49" charset="0"/>
-              </a:rPr>
-              <a:t>More info:</a:t>
-            </a:r>
-          </a:p>
-          <a:p>
-            <a:r>
-              <a:rPr lang="en-US" dirty="0">
-                <a:latin typeface="Comic Sans MS" panose="030F0702030302020204" pitchFamily="66" charset="0"/>
-                <a:cs typeface="Consolas" panose="020B0609020204030204" pitchFamily="49" charset="0"/>
-                <a:hlinkClick r:id="rId2"/>
-              </a:rPr>
-              <a:t>http://</a:t>
-            </a:r>
-            <a:r>
-              <a:rPr lang="en-US" dirty="0" smtClean="0">
-                <a:latin typeface="Comic Sans MS" panose="030F0702030302020204" pitchFamily="66" charset="0"/>
-                <a:cs typeface="Consolas" panose="020B0609020204030204" pitchFamily="49" charset="0"/>
-                <a:hlinkClick r:id="rId2"/>
-              </a:rPr>
-              <a:t>docs.scala-lang.org/overviews/quasiquotes/intro.html</a:t>
-            </a:r>
-            <a:endParaRPr lang="en-US" dirty="0" smtClean="0">
-              <a:latin typeface="Comic Sans MS" panose="030F0702030302020204" pitchFamily="66" charset="0"/>
-              <a:cs typeface="Consolas" panose="020B0609020204030204" pitchFamily="49" charset="0"/>
-            </a:endParaRPr>
-          </a:p>
-          <a:p>
-            <a:pPr marL="285750" indent="-285750">
-              <a:buFont typeface="Arial" panose="020B0604020202020204" pitchFamily="34" charset="0"/>
-              <a:buChar char="•"/>
-            </a:pPr>
-            <a:endParaRPr lang="en-US" dirty="0" smtClean="0">
-              <a:latin typeface="Comic Sans MS" panose="030F0702030302020204" pitchFamily="66" charset="0"/>
-              <a:cs typeface="Consolas" panose="020B0609020204030204" pitchFamily="49" charset="0"/>
-            </a:endParaRPr>
-          </a:p>
-          <a:p>
-            <a:pPr marL="285750" indent="-285750">
-              <a:buFont typeface="Arial" panose="020B0604020202020204" pitchFamily="34" charset="0"/>
-              <a:buChar char="•"/>
-            </a:pPr>
-            <a:endParaRPr lang="en-US" dirty="0" smtClean="0">
-              <a:latin typeface="Comic Sans MS" panose="030F0702030302020204" pitchFamily="66" charset="0"/>
-              <a:cs typeface="Consolas" panose="020B0609020204030204" pitchFamily="49" charset="0"/>
-            </a:endParaRPr>
-          </a:p>
-          <a:p>
-            <a:pPr marL="285750" indent="-285750">
-              <a:buFont typeface="Arial" panose="020B0604020202020204" pitchFamily="34" charset="0"/>
-              <a:buChar char="•"/>
-            </a:pPr>
-            <a:endParaRPr lang="en-US" dirty="0">
-              <a:latin typeface="Comic Sans MS" panose="030F0702030302020204" pitchFamily="66" charset="0"/>
-              <a:cs typeface="Consolas" panose="020B0609020204030204" pitchFamily="49" charset="0"/>
+              <a:solidFill>
+                <a:srgbClr val="92D050"/>
+              </a:solidFill>
+              <a:latin typeface="Courier New" panose="02070309020205020404" pitchFamily="49" charset="0"/>
+              <a:cs typeface="Courier New" panose="02070309020205020404" pitchFamily="49" charset="0"/>
             </a:endParaRPr>
           </a:p>
         </p:txBody>
@@ -12850,7 +13340,7 @@
     </p:spTree>
     <p:extLst>
       <p:ext uri="{BB962C8B-B14F-4D97-AF65-F5344CB8AC3E}">
-        <p14:creationId xmlns:p14="http://schemas.microsoft.com/office/powerpoint/2010/main" val="3567224513"/>
+        <p14:creationId xmlns:p14="http://schemas.microsoft.com/office/powerpoint/2010/main" val="3383019330"/>
       </p:ext>
     </p:extLst>
   </p:cSld>
@@ -12902,33 +13392,21 @@
         </p:spPr>
         <p:txBody>
           <a:bodyPr>
-            <a:normAutofit fontScale="90000"/>
+            <a:normAutofit/>
           </a:bodyPr>
           <a:lstStyle/>
           <a:p>
             <a:pPr algn="l"/>
             <a:r>
-              <a:rPr lang="en-GB" dirty="0" smtClean="0">
+              <a:rPr lang="en-US" dirty="0" smtClean="0">
                 <a:solidFill>
                   <a:schemeClr val="bg1">
                     <a:lumMod val="50000"/>
                   </a:schemeClr>
                 </a:solidFill>
                 <a:latin typeface="Comic Sans MS"/>
-                <a:cs typeface="Comic Sans MS"/>
-              </a:rPr>
-              <a:t>Macro example with </a:t>
-            </a:r>
-            <a:r>
-              <a:rPr lang="en-US" dirty="0" err="1" smtClean="0">
-                <a:solidFill>
-                  <a:schemeClr val="bg1">
-                    <a:lumMod val="50000"/>
-                  </a:schemeClr>
-                </a:solidFill>
-                <a:latin typeface="Comic Sans MS"/>
-              </a:rPr>
-              <a:t>Quasiquotes</a:t>
+              </a:rPr>
+              <a:t>Macro paradise</a:t>
             </a:r>
             <a:endParaRPr lang="en-US" dirty="0"/>
           </a:p>
@@ -12936,644 +13414,40 @@
       </p:sp>
       <p:sp>
         <p:nvSpPr>
-          <p:cNvPr id="7" name="Rectangle 6"/>
-          <p:cNvSpPr/>
+          <p:cNvPr id="4" name="TextBox 3"/>
+          <p:cNvSpPr txBox="1"/>
           <p:nvPr/>
         </p:nvSpPr>
         <p:spPr>
           <a:xfrm>
-            <a:off x="457199" y="1417638"/>
-            <a:ext cx="3823687" cy="360040"/>
+            <a:off x="563672" y="1691014"/>
+            <a:ext cx="7818328" cy="369332"/>
           </a:xfrm>
           <a:prstGeom prst="rect">
             <a:avLst/>
           </a:prstGeom>
+          <a:noFill/>
         </p:spPr>
-        <p:style>
-          <a:lnRef idx="2">
-            <a:schemeClr val="accent1"/>
-          </a:lnRef>
-          <a:fillRef idx="1">
-            <a:schemeClr val="lt1"/>
-          </a:fillRef>
-          <a:effectRef idx="0">
-            <a:schemeClr val="accent1"/>
-          </a:effectRef>
-          <a:fontRef idx="minor">
-            <a:schemeClr val="dk1"/>
-          </a:fontRef>
-        </p:style>
         <p:txBody>
-          <a:bodyPr rtlCol="0" anchor="ctr"/>
-          <a:lstStyle/>
-          <a:p>
-            <a:pPr algn="ctr"/>
-            <a:r>
-              <a:rPr lang="en-GB" dirty="0" err="1"/>
-              <a:t>LoadProperties.scala</a:t>
-            </a:r>
-            <a:endParaRPr lang="en-US" dirty="0"/>
-          </a:p>
-        </p:txBody>
-      </p:sp>
-      <p:sp>
-        <p:nvSpPr>
-          <p:cNvPr id="8" name="Rectangle 7"/>
-          <p:cNvSpPr/>
-          <p:nvPr/>
-        </p:nvSpPr>
-        <p:spPr>
-          <a:xfrm>
-            <a:off x="457199" y="1751582"/>
-            <a:ext cx="8392161" cy="4524315"/>
-          </a:xfrm>
-          <a:prstGeom prst="rect">
-            <a:avLst/>
-          </a:prstGeom>
-        </p:spPr>
-        <p:style>
-          <a:lnRef idx="3">
-            <a:schemeClr val="lt1"/>
-          </a:lnRef>
-          <a:fillRef idx="1">
-            <a:schemeClr val="dk1"/>
-          </a:fillRef>
-          <a:effectRef idx="1">
-            <a:schemeClr val="dk1"/>
-          </a:effectRef>
-          <a:fontRef idx="minor">
-            <a:schemeClr val="lt1"/>
-          </a:fontRef>
-        </p:style>
-        <p:txBody>
-          <a:bodyPr wrap="square" rtlCol="0" anchor="t">
+          <a:bodyPr wrap="square" rtlCol="0">
             <a:spAutoFit/>
           </a:bodyPr>
           <a:lstStyle/>
           <a:p>
-            <a:r>
-              <a:rPr lang="en-US" dirty="0" err="1" smtClean="0">
-                <a:solidFill>
-                  <a:srgbClr val="92D050"/>
-                </a:solidFill>
-                <a:latin typeface="Courier New" panose="02070309020205020404" pitchFamily="49" charset="0"/>
-                <a:cs typeface="Courier New" panose="02070309020205020404" pitchFamily="49" charset="0"/>
-              </a:rPr>
-              <a:t>def</a:t>
-            </a:r>
-            <a:r>
-              <a:rPr lang="en-US" dirty="0" smtClean="0">
-                <a:solidFill>
-                  <a:srgbClr val="92D050"/>
-                </a:solidFill>
-                <a:latin typeface="Courier New" panose="02070309020205020404" pitchFamily="49" charset="0"/>
-                <a:cs typeface="Courier New" panose="02070309020205020404" pitchFamily="49" charset="0"/>
-              </a:rPr>
-              <a:t> </a:t>
-            </a:r>
-            <a:r>
-              <a:rPr lang="en-US" dirty="0" err="1">
-                <a:solidFill>
-                  <a:srgbClr val="92D050"/>
-                </a:solidFill>
-                <a:latin typeface="Courier New" panose="02070309020205020404" pitchFamily="49" charset="0"/>
-                <a:cs typeface="Courier New" panose="02070309020205020404" pitchFamily="49" charset="0"/>
-              </a:rPr>
-              <a:t>loadProperties</a:t>
-            </a:r>
-            <a:r>
-              <a:rPr lang="en-US" dirty="0">
-                <a:solidFill>
-                  <a:srgbClr val="92D050"/>
-                </a:solidFill>
-                <a:latin typeface="Courier New" panose="02070309020205020404" pitchFamily="49" charset="0"/>
-                <a:cs typeface="Courier New" panose="02070309020205020404" pitchFamily="49" charset="0"/>
-              </a:rPr>
-              <a:t>(file: String): Map[String, String] = macro </a:t>
-            </a:r>
-            <a:r>
-              <a:rPr lang="en-US" dirty="0" err="1">
-                <a:solidFill>
-                  <a:srgbClr val="92D050"/>
-                </a:solidFill>
-                <a:latin typeface="Courier New" panose="02070309020205020404" pitchFamily="49" charset="0"/>
-                <a:cs typeface="Courier New" panose="02070309020205020404" pitchFamily="49" charset="0"/>
-              </a:rPr>
-              <a:t>loadPropertiesImpl</a:t>
-            </a:r>
-            <a:endParaRPr lang="en-US" dirty="0">
-              <a:solidFill>
-                <a:srgbClr val="92D050"/>
-              </a:solidFill>
-              <a:latin typeface="Courier New" panose="02070309020205020404" pitchFamily="49" charset="0"/>
-              <a:cs typeface="Courier New" panose="02070309020205020404" pitchFamily="49" charset="0"/>
-            </a:endParaRPr>
-          </a:p>
-          <a:p>
-            <a:endParaRPr lang="en-US" dirty="0">
-              <a:solidFill>
-                <a:srgbClr val="92D050"/>
-              </a:solidFill>
-              <a:latin typeface="Courier New" panose="02070309020205020404" pitchFamily="49" charset="0"/>
-              <a:cs typeface="Courier New" panose="02070309020205020404" pitchFamily="49" charset="0"/>
-            </a:endParaRPr>
-          </a:p>
-          <a:p>
-            <a:r>
-              <a:rPr lang="en-US" dirty="0" err="1" smtClean="0">
-                <a:solidFill>
-                  <a:srgbClr val="92D050"/>
-                </a:solidFill>
-                <a:latin typeface="Courier New" panose="02070309020205020404" pitchFamily="49" charset="0"/>
-                <a:cs typeface="Courier New" panose="02070309020205020404" pitchFamily="49" charset="0"/>
-              </a:rPr>
-              <a:t>def</a:t>
-            </a:r>
-            <a:r>
-              <a:rPr lang="en-US" dirty="0" smtClean="0">
-                <a:solidFill>
-                  <a:srgbClr val="92D050"/>
-                </a:solidFill>
-                <a:latin typeface="Courier New" panose="02070309020205020404" pitchFamily="49" charset="0"/>
-                <a:cs typeface="Courier New" panose="02070309020205020404" pitchFamily="49" charset="0"/>
-              </a:rPr>
-              <a:t> </a:t>
-            </a:r>
-            <a:r>
-              <a:rPr lang="en-US" dirty="0" err="1">
-                <a:solidFill>
-                  <a:srgbClr val="92D050"/>
-                </a:solidFill>
-                <a:latin typeface="Courier New" panose="02070309020205020404" pitchFamily="49" charset="0"/>
-                <a:cs typeface="Courier New" panose="02070309020205020404" pitchFamily="49" charset="0"/>
-              </a:rPr>
-              <a:t>loadPropertiesImpl</a:t>
-            </a:r>
-            <a:r>
-              <a:rPr lang="en-US" dirty="0">
-                <a:solidFill>
-                  <a:srgbClr val="92D050"/>
-                </a:solidFill>
-                <a:latin typeface="Courier New" panose="02070309020205020404" pitchFamily="49" charset="0"/>
-                <a:cs typeface="Courier New" panose="02070309020205020404" pitchFamily="49" charset="0"/>
-              </a:rPr>
-              <a:t>(c: Context)(file: </a:t>
-            </a:r>
-            <a:r>
-              <a:rPr lang="en-US" dirty="0" err="1">
-                <a:solidFill>
-                  <a:srgbClr val="92D050"/>
-                </a:solidFill>
-                <a:latin typeface="Courier New" panose="02070309020205020404" pitchFamily="49" charset="0"/>
-                <a:cs typeface="Courier New" panose="02070309020205020404" pitchFamily="49" charset="0"/>
-              </a:rPr>
-              <a:t>c.Expr</a:t>
-            </a:r>
-            <a:r>
-              <a:rPr lang="en-US" dirty="0">
-                <a:solidFill>
-                  <a:srgbClr val="92D050"/>
-                </a:solidFill>
-                <a:latin typeface="Courier New" panose="02070309020205020404" pitchFamily="49" charset="0"/>
-                <a:cs typeface="Courier New" panose="02070309020205020404" pitchFamily="49" charset="0"/>
-              </a:rPr>
-              <a:t>[String]) = </a:t>
-            </a:r>
-            <a:r>
-              <a:rPr lang="en-US" dirty="0" smtClean="0">
-                <a:solidFill>
-                  <a:srgbClr val="92D050"/>
-                </a:solidFill>
-                <a:latin typeface="Courier New" panose="02070309020205020404" pitchFamily="49" charset="0"/>
-                <a:cs typeface="Courier New" panose="02070309020205020404" pitchFamily="49" charset="0"/>
-              </a:rPr>
-              <a:t>{</a:t>
-            </a:r>
-          </a:p>
-          <a:p>
-            <a:r>
-              <a:rPr lang="en-US" dirty="0" smtClean="0">
-                <a:solidFill>
-                  <a:srgbClr val="92D050"/>
-                </a:solidFill>
-                <a:latin typeface="Courier New" panose="02070309020205020404" pitchFamily="49" charset="0"/>
-                <a:cs typeface="Courier New" panose="02070309020205020404" pitchFamily="49" charset="0"/>
-              </a:rPr>
-              <a:t>import </a:t>
-            </a:r>
-            <a:r>
-              <a:rPr lang="en-US" dirty="0" err="1" smtClean="0">
-                <a:solidFill>
-                  <a:srgbClr val="92D050"/>
-                </a:solidFill>
-                <a:latin typeface="Courier New" panose="02070309020205020404" pitchFamily="49" charset="0"/>
-                <a:cs typeface="Courier New" panose="02070309020205020404" pitchFamily="49" charset="0"/>
-              </a:rPr>
-              <a:t>c.universe</a:t>
-            </a:r>
-            <a:r>
-              <a:rPr lang="en-US" dirty="0" smtClean="0">
-                <a:solidFill>
-                  <a:srgbClr val="92D050"/>
-                </a:solidFill>
-                <a:latin typeface="Courier New" panose="02070309020205020404" pitchFamily="49" charset="0"/>
-                <a:cs typeface="Courier New" panose="02070309020205020404" pitchFamily="49" charset="0"/>
-              </a:rPr>
-              <a:t>._</a:t>
-            </a:r>
-          </a:p>
-          <a:p>
-            <a:endParaRPr lang="en-US" dirty="0" smtClean="0">
-              <a:solidFill>
-                <a:srgbClr val="92D050"/>
-              </a:solidFill>
-              <a:latin typeface="Courier New" panose="02070309020205020404" pitchFamily="49" charset="0"/>
-              <a:cs typeface="Courier New" panose="02070309020205020404" pitchFamily="49" charset="0"/>
-            </a:endParaRPr>
-          </a:p>
-          <a:p>
-            <a:r>
-              <a:rPr lang="en-US" dirty="0" err="1" smtClean="0">
-                <a:solidFill>
-                  <a:srgbClr val="0070C0"/>
-                </a:solidFill>
-                <a:latin typeface="Courier New" panose="02070309020205020404" pitchFamily="49" charset="0"/>
-                <a:cs typeface="Courier New" panose="02070309020205020404" pitchFamily="49" charset="0"/>
-              </a:rPr>
-              <a:t>val</a:t>
-            </a:r>
-            <a:r>
-              <a:rPr lang="en-US" dirty="0" smtClean="0">
-                <a:solidFill>
-                  <a:srgbClr val="0070C0"/>
-                </a:solidFill>
-                <a:latin typeface="Courier New" panose="02070309020205020404" pitchFamily="49" charset="0"/>
-                <a:cs typeface="Courier New" panose="02070309020205020404" pitchFamily="49" charset="0"/>
-              </a:rPr>
-              <a:t> </a:t>
-            </a:r>
-            <a:r>
-              <a:rPr lang="en-US" dirty="0">
-                <a:solidFill>
-                  <a:srgbClr val="0070C0"/>
-                </a:solidFill>
-                <a:latin typeface="Courier New" panose="02070309020205020404" pitchFamily="49" charset="0"/>
-                <a:cs typeface="Courier New" panose="02070309020205020404" pitchFamily="49" charset="0"/>
-              </a:rPr>
-              <a:t>q"${</a:t>
-            </a:r>
-            <a:r>
-              <a:rPr lang="en-US" dirty="0" err="1">
-                <a:solidFill>
-                  <a:srgbClr val="0070C0"/>
-                </a:solidFill>
-                <a:latin typeface="Courier New" panose="02070309020205020404" pitchFamily="49" charset="0"/>
-                <a:cs typeface="Courier New" panose="02070309020205020404" pitchFamily="49" charset="0"/>
-              </a:rPr>
-              <a:t>fileName</a:t>
-            </a:r>
-            <a:r>
-              <a:rPr lang="en-US" dirty="0">
-                <a:solidFill>
-                  <a:srgbClr val="0070C0"/>
-                </a:solidFill>
-                <a:latin typeface="Courier New" panose="02070309020205020404" pitchFamily="49" charset="0"/>
-                <a:cs typeface="Courier New" panose="02070309020205020404" pitchFamily="49" charset="0"/>
-              </a:rPr>
-              <a:t>: String}" = </a:t>
-            </a:r>
-            <a:r>
-              <a:rPr lang="en-US" dirty="0" err="1">
-                <a:solidFill>
-                  <a:srgbClr val="0070C0"/>
-                </a:solidFill>
-                <a:latin typeface="Courier New" panose="02070309020205020404" pitchFamily="49" charset="0"/>
-                <a:cs typeface="Courier New" panose="02070309020205020404" pitchFamily="49" charset="0"/>
-              </a:rPr>
-              <a:t>file.tree</a:t>
-            </a:r>
-            <a:endParaRPr lang="en-US" dirty="0">
-              <a:solidFill>
-                <a:srgbClr val="0070C0"/>
-              </a:solidFill>
-              <a:latin typeface="Courier New" panose="02070309020205020404" pitchFamily="49" charset="0"/>
-              <a:cs typeface="Courier New" panose="02070309020205020404" pitchFamily="49" charset="0"/>
-            </a:endParaRPr>
-          </a:p>
-          <a:p>
-            <a:endParaRPr lang="en-US" dirty="0">
-              <a:solidFill>
-                <a:srgbClr val="92D050"/>
-              </a:solidFill>
-              <a:latin typeface="Courier New" panose="02070309020205020404" pitchFamily="49" charset="0"/>
-              <a:cs typeface="Courier New" panose="02070309020205020404" pitchFamily="49" charset="0"/>
-            </a:endParaRPr>
-          </a:p>
-          <a:p>
-            <a:r>
-              <a:rPr lang="en-US" dirty="0" err="1" smtClean="0">
-                <a:solidFill>
-                  <a:srgbClr val="92D050"/>
-                </a:solidFill>
-                <a:latin typeface="Courier New" panose="02070309020205020404" pitchFamily="49" charset="0"/>
-                <a:cs typeface="Courier New" panose="02070309020205020404" pitchFamily="49" charset="0"/>
-              </a:rPr>
-              <a:t>val</a:t>
-            </a:r>
-            <a:r>
-              <a:rPr lang="en-US" dirty="0" smtClean="0">
-                <a:solidFill>
-                  <a:srgbClr val="92D050"/>
-                </a:solidFill>
-                <a:latin typeface="Courier New" panose="02070309020205020404" pitchFamily="49" charset="0"/>
-                <a:cs typeface="Courier New" panose="02070309020205020404" pitchFamily="49" charset="0"/>
-              </a:rPr>
-              <a:t> </a:t>
-            </a:r>
-            <a:r>
-              <a:rPr lang="en-US" dirty="0" err="1">
-                <a:solidFill>
-                  <a:srgbClr val="92D050"/>
-                </a:solidFill>
-                <a:latin typeface="Courier New" panose="02070309020205020404" pitchFamily="49" charset="0"/>
-                <a:cs typeface="Courier New" panose="02070309020205020404" pitchFamily="49" charset="0"/>
-              </a:rPr>
-              <a:t>fis</a:t>
-            </a:r>
-            <a:r>
-              <a:rPr lang="en-US" dirty="0">
-                <a:solidFill>
-                  <a:srgbClr val="92D050"/>
-                </a:solidFill>
-                <a:latin typeface="Courier New" panose="02070309020205020404" pitchFamily="49" charset="0"/>
-                <a:cs typeface="Courier New" panose="02070309020205020404" pitchFamily="49" charset="0"/>
-              </a:rPr>
-              <a:t> = new </a:t>
-            </a:r>
-            <a:r>
-              <a:rPr lang="en-US" dirty="0" err="1">
-                <a:solidFill>
-                  <a:srgbClr val="92D050"/>
-                </a:solidFill>
-                <a:latin typeface="Courier New" panose="02070309020205020404" pitchFamily="49" charset="0"/>
-                <a:cs typeface="Courier New" panose="02070309020205020404" pitchFamily="49" charset="0"/>
-              </a:rPr>
-              <a:t>FileInputStream</a:t>
-            </a:r>
-            <a:r>
-              <a:rPr lang="en-US" dirty="0">
-                <a:solidFill>
-                  <a:srgbClr val="92D050"/>
-                </a:solidFill>
-                <a:latin typeface="Courier New" panose="02070309020205020404" pitchFamily="49" charset="0"/>
-                <a:cs typeface="Courier New" panose="02070309020205020404" pitchFamily="49" charset="0"/>
-              </a:rPr>
-              <a:t>(</a:t>
-            </a:r>
-            <a:r>
-              <a:rPr lang="en-US" dirty="0" err="1">
-                <a:solidFill>
-                  <a:srgbClr val="92D050"/>
-                </a:solidFill>
-                <a:latin typeface="Courier New" panose="02070309020205020404" pitchFamily="49" charset="0"/>
-                <a:cs typeface="Courier New" panose="02070309020205020404" pitchFamily="49" charset="0"/>
-              </a:rPr>
-              <a:t>fileName</a:t>
-            </a:r>
-            <a:r>
-              <a:rPr lang="en-US" dirty="0">
-                <a:solidFill>
-                  <a:srgbClr val="92D050"/>
-                </a:solidFill>
-                <a:latin typeface="Courier New" panose="02070309020205020404" pitchFamily="49" charset="0"/>
-                <a:cs typeface="Courier New" panose="02070309020205020404" pitchFamily="49" charset="0"/>
-              </a:rPr>
-              <a:t>)</a:t>
-            </a:r>
-          </a:p>
-          <a:p>
-            <a:r>
-              <a:rPr lang="en-US" dirty="0" err="1" smtClean="0">
-                <a:solidFill>
-                  <a:srgbClr val="92D050"/>
-                </a:solidFill>
-                <a:latin typeface="Courier New" panose="02070309020205020404" pitchFamily="49" charset="0"/>
-                <a:cs typeface="Courier New" panose="02070309020205020404" pitchFamily="49" charset="0"/>
-              </a:rPr>
-              <a:t>val</a:t>
-            </a:r>
-            <a:r>
-              <a:rPr lang="en-US" dirty="0" smtClean="0">
-                <a:solidFill>
-                  <a:srgbClr val="92D050"/>
-                </a:solidFill>
-                <a:latin typeface="Courier New" panose="02070309020205020404" pitchFamily="49" charset="0"/>
-                <a:cs typeface="Courier New" panose="02070309020205020404" pitchFamily="49" charset="0"/>
-              </a:rPr>
-              <a:t> </a:t>
-            </a:r>
-            <a:r>
-              <a:rPr lang="en-US" dirty="0">
-                <a:solidFill>
-                  <a:srgbClr val="92D050"/>
-                </a:solidFill>
-                <a:latin typeface="Courier New" panose="02070309020205020404" pitchFamily="49" charset="0"/>
-                <a:cs typeface="Courier New" panose="02070309020205020404" pitchFamily="49" charset="0"/>
-              </a:rPr>
-              <a:t>properties = new Properties</a:t>
-            </a:r>
-          </a:p>
-          <a:p>
-            <a:r>
-              <a:rPr lang="en-US" dirty="0" err="1" smtClean="0">
-                <a:solidFill>
-                  <a:srgbClr val="92D050"/>
-                </a:solidFill>
-                <a:latin typeface="Courier New" panose="02070309020205020404" pitchFamily="49" charset="0"/>
-                <a:cs typeface="Courier New" panose="02070309020205020404" pitchFamily="49" charset="0"/>
-              </a:rPr>
-              <a:t>properties.load</a:t>
-            </a:r>
-            <a:r>
-              <a:rPr lang="en-US" dirty="0" smtClean="0">
-                <a:solidFill>
-                  <a:srgbClr val="92D050"/>
-                </a:solidFill>
-                <a:latin typeface="Courier New" panose="02070309020205020404" pitchFamily="49" charset="0"/>
-                <a:cs typeface="Courier New" panose="02070309020205020404" pitchFamily="49" charset="0"/>
-              </a:rPr>
-              <a:t>(</a:t>
-            </a:r>
-            <a:r>
-              <a:rPr lang="en-US" dirty="0" err="1" smtClean="0">
-                <a:solidFill>
-                  <a:srgbClr val="92D050"/>
-                </a:solidFill>
-                <a:latin typeface="Courier New" panose="02070309020205020404" pitchFamily="49" charset="0"/>
-                <a:cs typeface="Courier New" panose="02070309020205020404" pitchFamily="49" charset="0"/>
-              </a:rPr>
-              <a:t>fis</a:t>
-            </a:r>
-            <a:r>
-              <a:rPr lang="en-US" dirty="0">
-                <a:solidFill>
-                  <a:srgbClr val="92D050"/>
-                </a:solidFill>
-                <a:latin typeface="Courier New" panose="02070309020205020404" pitchFamily="49" charset="0"/>
-                <a:cs typeface="Courier New" panose="02070309020205020404" pitchFamily="49" charset="0"/>
-              </a:rPr>
-              <a:t>)</a:t>
-            </a:r>
-          </a:p>
-          <a:p>
-            <a:r>
-              <a:rPr lang="en-US" dirty="0" err="1" smtClean="0">
-                <a:solidFill>
-                  <a:srgbClr val="92D050"/>
-                </a:solidFill>
-                <a:latin typeface="Courier New" panose="02070309020205020404" pitchFamily="49" charset="0"/>
-                <a:cs typeface="Courier New" panose="02070309020205020404" pitchFamily="49" charset="0"/>
-              </a:rPr>
-              <a:t>fis.close</a:t>
-            </a:r>
-            <a:r>
-              <a:rPr lang="en-US" dirty="0">
-                <a:solidFill>
-                  <a:srgbClr val="92D050"/>
-                </a:solidFill>
-                <a:latin typeface="Courier New" panose="02070309020205020404" pitchFamily="49" charset="0"/>
-                <a:cs typeface="Courier New" panose="02070309020205020404" pitchFamily="49" charset="0"/>
-              </a:rPr>
-              <a:t>()</a:t>
-            </a:r>
-          </a:p>
-          <a:p>
-            <a:r>
-              <a:rPr lang="en-US" dirty="0" err="1" smtClean="0">
-                <a:solidFill>
-                  <a:srgbClr val="92D050"/>
-                </a:solidFill>
-                <a:latin typeface="Courier New" panose="02070309020205020404" pitchFamily="49" charset="0"/>
-                <a:cs typeface="Courier New" panose="02070309020205020404" pitchFamily="49" charset="0"/>
-              </a:rPr>
-              <a:t>val</a:t>
-            </a:r>
-            <a:r>
-              <a:rPr lang="en-US" dirty="0" smtClean="0">
-                <a:solidFill>
-                  <a:srgbClr val="92D050"/>
-                </a:solidFill>
-                <a:latin typeface="Courier New" panose="02070309020205020404" pitchFamily="49" charset="0"/>
-                <a:cs typeface="Courier New" panose="02070309020205020404" pitchFamily="49" charset="0"/>
-              </a:rPr>
-              <a:t> </a:t>
-            </a:r>
-            <a:r>
-              <a:rPr lang="en-US" dirty="0" err="1">
-                <a:solidFill>
-                  <a:srgbClr val="92D050"/>
-                </a:solidFill>
-                <a:latin typeface="Courier New" panose="02070309020205020404" pitchFamily="49" charset="0"/>
-                <a:cs typeface="Courier New" panose="02070309020205020404" pitchFamily="49" charset="0"/>
-              </a:rPr>
-              <a:t>propertiesMap</a:t>
-            </a:r>
-            <a:r>
-              <a:rPr lang="en-US" dirty="0">
-                <a:solidFill>
-                  <a:srgbClr val="92D050"/>
-                </a:solidFill>
-                <a:latin typeface="Courier New" panose="02070309020205020404" pitchFamily="49" charset="0"/>
-                <a:cs typeface="Courier New" panose="02070309020205020404" pitchFamily="49" charset="0"/>
-              </a:rPr>
-              <a:t> = </a:t>
-            </a:r>
-            <a:r>
-              <a:rPr lang="en-US" dirty="0" err="1">
-                <a:solidFill>
-                  <a:srgbClr val="92D050"/>
-                </a:solidFill>
-                <a:latin typeface="Courier New" panose="02070309020205020404" pitchFamily="49" charset="0"/>
-                <a:cs typeface="Courier New" panose="02070309020205020404" pitchFamily="49" charset="0"/>
-              </a:rPr>
-              <a:t>properties.asScala.toMap</a:t>
-            </a:r>
-            <a:endParaRPr lang="en-US" dirty="0">
-              <a:solidFill>
-                <a:srgbClr val="92D050"/>
-              </a:solidFill>
-              <a:latin typeface="Courier New" panose="02070309020205020404" pitchFamily="49" charset="0"/>
-              <a:cs typeface="Courier New" panose="02070309020205020404" pitchFamily="49" charset="0"/>
-            </a:endParaRPr>
-          </a:p>
-          <a:p>
-            <a:endParaRPr lang="en-US" dirty="0">
-              <a:solidFill>
-                <a:srgbClr val="92D050"/>
-              </a:solidFill>
-              <a:latin typeface="Courier New" panose="02070309020205020404" pitchFamily="49" charset="0"/>
-              <a:cs typeface="Courier New" panose="02070309020205020404" pitchFamily="49" charset="0"/>
-            </a:endParaRPr>
-          </a:p>
-          <a:p>
-            <a:r>
-              <a:rPr lang="en-US" dirty="0" smtClean="0">
-                <a:solidFill>
-                  <a:srgbClr val="0070C0"/>
-                </a:solidFill>
-                <a:latin typeface="Courier New" panose="02070309020205020404" pitchFamily="49" charset="0"/>
-                <a:cs typeface="Courier New" panose="02070309020205020404" pitchFamily="49" charset="0"/>
-              </a:rPr>
-              <a:t>q</a:t>
-            </a:r>
-            <a:r>
-              <a:rPr lang="en-US" dirty="0">
-                <a:solidFill>
-                  <a:srgbClr val="0070C0"/>
-                </a:solidFill>
-                <a:latin typeface="Courier New" panose="02070309020205020404" pitchFamily="49" charset="0"/>
-                <a:cs typeface="Courier New" panose="02070309020205020404" pitchFamily="49" charset="0"/>
-              </a:rPr>
-              <a:t>"$</a:t>
-            </a:r>
-            <a:r>
-              <a:rPr lang="en-US" dirty="0" err="1">
-                <a:solidFill>
-                  <a:srgbClr val="0070C0"/>
-                </a:solidFill>
-                <a:latin typeface="Courier New" panose="02070309020205020404" pitchFamily="49" charset="0"/>
-                <a:cs typeface="Courier New" panose="02070309020205020404" pitchFamily="49" charset="0"/>
-              </a:rPr>
-              <a:t>propertiesMap</a:t>
-            </a:r>
-            <a:r>
-              <a:rPr lang="en-US" dirty="0">
-                <a:solidFill>
-                  <a:srgbClr val="0070C0"/>
-                </a:solidFill>
-                <a:latin typeface="Courier New" panose="02070309020205020404" pitchFamily="49" charset="0"/>
-                <a:cs typeface="Courier New" panose="02070309020205020404" pitchFamily="49" charset="0"/>
-              </a:rPr>
-              <a:t>"</a:t>
-            </a:r>
-          </a:p>
-          <a:p>
-            <a:r>
-              <a:rPr lang="en-US" dirty="0" smtClean="0">
-                <a:solidFill>
-                  <a:srgbClr val="92D050"/>
-                </a:solidFill>
-                <a:latin typeface="Courier New" panose="02070309020205020404" pitchFamily="49" charset="0"/>
-                <a:cs typeface="Courier New" panose="02070309020205020404" pitchFamily="49" charset="0"/>
-              </a:rPr>
-              <a:t>}</a:t>
-            </a:r>
-            <a:endParaRPr lang="en-US" dirty="0">
-              <a:solidFill>
-                <a:srgbClr val="92D050"/>
-              </a:solidFill>
-              <a:latin typeface="Courier New" panose="02070309020205020404" pitchFamily="49" charset="0"/>
-              <a:cs typeface="Courier New" panose="02070309020205020404" pitchFamily="49" charset="0"/>
+            <a:pPr marL="285750" indent="-285750">
+              <a:buFont typeface="Arial" panose="020B0604020202020204" pitchFamily="34" charset="0"/>
+              <a:buChar char="•"/>
+            </a:pPr>
+            <a:r>
+              <a:rPr lang="lv-LV" dirty="0" smtClean="0">
+                <a:latin typeface="Comic Sans MS" panose="030F0702030302020204" pitchFamily="66" charset="0"/>
+                <a:cs typeface="Consolas" panose="020B0609020204030204" pitchFamily="49" charset="0"/>
+              </a:rPr>
+              <a:t>TODO</a:t>
+            </a:r>
+            <a:endParaRPr lang="en-GB" dirty="0">
+              <a:latin typeface="Comic Sans MS" panose="030F0702030302020204" pitchFamily="66" charset="0"/>
+              <a:cs typeface="Consolas" panose="020B0609020204030204" pitchFamily="49" charset="0"/>
             </a:endParaRPr>
           </a:p>
         </p:txBody>
@@ -13581,7 +13455,7 @@
     </p:spTree>
     <p:extLst>
       <p:ext uri="{BB962C8B-B14F-4D97-AF65-F5344CB8AC3E}">
-        <p14:creationId xmlns:p14="http://schemas.microsoft.com/office/powerpoint/2010/main" val="3383019330"/>
+        <p14:creationId xmlns:p14="http://schemas.microsoft.com/office/powerpoint/2010/main" val="200280266"/>
       </p:ext>
     </p:extLst>
   </p:cSld>

--- a/Scala_metaprogramming.pptx
+++ b/Scala_metaprogramming.pptx
@@ -1257,6 +1257,13 @@
         </dgm:presLayoutVars>
       </dgm:prSet>
       <dgm:spPr/>
+      <dgm:t>
+        <a:bodyPr/>
+        <a:lstStyle/>
+        <a:p>
+          <a:endParaRPr lang="en-US"/>
+        </a:p>
+      </dgm:t>
     </dgm:pt>
     <dgm:pt modelId="{5E9EFB82-1040-471E-83E6-9FDBC12F0CF0}" type="pres">
       <dgm:prSet presAssocID="{65C2C024-8A2A-4045-8558-2AA8755A813E}" presName="hierRoot1" presStyleCnt="0"/>
@@ -1277,6 +1284,13 @@
         </dgm:presLayoutVars>
       </dgm:prSet>
       <dgm:spPr/>
+      <dgm:t>
+        <a:bodyPr/>
+        <a:lstStyle/>
+        <a:p>
+          <a:endParaRPr lang="en-US"/>
+        </a:p>
+      </dgm:t>
     </dgm:pt>
     <dgm:pt modelId="{41AF8020-AF10-4C97-B099-BD453A6D1ECC}" type="pres">
       <dgm:prSet presAssocID="{65C2C024-8A2A-4045-8558-2AA8755A813E}" presName="hierChild2" presStyleCnt="0"/>
@@ -1285,6 +1299,13 @@
     <dgm:pt modelId="{8CA90676-D68B-4342-8190-DEF7F1874D34}" type="pres">
       <dgm:prSet presAssocID="{0756CD64-09C3-402D-B4FD-7265EE57457C}" presName="Name10" presStyleLbl="parChTrans1D2" presStyleIdx="0" presStyleCnt="2"/>
       <dgm:spPr/>
+      <dgm:t>
+        <a:bodyPr/>
+        <a:lstStyle/>
+        <a:p>
+          <a:endParaRPr lang="en-US"/>
+        </a:p>
+      </dgm:t>
     </dgm:pt>
     <dgm:pt modelId="{E2171316-EB43-4AB6-91C3-5E77E3A8F9F5}" type="pres">
       <dgm:prSet presAssocID="{C5EED326-718E-40BE-B180-B0A4FF91BE2B}" presName="hierRoot2" presStyleCnt="0"/>
@@ -1320,6 +1341,13 @@
     <dgm:pt modelId="{99572A04-A68C-4477-AB9A-39BE5DD7032F}" type="pres">
       <dgm:prSet presAssocID="{AC9D86A2-402E-466C-AFF5-00C6206F8CA9}" presName="Name17" presStyleLbl="parChTrans1D3" presStyleIdx="0" presStyleCnt="3"/>
       <dgm:spPr/>
+      <dgm:t>
+        <a:bodyPr/>
+        <a:lstStyle/>
+        <a:p>
+          <a:endParaRPr lang="en-US"/>
+        </a:p>
+      </dgm:t>
     </dgm:pt>
     <dgm:pt modelId="{0649E865-B4C0-4933-B904-8F9F9F930527}" type="pres">
       <dgm:prSet presAssocID="{7E0C9FEF-1F0F-4670-950F-2B8EA7D8B974}" presName="hierRoot3" presStyleCnt="0"/>
@@ -1340,6 +1368,13 @@
         </dgm:presLayoutVars>
       </dgm:prSet>
       <dgm:spPr/>
+      <dgm:t>
+        <a:bodyPr/>
+        <a:lstStyle/>
+        <a:p>
+          <a:endParaRPr lang="en-US"/>
+        </a:p>
+      </dgm:t>
     </dgm:pt>
     <dgm:pt modelId="{8A6443F5-BD31-4867-B600-E16FB2784150}" type="pres">
       <dgm:prSet presAssocID="{7E0C9FEF-1F0F-4670-950F-2B8EA7D8B974}" presName="hierChild4" presStyleCnt="0"/>
@@ -1348,6 +1383,13 @@
     <dgm:pt modelId="{C8F13515-CED2-4DD5-837F-81398537D7FC}" type="pres">
       <dgm:prSet presAssocID="{65F529C5-EF36-4B9A-B7FA-AF63DCA32B48}" presName="Name23" presStyleLbl="parChTrans1D4" presStyleIdx="0" presStyleCnt="3"/>
       <dgm:spPr/>
+      <dgm:t>
+        <a:bodyPr/>
+        <a:lstStyle/>
+        <a:p>
+          <a:endParaRPr lang="en-US"/>
+        </a:p>
+      </dgm:t>
     </dgm:pt>
     <dgm:pt modelId="{9FB9C577-D777-44A9-96A8-9851DF5A944D}" type="pres">
       <dgm:prSet presAssocID="{0534918F-FE7A-412B-940E-068E4B88FBEA}" presName="hierRoot4" presStyleCnt="0"/>
@@ -1368,6 +1410,13 @@
         </dgm:presLayoutVars>
       </dgm:prSet>
       <dgm:spPr/>
+      <dgm:t>
+        <a:bodyPr/>
+        <a:lstStyle/>
+        <a:p>
+          <a:endParaRPr lang="en-US"/>
+        </a:p>
+      </dgm:t>
     </dgm:pt>
     <dgm:pt modelId="{5C370009-153C-4CEF-9370-6D1AAB33CC48}" type="pres">
       <dgm:prSet presAssocID="{0534918F-FE7A-412B-940E-068E4B88FBEA}" presName="hierChild5" presStyleCnt="0"/>
@@ -1376,6 +1425,13 @@
     <dgm:pt modelId="{4F6C3248-7148-4A60-8E96-04EACE9BE555}" type="pres">
       <dgm:prSet presAssocID="{527074F7-8E46-4208-8C71-92F466BE5082}" presName="Name17" presStyleLbl="parChTrans1D3" presStyleIdx="1" presStyleCnt="3"/>
       <dgm:spPr/>
+      <dgm:t>
+        <a:bodyPr/>
+        <a:lstStyle/>
+        <a:p>
+          <a:endParaRPr lang="en-US"/>
+        </a:p>
+      </dgm:t>
     </dgm:pt>
     <dgm:pt modelId="{48842124-E350-4A06-8746-83A5C624858C}" type="pres">
       <dgm:prSet presAssocID="{92DBC19A-1C8D-4BA9-BC32-3AD020ACCD61}" presName="hierRoot3" presStyleCnt="0"/>
@@ -1396,6 +1452,13 @@
         </dgm:presLayoutVars>
       </dgm:prSet>
       <dgm:spPr/>
+      <dgm:t>
+        <a:bodyPr/>
+        <a:lstStyle/>
+        <a:p>
+          <a:endParaRPr lang="en-US"/>
+        </a:p>
+      </dgm:t>
     </dgm:pt>
     <dgm:pt modelId="{2AEAA225-5F62-4574-916E-EAC697280C50}" type="pres">
       <dgm:prSet presAssocID="{92DBC19A-1C8D-4BA9-BC32-3AD020ACCD61}" presName="hierChild4" presStyleCnt="0"/>
@@ -1404,6 +1467,13 @@
     <dgm:pt modelId="{C1C0AC17-B8F0-4830-AD2D-E4D79BC8B9CB}" type="pres">
       <dgm:prSet presAssocID="{7BB02E03-045E-4092-A4AA-6BD1B75C027D}" presName="Name23" presStyleLbl="parChTrans1D4" presStyleIdx="1" presStyleCnt="3"/>
       <dgm:spPr/>
+      <dgm:t>
+        <a:bodyPr/>
+        <a:lstStyle/>
+        <a:p>
+          <a:endParaRPr lang="en-US"/>
+        </a:p>
+      </dgm:t>
     </dgm:pt>
     <dgm:pt modelId="{397ACB2A-A4AA-4BB4-BE3F-748A0CC23400}" type="pres">
       <dgm:prSet presAssocID="{18F83ACC-1EB3-475B-A410-333D0E0563EC}" presName="hierRoot4" presStyleCnt="0"/>
@@ -1424,6 +1494,13 @@
         </dgm:presLayoutVars>
       </dgm:prSet>
       <dgm:spPr/>
+      <dgm:t>
+        <a:bodyPr/>
+        <a:lstStyle/>
+        <a:p>
+          <a:endParaRPr lang="en-US"/>
+        </a:p>
+      </dgm:t>
     </dgm:pt>
     <dgm:pt modelId="{498CB050-CA65-4F5F-BF8C-F64589EC8FFF}" type="pres">
       <dgm:prSet presAssocID="{18F83ACC-1EB3-475B-A410-333D0E0563EC}" presName="hierChild5" presStyleCnt="0"/>
@@ -1432,6 +1509,13 @@
     <dgm:pt modelId="{81BD3236-BC0F-4A86-B8BE-F8256503C0F0}" type="pres">
       <dgm:prSet presAssocID="{EA90DCD4-FB49-41BD-ADF7-CF5C1BB96849}" presName="Name10" presStyleLbl="parChTrans1D2" presStyleIdx="1" presStyleCnt="2"/>
       <dgm:spPr/>
+      <dgm:t>
+        <a:bodyPr/>
+        <a:lstStyle/>
+        <a:p>
+          <a:endParaRPr lang="en-US"/>
+        </a:p>
+      </dgm:t>
     </dgm:pt>
     <dgm:pt modelId="{73CC2DC4-A153-4EC3-8707-2BB49AA8E89A}" type="pres">
       <dgm:prSet presAssocID="{C84F9199-C69F-4D88-B9B8-631019294617}" presName="hierRoot2" presStyleCnt="0"/>
@@ -1452,6 +1536,13 @@
         </dgm:presLayoutVars>
       </dgm:prSet>
       <dgm:spPr/>
+      <dgm:t>
+        <a:bodyPr/>
+        <a:lstStyle/>
+        <a:p>
+          <a:endParaRPr lang="en-US"/>
+        </a:p>
+      </dgm:t>
     </dgm:pt>
     <dgm:pt modelId="{BE0BCE9A-08AC-480F-B937-5DCC66717F7B}" type="pres">
       <dgm:prSet presAssocID="{C84F9199-C69F-4D88-B9B8-631019294617}" presName="hierChild3" presStyleCnt="0"/>
@@ -1460,6 +1551,13 @@
     <dgm:pt modelId="{BEBCCCB4-9FCD-465F-81A4-AEC83E7EDA7C}" type="pres">
       <dgm:prSet presAssocID="{F3CC88BF-D013-45F1-9434-CBAD4BA07AB2}" presName="Name17" presStyleLbl="parChTrans1D3" presStyleIdx="2" presStyleCnt="3"/>
       <dgm:spPr/>
+      <dgm:t>
+        <a:bodyPr/>
+        <a:lstStyle/>
+        <a:p>
+          <a:endParaRPr lang="en-US"/>
+        </a:p>
+      </dgm:t>
     </dgm:pt>
     <dgm:pt modelId="{5D222968-6287-4D77-B6DE-7B4F2DB93410}" type="pres">
       <dgm:prSet presAssocID="{6EE995B3-C41A-47FD-8AE6-1767138AF7CF}" presName="hierRoot3" presStyleCnt="0"/>
@@ -1495,6 +1593,13 @@
     <dgm:pt modelId="{4E943D05-71E6-4904-B2E4-EE17CE0ECDDC}" type="pres">
       <dgm:prSet presAssocID="{1D49D49A-DC25-4260-A7C1-AE88ED45AA01}" presName="Name23" presStyleLbl="parChTrans1D4" presStyleIdx="2" presStyleCnt="3"/>
       <dgm:spPr/>
+      <dgm:t>
+        <a:bodyPr/>
+        <a:lstStyle/>
+        <a:p>
+          <a:endParaRPr lang="en-US"/>
+        </a:p>
+      </dgm:t>
     </dgm:pt>
     <dgm:pt modelId="{F44B8962-E4D2-490D-A079-B9E6F44CCE42}" type="pres">
       <dgm:prSet presAssocID="{79B6658F-78DE-4766-B7FE-589F77060815}" presName="hierRoot4" presStyleCnt="0"/>
@@ -1529,33 +1634,33 @@
     </dgm:pt>
   </dgm:ptLst>
   <dgm:cxnLst>
+    <dgm:cxn modelId="{0FA49AB8-7A83-4738-A178-84B72078BC91}" srcId="{C5EED326-718E-40BE-B180-B0A4FF91BE2B}" destId="{7E0C9FEF-1F0F-4670-950F-2B8EA7D8B974}" srcOrd="0" destOrd="0" parTransId="{AC9D86A2-402E-466C-AFF5-00C6206F8CA9}" sibTransId="{E75F6956-2EBC-481A-85D5-9229A571655A}"/>
+    <dgm:cxn modelId="{0737796A-1DE3-46BF-94BC-C503C82971B3}" type="presOf" srcId="{7E0C9FEF-1F0F-4670-950F-2B8EA7D8B974}" destId="{956BC080-07FE-41F3-926B-9E5CC8DF3F71}" srcOrd="0" destOrd="0" presId="urn:microsoft.com/office/officeart/2009/layout/CirclePictureHierarchy"/>
+    <dgm:cxn modelId="{1D469689-B0DE-43D5-863B-FEAD31EA41AE}" srcId="{65C2C024-8A2A-4045-8558-2AA8755A813E}" destId="{C5EED326-718E-40BE-B180-B0A4FF91BE2B}" srcOrd="0" destOrd="0" parTransId="{0756CD64-09C3-402D-B4FD-7265EE57457C}" sibTransId="{621BB6F4-FEFB-4108-8767-004FA70DA781}"/>
+    <dgm:cxn modelId="{E04880C3-751A-44B9-AAD6-2C9109B3009C}" type="presOf" srcId="{17B84D5F-B11E-4A43-BE49-161AC3126A1D}" destId="{0936996A-B019-435A-854E-B52026EB4742}" srcOrd="0" destOrd="0" presId="urn:microsoft.com/office/officeart/2009/layout/CirclePictureHierarchy"/>
     <dgm:cxn modelId="{67D22C39-90E2-461E-A5D1-99A3E303975D}" type="presOf" srcId="{92DBC19A-1C8D-4BA9-BC32-3AD020ACCD61}" destId="{5B969B1A-7C6C-4B95-B38D-8A4A50CD3F7C}" srcOrd="0" destOrd="0" presId="urn:microsoft.com/office/officeart/2009/layout/CirclePictureHierarchy"/>
+    <dgm:cxn modelId="{91B064C6-EF5E-4DB6-BBA7-86F1A841CF9B}" type="presOf" srcId="{7BB02E03-045E-4092-A4AA-6BD1B75C027D}" destId="{C1C0AC17-B8F0-4830-AD2D-E4D79BC8B9CB}" srcOrd="0" destOrd="0" presId="urn:microsoft.com/office/officeart/2009/layout/CirclePictureHierarchy"/>
+    <dgm:cxn modelId="{C6B8DE22-9941-4B99-B974-31190E00F151}" type="presOf" srcId="{C5EED326-718E-40BE-B180-B0A4FF91BE2B}" destId="{84927DFC-D05E-4221-9ECF-E33760046DF3}" srcOrd="0" destOrd="0" presId="urn:microsoft.com/office/officeart/2009/layout/CirclePictureHierarchy"/>
     <dgm:cxn modelId="{AD63F6A0-F4FA-4392-A96F-E157EAD30640}" srcId="{7E0C9FEF-1F0F-4670-950F-2B8EA7D8B974}" destId="{0534918F-FE7A-412B-940E-068E4B88FBEA}" srcOrd="0" destOrd="0" parTransId="{65F529C5-EF36-4B9A-B7FA-AF63DCA32B48}" sibTransId="{802292A2-5133-44F3-A50D-E210C80D028A}"/>
+    <dgm:cxn modelId="{FE2B06AF-57AE-4C05-93C0-97A43BD14F52}" srcId="{65C2C024-8A2A-4045-8558-2AA8755A813E}" destId="{C84F9199-C69F-4D88-B9B8-631019294617}" srcOrd="1" destOrd="0" parTransId="{EA90DCD4-FB49-41BD-ADF7-CF5C1BB96849}" sibTransId="{470E9FD3-273F-4921-865A-EA84A0D3B414}"/>
+    <dgm:cxn modelId="{C87AE850-92DD-4669-A1F4-46AB14AA9DF5}" type="presOf" srcId="{6EE995B3-C41A-47FD-8AE6-1767138AF7CF}" destId="{4435E2B9-EFB1-415C-8689-BDF7C2416C55}" srcOrd="0" destOrd="0" presId="urn:microsoft.com/office/officeart/2009/layout/CirclePictureHierarchy"/>
+    <dgm:cxn modelId="{6B0C985D-7866-428D-9174-D838ECC71829}" srcId="{6EE995B3-C41A-47FD-8AE6-1767138AF7CF}" destId="{79B6658F-78DE-4766-B7FE-589F77060815}" srcOrd="0" destOrd="0" parTransId="{1D49D49A-DC25-4260-A7C1-AE88ED45AA01}" sibTransId="{B3E5AAB2-FF6B-437D-B5E1-7424D4D86F7C}"/>
+    <dgm:cxn modelId="{7C53CFC0-AB73-4043-8DC2-46ACE150E7F6}" type="presOf" srcId="{65C2C024-8A2A-4045-8558-2AA8755A813E}" destId="{8506CC71-9ABD-430B-810D-3750F9EAB630}" srcOrd="0" destOrd="0" presId="urn:microsoft.com/office/officeart/2009/layout/CirclePictureHierarchy"/>
+    <dgm:cxn modelId="{38B9CA11-242C-4516-9437-19BDDFED5FC2}" srcId="{17B84D5F-B11E-4A43-BE49-161AC3126A1D}" destId="{65C2C024-8A2A-4045-8558-2AA8755A813E}" srcOrd="0" destOrd="0" parTransId="{2C122AFF-A9AE-4D72-91D4-330643A7ED31}" sibTransId="{75D331EC-CDB0-4E33-8D94-6DC3172DE2B5}"/>
+    <dgm:cxn modelId="{24F85A51-1842-49B9-B94A-7A0F35EF2A3E}" type="presOf" srcId="{18F83ACC-1EB3-475B-A410-333D0E0563EC}" destId="{229EED3D-E476-4CFC-B817-728AB058D74A}" srcOrd="0" destOrd="0" presId="urn:microsoft.com/office/officeart/2009/layout/CirclePictureHierarchy"/>
+    <dgm:cxn modelId="{F773CBF8-CEEA-4F1C-8FD7-61551C2C014A}" type="presOf" srcId="{79B6658F-78DE-4766-B7FE-589F77060815}" destId="{D7AE1163-F55C-4A98-878F-94EF554679B4}" srcOrd="0" destOrd="0" presId="urn:microsoft.com/office/officeart/2009/layout/CirclePictureHierarchy"/>
+    <dgm:cxn modelId="{18AE8200-6DBA-45AB-9731-BADF1D0FB439}" type="presOf" srcId="{527074F7-8E46-4208-8C71-92F466BE5082}" destId="{4F6C3248-7148-4A60-8E96-04EACE9BE555}" srcOrd="0" destOrd="0" presId="urn:microsoft.com/office/officeart/2009/layout/CirclePictureHierarchy"/>
+    <dgm:cxn modelId="{E8A6088B-088F-433B-9B6A-3ED22F074700}" srcId="{C5EED326-718E-40BE-B180-B0A4FF91BE2B}" destId="{92DBC19A-1C8D-4BA9-BC32-3AD020ACCD61}" srcOrd="1" destOrd="0" parTransId="{527074F7-8E46-4208-8C71-92F466BE5082}" sibTransId="{1C0AFE6C-B6DA-436F-A24E-A7FF5D1840AE}"/>
+    <dgm:cxn modelId="{0400042F-4277-46F3-B92C-F2F857EE4691}" type="presOf" srcId="{1D49D49A-DC25-4260-A7C1-AE88ED45AA01}" destId="{4E943D05-71E6-4904-B2E4-EE17CE0ECDDC}" srcOrd="0" destOrd="0" presId="urn:microsoft.com/office/officeart/2009/layout/CirclePictureHierarchy"/>
+    <dgm:cxn modelId="{67586131-FED3-4AE3-9A86-F27B1DBD7918}" type="presOf" srcId="{65F529C5-EF36-4B9A-B7FA-AF63DCA32B48}" destId="{C8F13515-CED2-4DD5-837F-81398537D7FC}" srcOrd="0" destOrd="0" presId="urn:microsoft.com/office/officeart/2009/layout/CirclePictureHierarchy"/>
+    <dgm:cxn modelId="{F0076BAE-6A77-459B-952F-5595324388E9}" type="presOf" srcId="{0756CD64-09C3-402D-B4FD-7265EE57457C}" destId="{8CA90676-D68B-4342-8190-DEF7F1874D34}" srcOrd="0" destOrd="0" presId="urn:microsoft.com/office/officeart/2009/layout/CirclePictureHierarchy"/>
+    <dgm:cxn modelId="{F8616E2D-4D36-472F-AB88-08119FCBB0FD}" type="presOf" srcId="{AC9D86A2-402E-466C-AFF5-00C6206F8CA9}" destId="{99572A04-A68C-4477-AB9A-39BE5DD7032F}" srcOrd="0" destOrd="0" presId="urn:microsoft.com/office/officeart/2009/layout/CirclePictureHierarchy"/>
+    <dgm:cxn modelId="{A59356BB-85BE-4405-B346-A961CF36FB2C}" type="presOf" srcId="{EA90DCD4-FB49-41BD-ADF7-CF5C1BB96849}" destId="{81BD3236-BC0F-4A86-B8BE-F8256503C0F0}" srcOrd="0" destOrd="0" presId="urn:microsoft.com/office/officeart/2009/layout/CirclePictureHierarchy"/>
     <dgm:cxn modelId="{49208722-902D-48A7-964E-16021868984F}" type="presOf" srcId="{0534918F-FE7A-412B-940E-068E4B88FBEA}" destId="{7F2C45EE-9850-4714-B6C1-43EBF7B16000}" srcOrd="0" destOrd="0" presId="urn:microsoft.com/office/officeart/2009/layout/CirclePictureHierarchy"/>
-    <dgm:cxn modelId="{18AE8200-6DBA-45AB-9731-BADF1D0FB439}" type="presOf" srcId="{527074F7-8E46-4208-8C71-92F466BE5082}" destId="{4F6C3248-7148-4A60-8E96-04EACE9BE555}" srcOrd="0" destOrd="0" presId="urn:microsoft.com/office/officeart/2009/layout/CirclePictureHierarchy"/>
+    <dgm:cxn modelId="{CAB4C99C-9D17-4C34-AB6B-8105DE3B1941}" type="presOf" srcId="{F3CC88BF-D013-45F1-9434-CBAD4BA07AB2}" destId="{BEBCCCB4-9FCD-465F-81A4-AEC83E7EDA7C}" srcOrd="0" destOrd="0" presId="urn:microsoft.com/office/officeart/2009/layout/CirclePictureHierarchy"/>
+    <dgm:cxn modelId="{F8DBF8E7-0A82-44F2-BE11-88A720564F4B}" srcId="{C84F9199-C69F-4D88-B9B8-631019294617}" destId="{6EE995B3-C41A-47FD-8AE6-1767138AF7CF}" srcOrd="0" destOrd="0" parTransId="{F3CC88BF-D013-45F1-9434-CBAD4BA07AB2}" sibTransId="{3498D35E-2A75-4A4B-8335-6149096B750B}"/>
+    <dgm:cxn modelId="{418E464F-A5F2-4B5B-9B01-404B2C44D63B}" type="presOf" srcId="{C84F9199-C69F-4D88-B9B8-631019294617}" destId="{3E30A41C-9450-45C7-BA3A-78ADC24B09DC}" srcOrd="0" destOrd="0" presId="urn:microsoft.com/office/officeart/2009/layout/CirclePictureHierarchy"/>
     <dgm:cxn modelId="{B89D6B6D-430B-44FE-AEF8-2EBB91A1F07C}" srcId="{92DBC19A-1C8D-4BA9-BC32-3AD020ACCD61}" destId="{18F83ACC-1EB3-475B-A410-333D0E0563EC}" srcOrd="0" destOrd="0" parTransId="{7BB02E03-045E-4092-A4AA-6BD1B75C027D}" sibTransId="{E37A3180-F6B7-434A-B4F2-EE4CD4FAEC35}"/>
-    <dgm:cxn modelId="{CAB4C99C-9D17-4C34-AB6B-8105DE3B1941}" type="presOf" srcId="{F3CC88BF-D013-45F1-9434-CBAD4BA07AB2}" destId="{BEBCCCB4-9FCD-465F-81A4-AEC83E7EDA7C}" srcOrd="0" destOrd="0" presId="urn:microsoft.com/office/officeart/2009/layout/CirclePictureHierarchy"/>
-    <dgm:cxn modelId="{FE2B06AF-57AE-4C05-93C0-97A43BD14F52}" srcId="{65C2C024-8A2A-4045-8558-2AA8755A813E}" destId="{C84F9199-C69F-4D88-B9B8-631019294617}" srcOrd="1" destOrd="0" parTransId="{EA90DCD4-FB49-41BD-ADF7-CF5C1BB96849}" sibTransId="{470E9FD3-273F-4921-865A-EA84A0D3B414}"/>
-    <dgm:cxn modelId="{67586131-FED3-4AE3-9A86-F27B1DBD7918}" type="presOf" srcId="{65F529C5-EF36-4B9A-B7FA-AF63DCA32B48}" destId="{C8F13515-CED2-4DD5-837F-81398537D7FC}" srcOrd="0" destOrd="0" presId="urn:microsoft.com/office/officeart/2009/layout/CirclePictureHierarchy"/>
-    <dgm:cxn modelId="{6B0C985D-7866-428D-9174-D838ECC71829}" srcId="{6EE995B3-C41A-47FD-8AE6-1767138AF7CF}" destId="{79B6658F-78DE-4766-B7FE-589F77060815}" srcOrd="0" destOrd="0" parTransId="{1D49D49A-DC25-4260-A7C1-AE88ED45AA01}" sibTransId="{B3E5AAB2-FF6B-437D-B5E1-7424D4D86F7C}"/>
-    <dgm:cxn modelId="{0737796A-1DE3-46BF-94BC-C503C82971B3}" type="presOf" srcId="{7E0C9FEF-1F0F-4670-950F-2B8EA7D8B974}" destId="{956BC080-07FE-41F3-926B-9E5CC8DF3F71}" srcOrd="0" destOrd="0" presId="urn:microsoft.com/office/officeart/2009/layout/CirclePictureHierarchy"/>
-    <dgm:cxn modelId="{E8A6088B-088F-433B-9B6A-3ED22F074700}" srcId="{C5EED326-718E-40BE-B180-B0A4FF91BE2B}" destId="{92DBC19A-1C8D-4BA9-BC32-3AD020ACCD61}" srcOrd="1" destOrd="0" parTransId="{527074F7-8E46-4208-8C71-92F466BE5082}" sibTransId="{1C0AFE6C-B6DA-436F-A24E-A7FF5D1840AE}"/>
-    <dgm:cxn modelId="{0FA49AB8-7A83-4738-A178-84B72078BC91}" srcId="{C5EED326-718E-40BE-B180-B0A4FF91BE2B}" destId="{7E0C9FEF-1F0F-4670-950F-2B8EA7D8B974}" srcOrd="0" destOrd="0" parTransId="{AC9D86A2-402E-466C-AFF5-00C6206F8CA9}" sibTransId="{E75F6956-2EBC-481A-85D5-9229A571655A}"/>
-    <dgm:cxn modelId="{C6B8DE22-9941-4B99-B974-31190E00F151}" type="presOf" srcId="{C5EED326-718E-40BE-B180-B0A4FF91BE2B}" destId="{84927DFC-D05E-4221-9ECF-E33760046DF3}" srcOrd="0" destOrd="0" presId="urn:microsoft.com/office/officeart/2009/layout/CirclePictureHierarchy"/>
-    <dgm:cxn modelId="{F0076BAE-6A77-459B-952F-5595324388E9}" type="presOf" srcId="{0756CD64-09C3-402D-B4FD-7265EE57457C}" destId="{8CA90676-D68B-4342-8190-DEF7F1874D34}" srcOrd="0" destOrd="0" presId="urn:microsoft.com/office/officeart/2009/layout/CirclePictureHierarchy"/>
-    <dgm:cxn modelId="{A59356BB-85BE-4405-B346-A961CF36FB2C}" type="presOf" srcId="{EA90DCD4-FB49-41BD-ADF7-CF5C1BB96849}" destId="{81BD3236-BC0F-4A86-B8BE-F8256503C0F0}" srcOrd="0" destOrd="0" presId="urn:microsoft.com/office/officeart/2009/layout/CirclePictureHierarchy"/>
-    <dgm:cxn modelId="{1D469689-B0DE-43D5-863B-FEAD31EA41AE}" srcId="{65C2C024-8A2A-4045-8558-2AA8755A813E}" destId="{C5EED326-718E-40BE-B180-B0A4FF91BE2B}" srcOrd="0" destOrd="0" parTransId="{0756CD64-09C3-402D-B4FD-7265EE57457C}" sibTransId="{621BB6F4-FEFB-4108-8767-004FA70DA781}"/>
-    <dgm:cxn modelId="{24F85A51-1842-49B9-B94A-7A0F35EF2A3E}" type="presOf" srcId="{18F83ACC-1EB3-475B-A410-333D0E0563EC}" destId="{229EED3D-E476-4CFC-B817-728AB058D74A}" srcOrd="0" destOrd="0" presId="urn:microsoft.com/office/officeart/2009/layout/CirclePictureHierarchy"/>
-    <dgm:cxn modelId="{418E464F-A5F2-4B5B-9B01-404B2C44D63B}" type="presOf" srcId="{C84F9199-C69F-4D88-B9B8-631019294617}" destId="{3E30A41C-9450-45C7-BA3A-78ADC24B09DC}" srcOrd="0" destOrd="0" presId="urn:microsoft.com/office/officeart/2009/layout/CirclePictureHierarchy"/>
-    <dgm:cxn modelId="{C87AE850-92DD-4669-A1F4-46AB14AA9DF5}" type="presOf" srcId="{6EE995B3-C41A-47FD-8AE6-1767138AF7CF}" destId="{4435E2B9-EFB1-415C-8689-BDF7C2416C55}" srcOrd="0" destOrd="0" presId="urn:microsoft.com/office/officeart/2009/layout/CirclePictureHierarchy"/>
-    <dgm:cxn modelId="{0400042F-4277-46F3-B92C-F2F857EE4691}" type="presOf" srcId="{1D49D49A-DC25-4260-A7C1-AE88ED45AA01}" destId="{4E943D05-71E6-4904-B2E4-EE17CE0ECDDC}" srcOrd="0" destOrd="0" presId="urn:microsoft.com/office/officeart/2009/layout/CirclePictureHierarchy"/>
-    <dgm:cxn modelId="{7C53CFC0-AB73-4043-8DC2-46ACE150E7F6}" type="presOf" srcId="{65C2C024-8A2A-4045-8558-2AA8755A813E}" destId="{8506CC71-9ABD-430B-810D-3750F9EAB630}" srcOrd="0" destOrd="0" presId="urn:microsoft.com/office/officeart/2009/layout/CirclePictureHierarchy"/>
-    <dgm:cxn modelId="{E04880C3-751A-44B9-AAD6-2C9109B3009C}" type="presOf" srcId="{17B84D5F-B11E-4A43-BE49-161AC3126A1D}" destId="{0936996A-B019-435A-854E-B52026EB4742}" srcOrd="0" destOrd="0" presId="urn:microsoft.com/office/officeart/2009/layout/CirclePictureHierarchy"/>
-    <dgm:cxn modelId="{F8DBF8E7-0A82-44F2-BE11-88A720564F4B}" srcId="{C84F9199-C69F-4D88-B9B8-631019294617}" destId="{6EE995B3-C41A-47FD-8AE6-1767138AF7CF}" srcOrd="0" destOrd="0" parTransId="{F3CC88BF-D013-45F1-9434-CBAD4BA07AB2}" sibTransId="{3498D35E-2A75-4A4B-8335-6149096B750B}"/>
-    <dgm:cxn modelId="{91B064C6-EF5E-4DB6-BBA7-86F1A841CF9B}" type="presOf" srcId="{7BB02E03-045E-4092-A4AA-6BD1B75C027D}" destId="{C1C0AC17-B8F0-4830-AD2D-E4D79BC8B9CB}" srcOrd="0" destOrd="0" presId="urn:microsoft.com/office/officeart/2009/layout/CirclePictureHierarchy"/>
-    <dgm:cxn modelId="{F773CBF8-CEEA-4F1C-8FD7-61551C2C014A}" type="presOf" srcId="{79B6658F-78DE-4766-B7FE-589F77060815}" destId="{D7AE1163-F55C-4A98-878F-94EF554679B4}" srcOrd="0" destOrd="0" presId="urn:microsoft.com/office/officeart/2009/layout/CirclePictureHierarchy"/>
-    <dgm:cxn modelId="{38B9CA11-242C-4516-9437-19BDDFED5FC2}" srcId="{17B84D5F-B11E-4A43-BE49-161AC3126A1D}" destId="{65C2C024-8A2A-4045-8558-2AA8755A813E}" srcOrd="0" destOrd="0" parTransId="{2C122AFF-A9AE-4D72-91D4-330643A7ED31}" sibTransId="{75D331EC-CDB0-4E33-8D94-6DC3172DE2B5}"/>
-    <dgm:cxn modelId="{F8616E2D-4D36-472F-AB88-08119FCBB0FD}" type="presOf" srcId="{AC9D86A2-402E-466C-AFF5-00C6206F8CA9}" destId="{99572A04-A68C-4477-AB9A-39BE5DD7032F}" srcOrd="0" destOrd="0" presId="urn:microsoft.com/office/officeart/2009/layout/CirclePictureHierarchy"/>
     <dgm:cxn modelId="{373D711A-FB51-4DE6-A9DB-ED1EF682D9C6}" type="presParOf" srcId="{0936996A-B019-435A-854E-B52026EB4742}" destId="{5E9EFB82-1040-471E-83E6-9FDBC12F0CF0}" srcOrd="0" destOrd="0" presId="urn:microsoft.com/office/officeart/2009/layout/CirclePictureHierarchy"/>
     <dgm:cxn modelId="{66373049-E19B-4ADC-B0F2-F9EBA54E1C3D}" type="presParOf" srcId="{5E9EFB82-1040-471E-83E6-9FDBC12F0CF0}" destId="{E895F108-1CB1-45E2-A786-6EE5415E3E09}" srcOrd="0" destOrd="0" presId="urn:microsoft.com/office/officeart/2009/layout/CirclePictureHierarchy"/>
     <dgm:cxn modelId="{5B9F98A1-F20D-4A2A-998A-F09C41F2D565}" type="presParOf" srcId="{E895F108-1CB1-45E2-A786-6EE5415E3E09}" destId="{8E7858A1-ECA0-4684-8794-630B24DDDBCF}" srcOrd="0" destOrd="0" presId="urn:microsoft.com/office/officeart/2009/layout/CirclePictureHierarchy"/>
@@ -1628,1462 +1733,6 @@
       <dsp:cNvGrpSpPr/>
     </dsp:nvGrpSpPr>
     <dsp:grpSpPr/>
-    <dsp:sp modelId="{4E943D05-71E6-4904-B2E4-EE17CE0ECDDC}">
-      <dsp:nvSpPr>
-        <dsp:cNvPr id="0" name=""/>
-        <dsp:cNvSpPr/>
-      </dsp:nvSpPr>
-      <dsp:spPr>
-        <a:xfrm>
-          <a:off x="4653057" y="2671476"/>
-          <a:ext cx="91440" cy="228570"/>
-        </a:xfrm>
-        <a:custGeom>
-          <a:avLst/>
-          <a:gdLst/>
-          <a:ahLst/>
-          <a:cxnLst/>
-          <a:rect l="0" t="0" r="0" b="0"/>
-          <a:pathLst>
-            <a:path>
-              <a:moveTo>
-                <a:pt x="45720" y="0"/>
-              </a:moveTo>
-              <a:lnTo>
-                <a:pt x="45720" y="228570"/>
-              </a:lnTo>
-            </a:path>
-          </a:pathLst>
-        </a:custGeom>
-        <a:noFill/>
-        <a:ln w="25400" cap="flat" cmpd="sng" algn="ctr">
-          <a:solidFill>
-            <a:schemeClr val="accent1">
-              <a:shade val="80000"/>
-              <a:hueOff val="0"/>
-              <a:satOff val="0"/>
-              <a:lumOff val="0"/>
-              <a:alphaOff val="0"/>
-            </a:schemeClr>
-          </a:solidFill>
-          <a:prstDash val="solid"/>
-        </a:ln>
-        <a:effectLst/>
-      </dsp:spPr>
-      <dsp:style>
-        <a:lnRef idx="2">
-          <a:scrgbClr r="0" g="0" b="0"/>
-        </a:lnRef>
-        <a:fillRef idx="0">
-          <a:scrgbClr r="0" g="0" b="0"/>
-        </a:fillRef>
-        <a:effectRef idx="0">
-          <a:scrgbClr r="0" g="0" b="0"/>
-        </a:effectRef>
-        <a:fontRef idx="minor"/>
-      </dsp:style>
-    </dsp:sp>
-    <dsp:sp modelId="{BEBCCCB4-9FCD-465F-81A4-AEC83E7EDA7C}">
-      <dsp:nvSpPr>
-        <dsp:cNvPr id="0" name=""/>
-        <dsp:cNvSpPr/>
-      </dsp:nvSpPr>
-      <dsp:spPr>
-        <a:xfrm>
-          <a:off x="4653057" y="1717285"/>
-          <a:ext cx="91440" cy="228570"/>
-        </a:xfrm>
-        <a:custGeom>
-          <a:avLst/>
-          <a:gdLst/>
-          <a:ahLst/>
-          <a:cxnLst/>
-          <a:rect l="0" t="0" r="0" b="0"/>
-          <a:pathLst>
-            <a:path>
-              <a:moveTo>
-                <a:pt x="45720" y="0"/>
-              </a:moveTo>
-              <a:lnTo>
-                <a:pt x="45720" y="228570"/>
-              </a:lnTo>
-            </a:path>
-          </a:pathLst>
-        </a:custGeom>
-        <a:noFill/>
-        <a:ln w="25400" cap="flat" cmpd="sng" algn="ctr">
-          <a:solidFill>
-            <a:schemeClr val="accent1">
-              <a:shade val="80000"/>
-              <a:hueOff val="0"/>
-              <a:satOff val="0"/>
-              <a:lumOff val="0"/>
-              <a:alphaOff val="0"/>
-            </a:schemeClr>
-          </a:solidFill>
-          <a:prstDash val="solid"/>
-        </a:ln>
-        <a:effectLst/>
-      </dsp:spPr>
-      <dsp:style>
-        <a:lnRef idx="2">
-          <a:scrgbClr r="0" g="0" b="0"/>
-        </a:lnRef>
-        <a:fillRef idx="0">
-          <a:scrgbClr r="0" g="0" b="0"/>
-        </a:fillRef>
-        <a:effectRef idx="0">
-          <a:scrgbClr r="0" g="0" b="0"/>
-        </a:effectRef>
-        <a:fontRef idx="minor"/>
-      </dsp:style>
-    </dsp:sp>
-    <dsp:sp modelId="{81BD3236-BC0F-4A86-B8BE-F8256503C0F0}">
-      <dsp:nvSpPr>
-        <dsp:cNvPr id="0" name=""/>
-        <dsp:cNvSpPr/>
-      </dsp:nvSpPr>
-      <dsp:spPr>
-        <a:xfrm>
-          <a:off x="3202183" y="763093"/>
-          <a:ext cx="1496593" cy="228570"/>
-        </a:xfrm>
-        <a:custGeom>
-          <a:avLst/>
-          <a:gdLst/>
-          <a:ahLst/>
-          <a:cxnLst/>
-          <a:rect l="0" t="0" r="0" b="0"/>
-          <a:pathLst>
-            <a:path>
-              <a:moveTo>
-                <a:pt x="0" y="0"/>
-              </a:moveTo>
-              <a:lnTo>
-                <a:pt x="0" y="115192"/>
-              </a:lnTo>
-              <a:lnTo>
-                <a:pt x="1496593" y="115192"/>
-              </a:lnTo>
-              <a:lnTo>
-                <a:pt x="1496593" y="228570"/>
-              </a:lnTo>
-            </a:path>
-          </a:pathLst>
-        </a:custGeom>
-        <a:noFill/>
-        <a:ln w="25400" cap="flat" cmpd="sng" algn="ctr">
-          <a:solidFill>
-            <a:schemeClr val="accent1">
-              <a:shade val="60000"/>
-              <a:hueOff val="0"/>
-              <a:satOff val="0"/>
-              <a:lumOff val="0"/>
-              <a:alphaOff val="0"/>
-            </a:schemeClr>
-          </a:solidFill>
-          <a:prstDash val="solid"/>
-        </a:ln>
-        <a:effectLst/>
-      </dsp:spPr>
-      <dsp:style>
-        <a:lnRef idx="2">
-          <a:scrgbClr r="0" g="0" b="0"/>
-        </a:lnRef>
-        <a:fillRef idx="0">
-          <a:scrgbClr r="0" g="0" b="0"/>
-        </a:fillRef>
-        <a:effectRef idx="0">
-          <a:scrgbClr r="0" g="0" b="0"/>
-        </a:effectRef>
-        <a:fontRef idx="minor"/>
-      </dsp:style>
-    </dsp:sp>
-    <dsp:sp modelId="{C1C0AC17-B8F0-4830-AD2D-E4D79BC8B9CB}">
-      <dsp:nvSpPr>
-        <dsp:cNvPr id="0" name=""/>
-        <dsp:cNvSpPr/>
-      </dsp:nvSpPr>
-      <dsp:spPr>
-        <a:xfrm>
-          <a:off x="2657599" y="2671476"/>
-          <a:ext cx="91440" cy="228570"/>
-        </a:xfrm>
-        <a:custGeom>
-          <a:avLst/>
-          <a:gdLst/>
-          <a:ahLst/>
-          <a:cxnLst/>
-          <a:rect l="0" t="0" r="0" b="0"/>
-          <a:pathLst>
-            <a:path>
-              <a:moveTo>
-                <a:pt x="45720" y="0"/>
-              </a:moveTo>
-              <a:lnTo>
-                <a:pt x="45720" y="228570"/>
-              </a:lnTo>
-            </a:path>
-          </a:pathLst>
-        </a:custGeom>
-        <a:noFill/>
-        <a:ln w="25400" cap="flat" cmpd="sng" algn="ctr">
-          <a:solidFill>
-            <a:schemeClr val="accent1">
-              <a:shade val="80000"/>
-              <a:hueOff val="0"/>
-              <a:satOff val="0"/>
-              <a:lumOff val="0"/>
-              <a:alphaOff val="0"/>
-            </a:schemeClr>
-          </a:solidFill>
-          <a:prstDash val="solid"/>
-        </a:ln>
-        <a:effectLst/>
-      </dsp:spPr>
-      <dsp:style>
-        <a:lnRef idx="2">
-          <a:scrgbClr r="0" g="0" b="0"/>
-        </a:lnRef>
-        <a:fillRef idx="0">
-          <a:scrgbClr r="0" g="0" b="0"/>
-        </a:fillRef>
-        <a:effectRef idx="0">
-          <a:scrgbClr r="0" g="0" b="0"/>
-        </a:effectRef>
-        <a:fontRef idx="minor"/>
-      </dsp:style>
-    </dsp:sp>
-    <dsp:sp modelId="{4F6C3248-7148-4A60-8E96-04EACE9BE555}">
-      <dsp:nvSpPr>
-        <dsp:cNvPr id="0" name=""/>
-        <dsp:cNvSpPr/>
-      </dsp:nvSpPr>
-      <dsp:spPr>
-        <a:xfrm>
-          <a:off x="1705590" y="1717285"/>
-          <a:ext cx="997729" cy="228570"/>
-        </a:xfrm>
-        <a:custGeom>
-          <a:avLst/>
-          <a:gdLst/>
-          <a:ahLst/>
-          <a:cxnLst/>
-          <a:rect l="0" t="0" r="0" b="0"/>
-          <a:pathLst>
-            <a:path>
-              <a:moveTo>
-                <a:pt x="0" y="0"/>
-              </a:moveTo>
-              <a:lnTo>
-                <a:pt x="0" y="115192"/>
-              </a:lnTo>
-              <a:lnTo>
-                <a:pt x="997729" y="115192"/>
-              </a:lnTo>
-              <a:lnTo>
-                <a:pt x="997729" y="228570"/>
-              </a:lnTo>
-            </a:path>
-          </a:pathLst>
-        </a:custGeom>
-        <a:noFill/>
-        <a:ln w="25400" cap="flat" cmpd="sng" algn="ctr">
-          <a:solidFill>
-            <a:schemeClr val="accent1">
-              <a:shade val="80000"/>
-              <a:hueOff val="0"/>
-              <a:satOff val="0"/>
-              <a:lumOff val="0"/>
-              <a:alphaOff val="0"/>
-            </a:schemeClr>
-          </a:solidFill>
-          <a:prstDash val="solid"/>
-        </a:ln>
-        <a:effectLst/>
-      </dsp:spPr>
-      <dsp:style>
-        <a:lnRef idx="2">
-          <a:scrgbClr r="0" g="0" b="0"/>
-        </a:lnRef>
-        <a:fillRef idx="0">
-          <a:scrgbClr r="0" g="0" b="0"/>
-        </a:fillRef>
-        <a:effectRef idx="0">
-          <a:scrgbClr r="0" g="0" b="0"/>
-        </a:effectRef>
-        <a:fontRef idx="minor"/>
-      </dsp:style>
-    </dsp:sp>
-    <dsp:sp modelId="{C8F13515-CED2-4DD5-837F-81398537D7FC}">
-      <dsp:nvSpPr>
-        <dsp:cNvPr id="0" name=""/>
-        <dsp:cNvSpPr/>
-      </dsp:nvSpPr>
-      <dsp:spPr>
-        <a:xfrm>
-          <a:off x="662141" y="2671476"/>
-          <a:ext cx="91440" cy="228570"/>
-        </a:xfrm>
-        <a:custGeom>
-          <a:avLst/>
-          <a:gdLst/>
-          <a:ahLst/>
-          <a:cxnLst/>
-          <a:rect l="0" t="0" r="0" b="0"/>
-          <a:pathLst>
-            <a:path>
-              <a:moveTo>
-                <a:pt x="45720" y="0"/>
-              </a:moveTo>
-              <a:lnTo>
-                <a:pt x="45720" y="228570"/>
-              </a:lnTo>
-            </a:path>
-          </a:pathLst>
-        </a:custGeom>
-        <a:noFill/>
-        <a:ln w="25400" cap="flat" cmpd="sng" algn="ctr">
-          <a:solidFill>
-            <a:schemeClr val="accent1">
-              <a:shade val="80000"/>
-              <a:hueOff val="0"/>
-              <a:satOff val="0"/>
-              <a:lumOff val="0"/>
-              <a:alphaOff val="0"/>
-            </a:schemeClr>
-          </a:solidFill>
-          <a:prstDash val="solid"/>
-        </a:ln>
-        <a:effectLst/>
-      </dsp:spPr>
-      <dsp:style>
-        <a:lnRef idx="2">
-          <a:scrgbClr r="0" g="0" b="0"/>
-        </a:lnRef>
-        <a:fillRef idx="0">
-          <a:scrgbClr r="0" g="0" b="0"/>
-        </a:fillRef>
-        <a:effectRef idx="0">
-          <a:scrgbClr r="0" g="0" b="0"/>
-        </a:effectRef>
-        <a:fontRef idx="minor"/>
-      </dsp:style>
-    </dsp:sp>
-    <dsp:sp modelId="{99572A04-A68C-4477-AB9A-39BE5DD7032F}">
-      <dsp:nvSpPr>
-        <dsp:cNvPr id="0" name=""/>
-        <dsp:cNvSpPr/>
-      </dsp:nvSpPr>
-      <dsp:spPr>
-        <a:xfrm>
-          <a:off x="707861" y="1717285"/>
-          <a:ext cx="997729" cy="228570"/>
-        </a:xfrm>
-        <a:custGeom>
-          <a:avLst/>
-          <a:gdLst/>
-          <a:ahLst/>
-          <a:cxnLst/>
-          <a:rect l="0" t="0" r="0" b="0"/>
-          <a:pathLst>
-            <a:path>
-              <a:moveTo>
-                <a:pt x="997729" y="0"/>
-              </a:moveTo>
-              <a:lnTo>
-                <a:pt x="997729" y="115192"/>
-              </a:lnTo>
-              <a:lnTo>
-                <a:pt x="0" y="115192"/>
-              </a:lnTo>
-              <a:lnTo>
-                <a:pt x="0" y="228570"/>
-              </a:lnTo>
-            </a:path>
-          </a:pathLst>
-        </a:custGeom>
-        <a:noFill/>
-        <a:ln w="25400" cap="flat" cmpd="sng" algn="ctr">
-          <a:solidFill>
-            <a:schemeClr val="accent1">
-              <a:shade val="80000"/>
-              <a:hueOff val="0"/>
-              <a:satOff val="0"/>
-              <a:lumOff val="0"/>
-              <a:alphaOff val="0"/>
-            </a:schemeClr>
-          </a:solidFill>
-          <a:prstDash val="solid"/>
-        </a:ln>
-        <a:effectLst/>
-      </dsp:spPr>
-      <dsp:style>
-        <a:lnRef idx="2">
-          <a:scrgbClr r="0" g="0" b="0"/>
-        </a:lnRef>
-        <a:fillRef idx="0">
-          <a:scrgbClr r="0" g="0" b="0"/>
-        </a:fillRef>
-        <a:effectRef idx="0">
-          <a:scrgbClr r="0" g="0" b="0"/>
-        </a:effectRef>
-        <a:fontRef idx="minor"/>
-      </dsp:style>
-    </dsp:sp>
-    <dsp:sp modelId="{8CA90676-D68B-4342-8190-DEF7F1874D34}">
-      <dsp:nvSpPr>
-        <dsp:cNvPr id="0" name=""/>
-        <dsp:cNvSpPr/>
-      </dsp:nvSpPr>
-      <dsp:spPr>
-        <a:xfrm>
-          <a:off x="1705590" y="763093"/>
-          <a:ext cx="1496593" cy="228570"/>
-        </a:xfrm>
-        <a:custGeom>
-          <a:avLst/>
-          <a:gdLst/>
-          <a:ahLst/>
-          <a:cxnLst/>
-          <a:rect l="0" t="0" r="0" b="0"/>
-          <a:pathLst>
-            <a:path>
-              <a:moveTo>
-                <a:pt x="1496593" y="0"/>
-              </a:moveTo>
-              <a:lnTo>
-                <a:pt x="1496593" y="115192"/>
-              </a:lnTo>
-              <a:lnTo>
-                <a:pt x="0" y="115192"/>
-              </a:lnTo>
-              <a:lnTo>
-                <a:pt x="0" y="228570"/>
-              </a:lnTo>
-            </a:path>
-          </a:pathLst>
-        </a:custGeom>
-        <a:noFill/>
-        <a:ln w="25400" cap="flat" cmpd="sng" algn="ctr">
-          <a:solidFill>
-            <a:schemeClr val="accent1">
-              <a:shade val="60000"/>
-              <a:hueOff val="0"/>
-              <a:satOff val="0"/>
-              <a:lumOff val="0"/>
-              <a:alphaOff val="0"/>
-            </a:schemeClr>
-          </a:solidFill>
-          <a:prstDash val="solid"/>
-        </a:ln>
-        <a:effectLst/>
-      </dsp:spPr>
-      <dsp:style>
-        <a:lnRef idx="2">
-          <a:scrgbClr r="0" g="0" b="0"/>
-        </a:lnRef>
-        <a:fillRef idx="0">
-          <a:scrgbClr r="0" g="0" b="0"/>
-        </a:fillRef>
-        <a:effectRef idx="0">
-          <a:scrgbClr r="0" g="0" b="0"/>
-        </a:effectRef>
-        <a:fontRef idx="minor"/>
-      </dsp:style>
-    </dsp:sp>
-    <dsp:sp modelId="{8E7858A1-ECA0-4684-8794-630B24DDDBCF}">
-      <dsp:nvSpPr>
-        <dsp:cNvPr id="0" name=""/>
-        <dsp:cNvSpPr/>
-      </dsp:nvSpPr>
-      <dsp:spPr>
-        <a:xfrm>
-          <a:off x="2839373" y="37472"/>
-          <a:ext cx="725621" cy="725621"/>
-        </a:xfrm>
-        <a:prstGeom prst="ellipse">
-          <a:avLst/>
-        </a:prstGeom>
-        <a:solidFill>
-          <a:schemeClr val="accent1">
-            <a:hueOff val="0"/>
-            <a:satOff val="0"/>
-            <a:lumOff val="0"/>
-            <a:alphaOff val="0"/>
-          </a:schemeClr>
-        </a:solidFill>
-        <a:ln w="25400" cap="flat" cmpd="sng" algn="ctr">
-          <a:solidFill>
-            <a:schemeClr val="lt1">
-              <a:hueOff val="0"/>
-              <a:satOff val="0"/>
-              <a:lumOff val="0"/>
-              <a:alphaOff val="0"/>
-            </a:schemeClr>
-          </a:solidFill>
-          <a:prstDash val="solid"/>
-        </a:ln>
-        <a:effectLst/>
-      </dsp:spPr>
-      <dsp:style>
-        <a:lnRef idx="2">
-          <a:scrgbClr r="0" g="0" b="0"/>
-        </a:lnRef>
-        <a:fillRef idx="1">
-          <a:scrgbClr r="0" g="0" b="0"/>
-        </a:fillRef>
-        <a:effectRef idx="0">
-          <a:scrgbClr r="0" g="0" b="0"/>
-        </a:effectRef>
-        <a:fontRef idx="minor">
-          <a:schemeClr val="lt1"/>
-        </a:fontRef>
-      </dsp:style>
-    </dsp:sp>
-    <dsp:sp modelId="{8506CC71-9ABD-430B-810D-3750F9EAB630}">
-      <dsp:nvSpPr>
-        <dsp:cNvPr id="0" name=""/>
-        <dsp:cNvSpPr/>
-      </dsp:nvSpPr>
-      <dsp:spPr>
-        <a:xfrm>
-          <a:off x="3564994" y="35658"/>
-          <a:ext cx="1088431" cy="725621"/>
-        </a:xfrm>
-        <a:prstGeom prst="rect">
-          <a:avLst/>
-        </a:prstGeom>
-        <a:noFill/>
-        <a:ln>
-          <a:noFill/>
-        </a:ln>
-        <a:effectLst/>
-      </dsp:spPr>
-      <dsp:style>
-        <a:lnRef idx="0">
-          <a:scrgbClr r="0" g="0" b="0"/>
-        </a:lnRef>
-        <a:fillRef idx="0">
-          <a:scrgbClr r="0" g="0" b="0"/>
-        </a:fillRef>
-        <a:effectRef idx="0">
-          <a:scrgbClr r="0" g="0" b="0"/>
-        </a:effectRef>
-        <a:fontRef idx="minor"/>
-      </dsp:style>
-      <dsp:txBody>
-        <a:bodyPr spcFirstLastPara="0" vert="horz" wrap="square" lIns="57150" tIns="57150" rIns="57150" bIns="57150" numCol="1" spcCol="1270" anchor="ctr" anchorCtr="0">
-          <a:noAutofit/>
-        </a:bodyPr>
-        <a:lstStyle/>
-        <a:p>
-          <a:pPr lvl="0" algn="l" defTabSz="666750">
-            <a:lnSpc>
-              <a:spcPct val="90000"/>
-            </a:lnSpc>
-            <a:spcBef>
-              <a:spcPct val="0"/>
-            </a:spcBef>
-            <a:spcAft>
-              <a:spcPct val="35000"/>
-            </a:spcAft>
-          </a:pPr>
-          <a:r>
-            <a:rPr lang="en-US" sz="1500" kern="1200" dirty="0" smtClean="0"/>
-            <a:t>Add</a:t>
-          </a:r>
-          <a:endParaRPr lang="en-US" sz="1500" kern="1200" dirty="0"/>
-        </a:p>
-      </dsp:txBody>
-      <dsp:txXfrm>
-        <a:off x="3564994" y="35658"/>
-        <a:ext cx="1088431" cy="725621"/>
-      </dsp:txXfrm>
-    </dsp:sp>
-    <dsp:sp modelId="{40B052DC-028B-4773-994C-304747F57113}">
-      <dsp:nvSpPr>
-        <dsp:cNvPr id="0" name=""/>
-        <dsp:cNvSpPr/>
-      </dsp:nvSpPr>
-      <dsp:spPr>
-        <a:xfrm>
-          <a:off x="1342779" y="991664"/>
-          <a:ext cx="725621" cy="725621"/>
-        </a:xfrm>
-        <a:prstGeom prst="ellipse">
-          <a:avLst/>
-        </a:prstGeom>
-        <a:solidFill>
-          <a:schemeClr val="accent1">
-            <a:hueOff val="0"/>
-            <a:satOff val="0"/>
-            <a:lumOff val="0"/>
-            <a:alphaOff val="0"/>
-          </a:schemeClr>
-        </a:solidFill>
-        <a:ln w="25400" cap="flat" cmpd="sng" algn="ctr">
-          <a:solidFill>
-            <a:schemeClr val="lt1">
-              <a:hueOff val="0"/>
-              <a:satOff val="0"/>
-              <a:lumOff val="0"/>
-              <a:alphaOff val="0"/>
-            </a:schemeClr>
-          </a:solidFill>
-          <a:prstDash val="solid"/>
-        </a:ln>
-        <a:effectLst/>
-      </dsp:spPr>
-      <dsp:style>
-        <a:lnRef idx="2">
-          <a:scrgbClr r="0" g="0" b="0"/>
-        </a:lnRef>
-        <a:fillRef idx="1">
-          <a:scrgbClr r="0" g="0" b="0"/>
-        </a:fillRef>
-        <a:effectRef idx="0">
-          <a:scrgbClr r="0" g="0" b="0"/>
-        </a:effectRef>
-        <a:fontRef idx="minor">
-          <a:schemeClr val="lt1"/>
-        </a:fontRef>
-      </dsp:style>
-    </dsp:sp>
-    <dsp:sp modelId="{84927DFC-D05E-4221-9ECF-E33760046DF3}">
-      <dsp:nvSpPr>
-        <dsp:cNvPr id="0" name=""/>
-        <dsp:cNvSpPr/>
-      </dsp:nvSpPr>
-      <dsp:spPr>
-        <a:xfrm>
-          <a:off x="2068400" y="989850"/>
-          <a:ext cx="1088431" cy="725621"/>
-        </a:xfrm>
-        <a:prstGeom prst="rect">
-          <a:avLst/>
-        </a:prstGeom>
-        <a:noFill/>
-        <a:ln>
-          <a:noFill/>
-        </a:ln>
-        <a:effectLst/>
-      </dsp:spPr>
-      <dsp:style>
-        <a:lnRef idx="0">
-          <a:scrgbClr r="0" g="0" b="0"/>
-        </a:lnRef>
-        <a:fillRef idx="0">
-          <a:scrgbClr r="0" g="0" b="0"/>
-        </a:fillRef>
-        <a:effectRef idx="0">
-          <a:scrgbClr r="0" g="0" b="0"/>
-        </a:effectRef>
-        <a:fontRef idx="minor"/>
-      </dsp:style>
-      <dsp:txBody>
-        <a:bodyPr spcFirstLastPara="0" vert="horz" wrap="square" lIns="57150" tIns="57150" rIns="57150" bIns="57150" numCol="1" spcCol="1270" anchor="ctr" anchorCtr="0">
-          <a:noAutofit/>
-        </a:bodyPr>
-        <a:lstStyle/>
-        <a:p>
-          <a:pPr lvl="0" algn="l" defTabSz="666750">
-            <a:lnSpc>
-              <a:spcPct val="90000"/>
-            </a:lnSpc>
-            <a:spcBef>
-              <a:spcPct val="0"/>
-            </a:spcBef>
-            <a:spcAft>
-              <a:spcPct val="35000"/>
-            </a:spcAft>
-          </a:pPr>
-          <a:r>
-            <a:rPr lang="en-US" sz="1500" kern="1200" dirty="0" smtClean="0"/>
-            <a:t>Multiply</a:t>
-          </a:r>
-          <a:endParaRPr lang="en-US" sz="1500" kern="1200" dirty="0"/>
-        </a:p>
-      </dsp:txBody>
-      <dsp:txXfrm>
-        <a:off x="2068400" y="989850"/>
-        <a:ext cx="1088431" cy="725621"/>
-      </dsp:txXfrm>
-    </dsp:sp>
-    <dsp:sp modelId="{E5B02E66-296C-47B7-A60C-47B650C300DC}">
-      <dsp:nvSpPr>
-        <dsp:cNvPr id="0" name=""/>
-        <dsp:cNvSpPr/>
-      </dsp:nvSpPr>
-      <dsp:spPr>
-        <a:xfrm>
-          <a:off x="345050" y="1945855"/>
-          <a:ext cx="725621" cy="725621"/>
-        </a:xfrm>
-        <a:prstGeom prst="ellipse">
-          <a:avLst/>
-        </a:prstGeom>
-        <a:solidFill>
-          <a:schemeClr val="accent1">
-            <a:hueOff val="0"/>
-            <a:satOff val="0"/>
-            <a:lumOff val="0"/>
-            <a:alphaOff val="0"/>
-          </a:schemeClr>
-        </a:solidFill>
-        <a:ln w="25400" cap="flat" cmpd="sng" algn="ctr">
-          <a:solidFill>
-            <a:schemeClr val="lt1">
-              <a:hueOff val="0"/>
-              <a:satOff val="0"/>
-              <a:lumOff val="0"/>
-              <a:alphaOff val="0"/>
-            </a:schemeClr>
-          </a:solidFill>
-          <a:prstDash val="solid"/>
-        </a:ln>
-        <a:effectLst/>
-      </dsp:spPr>
-      <dsp:style>
-        <a:lnRef idx="2">
-          <a:scrgbClr r="0" g="0" b="0"/>
-        </a:lnRef>
-        <a:fillRef idx="1">
-          <a:scrgbClr r="0" g="0" b="0"/>
-        </a:fillRef>
-        <a:effectRef idx="0">
-          <a:scrgbClr r="0" g="0" b="0"/>
-        </a:effectRef>
-        <a:fontRef idx="minor">
-          <a:schemeClr val="lt1"/>
-        </a:fontRef>
-      </dsp:style>
-    </dsp:sp>
-    <dsp:sp modelId="{956BC080-07FE-41F3-926B-9E5CC8DF3F71}">
-      <dsp:nvSpPr>
-        <dsp:cNvPr id="0" name=""/>
-        <dsp:cNvSpPr/>
-      </dsp:nvSpPr>
-      <dsp:spPr>
-        <a:xfrm>
-          <a:off x="1070671" y="1944041"/>
-          <a:ext cx="1088431" cy="725621"/>
-        </a:xfrm>
-        <a:prstGeom prst="rect">
-          <a:avLst/>
-        </a:prstGeom>
-        <a:noFill/>
-        <a:ln>
-          <a:noFill/>
-        </a:ln>
-        <a:effectLst/>
-      </dsp:spPr>
-      <dsp:style>
-        <a:lnRef idx="0">
-          <a:scrgbClr r="0" g="0" b="0"/>
-        </a:lnRef>
-        <a:fillRef idx="0">
-          <a:scrgbClr r="0" g="0" b="0"/>
-        </a:fillRef>
-        <a:effectRef idx="0">
-          <a:scrgbClr r="0" g="0" b="0"/>
-        </a:effectRef>
-        <a:fontRef idx="minor"/>
-      </dsp:style>
-      <dsp:txBody>
-        <a:bodyPr spcFirstLastPara="0" vert="horz" wrap="square" lIns="57150" tIns="57150" rIns="57150" bIns="57150" numCol="1" spcCol="1270" anchor="ctr" anchorCtr="0">
-          <a:noAutofit/>
-        </a:bodyPr>
-        <a:lstStyle/>
-        <a:p>
-          <a:pPr lvl="0" algn="l" defTabSz="666750">
-            <a:lnSpc>
-              <a:spcPct val="90000"/>
-            </a:lnSpc>
-            <a:spcBef>
-              <a:spcPct val="0"/>
-            </a:spcBef>
-            <a:spcAft>
-              <a:spcPct val="35000"/>
-            </a:spcAft>
-          </a:pPr>
-          <a:r>
-            <a:rPr lang="en-US" sz="1500" kern="1200" dirty="0" smtClean="0"/>
-            <a:t>Variable</a:t>
-          </a:r>
-          <a:endParaRPr lang="en-US" sz="1500" kern="1200" dirty="0"/>
-        </a:p>
-      </dsp:txBody>
-      <dsp:txXfrm>
-        <a:off x="1070671" y="1944041"/>
-        <a:ext cx="1088431" cy="725621"/>
-      </dsp:txXfrm>
-    </dsp:sp>
-    <dsp:sp modelId="{09E42C94-8C0E-41B3-B2F6-10531C76026E}">
-      <dsp:nvSpPr>
-        <dsp:cNvPr id="0" name=""/>
-        <dsp:cNvSpPr/>
-      </dsp:nvSpPr>
-      <dsp:spPr>
-        <a:xfrm>
-          <a:off x="345050" y="2900047"/>
-          <a:ext cx="725621" cy="725621"/>
-        </a:xfrm>
-        <a:prstGeom prst="ellipse">
-          <a:avLst/>
-        </a:prstGeom>
-        <a:solidFill>
-          <a:schemeClr val="accent1">
-            <a:hueOff val="0"/>
-            <a:satOff val="0"/>
-            <a:lumOff val="0"/>
-            <a:alphaOff val="0"/>
-          </a:schemeClr>
-        </a:solidFill>
-        <a:ln w="25400" cap="flat" cmpd="sng" algn="ctr">
-          <a:solidFill>
-            <a:schemeClr val="lt1">
-              <a:hueOff val="0"/>
-              <a:satOff val="0"/>
-              <a:lumOff val="0"/>
-              <a:alphaOff val="0"/>
-            </a:schemeClr>
-          </a:solidFill>
-          <a:prstDash val="solid"/>
-        </a:ln>
-        <a:effectLst/>
-      </dsp:spPr>
-      <dsp:style>
-        <a:lnRef idx="2">
-          <a:scrgbClr r="0" g="0" b="0"/>
-        </a:lnRef>
-        <a:fillRef idx="1">
-          <a:scrgbClr r="0" g="0" b="0"/>
-        </a:fillRef>
-        <a:effectRef idx="0">
-          <a:scrgbClr r="0" g="0" b="0"/>
-        </a:effectRef>
-        <a:fontRef idx="minor">
-          <a:schemeClr val="lt1"/>
-        </a:fontRef>
-      </dsp:style>
-    </dsp:sp>
-    <dsp:sp modelId="{7F2C45EE-9850-4714-B6C1-43EBF7B16000}">
-      <dsp:nvSpPr>
-        <dsp:cNvPr id="0" name=""/>
-        <dsp:cNvSpPr/>
-      </dsp:nvSpPr>
-      <dsp:spPr>
-        <a:xfrm>
-          <a:off x="1070671" y="2898233"/>
-          <a:ext cx="1088431" cy="725621"/>
-        </a:xfrm>
-        <a:prstGeom prst="rect">
-          <a:avLst/>
-        </a:prstGeom>
-        <a:noFill/>
-        <a:ln>
-          <a:noFill/>
-        </a:ln>
-        <a:effectLst/>
-      </dsp:spPr>
-      <dsp:style>
-        <a:lnRef idx="0">
-          <a:scrgbClr r="0" g="0" b="0"/>
-        </a:lnRef>
-        <a:fillRef idx="0">
-          <a:scrgbClr r="0" g="0" b="0"/>
-        </a:fillRef>
-        <a:effectRef idx="0">
-          <a:scrgbClr r="0" g="0" b="0"/>
-        </a:effectRef>
-        <a:fontRef idx="minor"/>
-      </dsp:style>
-      <dsp:txBody>
-        <a:bodyPr spcFirstLastPara="0" vert="horz" wrap="square" lIns="57150" tIns="57150" rIns="57150" bIns="57150" numCol="1" spcCol="1270" anchor="ctr" anchorCtr="0">
-          <a:noAutofit/>
-        </a:bodyPr>
-        <a:lstStyle/>
-        <a:p>
-          <a:pPr lvl="0" algn="l" defTabSz="666750">
-            <a:lnSpc>
-              <a:spcPct val="90000"/>
-            </a:lnSpc>
-            <a:spcBef>
-              <a:spcPct val="0"/>
-            </a:spcBef>
-            <a:spcAft>
-              <a:spcPct val="35000"/>
-            </a:spcAft>
-          </a:pPr>
-          <a:r>
-            <a:rPr lang="en-US" sz="1500" kern="1200" dirty="0" smtClean="0"/>
-            <a:t>x</a:t>
-          </a:r>
-          <a:endParaRPr lang="en-US" sz="1500" kern="1200" dirty="0"/>
-        </a:p>
-      </dsp:txBody>
-      <dsp:txXfrm>
-        <a:off x="1070671" y="2898233"/>
-        <a:ext cx="1088431" cy="725621"/>
-      </dsp:txXfrm>
-    </dsp:sp>
-    <dsp:sp modelId="{B26CB642-4E95-4F4E-A9C7-04750B0C4542}">
-      <dsp:nvSpPr>
-        <dsp:cNvPr id="0" name=""/>
-        <dsp:cNvSpPr/>
-      </dsp:nvSpPr>
-      <dsp:spPr>
-        <a:xfrm>
-          <a:off x="2340508" y="1945855"/>
-          <a:ext cx="725621" cy="725621"/>
-        </a:xfrm>
-        <a:prstGeom prst="ellipse">
-          <a:avLst/>
-        </a:prstGeom>
-        <a:solidFill>
-          <a:schemeClr val="accent1">
-            <a:hueOff val="0"/>
-            <a:satOff val="0"/>
-            <a:lumOff val="0"/>
-            <a:alphaOff val="0"/>
-          </a:schemeClr>
-        </a:solidFill>
-        <a:ln w="25400" cap="flat" cmpd="sng" algn="ctr">
-          <a:solidFill>
-            <a:schemeClr val="lt1">
-              <a:hueOff val="0"/>
-              <a:satOff val="0"/>
-              <a:lumOff val="0"/>
-              <a:alphaOff val="0"/>
-            </a:schemeClr>
-          </a:solidFill>
-          <a:prstDash val="solid"/>
-        </a:ln>
-        <a:effectLst/>
-      </dsp:spPr>
-      <dsp:style>
-        <a:lnRef idx="2">
-          <a:scrgbClr r="0" g="0" b="0"/>
-        </a:lnRef>
-        <a:fillRef idx="1">
-          <a:scrgbClr r="0" g="0" b="0"/>
-        </a:fillRef>
-        <a:effectRef idx="0">
-          <a:scrgbClr r="0" g="0" b="0"/>
-        </a:effectRef>
-        <a:fontRef idx="minor">
-          <a:schemeClr val="lt1"/>
-        </a:fontRef>
-      </dsp:style>
-    </dsp:sp>
-    <dsp:sp modelId="{5B969B1A-7C6C-4B95-B38D-8A4A50CD3F7C}">
-      <dsp:nvSpPr>
-        <dsp:cNvPr id="0" name=""/>
-        <dsp:cNvSpPr/>
-      </dsp:nvSpPr>
-      <dsp:spPr>
-        <a:xfrm>
-          <a:off x="3066129" y="1944041"/>
-          <a:ext cx="1088431" cy="725621"/>
-        </a:xfrm>
-        <a:prstGeom prst="rect">
-          <a:avLst/>
-        </a:prstGeom>
-        <a:noFill/>
-        <a:ln>
-          <a:noFill/>
-        </a:ln>
-        <a:effectLst/>
-      </dsp:spPr>
-      <dsp:style>
-        <a:lnRef idx="0">
-          <a:scrgbClr r="0" g="0" b="0"/>
-        </a:lnRef>
-        <a:fillRef idx="0">
-          <a:scrgbClr r="0" g="0" b="0"/>
-        </a:fillRef>
-        <a:effectRef idx="0">
-          <a:scrgbClr r="0" g="0" b="0"/>
-        </a:effectRef>
-        <a:fontRef idx="minor"/>
-      </dsp:style>
-      <dsp:txBody>
-        <a:bodyPr spcFirstLastPara="0" vert="horz" wrap="square" lIns="57150" tIns="57150" rIns="57150" bIns="57150" numCol="1" spcCol="1270" anchor="ctr" anchorCtr="0">
-          <a:noAutofit/>
-        </a:bodyPr>
-        <a:lstStyle/>
-        <a:p>
-          <a:pPr lvl="0" algn="l" defTabSz="666750">
-            <a:lnSpc>
-              <a:spcPct val="90000"/>
-            </a:lnSpc>
-            <a:spcBef>
-              <a:spcPct val="0"/>
-            </a:spcBef>
-            <a:spcAft>
-              <a:spcPct val="35000"/>
-            </a:spcAft>
-          </a:pPr>
-          <a:r>
-            <a:rPr lang="en-US" sz="1500" kern="1200" dirty="0" smtClean="0"/>
-            <a:t>Variable</a:t>
-          </a:r>
-          <a:endParaRPr lang="en-US" sz="1500" kern="1200" dirty="0"/>
-        </a:p>
-      </dsp:txBody>
-      <dsp:txXfrm>
-        <a:off x="3066129" y="1944041"/>
-        <a:ext cx="1088431" cy="725621"/>
-      </dsp:txXfrm>
-    </dsp:sp>
-    <dsp:sp modelId="{0C845480-68D2-45ED-9E22-C3E0BBAA985B}">
-      <dsp:nvSpPr>
-        <dsp:cNvPr id="0" name=""/>
-        <dsp:cNvSpPr/>
-      </dsp:nvSpPr>
-      <dsp:spPr>
-        <a:xfrm>
-          <a:off x="2340508" y="2900047"/>
-          <a:ext cx="725621" cy="725621"/>
-        </a:xfrm>
-        <a:prstGeom prst="ellipse">
-          <a:avLst/>
-        </a:prstGeom>
-        <a:solidFill>
-          <a:schemeClr val="accent1">
-            <a:hueOff val="0"/>
-            <a:satOff val="0"/>
-            <a:lumOff val="0"/>
-            <a:alphaOff val="0"/>
-          </a:schemeClr>
-        </a:solidFill>
-        <a:ln w="25400" cap="flat" cmpd="sng" algn="ctr">
-          <a:solidFill>
-            <a:schemeClr val="lt1">
-              <a:hueOff val="0"/>
-              <a:satOff val="0"/>
-              <a:lumOff val="0"/>
-              <a:alphaOff val="0"/>
-            </a:schemeClr>
-          </a:solidFill>
-          <a:prstDash val="solid"/>
-        </a:ln>
-        <a:effectLst/>
-      </dsp:spPr>
-      <dsp:style>
-        <a:lnRef idx="2">
-          <a:scrgbClr r="0" g="0" b="0"/>
-        </a:lnRef>
-        <a:fillRef idx="1">
-          <a:scrgbClr r="0" g="0" b="0"/>
-        </a:fillRef>
-        <a:effectRef idx="0">
-          <a:scrgbClr r="0" g="0" b="0"/>
-        </a:effectRef>
-        <a:fontRef idx="minor">
-          <a:schemeClr val="lt1"/>
-        </a:fontRef>
-      </dsp:style>
-    </dsp:sp>
-    <dsp:sp modelId="{229EED3D-E476-4CFC-B817-728AB058D74A}">
-      <dsp:nvSpPr>
-        <dsp:cNvPr id="0" name=""/>
-        <dsp:cNvSpPr/>
-      </dsp:nvSpPr>
-      <dsp:spPr>
-        <a:xfrm>
-          <a:off x="3066129" y="2898233"/>
-          <a:ext cx="1088431" cy="725621"/>
-        </a:xfrm>
-        <a:prstGeom prst="rect">
-          <a:avLst/>
-        </a:prstGeom>
-        <a:noFill/>
-        <a:ln>
-          <a:noFill/>
-        </a:ln>
-        <a:effectLst/>
-      </dsp:spPr>
-      <dsp:style>
-        <a:lnRef idx="0">
-          <a:scrgbClr r="0" g="0" b="0"/>
-        </a:lnRef>
-        <a:fillRef idx="0">
-          <a:scrgbClr r="0" g="0" b="0"/>
-        </a:fillRef>
-        <a:effectRef idx="0">
-          <a:scrgbClr r="0" g="0" b="0"/>
-        </a:effectRef>
-        <a:fontRef idx="minor"/>
-      </dsp:style>
-      <dsp:txBody>
-        <a:bodyPr spcFirstLastPara="0" vert="horz" wrap="square" lIns="57150" tIns="57150" rIns="57150" bIns="57150" numCol="1" spcCol="1270" anchor="ctr" anchorCtr="0">
-          <a:noAutofit/>
-        </a:bodyPr>
-        <a:lstStyle/>
-        <a:p>
-          <a:pPr lvl="0" algn="l" defTabSz="666750">
-            <a:lnSpc>
-              <a:spcPct val="90000"/>
-            </a:lnSpc>
-            <a:spcBef>
-              <a:spcPct val="0"/>
-            </a:spcBef>
-            <a:spcAft>
-              <a:spcPct val="35000"/>
-            </a:spcAft>
-          </a:pPr>
-          <a:r>
-            <a:rPr lang="en-US" sz="1500" kern="1200" dirty="0" smtClean="0"/>
-            <a:t>y</a:t>
-          </a:r>
-          <a:endParaRPr lang="en-US" sz="1500" kern="1200" dirty="0"/>
-        </a:p>
-      </dsp:txBody>
-      <dsp:txXfrm>
-        <a:off x="3066129" y="2898233"/>
-        <a:ext cx="1088431" cy="725621"/>
-      </dsp:txXfrm>
-    </dsp:sp>
-    <dsp:sp modelId="{6A8502DC-6044-46E3-A86A-9BDE7DBB8334}">
-      <dsp:nvSpPr>
-        <dsp:cNvPr id="0" name=""/>
-        <dsp:cNvSpPr/>
-      </dsp:nvSpPr>
-      <dsp:spPr>
-        <a:xfrm>
-          <a:off x="4335966" y="991664"/>
-          <a:ext cx="725621" cy="725621"/>
-        </a:xfrm>
-        <a:prstGeom prst="ellipse">
-          <a:avLst/>
-        </a:prstGeom>
-        <a:solidFill>
-          <a:schemeClr val="accent1">
-            <a:hueOff val="0"/>
-            <a:satOff val="0"/>
-            <a:lumOff val="0"/>
-            <a:alphaOff val="0"/>
-          </a:schemeClr>
-        </a:solidFill>
-        <a:ln w="25400" cap="flat" cmpd="sng" algn="ctr">
-          <a:solidFill>
-            <a:schemeClr val="lt1">
-              <a:hueOff val="0"/>
-              <a:satOff val="0"/>
-              <a:lumOff val="0"/>
-              <a:alphaOff val="0"/>
-            </a:schemeClr>
-          </a:solidFill>
-          <a:prstDash val="solid"/>
-        </a:ln>
-        <a:effectLst/>
-      </dsp:spPr>
-      <dsp:style>
-        <a:lnRef idx="2">
-          <a:scrgbClr r="0" g="0" b="0"/>
-        </a:lnRef>
-        <a:fillRef idx="1">
-          <a:scrgbClr r="0" g="0" b="0"/>
-        </a:fillRef>
-        <a:effectRef idx="0">
-          <a:scrgbClr r="0" g="0" b="0"/>
-        </a:effectRef>
-        <a:fontRef idx="minor">
-          <a:schemeClr val="lt1"/>
-        </a:fontRef>
-      </dsp:style>
-    </dsp:sp>
-    <dsp:sp modelId="{3E30A41C-9450-45C7-BA3A-78ADC24B09DC}">
-      <dsp:nvSpPr>
-        <dsp:cNvPr id="0" name=""/>
-        <dsp:cNvSpPr/>
-      </dsp:nvSpPr>
-      <dsp:spPr>
-        <a:xfrm>
-          <a:off x="5061587" y="989850"/>
-          <a:ext cx="1088431" cy="725621"/>
-        </a:xfrm>
-        <a:prstGeom prst="rect">
-          <a:avLst/>
-        </a:prstGeom>
-        <a:noFill/>
-        <a:ln>
-          <a:noFill/>
-        </a:ln>
-        <a:effectLst/>
-      </dsp:spPr>
-      <dsp:style>
-        <a:lnRef idx="0">
-          <a:scrgbClr r="0" g="0" b="0"/>
-        </a:lnRef>
-        <a:fillRef idx="0">
-          <a:scrgbClr r="0" g="0" b="0"/>
-        </a:fillRef>
-        <a:effectRef idx="0">
-          <a:scrgbClr r="0" g="0" b="0"/>
-        </a:effectRef>
-        <a:fontRef idx="minor"/>
-      </dsp:style>
-      <dsp:txBody>
-        <a:bodyPr spcFirstLastPara="0" vert="horz" wrap="square" lIns="57150" tIns="57150" rIns="57150" bIns="57150" numCol="1" spcCol="1270" anchor="ctr" anchorCtr="0">
-          <a:noAutofit/>
-        </a:bodyPr>
-        <a:lstStyle/>
-        <a:p>
-          <a:pPr lvl="0" algn="l" defTabSz="666750">
-            <a:lnSpc>
-              <a:spcPct val="90000"/>
-            </a:lnSpc>
-            <a:spcBef>
-              <a:spcPct val="0"/>
-            </a:spcBef>
-            <a:spcAft>
-              <a:spcPct val="35000"/>
-            </a:spcAft>
-          </a:pPr>
-          <a:r>
-            <a:rPr lang="en-US" sz="1500" kern="1200" dirty="0" err="1" smtClean="0"/>
-            <a:t>FunctionCall</a:t>
-          </a:r>
-          <a:r>
-            <a:rPr lang="en-US" sz="1500" kern="1200" dirty="0" smtClean="0"/>
-            <a:t/>
-          </a:r>
-          <a:br>
-            <a:rPr lang="en-US" sz="1500" kern="1200" dirty="0" smtClean="0"/>
-          </a:br>
-          <a:r>
-            <a:rPr lang="en-US" sz="1500" kern="1200" dirty="0" smtClean="0"/>
-            <a:t>Name = f</a:t>
-          </a:r>
-          <a:endParaRPr lang="en-US" sz="1500" kern="1200" dirty="0"/>
-        </a:p>
-      </dsp:txBody>
-      <dsp:txXfrm>
-        <a:off x="5061587" y="989850"/>
-        <a:ext cx="1088431" cy="725621"/>
-      </dsp:txXfrm>
-    </dsp:sp>
-    <dsp:sp modelId="{0D40DC6E-9760-4658-8B88-3F444366657E}">
-      <dsp:nvSpPr>
-        <dsp:cNvPr id="0" name=""/>
-        <dsp:cNvSpPr/>
-      </dsp:nvSpPr>
-      <dsp:spPr>
-        <a:xfrm>
-          <a:off x="4335966" y="1945855"/>
-          <a:ext cx="725621" cy="725621"/>
-        </a:xfrm>
-        <a:prstGeom prst="ellipse">
-          <a:avLst/>
-        </a:prstGeom>
-        <a:solidFill>
-          <a:schemeClr val="accent1">
-            <a:hueOff val="0"/>
-            <a:satOff val="0"/>
-            <a:lumOff val="0"/>
-            <a:alphaOff val="0"/>
-          </a:schemeClr>
-        </a:solidFill>
-        <a:ln w="25400" cap="flat" cmpd="sng" algn="ctr">
-          <a:solidFill>
-            <a:schemeClr val="lt1">
-              <a:hueOff val="0"/>
-              <a:satOff val="0"/>
-              <a:lumOff val="0"/>
-              <a:alphaOff val="0"/>
-            </a:schemeClr>
-          </a:solidFill>
-          <a:prstDash val="solid"/>
-        </a:ln>
-        <a:effectLst/>
-      </dsp:spPr>
-      <dsp:style>
-        <a:lnRef idx="2">
-          <a:scrgbClr r="0" g="0" b="0"/>
-        </a:lnRef>
-        <a:fillRef idx="1">
-          <a:scrgbClr r="0" g="0" b="0"/>
-        </a:fillRef>
-        <a:effectRef idx="0">
-          <a:scrgbClr r="0" g="0" b="0"/>
-        </a:effectRef>
-        <a:fontRef idx="minor">
-          <a:schemeClr val="lt1"/>
-        </a:fontRef>
-      </dsp:style>
-    </dsp:sp>
-    <dsp:sp modelId="{4435E2B9-EFB1-415C-8689-BDF7C2416C55}">
-      <dsp:nvSpPr>
-        <dsp:cNvPr id="0" name=""/>
-        <dsp:cNvSpPr/>
-      </dsp:nvSpPr>
-      <dsp:spPr>
-        <a:xfrm>
-          <a:off x="5061587" y="1944041"/>
-          <a:ext cx="1088431" cy="725621"/>
-        </a:xfrm>
-        <a:prstGeom prst="rect">
-          <a:avLst/>
-        </a:prstGeom>
-        <a:noFill/>
-        <a:ln>
-          <a:noFill/>
-        </a:ln>
-        <a:effectLst/>
-      </dsp:spPr>
-      <dsp:style>
-        <a:lnRef idx="0">
-          <a:scrgbClr r="0" g="0" b="0"/>
-        </a:lnRef>
-        <a:fillRef idx="0">
-          <a:scrgbClr r="0" g="0" b="0"/>
-        </a:fillRef>
-        <a:effectRef idx="0">
-          <a:scrgbClr r="0" g="0" b="0"/>
-        </a:effectRef>
-        <a:fontRef idx="minor"/>
-      </dsp:style>
-      <dsp:txBody>
-        <a:bodyPr spcFirstLastPara="0" vert="horz" wrap="square" lIns="57150" tIns="57150" rIns="57150" bIns="57150" numCol="1" spcCol="1270" anchor="ctr" anchorCtr="0">
-          <a:noAutofit/>
-        </a:bodyPr>
-        <a:lstStyle/>
-        <a:p>
-          <a:pPr lvl="0" algn="l" defTabSz="666750">
-            <a:lnSpc>
-              <a:spcPct val="90000"/>
-            </a:lnSpc>
-            <a:spcBef>
-              <a:spcPct val="0"/>
-            </a:spcBef>
-            <a:spcAft>
-              <a:spcPct val="35000"/>
-            </a:spcAft>
-          </a:pPr>
-          <a:r>
-            <a:rPr lang="en-US" sz="1500" kern="1200" dirty="0" smtClean="0"/>
-            <a:t>Variable</a:t>
-          </a:r>
-          <a:endParaRPr lang="en-US" sz="1500" kern="1200" dirty="0"/>
-        </a:p>
-      </dsp:txBody>
-      <dsp:txXfrm>
-        <a:off x="5061587" y="1944041"/>
-        <a:ext cx="1088431" cy="725621"/>
-      </dsp:txXfrm>
-    </dsp:sp>
-    <dsp:sp modelId="{A37BEE24-6E14-414D-A5BD-6689E3E59759}">
-      <dsp:nvSpPr>
-        <dsp:cNvPr id="0" name=""/>
-        <dsp:cNvSpPr/>
-      </dsp:nvSpPr>
-      <dsp:spPr>
-        <a:xfrm>
-          <a:off x="4335966" y="2900047"/>
-          <a:ext cx="725621" cy="725621"/>
-        </a:xfrm>
-        <a:prstGeom prst="ellipse">
-          <a:avLst/>
-        </a:prstGeom>
-        <a:solidFill>
-          <a:schemeClr val="accent1">
-            <a:hueOff val="0"/>
-            <a:satOff val="0"/>
-            <a:lumOff val="0"/>
-            <a:alphaOff val="0"/>
-          </a:schemeClr>
-        </a:solidFill>
-        <a:ln w="25400" cap="flat" cmpd="sng" algn="ctr">
-          <a:solidFill>
-            <a:schemeClr val="lt1">
-              <a:hueOff val="0"/>
-              <a:satOff val="0"/>
-              <a:lumOff val="0"/>
-              <a:alphaOff val="0"/>
-            </a:schemeClr>
-          </a:solidFill>
-          <a:prstDash val="solid"/>
-        </a:ln>
-        <a:effectLst/>
-      </dsp:spPr>
-      <dsp:style>
-        <a:lnRef idx="2">
-          <a:scrgbClr r="0" g="0" b="0"/>
-        </a:lnRef>
-        <a:fillRef idx="1">
-          <a:scrgbClr r="0" g="0" b="0"/>
-        </a:fillRef>
-        <a:effectRef idx="0">
-          <a:scrgbClr r="0" g="0" b="0"/>
-        </a:effectRef>
-        <a:fontRef idx="minor">
-          <a:schemeClr val="lt1"/>
-        </a:fontRef>
-      </dsp:style>
-    </dsp:sp>
-    <dsp:sp modelId="{D7AE1163-F55C-4A98-878F-94EF554679B4}">
-      <dsp:nvSpPr>
-        <dsp:cNvPr id="0" name=""/>
-        <dsp:cNvSpPr/>
-      </dsp:nvSpPr>
-      <dsp:spPr>
-        <a:xfrm>
-          <a:off x="5061587" y="2898233"/>
-          <a:ext cx="1088431" cy="725621"/>
-        </a:xfrm>
-        <a:prstGeom prst="rect">
-          <a:avLst/>
-        </a:prstGeom>
-        <a:noFill/>
-        <a:ln>
-          <a:noFill/>
-        </a:ln>
-        <a:effectLst/>
-      </dsp:spPr>
-      <dsp:style>
-        <a:lnRef idx="0">
-          <a:scrgbClr r="0" g="0" b="0"/>
-        </a:lnRef>
-        <a:fillRef idx="0">
-          <a:scrgbClr r="0" g="0" b="0"/>
-        </a:fillRef>
-        <a:effectRef idx="0">
-          <a:scrgbClr r="0" g="0" b="0"/>
-        </a:effectRef>
-        <a:fontRef idx="minor"/>
-      </dsp:style>
-      <dsp:txBody>
-        <a:bodyPr spcFirstLastPara="0" vert="horz" wrap="square" lIns="57150" tIns="57150" rIns="57150" bIns="57150" numCol="1" spcCol="1270" anchor="ctr" anchorCtr="0">
-          <a:noAutofit/>
-        </a:bodyPr>
-        <a:lstStyle/>
-        <a:p>
-          <a:pPr lvl="0" algn="l" defTabSz="666750">
-            <a:lnSpc>
-              <a:spcPct val="90000"/>
-            </a:lnSpc>
-            <a:spcBef>
-              <a:spcPct val="0"/>
-            </a:spcBef>
-            <a:spcAft>
-              <a:spcPct val="35000"/>
-            </a:spcAft>
-          </a:pPr>
-          <a:r>
-            <a:rPr lang="en-US" sz="1500" kern="1200" dirty="0" smtClean="0"/>
-            <a:t>z</a:t>
-          </a:r>
-          <a:endParaRPr lang="en-US" sz="1500" kern="1200" dirty="0"/>
-        </a:p>
-      </dsp:txBody>
-      <dsp:txXfrm>
-        <a:off x="5061587" y="2898233"/>
-        <a:ext cx="1088431" cy="725621"/>
-      </dsp:txXfrm>
-    </dsp:sp>
   </dsp:spTree>
 </dsp:drawing>
 </file>
@@ -4765,7 +3414,7 @@
           <a:p>
             <a:fld id="{067803CE-B60F-43EB-9075-5B30E94D311F}" type="datetimeFigureOut">
               <a:rPr lang="en-US" smtClean="0"/>
-              <a:t>5/14/2016</a:t>
+              <a:t>5/15/2016</a:t>
             </a:fld>
             <a:endParaRPr lang="en-US"/>
           </a:p>
@@ -5214,7 +3863,7 @@
           <a:p>
             <a:fld id="{9B6A8A6C-B969-4849-A48A-2FD437CE6A36}" type="datetimeFigureOut">
               <a:rPr lang="en-US" smtClean="0"/>
-              <a:t>5/14/2016</a:t>
+              <a:t>5/15/2016</a:t>
             </a:fld>
             <a:endParaRPr lang="en-US"/>
           </a:p>
@@ -5379,7 +4028,7 @@
           <a:p>
             <a:fld id="{9B6A8A6C-B969-4849-A48A-2FD437CE6A36}" type="datetimeFigureOut">
               <a:rPr lang="en-US" smtClean="0"/>
-              <a:t>5/14/2016</a:t>
+              <a:t>5/15/2016</a:t>
             </a:fld>
             <a:endParaRPr lang="en-US"/>
           </a:p>
@@ -5554,7 +4203,7 @@
           <a:p>
             <a:fld id="{9B6A8A6C-B969-4849-A48A-2FD437CE6A36}" type="datetimeFigureOut">
               <a:rPr lang="en-US" smtClean="0"/>
-              <a:t>5/14/2016</a:t>
+              <a:t>5/15/2016</a:t>
             </a:fld>
             <a:endParaRPr lang="en-US"/>
           </a:p>
@@ -5719,7 +4368,7 @@
           <a:p>
             <a:fld id="{9B6A8A6C-B969-4849-A48A-2FD437CE6A36}" type="datetimeFigureOut">
               <a:rPr lang="en-US" smtClean="0"/>
-              <a:t>5/14/2016</a:t>
+              <a:t>5/15/2016</a:t>
             </a:fld>
             <a:endParaRPr lang="en-US"/>
           </a:p>
@@ -5960,7 +4609,7 @@
           <a:p>
             <a:fld id="{9B6A8A6C-B969-4849-A48A-2FD437CE6A36}" type="datetimeFigureOut">
               <a:rPr lang="en-US" smtClean="0"/>
-              <a:t>5/14/2016</a:t>
+              <a:t>5/15/2016</a:t>
             </a:fld>
             <a:endParaRPr lang="en-US"/>
           </a:p>
@@ -6243,7 +4892,7 @@
           <a:p>
             <a:fld id="{9B6A8A6C-B969-4849-A48A-2FD437CE6A36}" type="datetimeFigureOut">
               <a:rPr lang="en-US" smtClean="0"/>
-              <a:t>5/14/2016</a:t>
+              <a:t>5/15/2016</a:t>
             </a:fld>
             <a:endParaRPr lang="en-US"/>
           </a:p>
@@ -6660,7 +5309,7 @@
           <a:p>
             <a:fld id="{9B6A8A6C-B969-4849-A48A-2FD437CE6A36}" type="datetimeFigureOut">
               <a:rPr lang="en-US" smtClean="0"/>
-              <a:t>5/14/2016</a:t>
+              <a:t>5/15/2016</a:t>
             </a:fld>
             <a:endParaRPr lang="en-US"/>
           </a:p>
@@ -6773,7 +5422,7 @@
           <a:p>
             <a:fld id="{9B6A8A6C-B969-4849-A48A-2FD437CE6A36}" type="datetimeFigureOut">
               <a:rPr lang="en-US" smtClean="0"/>
-              <a:t>5/14/2016</a:t>
+              <a:t>5/15/2016</a:t>
             </a:fld>
             <a:endParaRPr lang="en-US"/>
           </a:p>
@@ -6863,7 +5512,7 @@
           <a:p>
             <a:fld id="{9B6A8A6C-B969-4849-A48A-2FD437CE6A36}" type="datetimeFigureOut">
               <a:rPr lang="en-US" smtClean="0"/>
-              <a:t>5/14/2016</a:t>
+              <a:t>5/15/2016</a:t>
             </a:fld>
             <a:endParaRPr lang="en-US"/>
           </a:p>
@@ -7135,7 +5784,7 @@
           <a:p>
             <a:fld id="{9B6A8A6C-B969-4849-A48A-2FD437CE6A36}" type="datetimeFigureOut">
               <a:rPr lang="en-US" smtClean="0"/>
-              <a:t>5/14/2016</a:t>
+              <a:t>5/15/2016</a:t>
             </a:fld>
             <a:endParaRPr lang="en-US"/>
           </a:p>
@@ -7383,7 +6032,7 @@
           <a:p>
             <a:fld id="{9B6A8A6C-B969-4849-A48A-2FD437CE6A36}" type="datetimeFigureOut">
               <a:rPr lang="en-US" smtClean="0"/>
-              <a:t>5/14/2016</a:t>
+              <a:t>5/15/2016</a:t>
             </a:fld>
             <a:endParaRPr lang="en-US"/>
           </a:p>
@@ -7591,7 +6240,7 @@
           <a:p>
             <a:fld id="{9B6A8A6C-B969-4849-A48A-2FD437CE6A36}" type="datetimeFigureOut">
               <a:rPr lang="en-US" smtClean="0"/>
-              <a:t>5/14/2016</a:t>
+              <a:t>5/15/2016</a:t>
             </a:fld>
             <a:endParaRPr lang="en-US"/>
           </a:p>
@@ -8197,6 +6846,66 @@
           </a:p>
         </p:txBody>
       </p:sp>
+      <p:pic>
+        <p:nvPicPr>
+          <p:cNvPr id="2" name="Picture 1"/>
+          <p:cNvPicPr>
+            <a:picLocks noChangeAspect="1"/>
+          </p:cNvPicPr>
+          <p:nvPr/>
+        </p:nvPicPr>
+        <p:blipFill>
+          <a:blip r:embed="rId2">
+            <a:extLst>
+              <a:ext uri="{28A0092B-C50C-407E-A947-70E740481C1C}">
+                <a14:useLocalDpi xmlns:a14="http://schemas.microsoft.com/office/drawing/2010/main" val="0"/>
+              </a:ext>
+            </a:extLst>
+          </a:blip>
+          <a:stretch>
+            <a:fillRect/>
+          </a:stretch>
+        </p:blipFill>
+        <p:spPr>
+          <a:xfrm>
+            <a:off x="1582616" y="2278856"/>
+            <a:ext cx="4900756" cy="4579144"/>
+          </a:xfrm>
+          <a:prstGeom prst="rect">
+            <a:avLst/>
+          </a:prstGeom>
+        </p:spPr>
+      </p:pic>
+      <p:pic>
+        <p:nvPicPr>
+          <p:cNvPr id="3" name="Picture 2"/>
+          <p:cNvPicPr>
+            <a:picLocks noChangeAspect="1"/>
+          </p:cNvPicPr>
+          <p:nvPr/>
+        </p:nvPicPr>
+        <p:blipFill>
+          <a:blip r:embed="rId3">
+            <a:extLst>
+              <a:ext uri="{28A0092B-C50C-407E-A947-70E740481C1C}">
+                <a14:useLocalDpi xmlns:a14="http://schemas.microsoft.com/office/drawing/2010/main" val="0"/>
+              </a:ext>
+            </a:extLst>
+          </a:blip>
+          <a:stretch>
+            <a:fillRect/>
+          </a:stretch>
+        </p:blipFill>
+        <p:spPr>
+          <a:xfrm>
+            <a:off x="457200" y="4081541"/>
+            <a:ext cx="1767620" cy="1920674"/>
+          </a:xfrm>
+          <a:prstGeom prst="rect">
+            <a:avLst/>
+          </a:prstGeom>
+        </p:spPr>
+      </p:pic>
     </p:spTree>
     <p:extLst>
       <p:ext uri="{BB962C8B-B14F-4D97-AF65-F5344CB8AC3E}">
@@ -9183,10 +7892,6 @@
               </a:rPr>
               <a:t>Testing/validation</a:t>
             </a:r>
-            <a:endParaRPr lang="en-GB" sz="2800" dirty="0" smtClean="0">
-              <a:latin typeface="Comic Sans MS" panose="030F0702030302020204" pitchFamily="66" charset="0"/>
-              <a:cs typeface="Consolas" panose="020B0609020204030204" pitchFamily="49" charset="0"/>
-            </a:endParaRPr>
           </a:p>
           <a:p>
             <a:pPr marL="742950" lvl="1" indent="-285750">
@@ -9252,14 +7957,7 @@
                 <a:latin typeface="Comic Sans MS" panose="030F0702030302020204" pitchFamily="66" charset="0"/>
                 <a:cs typeface="Consolas" panose="020B0609020204030204" pitchFamily="49" charset="0"/>
               </a:rPr>
-              <a:t>, etc</a:t>
-            </a:r>
-            <a:r>
-              <a:rPr lang="en-US" sz="2800" dirty="0" smtClean="0">
-                <a:latin typeface="Comic Sans MS" panose="030F0702030302020204" pitchFamily="66" charset="0"/>
-                <a:cs typeface="Consolas" panose="020B0609020204030204" pitchFamily="49" charset="0"/>
-              </a:rPr>
-              <a:t>.)</a:t>
+              <a:t>, etc.)</a:t>
             </a:r>
           </a:p>
           <a:p>
@@ -9274,10 +7972,6 @@
               </a:rPr>
               <a:t>Let’s do something crazy and wonderful</a:t>
             </a:r>
-            <a:endParaRPr lang="en-US" sz="2800" dirty="0" smtClean="0">
-              <a:latin typeface="Comic Sans MS" panose="030F0702030302020204" pitchFamily="66" charset="0"/>
-              <a:cs typeface="Consolas" panose="020B0609020204030204" pitchFamily="49" charset="0"/>
-            </a:endParaRPr>
           </a:p>
           <a:p>
             <a:pPr marL="742950" lvl="1" indent="-285750">
@@ -9393,18 +8087,7 @@
                 </a:solidFill>
                 <a:latin typeface="Comic Sans MS"/>
               </a:rPr>
-              <a:t> </a:t>
-            </a:r>
-            <a:r>
-              <a:rPr lang="en-US" dirty="0" smtClean="0">
-                <a:solidFill>
-                  <a:schemeClr val="bg1">
-                    <a:lumMod val="50000"/>
-                  </a:schemeClr>
-                </a:solidFill>
-                <a:latin typeface="Comic Sans MS"/>
-              </a:rPr>
-              <a:t>macros</a:t>
+              <a:t> macros</a:t>
             </a:r>
             <a:endParaRPr lang="en-US" dirty="0"/>
           </a:p>
@@ -9476,10 +8159,6 @@
               </a:rPr>
               <a:t>type</a:t>
             </a:r>
-            <a:endParaRPr lang="en-US" dirty="0" smtClean="0">
-              <a:latin typeface="Comic Sans MS" panose="030F0702030302020204" pitchFamily="66" charset="0"/>
-              <a:cs typeface="Consolas" panose="020B0609020204030204" pitchFamily="49" charset="0"/>
-            </a:endParaRPr>
           </a:p>
           <a:p>
             <a:pPr marL="285750" indent="-285750">
@@ -9825,14 +8504,7 @@
                 <a:latin typeface="Comic Sans MS" panose="030F0702030302020204" pitchFamily="66" charset="0"/>
                 <a:cs typeface="Consolas" panose="020B0609020204030204" pitchFamily="49" charset="0"/>
               </a:rPr>
-              <a:t>x</a:t>
-            </a:r>
-            <a:r>
-              <a:rPr lang="en-US" dirty="0" smtClean="0">
-                <a:latin typeface="Comic Sans MS" panose="030F0702030302020204" pitchFamily="66" charset="0"/>
-                <a:cs typeface="Consolas" panose="020B0609020204030204" pitchFamily="49" charset="0"/>
-              </a:rPr>
-              <a:t>*</a:t>
+              <a:t>x*</a:t>
             </a:r>
             <a:r>
               <a:rPr lang="en-US" dirty="0" err="1" smtClean="0">
@@ -10319,10 +8991,6 @@
               </a:rPr>
               <a:t>())</a:t>
             </a:r>
-            <a:endParaRPr lang="en-US" dirty="0" smtClean="0">
-              <a:latin typeface="Comic Sans MS" panose="030F0702030302020204" pitchFamily="66" charset="0"/>
-              <a:cs typeface="Consolas" panose="020B0609020204030204" pitchFamily="49" charset="0"/>
-            </a:endParaRPr>
           </a:p>
           <a:p>
             <a:pPr marL="285750" indent="-285750">
@@ -11121,17 +9789,7 @@
                 <a:latin typeface="Courier New" panose="02070309020205020404" pitchFamily="49" charset="0"/>
                 <a:cs typeface="Courier New" panose="02070309020205020404" pitchFamily="49" charset="0"/>
               </a:rPr>
-              <a:t> </a:t>
-            </a:r>
-            <a:r>
-              <a:rPr lang="en-US" sz="900" dirty="0">
-                <a:solidFill>
-                  <a:srgbClr val="92D050"/>
-                </a:solidFill>
-                <a:latin typeface="Courier New" panose="02070309020205020404" pitchFamily="49" charset="0"/>
-                <a:cs typeface="Courier New" panose="02070309020205020404" pitchFamily="49" charset="0"/>
-              </a:rPr>
-              <a:t>properties = new Properties</a:t>
+              <a:t> properties = new Properties</a:t>
             </a:r>
           </a:p>
           <a:p>
@@ -12524,10 +11182,6 @@
               </a:rPr>
               <a:t>for other types</a:t>
             </a:r>
-            <a:endParaRPr lang="en-US" dirty="0">
-              <a:latin typeface="Comic Sans MS" panose="030F0702030302020204" pitchFamily="66" charset="0"/>
-              <a:cs typeface="Consolas" panose="020B0609020204030204" pitchFamily="49" charset="0"/>
-            </a:endParaRPr>
           </a:p>
           <a:p>
             <a:pPr marL="285750" indent="-285750">

--- a/Scala_metaprogramming.pptx
+++ b/Scala_metaprogramming.pptx
@@ -1733,6 +1733,1462 @@
       <dsp:cNvGrpSpPr/>
     </dsp:nvGrpSpPr>
     <dsp:grpSpPr/>
+    <dsp:sp modelId="{4E943D05-71E6-4904-B2E4-EE17CE0ECDDC}">
+      <dsp:nvSpPr>
+        <dsp:cNvPr id="0" name=""/>
+        <dsp:cNvSpPr/>
+      </dsp:nvSpPr>
+      <dsp:spPr>
+        <a:xfrm>
+          <a:off x="4653057" y="2671476"/>
+          <a:ext cx="91440" cy="228570"/>
+        </a:xfrm>
+        <a:custGeom>
+          <a:avLst/>
+          <a:gdLst/>
+          <a:ahLst/>
+          <a:cxnLst/>
+          <a:rect l="0" t="0" r="0" b="0"/>
+          <a:pathLst>
+            <a:path>
+              <a:moveTo>
+                <a:pt x="45720" y="0"/>
+              </a:moveTo>
+              <a:lnTo>
+                <a:pt x="45720" y="228570"/>
+              </a:lnTo>
+            </a:path>
+          </a:pathLst>
+        </a:custGeom>
+        <a:noFill/>
+        <a:ln w="25400" cap="flat" cmpd="sng" algn="ctr">
+          <a:solidFill>
+            <a:schemeClr val="accent1">
+              <a:shade val="80000"/>
+              <a:hueOff val="0"/>
+              <a:satOff val="0"/>
+              <a:lumOff val="0"/>
+              <a:alphaOff val="0"/>
+            </a:schemeClr>
+          </a:solidFill>
+          <a:prstDash val="solid"/>
+        </a:ln>
+        <a:effectLst/>
+      </dsp:spPr>
+      <dsp:style>
+        <a:lnRef idx="2">
+          <a:scrgbClr r="0" g="0" b="0"/>
+        </a:lnRef>
+        <a:fillRef idx="0">
+          <a:scrgbClr r="0" g="0" b="0"/>
+        </a:fillRef>
+        <a:effectRef idx="0">
+          <a:scrgbClr r="0" g="0" b="0"/>
+        </a:effectRef>
+        <a:fontRef idx="minor"/>
+      </dsp:style>
+    </dsp:sp>
+    <dsp:sp modelId="{BEBCCCB4-9FCD-465F-81A4-AEC83E7EDA7C}">
+      <dsp:nvSpPr>
+        <dsp:cNvPr id="0" name=""/>
+        <dsp:cNvSpPr/>
+      </dsp:nvSpPr>
+      <dsp:spPr>
+        <a:xfrm>
+          <a:off x="4653057" y="1717285"/>
+          <a:ext cx="91440" cy="228570"/>
+        </a:xfrm>
+        <a:custGeom>
+          <a:avLst/>
+          <a:gdLst/>
+          <a:ahLst/>
+          <a:cxnLst/>
+          <a:rect l="0" t="0" r="0" b="0"/>
+          <a:pathLst>
+            <a:path>
+              <a:moveTo>
+                <a:pt x="45720" y="0"/>
+              </a:moveTo>
+              <a:lnTo>
+                <a:pt x="45720" y="228570"/>
+              </a:lnTo>
+            </a:path>
+          </a:pathLst>
+        </a:custGeom>
+        <a:noFill/>
+        <a:ln w="25400" cap="flat" cmpd="sng" algn="ctr">
+          <a:solidFill>
+            <a:schemeClr val="accent1">
+              <a:shade val="80000"/>
+              <a:hueOff val="0"/>
+              <a:satOff val="0"/>
+              <a:lumOff val="0"/>
+              <a:alphaOff val="0"/>
+            </a:schemeClr>
+          </a:solidFill>
+          <a:prstDash val="solid"/>
+        </a:ln>
+        <a:effectLst/>
+      </dsp:spPr>
+      <dsp:style>
+        <a:lnRef idx="2">
+          <a:scrgbClr r="0" g="0" b="0"/>
+        </a:lnRef>
+        <a:fillRef idx="0">
+          <a:scrgbClr r="0" g="0" b="0"/>
+        </a:fillRef>
+        <a:effectRef idx="0">
+          <a:scrgbClr r="0" g="0" b="0"/>
+        </a:effectRef>
+        <a:fontRef idx="minor"/>
+      </dsp:style>
+    </dsp:sp>
+    <dsp:sp modelId="{81BD3236-BC0F-4A86-B8BE-F8256503C0F0}">
+      <dsp:nvSpPr>
+        <dsp:cNvPr id="0" name=""/>
+        <dsp:cNvSpPr/>
+      </dsp:nvSpPr>
+      <dsp:spPr>
+        <a:xfrm>
+          <a:off x="3202183" y="763093"/>
+          <a:ext cx="1496593" cy="228570"/>
+        </a:xfrm>
+        <a:custGeom>
+          <a:avLst/>
+          <a:gdLst/>
+          <a:ahLst/>
+          <a:cxnLst/>
+          <a:rect l="0" t="0" r="0" b="0"/>
+          <a:pathLst>
+            <a:path>
+              <a:moveTo>
+                <a:pt x="0" y="0"/>
+              </a:moveTo>
+              <a:lnTo>
+                <a:pt x="0" y="115192"/>
+              </a:lnTo>
+              <a:lnTo>
+                <a:pt x="1496593" y="115192"/>
+              </a:lnTo>
+              <a:lnTo>
+                <a:pt x="1496593" y="228570"/>
+              </a:lnTo>
+            </a:path>
+          </a:pathLst>
+        </a:custGeom>
+        <a:noFill/>
+        <a:ln w="25400" cap="flat" cmpd="sng" algn="ctr">
+          <a:solidFill>
+            <a:schemeClr val="accent1">
+              <a:shade val="60000"/>
+              <a:hueOff val="0"/>
+              <a:satOff val="0"/>
+              <a:lumOff val="0"/>
+              <a:alphaOff val="0"/>
+            </a:schemeClr>
+          </a:solidFill>
+          <a:prstDash val="solid"/>
+        </a:ln>
+        <a:effectLst/>
+      </dsp:spPr>
+      <dsp:style>
+        <a:lnRef idx="2">
+          <a:scrgbClr r="0" g="0" b="0"/>
+        </a:lnRef>
+        <a:fillRef idx="0">
+          <a:scrgbClr r="0" g="0" b="0"/>
+        </a:fillRef>
+        <a:effectRef idx="0">
+          <a:scrgbClr r="0" g="0" b="0"/>
+        </a:effectRef>
+        <a:fontRef idx="minor"/>
+      </dsp:style>
+    </dsp:sp>
+    <dsp:sp modelId="{C1C0AC17-B8F0-4830-AD2D-E4D79BC8B9CB}">
+      <dsp:nvSpPr>
+        <dsp:cNvPr id="0" name=""/>
+        <dsp:cNvSpPr/>
+      </dsp:nvSpPr>
+      <dsp:spPr>
+        <a:xfrm>
+          <a:off x="2657599" y="2671476"/>
+          <a:ext cx="91440" cy="228570"/>
+        </a:xfrm>
+        <a:custGeom>
+          <a:avLst/>
+          <a:gdLst/>
+          <a:ahLst/>
+          <a:cxnLst/>
+          <a:rect l="0" t="0" r="0" b="0"/>
+          <a:pathLst>
+            <a:path>
+              <a:moveTo>
+                <a:pt x="45720" y="0"/>
+              </a:moveTo>
+              <a:lnTo>
+                <a:pt x="45720" y="228570"/>
+              </a:lnTo>
+            </a:path>
+          </a:pathLst>
+        </a:custGeom>
+        <a:noFill/>
+        <a:ln w="25400" cap="flat" cmpd="sng" algn="ctr">
+          <a:solidFill>
+            <a:schemeClr val="accent1">
+              <a:shade val="80000"/>
+              <a:hueOff val="0"/>
+              <a:satOff val="0"/>
+              <a:lumOff val="0"/>
+              <a:alphaOff val="0"/>
+            </a:schemeClr>
+          </a:solidFill>
+          <a:prstDash val="solid"/>
+        </a:ln>
+        <a:effectLst/>
+      </dsp:spPr>
+      <dsp:style>
+        <a:lnRef idx="2">
+          <a:scrgbClr r="0" g="0" b="0"/>
+        </a:lnRef>
+        <a:fillRef idx="0">
+          <a:scrgbClr r="0" g="0" b="0"/>
+        </a:fillRef>
+        <a:effectRef idx="0">
+          <a:scrgbClr r="0" g="0" b="0"/>
+        </a:effectRef>
+        <a:fontRef idx="minor"/>
+      </dsp:style>
+    </dsp:sp>
+    <dsp:sp modelId="{4F6C3248-7148-4A60-8E96-04EACE9BE555}">
+      <dsp:nvSpPr>
+        <dsp:cNvPr id="0" name=""/>
+        <dsp:cNvSpPr/>
+      </dsp:nvSpPr>
+      <dsp:spPr>
+        <a:xfrm>
+          <a:off x="1705590" y="1717285"/>
+          <a:ext cx="997729" cy="228570"/>
+        </a:xfrm>
+        <a:custGeom>
+          <a:avLst/>
+          <a:gdLst/>
+          <a:ahLst/>
+          <a:cxnLst/>
+          <a:rect l="0" t="0" r="0" b="0"/>
+          <a:pathLst>
+            <a:path>
+              <a:moveTo>
+                <a:pt x="0" y="0"/>
+              </a:moveTo>
+              <a:lnTo>
+                <a:pt x="0" y="115192"/>
+              </a:lnTo>
+              <a:lnTo>
+                <a:pt x="997729" y="115192"/>
+              </a:lnTo>
+              <a:lnTo>
+                <a:pt x="997729" y="228570"/>
+              </a:lnTo>
+            </a:path>
+          </a:pathLst>
+        </a:custGeom>
+        <a:noFill/>
+        <a:ln w="25400" cap="flat" cmpd="sng" algn="ctr">
+          <a:solidFill>
+            <a:schemeClr val="accent1">
+              <a:shade val="80000"/>
+              <a:hueOff val="0"/>
+              <a:satOff val="0"/>
+              <a:lumOff val="0"/>
+              <a:alphaOff val="0"/>
+            </a:schemeClr>
+          </a:solidFill>
+          <a:prstDash val="solid"/>
+        </a:ln>
+        <a:effectLst/>
+      </dsp:spPr>
+      <dsp:style>
+        <a:lnRef idx="2">
+          <a:scrgbClr r="0" g="0" b="0"/>
+        </a:lnRef>
+        <a:fillRef idx="0">
+          <a:scrgbClr r="0" g="0" b="0"/>
+        </a:fillRef>
+        <a:effectRef idx="0">
+          <a:scrgbClr r="0" g="0" b="0"/>
+        </a:effectRef>
+        <a:fontRef idx="minor"/>
+      </dsp:style>
+    </dsp:sp>
+    <dsp:sp modelId="{C8F13515-CED2-4DD5-837F-81398537D7FC}">
+      <dsp:nvSpPr>
+        <dsp:cNvPr id="0" name=""/>
+        <dsp:cNvSpPr/>
+      </dsp:nvSpPr>
+      <dsp:spPr>
+        <a:xfrm>
+          <a:off x="662141" y="2671476"/>
+          <a:ext cx="91440" cy="228570"/>
+        </a:xfrm>
+        <a:custGeom>
+          <a:avLst/>
+          <a:gdLst/>
+          <a:ahLst/>
+          <a:cxnLst/>
+          <a:rect l="0" t="0" r="0" b="0"/>
+          <a:pathLst>
+            <a:path>
+              <a:moveTo>
+                <a:pt x="45720" y="0"/>
+              </a:moveTo>
+              <a:lnTo>
+                <a:pt x="45720" y="228570"/>
+              </a:lnTo>
+            </a:path>
+          </a:pathLst>
+        </a:custGeom>
+        <a:noFill/>
+        <a:ln w="25400" cap="flat" cmpd="sng" algn="ctr">
+          <a:solidFill>
+            <a:schemeClr val="accent1">
+              <a:shade val="80000"/>
+              <a:hueOff val="0"/>
+              <a:satOff val="0"/>
+              <a:lumOff val="0"/>
+              <a:alphaOff val="0"/>
+            </a:schemeClr>
+          </a:solidFill>
+          <a:prstDash val="solid"/>
+        </a:ln>
+        <a:effectLst/>
+      </dsp:spPr>
+      <dsp:style>
+        <a:lnRef idx="2">
+          <a:scrgbClr r="0" g="0" b="0"/>
+        </a:lnRef>
+        <a:fillRef idx="0">
+          <a:scrgbClr r="0" g="0" b="0"/>
+        </a:fillRef>
+        <a:effectRef idx="0">
+          <a:scrgbClr r="0" g="0" b="0"/>
+        </a:effectRef>
+        <a:fontRef idx="minor"/>
+      </dsp:style>
+    </dsp:sp>
+    <dsp:sp modelId="{99572A04-A68C-4477-AB9A-39BE5DD7032F}">
+      <dsp:nvSpPr>
+        <dsp:cNvPr id="0" name=""/>
+        <dsp:cNvSpPr/>
+      </dsp:nvSpPr>
+      <dsp:spPr>
+        <a:xfrm>
+          <a:off x="707861" y="1717285"/>
+          <a:ext cx="997729" cy="228570"/>
+        </a:xfrm>
+        <a:custGeom>
+          <a:avLst/>
+          <a:gdLst/>
+          <a:ahLst/>
+          <a:cxnLst/>
+          <a:rect l="0" t="0" r="0" b="0"/>
+          <a:pathLst>
+            <a:path>
+              <a:moveTo>
+                <a:pt x="997729" y="0"/>
+              </a:moveTo>
+              <a:lnTo>
+                <a:pt x="997729" y="115192"/>
+              </a:lnTo>
+              <a:lnTo>
+                <a:pt x="0" y="115192"/>
+              </a:lnTo>
+              <a:lnTo>
+                <a:pt x="0" y="228570"/>
+              </a:lnTo>
+            </a:path>
+          </a:pathLst>
+        </a:custGeom>
+        <a:noFill/>
+        <a:ln w="25400" cap="flat" cmpd="sng" algn="ctr">
+          <a:solidFill>
+            <a:schemeClr val="accent1">
+              <a:shade val="80000"/>
+              <a:hueOff val="0"/>
+              <a:satOff val="0"/>
+              <a:lumOff val="0"/>
+              <a:alphaOff val="0"/>
+            </a:schemeClr>
+          </a:solidFill>
+          <a:prstDash val="solid"/>
+        </a:ln>
+        <a:effectLst/>
+      </dsp:spPr>
+      <dsp:style>
+        <a:lnRef idx="2">
+          <a:scrgbClr r="0" g="0" b="0"/>
+        </a:lnRef>
+        <a:fillRef idx="0">
+          <a:scrgbClr r="0" g="0" b="0"/>
+        </a:fillRef>
+        <a:effectRef idx="0">
+          <a:scrgbClr r="0" g="0" b="0"/>
+        </a:effectRef>
+        <a:fontRef idx="minor"/>
+      </dsp:style>
+    </dsp:sp>
+    <dsp:sp modelId="{8CA90676-D68B-4342-8190-DEF7F1874D34}">
+      <dsp:nvSpPr>
+        <dsp:cNvPr id="0" name=""/>
+        <dsp:cNvSpPr/>
+      </dsp:nvSpPr>
+      <dsp:spPr>
+        <a:xfrm>
+          <a:off x="1705590" y="763093"/>
+          <a:ext cx="1496593" cy="228570"/>
+        </a:xfrm>
+        <a:custGeom>
+          <a:avLst/>
+          <a:gdLst/>
+          <a:ahLst/>
+          <a:cxnLst/>
+          <a:rect l="0" t="0" r="0" b="0"/>
+          <a:pathLst>
+            <a:path>
+              <a:moveTo>
+                <a:pt x="1496593" y="0"/>
+              </a:moveTo>
+              <a:lnTo>
+                <a:pt x="1496593" y="115192"/>
+              </a:lnTo>
+              <a:lnTo>
+                <a:pt x="0" y="115192"/>
+              </a:lnTo>
+              <a:lnTo>
+                <a:pt x="0" y="228570"/>
+              </a:lnTo>
+            </a:path>
+          </a:pathLst>
+        </a:custGeom>
+        <a:noFill/>
+        <a:ln w="25400" cap="flat" cmpd="sng" algn="ctr">
+          <a:solidFill>
+            <a:schemeClr val="accent1">
+              <a:shade val="60000"/>
+              <a:hueOff val="0"/>
+              <a:satOff val="0"/>
+              <a:lumOff val="0"/>
+              <a:alphaOff val="0"/>
+            </a:schemeClr>
+          </a:solidFill>
+          <a:prstDash val="solid"/>
+        </a:ln>
+        <a:effectLst/>
+      </dsp:spPr>
+      <dsp:style>
+        <a:lnRef idx="2">
+          <a:scrgbClr r="0" g="0" b="0"/>
+        </a:lnRef>
+        <a:fillRef idx="0">
+          <a:scrgbClr r="0" g="0" b="0"/>
+        </a:fillRef>
+        <a:effectRef idx="0">
+          <a:scrgbClr r="0" g="0" b="0"/>
+        </a:effectRef>
+        <a:fontRef idx="minor"/>
+      </dsp:style>
+    </dsp:sp>
+    <dsp:sp modelId="{8E7858A1-ECA0-4684-8794-630B24DDDBCF}">
+      <dsp:nvSpPr>
+        <dsp:cNvPr id="0" name=""/>
+        <dsp:cNvSpPr/>
+      </dsp:nvSpPr>
+      <dsp:spPr>
+        <a:xfrm>
+          <a:off x="2839373" y="37472"/>
+          <a:ext cx="725621" cy="725621"/>
+        </a:xfrm>
+        <a:prstGeom prst="ellipse">
+          <a:avLst/>
+        </a:prstGeom>
+        <a:solidFill>
+          <a:schemeClr val="accent1">
+            <a:hueOff val="0"/>
+            <a:satOff val="0"/>
+            <a:lumOff val="0"/>
+            <a:alphaOff val="0"/>
+          </a:schemeClr>
+        </a:solidFill>
+        <a:ln w="25400" cap="flat" cmpd="sng" algn="ctr">
+          <a:solidFill>
+            <a:schemeClr val="lt1">
+              <a:hueOff val="0"/>
+              <a:satOff val="0"/>
+              <a:lumOff val="0"/>
+              <a:alphaOff val="0"/>
+            </a:schemeClr>
+          </a:solidFill>
+          <a:prstDash val="solid"/>
+        </a:ln>
+        <a:effectLst/>
+      </dsp:spPr>
+      <dsp:style>
+        <a:lnRef idx="2">
+          <a:scrgbClr r="0" g="0" b="0"/>
+        </a:lnRef>
+        <a:fillRef idx="1">
+          <a:scrgbClr r="0" g="0" b="0"/>
+        </a:fillRef>
+        <a:effectRef idx="0">
+          <a:scrgbClr r="0" g="0" b="0"/>
+        </a:effectRef>
+        <a:fontRef idx="minor">
+          <a:schemeClr val="lt1"/>
+        </a:fontRef>
+      </dsp:style>
+    </dsp:sp>
+    <dsp:sp modelId="{8506CC71-9ABD-430B-810D-3750F9EAB630}">
+      <dsp:nvSpPr>
+        <dsp:cNvPr id="0" name=""/>
+        <dsp:cNvSpPr/>
+      </dsp:nvSpPr>
+      <dsp:spPr>
+        <a:xfrm>
+          <a:off x="3564994" y="35658"/>
+          <a:ext cx="1088431" cy="725621"/>
+        </a:xfrm>
+        <a:prstGeom prst="rect">
+          <a:avLst/>
+        </a:prstGeom>
+        <a:noFill/>
+        <a:ln>
+          <a:noFill/>
+        </a:ln>
+        <a:effectLst/>
+      </dsp:spPr>
+      <dsp:style>
+        <a:lnRef idx="0">
+          <a:scrgbClr r="0" g="0" b="0"/>
+        </a:lnRef>
+        <a:fillRef idx="0">
+          <a:scrgbClr r="0" g="0" b="0"/>
+        </a:fillRef>
+        <a:effectRef idx="0">
+          <a:scrgbClr r="0" g="0" b="0"/>
+        </a:effectRef>
+        <a:fontRef idx="minor"/>
+      </dsp:style>
+      <dsp:txBody>
+        <a:bodyPr spcFirstLastPara="0" vert="horz" wrap="square" lIns="57150" tIns="57150" rIns="57150" bIns="57150" numCol="1" spcCol="1270" anchor="ctr" anchorCtr="0">
+          <a:noAutofit/>
+        </a:bodyPr>
+        <a:lstStyle/>
+        <a:p>
+          <a:pPr lvl="0" algn="l" defTabSz="666750">
+            <a:lnSpc>
+              <a:spcPct val="90000"/>
+            </a:lnSpc>
+            <a:spcBef>
+              <a:spcPct val="0"/>
+            </a:spcBef>
+            <a:spcAft>
+              <a:spcPct val="35000"/>
+            </a:spcAft>
+          </a:pPr>
+          <a:r>
+            <a:rPr lang="en-US" sz="1500" kern="1200" dirty="0" smtClean="0"/>
+            <a:t>Add</a:t>
+          </a:r>
+          <a:endParaRPr lang="en-US" sz="1500" kern="1200" dirty="0"/>
+        </a:p>
+      </dsp:txBody>
+      <dsp:txXfrm>
+        <a:off x="3564994" y="35658"/>
+        <a:ext cx="1088431" cy="725621"/>
+      </dsp:txXfrm>
+    </dsp:sp>
+    <dsp:sp modelId="{40B052DC-028B-4773-994C-304747F57113}">
+      <dsp:nvSpPr>
+        <dsp:cNvPr id="0" name=""/>
+        <dsp:cNvSpPr/>
+      </dsp:nvSpPr>
+      <dsp:spPr>
+        <a:xfrm>
+          <a:off x="1342779" y="991664"/>
+          <a:ext cx="725621" cy="725621"/>
+        </a:xfrm>
+        <a:prstGeom prst="ellipse">
+          <a:avLst/>
+        </a:prstGeom>
+        <a:solidFill>
+          <a:schemeClr val="accent1">
+            <a:hueOff val="0"/>
+            <a:satOff val="0"/>
+            <a:lumOff val="0"/>
+            <a:alphaOff val="0"/>
+          </a:schemeClr>
+        </a:solidFill>
+        <a:ln w="25400" cap="flat" cmpd="sng" algn="ctr">
+          <a:solidFill>
+            <a:schemeClr val="lt1">
+              <a:hueOff val="0"/>
+              <a:satOff val="0"/>
+              <a:lumOff val="0"/>
+              <a:alphaOff val="0"/>
+            </a:schemeClr>
+          </a:solidFill>
+          <a:prstDash val="solid"/>
+        </a:ln>
+        <a:effectLst/>
+      </dsp:spPr>
+      <dsp:style>
+        <a:lnRef idx="2">
+          <a:scrgbClr r="0" g="0" b="0"/>
+        </a:lnRef>
+        <a:fillRef idx="1">
+          <a:scrgbClr r="0" g="0" b="0"/>
+        </a:fillRef>
+        <a:effectRef idx="0">
+          <a:scrgbClr r="0" g="0" b="0"/>
+        </a:effectRef>
+        <a:fontRef idx="minor">
+          <a:schemeClr val="lt1"/>
+        </a:fontRef>
+      </dsp:style>
+    </dsp:sp>
+    <dsp:sp modelId="{84927DFC-D05E-4221-9ECF-E33760046DF3}">
+      <dsp:nvSpPr>
+        <dsp:cNvPr id="0" name=""/>
+        <dsp:cNvSpPr/>
+      </dsp:nvSpPr>
+      <dsp:spPr>
+        <a:xfrm>
+          <a:off x="2068400" y="989850"/>
+          <a:ext cx="1088431" cy="725621"/>
+        </a:xfrm>
+        <a:prstGeom prst="rect">
+          <a:avLst/>
+        </a:prstGeom>
+        <a:noFill/>
+        <a:ln>
+          <a:noFill/>
+        </a:ln>
+        <a:effectLst/>
+      </dsp:spPr>
+      <dsp:style>
+        <a:lnRef idx="0">
+          <a:scrgbClr r="0" g="0" b="0"/>
+        </a:lnRef>
+        <a:fillRef idx="0">
+          <a:scrgbClr r="0" g="0" b="0"/>
+        </a:fillRef>
+        <a:effectRef idx="0">
+          <a:scrgbClr r="0" g="0" b="0"/>
+        </a:effectRef>
+        <a:fontRef idx="minor"/>
+      </dsp:style>
+      <dsp:txBody>
+        <a:bodyPr spcFirstLastPara="0" vert="horz" wrap="square" lIns="57150" tIns="57150" rIns="57150" bIns="57150" numCol="1" spcCol="1270" anchor="ctr" anchorCtr="0">
+          <a:noAutofit/>
+        </a:bodyPr>
+        <a:lstStyle/>
+        <a:p>
+          <a:pPr lvl="0" algn="l" defTabSz="666750">
+            <a:lnSpc>
+              <a:spcPct val="90000"/>
+            </a:lnSpc>
+            <a:spcBef>
+              <a:spcPct val="0"/>
+            </a:spcBef>
+            <a:spcAft>
+              <a:spcPct val="35000"/>
+            </a:spcAft>
+          </a:pPr>
+          <a:r>
+            <a:rPr lang="en-US" sz="1500" kern="1200" dirty="0" smtClean="0"/>
+            <a:t>Multiply</a:t>
+          </a:r>
+          <a:endParaRPr lang="en-US" sz="1500" kern="1200" dirty="0"/>
+        </a:p>
+      </dsp:txBody>
+      <dsp:txXfrm>
+        <a:off x="2068400" y="989850"/>
+        <a:ext cx="1088431" cy="725621"/>
+      </dsp:txXfrm>
+    </dsp:sp>
+    <dsp:sp modelId="{E5B02E66-296C-47B7-A60C-47B650C300DC}">
+      <dsp:nvSpPr>
+        <dsp:cNvPr id="0" name=""/>
+        <dsp:cNvSpPr/>
+      </dsp:nvSpPr>
+      <dsp:spPr>
+        <a:xfrm>
+          <a:off x="345050" y="1945855"/>
+          <a:ext cx="725621" cy="725621"/>
+        </a:xfrm>
+        <a:prstGeom prst="ellipse">
+          <a:avLst/>
+        </a:prstGeom>
+        <a:solidFill>
+          <a:schemeClr val="accent1">
+            <a:hueOff val="0"/>
+            <a:satOff val="0"/>
+            <a:lumOff val="0"/>
+            <a:alphaOff val="0"/>
+          </a:schemeClr>
+        </a:solidFill>
+        <a:ln w="25400" cap="flat" cmpd="sng" algn="ctr">
+          <a:solidFill>
+            <a:schemeClr val="lt1">
+              <a:hueOff val="0"/>
+              <a:satOff val="0"/>
+              <a:lumOff val="0"/>
+              <a:alphaOff val="0"/>
+            </a:schemeClr>
+          </a:solidFill>
+          <a:prstDash val="solid"/>
+        </a:ln>
+        <a:effectLst/>
+      </dsp:spPr>
+      <dsp:style>
+        <a:lnRef idx="2">
+          <a:scrgbClr r="0" g="0" b="0"/>
+        </a:lnRef>
+        <a:fillRef idx="1">
+          <a:scrgbClr r="0" g="0" b="0"/>
+        </a:fillRef>
+        <a:effectRef idx="0">
+          <a:scrgbClr r="0" g="0" b="0"/>
+        </a:effectRef>
+        <a:fontRef idx="minor">
+          <a:schemeClr val="lt1"/>
+        </a:fontRef>
+      </dsp:style>
+    </dsp:sp>
+    <dsp:sp modelId="{956BC080-07FE-41F3-926B-9E5CC8DF3F71}">
+      <dsp:nvSpPr>
+        <dsp:cNvPr id="0" name=""/>
+        <dsp:cNvSpPr/>
+      </dsp:nvSpPr>
+      <dsp:spPr>
+        <a:xfrm>
+          <a:off x="1070671" y="1944041"/>
+          <a:ext cx="1088431" cy="725621"/>
+        </a:xfrm>
+        <a:prstGeom prst="rect">
+          <a:avLst/>
+        </a:prstGeom>
+        <a:noFill/>
+        <a:ln>
+          <a:noFill/>
+        </a:ln>
+        <a:effectLst/>
+      </dsp:spPr>
+      <dsp:style>
+        <a:lnRef idx="0">
+          <a:scrgbClr r="0" g="0" b="0"/>
+        </a:lnRef>
+        <a:fillRef idx="0">
+          <a:scrgbClr r="0" g="0" b="0"/>
+        </a:fillRef>
+        <a:effectRef idx="0">
+          <a:scrgbClr r="0" g="0" b="0"/>
+        </a:effectRef>
+        <a:fontRef idx="minor"/>
+      </dsp:style>
+      <dsp:txBody>
+        <a:bodyPr spcFirstLastPara="0" vert="horz" wrap="square" lIns="57150" tIns="57150" rIns="57150" bIns="57150" numCol="1" spcCol="1270" anchor="ctr" anchorCtr="0">
+          <a:noAutofit/>
+        </a:bodyPr>
+        <a:lstStyle/>
+        <a:p>
+          <a:pPr lvl="0" algn="l" defTabSz="666750">
+            <a:lnSpc>
+              <a:spcPct val="90000"/>
+            </a:lnSpc>
+            <a:spcBef>
+              <a:spcPct val="0"/>
+            </a:spcBef>
+            <a:spcAft>
+              <a:spcPct val="35000"/>
+            </a:spcAft>
+          </a:pPr>
+          <a:r>
+            <a:rPr lang="en-US" sz="1500" kern="1200" dirty="0" smtClean="0"/>
+            <a:t>Variable</a:t>
+          </a:r>
+          <a:endParaRPr lang="en-US" sz="1500" kern="1200" dirty="0"/>
+        </a:p>
+      </dsp:txBody>
+      <dsp:txXfrm>
+        <a:off x="1070671" y="1944041"/>
+        <a:ext cx="1088431" cy="725621"/>
+      </dsp:txXfrm>
+    </dsp:sp>
+    <dsp:sp modelId="{09E42C94-8C0E-41B3-B2F6-10531C76026E}">
+      <dsp:nvSpPr>
+        <dsp:cNvPr id="0" name=""/>
+        <dsp:cNvSpPr/>
+      </dsp:nvSpPr>
+      <dsp:spPr>
+        <a:xfrm>
+          <a:off x="345050" y="2900047"/>
+          <a:ext cx="725621" cy="725621"/>
+        </a:xfrm>
+        <a:prstGeom prst="ellipse">
+          <a:avLst/>
+        </a:prstGeom>
+        <a:solidFill>
+          <a:schemeClr val="accent1">
+            <a:hueOff val="0"/>
+            <a:satOff val="0"/>
+            <a:lumOff val="0"/>
+            <a:alphaOff val="0"/>
+          </a:schemeClr>
+        </a:solidFill>
+        <a:ln w="25400" cap="flat" cmpd="sng" algn="ctr">
+          <a:solidFill>
+            <a:schemeClr val="lt1">
+              <a:hueOff val="0"/>
+              <a:satOff val="0"/>
+              <a:lumOff val="0"/>
+              <a:alphaOff val="0"/>
+            </a:schemeClr>
+          </a:solidFill>
+          <a:prstDash val="solid"/>
+        </a:ln>
+        <a:effectLst/>
+      </dsp:spPr>
+      <dsp:style>
+        <a:lnRef idx="2">
+          <a:scrgbClr r="0" g="0" b="0"/>
+        </a:lnRef>
+        <a:fillRef idx="1">
+          <a:scrgbClr r="0" g="0" b="0"/>
+        </a:fillRef>
+        <a:effectRef idx="0">
+          <a:scrgbClr r="0" g="0" b="0"/>
+        </a:effectRef>
+        <a:fontRef idx="minor">
+          <a:schemeClr val="lt1"/>
+        </a:fontRef>
+      </dsp:style>
+    </dsp:sp>
+    <dsp:sp modelId="{7F2C45EE-9850-4714-B6C1-43EBF7B16000}">
+      <dsp:nvSpPr>
+        <dsp:cNvPr id="0" name=""/>
+        <dsp:cNvSpPr/>
+      </dsp:nvSpPr>
+      <dsp:spPr>
+        <a:xfrm>
+          <a:off x="1070671" y="2898233"/>
+          <a:ext cx="1088431" cy="725621"/>
+        </a:xfrm>
+        <a:prstGeom prst="rect">
+          <a:avLst/>
+        </a:prstGeom>
+        <a:noFill/>
+        <a:ln>
+          <a:noFill/>
+        </a:ln>
+        <a:effectLst/>
+      </dsp:spPr>
+      <dsp:style>
+        <a:lnRef idx="0">
+          <a:scrgbClr r="0" g="0" b="0"/>
+        </a:lnRef>
+        <a:fillRef idx="0">
+          <a:scrgbClr r="0" g="0" b="0"/>
+        </a:fillRef>
+        <a:effectRef idx="0">
+          <a:scrgbClr r="0" g="0" b="0"/>
+        </a:effectRef>
+        <a:fontRef idx="minor"/>
+      </dsp:style>
+      <dsp:txBody>
+        <a:bodyPr spcFirstLastPara="0" vert="horz" wrap="square" lIns="57150" tIns="57150" rIns="57150" bIns="57150" numCol="1" spcCol="1270" anchor="ctr" anchorCtr="0">
+          <a:noAutofit/>
+        </a:bodyPr>
+        <a:lstStyle/>
+        <a:p>
+          <a:pPr lvl="0" algn="l" defTabSz="666750">
+            <a:lnSpc>
+              <a:spcPct val="90000"/>
+            </a:lnSpc>
+            <a:spcBef>
+              <a:spcPct val="0"/>
+            </a:spcBef>
+            <a:spcAft>
+              <a:spcPct val="35000"/>
+            </a:spcAft>
+          </a:pPr>
+          <a:r>
+            <a:rPr lang="en-US" sz="1500" kern="1200" dirty="0" smtClean="0"/>
+            <a:t>x</a:t>
+          </a:r>
+          <a:endParaRPr lang="en-US" sz="1500" kern="1200" dirty="0"/>
+        </a:p>
+      </dsp:txBody>
+      <dsp:txXfrm>
+        <a:off x="1070671" y="2898233"/>
+        <a:ext cx="1088431" cy="725621"/>
+      </dsp:txXfrm>
+    </dsp:sp>
+    <dsp:sp modelId="{B26CB642-4E95-4F4E-A9C7-04750B0C4542}">
+      <dsp:nvSpPr>
+        <dsp:cNvPr id="0" name=""/>
+        <dsp:cNvSpPr/>
+      </dsp:nvSpPr>
+      <dsp:spPr>
+        <a:xfrm>
+          <a:off x="2340508" y="1945855"/>
+          <a:ext cx="725621" cy="725621"/>
+        </a:xfrm>
+        <a:prstGeom prst="ellipse">
+          <a:avLst/>
+        </a:prstGeom>
+        <a:solidFill>
+          <a:schemeClr val="accent1">
+            <a:hueOff val="0"/>
+            <a:satOff val="0"/>
+            <a:lumOff val="0"/>
+            <a:alphaOff val="0"/>
+          </a:schemeClr>
+        </a:solidFill>
+        <a:ln w="25400" cap="flat" cmpd="sng" algn="ctr">
+          <a:solidFill>
+            <a:schemeClr val="lt1">
+              <a:hueOff val="0"/>
+              <a:satOff val="0"/>
+              <a:lumOff val="0"/>
+              <a:alphaOff val="0"/>
+            </a:schemeClr>
+          </a:solidFill>
+          <a:prstDash val="solid"/>
+        </a:ln>
+        <a:effectLst/>
+      </dsp:spPr>
+      <dsp:style>
+        <a:lnRef idx="2">
+          <a:scrgbClr r="0" g="0" b="0"/>
+        </a:lnRef>
+        <a:fillRef idx="1">
+          <a:scrgbClr r="0" g="0" b="0"/>
+        </a:fillRef>
+        <a:effectRef idx="0">
+          <a:scrgbClr r="0" g="0" b="0"/>
+        </a:effectRef>
+        <a:fontRef idx="minor">
+          <a:schemeClr val="lt1"/>
+        </a:fontRef>
+      </dsp:style>
+    </dsp:sp>
+    <dsp:sp modelId="{5B969B1A-7C6C-4B95-B38D-8A4A50CD3F7C}">
+      <dsp:nvSpPr>
+        <dsp:cNvPr id="0" name=""/>
+        <dsp:cNvSpPr/>
+      </dsp:nvSpPr>
+      <dsp:spPr>
+        <a:xfrm>
+          <a:off x="3066129" y="1944041"/>
+          <a:ext cx="1088431" cy="725621"/>
+        </a:xfrm>
+        <a:prstGeom prst="rect">
+          <a:avLst/>
+        </a:prstGeom>
+        <a:noFill/>
+        <a:ln>
+          <a:noFill/>
+        </a:ln>
+        <a:effectLst/>
+      </dsp:spPr>
+      <dsp:style>
+        <a:lnRef idx="0">
+          <a:scrgbClr r="0" g="0" b="0"/>
+        </a:lnRef>
+        <a:fillRef idx="0">
+          <a:scrgbClr r="0" g="0" b="0"/>
+        </a:fillRef>
+        <a:effectRef idx="0">
+          <a:scrgbClr r="0" g="0" b="0"/>
+        </a:effectRef>
+        <a:fontRef idx="minor"/>
+      </dsp:style>
+      <dsp:txBody>
+        <a:bodyPr spcFirstLastPara="0" vert="horz" wrap="square" lIns="57150" tIns="57150" rIns="57150" bIns="57150" numCol="1" spcCol="1270" anchor="ctr" anchorCtr="0">
+          <a:noAutofit/>
+        </a:bodyPr>
+        <a:lstStyle/>
+        <a:p>
+          <a:pPr lvl="0" algn="l" defTabSz="666750">
+            <a:lnSpc>
+              <a:spcPct val="90000"/>
+            </a:lnSpc>
+            <a:spcBef>
+              <a:spcPct val="0"/>
+            </a:spcBef>
+            <a:spcAft>
+              <a:spcPct val="35000"/>
+            </a:spcAft>
+          </a:pPr>
+          <a:r>
+            <a:rPr lang="en-US" sz="1500" kern="1200" dirty="0" smtClean="0"/>
+            <a:t>Variable</a:t>
+          </a:r>
+          <a:endParaRPr lang="en-US" sz="1500" kern="1200" dirty="0"/>
+        </a:p>
+      </dsp:txBody>
+      <dsp:txXfrm>
+        <a:off x="3066129" y="1944041"/>
+        <a:ext cx="1088431" cy="725621"/>
+      </dsp:txXfrm>
+    </dsp:sp>
+    <dsp:sp modelId="{0C845480-68D2-45ED-9E22-C3E0BBAA985B}">
+      <dsp:nvSpPr>
+        <dsp:cNvPr id="0" name=""/>
+        <dsp:cNvSpPr/>
+      </dsp:nvSpPr>
+      <dsp:spPr>
+        <a:xfrm>
+          <a:off x="2340508" y="2900047"/>
+          <a:ext cx="725621" cy="725621"/>
+        </a:xfrm>
+        <a:prstGeom prst="ellipse">
+          <a:avLst/>
+        </a:prstGeom>
+        <a:solidFill>
+          <a:schemeClr val="accent1">
+            <a:hueOff val="0"/>
+            <a:satOff val="0"/>
+            <a:lumOff val="0"/>
+            <a:alphaOff val="0"/>
+          </a:schemeClr>
+        </a:solidFill>
+        <a:ln w="25400" cap="flat" cmpd="sng" algn="ctr">
+          <a:solidFill>
+            <a:schemeClr val="lt1">
+              <a:hueOff val="0"/>
+              <a:satOff val="0"/>
+              <a:lumOff val="0"/>
+              <a:alphaOff val="0"/>
+            </a:schemeClr>
+          </a:solidFill>
+          <a:prstDash val="solid"/>
+        </a:ln>
+        <a:effectLst/>
+      </dsp:spPr>
+      <dsp:style>
+        <a:lnRef idx="2">
+          <a:scrgbClr r="0" g="0" b="0"/>
+        </a:lnRef>
+        <a:fillRef idx="1">
+          <a:scrgbClr r="0" g="0" b="0"/>
+        </a:fillRef>
+        <a:effectRef idx="0">
+          <a:scrgbClr r="0" g="0" b="0"/>
+        </a:effectRef>
+        <a:fontRef idx="minor">
+          <a:schemeClr val="lt1"/>
+        </a:fontRef>
+      </dsp:style>
+    </dsp:sp>
+    <dsp:sp modelId="{229EED3D-E476-4CFC-B817-728AB058D74A}">
+      <dsp:nvSpPr>
+        <dsp:cNvPr id="0" name=""/>
+        <dsp:cNvSpPr/>
+      </dsp:nvSpPr>
+      <dsp:spPr>
+        <a:xfrm>
+          <a:off x="3066129" y="2898233"/>
+          <a:ext cx="1088431" cy="725621"/>
+        </a:xfrm>
+        <a:prstGeom prst="rect">
+          <a:avLst/>
+        </a:prstGeom>
+        <a:noFill/>
+        <a:ln>
+          <a:noFill/>
+        </a:ln>
+        <a:effectLst/>
+      </dsp:spPr>
+      <dsp:style>
+        <a:lnRef idx="0">
+          <a:scrgbClr r="0" g="0" b="0"/>
+        </a:lnRef>
+        <a:fillRef idx="0">
+          <a:scrgbClr r="0" g="0" b="0"/>
+        </a:fillRef>
+        <a:effectRef idx="0">
+          <a:scrgbClr r="0" g="0" b="0"/>
+        </a:effectRef>
+        <a:fontRef idx="minor"/>
+      </dsp:style>
+      <dsp:txBody>
+        <a:bodyPr spcFirstLastPara="0" vert="horz" wrap="square" lIns="57150" tIns="57150" rIns="57150" bIns="57150" numCol="1" spcCol="1270" anchor="ctr" anchorCtr="0">
+          <a:noAutofit/>
+        </a:bodyPr>
+        <a:lstStyle/>
+        <a:p>
+          <a:pPr lvl="0" algn="l" defTabSz="666750">
+            <a:lnSpc>
+              <a:spcPct val="90000"/>
+            </a:lnSpc>
+            <a:spcBef>
+              <a:spcPct val="0"/>
+            </a:spcBef>
+            <a:spcAft>
+              <a:spcPct val="35000"/>
+            </a:spcAft>
+          </a:pPr>
+          <a:r>
+            <a:rPr lang="en-US" sz="1500" kern="1200" dirty="0" smtClean="0"/>
+            <a:t>y</a:t>
+          </a:r>
+          <a:endParaRPr lang="en-US" sz="1500" kern="1200" dirty="0"/>
+        </a:p>
+      </dsp:txBody>
+      <dsp:txXfrm>
+        <a:off x="3066129" y="2898233"/>
+        <a:ext cx="1088431" cy="725621"/>
+      </dsp:txXfrm>
+    </dsp:sp>
+    <dsp:sp modelId="{6A8502DC-6044-46E3-A86A-9BDE7DBB8334}">
+      <dsp:nvSpPr>
+        <dsp:cNvPr id="0" name=""/>
+        <dsp:cNvSpPr/>
+      </dsp:nvSpPr>
+      <dsp:spPr>
+        <a:xfrm>
+          <a:off x="4335966" y="991664"/>
+          <a:ext cx="725621" cy="725621"/>
+        </a:xfrm>
+        <a:prstGeom prst="ellipse">
+          <a:avLst/>
+        </a:prstGeom>
+        <a:solidFill>
+          <a:schemeClr val="accent1">
+            <a:hueOff val="0"/>
+            <a:satOff val="0"/>
+            <a:lumOff val="0"/>
+            <a:alphaOff val="0"/>
+          </a:schemeClr>
+        </a:solidFill>
+        <a:ln w="25400" cap="flat" cmpd="sng" algn="ctr">
+          <a:solidFill>
+            <a:schemeClr val="lt1">
+              <a:hueOff val="0"/>
+              <a:satOff val="0"/>
+              <a:lumOff val="0"/>
+              <a:alphaOff val="0"/>
+            </a:schemeClr>
+          </a:solidFill>
+          <a:prstDash val="solid"/>
+        </a:ln>
+        <a:effectLst/>
+      </dsp:spPr>
+      <dsp:style>
+        <a:lnRef idx="2">
+          <a:scrgbClr r="0" g="0" b="0"/>
+        </a:lnRef>
+        <a:fillRef idx="1">
+          <a:scrgbClr r="0" g="0" b="0"/>
+        </a:fillRef>
+        <a:effectRef idx="0">
+          <a:scrgbClr r="0" g="0" b="0"/>
+        </a:effectRef>
+        <a:fontRef idx="minor">
+          <a:schemeClr val="lt1"/>
+        </a:fontRef>
+      </dsp:style>
+    </dsp:sp>
+    <dsp:sp modelId="{3E30A41C-9450-45C7-BA3A-78ADC24B09DC}">
+      <dsp:nvSpPr>
+        <dsp:cNvPr id="0" name=""/>
+        <dsp:cNvSpPr/>
+      </dsp:nvSpPr>
+      <dsp:spPr>
+        <a:xfrm>
+          <a:off x="5061587" y="989850"/>
+          <a:ext cx="1088431" cy="725621"/>
+        </a:xfrm>
+        <a:prstGeom prst="rect">
+          <a:avLst/>
+        </a:prstGeom>
+        <a:noFill/>
+        <a:ln>
+          <a:noFill/>
+        </a:ln>
+        <a:effectLst/>
+      </dsp:spPr>
+      <dsp:style>
+        <a:lnRef idx="0">
+          <a:scrgbClr r="0" g="0" b="0"/>
+        </a:lnRef>
+        <a:fillRef idx="0">
+          <a:scrgbClr r="0" g="0" b="0"/>
+        </a:fillRef>
+        <a:effectRef idx="0">
+          <a:scrgbClr r="0" g="0" b="0"/>
+        </a:effectRef>
+        <a:fontRef idx="minor"/>
+      </dsp:style>
+      <dsp:txBody>
+        <a:bodyPr spcFirstLastPara="0" vert="horz" wrap="square" lIns="57150" tIns="57150" rIns="57150" bIns="57150" numCol="1" spcCol="1270" anchor="ctr" anchorCtr="0">
+          <a:noAutofit/>
+        </a:bodyPr>
+        <a:lstStyle/>
+        <a:p>
+          <a:pPr lvl="0" algn="l" defTabSz="666750">
+            <a:lnSpc>
+              <a:spcPct val="90000"/>
+            </a:lnSpc>
+            <a:spcBef>
+              <a:spcPct val="0"/>
+            </a:spcBef>
+            <a:spcAft>
+              <a:spcPct val="35000"/>
+            </a:spcAft>
+          </a:pPr>
+          <a:r>
+            <a:rPr lang="en-US" sz="1500" kern="1200" dirty="0" err="1" smtClean="0"/>
+            <a:t>FunctionCall</a:t>
+          </a:r>
+          <a:r>
+            <a:rPr lang="en-US" sz="1500" kern="1200" dirty="0" smtClean="0"/>
+            <a:t/>
+          </a:r>
+          <a:br>
+            <a:rPr lang="en-US" sz="1500" kern="1200" dirty="0" smtClean="0"/>
+          </a:br>
+          <a:r>
+            <a:rPr lang="en-US" sz="1500" kern="1200" dirty="0" smtClean="0"/>
+            <a:t>Name = f</a:t>
+          </a:r>
+          <a:endParaRPr lang="en-US" sz="1500" kern="1200" dirty="0"/>
+        </a:p>
+      </dsp:txBody>
+      <dsp:txXfrm>
+        <a:off x="5061587" y="989850"/>
+        <a:ext cx="1088431" cy="725621"/>
+      </dsp:txXfrm>
+    </dsp:sp>
+    <dsp:sp modelId="{0D40DC6E-9760-4658-8B88-3F444366657E}">
+      <dsp:nvSpPr>
+        <dsp:cNvPr id="0" name=""/>
+        <dsp:cNvSpPr/>
+      </dsp:nvSpPr>
+      <dsp:spPr>
+        <a:xfrm>
+          <a:off x="4335966" y="1945855"/>
+          <a:ext cx="725621" cy="725621"/>
+        </a:xfrm>
+        <a:prstGeom prst="ellipse">
+          <a:avLst/>
+        </a:prstGeom>
+        <a:solidFill>
+          <a:schemeClr val="accent1">
+            <a:hueOff val="0"/>
+            <a:satOff val="0"/>
+            <a:lumOff val="0"/>
+            <a:alphaOff val="0"/>
+          </a:schemeClr>
+        </a:solidFill>
+        <a:ln w="25400" cap="flat" cmpd="sng" algn="ctr">
+          <a:solidFill>
+            <a:schemeClr val="lt1">
+              <a:hueOff val="0"/>
+              <a:satOff val="0"/>
+              <a:lumOff val="0"/>
+              <a:alphaOff val="0"/>
+            </a:schemeClr>
+          </a:solidFill>
+          <a:prstDash val="solid"/>
+        </a:ln>
+        <a:effectLst/>
+      </dsp:spPr>
+      <dsp:style>
+        <a:lnRef idx="2">
+          <a:scrgbClr r="0" g="0" b="0"/>
+        </a:lnRef>
+        <a:fillRef idx="1">
+          <a:scrgbClr r="0" g="0" b="0"/>
+        </a:fillRef>
+        <a:effectRef idx="0">
+          <a:scrgbClr r="0" g="0" b="0"/>
+        </a:effectRef>
+        <a:fontRef idx="minor">
+          <a:schemeClr val="lt1"/>
+        </a:fontRef>
+      </dsp:style>
+    </dsp:sp>
+    <dsp:sp modelId="{4435E2B9-EFB1-415C-8689-BDF7C2416C55}">
+      <dsp:nvSpPr>
+        <dsp:cNvPr id="0" name=""/>
+        <dsp:cNvSpPr/>
+      </dsp:nvSpPr>
+      <dsp:spPr>
+        <a:xfrm>
+          <a:off x="5061587" y="1944041"/>
+          <a:ext cx="1088431" cy="725621"/>
+        </a:xfrm>
+        <a:prstGeom prst="rect">
+          <a:avLst/>
+        </a:prstGeom>
+        <a:noFill/>
+        <a:ln>
+          <a:noFill/>
+        </a:ln>
+        <a:effectLst/>
+      </dsp:spPr>
+      <dsp:style>
+        <a:lnRef idx="0">
+          <a:scrgbClr r="0" g="0" b="0"/>
+        </a:lnRef>
+        <a:fillRef idx="0">
+          <a:scrgbClr r="0" g="0" b="0"/>
+        </a:fillRef>
+        <a:effectRef idx="0">
+          <a:scrgbClr r="0" g="0" b="0"/>
+        </a:effectRef>
+        <a:fontRef idx="minor"/>
+      </dsp:style>
+      <dsp:txBody>
+        <a:bodyPr spcFirstLastPara="0" vert="horz" wrap="square" lIns="57150" tIns="57150" rIns="57150" bIns="57150" numCol="1" spcCol="1270" anchor="ctr" anchorCtr="0">
+          <a:noAutofit/>
+        </a:bodyPr>
+        <a:lstStyle/>
+        <a:p>
+          <a:pPr lvl="0" algn="l" defTabSz="666750">
+            <a:lnSpc>
+              <a:spcPct val="90000"/>
+            </a:lnSpc>
+            <a:spcBef>
+              <a:spcPct val="0"/>
+            </a:spcBef>
+            <a:spcAft>
+              <a:spcPct val="35000"/>
+            </a:spcAft>
+          </a:pPr>
+          <a:r>
+            <a:rPr lang="en-US" sz="1500" kern="1200" dirty="0" smtClean="0"/>
+            <a:t>Variable</a:t>
+          </a:r>
+          <a:endParaRPr lang="en-US" sz="1500" kern="1200" dirty="0"/>
+        </a:p>
+      </dsp:txBody>
+      <dsp:txXfrm>
+        <a:off x="5061587" y="1944041"/>
+        <a:ext cx="1088431" cy="725621"/>
+      </dsp:txXfrm>
+    </dsp:sp>
+    <dsp:sp modelId="{A37BEE24-6E14-414D-A5BD-6689E3E59759}">
+      <dsp:nvSpPr>
+        <dsp:cNvPr id="0" name=""/>
+        <dsp:cNvSpPr/>
+      </dsp:nvSpPr>
+      <dsp:spPr>
+        <a:xfrm>
+          <a:off x="4335966" y="2900047"/>
+          <a:ext cx="725621" cy="725621"/>
+        </a:xfrm>
+        <a:prstGeom prst="ellipse">
+          <a:avLst/>
+        </a:prstGeom>
+        <a:solidFill>
+          <a:schemeClr val="accent1">
+            <a:hueOff val="0"/>
+            <a:satOff val="0"/>
+            <a:lumOff val="0"/>
+            <a:alphaOff val="0"/>
+          </a:schemeClr>
+        </a:solidFill>
+        <a:ln w="25400" cap="flat" cmpd="sng" algn="ctr">
+          <a:solidFill>
+            <a:schemeClr val="lt1">
+              <a:hueOff val="0"/>
+              <a:satOff val="0"/>
+              <a:lumOff val="0"/>
+              <a:alphaOff val="0"/>
+            </a:schemeClr>
+          </a:solidFill>
+          <a:prstDash val="solid"/>
+        </a:ln>
+        <a:effectLst/>
+      </dsp:spPr>
+      <dsp:style>
+        <a:lnRef idx="2">
+          <a:scrgbClr r="0" g="0" b="0"/>
+        </a:lnRef>
+        <a:fillRef idx="1">
+          <a:scrgbClr r="0" g="0" b="0"/>
+        </a:fillRef>
+        <a:effectRef idx="0">
+          <a:scrgbClr r="0" g="0" b="0"/>
+        </a:effectRef>
+        <a:fontRef idx="minor">
+          <a:schemeClr val="lt1"/>
+        </a:fontRef>
+      </dsp:style>
+    </dsp:sp>
+    <dsp:sp modelId="{D7AE1163-F55C-4A98-878F-94EF554679B4}">
+      <dsp:nvSpPr>
+        <dsp:cNvPr id="0" name=""/>
+        <dsp:cNvSpPr/>
+      </dsp:nvSpPr>
+      <dsp:spPr>
+        <a:xfrm>
+          <a:off x="5061587" y="2898233"/>
+          <a:ext cx="1088431" cy="725621"/>
+        </a:xfrm>
+        <a:prstGeom prst="rect">
+          <a:avLst/>
+        </a:prstGeom>
+        <a:noFill/>
+        <a:ln>
+          <a:noFill/>
+        </a:ln>
+        <a:effectLst/>
+      </dsp:spPr>
+      <dsp:style>
+        <a:lnRef idx="0">
+          <a:scrgbClr r="0" g="0" b="0"/>
+        </a:lnRef>
+        <a:fillRef idx="0">
+          <a:scrgbClr r="0" g="0" b="0"/>
+        </a:fillRef>
+        <a:effectRef idx="0">
+          <a:scrgbClr r="0" g="0" b="0"/>
+        </a:effectRef>
+        <a:fontRef idx="minor"/>
+      </dsp:style>
+      <dsp:txBody>
+        <a:bodyPr spcFirstLastPara="0" vert="horz" wrap="square" lIns="57150" tIns="57150" rIns="57150" bIns="57150" numCol="1" spcCol="1270" anchor="ctr" anchorCtr="0">
+          <a:noAutofit/>
+        </a:bodyPr>
+        <a:lstStyle/>
+        <a:p>
+          <a:pPr lvl="0" algn="l" defTabSz="666750">
+            <a:lnSpc>
+              <a:spcPct val="90000"/>
+            </a:lnSpc>
+            <a:spcBef>
+              <a:spcPct val="0"/>
+            </a:spcBef>
+            <a:spcAft>
+              <a:spcPct val="35000"/>
+            </a:spcAft>
+          </a:pPr>
+          <a:r>
+            <a:rPr lang="en-US" sz="1500" kern="1200" dirty="0" smtClean="0"/>
+            <a:t>z</a:t>
+          </a:r>
+          <a:endParaRPr lang="en-US" sz="1500" kern="1200" dirty="0"/>
+        </a:p>
+      </dsp:txBody>
+      <dsp:txXfrm>
+        <a:off x="5061587" y="2898233"/>
+        <a:ext cx="1088431" cy="725621"/>
+      </dsp:txXfrm>
+    </dsp:sp>
   </dsp:spTree>
 </dsp:drawing>
 </file>
@@ -6817,7 +8273,7 @@
                 <a:latin typeface="Comic Sans MS" panose="030F0702030302020204" pitchFamily="66" charset="0"/>
                 <a:cs typeface="Consolas" panose="020B0609020204030204" pitchFamily="49" charset="0"/>
               </a:rPr>
-              <a:t>When macro is used, Scala code is ran</a:t>
+              <a:t>You have the FULL POWER of Scala within the macros</a:t>
             </a:r>
           </a:p>
           <a:p>
@@ -6830,14 +8286,7 @@
                 <a:latin typeface="Comic Sans MS" panose="030F0702030302020204" pitchFamily="66" charset="0"/>
                 <a:cs typeface="Consolas" panose="020B0609020204030204" pitchFamily="49" charset="0"/>
               </a:rPr>
-              <a:t>TODO a </a:t>
-            </a:r>
-            <a:r>
-              <a:rPr lang="en-US" smtClean="0">
-                <a:latin typeface="Comic Sans MS" panose="030F0702030302020204" pitchFamily="66" charset="0"/>
-                <a:cs typeface="Consolas" panose="020B0609020204030204" pitchFamily="49" charset="0"/>
-              </a:rPr>
-              <a:t>good picture</a:t>
+              <a:t>Got any crazy ideas yet?</a:t>
             </a:r>
             <a:endParaRPr lang="en-GB" dirty="0">
               <a:latin typeface="Comic Sans MS" panose="030F0702030302020204" pitchFamily="66" charset="0"/>
@@ -6846,66 +8295,81 @@
           </a:p>
         </p:txBody>
       </p:sp>
-      <p:pic>
-        <p:nvPicPr>
-          <p:cNvPr id="2" name="Picture 1"/>
-          <p:cNvPicPr>
-            <a:picLocks noChangeAspect="1"/>
-          </p:cNvPicPr>
+      <p:grpSp>
+        <p:nvGrpSpPr>
+          <p:cNvPr id="5" name="Group 4"/>
+          <p:cNvGrpSpPr/>
           <p:nvPr/>
-        </p:nvPicPr>
-        <p:blipFill>
-          <a:blip r:embed="rId2">
-            <a:extLst>
-              <a:ext uri="{28A0092B-C50C-407E-A947-70E740481C1C}">
-                <a14:useLocalDpi xmlns:a14="http://schemas.microsoft.com/office/drawing/2010/main" val="0"/>
-              </a:ext>
-            </a:extLst>
-          </a:blip>
-          <a:stretch>
-            <a:fillRect/>
-          </a:stretch>
-        </p:blipFill>
-        <p:spPr>
+        </p:nvGrpSpPr>
+        <p:grpSpPr>
           <a:xfrm>
-            <a:off x="1582616" y="2278856"/>
-            <a:ext cx="4900756" cy="4579144"/>
+            <a:off x="457200" y="2278856"/>
+            <a:ext cx="6026172" cy="4579144"/>
+            <a:chOff x="457200" y="2278856"/>
+            <a:chExt cx="6026172" cy="4579144"/>
           </a:xfrm>
-          <a:prstGeom prst="rect">
-            <a:avLst/>
-          </a:prstGeom>
-        </p:spPr>
-      </p:pic>
-      <p:pic>
-        <p:nvPicPr>
-          <p:cNvPr id="3" name="Picture 2"/>
-          <p:cNvPicPr>
-            <a:picLocks noChangeAspect="1"/>
-          </p:cNvPicPr>
-          <p:nvPr/>
-        </p:nvPicPr>
-        <p:blipFill>
-          <a:blip r:embed="rId3">
-            <a:extLst>
-              <a:ext uri="{28A0092B-C50C-407E-A947-70E740481C1C}">
-                <a14:useLocalDpi xmlns:a14="http://schemas.microsoft.com/office/drawing/2010/main" val="0"/>
-              </a:ext>
-            </a:extLst>
-          </a:blip>
-          <a:stretch>
-            <a:fillRect/>
-          </a:stretch>
-        </p:blipFill>
-        <p:spPr>
-          <a:xfrm>
-            <a:off x="457200" y="4081541"/>
-            <a:ext cx="1767620" cy="1920674"/>
-          </a:xfrm>
-          <a:prstGeom prst="rect">
-            <a:avLst/>
-          </a:prstGeom>
-        </p:spPr>
-      </p:pic>
+        </p:grpSpPr>
+        <p:pic>
+          <p:nvPicPr>
+            <p:cNvPr id="2" name="Picture 1"/>
+            <p:cNvPicPr>
+              <a:picLocks noChangeAspect="1"/>
+            </p:cNvPicPr>
+            <p:nvPr/>
+          </p:nvPicPr>
+          <p:blipFill>
+            <a:blip r:embed="rId2">
+              <a:extLst>
+                <a:ext uri="{28A0092B-C50C-407E-A947-70E740481C1C}">
+                  <a14:useLocalDpi xmlns:a14="http://schemas.microsoft.com/office/drawing/2010/main" val="0"/>
+                </a:ext>
+              </a:extLst>
+            </a:blip>
+            <a:stretch>
+              <a:fillRect/>
+            </a:stretch>
+          </p:blipFill>
+          <p:spPr>
+            <a:xfrm>
+              <a:off x="1582616" y="2278856"/>
+              <a:ext cx="4900756" cy="4579144"/>
+            </a:xfrm>
+            <a:prstGeom prst="rect">
+              <a:avLst/>
+            </a:prstGeom>
+          </p:spPr>
+        </p:pic>
+        <p:pic>
+          <p:nvPicPr>
+            <p:cNvPr id="3" name="Picture 2"/>
+            <p:cNvPicPr>
+              <a:picLocks noChangeAspect="1"/>
+            </p:cNvPicPr>
+            <p:nvPr/>
+          </p:nvPicPr>
+          <p:blipFill>
+            <a:blip r:embed="rId3">
+              <a:extLst>
+                <a:ext uri="{28A0092B-C50C-407E-A947-70E740481C1C}">
+                  <a14:useLocalDpi xmlns:a14="http://schemas.microsoft.com/office/drawing/2010/main" val="0"/>
+                </a:ext>
+              </a:extLst>
+            </a:blip>
+            <a:stretch>
+              <a:fillRect/>
+            </a:stretch>
+          </p:blipFill>
+          <p:spPr>
+            <a:xfrm>
+              <a:off x="457200" y="4081541"/>
+              <a:ext cx="1767620" cy="1920674"/>
+            </a:xfrm>
+            <a:prstGeom prst="rect">
+              <a:avLst/>
+            </a:prstGeom>
+          </p:spPr>
+        </p:pic>
+      </p:grpSp>
     </p:spTree>
     <p:extLst>
       <p:ext uri="{BB962C8B-B14F-4D97-AF65-F5344CB8AC3E}">
@@ -6919,9 +8383,332 @@
   <p:timing>
     <p:tnLst>
       <p:par>
-        <p:cTn id="1" dur="indefinite" restart="never" nodeType="tmRoot"/>
+        <p:cTn id="1" dur="indefinite" restart="never" nodeType="tmRoot">
+          <p:childTnLst>
+            <p:seq concurrent="1" nextAc="seek">
+              <p:cTn id="2" dur="indefinite" nodeType="mainSeq">
+                <p:childTnLst>
+                  <p:par>
+                    <p:cTn id="3" fill="hold">
+                      <p:stCondLst>
+                        <p:cond delay="indefinite"/>
+                      </p:stCondLst>
+                      <p:childTnLst>
+                        <p:par>
+                          <p:cTn id="4" fill="hold">
+                            <p:stCondLst>
+                              <p:cond delay="0"/>
+                            </p:stCondLst>
+                            <p:childTnLst>
+                              <p:par>
+                                <p:cTn id="5" presetID="2" presetClass="entr" presetSubtype="4" fill="hold" grpId="0" nodeType="clickEffect">
+                                  <p:stCondLst>
+                                    <p:cond delay="0"/>
+                                  </p:stCondLst>
+                                  <p:childTnLst>
+                                    <p:set>
+                                      <p:cBhvr>
+                                        <p:cTn id="6" dur="1" fill="hold">
+                                          <p:stCondLst>
+                                            <p:cond delay="0"/>
+                                          </p:stCondLst>
+                                        </p:cTn>
+                                        <p:tgtEl>
+                                          <p:spTgt spid="4">
+                                            <p:txEl>
+                                              <p:pRg st="0" end="0"/>
+                                            </p:txEl>
+                                          </p:spTgt>
+                                        </p:tgtEl>
+                                        <p:attrNameLst>
+                                          <p:attrName>style.visibility</p:attrName>
+                                        </p:attrNameLst>
+                                      </p:cBhvr>
+                                      <p:to>
+                                        <p:strVal val="visible"/>
+                                      </p:to>
+                                    </p:set>
+                                    <p:anim calcmode="lin" valueType="num">
+                                      <p:cBhvr additive="base">
+                                        <p:cTn id="7" dur="500" fill="hold"/>
+                                        <p:tgtEl>
+                                          <p:spTgt spid="4">
+                                            <p:txEl>
+                                              <p:pRg st="0" end="0"/>
+                                            </p:txEl>
+                                          </p:spTgt>
+                                        </p:tgtEl>
+                                        <p:attrNameLst>
+                                          <p:attrName>ppt_x</p:attrName>
+                                        </p:attrNameLst>
+                                      </p:cBhvr>
+                                      <p:tavLst>
+                                        <p:tav tm="0">
+                                          <p:val>
+                                            <p:strVal val="#ppt_x"/>
+                                          </p:val>
+                                        </p:tav>
+                                        <p:tav tm="100000">
+                                          <p:val>
+                                            <p:strVal val="#ppt_x"/>
+                                          </p:val>
+                                        </p:tav>
+                                      </p:tavLst>
+                                    </p:anim>
+                                    <p:anim calcmode="lin" valueType="num">
+                                      <p:cBhvr additive="base">
+                                        <p:cTn id="8" dur="500" fill="hold"/>
+                                        <p:tgtEl>
+                                          <p:spTgt spid="4">
+                                            <p:txEl>
+                                              <p:pRg st="0" end="0"/>
+                                            </p:txEl>
+                                          </p:spTgt>
+                                        </p:tgtEl>
+                                        <p:attrNameLst>
+                                          <p:attrName>ppt_y</p:attrName>
+                                        </p:attrNameLst>
+                                      </p:cBhvr>
+                                      <p:tavLst>
+                                        <p:tav tm="0">
+                                          <p:val>
+                                            <p:strVal val="1+#ppt_h/2"/>
+                                          </p:val>
+                                        </p:tav>
+                                        <p:tav tm="100000">
+                                          <p:val>
+                                            <p:strVal val="#ppt_y"/>
+                                          </p:val>
+                                        </p:tav>
+                                      </p:tavLst>
+                                    </p:anim>
+                                  </p:childTnLst>
+                                </p:cTn>
+                              </p:par>
+                            </p:childTnLst>
+                          </p:cTn>
+                        </p:par>
+                      </p:childTnLst>
+                    </p:cTn>
+                  </p:par>
+                  <p:par>
+                    <p:cTn id="9" fill="hold">
+                      <p:stCondLst>
+                        <p:cond delay="indefinite"/>
+                      </p:stCondLst>
+                      <p:childTnLst>
+                        <p:par>
+                          <p:cTn id="10" fill="hold">
+                            <p:stCondLst>
+                              <p:cond delay="0"/>
+                            </p:stCondLst>
+                            <p:childTnLst>
+                              <p:par>
+                                <p:cTn id="11" presetID="2" presetClass="entr" presetSubtype="4" fill="hold" grpId="0" nodeType="clickEffect">
+                                  <p:stCondLst>
+                                    <p:cond delay="0"/>
+                                  </p:stCondLst>
+                                  <p:childTnLst>
+                                    <p:set>
+                                      <p:cBhvr>
+                                        <p:cTn id="12" dur="1" fill="hold">
+                                          <p:stCondLst>
+                                            <p:cond delay="0"/>
+                                          </p:stCondLst>
+                                        </p:cTn>
+                                        <p:tgtEl>
+                                          <p:spTgt spid="4">
+                                            <p:txEl>
+                                              <p:pRg st="1" end="1"/>
+                                            </p:txEl>
+                                          </p:spTgt>
+                                        </p:tgtEl>
+                                        <p:attrNameLst>
+                                          <p:attrName>style.visibility</p:attrName>
+                                        </p:attrNameLst>
+                                      </p:cBhvr>
+                                      <p:to>
+                                        <p:strVal val="visible"/>
+                                      </p:to>
+                                    </p:set>
+                                    <p:anim calcmode="lin" valueType="num">
+                                      <p:cBhvr additive="base">
+                                        <p:cTn id="13" dur="500" fill="hold"/>
+                                        <p:tgtEl>
+                                          <p:spTgt spid="4">
+                                            <p:txEl>
+                                              <p:pRg st="1" end="1"/>
+                                            </p:txEl>
+                                          </p:spTgt>
+                                        </p:tgtEl>
+                                        <p:attrNameLst>
+                                          <p:attrName>ppt_x</p:attrName>
+                                        </p:attrNameLst>
+                                      </p:cBhvr>
+                                      <p:tavLst>
+                                        <p:tav tm="0">
+                                          <p:val>
+                                            <p:strVal val="#ppt_x"/>
+                                          </p:val>
+                                        </p:tav>
+                                        <p:tav tm="100000">
+                                          <p:val>
+                                            <p:strVal val="#ppt_x"/>
+                                          </p:val>
+                                        </p:tav>
+                                      </p:tavLst>
+                                    </p:anim>
+                                    <p:anim calcmode="lin" valueType="num">
+                                      <p:cBhvr additive="base">
+                                        <p:cTn id="14" dur="500" fill="hold"/>
+                                        <p:tgtEl>
+                                          <p:spTgt spid="4">
+                                            <p:txEl>
+                                              <p:pRg st="1" end="1"/>
+                                            </p:txEl>
+                                          </p:spTgt>
+                                        </p:tgtEl>
+                                        <p:attrNameLst>
+                                          <p:attrName>ppt_y</p:attrName>
+                                        </p:attrNameLst>
+                                      </p:cBhvr>
+                                      <p:tavLst>
+                                        <p:tav tm="0">
+                                          <p:val>
+                                            <p:strVal val="1+#ppt_h/2"/>
+                                          </p:val>
+                                        </p:tav>
+                                        <p:tav tm="100000">
+                                          <p:val>
+                                            <p:strVal val="#ppt_y"/>
+                                          </p:val>
+                                        </p:tav>
+                                      </p:tavLst>
+                                    </p:anim>
+                                  </p:childTnLst>
+                                </p:cTn>
+                              </p:par>
+                            </p:childTnLst>
+                          </p:cTn>
+                        </p:par>
+                      </p:childTnLst>
+                    </p:cTn>
+                  </p:par>
+                  <p:par>
+                    <p:cTn id="15" fill="hold">
+                      <p:stCondLst>
+                        <p:cond delay="indefinite"/>
+                      </p:stCondLst>
+                      <p:childTnLst>
+                        <p:par>
+                          <p:cTn id="16" fill="hold">
+                            <p:stCondLst>
+                              <p:cond delay="0"/>
+                            </p:stCondLst>
+                            <p:childTnLst>
+                              <p:par>
+                                <p:cTn id="17" presetID="2" presetClass="entr" presetSubtype="4" fill="hold" nodeType="clickEffect">
+                                  <p:stCondLst>
+                                    <p:cond delay="0"/>
+                                  </p:stCondLst>
+                                  <p:childTnLst>
+                                    <p:set>
+                                      <p:cBhvr>
+                                        <p:cTn id="18" dur="1" fill="hold">
+                                          <p:stCondLst>
+                                            <p:cond delay="0"/>
+                                          </p:stCondLst>
+                                        </p:cTn>
+                                        <p:tgtEl>
+                                          <p:spTgt spid="5"/>
+                                        </p:tgtEl>
+                                        <p:attrNameLst>
+                                          <p:attrName>style.visibility</p:attrName>
+                                        </p:attrNameLst>
+                                      </p:cBhvr>
+                                      <p:to>
+                                        <p:strVal val="visible"/>
+                                      </p:to>
+                                    </p:set>
+                                    <p:anim calcmode="lin" valueType="num">
+                                      <p:cBhvr additive="base">
+                                        <p:cTn id="19" dur="500" fill="hold"/>
+                                        <p:tgtEl>
+                                          <p:spTgt spid="5"/>
+                                        </p:tgtEl>
+                                        <p:attrNameLst>
+                                          <p:attrName>ppt_x</p:attrName>
+                                        </p:attrNameLst>
+                                      </p:cBhvr>
+                                      <p:tavLst>
+                                        <p:tav tm="0">
+                                          <p:val>
+                                            <p:strVal val="#ppt_x"/>
+                                          </p:val>
+                                        </p:tav>
+                                        <p:tav tm="100000">
+                                          <p:val>
+                                            <p:strVal val="#ppt_x"/>
+                                          </p:val>
+                                        </p:tav>
+                                      </p:tavLst>
+                                    </p:anim>
+                                    <p:anim calcmode="lin" valueType="num">
+                                      <p:cBhvr additive="base">
+                                        <p:cTn id="20" dur="500" fill="hold"/>
+                                        <p:tgtEl>
+                                          <p:spTgt spid="5"/>
+                                        </p:tgtEl>
+                                        <p:attrNameLst>
+                                          <p:attrName>ppt_y</p:attrName>
+                                        </p:attrNameLst>
+                                      </p:cBhvr>
+                                      <p:tavLst>
+                                        <p:tav tm="0">
+                                          <p:val>
+                                            <p:strVal val="1+#ppt_h/2"/>
+                                          </p:val>
+                                        </p:tav>
+                                        <p:tav tm="100000">
+                                          <p:val>
+                                            <p:strVal val="#ppt_y"/>
+                                          </p:val>
+                                        </p:tav>
+                                      </p:tavLst>
+                                    </p:anim>
+                                  </p:childTnLst>
+                                </p:cTn>
+                              </p:par>
+                            </p:childTnLst>
+                          </p:cTn>
+                        </p:par>
+                      </p:childTnLst>
+                    </p:cTn>
+                  </p:par>
+                </p:childTnLst>
+              </p:cTn>
+              <p:prevCondLst>
+                <p:cond evt="onPrev" delay="0">
+                  <p:tgtEl>
+                    <p:sldTgt/>
+                  </p:tgtEl>
+                </p:cond>
+              </p:prevCondLst>
+              <p:nextCondLst>
+                <p:cond evt="onNext" delay="0">
+                  <p:tgtEl>
+                    <p:sldTgt/>
+                  </p:tgtEl>
+                </p:cond>
+              </p:nextCondLst>
+            </p:seq>
+          </p:childTnLst>
+        </p:cTn>
       </p:par>
     </p:tnLst>
+    <p:bldLst>
+      <p:bldP spid="4" grpId="0" uiExpand="1" build="p"/>
+    </p:bldLst>
   </p:timing>
 </p:sld>
 </file>
@@ -6990,7 +8777,7 @@
         <p:spPr>
           <a:xfrm>
             <a:off x="563672" y="1691014"/>
-            <a:ext cx="7818328" cy="3170099"/>
+            <a:ext cx="7818328" cy="4401205"/>
           </a:xfrm>
           <a:prstGeom prst="rect">
             <a:avLst/>
@@ -7014,6 +8801,10 @@
               </a:rPr>
               <a:t>Reflection</a:t>
             </a:r>
+            <a:endParaRPr lang="en-US" sz="4000" dirty="0" smtClean="0">
+              <a:latin typeface="Comic Sans MS" panose="030F0702030302020204" pitchFamily="66" charset="0"/>
+              <a:cs typeface="Consolas" panose="020B0609020204030204" pitchFamily="49" charset="0"/>
+            </a:endParaRPr>
           </a:p>
           <a:p>
             <a:pPr marL="285750" indent="-285750">
@@ -7039,6 +8830,36 @@
                 <a:cs typeface="Consolas" panose="020B0609020204030204" pitchFamily="49" charset="0"/>
               </a:rPr>
               <a:t>Fork the Scala compiler</a:t>
+            </a:r>
+          </a:p>
+          <a:p>
+            <a:pPr marL="285750" indent="-285750">
+              <a:buFont typeface="Arial" panose="020B0604020202020204" pitchFamily="34" charset="0"/>
+              <a:buChar char="•"/>
+            </a:pPr>
+            <a:endParaRPr lang="en-US" sz="4000" dirty="0" smtClean="0">
+              <a:latin typeface="Comic Sans MS" panose="030F0702030302020204" pitchFamily="66" charset="0"/>
+              <a:cs typeface="Consolas" panose="020B0609020204030204" pitchFamily="49" charset="0"/>
+            </a:endParaRPr>
+          </a:p>
+          <a:p>
+            <a:pPr marL="285750" indent="-285750">
+              <a:buFont typeface="Arial" panose="020B0604020202020204" pitchFamily="34" charset="0"/>
+              <a:buChar char="•"/>
+            </a:pPr>
+            <a:r>
+              <a:rPr lang="en-US" sz="4000" dirty="0" err="1">
+                <a:latin typeface="Comic Sans MS" panose="030F0702030302020204" pitchFamily="66" charset="0"/>
+                <a:cs typeface="Consolas" panose="020B0609020204030204" pitchFamily="49" charset="0"/>
+              </a:rPr>
+              <a:t>Scala.meta</a:t>
+            </a:r>
+            <a:r>
+              <a:rPr lang="en-US" sz="4000" dirty="0">
+                <a:latin typeface="Comic Sans MS" panose="030F0702030302020204" pitchFamily="66" charset="0"/>
+                <a:cs typeface="Consolas" panose="020B0609020204030204" pitchFamily="49" charset="0"/>
+              </a:rPr>
+              <a:t> (currently in beta)</a:t>
             </a:r>
           </a:p>
           <a:p>
@@ -8183,8 +10004,27 @@
                 <a:latin typeface="Comic Sans MS" panose="030F0702030302020204" pitchFamily="66" charset="0"/>
                 <a:cs typeface="Consolas" panose="020B0609020204030204" pitchFamily="49" charset="0"/>
               </a:rPr>
-              <a:t>You can run arbitrary Scala code in the macro</a:t>
-            </a:r>
+              <a:t>You can run arbitrary Scala code in the </a:t>
+            </a:r>
+            <a:r>
+              <a:rPr lang="en-US" dirty="0" smtClean="0">
+                <a:latin typeface="Comic Sans MS" panose="030F0702030302020204" pitchFamily="66" charset="0"/>
+                <a:cs typeface="Consolas" panose="020B0609020204030204" pitchFamily="49" charset="0"/>
+              </a:rPr>
+              <a:t>macro </a:t>
+            </a:r>
+            <a:r>
+              <a:rPr lang="en-US" dirty="0" smtClean="0">
+                <a:latin typeface="Comic Sans MS" panose="030F0702030302020204" pitchFamily="66" charset="0"/>
+                <a:cs typeface="Consolas" panose="020B0609020204030204" pitchFamily="49" charset="0"/>
+                <a:sym typeface="Wingdings" panose="05000000000000000000" pitchFamily="2" charset="2"/>
+              </a:rPr>
+              <a:t></a:t>
+            </a:r>
+            <a:endParaRPr lang="en-US" dirty="0" smtClean="0">
+              <a:latin typeface="Comic Sans MS" panose="030F0702030302020204" pitchFamily="66" charset="0"/>
+              <a:cs typeface="Consolas" panose="020B0609020204030204" pitchFamily="49" charset="0"/>
+            </a:endParaRPr>
           </a:p>
           <a:p>
             <a:pPr marL="285750" indent="-285750">
@@ -11188,6 +13028,20 @@
               <a:buFont typeface="Arial" panose="020B0604020202020204" pitchFamily="34" charset="0"/>
               <a:buChar char="•"/>
             </a:pPr>
+            <a:r>
+              <a:rPr lang="en-US" b="1" dirty="0" smtClean="0">
+                <a:latin typeface="Comic Sans MS" panose="030F0702030302020204" pitchFamily="66" charset="0"/>
+                <a:cs typeface="Consolas" panose="020B0609020204030204" pitchFamily="49" charset="0"/>
+              </a:rPr>
+              <a:t>Sometimes</a:t>
+            </a:r>
+            <a:r>
+              <a:rPr lang="en-US" dirty="0" smtClean="0">
+                <a:latin typeface="Comic Sans MS" panose="030F0702030302020204" pitchFamily="66" charset="0"/>
+                <a:cs typeface="Consolas" panose="020B0609020204030204" pitchFamily="49" charset="0"/>
+              </a:rPr>
+              <a:t> you still need to use the raw AST</a:t>
+            </a:r>
             <a:endParaRPr lang="en-US" dirty="0" smtClean="0">
               <a:latin typeface="Comic Sans MS" panose="030F0702030302020204" pitchFamily="66" charset="0"/>
               <a:cs typeface="Consolas" panose="020B0609020204030204" pitchFamily="49" charset="0"/>
@@ -12075,7 +13929,7 @@
         <p:spPr>
           <a:xfrm>
             <a:off x="563672" y="1691014"/>
-            <a:ext cx="7818328" cy="369332"/>
+            <a:ext cx="7818328" cy="5078313"/>
           </a:xfrm>
           <a:prstGeom prst="rect">
             <a:avLst/>
@@ -12093,12 +13947,334 @@
               <a:buChar char="•"/>
             </a:pPr>
             <a:r>
-              <a:rPr lang="lv-LV" dirty="0" smtClean="0">
-                <a:latin typeface="Comic Sans MS" panose="030F0702030302020204" pitchFamily="66" charset="0"/>
-                <a:cs typeface="Consolas" panose="020B0609020204030204" pitchFamily="49" charset="0"/>
-              </a:rPr>
-              <a:t>TODO</a:t>
-            </a:r>
+              <a:rPr lang="en-US" dirty="0" smtClean="0">
+                <a:latin typeface="Comic Sans MS" panose="030F0702030302020204" pitchFamily="66" charset="0"/>
+                <a:cs typeface="Consolas" panose="020B0609020204030204" pitchFamily="49" charset="0"/>
+              </a:rPr>
+              <a:t>More powerful e</a:t>
+            </a:r>
+            <a:r>
+              <a:rPr lang="en-US" dirty="0" smtClean="0">
+                <a:latin typeface="Comic Sans MS" panose="030F0702030302020204" pitchFamily="66" charset="0"/>
+                <a:cs typeface="Consolas" panose="020B0609020204030204" pitchFamily="49" charset="0"/>
+              </a:rPr>
+              <a:t>xperimental macros</a:t>
+            </a:r>
+          </a:p>
+          <a:p>
+            <a:pPr marL="285750" indent="-285750">
+              <a:buFont typeface="Arial" panose="020B0604020202020204" pitchFamily="34" charset="0"/>
+              <a:buChar char="•"/>
+            </a:pPr>
+            <a:r>
+              <a:rPr lang="en-US" dirty="0" smtClean="0">
+                <a:latin typeface="Comic Sans MS" panose="030F0702030302020204" pitchFamily="66" charset="0"/>
+                <a:cs typeface="Consolas" panose="020B0609020204030204" pitchFamily="49" charset="0"/>
+              </a:rPr>
+              <a:t>Enable by adding the compiler plugin</a:t>
+            </a:r>
+          </a:p>
+          <a:p>
+            <a:r>
+              <a:rPr lang="en-GB" dirty="0" smtClean="0">
+                <a:latin typeface="Comic Sans MS" panose="030F0702030302020204" pitchFamily="66" charset="0"/>
+                <a:cs typeface="Consolas" panose="020B0609020204030204" pitchFamily="49" charset="0"/>
+              </a:rPr>
+              <a:t>		</a:t>
+            </a:r>
+            <a:r>
+              <a:rPr lang="en-GB" dirty="0" err="1" smtClean="0">
+                <a:latin typeface="Comic Sans MS" panose="030F0702030302020204" pitchFamily="66" charset="0"/>
+                <a:cs typeface="Consolas" panose="020B0609020204030204" pitchFamily="49" charset="0"/>
+              </a:rPr>
+              <a:t>addCompilerPlugin</a:t>
+            </a:r>
+            <a:r>
+              <a:rPr lang="en-GB" dirty="0">
+                <a:latin typeface="Comic Sans MS" panose="030F0702030302020204" pitchFamily="66" charset="0"/>
+                <a:cs typeface="Consolas" panose="020B0609020204030204" pitchFamily="49" charset="0"/>
+              </a:rPr>
+              <a:t>("</a:t>
+            </a:r>
+            <a:r>
+              <a:rPr lang="en-GB" dirty="0" err="1">
+                <a:latin typeface="Comic Sans MS" panose="030F0702030302020204" pitchFamily="66" charset="0"/>
+                <a:cs typeface="Consolas" panose="020B0609020204030204" pitchFamily="49" charset="0"/>
+              </a:rPr>
+              <a:t>org.scalamacros</a:t>
+            </a:r>
+            <a:r>
+              <a:rPr lang="en-GB" dirty="0">
+                <a:latin typeface="Comic Sans MS" panose="030F0702030302020204" pitchFamily="66" charset="0"/>
+                <a:cs typeface="Consolas" panose="020B0609020204030204" pitchFamily="49" charset="0"/>
+              </a:rPr>
+              <a:t>" % "paradise" % "2.1.0" cross </a:t>
+            </a:r>
+            <a:r>
+              <a:rPr lang="en-GB" dirty="0" err="1">
+                <a:latin typeface="Comic Sans MS" panose="030F0702030302020204" pitchFamily="66" charset="0"/>
+                <a:cs typeface="Consolas" panose="020B0609020204030204" pitchFamily="49" charset="0"/>
+              </a:rPr>
+              <a:t>CrossVersion.full</a:t>
+            </a:r>
+            <a:r>
+              <a:rPr lang="en-GB" dirty="0" smtClean="0">
+                <a:latin typeface="Comic Sans MS" panose="030F0702030302020204" pitchFamily="66" charset="0"/>
+                <a:cs typeface="Consolas" panose="020B0609020204030204" pitchFamily="49" charset="0"/>
+              </a:rPr>
+              <a:t>)</a:t>
+            </a:r>
+          </a:p>
+          <a:p>
+            <a:pPr marL="285750" indent="-285750">
+              <a:buFont typeface="Arial" panose="020B0604020202020204" pitchFamily="34" charset="0"/>
+              <a:buChar char="•"/>
+            </a:pPr>
+            <a:r>
+              <a:rPr lang="en-GB" dirty="0">
+                <a:latin typeface="Comic Sans MS" panose="030F0702030302020204" pitchFamily="66" charset="0"/>
+                <a:cs typeface="Consolas" panose="020B0609020204030204" pitchFamily="49" charset="0"/>
+              </a:rPr>
+              <a:t>See: </a:t>
+            </a:r>
+            <a:r>
+              <a:rPr lang="en-GB" dirty="0">
+                <a:latin typeface="Comic Sans MS" panose="030F0702030302020204" pitchFamily="66" charset="0"/>
+                <a:cs typeface="Consolas" panose="020B0609020204030204" pitchFamily="49" charset="0"/>
+                <a:hlinkClick r:id="rId2"/>
+              </a:rPr>
+              <a:t>https://</a:t>
+            </a:r>
+            <a:r>
+              <a:rPr lang="en-GB" dirty="0" smtClean="0">
+                <a:latin typeface="Comic Sans MS" panose="030F0702030302020204" pitchFamily="66" charset="0"/>
+                <a:cs typeface="Consolas" panose="020B0609020204030204" pitchFamily="49" charset="0"/>
+                <a:hlinkClick r:id="rId2"/>
+              </a:rPr>
+              <a:t>github.com/scalamacros/sbt-example-paradise</a:t>
+            </a:r>
+            <a:endParaRPr lang="en-GB" dirty="0" smtClean="0">
+              <a:latin typeface="Comic Sans MS" panose="030F0702030302020204" pitchFamily="66" charset="0"/>
+              <a:cs typeface="Consolas" panose="020B0609020204030204" pitchFamily="49" charset="0"/>
+            </a:endParaRPr>
+          </a:p>
+          <a:p>
+            <a:pPr marL="285750" indent="-285750">
+              <a:buFont typeface="Arial" panose="020B0604020202020204" pitchFamily="34" charset="0"/>
+              <a:buChar char="•"/>
+            </a:pPr>
+            <a:endParaRPr lang="en-GB" dirty="0">
+              <a:latin typeface="Comic Sans MS" panose="030F0702030302020204" pitchFamily="66" charset="0"/>
+              <a:cs typeface="Consolas" panose="020B0609020204030204" pitchFamily="49" charset="0"/>
+            </a:endParaRPr>
+          </a:p>
+          <a:p>
+            <a:pPr marL="285750" indent="-285750">
+              <a:buFont typeface="Arial" panose="020B0604020202020204" pitchFamily="34" charset="0"/>
+              <a:buChar char="•"/>
+            </a:pPr>
+            <a:r>
+              <a:rPr lang="en-GB" dirty="0" smtClean="0">
+                <a:latin typeface="Comic Sans MS" panose="030F0702030302020204" pitchFamily="66" charset="0"/>
+                <a:cs typeface="Consolas" panose="020B0609020204030204" pitchFamily="49" charset="0"/>
+              </a:rPr>
+              <a:t>Macro annotations</a:t>
+            </a:r>
+          </a:p>
+          <a:p>
+            <a:pPr marL="742950" lvl="1" indent="-285750">
+              <a:buFont typeface="Arial" panose="020B0604020202020204" pitchFamily="34" charset="0"/>
+              <a:buChar char="•"/>
+            </a:pPr>
+            <a:r>
+              <a:rPr lang="en-GB" dirty="0" smtClean="0">
+                <a:latin typeface="Comic Sans MS" panose="030F0702030302020204" pitchFamily="66" charset="0"/>
+                <a:cs typeface="Consolas" panose="020B0609020204030204" pitchFamily="49" charset="0"/>
+              </a:rPr>
+              <a:t>A </a:t>
+            </a:r>
+            <a:r>
+              <a:rPr lang="en-GB" dirty="0" err="1" smtClean="0">
+                <a:latin typeface="Comic Sans MS" panose="030F0702030302020204" pitchFamily="66" charset="0"/>
+                <a:cs typeface="Consolas" panose="020B0609020204030204" pitchFamily="49" charset="0"/>
+              </a:rPr>
+              <a:t>whitebox</a:t>
+            </a:r>
+            <a:r>
+              <a:rPr lang="en-GB" dirty="0" smtClean="0">
+                <a:latin typeface="Comic Sans MS" panose="030F0702030302020204" pitchFamily="66" charset="0"/>
+                <a:cs typeface="Consolas" panose="020B0609020204030204" pitchFamily="49" charset="0"/>
+              </a:rPr>
+              <a:t> macro</a:t>
+            </a:r>
+          </a:p>
+          <a:p>
+            <a:pPr marL="742950" lvl="1" indent="-285750">
+              <a:buFont typeface="Arial" panose="020B0604020202020204" pitchFamily="34" charset="0"/>
+              <a:buChar char="•"/>
+            </a:pPr>
+            <a:r>
+              <a:rPr lang="en-GB" dirty="0" smtClean="0">
+                <a:latin typeface="Comic Sans MS" panose="030F0702030302020204" pitchFamily="66" charset="0"/>
+                <a:cs typeface="Consolas" panose="020B0609020204030204" pitchFamily="49" charset="0"/>
+              </a:rPr>
+              <a:t>Can rewrite class structures</a:t>
+            </a:r>
+          </a:p>
+          <a:p>
+            <a:pPr marL="742950" lvl="1" indent="-285750">
+              <a:buFont typeface="Arial" panose="020B0604020202020204" pitchFamily="34" charset="0"/>
+              <a:buChar char="•"/>
+            </a:pPr>
+            <a:r>
+              <a:rPr lang="en-GB" b="1" dirty="0" smtClean="0">
+                <a:latin typeface="Comic Sans MS" panose="030F0702030302020204" pitchFamily="66" charset="0"/>
+                <a:cs typeface="Consolas" panose="020B0609020204030204" pitchFamily="49" charset="0"/>
+              </a:rPr>
+              <a:t>not type safe at all</a:t>
+            </a:r>
+          </a:p>
+          <a:p>
+            <a:pPr marL="742950" lvl="1" indent="-285750">
+              <a:buFont typeface="Arial" panose="020B0604020202020204" pitchFamily="34" charset="0"/>
+              <a:buChar char="•"/>
+            </a:pPr>
+            <a:r>
+              <a:rPr lang="en-GB" dirty="0" smtClean="0">
+                <a:latin typeface="Comic Sans MS" panose="030F0702030302020204" pitchFamily="66" charset="0"/>
+                <a:cs typeface="Consolas" panose="020B0609020204030204" pitchFamily="49" charset="0"/>
+              </a:rPr>
+              <a:t>See: </a:t>
+            </a:r>
+            <a:r>
+              <a:rPr lang="en-GB" dirty="0" smtClean="0">
+                <a:latin typeface="Comic Sans MS" panose="030F0702030302020204" pitchFamily="66" charset="0"/>
+                <a:cs typeface="Consolas" panose="020B0609020204030204" pitchFamily="49" charset="0"/>
+                <a:hlinkClick r:id="rId3"/>
+              </a:rPr>
+              <a:t>http</a:t>
+            </a:r>
+            <a:r>
+              <a:rPr lang="en-GB" dirty="0">
+                <a:latin typeface="Comic Sans MS" panose="030F0702030302020204" pitchFamily="66" charset="0"/>
+                <a:cs typeface="Consolas" panose="020B0609020204030204" pitchFamily="49" charset="0"/>
+                <a:hlinkClick r:id="rId3"/>
+              </a:rPr>
+              <a:t>://</a:t>
+            </a:r>
+            <a:r>
+              <a:rPr lang="en-GB" dirty="0" smtClean="0">
+                <a:latin typeface="Comic Sans MS" panose="030F0702030302020204" pitchFamily="66" charset="0"/>
+                <a:cs typeface="Consolas" panose="020B0609020204030204" pitchFamily="49" charset="0"/>
+                <a:hlinkClick r:id="rId3"/>
+              </a:rPr>
+              <a:t>docs.scala-lang.org/overviews/macros/annotations</a:t>
+            </a:r>
+            <a:r>
+              <a:rPr lang="en-GB" dirty="0" smtClean="0">
+                <a:latin typeface="Comic Sans MS" panose="030F0702030302020204" pitchFamily="66" charset="0"/>
+                <a:cs typeface="Consolas" panose="020B0609020204030204" pitchFamily="49" charset="0"/>
+              </a:rPr>
+              <a:t> </a:t>
+            </a:r>
+          </a:p>
+          <a:p>
+            <a:pPr marL="742950" lvl="1" indent="-285750">
+              <a:buFont typeface="Arial" panose="020B0604020202020204" pitchFamily="34" charset="0"/>
+              <a:buChar char="•"/>
+            </a:pPr>
+            <a:r>
+              <a:rPr lang="en-GB" dirty="0" smtClean="0">
+                <a:latin typeface="Comic Sans MS" panose="030F0702030302020204" pitchFamily="66" charset="0"/>
+                <a:cs typeface="Consolas" panose="020B0609020204030204" pitchFamily="49" charset="0"/>
+              </a:rPr>
+              <a:t>Notable use:</a:t>
+            </a:r>
+          </a:p>
+          <a:p>
+            <a:pPr marL="1200150" lvl="2" indent="-285750">
+              <a:buFont typeface="Arial" panose="020B0604020202020204" pitchFamily="34" charset="0"/>
+              <a:buChar char="•"/>
+            </a:pPr>
+            <a:r>
+              <a:rPr lang="en-GB" dirty="0" smtClean="0">
+                <a:latin typeface="Comic Sans MS" panose="030F0702030302020204" pitchFamily="66" charset="0"/>
+                <a:cs typeface="Consolas" panose="020B0609020204030204" pitchFamily="49" charset="0"/>
+              </a:rPr>
+              <a:t>Generating class fields from AVRO schema</a:t>
+            </a:r>
+          </a:p>
+          <a:p>
+            <a:pPr marL="1200150" lvl="2" indent="-285750">
+              <a:buFont typeface="Arial" panose="020B0604020202020204" pitchFamily="34" charset="0"/>
+              <a:buChar char="•"/>
+            </a:pPr>
+            <a:r>
+              <a:rPr lang="en-GB" dirty="0">
+                <a:latin typeface="Comic Sans MS" panose="030F0702030302020204" pitchFamily="66" charset="0"/>
+                <a:cs typeface="Consolas" panose="020B0609020204030204" pitchFamily="49" charset="0"/>
+                <a:hlinkClick r:id="rId4"/>
+              </a:rPr>
+              <a:t>https://</a:t>
+            </a:r>
+            <a:r>
+              <a:rPr lang="en-GB" dirty="0" smtClean="0">
+                <a:latin typeface="Comic Sans MS" panose="030F0702030302020204" pitchFamily="66" charset="0"/>
+                <a:cs typeface="Consolas" panose="020B0609020204030204" pitchFamily="49" charset="0"/>
+                <a:hlinkClick r:id="rId4"/>
+              </a:rPr>
+              <a:t>github.com/julianpeeters/avro-scala-macro-annotations</a:t>
+            </a:r>
+            <a:r>
+              <a:rPr lang="en-GB" dirty="0" smtClean="0">
+                <a:latin typeface="Comic Sans MS" panose="030F0702030302020204" pitchFamily="66" charset="0"/>
+                <a:cs typeface="Consolas" panose="020B0609020204030204" pitchFamily="49" charset="0"/>
+              </a:rPr>
+              <a:t> </a:t>
+            </a:r>
+          </a:p>
+          <a:p>
+            <a:pPr marL="1200150" lvl="2" indent="-285750">
+              <a:buFont typeface="Arial" panose="020B0604020202020204" pitchFamily="34" charset="0"/>
+              <a:buChar char="•"/>
+            </a:pPr>
+            <a:r>
+              <a:rPr lang="en-GB" dirty="0" smtClean="0">
+                <a:latin typeface="Comic Sans MS" panose="030F0702030302020204" pitchFamily="66" charset="0"/>
+                <a:cs typeface="Consolas" panose="020B0609020204030204" pitchFamily="49" charset="0"/>
+              </a:rPr>
+              <a:t>“c</a:t>
+            </a:r>
+            <a:r>
+              <a:rPr lang="en-GB" dirty="0" smtClean="0">
+                <a:latin typeface="Comic Sans MS" panose="030F0702030302020204" pitchFamily="66" charset="0"/>
+                <a:cs typeface="Consolas" panose="020B0609020204030204" pitchFamily="49" charset="0"/>
+              </a:rPr>
+              <a:t>ase class” may be rewritten to “@case class”</a:t>
+            </a:r>
+          </a:p>
+          <a:p>
+            <a:pPr marL="285750" indent="-285750">
+              <a:buFont typeface="Arial" panose="020B0604020202020204" pitchFamily="34" charset="0"/>
+              <a:buChar char="•"/>
+            </a:pPr>
+            <a:r>
+              <a:rPr lang="en-GB" dirty="0" smtClean="0">
+                <a:latin typeface="Comic Sans MS" panose="030F0702030302020204" pitchFamily="66" charset="0"/>
+                <a:cs typeface="Consolas" panose="020B0609020204030204" pitchFamily="49" charset="0"/>
+              </a:rPr>
+              <a:t>There is more</a:t>
+            </a:r>
+            <a:endParaRPr lang="en-GB" dirty="0" smtClean="0">
+              <a:latin typeface="Comic Sans MS" panose="030F0702030302020204" pitchFamily="66" charset="0"/>
+              <a:cs typeface="Consolas" panose="020B0609020204030204" pitchFamily="49" charset="0"/>
+            </a:endParaRPr>
+          </a:p>
+          <a:p>
+            <a:pPr marL="1200150" lvl="2" indent="-285750">
+              <a:buFont typeface="Arial" panose="020B0604020202020204" pitchFamily="34" charset="0"/>
+              <a:buChar char="•"/>
+            </a:pPr>
             <a:endParaRPr lang="en-GB" dirty="0">
               <a:latin typeface="Comic Sans MS" panose="030F0702030302020204" pitchFamily="66" charset="0"/>
               <a:cs typeface="Consolas" panose="020B0609020204030204" pitchFamily="49" charset="0"/>

--- a/Scala_metaprogramming.pptx
+++ b/Scala_metaprogramming.pptx
@@ -5,7 +5,7 @@
     <p:sldMasterId id="2147483648" r:id="rId1"/>
   </p:sldMasterIdLst>
   <p:notesMasterIdLst>
-    <p:notesMasterId r:id="rId18"/>
+    <p:notesMasterId r:id="rId19"/>
   </p:notesMasterIdLst>
   <p:sldIdLst>
     <p:sldId id="351" r:id="rId2"/>
@@ -21,9 +21,10 @@
     <p:sldId id="464" r:id="rId12"/>
     <p:sldId id="465" r:id="rId13"/>
     <p:sldId id="466" r:id="rId14"/>
-    <p:sldId id="468" r:id="rId15"/>
-    <p:sldId id="467" r:id="rId16"/>
-    <p:sldId id="445" r:id="rId17"/>
+    <p:sldId id="470" r:id="rId15"/>
+    <p:sldId id="468" r:id="rId16"/>
+    <p:sldId id="467" r:id="rId17"/>
+    <p:sldId id="445" r:id="rId18"/>
   </p:sldIdLst>
   <p:sldSz cx="9144000" cy="6858000" type="screen4x3"/>
   <p:notesSz cx="6858000" cy="9144000"/>
@@ -8989,7 +8990,7 @@
         <p:spPr>
           <a:xfrm>
             <a:off x="563672" y="1691014"/>
-            <a:ext cx="7818328" cy="369332"/>
+            <a:ext cx="7818328" cy="3416320"/>
           </a:xfrm>
           <a:prstGeom prst="rect">
             <a:avLst/>
@@ -9007,13 +9008,155 @@
               <a:buChar char="•"/>
             </a:pPr>
             <a:r>
-              <a:rPr lang="lv-LV" dirty="0" smtClean="0">
-                <a:latin typeface="Comic Sans MS" panose="030F0702030302020204" pitchFamily="66" charset="0"/>
-                <a:cs typeface="Consolas" panose="020B0609020204030204" pitchFamily="49" charset="0"/>
-              </a:rPr>
-              <a:t>TODO</a:t>
-            </a:r>
-            <a:endParaRPr lang="en-GB" dirty="0">
+              <a:rPr lang="en-US" sz="2400" dirty="0" smtClean="0">
+                <a:latin typeface="Comic Sans MS" panose="030F0702030302020204" pitchFamily="66" charset="0"/>
+                <a:cs typeface="Consolas" panose="020B0609020204030204" pitchFamily="49" charset="0"/>
+              </a:rPr>
+              <a:t>Enabled by</a:t>
+            </a:r>
+          </a:p>
+          <a:p>
+            <a:pPr lvl="1"/>
+            <a:r>
+              <a:rPr lang="en-US" sz="2400" dirty="0">
+                <a:latin typeface="Comic Sans MS" panose="030F0702030302020204" pitchFamily="66" charset="0"/>
+                <a:cs typeface="Consolas" panose="020B0609020204030204" pitchFamily="49" charset="0"/>
+              </a:rPr>
+              <a:t>import </a:t>
+            </a:r>
+            <a:r>
+              <a:rPr lang="en-US" sz="2400" dirty="0" err="1">
+                <a:latin typeface="Comic Sans MS" panose="030F0702030302020204" pitchFamily="66" charset="0"/>
+                <a:cs typeface="Consolas" panose="020B0609020204030204" pitchFamily="49" charset="0"/>
+              </a:rPr>
+              <a:t>scala.reflect.runtime.universe</a:t>
+            </a:r>
+            <a:r>
+              <a:rPr lang="en-US" sz="2400" dirty="0" smtClean="0">
+                <a:latin typeface="Comic Sans MS" panose="030F0702030302020204" pitchFamily="66" charset="0"/>
+                <a:cs typeface="Consolas" panose="020B0609020204030204" pitchFamily="49" charset="0"/>
+              </a:rPr>
+              <a:t>._</a:t>
+            </a:r>
+            <a:endParaRPr lang="en-US" sz="2400" dirty="0" smtClean="0">
+              <a:latin typeface="Comic Sans MS" panose="030F0702030302020204" pitchFamily="66" charset="0"/>
+              <a:cs typeface="Consolas" panose="020B0609020204030204" pitchFamily="49" charset="0"/>
+            </a:endParaRPr>
+          </a:p>
+          <a:p>
+            <a:pPr marL="285750" indent="-285750">
+              <a:buFont typeface="Arial" panose="020B0604020202020204" pitchFamily="34" charset="0"/>
+              <a:buChar char="•"/>
+            </a:pPr>
+            <a:r>
+              <a:rPr lang="en-US" sz="2400" dirty="0" smtClean="0">
+                <a:latin typeface="Comic Sans MS" panose="030F0702030302020204" pitchFamily="66" charset="0"/>
+                <a:cs typeface="Consolas" panose="020B0609020204030204" pitchFamily="49" charset="0"/>
+              </a:rPr>
+              <a:t>Can generate code like macros</a:t>
+            </a:r>
+          </a:p>
+          <a:p>
+            <a:pPr marL="285750" indent="-285750">
+              <a:buFont typeface="Arial" panose="020B0604020202020204" pitchFamily="34" charset="0"/>
+              <a:buChar char="•"/>
+            </a:pPr>
+            <a:r>
+              <a:rPr lang="en-US" sz="2400" dirty="0" smtClean="0">
+                <a:latin typeface="Comic Sans MS" panose="030F0702030302020204" pitchFamily="66" charset="0"/>
+                <a:cs typeface="Consolas" panose="020B0609020204030204" pitchFamily="49" charset="0"/>
+              </a:rPr>
+              <a:t>Can </a:t>
+            </a:r>
+            <a:r>
+              <a:rPr lang="en-US" sz="2400" dirty="0">
+                <a:latin typeface="Comic Sans MS" panose="030F0702030302020204" pitchFamily="66" charset="0"/>
+                <a:cs typeface="Consolas" panose="020B0609020204030204" pitchFamily="49" charset="0"/>
+              </a:rPr>
+              <a:t>use </a:t>
+            </a:r>
+            <a:r>
+              <a:rPr lang="en-US" sz="2400" dirty="0" err="1" smtClean="0">
+                <a:latin typeface="Comic Sans MS" panose="030F0702030302020204" pitchFamily="66" charset="0"/>
+                <a:cs typeface="Consolas" panose="020B0609020204030204" pitchFamily="49" charset="0"/>
+              </a:rPr>
+              <a:t>quasiquotes</a:t>
+            </a:r>
+            <a:endParaRPr lang="en-US" sz="2400" dirty="0" smtClean="0">
+              <a:latin typeface="Comic Sans MS" panose="030F0702030302020204" pitchFamily="66" charset="0"/>
+              <a:cs typeface="Consolas" panose="020B0609020204030204" pitchFamily="49" charset="0"/>
+            </a:endParaRPr>
+          </a:p>
+          <a:p>
+            <a:pPr marL="285750" indent="-285750">
+              <a:buFont typeface="Arial" panose="020B0604020202020204" pitchFamily="34" charset="0"/>
+              <a:buChar char="•"/>
+            </a:pPr>
+            <a:r>
+              <a:rPr lang="en-US" sz="2400" dirty="0" smtClean="0">
+                <a:latin typeface="Comic Sans MS" panose="030F0702030302020204" pitchFamily="66" charset="0"/>
+                <a:cs typeface="Consolas" panose="020B0609020204030204" pitchFamily="49" charset="0"/>
+              </a:rPr>
+              <a:t>Can interact with classes, methods and fields similar to Java reflection</a:t>
+            </a:r>
+            <a:endParaRPr lang="en-US" sz="2400" dirty="0" smtClean="0">
+              <a:latin typeface="Comic Sans MS" panose="030F0702030302020204" pitchFamily="66" charset="0"/>
+              <a:cs typeface="Consolas" panose="020B0609020204030204" pitchFamily="49" charset="0"/>
+            </a:endParaRPr>
+          </a:p>
+          <a:p>
+            <a:pPr marL="285750" indent="-285750">
+              <a:buFont typeface="Arial" panose="020B0604020202020204" pitchFamily="34" charset="0"/>
+              <a:buChar char="•"/>
+            </a:pPr>
+            <a:r>
+              <a:rPr lang="en-US" sz="2400" b="1" dirty="0" smtClean="0">
+                <a:latin typeface="Comic Sans MS" panose="030F0702030302020204" pitchFamily="66" charset="0"/>
+                <a:cs typeface="Consolas" panose="020B0609020204030204" pitchFamily="49" charset="0"/>
+              </a:rPr>
+              <a:t>Some</a:t>
+            </a:r>
+            <a:r>
+              <a:rPr lang="en-US" sz="2400" dirty="0" smtClean="0">
+                <a:latin typeface="Comic Sans MS" panose="030F0702030302020204" pitchFamily="66" charset="0"/>
+                <a:cs typeface="Consolas" panose="020B0609020204030204" pitchFamily="49" charset="0"/>
+              </a:rPr>
+              <a:t> things are only known at runtime</a:t>
+            </a:r>
+          </a:p>
+          <a:p>
+            <a:pPr marL="742950" lvl="1" indent="-285750">
+              <a:buFont typeface="Arial" panose="020B0604020202020204" pitchFamily="34" charset="0"/>
+              <a:buChar char="•"/>
+            </a:pPr>
+            <a:r>
+              <a:rPr lang="en-US" sz="2400" dirty="0">
+                <a:latin typeface="Comic Sans MS" panose="030F0702030302020204" pitchFamily="66" charset="0"/>
+                <a:cs typeface="Consolas" panose="020B0609020204030204" pitchFamily="49" charset="0"/>
+              </a:rPr>
+              <a:t>Most of the things are known at compile </a:t>
+            </a:r>
+            <a:r>
+              <a:rPr lang="en-US" sz="2400" dirty="0" smtClean="0">
+                <a:latin typeface="Comic Sans MS" panose="030F0702030302020204" pitchFamily="66" charset="0"/>
+                <a:cs typeface="Consolas" panose="020B0609020204030204" pitchFamily="49" charset="0"/>
+              </a:rPr>
+              <a:t>time</a:t>
+            </a:r>
+          </a:p>
+          <a:p>
+            <a:pPr marL="742950" lvl="1" indent="-285750">
+              <a:buFont typeface="Arial" panose="020B0604020202020204" pitchFamily="34" charset="0"/>
+              <a:buChar char="•"/>
+            </a:pPr>
+            <a:r>
+              <a:rPr lang="en-US" sz="2400" dirty="0" smtClean="0">
+                <a:latin typeface="Comic Sans MS" panose="030F0702030302020204" pitchFamily="66" charset="0"/>
+                <a:cs typeface="Consolas" panose="020B0609020204030204" pitchFamily="49" charset="0"/>
+              </a:rPr>
+              <a:t>Better use macros if you can</a:t>
+            </a:r>
+            <a:endParaRPr lang="en-GB" sz="2400" dirty="0">
               <a:latin typeface="Comic Sans MS" panose="030F0702030302020204" pitchFamily="66" charset="0"/>
               <a:cs typeface="Consolas" panose="020B0609020204030204" pitchFamily="49" charset="0"/>
             </a:endParaRPr>
@@ -9203,7 +9346,7 @@
           <a:p>
             <a:pPr algn="l"/>
             <a:r>
-              <a:rPr lang="en-US" dirty="0" smtClean="0">
+              <a:rPr lang="en-US" dirty="0" err="1" smtClean="0">
                 <a:solidFill>
                   <a:schemeClr val="bg1">
                     <a:lumMod val="50000"/>
@@ -9211,7 +9354,7 @@
                 </a:solidFill>
                 <a:latin typeface="Comic Sans MS"/>
               </a:rPr>
-              <a:t>Fork the Scala compiler</a:t>
+              <a:t>Scala.meta</a:t>
             </a:r>
             <a:endParaRPr lang="en-US" dirty="0">
               <a:solidFill>
@@ -9267,7 +9410,7 @@
     </p:spTree>
     <p:extLst>
       <p:ext uri="{BB962C8B-B14F-4D97-AF65-F5344CB8AC3E}">
-        <p14:creationId xmlns:p14="http://schemas.microsoft.com/office/powerpoint/2010/main" val="3257364419"/>
+        <p14:creationId xmlns:p14="http://schemas.microsoft.com/office/powerpoint/2010/main" val="3622638104"/>
       </p:ext>
     </p:extLst>
   </p:cSld>
@@ -9333,7 +9476,7 @@
                 </a:solidFill>
                 <a:latin typeface="Comic Sans MS"/>
               </a:rPr>
-              <a:t>Build tool plugins</a:t>
+              <a:t>Fork the Scala compiler</a:t>
             </a:r>
             <a:endParaRPr lang="en-US" dirty="0">
               <a:solidFill>
@@ -9389,6 +9532,128 @@
     </p:spTree>
     <p:extLst>
       <p:ext uri="{BB962C8B-B14F-4D97-AF65-F5344CB8AC3E}">
+        <p14:creationId xmlns:p14="http://schemas.microsoft.com/office/powerpoint/2010/main" val="3257364419"/>
+      </p:ext>
+    </p:extLst>
+  </p:cSld>
+  <p:clrMapOvr>
+    <a:masterClrMapping/>
+  </p:clrMapOvr>
+  <p:timing>
+    <p:tnLst>
+      <p:par>
+        <p:cTn id="1" dur="indefinite" restart="never" nodeType="tmRoot"/>
+      </p:par>
+    </p:tnLst>
+  </p:timing>
+</p:sld>
+</file>
+
+<file path=ppt/slides/slide16.xml><?xml version="1.0" encoding="utf-8"?>
+<p:sld xmlns:a="http://schemas.openxmlformats.org/drawingml/2006/main" xmlns:r="http://schemas.openxmlformats.org/officeDocument/2006/relationships" xmlns:p="http://schemas.openxmlformats.org/presentationml/2006/main">
+  <p:cSld>
+    <p:spTree>
+      <p:nvGrpSpPr>
+        <p:cNvPr id="1" name=""/>
+        <p:cNvGrpSpPr/>
+        <p:nvPr/>
+      </p:nvGrpSpPr>
+      <p:grpSpPr>
+        <a:xfrm>
+          <a:off x="0" y="0"/>
+          <a:ext cx="0" cy="0"/>
+          <a:chOff x="0" y="0"/>
+          <a:chExt cx="0" cy="0"/>
+        </a:xfrm>
+      </p:grpSpPr>
+      <p:sp>
+        <p:nvSpPr>
+          <p:cNvPr id="13" name="Title 1"/>
+          <p:cNvSpPr>
+            <a:spLocks noGrp="1"/>
+          </p:cNvSpPr>
+          <p:nvPr>
+            <p:ph type="title"/>
+          </p:nvPr>
+        </p:nvSpPr>
+        <p:spPr>
+          <a:xfrm>
+            <a:off x="457200" y="274638"/>
+            <a:ext cx="8229600" cy="1143000"/>
+          </a:xfrm>
+        </p:spPr>
+        <p:txBody>
+          <a:bodyPr>
+            <a:normAutofit/>
+          </a:bodyPr>
+          <a:lstStyle/>
+          <a:p>
+            <a:pPr algn="l"/>
+            <a:r>
+              <a:rPr lang="en-US" dirty="0" smtClean="0">
+                <a:solidFill>
+                  <a:schemeClr val="bg1">
+                    <a:lumMod val="50000"/>
+                  </a:schemeClr>
+                </a:solidFill>
+                <a:latin typeface="Comic Sans MS"/>
+              </a:rPr>
+              <a:t>Build tool plugins</a:t>
+            </a:r>
+            <a:endParaRPr lang="en-US" dirty="0">
+              <a:solidFill>
+                <a:schemeClr val="bg1">
+                  <a:lumMod val="50000"/>
+                </a:schemeClr>
+              </a:solidFill>
+              <a:latin typeface="Comic Sans MS"/>
+            </a:endParaRPr>
+          </a:p>
+        </p:txBody>
+      </p:sp>
+      <p:sp>
+        <p:nvSpPr>
+          <p:cNvPr id="4" name="TextBox 3"/>
+          <p:cNvSpPr txBox="1"/>
+          <p:nvPr/>
+        </p:nvSpPr>
+        <p:spPr>
+          <a:xfrm>
+            <a:off x="563672" y="1691014"/>
+            <a:ext cx="7818328" cy="369332"/>
+          </a:xfrm>
+          <a:prstGeom prst="rect">
+            <a:avLst/>
+          </a:prstGeom>
+          <a:noFill/>
+        </p:spPr>
+        <p:txBody>
+          <a:bodyPr wrap="square" rtlCol="0">
+            <a:spAutoFit/>
+          </a:bodyPr>
+          <a:lstStyle/>
+          <a:p>
+            <a:pPr marL="285750" indent="-285750">
+              <a:buFont typeface="Arial" panose="020B0604020202020204" pitchFamily="34" charset="0"/>
+              <a:buChar char="•"/>
+            </a:pPr>
+            <a:r>
+              <a:rPr lang="lv-LV" dirty="0" smtClean="0">
+                <a:latin typeface="Comic Sans MS" panose="030F0702030302020204" pitchFamily="66" charset="0"/>
+                <a:cs typeface="Consolas" panose="020B0609020204030204" pitchFamily="49" charset="0"/>
+              </a:rPr>
+              <a:t>TODO</a:t>
+            </a:r>
+            <a:endParaRPr lang="en-GB" dirty="0">
+              <a:latin typeface="Comic Sans MS" panose="030F0702030302020204" pitchFamily="66" charset="0"/>
+              <a:cs typeface="Consolas" panose="020B0609020204030204" pitchFamily="49" charset="0"/>
+            </a:endParaRPr>
+          </a:p>
+        </p:txBody>
+      </p:sp>
+    </p:spTree>
+    <p:extLst>
+      <p:ext uri="{BB962C8B-B14F-4D97-AF65-F5344CB8AC3E}">
         <p14:creationId xmlns:p14="http://schemas.microsoft.com/office/powerpoint/2010/main" val="2025539413"/>
       </p:ext>
     </p:extLst>
@@ -9406,7 +9671,7 @@
 </p:sld>
 </file>
 
-<file path=ppt/slides/slide16.xml><?xml version="1.0" encoding="utf-8"?>
+<file path=ppt/slides/slide17.xml><?xml version="1.0" encoding="utf-8"?>
 <p:sld xmlns:a="http://schemas.openxmlformats.org/drawingml/2006/main" xmlns:r="http://schemas.openxmlformats.org/officeDocument/2006/relationships" xmlns:p="http://schemas.openxmlformats.org/presentationml/2006/main">
   <p:cSld>
     <p:spTree>

--- a/Scala_metaprogramming.pptx
+++ b/Scala_metaprogramming.pptx
@@ -5,7 +5,7 @@
     <p:sldMasterId id="2147483648" r:id="rId1"/>
   </p:sldMasterIdLst>
   <p:notesMasterIdLst>
-    <p:notesMasterId r:id="rId19"/>
+    <p:notesMasterId r:id="rId20"/>
   </p:notesMasterIdLst>
   <p:sldIdLst>
     <p:sldId id="351" r:id="rId2"/>
@@ -24,7 +24,8 @@
     <p:sldId id="470" r:id="rId15"/>
     <p:sldId id="468" r:id="rId16"/>
     <p:sldId id="467" r:id="rId17"/>
-    <p:sldId id="445" r:id="rId18"/>
+    <p:sldId id="471" r:id="rId18"/>
+    <p:sldId id="445" r:id="rId19"/>
   </p:sldIdLst>
   <p:sldSz cx="9144000" cy="6858000" type="screen4x3"/>
   <p:notesSz cx="6858000" cy="9144000"/>
@@ -5139,6 +5140,104 @@
 </p:notesMaster>
 </file>
 
+<file path=ppt/notesSlides/notesSlide1.xml><?xml version="1.0" encoding="utf-8"?>
+<p:notes xmlns:a="http://schemas.openxmlformats.org/drawingml/2006/main" xmlns:r="http://schemas.openxmlformats.org/officeDocument/2006/relationships" xmlns:p="http://schemas.openxmlformats.org/presentationml/2006/main">
+  <p:cSld>
+    <p:spTree>
+      <p:nvGrpSpPr>
+        <p:cNvPr id="1" name=""/>
+        <p:cNvGrpSpPr/>
+        <p:nvPr/>
+      </p:nvGrpSpPr>
+      <p:grpSpPr>
+        <a:xfrm>
+          <a:off x="0" y="0"/>
+          <a:ext cx="0" cy="0"/>
+          <a:chOff x="0" y="0"/>
+          <a:chExt cx="0" cy="0"/>
+        </a:xfrm>
+      </p:grpSpPr>
+      <p:sp>
+        <p:nvSpPr>
+          <p:cNvPr id="2" name="Slide Image Placeholder 1"/>
+          <p:cNvSpPr>
+            <a:spLocks noGrp="1" noRot="1" noChangeAspect="1"/>
+          </p:cNvSpPr>
+          <p:nvPr>
+            <p:ph type="sldImg"/>
+          </p:nvPr>
+        </p:nvSpPr>
+        <p:spPr/>
+      </p:sp>
+      <p:sp>
+        <p:nvSpPr>
+          <p:cNvPr id="3" name="Notes Placeholder 2"/>
+          <p:cNvSpPr>
+            <a:spLocks noGrp="1"/>
+          </p:cNvSpPr>
+          <p:nvPr>
+            <p:ph type="body" idx="1"/>
+          </p:nvPr>
+        </p:nvSpPr>
+        <p:spPr/>
+        <p:txBody>
+          <a:bodyPr/>
+          <a:lstStyle/>
+          <a:p>
+            <a:r>
+              <a:rPr lang="en-US" dirty="0" smtClean="0"/>
+              <a:t>The rabbit is NOT the official logo of anything.</a:t>
+            </a:r>
+          </a:p>
+          <a:p>
+            <a:r>
+              <a:rPr lang="en-US" dirty="0" smtClean="0"/>
+              <a:t>It</a:t>
+            </a:r>
+            <a:r>
+              <a:rPr lang="en-US" baseline="0" dirty="0" smtClean="0"/>
+              <a:t> is some random Creative Commons image I found on the net.</a:t>
+            </a:r>
+            <a:endParaRPr lang="en-US" dirty="0"/>
+          </a:p>
+        </p:txBody>
+      </p:sp>
+      <p:sp>
+        <p:nvSpPr>
+          <p:cNvPr id="4" name="Slide Number Placeholder 3"/>
+          <p:cNvSpPr>
+            <a:spLocks noGrp="1"/>
+          </p:cNvSpPr>
+          <p:nvPr>
+            <p:ph type="sldNum" sz="quarter" idx="10"/>
+          </p:nvPr>
+        </p:nvSpPr>
+        <p:spPr/>
+        <p:txBody>
+          <a:bodyPr/>
+          <a:lstStyle/>
+          <a:p>
+            <a:fld id="{E01F6181-CDDE-4207-B87F-50F4B0080548}" type="slidenum">
+              <a:rPr lang="en-US" smtClean="0"/>
+              <a:t>17</a:t>
+            </a:fld>
+            <a:endParaRPr lang="en-US"/>
+          </a:p>
+        </p:txBody>
+      </p:sp>
+    </p:spTree>
+    <p:extLst>
+      <p:ext uri="{BB962C8B-B14F-4D97-AF65-F5344CB8AC3E}">
+        <p14:creationId xmlns:p14="http://schemas.microsoft.com/office/powerpoint/2010/main" val="3621888113"/>
+      </p:ext>
+    </p:extLst>
+  </p:cSld>
+  <p:clrMapOvr>
+    <a:masterClrMapping/>
+  </p:clrMapOvr>
+</p:notes>
+</file>
+
 <file path=ppt/slideLayouts/slideLayout1.xml><?xml version="1.0" encoding="utf-8"?>
 <p:sldLayout xmlns:a="http://schemas.openxmlformats.org/drawingml/2006/main" xmlns:r="http://schemas.openxmlformats.org/officeDocument/2006/relationships" xmlns:p="http://schemas.openxmlformats.org/presentationml/2006/main" type="title" preserve="1">
   <p:cSld name="Title Slide">
@@ -9376,7 +9475,7 @@
         <p:spPr>
           <a:xfrm>
             <a:off x="563672" y="1691014"/>
-            <a:ext cx="7818328" cy="369332"/>
+            <a:ext cx="7818328" cy="923330"/>
           </a:xfrm>
           <a:prstGeom prst="rect">
             <a:avLst/>
@@ -9394,12 +9493,45 @@
               <a:buChar char="•"/>
             </a:pPr>
             <a:r>
-              <a:rPr lang="lv-LV" dirty="0" smtClean="0">
-                <a:latin typeface="Comic Sans MS" panose="030F0702030302020204" pitchFamily="66" charset="0"/>
-                <a:cs typeface="Consolas" panose="020B0609020204030204" pitchFamily="49" charset="0"/>
-              </a:rPr>
-              <a:t>TODO</a:t>
-            </a:r>
+              <a:rPr lang="en-US" dirty="0" smtClean="0">
+                <a:latin typeface="Comic Sans MS" panose="030F0702030302020204" pitchFamily="66" charset="0"/>
+                <a:cs typeface="Consolas" panose="020B0609020204030204" pitchFamily="49" charset="0"/>
+              </a:rPr>
+              <a:t>First beta version 0.2.0 </a:t>
+            </a:r>
+          </a:p>
+          <a:p>
+            <a:pPr marL="742950" lvl="1" indent="-285750">
+              <a:buFont typeface="Arial" panose="020B0604020202020204" pitchFamily="34" charset="0"/>
+              <a:buChar char="•"/>
+            </a:pPr>
+            <a:r>
+              <a:rPr lang="en-US" dirty="0" smtClean="0">
+                <a:latin typeface="Comic Sans MS" panose="030F0702030302020204" pitchFamily="66" charset="0"/>
+                <a:cs typeface="Consolas" panose="020B0609020204030204" pitchFamily="49" charset="0"/>
+              </a:rPr>
+              <a:t>Released just last week (May 11</a:t>
+            </a:r>
+            <a:r>
+              <a:rPr lang="en-US" baseline="30000" dirty="0" smtClean="0">
+                <a:latin typeface="Comic Sans MS" panose="030F0702030302020204" pitchFamily="66" charset="0"/>
+                <a:cs typeface="Consolas" panose="020B0609020204030204" pitchFamily="49" charset="0"/>
+              </a:rPr>
+              <a:t>th</a:t>
+            </a:r>
+            <a:r>
+              <a:rPr lang="en-US" dirty="0" smtClean="0">
+                <a:latin typeface="Comic Sans MS" panose="030F0702030302020204" pitchFamily="66" charset="0"/>
+                <a:cs typeface="Consolas" panose="020B0609020204030204" pitchFamily="49" charset="0"/>
+              </a:rPr>
+              <a:t> )</a:t>
+            </a:r>
+          </a:p>
+          <a:p>
+            <a:pPr marL="285750" indent="-285750">
+              <a:buFont typeface="Arial" panose="020B0604020202020204" pitchFamily="34" charset="0"/>
+              <a:buChar char="•"/>
+            </a:pPr>
             <a:endParaRPr lang="en-GB" dirty="0">
               <a:latin typeface="Comic Sans MS" panose="030F0702030302020204" pitchFamily="66" charset="0"/>
               <a:cs typeface="Consolas" panose="020B0609020204030204" pitchFamily="49" charset="0"/>
@@ -9672,6 +9804,304 @@
 </file>
 
 <file path=ppt/slides/slide17.xml><?xml version="1.0" encoding="utf-8"?>
+<p:sld xmlns:a="http://schemas.openxmlformats.org/drawingml/2006/main" xmlns:r="http://schemas.openxmlformats.org/officeDocument/2006/relationships" xmlns:p="http://schemas.openxmlformats.org/presentationml/2006/main">
+  <p:cSld>
+    <p:spTree>
+      <p:nvGrpSpPr>
+        <p:cNvPr id="1" name=""/>
+        <p:cNvGrpSpPr/>
+        <p:nvPr/>
+      </p:nvGrpSpPr>
+      <p:grpSpPr>
+        <a:xfrm>
+          <a:off x="0" y="0"/>
+          <a:ext cx="0" cy="0"/>
+          <a:chOff x="0" y="0"/>
+          <a:chExt cx="0" cy="0"/>
+        </a:xfrm>
+      </p:grpSpPr>
+      <p:sp>
+        <p:nvSpPr>
+          <p:cNvPr id="13" name="Title 1"/>
+          <p:cNvSpPr>
+            <a:spLocks noGrp="1"/>
+          </p:cNvSpPr>
+          <p:nvPr>
+            <p:ph type="title"/>
+          </p:nvPr>
+        </p:nvSpPr>
+        <p:spPr>
+          <a:xfrm>
+            <a:off x="457200" y="274638"/>
+            <a:ext cx="8229600" cy="1143000"/>
+          </a:xfrm>
+        </p:spPr>
+        <p:txBody>
+          <a:bodyPr>
+            <a:normAutofit/>
+          </a:bodyPr>
+          <a:lstStyle/>
+          <a:p>
+            <a:pPr algn="l"/>
+            <a:r>
+              <a:rPr lang="en-US" dirty="0" smtClean="0">
+                <a:solidFill>
+                  <a:schemeClr val="bg1">
+                    <a:lumMod val="50000"/>
+                  </a:schemeClr>
+                </a:solidFill>
+                <a:latin typeface="Comic Sans MS"/>
+              </a:rPr>
+              <a:t>Conclusions</a:t>
+            </a:r>
+            <a:endParaRPr lang="en-US" dirty="0">
+              <a:solidFill>
+                <a:schemeClr val="bg1">
+                  <a:lumMod val="50000"/>
+                </a:schemeClr>
+              </a:solidFill>
+              <a:latin typeface="Comic Sans MS"/>
+            </a:endParaRPr>
+          </a:p>
+        </p:txBody>
+      </p:sp>
+      <p:sp>
+        <p:nvSpPr>
+          <p:cNvPr id="4" name="TextBox 3"/>
+          <p:cNvSpPr txBox="1"/>
+          <p:nvPr/>
+        </p:nvSpPr>
+        <p:spPr>
+          <a:xfrm>
+            <a:off x="563672" y="1691014"/>
+            <a:ext cx="7818328" cy="2308324"/>
+          </a:xfrm>
+          <a:prstGeom prst="rect">
+            <a:avLst/>
+          </a:prstGeom>
+          <a:noFill/>
+        </p:spPr>
+        <p:txBody>
+          <a:bodyPr wrap="square" rtlCol="0">
+            <a:spAutoFit/>
+          </a:bodyPr>
+          <a:lstStyle/>
+          <a:p>
+            <a:pPr marL="285750" indent="-285750">
+              <a:buFont typeface="Arial" panose="020B0604020202020204" pitchFamily="34" charset="0"/>
+              <a:buChar char="•"/>
+            </a:pPr>
+            <a:r>
+              <a:rPr lang="en-GB" dirty="0" smtClean="0">
+                <a:latin typeface="Comic Sans MS" panose="030F0702030302020204" pitchFamily="66" charset="0"/>
+                <a:cs typeface="Consolas" panose="020B0609020204030204" pitchFamily="49" charset="0"/>
+              </a:rPr>
+              <a:t>You can w</a:t>
+            </a:r>
+            <a:r>
+              <a:rPr lang="en-GB" dirty="0" smtClean="0">
+                <a:latin typeface="Comic Sans MS" panose="030F0702030302020204" pitchFamily="66" charset="0"/>
+                <a:cs typeface="Consolas" panose="020B0609020204030204" pitchFamily="49" charset="0"/>
+              </a:rPr>
+              <a:t>rite some useful </a:t>
+            </a:r>
+            <a:r>
+              <a:rPr lang="en-GB" dirty="0" err="1" smtClean="0">
+                <a:latin typeface="Comic Sans MS" panose="030F0702030302020204" pitchFamily="66" charset="0"/>
+                <a:cs typeface="Consolas" panose="020B0609020204030204" pitchFamily="49" charset="0"/>
+              </a:rPr>
+              <a:t>blackbox</a:t>
+            </a:r>
+            <a:r>
+              <a:rPr lang="en-GB" dirty="0" smtClean="0">
+                <a:latin typeface="Comic Sans MS" panose="030F0702030302020204" pitchFamily="66" charset="0"/>
+                <a:cs typeface="Consolas" panose="020B0609020204030204" pitchFamily="49" charset="0"/>
+              </a:rPr>
+              <a:t> macros using </a:t>
+            </a:r>
+            <a:r>
+              <a:rPr lang="en-US" dirty="0" err="1" smtClean="0">
+                <a:latin typeface="Comic Sans MS" panose="030F0702030302020204" pitchFamily="66" charset="0"/>
+                <a:cs typeface="Consolas" panose="020B0609020204030204" pitchFamily="49" charset="0"/>
+              </a:rPr>
+              <a:t>quasiquotes</a:t>
+            </a:r>
+            <a:endParaRPr lang="en-US" dirty="0" smtClean="0">
+              <a:latin typeface="Comic Sans MS" panose="030F0702030302020204" pitchFamily="66" charset="0"/>
+              <a:cs typeface="Consolas" panose="020B0609020204030204" pitchFamily="49" charset="0"/>
+            </a:endParaRPr>
+          </a:p>
+          <a:p>
+            <a:pPr marL="285750" indent="-285750">
+              <a:buFont typeface="Arial" panose="020B0604020202020204" pitchFamily="34" charset="0"/>
+              <a:buChar char="•"/>
+            </a:pPr>
+            <a:endParaRPr lang="en-US" dirty="0">
+              <a:latin typeface="Comic Sans MS" panose="030F0702030302020204" pitchFamily="66" charset="0"/>
+              <a:cs typeface="Consolas" panose="020B0609020204030204" pitchFamily="49" charset="0"/>
+            </a:endParaRPr>
+          </a:p>
+          <a:p>
+            <a:pPr marL="285750" indent="-285750">
+              <a:buFont typeface="Arial" panose="020B0604020202020204" pitchFamily="34" charset="0"/>
+              <a:buChar char="•"/>
+            </a:pPr>
+            <a:endParaRPr lang="en-US" dirty="0" smtClean="0">
+              <a:latin typeface="Comic Sans MS" panose="030F0702030302020204" pitchFamily="66" charset="0"/>
+              <a:cs typeface="Consolas" panose="020B0609020204030204" pitchFamily="49" charset="0"/>
+            </a:endParaRPr>
+          </a:p>
+          <a:p>
+            <a:pPr marL="285750" indent="-285750">
+              <a:buFont typeface="Arial" panose="020B0604020202020204" pitchFamily="34" charset="0"/>
+              <a:buChar char="•"/>
+            </a:pPr>
+            <a:endParaRPr lang="en-US" dirty="0" smtClean="0">
+              <a:latin typeface="Comic Sans MS" panose="030F0702030302020204" pitchFamily="66" charset="0"/>
+              <a:cs typeface="Consolas" panose="020B0609020204030204" pitchFamily="49" charset="0"/>
+            </a:endParaRPr>
+          </a:p>
+          <a:p>
+            <a:pPr marL="285750" indent="-285750">
+              <a:buFont typeface="Arial" panose="020B0604020202020204" pitchFamily="34" charset="0"/>
+              <a:buChar char="•"/>
+            </a:pPr>
+            <a:endParaRPr lang="en-US" dirty="0">
+              <a:latin typeface="Comic Sans MS" panose="030F0702030302020204" pitchFamily="66" charset="0"/>
+              <a:cs typeface="Consolas" panose="020B0609020204030204" pitchFamily="49" charset="0"/>
+            </a:endParaRPr>
+          </a:p>
+          <a:p>
+            <a:pPr marL="285750" indent="-285750">
+              <a:buFont typeface="Arial" panose="020B0604020202020204" pitchFamily="34" charset="0"/>
+              <a:buChar char="•"/>
+            </a:pPr>
+            <a:endParaRPr lang="en-US" dirty="0" smtClean="0">
+              <a:latin typeface="Comic Sans MS" panose="030F0702030302020204" pitchFamily="66" charset="0"/>
+              <a:cs typeface="Consolas" panose="020B0609020204030204" pitchFamily="49" charset="0"/>
+            </a:endParaRPr>
+          </a:p>
+          <a:p>
+            <a:pPr marL="285750" indent="-285750">
+              <a:buFont typeface="Arial" panose="020B0604020202020204" pitchFamily="34" charset="0"/>
+              <a:buChar char="•"/>
+            </a:pPr>
+            <a:endParaRPr lang="en-US" dirty="0">
+              <a:latin typeface="Comic Sans MS" panose="030F0702030302020204" pitchFamily="66" charset="0"/>
+              <a:cs typeface="Consolas" panose="020B0609020204030204" pitchFamily="49" charset="0"/>
+            </a:endParaRPr>
+          </a:p>
+          <a:p>
+            <a:pPr marL="285750" indent="-285750">
+              <a:buFont typeface="Arial" panose="020B0604020202020204" pitchFamily="34" charset="0"/>
+              <a:buChar char="•"/>
+            </a:pPr>
+            <a:r>
+              <a:rPr lang="en-US" dirty="0" smtClean="0">
+                <a:latin typeface="Comic Sans MS" panose="030F0702030302020204" pitchFamily="66" charset="0"/>
+                <a:cs typeface="Consolas" panose="020B0609020204030204" pitchFamily="49" charset="0"/>
+              </a:rPr>
+              <a:t>Or dive into the metaprogramming rabbit hole</a:t>
+            </a:r>
+            <a:endParaRPr lang="en-GB" dirty="0">
+              <a:latin typeface="Comic Sans MS" panose="030F0702030302020204" pitchFamily="66" charset="0"/>
+              <a:cs typeface="Consolas" panose="020B0609020204030204" pitchFamily="49" charset="0"/>
+            </a:endParaRPr>
+          </a:p>
+        </p:txBody>
+      </p:sp>
+      <p:sp>
+        <p:nvSpPr>
+          <p:cNvPr id="2" name="Smiley Face 1"/>
+          <p:cNvSpPr/>
+          <p:nvPr/>
+        </p:nvSpPr>
+        <p:spPr>
+          <a:xfrm>
+            <a:off x="3412671" y="2094061"/>
+            <a:ext cx="1485900" cy="1502229"/>
+          </a:xfrm>
+          <a:prstGeom prst="smileyFace">
+            <a:avLst/>
+          </a:prstGeom>
+          <a:solidFill>
+            <a:schemeClr val="bg1"/>
+          </a:solidFill>
+        </p:spPr>
+        <p:style>
+          <a:lnRef idx="1">
+            <a:schemeClr val="accent1"/>
+          </a:lnRef>
+          <a:fillRef idx="3">
+            <a:schemeClr val="accent1"/>
+          </a:fillRef>
+          <a:effectRef idx="2">
+            <a:schemeClr val="accent1"/>
+          </a:effectRef>
+          <a:fontRef idx="minor">
+            <a:schemeClr val="lt1"/>
+          </a:fontRef>
+        </p:style>
+        <p:txBody>
+          <a:bodyPr rtlCol="0" anchor="ctr"/>
+          <a:lstStyle/>
+          <a:p>
+            <a:pPr algn="ctr"/>
+            <a:endParaRPr lang="en-US"/>
+          </a:p>
+        </p:txBody>
+      </p:sp>
+      <p:pic>
+        <p:nvPicPr>
+          <p:cNvPr id="10" name="Picture 9"/>
+          <p:cNvPicPr>
+            <a:picLocks noChangeAspect="1"/>
+          </p:cNvPicPr>
+          <p:nvPr/>
+        </p:nvPicPr>
+        <p:blipFill>
+          <a:blip r:embed="rId3">
+            <a:extLst>
+              <a:ext uri="{28A0092B-C50C-407E-A947-70E740481C1C}">
+                <a14:useLocalDpi xmlns:a14="http://schemas.microsoft.com/office/drawing/2010/main" val="0"/>
+              </a:ext>
+            </a:extLst>
+          </a:blip>
+          <a:stretch>
+            <a:fillRect/>
+          </a:stretch>
+        </p:blipFill>
+        <p:spPr>
+          <a:xfrm>
+            <a:off x="3130951" y="4081541"/>
+            <a:ext cx="1767620" cy="1920674"/>
+          </a:xfrm>
+          <a:prstGeom prst="rect">
+            <a:avLst/>
+          </a:prstGeom>
+        </p:spPr>
+      </p:pic>
+    </p:spTree>
+    <p:extLst>
+      <p:ext uri="{BB962C8B-B14F-4D97-AF65-F5344CB8AC3E}">
+        <p14:creationId xmlns:p14="http://schemas.microsoft.com/office/powerpoint/2010/main" val="76547374"/>
+      </p:ext>
+    </p:extLst>
+  </p:cSld>
+  <p:clrMapOvr>
+    <a:masterClrMapping/>
+  </p:clrMapOvr>
+  <p:timing>
+    <p:tnLst>
+      <p:par>
+        <p:cTn id="1" dur="indefinite" restart="never" nodeType="tmRoot"/>
+      </p:par>
+    </p:tnLst>
+  </p:timing>
+</p:sld>
+</file>
+
+<file path=ppt/slides/slide18.xml><?xml version="1.0" encoding="utf-8"?>
 <p:sld xmlns:a="http://schemas.openxmlformats.org/drawingml/2006/main" xmlns:r="http://schemas.openxmlformats.org/officeDocument/2006/relationships" xmlns:p="http://schemas.openxmlformats.org/presentationml/2006/main">
   <p:cSld>
     <p:spTree>

--- a/Scala_metaprogramming.pptx
+++ b/Scala_metaprogramming.pptx
@@ -9724,7 +9724,7 @@
         <p:spPr>
           <a:xfrm>
             <a:off x="563672" y="1691014"/>
-            <a:ext cx="7818328" cy="369332"/>
+            <a:ext cx="7818328" cy="5016758"/>
           </a:xfrm>
           <a:prstGeom prst="rect">
             <a:avLst/>
@@ -9742,13 +9742,206 @@
               <a:buChar char="•"/>
             </a:pPr>
             <a:r>
-              <a:rPr lang="lv-LV" dirty="0" smtClean="0">
-                <a:latin typeface="Comic Sans MS" panose="030F0702030302020204" pitchFamily="66" charset="0"/>
-                <a:cs typeface="Consolas" panose="020B0609020204030204" pitchFamily="49" charset="0"/>
-              </a:rPr>
-              <a:t>TODO</a:t>
-            </a:r>
-            <a:endParaRPr lang="en-GB" dirty="0">
+              <a:rPr lang="en-US" sz="3200" dirty="0" smtClean="0">
+                <a:latin typeface="Comic Sans MS" panose="030F0702030302020204" pitchFamily="66" charset="0"/>
+                <a:cs typeface="Consolas" panose="020B0609020204030204" pitchFamily="49" charset="0"/>
+              </a:rPr>
+              <a:t>Actually at least 3 compilers</a:t>
+            </a:r>
+          </a:p>
+          <a:p>
+            <a:pPr marL="285750" indent="-285750">
+              <a:buFont typeface="Arial" panose="020B0604020202020204" pitchFamily="34" charset="0"/>
+              <a:buChar char="•"/>
+            </a:pPr>
+            <a:r>
+              <a:rPr lang="en-US" sz="3200" dirty="0" smtClean="0">
+                <a:latin typeface="Comic Sans MS" panose="030F0702030302020204" pitchFamily="66" charset="0"/>
+                <a:cs typeface="Consolas" panose="020B0609020204030204" pitchFamily="49" charset="0"/>
+              </a:rPr>
+              <a:t>Main </a:t>
+            </a:r>
+            <a:r>
+              <a:rPr lang="en-US" sz="3200" dirty="0">
+                <a:latin typeface="Comic Sans MS" panose="030F0702030302020204" pitchFamily="66" charset="0"/>
+                <a:cs typeface="Consolas" panose="020B0609020204030204" pitchFamily="49" charset="0"/>
+              </a:rPr>
+              <a:t>S</a:t>
+            </a:r>
+            <a:r>
+              <a:rPr lang="en-US" sz="3200" dirty="0" smtClean="0">
+                <a:latin typeface="Comic Sans MS" panose="030F0702030302020204" pitchFamily="66" charset="0"/>
+                <a:cs typeface="Consolas" panose="020B0609020204030204" pitchFamily="49" charset="0"/>
+              </a:rPr>
+              <a:t>cala compiler</a:t>
+            </a:r>
+          </a:p>
+          <a:p>
+            <a:pPr marL="742950" lvl="1" indent="-285750">
+              <a:buFont typeface="Arial" panose="020B0604020202020204" pitchFamily="34" charset="0"/>
+              <a:buChar char="•"/>
+            </a:pPr>
+            <a:r>
+              <a:rPr lang="en-GB" sz="3200" dirty="0">
+                <a:latin typeface="Comic Sans MS" panose="030F0702030302020204" pitchFamily="66" charset="0"/>
+                <a:cs typeface="Consolas" panose="020B0609020204030204" pitchFamily="49" charset="0"/>
+                <a:hlinkClick r:id="rId2"/>
+              </a:rPr>
+              <a:t>https://</a:t>
+            </a:r>
+            <a:r>
+              <a:rPr lang="en-GB" sz="3200" dirty="0" smtClean="0">
+                <a:latin typeface="Comic Sans MS" panose="030F0702030302020204" pitchFamily="66" charset="0"/>
+                <a:cs typeface="Consolas" panose="020B0609020204030204" pitchFamily="49" charset="0"/>
+                <a:hlinkClick r:id="rId2"/>
+              </a:rPr>
+              <a:t>github.com/scala/scala</a:t>
+            </a:r>
+            <a:r>
+              <a:rPr lang="en-GB" sz="3200" dirty="0" smtClean="0">
+                <a:latin typeface="Comic Sans MS" panose="030F0702030302020204" pitchFamily="66" charset="0"/>
+                <a:cs typeface="Consolas" panose="020B0609020204030204" pitchFamily="49" charset="0"/>
+              </a:rPr>
+              <a:t> </a:t>
+            </a:r>
+          </a:p>
+          <a:p>
+            <a:pPr marL="285750" indent="-285750">
+              <a:buFont typeface="Arial" panose="020B0604020202020204" pitchFamily="34" charset="0"/>
+              <a:buChar char="•"/>
+            </a:pPr>
+            <a:r>
+              <a:rPr lang="en-GB" sz="3200" dirty="0" err="1" smtClean="0">
+                <a:latin typeface="Comic Sans MS" panose="030F0702030302020204" pitchFamily="66" charset="0"/>
+                <a:cs typeface="Consolas" panose="020B0609020204030204" pitchFamily="49" charset="0"/>
+              </a:rPr>
+              <a:t>Typelevel</a:t>
+            </a:r>
+            <a:r>
+              <a:rPr lang="en-GB" sz="3200" dirty="0" smtClean="0">
+                <a:latin typeface="Comic Sans MS" panose="030F0702030302020204" pitchFamily="66" charset="0"/>
+                <a:cs typeface="Consolas" panose="020B0609020204030204" pitchFamily="49" charset="0"/>
+              </a:rPr>
+              <a:t> Scala – community fork of the main compiler</a:t>
+            </a:r>
+          </a:p>
+          <a:p>
+            <a:pPr marL="742950" lvl="1" indent="-285750">
+              <a:buFont typeface="Arial" panose="020B0604020202020204" pitchFamily="34" charset="0"/>
+              <a:buChar char="•"/>
+            </a:pPr>
+            <a:r>
+              <a:rPr lang="en-GB" sz="3200" dirty="0">
+                <a:latin typeface="Comic Sans MS" panose="030F0702030302020204" pitchFamily="66" charset="0"/>
+                <a:cs typeface="Consolas" panose="020B0609020204030204" pitchFamily="49" charset="0"/>
+                <a:hlinkClick r:id="rId3"/>
+              </a:rPr>
+              <a:t>http://typelevel.org</a:t>
+            </a:r>
+            <a:r>
+              <a:rPr lang="en-GB" sz="3200" dirty="0" smtClean="0">
+                <a:latin typeface="Comic Sans MS" panose="030F0702030302020204" pitchFamily="66" charset="0"/>
+                <a:cs typeface="Consolas" panose="020B0609020204030204" pitchFamily="49" charset="0"/>
+                <a:hlinkClick r:id="rId3"/>
+              </a:rPr>
+              <a:t>/</a:t>
+            </a:r>
+            <a:r>
+              <a:rPr lang="en-GB" sz="3200" dirty="0" smtClean="0">
+                <a:latin typeface="Comic Sans MS" panose="030F0702030302020204" pitchFamily="66" charset="0"/>
+                <a:cs typeface="Consolas" panose="020B0609020204030204" pitchFamily="49" charset="0"/>
+              </a:rPr>
+              <a:t> </a:t>
+            </a:r>
+          </a:p>
+          <a:p>
+            <a:pPr marL="742950" lvl="1" indent="-285750">
+              <a:buFont typeface="Arial" panose="020B0604020202020204" pitchFamily="34" charset="0"/>
+              <a:buChar char="•"/>
+            </a:pPr>
+            <a:r>
+              <a:rPr lang="en-GB" sz="3200" dirty="0">
+                <a:latin typeface="Comic Sans MS" panose="030F0702030302020204" pitchFamily="66" charset="0"/>
+                <a:cs typeface="Consolas" panose="020B0609020204030204" pitchFamily="49" charset="0"/>
+                <a:hlinkClick r:id="rId4"/>
+              </a:rPr>
+              <a:t>https://</a:t>
+            </a:r>
+            <a:r>
+              <a:rPr lang="en-GB" sz="3200" dirty="0" smtClean="0">
+                <a:latin typeface="Comic Sans MS" panose="030F0702030302020204" pitchFamily="66" charset="0"/>
+                <a:cs typeface="Consolas" panose="020B0609020204030204" pitchFamily="49" charset="0"/>
+                <a:hlinkClick r:id="rId4"/>
+              </a:rPr>
+              <a:t>github.com/typelevel/scala</a:t>
+            </a:r>
+            <a:r>
+              <a:rPr lang="en-GB" sz="3200" dirty="0" smtClean="0">
+                <a:latin typeface="Comic Sans MS" panose="030F0702030302020204" pitchFamily="66" charset="0"/>
+                <a:cs typeface="Consolas" panose="020B0609020204030204" pitchFamily="49" charset="0"/>
+              </a:rPr>
+              <a:t> </a:t>
+            </a:r>
+            <a:endParaRPr lang="en-GB" sz="3200" dirty="0" smtClean="0">
+              <a:latin typeface="Comic Sans MS" panose="030F0702030302020204" pitchFamily="66" charset="0"/>
+              <a:cs typeface="Consolas" panose="020B0609020204030204" pitchFamily="49" charset="0"/>
+            </a:endParaRPr>
+          </a:p>
+          <a:p>
+            <a:pPr marL="285750" indent="-285750">
+              <a:buFont typeface="Arial" panose="020B0604020202020204" pitchFamily="34" charset="0"/>
+              <a:buChar char="•"/>
+            </a:pPr>
+            <a:r>
+              <a:rPr lang="en-GB" sz="3200" dirty="0" smtClean="0">
+                <a:latin typeface="Comic Sans MS" panose="030F0702030302020204" pitchFamily="66" charset="0"/>
+                <a:cs typeface="Consolas" panose="020B0609020204030204" pitchFamily="49" charset="0"/>
+              </a:rPr>
+              <a:t>Dotty - EPFL research compiler</a:t>
+            </a:r>
+          </a:p>
+          <a:p>
+            <a:pPr marL="742950" lvl="1" indent="-285750">
+              <a:buFont typeface="Arial" panose="020B0604020202020204" pitchFamily="34" charset="0"/>
+              <a:buChar char="•"/>
+            </a:pPr>
+            <a:r>
+              <a:rPr lang="en-GB" sz="3200" dirty="0">
+                <a:latin typeface="Comic Sans MS" panose="030F0702030302020204" pitchFamily="66" charset="0"/>
+                <a:cs typeface="Consolas" panose="020B0609020204030204" pitchFamily="49" charset="0"/>
+                <a:hlinkClick r:id="rId5"/>
+              </a:rPr>
+              <a:t>https://</a:t>
+            </a:r>
+            <a:r>
+              <a:rPr lang="en-GB" sz="3200" dirty="0" smtClean="0">
+                <a:latin typeface="Comic Sans MS" panose="030F0702030302020204" pitchFamily="66" charset="0"/>
+                <a:cs typeface="Consolas" panose="020B0609020204030204" pitchFamily="49" charset="0"/>
+                <a:hlinkClick r:id="rId5"/>
+              </a:rPr>
+              <a:t>github.com/lampepfl/dotty</a:t>
+            </a:r>
+            <a:r>
+              <a:rPr lang="en-GB" sz="3200" dirty="0" smtClean="0">
+                <a:latin typeface="Comic Sans MS" panose="030F0702030302020204" pitchFamily="66" charset="0"/>
+                <a:cs typeface="Consolas" panose="020B0609020204030204" pitchFamily="49" charset="0"/>
+              </a:rPr>
+              <a:t> </a:t>
+            </a:r>
+          </a:p>
+          <a:p>
+            <a:pPr marL="742950" lvl="1" indent="-285750">
+              <a:buFont typeface="Arial" panose="020B0604020202020204" pitchFamily="34" charset="0"/>
+              <a:buChar char="•"/>
+            </a:pPr>
+            <a:r>
+              <a:rPr lang="en-GB" sz="3200" dirty="0" smtClean="0">
+                <a:latin typeface="Comic Sans MS" panose="030F0702030302020204" pitchFamily="66" charset="0"/>
+                <a:cs typeface="Consolas" panose="020B0609020204030204" pitchFamily="49" charset="0"/>
+              </a:rPr>
+              <a:t>I would try to modify this first</a:t>
+            </a:r>
+            <a:endParaRPr lang="en-GB" sz="3200" dirty="0">
               <a:latin typeface="Comic Sans MS" panose="030F0702030302020204" pitchFamily="66" charset="0"/>
               <a:cs typeface="Consolas" panose="020B0609020204030204" pitchFamily="49" charset="0"/>
             </a:endParaRPr>

--- a/Scala_metaprogramming.pptx
+++ b/Scala_metaprogramming.pptx
@@ -20,8 +20,8 @@
     <p:sldId id="463" r:id="rId11"/>
     <p:sldId id="464" r:id="rId12"/>
     <p:sldId id="465" r:id="rId13"/>
-    <p:sldId id="466" r:id="rId14"/>
-    <p:sldId id="470" r:id="rId15"/>
+    <p:sldId id="470" r:id="rId14"/>
+    <p:sldId id="466" r:id="rId15"/>
     <p:sldId id="468" r:id="rId16"/>
     <p:sldId id="467" r:id="rId17"/>
     <p:sldId id="471" r:id="rId18"/>
@@ -9234,7 +9234,7 @@
           <a:p>
             <a:pPr algn="l"/>
             <a:r>
-              <a:rPr lang="en-US" dirty="0" smtClean="0">
+              <a:rPr lang="en-US" dirty="0" err="1" smtClean="0">
                 <a:solidFill>
                   <a:schemeClr val="bg1">
                     <a:lumMod val="50000"/>
@@ -9242,7 +9242,7 @@
                 </a:solidFill>
                 <a:latin typeface="Comic Sans MS"/>
               </a:rPr>
-              <a:t>Compiler plugins</a:t>
+              <a:t>Scala.meta</a:t>
             </a:r>
             <a:endParaRPr lang="en-US" dirty="0">
               <a:solidFill>
@@ -9264,7 +9264,7 @@
         <p:spPr>
           <a:xfrm>
             <a:off x="563672" y="1691014"/>
-            <a:ext cx="7818328" cy="369332"/>
+            <a:ext cx="7818328" cy="4154984"/>
           </a:xfrm>
           <a:prstGeom prst="rect">
             <a:avLst/>
@@ -9282,13 +9282,229 @@
               <a:buChar char="•"/>
             </a:pPr>
             <a:r>
-              <a:rPr lang="lv-LV" dirty="0" smtClean="0">
-                <a:latin typeface="Comic Sans MS" panose="030F0702030302020204" pitchFamily="66" charset="0"/>
-                <a:cs typeface="Consolas" panose="020B0609020204030204" pitchFamily="49" charset="0"/>
-              </a:rPr>
-              <a:t>TODO</a:t>
-            </a:r>
-            <a:endParaRPr lang="en-GB" dirty="0">
+              <a:rPr lang="en-US" sz="2400" dirty="0" smtClean="0">
+                <a:latin typeface="Comic Sans MS" panose="030F0702030302020204" pitchFamily="66" charset="0"/>
+                <a:cs typeface="Consolas" panose="020B0609020204030204" pitchFamily="49" charset="0"/>
+              </a:rPr>
+              <a:t>First beta version 0.2.0 </a:t>
+            </a:r>
+          </a:p>
+          <a:p>
+            <a:pPr marL="742950" lvl="1" indent="-285750">
+              <a:buFont typeface="Arial" panose="020B0604020202020204" pitchFamily="34" charset="0"/>
+              <a:buChar char="•"/>
+            </a:pPr>
+            <a:r>
+              <a:rPr lang="en-US" sz="2400" dirty="0" smtClean="0">
+                <a:latin typeface="Comic Sans MS" panose="030F0702030302020204" pitchFamily="66" charset="0"/>
+                <a:cs typeface="Consolas" panose="020B0609020204030204" pitchFamily="49" charset="0"/>
+              </a:rPr>
+              <a:t>Released just last week (May 11</a:t>
+            </a:r>
+            <a:r>
+              <a:rPr lang="en-US" sz="2400" baseline="30000" dirty="0" smtClean="0">
+                <a:latin typeface="Comic Sans MS" panose="030F0702030302020204" pitchFamily="66" charset="0"/>
+                <a:cs typeface="Consolas" panose="020B0609020204030204" pitchFamily="49" charset="0"/>
+              </a:rPr>
+              <a:t>th</a:t>
+            </a:r>
+            <a:r>
+              <a:rPr lang="en-US" sz="2400" dirty="0" smtClean="0">
+                <a:latin typeface="Comic Sans MS" panose="030F0702030302020204" pitchFamily="66" charset="0"/>
+                <a:cs typeface="Consolas" panose="020B0609020204030204" pitchFamily="49" charset="0"/>
+              </a:rPr>
+              <a:t> )</a:t>
+            </a:r>
+          </a:p>
+          <a:p>
+            <a:pPr marL="285750" indent="-285750">
+              <a:buFont typeface="Arial" panose="020B0604020202020204" pitchFamily="34" charset="0"/>
+              <a:buChar char="•"/>
+            </a:pPr>
+            <a:r>
+              <a:rPr lang="en-US" sz="2400" dirty="0" smtClean="0">
+                <a:latin typeface="Comic Sans MS" panose="030F0702030302020204" pitchFamily="66" charset="0"/>
+                <a:cs typeface="Consolas" panose="020B0609020204030204" pitchFamily="49" charset="0"/>
+              </a:rPr>
+              <a:t>At first glance</a:t>
+            </a:r>
+          </a:p>
+          <a:p>
+            <a:pPr marL="742950" lvl="1" indent="-285750">
+              <a:buFont typeface="Arial" panose="020B0604020202020204" pitchFamily="34" charset="0"/>
+              <a:buChar char="•"/>
+            </a:pPr>
+            <a:r>
+              <a:rPr lang="en-US" sz="2400" dirty="0" smtClean="0">
+                <a:latin typeface="Comic Sans MS" panose="030F0702030302020204" pitchFamily="66" charset="0"/>
+                <a:cs typeface="Consolas" panose="020B0609020204030204" pitchFamily="49" charset="0"/>
+              </a:rPr>
+              <a:t>Both for runtime and compile time</a:t>
+            </a:r>
+          </a:p>
+          <a:p>
+            <a:pPr marL="742950" lvl="1" indent="-285750">
+              <a:buFont typeface="Arial" panose="020B0604020202020204" pitchFamily="34" charset="0"/>
+              <a:buChar char="•"/>
+            </a:pPr>
+            <a:r>
+              <a:rPr lang="en-US" sz="2400" dirty="0" smtClean="0">
+                <a:latin typeface="Comic Sans MS" panose="030F0702030302020204" pitchFamily="66" charset="0"/>
+                <a:cs typeface="Consolas" panose="020B0609020204030204" pitchFamily="49" charset="0"/>
+              </a:rPr>
+              <a:t>Eventually to replace current macros</a:t>
+            </a:r>
+          </a:p>
+          <a:p>
+            <a:pPr marL="742950" lvl="1" indent="-285750">
+              <a:buFont typeface="Arial" panose="020B0604020202020204" pitchFamily="34" charset="0"/>
+              <a:buChar char="•"/>
+            </a:pPr>
+            <a:r>
+              <a:rPr lang="en-US" sz="2400" dirty="0" smtClean="0">
+                <a:latin typeface="Comic Sans MS" panose="030F0702030302020204" pitchFamily="66" charset="0"/>
+                <a:cs typeface="Consolas" panose="020B0609020204030204" pitchFamily="49" charset="0"/>
+              </a:rPr>
+              <a:t>Supports </a:t>
+            </a:r>
+            <a:r>
+              <a:rPr lang="en-US" sz="2400" dirty="0" err="1" smtClean="0">
+                <a:latin typeface="Comic Sans MS" panose="030F0702030302020204" pitchFamily="66" charset="0"/>
+                <a:cs typeface="Consolas" panose="020B0609020204030204" pitchFamily="49" charset="0"/>
+              </a:rPr>
+              <a:t>quasiqoutes</a:t>
+            </a:r>
+            <a:endParaRPr lang="en-US" sz="2400" dirty="0" smtClean="0">
+              <a:latin typeface="Comic Sans MS" panose="030F0702030302020204" pitchFamily="66" charset="0"/>
+              <a:cs typeface="Consolas" panose="020B0609020204030204" pitchFamily="49" charset="0"/>
+            </a:endParaRPr>
+          </a:p>
+          <a:p>
+            <a:pPr marL="742950" lvl="1" indent="-285750">
+              <a:buFont typeface="Arial" panose="020B0604020202020204" pitchFamily="34" charset="0"/>
+              <a:buChar char="•"/>
+            </a:pPr>
+            <a:r>
+              <a:rPr lang="en-US" sz="2400" dirty="0" smtClean="0">
+                <a:latin typeface="Comic Sans MS" panose="030F0702030302020204" pitchFamily="66" charset="0"/>
+                <a:cs typeface="Consolas" panose="020B0609020204030204" pitchFamily="49" charset="0"/>
+              </a:rPr>
+              <a:t>Promises more cool stuff in future versions</a:t>
+            </a:r>
+          </a:p>
+          <a:p>
+            <a:pPr marL="285750" indent="-285750">
+              <a:buFont typeface="Arial" panose="020B0604020202020204" pitchFamily="34" charset="0"/>
+              <a:buChar char="•"/>
+            </a:pPr>
+            <a:r>
+              <a:rPr lang="en-US" sz="2400" dirty="0" smtClean="0">
+                <a:latin typeface="Comic Sans MS" panose="030F0702030302020204" pitchFamily="66" charset="0"/>
+                <a:cs typeface="Consolas" panose="020B0609020204030204" pitchFamily="49" charset="0"/>
+              </a:rPr>
+              <a:t>Notable uses:</a:t>
+            </a:r>
+          </a:p>
+          <a:p>
+            <a:pPr marL="742950" lvl="1" indent="-285750">
+              <a:buFont typeface="Arial" panose="020B0604020202020204" pitchFamily="34" charset="0"/>
+              <a:buChar char="•"/>
+            </a:pPr>
+            <a:r>
+              <a:rPr lang="en-US" sz="2400" dirty="0" err="1" smtClean="0">
+                <a:latin typeface="Comic Sans MS" panose="030F0702030302020204" pitchFamily="66" charset="0"/>
+                <a:cs typeface="Consolas" panose="020B0609020204030204" pitchFamily="49" charset="0"/>
+              </a:rPr>
+              <a:t>Scalafmt</a:t>
+            </a:r>
+            <a:r>
+              <a:rPr lang="en-US" sz="2400" dirty="0">
+                <a:latin typeface="Comic Sans MS" panose="030F0702030302020204" pitchFamily="66" charset="0"/>
+                <a:cs typeface="Consolas" panose="020B0609020204030204" pitchFamily="49" charset="0"/>
+              </a:rPr>
+              <a:t> </a:t>
+            </a:r>
+            <a:r>
+              <a:rPr lang="en-US" sz="2400" dirty="0">
+                <a:latin typeface="Comic Sans MS" panose="030F0702030302020204" pitchFamily="66" charset="0"/>
+                <a:cs typeface="Consolas" panose="020B0609020204030204" pitchFamily="49" charset="0"/>
+                <a:hlinkClick r:id="rId2"/>
+              </a:rPr>
+              <a:t>http://scalafmt.org</a:t>
+            </a:r>
+            <a:r>
+              <a:rPr lang="en-US" sz="2400" dirty="0" smtClean="0">
+                <a:latin typeface="Comic Sans MS" panose="030F0702030302020204" pitchFamily="66" charset="0"/>
+                <a:cs typeface="Consolas" panose="020B0609020204030204" pitchFamily="49" charset="0"/>
+                <a:hlinkClick r:id="rId2"/>
+              </a:rPr>
+              <a:t>/</a:t>
+            </a:r>
+            <a:r>
+              <a:rPr lang="en-US" sz="2400" dirty="0" smtClean="0">
+                <a:latin typeface="Comic Sans MS" panose="030F0702030302020204" pitchFamily="66" charset="0"/>
+                <a:cs typeface="Consolas" panose="020B0609020204030204" pitchFamily="49" charset="0"/>
+              </a:rPr>
+              <a:t> </a:t>
+            </a:r>
+            <a:endParaRPr lang="en-US" sz="2400" dirty="0" smtClean="0">
+              <a:latin typeface="Comic Sans MS" panose="030F0702030302020204" pitchFamily="66" charset="0"/>
+              <a:cs typeface="Consolas" panose="020B0609020204030204" pitchFamily="49" charset="0"/>
+            </a:endParaRPr>
+          </a:p>
+          <a:p>
+            <a:pPr marL="742950" lvl="1" indent="-285750">
+              <a:buFont typeface="Arial" panose="020B0604020202020204" pitchFamily="34" charset="0"/>
+              <a:buChar char="•"/>
+            </a:pPr>
+            <a:endParaRPr lang="en-US" sz="2400" dirty="0" smtClean="0">
+              <a:latin typeface="Comic Sans MS" panose="030F0702030302020204" pitchFamily="66" charset="0"/>
+              <a:cs typeface="Consolas" panose="020B0609020204030204" pitchFamily="49" charset="0"/>
+            </a:endParaRPr>
+          </a:p>
+          <a:p>
+            <a:pPr marL="285750" indent="-285750">
+              <a:buFont typeface="Arial" panose="020B0604020202020204" pitchFamily="34" charset="0"/>
+              <a:buChar char="•"/>
+            </a:pPr>
+            <a:r>
+              <a:rPr lang="en-GB" sz="2400" dirty="0">
+                <a:latin typeface="Comic Sans MS" panose="030F0702030302020204" pitchFamily="66" charset="0"/>
+                <a:cs typeface="Consolas" panose="020B0609020204030204" pitchFamily="49" charset="0"/>
+              </a:rPr>
+              <a:t>More </a:t>
+            </a:r>
+            <a:r>
+              <a:rPr lang="en-GB" sz="2400" dirty="0" smtClean="0">
+                <a:latin typeface="Comic Sans MS" panose="030F0702030302020204" pitchFamily="66" charset="0"/>
+                <a:cs typeface="Consolas" panose="020B0609020204030204" pitchFamily="49" charset="0"/>
+              </a:rPr>
+              <a:t>details: </a:t>
+            </a:r>
+            <a:r>
+              <a:rPr lang="en-GB" sz="2400" dirty="0">
+                <a:latin typeface="Comic Sans MS" panose="030F0702030302020204" pitchFamily="66" charset="0"/>
+                <a:cs typeface="Consolas" panose="020B0609020204030204" pitchFamily="49" charset="0"/>
+                <a:hlinkClick r:id="rId3"/>
+              </a:rPr>
+              <a:t>http://scalameta.org</a:t>
+            </a:r>
+            <a:r>
+              <a:rPr lang="en-GB" sz="2400" dirty="0" smtClean="0">
+                <a:latin typeface="Comic Sans MS" panose="030F0702030302020204" pitchFamily="66" charset="0"/>
+                <a:cs typeface="Consolas" panose="020B0609020204030204" pitchFamily="49" charset="0"/>
+                <a:hlinkClick r:id="rId3"/>
+              </a:rPr>
+              <a:t>/</a:t>
+            </a:r>
+            <a:r>
+              <a:rPr lang="en-GB" sz="2400" dirty="0" smtClean="0">
+                <a:latin typeface="Comic Sans MS" panose="030F0702030302020204" pitchFamily="66" charset="0"/>
+                <a:cs typeface="Consolas" panose="020B0609020204030204" pitchFamily="49" charset="0"/>
+              </a:rPr>
+              <a:t> </a:t>
+            </a:r>
+            <a:endParaRPr lang="en-GB" sz="2400" dirty="0">
               <a:latin typeface="Comic Sans MS" panose="030F0702030302020204" pitchFamily="66" charset="0"/>
               <a:cs typeface="Consolas" panose="020B0609020204030204" pitchFamily="49" charset="0"/>
             </a:endParaRPr>
@@ -9298,7 +9514,7 @@
     </p:spTree>
     <p:extLst>
       <p:ext uri="{BB962C8B-B14F-4D97-AF65-F5344CB8AC3E}">
-        <p14:creationId xmlns:p14="http://schemas.microsoft.com/office/powerpoint/2010/main" val="3385901564"/>
+        <p14:creationId xmlns:p14="http://schemas.microsoft.com/office/powerpoint/2010/main" val="3622638104"/>
       </p:ext>
     </p:extLst>
   </p:cSld>
@@ -9356,7 +9572,7 @@
           <a:p>
             <a:pPr algn="l"/>
             <a:r>
-              <a:rPr lang="en-US" dirty="0" err="1" smtClean="0">
+              <a:rPr lang="en-US" dirty="0" smtClean="0">
                 <a:solidFill>
                   <a:schemeClr val="bg1">
                     <a:lumMod val="50000"/>
@@ -9364,7 +9580,7 @@
                 </a:solidFill>
                 <a:latin typeface="Comic Sans MS"/>
               </a:rPr>
-              <a:t>Scala.meta</a:t>
+              <a:t>Compiler plugins</a:t>
             </a:r>
             <a:endParaRPr lang="en-US" dirty="0">
               <a:solidFill>
@@ -9386,7 +9602,7 @@
         <p:spPr>
           <a:xfrm>
             <a:off x="563672" y="1691014"/>
-            <a:ext cx="7818328" cy="4154984"/>
+            <a:ext cx="7818328" cy="369332"/>
           </a:xfrm>
           <a:prstGeom prst="rect">
             <a:avLst/>
@@ -9404,229 +9620,13 @@
               <a:buChar char="•"/>
             </a:pPr>
             <a:r>
-              <a:rPr lang="en-US" sz="2400" dirty="0" smtClean="0">
-                <a:latin typeface="Comic Sans MS" panose="030F0702030302020204" pitchFamily="66" charset="0"/>
-                <a:cs typeface="Consolas" panose="020B0609020204030204" pitchFamily="49" charset="0"/>
-              </a:rPr>
-              <a:t>First beta version 0.2.0 </a:t>
-            </a:r>
-          </a:p>
-          <a:p>
-            <a:pPr marL="742950" lvl="1" indent="-285750">
-              <a:buFont typeface="Arial" panose="020B0604020202020204" pitchFamily="34" charset="0"/>
-              <a:buChar char="•"/>
-            </a:pPr>
-            <a:r>
-              <a:rPr lang="en-US" sz="2400" dirty="0" smtClean="0">
-                <a:latin typeface="Comic Sans MS" panose="030F0702030302020204" pitchFamily="66" charset="0"/>
-                <a:cs typeface="Consolas" panose="020B0609020204030204" pitchFamily="49" charset="0"/>
-              </a:rPr>
-              <a:t>Released just last week (May 11</a:t>
-            </a:r>
-            <a:r>
-              <a:rPr lang="en-US" sz="2400" baseline="30000" dirty="0" smtClean="0">
-                <a:latin typeface="Comic Sans MS" panose="030F0702030302020204" pitchFamily="66" charset="0"/>
-                <a:cs typeface="Consolas" panose="020B0609020204030204" pitchFamily="49" charset="0"/>
-              </a:rPr>
-              <a:t>th</a:t>
-            </a:r>
-            <a:r>
-              <a:rPr lang="en-US" sz="2400" dirty="0" smtClean="0">
-                <a:latin typeface="Comic Sans MS" panose="030F0702030302020204" pitchFamily="66" charset="0"/>
-                <a:cs typeface="Consolas" panose="020B0609020204030204" pitchFamily="49" charset="0"/>
-              </a:rPr>
-              <a:t> )</a:t>
-            </a:r>
-          </a:p>
-          <a:p>
-            <a:pPr marL="285750" indent="-285750">
-              <a:buFont typeface="Arial" panose="020B0604020202020204" pitchFamily="34" charset="0"/>
-              <a:buChar char="•"/>
-            </a:pPr>
-            <a:r>
-              <a:rPr lang="en-US" sz="2400" dirty="0" smtClean="0">
-                <a:latin typeface="Comic Sans MS" panose="030F0702030302020204" pitchFamily="66" charset="0"/>
-                <a:cs typeface="Consolas" panose="020B0609020204030204" pitchFamily="49" charset="0"/>
-              </a:rPr>
-              <a:t>At first glance</a:t>
-            </a:r>
-          </a:p>
-          <a:p>
-            <a:pPr marL="742950" lvl="1" indent="-285750">
-              <a:buFont typeface="Arial" panose="020B0604020202020204" pitchFamily="34" charset="0"/>
-              <a:buChar char="•"/>
-            </a:pPr>
-            <a:r>
-              <a:rPr lang="en-US" sz="2400" dirty="0" smtClean="0">
-                <a:latin typeface="Comic Sans MS" panose="030F0702030302020204" pitchFamily="66" charset="0"/>
-                <a:cs typeface="Consolas" panose="020B0609020204030204" pitchFamily="49" charset="0"/>
-              </a:rPr>
-              <a:t>Both for runtime and compile time</a:t>
-            </a:r>
-          </a:p>
-          <a:p>
-            <a:pPr marL="742950" lvl="1" indent="-285750">
-              <a:buFont typeface="Arial" panose="020B0604020202020204" pitchFamily="34" charset="0"/>
-              <a:buChar char="•"/>
-            </a:pPr>
-            <a:r>
-              <a:rPr lang="en-US" sz="2400" dirty="0" smtClean="0">
-                <a:latin typeface="Comic Sans MS" panose="030F0702030302020204" pitchFamily="66" charset="0"/>
-                <a:cs typeface="Consolas" panose="020B0609020204030204" pitchFamily="49" charset="0"/>
-              </a:rPr>
-              <a:t>Eventually to replace current macros</a:t>
-            </a:r>
-          </a:p>
-          <a:p>
-            <a:pPr marL="742950" lvl="1" indent="-285750">
-              <a:buFont typeface="Arial" panose="020B0604020202020204" pitchFamily="34" charset="0"/>
-              <a:buChar char="•"/>
-            </a:pPr>
-            <a:r>
-              <a:rPr lang="en-US" sz="2400" dirty="0" smtClean="0">
-                <a:latin typeface="Comic Sans MS" panose="030F0702030302020204" pitchFamily="66" charset="0"/>
-                <a:cs typeface="Consolas" panose="020B0609020204030204" pitchFamily="49" charset="0"/>
-              </a:rPr>
-              <a:t>Supports </a:t>
-            </a:r>
-            <a:r>
-              <a:rPr lang="en-US" sz="2400" dirty="0" err="1" smtClean="0">
-                <a:latin typeface="Comic Sans MS" panose="030F0702030302020204" pitchFamily="66" charset="0"/>
-                <a:cs typeface="Consolas" panose="020B0609020204030204" pitchFamily="49" charset="0"/>
-              </a:rPr>
-              <a:t>quasiqoutes</a:t>
-            </a:r>
-            <a:endParaRPr lang="en-US" sz="2400" dirty="0" smtClean="0">
-              <a:latin typeface="Comic Sans MS" panose="030F0702030302020204" pitchFamily="66" charset="0"/>
-              <a:cs typeface="Consolas" panose="020B0609020204030204" pitchFamily="49" charset="0"/>
-            </a:endParaRPr>
-          </a:p>
-          <a:p>
-            <a:pPr marL="742950" lvl="1" indent="-285750">
-              <a:buFont typeface="Arial" panose="020B0604020202020204" pitchFamily="34" charset="0"/>
-              <a:buChar char="•"/>
-            </a:pPr>
-            <a:r>
-              <a:rPr lang="en-US" sz="2400" dirty="0" smtClean="0">
-                <a:latin typeface="Comic Sans MS" panose="030F0702030302020204" pitchFamily="66" charset="0"/>
-                <a:cs typeface="Consolas" panose="020B0609020204030204" pitchFamily="49" charset="0"/>
-              </a:rPr>
-              <a:t>Promises more cool stuff in future versions</a:t>
-            </a:r>
-          </a:p>
-          <a:p>
-            <a:pPr marL="285750" indent="-285750">
-              <a:buFont typeface="Arial" panose="020B0604020202020204" pitchFamily="34" charset="0"/>
-              <a:buChar char="•"/>
-            </a:pPr>
-            <a:r>
-              <a:rPr lang="en-US" sz="2400" dirty="0" smtClean="0">
-                <a:latin typeface="Comic Sans MS" panose="030F0702030302020204" pitchFamily="66" charset="0"/>
-                <a:cs typeface="Consolas" panose="020B0609020204030204" pitchFamily="49" charset="0"/>
-              </a:rPr>
-              <a:t>Notable uses:</a:t>
-            </a:r>
-          </a:p>
-          <a:p>
-            <a:pPr marL="742950" lvl="1" indent="-285750">
-              <a:buFont typeface="Arial" panose="020B0604020202020204" pitchFamily="34" charset="0"/>
-              <a:buChar char="•"/>
-            </a:pPr>
-            <a:r>
-              <a:rPr lang="en-US" sz="2400" dirty="0" err="1" smtClean="0">
-                <a:latin typeface="Comic Sans MS" panose="030F0702030302020204" pitchFamily="66" charset="0"/>
-                <a:cs typeface="Consolas" panose="020B0609020204030204" pitchFamily="49" charset="0"/>
-              </a:rPr>
-              <a:t>Scalafmt</a:t>
-            </a:r>
-            <a:r>
-              <a:rPr lang="en-US" sz="2400" dirty="0">
-                <a:latin typeface="Comic Sans MS" panose="030F0702030302020204" pitchFamily="66" charset="0"/>
-                <a:cs typeface="Consolas" panose="020B0609020204030204" pitchFamily="49" charset="0"/>
-              </a:rPr>
-              <a:t> </a:t>
-            </a:r>
-            <a:r>
-              <a:rPr lang="en-US" sz="2400" dirty="0">
-                <a:latin typeface="Comic Sans MS" panose="030F0702030302020204" pitchFamily="66" charset="0"/>
-                <a:cs typeface="Consolas" panose="020B0609020204030204" pitchFamily="49" charset="0"/>
-                <a:hlinkClick r:id="rId2"/>
-              </a:rPr>
-              <a:t>http://scalafmt.org</a:t>
-            </a:r>
-            <a:r>
-              <a:rPr lang="en-US" sz="2400" dirty="0" smtClean="0">
-                <a:latin typeface="Comic Sans MS" panose="030F0702030302020204" pitchFamily="66" charset="0"/>
-                <a:cs typeface="Consolas" panose="020B0609020204030204" pitchFamily="49" charset="0"/>
-                <a:hlinkClick r:id="rId2"/>
-              </a:rPr>
-              <a:t>/</a:t>
-            </a:r>
-            <a:r>
-              <a:rPr lang="en-US" sz="2400" dirty="0" smtClean="0">
-                <a:latin typeface="Comic Sans MS" panose="030F0702030302020204" pitchFamily="66" charset="0"/>
-                <a:cs typeface="Consolas" panose="020B0609020204030204" pitchFamily="49" charset="0"/>
-              </a:rPr>
-              <a:t> </a:t>
-            </a:r>
-            <a:endParaRPr lang="en-US" sz="2400" dirty="0" smtClean="0">
-              <a:latin typeface="Comic Sans MS" panose="030F0702030302020204" pitchFamily="66" charset="0"/>
-              <a:cs typeface="Consolas" panose="020B0609020204030204" pitchFamily="49" charset="0"/>
-            </a:endParaRPr>
-          </a:p>
-          <a:p>
-            <a:pPr marL="742950" lvl="1" indent="-285750">
-              <a:buFont typeface="Arial" panose="020B0604020202020204" pitchFamily="34" charset="0"/>
-              <a:buChar char="•"/>
-            </a:pPr>
-            <a:endParaRPr lang="en-US" sz="2400" dirty="0" smtClean="0">
-              <a:latin typeface="Comic Sans MS" panose="030F0702030302020204" pitchFamily="66" charset="0"/>
-              <a:cs typeface="Consolas" panose="020B0609020204030204" pitchFamily="49" charset="0"/>
-            </a:endParaRPr>
-          </a:p>
-          <a:p>
-            <a:pPr marL="285750" indent="-285750">
-              <a:buFont typeface="Arial" panose="020B0604020202020204" pitchFamily="34" charset="0"/>
-              <a:buChar char="•"/>
-            </a:pPr>
-            <a:r>
-              <a:rPr lang="en-GB" sz="2400" dirty="0">
-                <a:latin typeface="Comic Sans MS" panose="030F0702030302020204" pitchFamily="66" charset="0"/>
-                <a:cs typeface="Consolas" panose="020B0609020204030204" pitchFamily="49" charset="0"/>
-              </a:rPr>
-              <a:t>More </a:t>
-            </a:r>
-            <a:r>
-              <a:rPr lang="en-GB" sz="2400" dirty="0" smtClean="0">
-                <a:latin typeface="Comic Sans MS" panose="030F0702030302020204" pitchFamily="66" charset="0"/>
-                <a:cs typeface="Consolas" panose="020B0609020204030204" pitchFamily="49" charset="0"/>
-              </a:rPr>
-              <a:t>details: </a:t>
-            </a:r>
-            <a:r>
-              <a:rPr lang="en-GB" sz="2400" dirty="0">
-                <a:latin typeface="Comic Sans MS" panose="030F0702030302020204" pitchFamily="66" charset="0"/>
-                <a:cs typeface="Consolas" panose="020B0609020204030204" pitchFamily="49" charset="0"/>
-                <a:hlinkClick r:id="rId3"/>
-              </a:rPr>
-              <a:t>http://scalameta.org</a:t>
-            </a:r>
-            <a:r>
-              <a:rPr lang="en-GB" sz="2400" dirty="0" smtClean="0">
-                <a:latin typeface="Comic Sans MS" panose="030F0702030302020204" pitchFamily="66" charset="0"/>
-                <a:cs typeface="Consolas" panose="020B0609020204030204" pitchFamily="49" charset="0"/>
-                <a:hlinkClick r:id="rId3"/>
-              </a:rPr>
-              <a:t>/</a:t>
-            </a:r>
-            <a:r>
-              <a:rPr lang="en-GB" sz="2400" dirty="0" smtClean="0">
-                <a:latin typeface="Comic Sans MS" panose="030F0702030302020204" pitchFamily="66" charset="0"/>
-                <a:cs typeface="Consolas" panose="020B0609020204030204" pitchFamily="49" charset="0"/>
-              </a:rPr>
-              <a:t> </a:t>
-            </a:r>
-            <a:endParaRPr lang="en-GB" sz="2400" dirty="0">
+              <a:rPr lang="lv-LV" dirty="0" smtClean="0">
+                <a:latin typeface="Comic Sans MS" panose="030F0702030302020204" pitchFamily="66" charset="0"/>
+                <a:cs typeface="Consolas" panose="020B0609020204030204" pitchFamily="49" charset="0"/>
+              </a:rPr>
+              <a:t>TODO</a:t>
+            </a:r>
+            <a:endParaRPr lang="en-GB" dirty="0">
               <a:latin typeface="Comic Sans MS" panose="030F0702030302020204" pitchFamily="66" charset="0"/>
               <a:cs typeface="Consolas" panose="020B0609020204030204" pitchFamily="49" charset="0"/>
             </a:endParaRPr>
@@ -9636,7 +9636,7 @@
     </p:spTree>
     <p:extLst>
       <p:ext uri="{BB962C8B-B14F-4D97-AF65-F5344CB8AC3E}">
-        <p14:creationId xmlns:p14="http://schemas.microsoft.com/office/powerpoint/2010/main" val="3622638104"/>
+        <p14:creationId xmlns:p14="http://schemas.microsoft.com/office/powerpoint/2010/main" val="3385901564"/>
       </p:ext>
     </p:extLst>
   </p:cSld>
@@ -9939,7 +9939,7 @@
                 <a:latin typeface="Comic Sans MS" panose="030F0702030302020204" pitchFamily="66" charset="0"/>
                 <a:cs typeface="Consolas" panose="020B0609020204030204" pitchFamily="49" charset="0"/>
               </a:rPr>
-              <a:t>I would try to modify this first</a:t>
+              <a:t>I’d try to modify this first</a:t>
             </a:r>
             <a:endParaRPr lang="en-GB" sz="3200" dirty="0">
               <a:latin typeface="Comic Sans MS" panose="030F0702030302020204" pitchFamily="66" charset="0"/>
@@ -10039,7 +10039,7 @@
         <p:spPr>
           <a:xfrm>
             <a:off x="563672" y="1691014"/>
-            <a:ext cx="7818328" cy="369332"/>
+            <a:ext cx="7818328" cy="4708981"/>
           </a:xfrm>
           <a:prstGeom prst="rect">
             <a:avLst/>
@@ -10057,13 +10057,303 @@
               <a:buChar char="•"/>
             </a:pPr>
             <a:r>
-              <a:rPr lang="lv-LV" dirty="0" smtClean="0">
-                <a:latin typeface="Comic Sans MS" panose="030F0702030302020204" pitchFamily="66" charset="0"/>
-                <a:cs typeface="Consolas" panose="020B0609020204030204" pitchFamily="49" charset="0"/>
-              </a:rPr>
-              <a:t>TODO</a:t>
-            </a:r>
-            <a:endParaRPr lang="en-GB" dirty="0">
+              <a:rPr lang="en-US" sz="2000" dirty="0" smtClean="0">
+                <a:latin typeface="Comic Sans MS" panose="030F0702030302020204" pitchFamily="66" charset="0"/>
+                <a:cs typeface="Consolas" panose="020B0609020204030204" pitchFamily="49" charset="0"/>
+              </a:rPr>
+              <a:t>A plugin adds a new build stage</a:t>
+            </a:r>
+          </a:p>
+          <a:p>
+            <a:pPr marL="285750" indent="-285750">
+              <a:buFont typeface="Arial" panose="020B0604020202020204" pitchFamily="34" charset="0"/>
+              <a:buChar char="•"/>
+            </a:pPr>
+            <a:r>
+              <a:rPr lang="en-US" sz="2000" dirty="0" smtClean="0">
+                <a:latin typeface="Comic Sans MS" panose="030F0702030302020204" pitchFamily="66" charset="0"/>
+                <a:cs typeface="Consolas" panose="020B0609020204030204" pitchFamily="49" charset="0"/>
+              </a:rPr>
+              <a:t>Create or modify </a:t>
+            </a:r>
+            <a:r>
+              <a:rPr lang="en-US" sz="2000" dirty="0">
+                <a:latin typeface="Comic Sans MS" panose="030F0702030302020204" pitchFamily="66" charset="0"/>
+                <a:cs typeface="Consolas" panose="020B0609020204030204" pitchFamily="49" charset="0"/>
+              </a:rPr>
+              <a:t>S</a:t>
+            </a:r>
+            <a:r>
+              <a:rPr lang="en-US" sz="2000" dirty="0" smtClean="0">
+                <a:latin typeface="Comic Sans MS" panose="030F0702030302020204" pitchFamily="66" charset="0"/>
+                <a:cs typeface="Consolas" panose="020B0609020204030204" pitchFamily="49" charset="0"/>
+              </a:rPr>
+              <a:t>cala </a:t>
+            </a:r>
+            <a:r>
+              <a:rPr lang="en-US" sz="2000" dirty="0" smtClean="0">
+                <a:latin typeface="Comic Sans MS" panose="030F0702030302020204" pitchFamily="66" charset="0"/>
+                <a:cs typeface="Consolas" panose="020B0609020204030204" pitchFamily="49" charset="0"/>
+              </a:rPr>
+              <a:t>source files</a:t>
+            </a:r>
+          </a:p>
+          <a:p>
+            <a:pPr marL="285750" indent="-285750">
+              <a:buFont typeface="Arial" panose="020B0604020202020204" pitchFamily="34" charset="0"/>
+              <a:buChar char="•"/>
+            </a:pPr>
+            <a:r>
+              <a:rPr lang="en-US" sz="2000" dirty="0" smtClean="0">
+                <a:latin typeface="Comic Sans MS" panose="030F0702030302020204" pitchFamily="66" charset="0"/>
+                <a:cs typeface="Consolas" panose="020B0609020204030204" pitchFamily="49" charset="0"/>
+              </a:rPr>
+              <a:t>Not really metaprogramming</a:t>
+            </a:r>
+          </a:p>
+          <a:p>
+            <a:pPr marL="742950" lvl="1" indent="-285750">
+              <a:buFont typeface="Arial" panose="020B0604020202020204" pitchFamily="34" charset="0"/>
+              <a:buChar char="•"/>
+            </a:pPr>
+            <a:r>
+              <a:rPr lang="en-US" sz="2000" dirty="0" smtClean="0">
+                <a:latin typeface="Comic Sans MS" panose="030F0702030302020204" pitchFamily="66" charset="0"/>
+                <a:cs typeface="Consolas" panose="020B0609020204030204" pitchFamily="49" charset="0"/>
+              </a:rPr>
+              <a:t>Deals with text files not programs</a:t>
+            </a:r>
+          </a:p>
+          <a:p>
+            <a:pPr marL="285750" indent="-285750">
+              <a:buFont typeface="Arial" panose="020B0604020202020204" pitchFamily="34" charset="0"/>
+              <a:buChar char="•"/>
+            </a:pPr>
+            <a:r>
+              <a:rPr lang="en-US" sz="2000" dirty="0" smtClean="0">
+                <a:latin typeface="Comic Sans MS" panose="030F0702030302020204" pitchFamily="66" charset="0"/>
+                <a:cs typeface="Consolas" panose="020B0609020204030204" pitchFamily="49" charset="0"/>
+              </a:rPr>
+              <a:t>At least not very </a:t>
+            </a:r>
+            <a:r>
+              <a:rPr lang="en-US" sz="2000" dirty="0" smtClean="0">
+                <a:latin typeface="Comic Sans MS" panose="030F0702030302020204" pitchFamily="66" charset="0"/>
+                <a:cs typeface="Consolas" panose="020B0609020204030204" pitchFamily="49" charset="0"/>
+              </a:rPr>
+              <a:t>nice </a:t>
+            </a:r>
+            <a:r>
+              <a:rPr lang="en-US" sz="2000" dirty="0" smtClean="0">
+                <a:latin typeface="Comic Sans MS" panose="030F0702030302020204" pitchFamily="66" charset="0"/>
+                <a:cs typeface="Consolas" panose="020B0609020204030204" pitchFamily="49" charset="0"/>
+                <a:sym typeface="Wingdings" panose="05000000000000000000" pitchFamily="2" charset="2"/>
+              </a:rPr>
+              <a:t></a:t>
+            </a:r>
+          </a:p>
+          <a:p>
+            <a:pPr marL="742950" lvl="1" indent="-285750">
+              <a:buFont typeface="Arial" panose="020B0604020202020204" pitchFamily="34" charset="0"/>
+              <a:buChar char="•"/>
+            </a:pPr>
+            <a:r>
+              <a:rPr lang="en-US" sz="2000" dirty="0" smtClean="0">
+                <a:latin typeface="Comic Sans MS" panose="030F0702030302020204" pitchFamily="66" charset="0"/>
+                <a:cs typeface="Consolas" panose="020B0609020204030204" pitchFamily="49" charset="0"/>
+                <a:sym typeface="Wingdings" panose="05000000000000000000" pitchFamily="2" charset="2"/>
+              </a:rPr>
+              <a:t>Annoy </a:t>
+            </a:r>
+            <a:r>
+              <a:rPr lang="en-US" sz="2000" dirty="0" err="1" smtClean="0">
+                <a:latin typeface="Comic Sans MS" panose="030F0702030302020204" pitchFamily="66" charset="0"/>
+                <a:cs typeface="Consolas" panose="020B0609020204030204" pitchFamily="49" charset="0"/>
+                <a:sym typeface="Wingdings" panose="05000000000000000000" pitchFamily="2" charset="2"/>
+              </a:rPr>
+              <a:t>devs</a:t>
+            </a:r>
+            <a:r>
+              <a:rPr lang="en-US" sz="2000" dirty="0" smtClean="0">
+                <a:latin typeface="Comic Sans MS" panose="030F0702030302020204" pitchFamily="66" charset="0"/>
+                <a:cs typeface="Consolas" panose="020B0609020204030204" pitchFamily="49" charset="0"/>
+                <a:sym typeface="Wingdings" panose="05000000000000000000" pitchFamily="2" charset="2"/>
+              </a:rPr>
+              <a:t> by changing their code</a:t>
+            </a:r>
+          </a:p>
+          <a:p>
+            <a:pPr marL="742950" lvl="1" indent="-285750">
+              <a:buFont typeface="Arial" panose="020B0604020202020204" pitchFamily="34" charset="0"/>
+              <a:buChar char="•"/>
+            </a:pPr>
+            <a:r>
+              <a:rPr lang="en-US" sz="2000" dirty="0" smtClean="0">
+                <a:latin typeface="Comic Sans MS" panose="030F0702030302020204" pitchFamily="66" charset="0"/>
+                <a:cs typeface="Consolas" panose="020B0609020204030204" pitchFamily="49" charset="0"/>
+                <a:sym typeface="Wingdings" panose="05000000000000000000" pitchFamily="2" charset="2"/>
+              </a:rPr>
+              <a:t>Please, do not touch the generated files</a:t>
+            </a:r>
+          </a:p>
+          <a:p>
+            <a:pPr marL="742950" lvl="1" indent="-285750">
+              <a:buFont typeface="Arial" panose="020B0604020202020204" pitchFamily="34" charset="0"/>
+              <a:buChar char="•"/>
+            </a:pPr>
+            <a:r>
+              <a:rPr lang="en-GB" sz="2000" dirty="0" smtClean="0">
+                <a:latin typeface="Comic Sans MS" panose="030F0702030302020204" pitchFamily="66" charset="0"/>
+                <a:cs typeface="Consolas" panose="020B0609020204030204" pitchFamily="49" charset="0"/>
+              </a:rPr>
+              <a:t>Encode and then parse it again</a:t>
+            </a:r>
+          </a:p>
+          <a:p>
+            <a:pPr marL="742950" lvl="1" indent="-285750">
+              <a:buFont typeface="Arial" panose="020B0604020202020204" pitchFamily="34" charset="0"/>
+              <a:buChar char="•"/>
+            </a:pPr>
+            <a:r>
+              <a:rPr lang="en-GB" sz="2000" dirty="0" smtClean="0">
+                <a:latin typeface="Comic Sans MS" panose="030F0702030302020204" pitchFamily="66" charset="0"/>
+                <a:cs typeface="Consolas" panose="020B0609020204030204" pitchFamily="49" charset="0"/>
+              </a:rPr>
+              <a:t>Possible syntax errors</a:t>
+            </a:r>
+          </a:p>
+          <a:p>
+            <a:pPr marL="285750" indent="-285750">
+              <a:buFont typeface="Arial" panose="020B0604020202020204" pitchFamily="34" charset="0"/>
+              <a:buChar char="•"/>
+            </a:pPr>
+            <a:r>
+              <a:rPr lang="en-GB" sz="2000" dirty="0" smtClean="0">
+                <a:latin typeface="Comic Sans MS" panose="030F0702030302020204" pitchFamily="66" charset="0"/>
+                <a:cs typeface="Consolas" panose="020B0609020204030204" pitchFamily="49" charset="0"/>
+              </a:rPr>
+              <a:t>Sometimes it is acceptable </a:t>
+            </a:r>
+            <a:r>
+              <a:rPr lang="en-GB" sz="2000" dirty="0" smtClean="0">
+                <a:latin typeface="Comic Sans MS" panose="030F0702030302020204" pitchFamily="66" charset="0"/>
+                <a:cs typeface="Consolas" panose="020B0609020204030204" pitchFamily="49" charset="0"/>
+                <a:sym typeface="Wingdings" panose="05000000000000000000" pitchFamily="2" charset="2"/>
+              </a:rPr>
+              <a:t></a:t>
+            </a:r>
+            <a:endParaRPr lang="en-GB" sz="2000" dirty="0" smtClean="0">
+              <a:latin typeface="Comic Sans MS" panose="030F0702030302020204" pitchFamily="66" charset="0"/>
+              <a:cs typeface="Consolas" panose="020B0609020204030204" pitchFamily="49" charset="0"/>
+            </a:endParaRPr>
+          </a:p>
+          <a:p>
+            <a:pPr marL="285750" indent="-285750">
+              <a:buFont typeface="Arial" panose="020B0604020202020204" pitchFamily="34" charset="0"/>
+              <a:buChar char="•"/>
+            </a:pPr>
+            <a:r>
+              <a:rPr lang="en-GB" sz="2000" dirty="0" smtClean="0">
+                <a:latin typeface="Comic Sans MS" panose="030F0702030302020204" pitchFamily="66" charset="0"/>
+                <a:cs typeface="Consolas" panose="020B0609020204030204" pitchFamily="49" charset="0"/>
+              </a:rPr>
+              <a:t>Notable uses:</a:t>
+            </a:r>
+          </a:p>
+          <a:p>
+            <a:pPr marL="742950" lvl="1" indent="-285750">
+              <a:buFont typeface="Arial" panose="020B0604020202020204" pitchFamily="34" charset="0"/>
+              <a:buChar char="•"/>
+            </a:pPr>
+            <a:r>
+              <a:rPr lang="en-GB" sz="2000" dirty="0">
+                <a:latin typeface="Comic Sans MS" panose="030F0702030302020204" pitchFamily="66" charset="0"/>
+                <a:cs typeface="Consolas" panose="020B0609020204030204" pitchFamily="49" charset="0"/>
+              </a:rPr>
+              <a:t>Code formatting </a:t>
+            </a:r>
+            <a:endParaRPr lang="en-GB" sz="2000" dirty="0" smtClean="0">
+              <a:latin typeface="Comic Sans MS" panose="030F0702030302020204" pitchFamily="66" charset="0"/>
+              <a:cs typeface="Consolas" panose="020B0609020204030204" pitchFamily="49" charset="0"/>
+            </a:endParaRPr>
+          </a:p>
+          <a:p>
+            <a:pPr lvl="2"/>
+            <a:r>
+              <a:rPr lang="en-GB" sz="2000" dirty="0" smtClean="0">
+                <a:latin typeface="Comic Sans MS" panose="030F0702030302020204" pitchFamily="66" charset="0"/>
+                <a:cs typeface="Consolas" panose="020B0609020204030204" pitchFamily="49" charset="0"/>
+                <a:hlinkClick r:id="rId2"/>
+              </a:rPr>
+              <a:t>https</a:t>
+            </a:r>
+            <a:r>
+              <a:rPr lang="en-GB" sz="2000" dirty="0">
+                <a:latin typeface="Comic Sans MS" panose="030F0702030302020204" pitchFamily="66" charset="0"/>
+                <a:cs typeface="Consolas" panose="020B0609020204030204" pitchFamily="49" charset="0"/>
+                <a:hlinkClick r:id="rId2"/>
+              </a:rPr>
+              <a:t>://</a:t>
+            </a:r>
+            <a:r>
+              <a:rPr lang="en-GB" sz="2000" dirty="0" smtClean="0">
+                <a:latin typeface="Comic Sans MS" panose="030F0702030302020204" pitchFamily="66" charset="0"/>
+                <a:cs typeface="Consolas" panose="020B0609020204030204" pitchFamily="49" charset="0"/>
+                <a:hlinkClick r:id="rId2"/>
+              </a:rPr>
+              <a:t>github.com/sbt/sbt-scalariform</a:t>
+            </a:r>
+            <a:r>
+              <a:rPr lang="en-GB" sz="2000" dirty="0" smtClean="0">
+                <a:latin typeface="Comic Sans MS" panose="030F0702030302020204" pitchFamily="66" charset="0"/>
+                <a:cs typeface="Consolas" panose="020B0609020204030204" pitchFamily="49" charset="0"/>
+              </a:rPr>
+              <a:t> </a:t>
+            </a:r>
+          </a:p>
+          <a:p>
+            <a:pPr marL="742950" lvl="1" indent="-285750">
+              <a:buFont typeface="Arial" panose="020B0604020202020204" pitchFamily="34" charset="0"/>
+              <a:buChar char="•"/>
+            </a:pPr>
+            <a:r>
+              <a:rPr lang="en-GB" sz="2000" dirty="0" smtClean="0">
+                <a:latin typeface="Comic Sans MS" panose="030F0702030302020204" pitchFamily="66" charset="0"/>
+                <a:cs typeface="Consolas" panose="020B0609020204030204" pitchFamily="49" charset="0"/>
+              </a:rPr>
+              <a:t>Generate Java POJOs for </a:t>
+            </a:r>
+            <a:r>
+              <a:rPr lang="en-GB" sz="2000" dirty="0">
+                <a:latin typeface="Comic Sans MS" panose="030F0702030302020204" pitchFamily="66" charset="0"/>
+                <a:cs typeface="Consolas" panose="020B0609020204030204" pitchFamily="49" charset="0"/>
+              </a:rPr>
+              <a:t>AVRO schema </a:t>
+            </a:r>
+            <a:r>
+              <a:rPr lang="en-GB" sz="2000" dirty="0">
+                <a:latin typeface="Comic Sans MS" panose="030F0702030302020204" pitchFamily="66" charset="0"/>
+                <a:cs typeface="Consolas" panose="020B0609020204030204" pitchFamily="49" charset="0"/>
+                <a:hlinkClick r:id="rId3"/>
+              </a:rPr>
+              <a:t>https://</a:t>
+            </a:r>
+            <a:r>
+              <a:rPr lang="en-GB" sz="2000" dirty="0" smtClean="0">
+                <a:latin typeface="Comic Sans MS" panose="030F0702030302020204" pitchFamily="66" charset="0"/>
+                <a:cs typeface="Consolas" panose="020B0609020204030204" pitchFamily="49" charset="0"/>
+                <a:hlinkClick r:id="rId3"/>
+              </a:rPr>
+              <a:t>github.com/sbt/sbt-avro</a:t>
+            </a:r>
+            <a:r>
+              <a:rPr lang="en-GB" sz="2000" dirty="0" smtClean="0">
+                <a:latin typeface="Comic Sans MS" panose="030F0702030302020204" pitchFamily="66" charset="0"/>
+                <a:cs typeface="Consolas" panose="020B0609020204030204" pitchFamily="49" charset="0"/>
+              </a:rPr>
+              <a:t> </a:t>
+            </a:r>
+            <a:endParaRPr lang="en-GB" sz="2000" dirty="0">
               <a:latin typeface="Comic Sans MS" panose="030F0702030302020204" pitchFamily="66" charset="0"/>
               <a:cs typeface="Consolas" panose="020B0609020204030204" pitchFamily="49" charset="0"/>
             </a:endParaRPr>
@@ -10161,7 +10451,7 @@
         <p:spPr>
           <a:xfrm>
             <a:off x="563672" y="1691014"/>
-            <a:ext cx="7818328" cy="2308324"/>
+            <a:ext cx="7818328" cy="2554545"/>
           </a:xfrm>
           <a:prstGeom prst="rect">
             <a:avLst/>
@@ -10179,41 +10469,41 @@
               <a:buChar char="•"/>
             </a:pPr>
             <a:r>
-              <a:rPr lang="en-GB" dirty="0" smtClean="0">
+              <a:rPr lang="en-GB" sz="2000" dirty="0" smtClean="0">
                 <a:latin typeface="Comic Sans MS" panose="030F0702030302020204" pitchFamily="66" charset="0"/>
                 <a:cs typeface="Consolas" panose="020B0609020204030204" pitchFamily="49" charset="0"/>
               </a:rPr>
               <a:t>You can w</a:t>
             </a:r>
             <a:r>
-              <a:rPr lang="en-GB" dirty="0" smtClean="0">
+              <a:rPr lang="en-GB" sz="2000" dirty="0" smtClean="0">
                 <a:latin typeface="Comic Sans MS" panose="030F0702030302020204" pitchFamily="66" charset="0"/>
                 <a:cs typeface="Consolas" panose="020B0609020204030204" pitchFamily="49" charset="0"/>
               </a:rPr>
               <a:t>rite some useful </a:t>
             </a:r>
             <a:r>
-              <a:rPr lang="en-GB" dirty="0" err="1" smtClean="0">
+              <a:rPr lang="en-GB" sz="2000" dirty="0" err="1" smtClean="0">
                 <a:latin typeface="Comic Sans MS" panose="030F0702030302020204" pitchFamily="66" charset="0"/>
                 <a:cs typeface="Consolas" panose="020B0609020204030204" pitchFamily="49" charset="0"/>
               </a:rPr>
               <a:t>blackbox</a:t>
             </a:r>
             <a:r>
-              <a:rPr lang="en-GB" dirty="0" smtClean="0">
+              <a:rPr lang="en-GB" sz="2000" dirty="0" smtClean="0">
                 <a:latin typeface="Comic Sans MS" panose="030F0702030302020204" pitchFamily="66" charset="0"/>
                 <a:cs typeface="Consolas" panose="020B0609020204030204" pitchFamily="49" charset="0"/>
               </a:rPr>
               <a:t> macros using </a:t>
             </a:r>
             <a:r>
-              <a:rPr lang="en-US" dirty="0" err="1" smtClean="0">
+              <a:rPr lang="en-US" sz="2000" dirty="0" err="1" smtClean="0">
                 <a:latin typeface="Comic Sans MS" panose="030F0702030302020204" pitchFamily="66" charset="0"/>
                 <a:cs typeface="Consolas" panose="020B0609020204030204" pitchFamily="49" charset="0"/>
               </a:rPr>
               <a:t>quasiquotes</a:t>
             </a:r>
-            <a:endParaRPr lang="en-US" dirty="0" smtClean="0">
+            <a:endParaRPr lang="en-US" sz="2000" dirty="0" smtClean="0">
               <a:latin typeface="Comic Sans MS" panose="030F0702030302020204" pitchFamily="66" charset="0"/>
               <a:cs typeface="Consolas" panose="020B0609020204030204" pitchFamily="49" charset="0"/>
             </a:endParaRPr>
@@ -10223,7 +10513,7 @@
               <a:buFont typeface="Arial" panose="020B0604020202020204" pitchFamily="34" charset="0"/>
               <a:buChar char="•"/>
             </a:pPr>
-            <a:endParaRPr lang="en-US" dirty="0">
+            <a:endParaRPr lang="en-US" sz="2000" dirty="0">
               <a:latin typeface="Comic Sans MS" panose="030F0702030302020204" pitchFamily="66" charset="0"/>
               <a:cs typeface="Consolas" panose="020B0609020204030204" pitchFamily="49" charset="0"/>
             </a:endParaRPr>
@@ -10233,7 +10523,7 @@
               <a:buFont typeface="Arial" panose="020B0604020202020204" pitchFamily="34" charset="0"/>
               <a:buChar char="•"/>
             </a:pPr>
-            <a:endParaRPr lang="en-US" dirty="0" smtClean="0">
+            <a:endParaRPr lang="en-US" sz="2000" dirty="0" smtClean="0">
               <a:latin typeface="Comic Sans MS" panose="030F0702030302020204" pitchFamily="66" charset="0"/>
               <a:cs typeface="Consolas" panose="020B0609020204030204" pitchFamily="49" charset="0"/>
             </a:endParaRPr>
@@ -10243,7 +10533,7 @@
               <a:buFont typeface="Arial" panose="020B0604020202020204" pitchFamily="34" charset="0"/>
               <a:buChar char="•"/>
             </a:pPr>
-            <a:endParaRPr lang="en-US" dirty="0" smtClean="0">
+            <a:endParaRPr lang="en-US" sz="2000" dirty="0" smtClean="0">
               <a:latin typeface="Comic Sans MS" panose="030F0702030302020204" pitchFamily="66" charset="0"/>
               <a:cs typeface="Consolas" panose="020B0609020204030204" pitchFamily="49" charset="0"/>
             </a:endParaRPr>
@@ -10253,7 +10543,7 @@
               <a:buFont typeface="Arial" panose="020B0604020202020204" pitchFamily="34" charset="0"/>
               <a:buChar char="•"/>
             </a:pPr>
-            <a:endParaRPr lang="en-US" dirty="0">
+            <a:endParaRPr lang="en-US" sz="2000" dirty="0">
               <a:latin typeface="Comic Sans MS" panose="030F0702030302020204" pitchFamily="66" charset="0"/>
               <a:cs typeface="Consolas" panose="020B0609020204030204" pitchFamily="49" charset="0"/>
             </a:endParaRPr>
@@ -10263,7 +10553,7 @@
               <a:buFont typeface="Arial" panose="020B0604020202020204" pitchFamily="34" charset="0"/>
               <a:buChar char="•"/>
             </a:pPr>
-            <a:endParaRPr lang="en-US" dirty="0" smtClean="0">
+            <a:endParaRPr lang="en-US" sz="2000" dirty="0" smtClean="0">
               <a:latin typeface="Comic Sans MS" panose="030F0702030302020204" pitchFamily="66" charset="0"/>
               <a:cs typeface="Consolas" panose="020B0609020204030204" pitchFamily="49" charset="0"/>
             </a:endParaRPr>
@@ -10273,7 +10563,7 @@
               <a:buFont typeface="Arial" panose="020B0604020202020204" pitchFamily="34" charset="0"/>
               <a:buChar char="•"/>
             </a:pPr>
-            <a:endParaRPr lang="en-US" dirty="0">
+            <a:endParaRPr lang="en-US" sz="2000" dirty="0">
               <a:latin typeface="Comic Sans MS" panose="030F0702030302020204" pitchFamily="66" charset="0"/>
               <a:cs typeface="Consolas" panose="020B0609020204030204" pitchFamily="49" charset="0"/>
             </a:endParaRPr>
@@ -10284,13 +10574,13 @@
               <a:buChar char="•"/>
             </a:pPr>
             <a:r>
-              <a:rPr lang="en-US" dirty="0" smtClean="0">
+              <a:rPr lang="en-US" sz="2000" dirty="0" smtClean="0">
                 <a:latin typeface="Comic Sans MS" panose="030F0702030302020204" pitchFamily="66" charset="0"/>
                 <a:cs typeface="Consolas" panose="020B0609020204030204" pitchFamily="49" charset="0"/>
               </a:rPr>
               <a:t>Or dive into the metaprogramming rabbit hole</a:t>
             </a:r>
-            <a:endParaRPr lang="en-GB" dirty="0">
+            <a:endParaRPr lang="en-GB" sz="2000" dirty="0">
               <a:latin typeface="Comic Sans MS" panose="030F0702030302020204" pitchFamily="66" charset="0"/>
               <a:cs typeface="Consolas" panose="020B0609020204030204" pitchFamily="49" charset="0"/>
             </a:endParaRPr>
@@ -10305,7 +10595,7 @@
         </p:nvSpPr>
         <p:spPr>
           <a:xfrm>
-            <a:off x="3412671" y="2094061"/>
+            <a:off x="3412671" y="2217171"/>
             <a:ext cx="1485900" cy="1502229"/>
           </a:xfrm>
           <a:prstGeom prst="smileyFace">
@@ -10360,7 +10650,7 @@
         </p:blipFill>
         <p:spPr>
           <a:xfrm>
-            <a:off x="3130951" y="4081541"/>
+            <a:off x="3130951" y="4402385"/>
             <a:ext cx="1767620" cy="1920674"/>
           </a:xfrm>
           <a:prstGeom prst="rect">

--- a/Scala_metaprogramming.pptx
+++ b/Scala_metaprogramming.pptx
@@ -9602,7 +9602,7 @@
         <p:spPr>
           <a:xfrm>
             <a:off x="563672" y="1691014"/>
-            <a:ext cx="7818328" cy="369332"/>
+            <a:ext cx="7818328" cy="4154984"/>
           </a:xfrm>
           <a:prstGeom prst="rect">
             <a:avLst/>
@@ -9620,13 +9620,148 @@
               <a:buChar char="•"/>
             </a:pPr>
             <a:r>
-              <a:rPr lang="lv-LV" dirty="0" smtClean="0">
-                <a:latin typeface="Comic Sans MS" panose="030F0702030302020204" pitchFamily="66" charset="0"/>
-                <a:cs typeface="Consolas" panose="020B0609020204030204" pitchFamily="49" charset="0"/>
-              </a:rPr>
-              <a:t>TODO</a:t>
-            </a:r>
-            <a:endParaRPr lang="en-GB" dirty="0">
+              <a:rPr lang="en-US" sz="2400" dirty="0" smtClean="0">
+                <a:latin typeface="Comic Sans MS" panose="030F0702030302020204" pitchFamily="66" charset="0"/>
+                <a:cs typeface="Consolas" panose="020B0609020204030204" pitchFamily="49" charset="0"/>
+              </a:rPr>
+              <a:t>Add new compilation phase(s) </a:t>
+            </a:r>
+            <a:r>
+              <a:rPr lang="en-US" sz="2400" dirty="0" smtClean="0">
+                <a:latin typeface="Comic Sans MS" panose="030F0702030302020204" pitchFamily="66" charset="0"/>
+                <a:cs typeface="Consolas" panose="020B0609020204030204" pitchFamily="49" charset="0"/>
+              </a:rPr>
+              <a:t>between existing</a:t>
+            </a:r>
+            <a:endParaRPr lang="en-US" sz="2400" dirty="0" smtClean="0">
+              <a:latin typeface="Comic Sans MS" panose="030F0702030302020204" pitchFamily="66" charset="0"/>
+              <a:cs typeface="Consolas" panose="020B0609020204030204" pitchFamily="49" charset="0"/>
+            </a:endParaRPr>
+          </a:p>
+          <a:p>
+            <a:pPr marL="285750" indent="-285750">
+              <a:buFont typeface="Arial" panose="020B0604020202020204" pitchFamily="34" charset="0"/>
+              <a:buChar char="•"/>
+            </a:pPr>
+            <a:r>
+              <a:rPr lang="en-US" sz="2400" dirty="0" smtClean="0">
+                <a:latin typeface="Comic Sans MS" panose="030F0702030302020204" pitchFamily="66" charset="0"/>
+                <a:cs typeface="Consolas" panose="020B0609020204030204" pitchFamily="49" charset="0"/>
+              </a:rPr>
+              <a:t>Can affect all the code</a:t>
+            </a:r>
+          </a:p>
+          <a:p>
+            <a:pPr marL="285750" indent="-285750">
+              <a:buFont typeface="Arial" panose="020B0604020202020204" pitchFamily="34" charset="0"/>
+              <a:buChar char="•"/>
+            </a:pPr>
+            <a:r>
+              <a:rPr lang="en-US" sz="2400" dirty="0" smtClean="0">
+                <a:latin typeface="Comic Sans MS" panose="030F0702030302020204" pitchFamily="66" charset="0"/>
+                <a:cs typeface="Consolas" panose="020B0609020204030204" pitchFamily="49" charset="0"/>
+              </a:rPr>
+              <a:t>Must know the compiler internals</a:t>
+            </a:r>
+            <a:endParaRPr lang="en-US" sz="2400" dirty="0" smtClean="0">
+              <a:latin typeface="Comic Sans MS" panose="030F0702030302020204" pitchFamily="66" charset="0"/>
+              <a:cs typeface="Consolas" panose="020B0609020204030204" pitchFamily="49" charset="0"/>
+            </a:endParaRPr>
+          </a:p>
+          <a:p>
+            <a:pPr marL="285750" indent="-285750">
+              <a:buFont typeface="Arial" panose="020B0604020202020204" pitchFamily="34" charset="0"/>
+              <a:buChar char="•"/>
+            </a:pPr>
+            <a:r>
+              <a:rPr lang="en-US" sz="2400" dirty="0" smtClean="0">
+                <a:latin typeface="Comic Sans MS" panose="030F0702030302020204" pitchFamily="66" charset="0"/>
+                <a:cs typeface="Consolas" panose="020B0609020204030204" pitchFamily="49" charset="0"/>
+              </a:rPr>
+              <a:t>The way to do metaprogramming before macros</a:t>
+            </a:r>
+          </a:p>
+          <a:p>
+            <a:pPr marL="285750" indent="-285750">
+              <a:buFont typeface="Arial" panose="020B0604020202020204" pitchFamily="34" charset="0"/>
+              <a:buChar char="•"/>
+            </a:pPr>
+            <a:endParaRPr lang="en-US" sz="2400" dirty="0">
+              <a:latin typeface="Comic Sans MS" panose="030F0702030302020204" pitchFamily="66" charset="0"/>
+              <a:cs typeface="Consolas" panose="020B0609020204030204" pitchFamily="49" charset="0"/>
+            </a:endParaRPr>
+          </a:p>
+          <a:p>
+            <a:pPr marL="285750" indent="-285750">
+              <a:buFont typeface="Arial" panose="020B0604020202020204" pitchFamily="34" charset="0"/>
+              <a:buChar char="•"/>
+            </a:pPr>
+            <a:r>
+              <a:rPr lang="en-US" sz="2400" dirty="0" smtClean="0">
+                <a:latin typeface="Comic Sans MS" panose="030F0702030302020204" pitchFamily="66" charset="0"/>
+                <a:cs typeface="Consolas" panose="020B0609020204030204" pitchFamily="49" charset="0"/>
+              </a:rPr>
+              <a:t>Notable uses:</a:t>
+            </a:r>
+          </a:p>
+          <a:p>
+            <a:pPr marL="742950" lvl="1" indent="-285750">
+              <a:buFont typeface="Arial" panose="020B0604020202020204" pitchFamily="34" charset="0"/>
+              <a:buChar char="•"/>
+            </a:pPr>
+            <a:r>
+              <a:rPr lang="en-US" sz="2400" dirty="0" smtClean="0">
+                <a:latin typeface="Comic Sans MS" panose="030F0702030302020204" pitchFamily="66" charset="0"/>
+                <a:cs typeface="Consolas" panose="020B0609020204030204" pitchFamily="49" charset="0"/>
+              </a:rPr>
+              <a:t>Macro paradise is a compiler plugin</a:t>
+            </a:r>
+          </a:p>
+          <a:p>
+            <a:pPr marL="742950" lvl="1" indent="-285750">
+              <a:buFont typeface="Arial" panose="020B0604020202020204" pitchFamily="34" charset="0"/>
+              <a:buChar char="•"/>
+            </a:pPr>
+            <a:r>
+              <a:rPr lang="en-US" sz="2400" dirty="0" smtClean="0">
+                <a:latin typeface="Comic Sans MS" panose="030F0702030302020204" pitchFamily="66" charset="0"/>
+                <a:cs typeface="Consolas" panose="020B0609020204030204" pitchFamily="49" charset="0"/>
+              </a:rPr>
+              <a:t>Silencer – an annotation based warning suppressor</a:t>
+            </a:r>
+          </a:p>
+          <a:p>
+            <a:pPr lvl="2"/>
+            <a:r>
+              <a:rPr lang="en-US" sz="2400" dirty="0">
+                <a:latin typeface="Comic Sans MS" panose="030F0702030302020204" pitchFamily="66" charset="0"/>
+                <a:cs typeface="Consolas" panose="020B0609020204030204" pitchFamily="49" charset="0"/>
+                <a:hlinkClick r:id="rId2"/>
+              </a:rPr>
+              <a:t>https://</a:t>
+            </a:r>
+            <a:r>
+              <a:rPr lang="en-US" sz="2400" dirty="0" smtClean="0">
+                <a:latin typeface="Comic Sans MS" panose="030F0702030302020204" pitchFamily="66" charset="0"/>
+                <a:cs typeface="Consolas" panose="020B0609020204030204" pitchFamily="49" charset="0"/>
+                <a:hlinkClick r:id="rId2"/>
+              </a:rPr>
+              <a:t>github.com/ghik/silencer</a:t>
+            </a:r>
+            <a:r>
+              <a:rPr lang="en-US" sz="2400" dirty="0" smtClean="0">
+                <a:latin typeface="Comic Sans MS" panose="030F0702030302020204" pitchFamily="66" charset="0"/>
+                <a:cs typeface="Consolas" panose="020B0609020204030204" pitchFamily="49" charset="0"/>
+              </a:rPr>
+              <a:t>  </a:t>
+            </a:r>
+          </a:p>
+          <a:p>
+            <a:pPr marL="285750" indent="-285750">
+              <a:buFont typeface="Arial" panose="020B0604020202020204" pitchFamily="34" charset="0"/>
+              <a:buChar char="•"/>
+            </a:pPr>
+            <a:endParaRPr lang="en-GB" sz="2400" dirty="0">
               <a:latin typeface="Comic Sans MS" panose="030F0702030302020204" pitchFamily="66" charset="0"/>
               <a:cs typeface="Consolas" panose="020B0609020204030204" pitchFamily="49" charset="0"/>
             </a:endParaRPr>
